--- a/Documentation/Design Reviews/Design Review 1.pptx
+++ b/Documentation/Design Reviews/Design Review 1.pptx
@@ -5,28 +5,31 @@
     <p:sldMasterId id="2147483684" r:id="rId1"/>
   </p:sldMasterIdLst>
   <p:notesMasterIdLst>
-    <p:notesMasterId r:id="rId21"/>
+    <p:notesMasterId r:id="rId24"/>
   </p:notesMasterIdLst>
   <p:sldIdLst>
     <p:sldId id="256" r:id="rId2"/>
     <p:sldId id="266" r:id="rId3"/>
     <p:sldId id="259" r:id="rId4"/>
-    <p:sldId id="267" r:id="rId5"/>
-    <p:sldId id="268" r:id="rId6"/>
-    <p:sldId id="273" r:id="rId7"/>
-    <p:sldId id="274" r:id="rId8"/>
-    <p:sldId id="275" r:id="rId9"/>
-    <p:sldId id="269" r:id="rId10"/>
-    <p:sldId id="270" r:id="rId11"/>
+    <p:sldId id="268" r:id="rId5"/>
+    <p:sldId id="273" r:id="rId6"/>
+    <p:sldId id="274" r:id="rId7"/>
+    <p:sldId id="275" r:id="rId8"/>
+    <p:sldId id="269" r:id="rId9"/>
+    <p:sldId id="270" r:id="rId10"/>
+    <p:sldId id="267" r:id="rId11"/>
     <p:sldId id="262" r:id="rId12"/>
     <p:sldId id="279" r:id="rId13"/>
     <p:sldId id="263" r:id="rId14"/>
     <p:sldId id="276" r:id="rId15"/>
     <p:sldId id="277" r:id="rId16"/>
-    <p:sldId id="278" r:id="rId17"/>
-    <p:sldId id="271" r:id="rId18"/>
+    <p:sldId id="281" r:id="rId17"/>
+    <p:sldId id="284" r:id="rId18"/>
     <p:sldId id="272" r:id="rId19"/>
-    <p:sldId id="265" r:id="rId20"/>
+    <p:sldId id="285" r:id="rId20"/>
+    <p:sldId id="271" r:id="rId21"/>
+    <p:sldId id="265" r:id="rId22"/>
+    <p:sldId id="282" r:id="rId23"/>
   </p:sldIdLst>
   <p:sldSz cx="9144000" cy="6858000" type="screen4x3"/>
   <p:notesSz cx="6858000" cy="9144000"/>
@@ -1408,30 +1411,30 @@
     </dgm:pt>
   </dgm:ptLst>
   <dgm:cxnLst>
+    <dgm:cxn modelId="{86581E74-C593-4A2D-BD5E-CE1BC5CC7E25}" srcId="{20BE8E71-F497-468A-8BCF-867CD172525E}" destId="{8F9A3036-4F59-4DA9-BC69-9C65CC5FF756}" srcOrd="2" destOrd="0" parTransId="{2CAD2807-D227-4017-ADAE-4A618EC18CA1}" sibTransId="{37768D46-5764-48A9-B061-92B3238D2032}"/>
+    <dgm:cxn modelId="{26F7855D-5015-4F58-ADC8-48ABC6F68CC6}" type="presOf" srcId="{CDB2F97C-D222-4B7B-AD17-9B1FCACAE65F}" destId="{946220FF-E030-4205-92BF-46A67B7F2879}" srcOrd="0" destOrd="0" presId="urn:microsoft.com/office/officeart/2008/layout/RadialCluster"/>
     <dgm:cxn modelId="{3315D23B-2CFF-4564-8C5B-949FBD8DF287}" type="presOf" srcId="{4C1B39BF-F010-4321-A742-3FBC32925276}" destId="{47177BF1-5F2D-48EF-8497-21FE3FD9FE79}" srcOrd="0" destOrd="0" presId="urn:microsoft.com/office/officeart/2008/layout/RadialCluster"/>
+    <dgm:cxn modelId="{6A2E968B-2B00-4302-9A51-BA269571DA50}" type="presOf" srcId="{8E16C110-46DD-418E-B68B-41176C7363CB}" destId="{0B933785-8F10-4908-A031-95865622E3A9}" srcOrd="0" destOrd="0" presId="urn:microsoft.com/office/officeart/2008/layout/RadialCluster"/>
+    <dgm:cxn modelId="{0BB6BE93-6D07-4673-BD6D-65D3ADF9CEC3}" type="presOf" srcId="{2F4CBA2C-CAAA-42CF-B78F-87DEEF1B277A}" destId="{F3FFE5E4-1BC0-4B54-81AE-AA579CAF2653}" srcOrd="0" destOrd="0" presId="urn:microsoft.com/office/officeart/2008/layout/RadialCluster"/>
+    <dgm:cxn modelId="{A3229B7A-98F5-4A02-B1BC-20C1B2FD93E3}" srcId="{20BE8E71-F497-468A-8BCF-867CD172525E}" destId="{CDB2F97C-D222-4B7B-AD17-9B1FCACAE65F}" srcOrd="5" destOrd="0" parTransId="{6D930E7D-F4CB-4AC6-8B6C-E671E00D2CDA}" sibTransId="{3DB89215-6E3B-42AE-A1CB-3027719161AB}"/>
+    <dgm:cxn modelId="{CBD0D219-0D1F-4AD5-9833-EB8FF4BB68DE}" type="presOf" srcId="{A582B7BA-4838-4A95-B337-9DB7268116E5}" destId="{6A9A5629-B80C-4D13-8A9A-8E0030CA29C6}" srcOrd="0" destOrd="0" presId="urn:microsoft.com/office/officeart/2008/layout/RadialCluster"/>
     <dgm:cxn modelId="{93F051FE-4DAD-4282-B99F-B0F7FF420B95}" srcId="{20BE8E71-F497-468A-8BCF-867CD172525E}" destId="{73692DD7-5A4E-48BB-B470-C5A4DA4EC749}" srcOrd="4" destOrd="0" parTransId="{8E16C110-46DD-418E-B68B-41176C7363CB}" sibTransId="{F993AD63-E991-4E38-8297-04B334507A7E}"/>
+    <dgm:cxn modelId="{F93764F6-6CF4-486A-B088-61AFCBE74DDC}" type="presOf" srcId="{4231E3A6-8236-41B8-8CD9-63D77671A4C8}" destId="{FB5C7847-0F50-42C0-A98F-6F92FFC53D0B}" srcOrd="0" destOrd="0" presId="urn:microsoft.com/office/officeart/2008/layout/RadialCluster"/>
+    <dgm:cxn modelId="{8C68F102-B0A2-4886-87E1-F9FB7D1B138B}" srcId="{20BE8E71-F497-468A-8BCF-867CD172525E}" destId="{BD98ED33-66DC-415F-9A6F-2546BAAF3B3D}" srcOrd="1" destOrd="0" parTransId="{14D5249F-26A5-4564-AB2D-600D54F71173}" sibTransId="{33D01D21-955E-4F24-A18E-4041C0D6DE2B}"/>
     <dgm:cxn modelId="{9801DC9E-87CA-482B-BEFD-C61AA9E8153B}" type="presOf" srcId="{8F9A3036-4F59-4DA9-BC69-9C65CC5FF756}" destId="{4F1D4343-F068-4E09-A4D6-84538D008E3A}" srcOrd="0" destOrd="0" presId="urn:microsoft.com/office/officeart/2008/layout/RadialCluster"/>
+    <dgm:cxn modelId="{592CB8F0-757C-454F-820C-9ECAD0BA8C6C}" type="presOf" srcId="{23159B30-BD23-4DDD-8C73-F4E0AA557D76}" destId="{52F0F047-BCCC-42EF-9CAE-76E3CB0C88BA}" srcOrd="0" destOrd="0" presId="urn:microsoft.com/office/officeart/2008/layout/RadialCluster"/>
     <dgm:cxn modelId="{C2859883-5757-46E9-8E4F-5E8DE07FE54E}" srcId="{20BE8E71-F497-468A-8BCF-867CD172525E}" destId="{4C1B39BF-F010-4321-A742-3FBC32925276}" srcOrd="6" destOrd="0" parTransId="{4231E3A6-8236-41B8-8CD9-63D77671A4C8}" sibTransId="{5200D3A7-3CAD-44FB-B8C1-9407EA7D36E6}"/>
+    <dgm:cxn modelId="{122508DC-A576-4A03-83E4-985FEF1A8B82}" srcId="{20BE8E71-F497-468A-8BCF-867CD172525E}" destId="{A582B7BA-4838-4A95-B337-9DB7268116E5}" srcOrd="3" destOrd="0" parTransId="{36786B02-748A-4748-B2D4-5874F7413149}" sibTransId="{4C297DF1-AEBE-4A83-A484-A60056753F8A}"/>
+    <dgm:cxn modelId="{C5384FD1-877F-4593-8247-FA395F924F75}" type="presOf" srcId="{14D5249F-26A5-4564-AB2D-600D54F71173}" destId="{B84AF4A8-3947-45EA-8993-17FEB967E4E7}" srcOrd="0" destOrd="0" presId="urn:microsoft.com/office/officeart/2008/layout/RadialCluster"/>
     <dgm:cxn modelId="{37D790B7-A6B2-486C-AC56-3F127FDFC93D}" type="presOf" srcId="{2CAD2807-D227-4017-ADAE-4A618EC18CA1}" destId="{3C9F8E07-2750-4F18-8439-C39435BC2A48}" srcOrd="0" destOrd="0" presId="urn:microsoft.com/office/officeart/2008/layout/RadialCluster"/>
     <dgm:cxn modelId="{84A1FB9D-2A24-4CE0-84DB-F1DA371028CC}" srcId="{2F4CBA2C-CAAA-42CF-B78F-87DEEF1B277A}" destId="{20BE8E71-F497-468A-8BCF-867CD172525E}" srcOrd="0" destOrd="0" parTransId="{10E7CD52-C70D-4B0D-BA73-39E7D6E0C441}" sibTransId="{C709E9FE-A76B-44F6-BBD4-8043D15198BD}"/>
-    <dgm:cxn modelId="{CBD0D219-0D1F-4AD5-9833-EB8FF4BB68DE}" type="presOf" srcId="{A582B7BA-4838-4A95-B337-9DB7268116E5}" destId="{6A9A5629-B80C-4D13-8A9A-8E0030CA29C6}" srcOrd="0" destOrd="0" presId="urn:microsoft.com/office/officeart/2008/layout/RadialCluster"/>
-    <dgm:cxn modelId="{A3229B7A-98F5-4A02-B1BC-20C1B2FD93E3}" srcId="{20BE8E71-F497-468A-8BCF-867CD172525E}" destId="{CDB2F97C-D222-4B7B-AD17-9B1FCACAE65F}" srcOrd="5" destOrd="0" parTransId="{6D930E7D-F4CB-4AC6-8B6C-E671E00D2CDA}" sibTransId="{3DB89215-6E3B-42AE-A1CB-3027719161AB}"/>
-    <dgm:cxn modelId="{0BB6BE93-6D07-4673-BD6D-65D3ADF9CEC3}" type="presOf" srcId="{2F4CBA2C-CAAA-42CF-B78F-87DEEF1B277A}" destId="{F3FFE5E4-1BC0-4B54-81AE-AA579CAF2653}" srcOrd="0" destOrd="0" presId="urn:microsoft.com/office/officeart/2008/layout/RadialCluster"/>
+    <dgm:cxn modelId="{CB4208AA-8711-4B6B-B368-C5B8083D375F}" type="presOf" srcId="{6D930E7D-F4CB-4AC6-8B6C-E671E00D2CDA}" destId="{B5E74FB8-825C-4828-9A1C-A241752DC65C}" srcOrd="0" destOrd="0" presId="urn:microsoft.com/office/officeart/2008/layout/RadialCluster"/>
+    <dgm:cxn modelId="{0E26857C-86C4-4BCD-9F66-26E63A1CA80C}" type="presOf" srcId="{BD98ED33-66DC-415F-9A6F-2546BAAF3B3D}" destId="{323636B3-28E9-4D84-9B24-4CA99FA81ACE}" srcOrd="0" destOrd="0" presId="urn:microsoft.com/office/officeart/2008/layout/RadialCluster"/>
+    <dgm:cxn modelId="{61CD37EC-E091-4684-BA08-16DEF43099BB}" type="presOf" srcId="{7EA5189C-8A82-4E31-B8DE-1A2F0B8D4C54}" destId="{C2CB6F57-0576-413F-A293-A0E78B21B9F8}" srcOrd="0" destOrd="0" presId="urn:microsoft.com/office/officeart/2008/layout/RadialCluster"/>
+    <dgm:cxn modelId="{985F22C7-0E7D-42A9-953C-A246EBC99718}" srcId="{20BE8E71-F497-468A-8BCF-867CD172525E}" destId="{23159B30-BD23-4DDD-8C73-F4E0AA557D76}" srcOrd="0" destOrd="0" parTransId="{7EA5189C-8A82-4E31-B8DE-1A2F0B8D4C54}" sibTransId="{F4542481-DB3E-488C-ACCA-3E4EB5875099}"/>
+    <dgm:cxn modelId="{137A4AF1-06F5-4D8A-8F96-21F19B99C142}" type="presOf" srcId="{73692DD7-5A4E-48BB-B470-C5A4DA4EC749}" destId="{42C18C40-B4AA-446C-B562-40C2969136A5}" srcOrd="0" destOrd="0" presId="urn:microsoft.com/office/officeart/2008/layout/RadialCluster"/>
     <dgm:cxn modelId="{687A8EDA-2547-4B66-A2DF-5F77F1D17C87}" type="presOf" srcId="{20BE8E71-F497-468A-8BCF-867CD172525E}" destId="{EA7B28CB-2911-4779-869A-AEC78C5F1671}" srcOrd="0" destOrd="0" presId="urn:microsoft.com/office/officeart/2008/layout/RadialCluster"/>
-    <dgm:cxn modelId="{8C68F102-B0A2-4886-87E1-F9FB7D1B138B}" srcId="{20BE8E71-F497-468A-8BCF-867CD172525E}" destId="{BD98ED33-66DC-415F-9A6F-2546BAAF3B3D}" srcOrd="1" destOrd="0" parTransId="{14D5249F-26A5-4564-AB2D-600D54F71173}" sibTransId="{33D01D21-955E-4F24-A18E-4041C0D6DE2B}"/>
-    <dgm:cxn modelId="{86581E74-C593-4A2D-BD5E-CE1BC5CC7E25}" srcId="{20BE8E71-F497-468A-8BCF-867CD172525E}" destId="{8F9A3036-4F59-4DA9-BC69-9C65CC5FF756}" srcOrd="2" destOrd="0" parTransId="{2CAD2807-D227-4017-ADAE-4A618EC18CA1}" sibTransId="{37768D46-5764-48A9-B061-92B3238D2032}"/>
-    <dgm:cxn modelId="{592CB8F0-757C-454F-820C-9ECAD0BA8C6C}" type="presOf" srcId="{23159B30-BD23-4DDD-8C73-F4E0AA557D76}" destId="{52F0F047-BCCC-42EF-9CAE-76E3CB0C88BA}" srcOrd="0" destOrd="0" presId="urn:microsoft.com/office/officeart/2008/layout/RadialCluster"/>
-    <dgm:cxn modelId="{985F22C7-0E7D-42A9-953C-A246EBC99718}" srcId="{20BE8E71-F497-468A-8BCF-867CD172525E}" destId="{23159B30-BD23-4DDD-8C73-F4E0AA557D76}" srcOrd="0" destOrd="0" parTransId="{7EA5189C-8A82-4E31-B8DE-1A2F0B8D4C54}" sibTransId="{F4542481-DB3E-488C-ACCA-3E4EB5875099}"/>
-    <dgm:cxn modelId="{0E26857C-86C4-4BCD-9F66-26E63A1CA80C}" type="presOf" srcId="{BD98ED33-66DC-415F-9A6F-2546BAAF3B3D}" destId="{323636B3-28E9-4D84-9B24-4CA99FA81ACE}" srcOrd="0" destOrd="0" presId="urn:microsoft.com/office/officeart/2008/layout/RadialCluster"/>
     <dgm:cxn modelId="{9AA18266-4943-45ED-A460-D5F91AC5B52E}" type="presOf" srcId="{36786B02-748A-4748-B2D4-5874F7413149}" destId="{F3A44B51-B4D8-4EB5-89F7-4849638C9113}" srcOrd="0" destOrd="0" presId="urn:microsoft.com/office/officeart/2008/layout/RadialCluster"/>
-    <dgm:cxn modelId="{C5384FD1-877F-4593-8247-FA395F924F75}" type="presOf" srcId="{14D5249F-26A5-4564-AB2D-600D54F71173}" destId="{B84AF4A8-3947-45EA-8993-17FEB967E4E7}" srcOrd="0" destOrd="0" presId="urn:microsoft.com/office/officeart/2008/layout/RadialCluster"/>
-    <dgm:cxn modelId="{6A2E968B-2B00-4302-9A51-BA269571DA50}" type="presOf" srcId="{8E16C110-46DD-418E-B68B-41176C7363CB}" destId="{0B933785-8F10-4908-A031-95865622E3A9}" srcOrd="0" destOrd="0" presId="urn:microsoft.com/office/officeart/2008/layout/RadialCluster"/>
-    <dgm:cxn modelId="{122508DC-A576-4A03-83E4-985FEF1A8B82}" srcId="{20BE8E71-F497-468A-8BCF-867CD172525E}" destId="{A582B7BA-4838-4A95-B337-9DB7268116E5}" srcOrd="3" destOrd="0" parTransId="{36786B02-748A-4748-B2D4-5874F7413149}" sibTransId="{4C297DF1-AEBE-4A83-A484-A60056753F8A}"/>
-    <dgm:cxn modelId="{F93764F6-6CF4-486A-B088-61AFCBE74DDC}" type="presOf" srcId="{4231E3A6-8236-41B8-8CD9-63D77671A4C8}" destId="{FB5C7847-0F50-42C0-A98F-6F92FFC53D0B}" srcOrd="0" destOrd="0" presId="urn:microsoft.com/office/officeart/2008/layout/RadialCluster"/>
-    <dgm:cxn modelId="{26F7855D-5015-4F58-ADC8-48ABC6F68CC6}" type="presOf" srcId="{CDB2F97C-D222-4B7B-AD17-9B1FCACAE65F}" destId="{946220FF-E030-4205-92BF-46A67B7F2879}" srcOrd="0" destOrd="0" presId="urn:microsoft.com/office/officeart/2008/layout/RadialCluster"/>
-    <dgm:cxn modelId="{61CD37EC-E091-4684-BA08-16DEF43099BB}" type="presOf" srcId="{7EA5189C-8A82-4E31-B8DE-1A2F0B8D4C54}" destId="{C2CB6F57-0576-413F-A293-A0E78B21B9F8}" srcOrd="0" destOrd="0" presId="urn:microsoft.com/office/officeart/2008/layout/RadialCluster"/>
-    <dgm:cxn modelId="{CB4208AA-8711-4B6B-B368-C5B8083D375F}" type="presOf" srcId="{6D930E7D-F4CB-4AC6-8B6C-E671E00D2CDA}" destId="{B5E74FB8-825C-4828-9A1C-A241752DC65C}" srcOrd="0" destOrd="0" presId="urn:microsoft.com/office/officeart/2008/layout/RadialCluster"/>
-    <dgm:cxn modelId="{137A4AF1-06F5-4D8A-8F96-21F19B99C142}" type="presOf" srcId="{73692DD7-5A4E-48BB-B470-C5A4DA4EC749}" destId="{42C18C40-B4AA-446C-B562-40C2969136A5}" srcOrd="0" destOrd="0" presId="urn:microsoft.com/office/officeart/2008/layout/RadialCluster"/>
     <dgm:cxn modelId="{BFFCAA7A-7A50-4032-9C89-D6620E9AD265}" type="presParOf" srcId="{F3FFE5E4-1BC0-4B54-81AE-AA579CAF2653}" destId="{B22068D3-DDED-4F7A-869F-113F94CC087D}" srcOrd="0" destOrd="0" presId="urn:microsoft.com/office/officeart/2008/layout/RadialCluster"/>
     <dgm:cxn modelId="{22E76D57-FA4B-4090-8D7B-637F59289991}" type="presParOf" srcId="{B22068D3-DDED-4F7A-869F-113F94CC087D}" destId="{EA7B28CB-2911-4779-869A-AEC78C5F1671}" srcOrd="0" destOrd="0" presId="urn:microsoft.com/office/officeart/2008/layout/RadialCluster"/>
     <dgm:cxn modelId="{C4FCDBE5-0DDD-44F7-B65C-D908399031A9}" type="presParOf" srcId="{B22068D3-DDED-4F7A-869F-113F94CC087D}" destId="{C2CB6F57-0576-413F-A293-A0E78B21B9F8}" srcOrd="1" destOrd="0" presId="urn:microsoft.com/office/officeart/2008/layout/RadialCluster"/>
@@ -1453,7 +1456,7 @@
   <dgm:whole/>
   <dgm:extLst>
     <a:ext uri="http://schemas.microsoft.com/office/drawing/2008/diagram">
-      <dsp:dataModelExt xmlns:dsp="http://schemas.microsoft.com/office/drawing/2008/diagram" relId="rId7" minVer="http://schemas.openxmlformats.org/drawingml/2006/diagram"/>
+      <dsp:dataModelExt xmlns:dsp="http://schemas.microsoft.com/office/drawing/2008/diagram" relId="rId8" minVer="http://schemas.openxmlformats.org/drawingml/2006/diagram"/>
     </a:ext>
   </dgm:extLst>
 </dgm:dataModel>
@@ -6978,6 +6981,90 @@
           <a:bodyPr/>
           <a:lstStyle/>
           <a:p>
+            <a:endParaRPr lang="en-US" dirty="0"/>
+          </a:p>
+        </p:txBody>
+      </p:sp>
+      <p:sp>
+        <p:nvSpPr>
+          <p:cNvPr id="4" name="Slide Number Placeholder 3"/>
+          <p:cNvSpPr>
+            <a:spLocks noGrp="1"/>
+          </p:cNvSpPr>
+          <p:nvPr>
+            <p:ph type="sldNum" sz="quarter" idx="10"/>
+          </p:nvPr>
+        </p:nvSpPr>
+        <p:spPr/>
+        <p:txBody>
+          <a:bodyPr/>
+          <a:lstStyle/>
+          <a:p>
+            <a:fld id="{774118CE-2326-4E90-83DF-11ED7A461FE5}" type="slidenum">
+              <a:rPr lang="en-US" smtClean="0"/>
+              <a:t>1</a:t>
+            </a:fld>
+            <a:endParaRPr lang="en-US"/>
+          </a:p>
+        </p:txBody>
+      </p:sp>
+    </p:spTree>
+    <p:extLst>
+      <p:ext uri="{BB962C8B-B14F-4D97-AF65-F5344CB8AC3E}">
+        <p14:creationId xmlns:p14="http://schemas.microsoft.com/office/powerpoint/2010/main" val="2665114827"/>
+      </p:ext>
+    </p:extLst>
+  </p:cSld>
+  <p:clrMapOvr>
+    <a:masterClrMapping/>
+  </p:clrMapOvr>
+</p:notes>
+</file>
+
+<file path=ppt/notesSlides/notesSlide10.xml><?xml version="1.0" encoding="utf-8"?>
+<p:notes xmlns:a="http://schemas.openxmlformats.org/drawingml/2006/main" xmlns:r="http://schemas.openxmlformats.org/officeDocument/2006/relationships" xmlns:p="http://schemas.openxmlformats.org/presentationml/2006/main">
+  <p:cSld>
+    <p:spTree>
+      <p:nvGrpSpPr>
+        <p:cNvPr id="1" name=""/>
+        <p:cNvGrpSpPr/>
+        <p:nvPr/>
+      </p:nvGrpSpPr>
+      <p:grpSpPr>
+        <a:xfrm>
+          <a:off x="0" y="0"/>
+          <a:ext cx="0" cy="0"/>
+          <a:chOff x="0" y="0"/>
+          <a:chExt cx="0" cy="0"/>
+        </a:xfrm>
+      </p:grpSpPr>
+      <p:sp>
+        <p:nvSpPr>
+          <p:cNvPr id="2" name="Slide Image Placeholder 1"/>
+          <p:cNvSpPr>
+            <a:spLocks noGrp="1" noRot="1" noChangeAspect="1"/>
+          </p:cNvSpPr>
+          <p:nvPr>
+            <p:ph type="sldImg"/>
+          </p:nvPr>
+        </p:nvSpPr>
+        <p:spPr/>
+      </p:sp>
+      <p:sp>
+        <p:nvSpPr>
+          <p:cNvPr id="3" name="Notes Placeholder 2"/>
+          <p:cNvSpPr>
+            <a:spLocks noGrp="1"/>
+          </p:cNvSpPr>
+          <p:nvPr>
+            <p:ph type="body" idx="1"/>
+          </p:nvPr>
+        </p:nvSpPr>
+        <p:spPr/>
+        <p:txBody>
+          <a:bodyPr/>
+          <a:lstStyle/>
+          <a:p>
             <a:pPr marL="0" marR="0" indent="0" algn="l" defTabSz="914400" rtl="0" eaLnBrk="1" fontAlgn="auto" latinLnBrk="0" hangingPunct="1">
               <a:lnSpc>
                 <a:spcPct val="100000"/>
@@ -6997,31 +7084,55 @@
             </a:pPr>
             <a:r>
               <a:rPr lang="en-US" dirty="0" smtClean="0"/>
-              <a:t>We</a:t>
+              <a:t>Kevin</a:t>
+            </a:r>
+          </a:p>
+          <a:p>
+            <a:pPr marL="0" marR="0" indent="0" algn="l" defTabSz="914400" rtl="0" eaLnBrk="1" fontAlgn="auto" latinLnBrk="0" hangingPunct="1">
+              <a:lnSpc>
+                <a:spcPct val="100000"/>
+              </a:lnSpc>
+              <a:spcBef>
+                <a:spcPts val="0"/>
+              </a:spcBef>
+              <a:spcAft>
+                <a:spcPts val="0"/>
+              </a:spcAft>
+              <a:buClrTx/>
+              <a:buSzTx/>
+              <a:buFontTx/>
+              <a:buNone/>
+              <a:tabLst/>
+              <a:defRPr/>
+            </a:pPr>
+            <a:endParaRPr lang="en-US" dirty="0" smtClean="0"/>
+          </a:p>
+          <a:p>
+            <a:pPr marL="0" marR="0" indent="0" algn="l" defTabSz="914400" rtl="0" eaLnBrk="1" fontAlgn="auto" latinLnBrk="0" hangingPunct="1">
+              <a:lnSpc>
+                <a:spcPct val="100000"/>
+              </a:lnSpc>
+              <a:spcBef>
+                <a:spcPts val="0"/>
+              </a:spcBef>
+              <a:spcAft>
+                <a:spcPts val="0"/>
+              </a:spcAft>
+              <a:buClrTx/>
+              <a:buSzTx/>
+              <a:buFontTx/>
+              <a:buNone/>
+              <a:tabLst/>
+              <a:defRPr/>
+            </a:pPr>
+            <a:r>
+              <a:rPr lang="en-US" dirty="0" smtClean="0"/>
+              <a:t>Once</a:t>
             </a:r>
             <a:r>
               <a:rPr lang="en-US" baseline="0" dirty="0" smtClean="0"/>
-              <a:t> have been asked by national instruments to design and build a self balancing unicycle robot to showcase NI’s newest robotics toolkit.  National Instruments has developed a full real time controlling suite to be all encompassing with the </a:t>
-            </a:r>
-            <a:r>
-              <a:rPr lang="en-US" baseline="0" dirty="0" err="1" smtClean="0"/>
-              <a:t>LabVIEW</a:t>
-            </a:r>
-            <a:r>
-              <a:rPr lang="en-US" baseline="0" dirty="0" smtClean="0"/>
-              <a:t> Robotics toolkit and their Real-Time controllers, specifically to us the compact Rio, or </a:t>
-            </a:r>
-            <a:r>
-              <a:rPr lang="en-US" baseline="0" dirty="0" err="1" smtClean="0"/>
-              <a:t>cRIO</a:t>
-            </a:r>
-            <a:r>
-              <a:rPr lang="en-US" baseline="0" dirty="0" smtClean="0"/>
-              <a:t>.  </a:t>
-            </a:r>
-            <a:endParaRPr lang="en-US" dirty="0" smtClean="0"/>
-          </a:p>
-          <a:p>
+              <a:t> we have all of the electrical components, we will build</a:t>
+            </a:r>
             <a:endParaRPr lang="en-US" dirty="0"/>
           </a:p>
         </p:txBody>
@@ -7043,7 +7154,7 @@
           <a:p>
             <a:fld id="{774118CE-2326-4E90-83DF-11ED7A461FE5}" type="slidenum">
               <a:rPr lang="en-US" smtClean="0"/>
-              <a:t>2</a:t>
+              <a:t>10</a:t>
             </a:fld>
             <a:endParaRPr lang="en-US"/>
           </a:p>
@@ -7052,7 +7163,799 @@
     </p:spTree>
     <p:extLst>
       <p:ext uri="{BB962C8B-B14F-4D97-AF65-F5344CB8AC3E}">
-        <p14:creationId xmlns:p14="http://schemas.microsoft.com/office/powerpoint/2010/main" val="1958463847"/>
+        <p14:creationId xmlns:p14="http://schemas.microsoft.com/office/powerpoint/2010/main" val="62533980"/>
+      </p:ext>
+    </p:extLst>
+  </p:cSld>
+  <p:clrMapOvr>
+    <a:masterClrMapping/>
+  </p:clrMapOvr>
+</p:notes>
+</file>
+
+<file path=ppt/notesSlides/notesSlide11.xml><?xml version="1.0" encoding="utf-8"?>
+<p:notes xmlns:a="http://schemas.openxmlformats.org/drawingml/2006/main" xmlns:r="http://schemas.openxmlformats.org/officeDocument/2006/relationships" xmlns:p="http://schemas.openxmlformats.org/presentationml/2006/main">
+  <p:cSld>
+    <p:spTree>
+      <p:nvGrpSpPr>
+        <p:cNvPr id="1" name=""/>
+        <p:cNvGrpSpPr/>
+        <p:nvPr/>
+      </p:nvGrpSpPr>
+      <p:grpSpPr>
+        <a:xfrm>
+          <a:off x="0" y="0"/>
+          <a:ext cx="0" cy="0"/>
+          <a:chOff x="0" y="0"/>
+          <a:chExt cx="0" cy="0"/>
+        </a:xfrm>
+      </p:grpSpPr>
+      <p:sp>
+        <p:nvSpPr>
+          <p:cNvPr id="2" name="Slide Image Placeholder 1"/>
+          <p:cNvSpPr>
+            <a:spLocks noGrp="1" noRot="1" noChangeAspect="1"/>
+          </p:cNvSpPr>
+          <p:nvPr>
+            <p:ph type="sldImg"/>
+          </p:nvPr>
+        </p:nvSpPr>
+        <p:spPr/>
+      </p:sp>
+      <p:sp>
+        <p:nvSpPr>
+          <p:cNvPr id="3" name="Notes Placeholder 2"/>
+          <p:cNvSpPr>
+            <a:spLocks noGrp="1"/>
+          </p:cNvSpPr>
+          <p:nvPr>
+            <p:ph type="body" idx="1"/>
+          </p:nvPr>
+        </p:nvSpPr>
+        <p:spPr/>
+        <p:txBody>
+          <a:bodyPr/>
+          <a:lstStyle/>
+          <a:p>
+            <a:r>
+              <a:rPr lang="en-US" dirty="0" smtClean="0"/>
+              <a:t>Kevin</a:t>
+            </a:r>
+            <a:endParaRPr lang="en-US" dirty="0"/>
+          </a:p>
+        </p:txBody>
+      </p:sp>
+      <p:sp>
+        <p:nvSpPr>
+          <p:cNvPr id="4" name="Slide Number Placeholder 3"/>
+          <p:cNvSpPr>
+            <a:spLocks noGrp="1"/>
+          </p:cNvSpPr>
+          <p:nvPr>
+            <p:ph type="sldNum" sz="quarter" idx="10"/>
+          </p:nvPr>
+        </p:nvSpPr>
+        <p:spPr/>
+        <p:txBody>
+          <a:bodyPr/>
+          <a:lstStyle/>
+          <a:p>
+            <a:fld id="{774118CE-2326-4E90-83DF-11ED7A461FE5}" type="slidenum">
+              <a:rPr lang="en-US" smtClean="0"/>
+              <a:t>11</a:t>
+            </a:fld>
+            <a:endParaRPr lang="en-US"/>
+          </a:p>
+        </p:txBody>
+      </p:sp>
+    </p:spTree>
+    <p:extLst>
+      <p:ext uri="{BB962C8B-B14F-4D97-AF65-F5344CB8AC3E}">
+        <p14:creationId xmlns:p14="http://schemas.microsoft.com/office/powerpoint/2010/main" val="1747577525"/>
+      </p:ext>
+    </p:extLst>
+  </p:cSld>
+  <p:clrMapOvr>
+    <a:masterClrMapping/>
+  </p:clrMapOvr>
+</p:notes>
+</file>
+
+<file path=ppt/notesSlides/notesSlide12.xml><?xml version="1.0" encoding="utf-8"?>
+<p:notes xmlns:a="http://schemas.openxmlformats.org/drawingml/2006/main" xmlns:r="http://schemas.openxmlformats.org/officeDocument/2006/relationships" xmlns:p="http://schemas.openxmlformats.org/presentationml/2006/main">
+  <p:cSld>
+    <p:spTree>
+      <p:nvGrpSpPr>
+        <p:cNvPr id="1" name=""/>
+        <p:cNvGrpSpPr/>
+        <p:nvPr/>
+      </p:nvGrpSpPr>
+      <p:grpSpPr>
+        <a:xfrm>
+          <a:off x="0" y="0"/>
+          <a:ext cx="0" cy="0"/>
+          <a:chOff x="0" y="0"/>
+          <a:chExt cx="0" cy="0"/>
+        </a:xfrm>
+      </p:grpSpPr>
+      <p:sp>
+        <p:nvSpPr>
+          <p:cNvPr id="2" name="Slide Image Placeholder 1"/>
+          <p:cNvSpPr>
+            <a:spLocks noGrp="1" noRot="1" noChangeAspect="1"/>
+          </p:cNvSpPr>
+          <p:nvPr>
+            <p:ph type="sldImg"/>
+          </p:nvPr>
+        </p:nvSpPr>
+        <p:spPr/>
+      </p:sp>
+      <p:sp>
+        <p:nvSpPr>
+          <p:cNvPr id="3" name="Notes Placeholder 2"/>
+          <p:cNvSpPr>
+            <a:spLocks noGrp="1"/>
+          </p:cNvSpPr>
+          <p:nvPr>
+            <p:ph type="body" idx="1"/>
+          </p:nvPr>
+        </p:nvSpPr>
+        <p:spPr/>
+        <p:txBody>
+          <a:bodyPr/>
+          <a:lstStyle/>
+          <a:p>
+            <a:r>
+              <a:rPr lang="en-US" dirty="0" smtClean="0"/>
+              <a:t>Ander</a:t>
+            </a:r>
+            <a:endParaRPr lang="en-US" dirty="0"/>
+          </a:p>
+        </p:txBody>
+      </p:sp>
+      <p:sp>
+        <p:nvSpPr>
+          <p:cNvPr id="4" name="Slide Number Placeholder 3"/>
+          <p:cNvSpPr>
+            <a:spLocks noGrp="1"/>
+          </p:cNvSpPr>
+          <p:nvPr>
+            <p:ph type="sldNum" sz="quarter" idx="10"/>
+          </p:nvPr>
+        </p:nvSpPr>
+        <p:spPr/>
+        <p:txBody>
+          <a:bodyPr/>
+          <a:lstStyle/>
+          <a:p>
+            <a:fld id="{774118CE-2326-4E90-83DF-11ED7A461FE5}" type="slidenum">
+              <a:rPr lang="en-US" smtClean="0"/>
+              <a:t>12</a:t>
+            </a:fld>
+            <a:endParaRPr lang="en-US"/>
+          </a:p>
+        </p:txBody>
+      </p:sp>
+    </p:spTree>
+    <p:extLst>
+      <p:ext uri="{BB962C8B-B14F-4D97-AF65-F5344CB8AC3E}">
+        <p14:creationId xmlns:p14="http://schemas.microsoft.com/office/powerpoint/2010/main" val="562347938"/>
+      </p:ext>
+    </p:extLst>
+  </p:cSld>
+  <p:clrMapOvr>
+    <a:masterClrMapping/>
+  </p:clrMapOvr>
+</p:notes>
+</file>
+
+<file path=ppt/notesSlides/notesSlide13.xml><?xml version="1.0" encoding="utf-8"?>
+<p:notes xmlns:a="http://schemas.openxmlformats.org/drawingml/2006/main" xmlns:r="http://schemas.openxmlformats.org/officeDocument/2006/relationships" xmlns:p="http://schemas.openxmlformats.org/presentationml/2006/main">
+  <p:cSld>
+    <p:spTree>
+      <p:nvGrpSpPr>
+        <p:cNvPr id="1" name=""/>
+        <p:cNvGrpSpPr/>
+        <p:nvPr/>
+      </p:nvGrpSpPr>
+      <p:grpSpPr>
+        <a:xfrm>
+          <a:off x="0" y="0"/>
+          <a:ext cx="0" cy="0"/>
+          <a:chOff x="0" y="0"/>
+          <a:chExt cx="0" cy="0"/>
+        </a:xfrm>
+      </p:grpSpPr>
+      <p:sp>
+        <p:nvSpPr>
+          <p:cNvPr id="2" name="Slide Image Placeholder 1"/>
+          <p:cNvSpPr>
+            <a:spLocks noGrp="1" noRot="1" noChangeAspect="1"/>
+          </p:cNvSpPr>
+          <p:nvPr>
+            <p:ph type="sldImg"/>
+          </p:nvPr>
+        </p:nvSpPr>
+        <p:spPr/>
+      </p:sp>
+      <p:sp>
+        <p:nvSpPr>
+          <p:cNvPr id="3" name="Notes Placeholder 2"/>
+          <p:cNvSpPr>
+            <a:spLocks noGrp="1"/>
+          </p:cNvSpPr>
+          <p:nvPr>
+            <p:ph type="body" idx="1"/>
+          </p:nvPr>
+        </p:nvSpPr>
+        <p:spPr/>
+        <p:txBody>
+          <a:bodyPr/>
+          <a:lstStyle/>
+          <a:p>
+            <a:r>
+              <a:rPr lang="en-US" dirty="0" smtClean="0"/>
+              <a:t>Ander</a:t>
+            </a:r>
+            <a:endParaRPr lang="en-US" dirty="0"/>
+          </a:p>
+        </p:txBody>
+      </p:sp>
+      <p:sp>
+        <p:nvSpPr>
+          <p:cNvPr id="4" name="Slide Number Placeholder 3"/>
+          <p:cNvSpPr>
+            <a:spLocks noGrp="1"/>
+          </p:cNvSpPr>
+          <p:nvPr>
+            <p:ph type="sldNum" sz="quarter" idx="10"/>
+          </p:nvPr>
+        </p:nvSpPr>
+        <p:spPr/>
+        <p:txBody>
+          <a:bodyPr/>
+          <a:lstStyle/>
+          <a:p>
+            <a:fld id="{774118CE-2326-4E90-83DF-11ED7A461FE5}" type="slidenum">
+              <a:rPr lang="en-US" smtClean="0"/>
+              <a:t>13</a:t>
+            </a:fld>
+            <a:endParaRPr lang="en-US"/>
+          </a:p>
+        </p:txBody>
+      </p:sp>
+    </p:spTree>
+    <p:extLst>
+      <p:ext uri="{BB962C8B-B14F-4D97-AF65-F5344CB8AC3E}">
+        <p14:creationId xmlns:p14="http://schemas.microsoft.com/office/powerpoint/2010/main" val="2552622162"/>
+      </p:ext>
+    </p:extLst>
+  </p:cSld>
+  <p:clrMapOvr>
+    <a:masterClrMapping/>
+  </p:clrMapOvr>
+</p:notes>
+</file>
+
+<file path=ppt/notesSlides/notesSlide14.xml><?xml version="1.0" encoding="utf-8"?>
+<p:notes xmlns:a="http://schemas.openxmlformats.org/drawingml/2006/main" xmlns:r="http://schemas.openxmlformats.org/officeDocument/2006/relationships" xmlns:p="http://schemas.openxmlformats.org/presentationml/2006/main">
+  <p:cSld>
+    <p:spTree>
+      <p:nvGrpSpPr>
+        <p:cNvPr id="1" name=""/>
+        <p:cNvGrpSpPr/>
+        <p:nvPr/>
+      </p:nvGrpSpPr>
+      <p:grpSpPr>
+        <a:xfrm>
+          <a:off x="0" y="0"/>
+          <a:ext cx="0" cy="0"/>
+          <a:chOff x="0" y="0"/>
+          <a:chExt cx="0" cy="0"/>
+        </a:xfrm>
+      </p:grpSpPr>
+      <p:sp>
+        <p:nvSpPr>
+          <p:cNvPr id="2" name="Slide Image Placeholder 1"/>
+          <p:cNvSpPr>
+            <a:spLocks noGrp="1" noRot="1" noChangeAspect="1"/>
+          </p:cNvSpPr>
+          <p:nvPr>
+            <p:ph type="sldImg"/>
+          </p:nvPr>
+        </p:nvSpPr>
+        <p:spPr/>
+      </p:sp>
+      <p:sp>
+        <p:nvSpPr>
+          <p:cNvPr id="3" name="Notes Placeholder 2"/>
+          <p:cNvSpPr>
+            <a:spLocks noGrp="1"/>
+          </p:cNvSpPr>
+          <p:nvPr>
+            <p:ph type="body" idx="1"/>
+          </p:nvPr>
+        </p:nvSpPr>
+        <p:spPr/>
+        <p:txBody>
+          <a:bodyPr/>
+          <a:lstStyle/>
+          <a:p>
+            <a:r>
+              <a:rPr lang="en-US" dirty="0" smtClean="0"/>
+              <a:t>Ander</a:t>
+            </a:r>
+            <a:endParaRPr lang="en-US" dirty="0"/>
+          </a:p>
+        </p:txBody>
+      </p:sp>
+      <p:sp>
+        <p:nvSpPr>
+          <p:cNvPr id="4" name="Slide Number Placeholder 3"/>
+          <p:cNvSpPr>
+            <a:spLocks noGrp="1"/>
+          </p:cNvSpPr>
+          <p:nvPr>
+            <p:ph type="sldNum" sz="quarter" idx="10"/>
+          </p:nvPr>
+        </p:nvSpPr>
+        <p:spPr/>
+        <p:txBody>
+          <a:bodyPr/>
+          <a:lstStyle/>
+          <a:p>
+            <a:fld id="{774118CE-2326-4E90-83DF-11ED7A461FE5}" type="slidenum">
+              <a:rPr lang="en-US" smtClean="0"/>
+              <a:t>14</a:t>
+            </a:fld>
+            <a:endParaRPr lang="en-US"/>
+          </a:p>
+        </p:txBody>
+      </p:sp>
+    </p:spTree>
+    <p:extLst>
+      <p:ext uri="{BB962C8B-B14F-4D97-AF65-F5344CB8AC3E}">
+        <p14:creationId xmlns:p14="http://schemas.microsoft.com/office/powerpoint/2010/main" val="1285917308"/>
+      </p:ext>
+    </p:extLst>
+  </p:cSld>
+  <p:clrMapOvr>
+    <a:masterClrMapping/>
+  </p:clrMapOvr>
+</p:notes>
+</file>
+
+<file path=ppt/notesSlides/notesSlide15.xml><?xml version="1.0" encoding="utf-8"?>
+<p:notes xmlns:a="http://schemas.openxmlformats.org/drawingml/2006/main" xmlns:r="http://schemas.openxmlformats.org/officeDocument/2006/relationships" xmlns:p="http://schemas.openxmlformats.org/presentationml/2006/main">
+  <p:cSld>
+    <p:spTree>
+      <p:nvGrpSpPr>
+        <p:cNvPr id="1" name=""/>
+        <p:cNvGrpSpPr/>
+        <p:nvPr/>
+      </p:nvGrpSpPr>
+      <p:grpSpPr>
+        <a:xfrm>
+          <a:off x="0" y="0"/>
+          <a:ext cx="0" cy="0"/>
+          <a:chOff x="0" y="0"/>
+          <a:chExt cx="0" cy="0"/>
+        </a:xfrm>
+      </p:grpSpPr>
+      <p:sp>
+        <p:nvSpPr>
+          <p:cNvPr id="2" name="Slide Image Placeholder 1"/>
+          <p:cNvSpPr>
+            <a:spLocks noGrp="1" noRot="1" noChangeAspect="1"/>
+          </p:cNvSpPr>
+          <p:nvPr>
+            <p:ph type="sldImg"/>
+          </p:nvPr>
+        </p:nvSpPr>
+        <p:spPr/>
+      </p:sp>
+      <p:sp>
+        <p:nvSpPr>
+          <p:cNvPr id="3" name="Notes Placeholder 2"/>
+          <p:cNvSpPr>
+            <a:spLocks noGrp="1"/>
+          </p:cNvSpPr>
+          <p:nvPr>
+            <p:ph type="body" idx="1"/>
+          </p:nvPr>
+        </p:nvSpPr>
+        <p:spPr/>
+        <p:txBody>
+          <a:bodyPr/>
+          <a:lstStyle/>
+          <a:p>
+            <a:r>
+              <a:rPr lang="en-US" dirty="0" smtClean="0"/>
+              <a:t>Ander</a:t>
+            </a:r>
+            <a:endParaRPr lang="en-US" dirty="0"/>
+          </a:p>
+        </p:txBody>
+      </p:sp>
+      <p:sp>
+        <p:nvSpPr>
+          <p:cNvPr id="4" name="Slide Number Placeholder 3"/>
+          <p:cNvSpPr>
+            <a:spLocks noGrp="1"/>
+          </p:cNvSpPr>
+          <p:nvPr>
+            <p:ph type="sldNum" sz="quarter" idx="10"/>
+          </p:nvPr>
+        </p:nvSpPr>
+        <p:spPr/>
+        <p:txBody>
+          <a:bodyPr/>
+          <a:lstStyle/>
+          <a:p>
+            <a:fld id="{774118CE-2326-4E90-83DF-11ED7A461FE5}" type="slidenum">
+              <a:rPr lang="en-US" smtClean="0"/>
+              <a:t>15</a:t>
+            </a:fld>
+            <a:endParaRPr lang="en-US"/>
+          </a:p>
+        </p:txBody>
+      </p:sp>
+    </p:spTree>
+    <p:extLst>
+      <p:ext uri="{BB962C8B-B14F-4D97-AF65-F5344CB8AC3E}">
+        <p14:creationId xmlns:p14="http://schemas.microsoft.com/office/powerpoint/2010/main" val="852002391"/>
+      </p:ext>
+    </p:extLst>
+  </p:cSld>
+  <p:clrMapOvr>
+    <a:masterClrMapping/>
+  </p:clrMapOvr>
+</p:notes>
+</file>
+
+<file path=ppt/notesSlides/notesSlide16.xml><?xml version="1.0" encoding="utf-8"?>
+<p:notes xmlns:a="http://schemas.openxmlformats.org/drawingml/2006/main" xmlns:r="http://schemas.openxmlformats.org/officeDocument/2006/relationships" xmlns:p="http://schemas.openxmlformats.org/presentationml/2006/main">
+  <p:cSld>
+    <p:spTree>
+      <p:nvGrpSpPr>
+        <p:cNvPr id="1" name=""/>
+        <p:cNvGrpSpPr/>
+        <p:nvPr/>
+      </p:nvGrpSpPr>
+      <p:grpSpPr>
+        <a:xfrm>
+          <a:off x="0" y="0"/>
+          <a:ext cx="0" cy="0"/>
+          <a:chOff x="0" y="0"/>
+          <a:chExt cx="0" cy="0"/>
+        </a:xfrm>
+      </p:grpSpPr>
+      <p:sp>
+        <p:nvSpPr>
+          <p:cNvPr id="2" name="Slide Image Placeholder 1"/>
+          <p:cNvSpPr>
+            <a:spLocks noGrp="1" noRot="1" noChangeAspect="1"/>
+          </p:cNvSpPr>
+          <p:nvPr>
+            <p:ph type="sldImg"/>
+          </p:nvPr>
+        </p:nvSpPr>
+        <p:spPr/>
+      </p:sp>
+      <p:sp>
+        <p:nvSpPr>
+          <p:cNvPr id="3" name="Notes Placeholder 2"/>
+          <p:cNvSpPr>
+            <a:spLocks noGrp="1"/>
+          </p:cNvSpPr>
+          <p:nvPr>
+            <p:ph type="body" idx="1"/>
+          </p:nvPr>
+        </p:nvSpPr>
+        <p:spPr/>
+        <p:txBody>
+          <a:bodyPr/>
+          <a:lstStyle/>
+          <a:p>
+            <a:r>
+              <a:rPr lang="en-US" dirty="0" smtClean="0"/>
+              <a:t>Ander</a:t>
+            </a:r>
+            <a:endParaRPr lang="en-US" dirty="0"/>
+          </a:p>
+        </p:txBody>
+      </p:sp>
+      <p:sp>
+        <p:nvSpPr>
+          <p:cNvPr id="4" name="Slide Number Placeholder 3"/>
+          <p:cNvSpPr>
+            <a:spLocks noGrp="1"/>
+          </p:cNvSpPr>
+          <p:nvPr>
+            <p:ph type="sldNum" sz="quarter" idx="10"/>
+          </p:nvPr>
+        </p:nvSpPr>
+        <p:spPr/>
+        <p:txBody>
+          <a:bodyPr/>
+          <a:lstStyle/>
+          <a:p>
+            <a:fld id="{774118CE-2326-4E90-83DF-11ED7A461FE5}" type="slidenum">
+              <a:rPr lang="en-US" smtClean="0"/>
+              <a:t>16</a:t>
+            </a:fld>
+            <a:endParaRPr lang="en-US"/>
+          </a:p>
+        </p:txBody>
+      </p:sp>
+    </p:spTree>
+    <p:extLst>
+      <p:ext uri="{BB962C8B-B14F-4D97-AF65-F5344CB8AC3E}">
+        <p14:creationId xmlns:p14="http://schemas.microsoft.com/office/powerpoint/2010/main" val="577387193"/>
+      </p:ext>
+    </p:extLst>
+  </p:cSld>
+  <p:clrMapOvr>
+    <a:masterClrMapping/>
+  </p:clrMapOvr>
+</p:notes>
+</file>
+
+<file path=ppt/notesSlides/notesSlide17.xml><?xml version="1.0" encoding="utf-8"?>
+<p:notes xmlns:a="http://schemas.openxmlformats.org/drawingml/2006/main" xmlns:r="http://schemas.openxmlformats.org/officeDocument/2006/relationships" xmlns:p="http://schemas.openxmlformats.org/presentationml/2006/main">
+  <p:cSld>
+    <p:spTree>
+      <p:nvGrpSpPr>
+        <p:cNvPr id="1" name=""/>
+        <p:cNvGrpSpPr/>
+        <p:nvPr/>
+      </p:nvGrpSpPr>
+      <p:grpSpPr>
+        <a:xfrm>
+          <a:off x="0" y="0"/>
+          <a:ext cx="0" cy="0"/>
+          <a:chOff x="0" y="0"/>
+          <a:chExt cx="0" cy="0"/>
+        </a:xfrm>
+      </p:grpSpPr>
+      <p:sp>
+        <p:nvSpPr>
+          <p:cNvPr id="2" name="Slide Image Placeholder 1"/>
+          <p:cNvSpPr>
+            <a:spLocks noGrp="1" noRot="1" noChangeAspect="1"/>
+          </p:cNvSpPr>
+          <p:nvPr>
+            <p:ph type="sldImg"/>
+          </p:nvPr>
+        </p:nvSpPr>
+        <p:spPr/>
+      </p:sp>
+      <p:sp>
+        <p:nvSpPr>
+          <p:cNvPr id="3" name="Notes Placeholder 2"/>
+          <p:cNvSpPr>
+            <a:spLocks noGrp="1"/>
+          </p:cNvSpPr>
+          <p:nvPr>
+            <p:ph type="body" idx="1"/>
+          </p:nvPr>
+        </p:nvSpPr>
+        <p:spPr/>
+        <p:txBody>
+          <a:bodyPr/>
+          <a:lstStyle/>
+          <a:p>
+            <a:r>
+              <a:rPr lang="en-US" dirty="0" smtClean="0"/>
+              <a:t>Ruffin</a:t>
+            </a:r>
+            <a:endParaRPr lang="en-US" dirty="0"/>
+          </a:p>
+        </p:txBody>
+      </p:sp>
+      <p:sp>
+        <p:nvSpPr>
+          <p:cNvPr id="4" name="Slide Number Placeholder 3"/>
+          <p:cNvSpPr>
+            <a:spLocks noGrp="1"/>
+          </p:cNvSpPr>
+          <p:nvPr>
+            <p:ph type="sldNum" sz="quarter" idx="10"/>
+          </p:nvPr>
+        </p:nvSpPr>
+        <p:spPr/>
+        <p:txBody>
+          <a:bodyPr/>
+          <a:lstStyle/>
+          <a:p>
+            <a:fld id="{774118CE-2326-4E90-83DF-11ED7A461FE5}" type="slidenum">
+              <a:rPr lang="en-US" smtClean="0"/>
+              <a:t>17</a:t>
+            </a:fld>
+            <a:endParaRPr lang="en-US"/>
+          </a:p>
+        </p:txBody>
+      </p:sp>
+    </p:spTree>
+    <p:extLst>
+      <p:ext uri="{BB962C8B-B14F-4D97-AF65-F5344CB8AC3E}">
+        <p14:creationId xmlns:p14="http://schemas.microsoft.com/office/powerpoint/2010/main" val="3810573085"/>
+      </p:ext>
+    </p:extLst>
+  </p:cSld>
+  <p:clrMapOvr>
+    <a:masterClrMapping/>
+  </p:clrMapOvr>
+</p:notes>
+</file>
+
+<file path=ppt/notesSlides/notesSlide18.xml><?xml version="1.0" encoding="utf-8"?>
+<p:notes xmlns:a="http://schemas.openxmlformats.org/drawingml/2006/main" xmlns:r="http://schemas.openxmlformats.org/officeDocument/2006/relationships" xmlns:p="http://schemas.openxmlformats.org/presentationml/2006/main">
+  <p:cSld>
+    <p:spTree>
+      <p:nvGrpSpPr>
+        <p:cNvPr id="1" name=""/>
+        <p:cNvGrpSpPr/>
+        <p:nvPr/>
+      </p:nvGrpSpPr>
+      <p:grpSpPr>
+        <a:xfrm>
+          <a:off x="0" y="0"/>
+          <a:ext cx="0" cy="0"/>
+          <a:chOff x="0" y="0"/>
+          <a:chExt cx="0" cy="0"/>
+        </a:xfrm>
+      </p:grpSpPr>
+      <p:sp>
+        <p:nvSpPr>
+          <p:cNvPr id="2" name="Slide Image Placeholder 1"/>
+          <p:cNvSpPr>
+            <a:spLocks noGrp="1" noRot="1" noChangeAspect="1"/>
+          </p:cNvSpPr>
+          <p:nvPr>
+            <p:ph type="sldImg"/>
+          </p:nvPr>
+        </p:nvSpPr>
+        <p:spPr/>
+      </p:sp>
+      <p:sp>
+        <p:nvSpPr>
+          <p:cNvPr id="3" name="Notes Placeholder 2"/>
+          <p:cNvSpPr>
+            <a:spLocks noGrp="1"/>
+          </p:cNvSpPr>
+          <p:nvPr>
+            <p:ph type="body" idx="1"/>
+          </p:nvPr>
+        </p:nvSpPr>
+        <p:spPr/>
+        <p:txBody>
+          <a:bodyPr/>
+          <a:lstStyle/>
+          <a:p>
+            <a:r>
+              <a:rPr lang="en-US" dirty="0" smtClean="0"/>
+              <a:t>Ruffin</a:t>
+            </a:r>
+            <a:endParaRPr lang="en-US" dirty="0"/>
+          </a:p>
+        </p:txBody>
+      </p:sp>
+      <p:sp>
+        <p:nvSpPr>
+          <p:cNvPr id="4" name="Slide Number Placeholder 3"/>
+          <p:cNvSpPr>
+            <a:spLocks noGrp="1"/>
+          </p:cNvSpPr>
+          <p:nvPr>
+            <p:ph type="sldNum" sz="quarter" idx="10"/>
+          </p:nvPr>
+        </p:nvSpPr>
+        <p:spPr/>
+        <p:txBody>
+          <a:bodyPr/>
+          <a:lstStyle/>
+          <a:p>
+            <a:fld id="{774118CE-2326-4E90-83DF-11ED7A461FE5}" type="slidenum">
+              <a:rPr lang="en-US" smtClean="0"/>
+              <a:t>18</a:t>
+            </a:fld>
+            <a:endParaRPr lang="en-US"/>
+          </a:p>
+        </p:txBody>
+      </p:sp>
+    </p:spTree>
+    <p:extLst>
+      <p:ext uri="{BB962C8B-B14F-4D97-AF65-F5344CB8AC3E}">
+        <p14:creationId xmlns:p14="http://schemas.microsoft.com/office/powerpoint/2010/main" val="1148962634"/>
+      </p:ext>
+    </p:extLst>
+  </p:cSld>
+  <p:clrMapOvr>
+    <a:masterClrMapping/>
+  </p:clrMapOvr>
+</p:notes>
+</file>
+
+<file path=ppt/notesSlides/notesSlide19.xml><?xml version="1.0" encoding="utf-8"?>
+<p:notes xmlns:a="http://schemas.openxmlformats.org/drawingml/2006/main" xmlns:r="http://schemas.openxmlformats.org/officeDocument/2006/relationships" xmlns:p="http://schemas.openxmlformats.org/presentationml/2006/main">
+  <p:cSld>
+    <p:spTree>
+      <p:nvGrpSpPr>
+        <p:cNvPr id="1" name=""/>
+        <p:cNvGrpSpPr/>
+        <p:nvPr/>
+      </p:nvGrpSpPr>
+      <p:grpSpPr>
+        <a:xfrm>
+          <a:off x="0" y="0"/>
+          <a:ext cx="0" cy="0"/>
+          <a:chOff x="0" y="0"/>
+          <a:chExt cx="0" cy="0"/>
+        </a:xfrm>
+      </p:grpSpPr>
+      <p:sp>
+        <p:nvSpPr>
+          <p:cNvPr id="2" name="Slide Image Placeholder 1"/>
+          <p:cNvSpPr>
+            <a:spLocks noGrp="1" noRot="1" noChangeAspect="1"/>
+          </p:cNvSpPr>
+          <p:nvPr>
+            <p:ph type="sldImg"/>
+          </p:nvPr>
+        </p:nvSpPr>
+        <p:spPr/>
+      </p:sp>
+      <p:sp>
+        <p:nvSpPr>
+          <p:cNvPr id="3" name="Notes Placeholder 2"/>
+          <p:cNvSpPr>
+            <a:spLocks noGrp="1"/>
+          </p:cNvSpPr>
+          <p:nvPr>
+            <p:ph type="body" idx="1"/>
+          </p:nvPr>
+        </p:nvSpPr>
+        <p:spPr/>
+        <p:txBody>
+          <a:bodyPr/>
+          <a:lstStyle/>
+          <a:p>
+            <a:r>
+              <a:rPr lang="en-US" dirty="0" smtClean="0"/>
+              <a:t>Ruffin</a:t>
+            </a:r>
+            <a:endParaRPr lang="en-US" dirty="0"/>
+          </a:p>
+        </p:txBody>
+      </p:sp>
+      <p:sp>
+        <p:nvSpPr>
+          <p:cNvPr id="4" name="Slide Number Placeholder 3"/>
+          <p:cNvSpPr>
+            <a:spLocks noGrp="1"/>
+          </p:cNvSpPr>
+          <p:nvPr>
+            <p:ph type="sldNum" sz="quarter" idx="10"/>
+          </p:nvPr>
+        </p:nvSpPr>
+        <p:spPr/>
+        <p:txBody>
+          <a:bodyPr/>
+          <a:lstStyle/>
+          <a:p>
+            <a:fld id="{774118CE-2326-4E90-83DF-11ED7A461FE5}" type="slidenum">
+              <a:rPr lang="en-US" smtClean="0"/>
+              <a:t>19</a:t>
+            </a:fld>
+            <a:endParaRPr lang="en-US"/>
+          </a:p>
+        </p:txBody>
+      </p:sp>
+    </p:spTree>
+    <p:extLst>
+      <p:ext uri="{BB962C8B-B14F-4D97-AF65-F5344CB8AC3E}">
+        <p14:creationId xmlns:p14="http://schemas.microsoft.com/office/powerpoint/2010/main" val="680175825"/>
       </p:ext>
     </p:extLst>
   </p:cSld>
@@ -7124,16 +8027,107 @@
               <a:defRPr/>
             </a:pPr>
             <a:r>
+              <a:rPr lang="en-US" dirty="0" smtClean="0"/>
+              <a:t>Kevin</a:t>
+            </a:r>
+          </a:p>
+          <a:p>
+            <a:pPr marL="0" marR="0" indent="0" algn="l" defTabSz="914400" rtl="0" eaLnBrk="1" fontAlgn="auto" latinLnBrk="0" hangingPunct="1">
+              <a:lnSpc>
+                <a:spcPct val="100000"/>
+              </a:lnSpc>
+              <a:spcBef>
+                <a:spcPts val="0"/>
+              </a:spcBef>
+              <a:spcAft>
+                <a:spcPts val="0"/>
+              </a:spcAft>
+              <a:buClrTx/>
+              <a:buSzTx/>
+              <a:buFontTx/>
+              <a:buNone/>
+              <a:tabLst/>
+              <a:defRPr/>
+            </a:pPr>
+            <a:endParaRPr lang="en-US" dirty="0" smtClean="0"/>
+          </a:p>
+          <a:p>
+            <a:pPr marL="0" marR="0" indent="0" algn="l" defTabSz="914400" rtl="0" eaLnBrk="1" fontAlgn="auto" latinLnBrk="0" hangingPunct="1">
+              <a:lnSpc>
+                <a:spcPct val="100000"/>
+              </a:lnSpc>
+              <a:spcBef>
+                <a:spcPts val="0"/>
+              </a:spcBef>
+              <a:spcAft>
+                <a:spcPts val="0"/>
+              </a:spcAft>
+              <a:buClrTx/>
+              <a:buSzTx/>
+              <a:buFontTx/>
+              <a:buNone/>
+              <a:tabLst/>
+              <a:defRPr/>
+            </a:pPr>
+            <a:r>
+              <a:rPr lang="en-US" dirty="0" smtClean="0"/>
+              <a:t>We</a:t>
+            </a:r>
+            <a:r>
               <a:rPr lang="en-US" baseline="0" dirty="0" smtClean="0"/>
-              <a:t>We will start by modeling the system in the </a:t>
-            </a:r>
-            <a:r>
-              <a:rPr lang="en-US" baseline="0" dirty="0" err="1" smtClean="0"/>
-              <a:t>labview</a:t>
+              <a:t> </a:t>
             </a:r>
             <a:r>
               <a:rPr lang="en-US" baseline="0" dirty="0" smtClean="0"/>
-              <a:t> robotics environment simulator, and develop our control algorithms using the simulator.  Then, once we are confident in our control algorithms, we will use the </a:t>
+              <a:t>have been asked by national instruments to design and build a self balancing unicycle robot to showcase NI’s newest robotics toolkit.  </a:t>
+            </a:r>
+            <a:endParaRPr lang="en-US" baseline="0" dirty="0" smtClean="0"/>
+          </a:p>
+          <a:p>
+            <a:pPr marL="0" marR="0" indent="0" algn="l" defTabSz="914400" rtl="0" eaLnBrk="1" fontAlgn="auto" latinLnBrk="0" hangingPunct="1">
+              <a:lnSpc>
+                <a:spcPct val="100000"/>
+              </a:lnSpc>
+              <a:spcBef>
+                <a:spcPts val="0"/>
+              </a:spcBef>
+              <a:spcAft>
+                <a:spcPts val="0"/>
+              </a:spcAft>
+              <a:buClrTx/>
+              <a:buSzTx/>
+              <a:buFontTx/>
+              <a:buNone/>
+              <a:tabLst/>
+              <a:defRPr/>
+            </a:pPr>
+            <a:endParaRPr lang="en-US" baseline="0" dirty="0" smtClean="0"/>
+          </a:p>
+          <a:p>
+            <a:pPr marL="0" marR="0" indent="0" algn="l" defTabSz="914400" rtl="0" eaLnBrk="1" fontAlgn="auto" latinLnBrk="0" hangingPunct="1">
+              <a:lnSpc>
+                <a:spcPct val="100000"/>
+              </a:lnSpc>
+              <a:spcBef>
+                <a:spcPts val="0"/>
+              </a:spcBef>
+              <a:spcAft>
+                <a:spcPts val="0"/>
+              </a:spcAft>
+              <a:buClrTx/>
+              <a:buSzTx/>
+              <a:buFontTx/>
+              <a:buNone/>
+              <a:tabLst/>
+              <a:defRPr/>
+            </a:pPr>
+            <a:r>
+              <a:rPr lang="en-US" baseline="0" dirty="0" smtClean="0"/>
+              <a:t>National </a:t>
+            </a:r>
+            <a:r>
+              <a:rPr lang="en-US" baseline="0" dirty="0" smtClean="0"/>
+              <a:t>Instruments has developed a full real time controlling suite to be all encompassing with the LabVIEW Robotics toolkit and their Real-Time controllers, specifically to us the compact Rio, or </a:t>
             </a:r>
             <a:r>
               <a:rPr lang="en-US" baseline="0" dirty="0" err="1" smtClean="0"/>
@@ -7141,8 +8135,48 @@
             </a:r>
             <a:r>
               <a:rPr lang="en-US" baseline="0" dirty="0" smtClean="0"/>
-              <a:t> to control our physical robot.</a:t>
-            </a:r>
+              <a:t>.  </a:t>
+            </a:r>
+            <a:endParaRPr lang="en-US" baseline="0" dirty="0" smtClean="0"/>
+          </a:p>
+          <a:p>
+            <a:pPr marL="0" marR="0" indent="0" algn="l" defTabSz="914400" rtl="0" eaLnBrk="1" fontAlgn="auto" latinLnBrk="0" hangingPunct="1">
+              <a:lnSpc>
+                <a:spcPct val="100000"/>
+              </a:lnSpc>
+              <a:spcBef>
+                <a:spcPts val="0"/>
+              </a:spcBef>
+              <a:spcAft>
+                <a:spcPts val="0"/>
+              </a:spcAft>
+              <a:buClrTx/>
+              <a:buSzTx/>
+              <a:buFontTx/>
+              <a:buNone/>
+              <a:tabLst/>
+              <a:defRPr/>
+            </a:pPr>
+            <a:endParaRPr lang="en-US" baseline="0" dirty="0" smtClean="0"/>
+          </a:p>
+          <a:p>
+            <a:pPr marL="0" marR="0" indent="0" algn="l" defTabSz="914400" rtl="0" eaLnBrk="1" fontAlgn="auto" latinLnBrk="0" hangingPunct="1">
+              <a:lnSpc>
+                <a:spcPct val="100000"/>
+              </a:lnSpc>
+              <a:spcBef>
+                <a:spcPts val="0"/>
+              </a:spcBef>
+              <a:spcAft>
+                <a:spcPts val="0"/>
+              </a:spcAft>
+              <a:buClrTx/>
+              <a:buSzTx/>
+              <a:buFontTx/>
+              <a:buNone/>
+              <a:tabLst/>
+              <a:defRPr/>
+            </a:pPr>
             <a:endParaRPr lang="en-US" dirty="0" smtClean="0"/>
           </a:p>
           <a:p>
@@ -7167,7 +8201,7 @@
           <a:p>
             <a:fld id="{774118CE-2326-4E90-83DF-11ED7A461FE5}" type="slidenum">
               <a:rPr lang="en-US" smtClean="0"/>
-              <a:t>3</a:t>
+              <a:t>2</a:t>
             </a:fld>
             <a:endParaRPr lang="en-US"/>
           </a:p>
@@ -7176,7 +8210,283 @@
     </p:spTree>
     <p:extLst>
       <p:ext uri="{BB962C8B-B14F-4D97-AF65-F5344CB8AC3E}">
-        <p14:creationId xmlns:p14="http://schemas.microsoft.com/office/powerpoint/2010/main" val="62533980"/>
+        <p14:creationId xmlns:p14="http://schemas.microsoft.com/office/powerpoint/2010/main" val="1958463847"/>
+      </p:ext>
+    </p:extLst>
+  </p:cSld>
+  <p:clrMapOvr>
+    <a:masterClrMapping/>
+  </p:clrMapOvr>
+</p:notes>
+</file>
+
+<file path=ppt/notesSlides/notesSlide20.xml><?xml version="1.0" encoding="utf-8"?>
+<p:notes xmlns:a="http://schemas.openxmlformats.org/drawingml/2006/main" xmlns:r="http://schemas.openxmlformats.org/officeDocument/2006/relationships" xmlns:p="http://schemas.openxmlformats.org/presentationml/2006/main">
+  <p:cSld>
+    <p:spTree>
+      <p:nvGrpSpPr>
+        <p:cNvPr id="1" name=""/>
+        <p:cNvGrpSpPr/>
+        <p:nvPr/>
+      </p:nvGrpSpPr>
+      <p:grpSpPr>
+        <a:xfrm>
+          <a:off x="0" y="0"/>
+          <a:ext cx="0" cy="0"/>
+          <a:chOff x="0" y="0"/>
+          <a:chExt cx="0" cy="0"/>
+        </a:xfrm>
+      </p:grpSpPr>
+      <p:sp>
+        <p:nvSpPr>
+          <p:cNvPr id="2" name="Slide Image Placeholder 1"/>
+          <p:cNvSpPr>
+            <a:spLocks noGrp="1" noRot="1" noChangeAspect="1"/>
+          </p:cNvSpPr>
+          <p:nvPr>
+            <p:ph type="sldImg"/>
+          </p:nvPr>
+        </p:nvSpPr>
+        <p:spPr/>
+      </p:sp>
+      <p:sp>
+        <p:nvSpPr>
+          <p:cNvPr id="3" name="Notes Placeholder 2"/>
+          <p:cNvSpPr>
+            <a:spLocks noGrp="1"/>
+          </p:cNvSpPr>
+          <p:nvPr>
+            <p:ph type="body" idx="1"/>
+          </p:nvPr>
+        </p:nvSpPr>
+        <p:spPr/>
+        <p:txBody>
+          <a:bodyPr/>
+          <a:lstStyle/>
+          <a:p>
+            <a:r>
+              <a:rPr lang="en-US" dirty="0" smtClean="0"/>
+              <a:t>Ruffin</a:t>
+            </a:r>
+            <a:endParaRPr lang="en-US" dirty="0"/>
+          </a:p>
+        </p:txBody>
+      </p:sp>
+      <p:sp>
+        <p:nvSpPr>
+          <p:cNvPr id="4" name="Slide Number Placeholder 3"/>
+          <p:cNvSpPr>
+            <a:spLocks noGrp="1"/>
+          </p:cNvSpPr>
+          <p:nvPr>
+            <p:ph type="sldNum" sz="quarter" idx="10"/>
+          </p:nvPr>
+        </p:nvSpPr>
+        <p:spPr/>
+        <p:txBody>
+          <a:bodyPr/>
+          <a:lstStyle/>
+          <a:p>
+            <a:fld id="{774118CE-2326-4E90-83DF-11ED7A461FE5}" type="slidenum">
+              <a:rPr lang="en-US" smtClean="0"/>
+              <a:t>20</a:t>
+            </a:fld>
+            <a:endParaRPr lang="en-US"/>
+          </a:p>
+        </p:txBody>
+      </p:sp>
+    </p:spTree>
+    <p:extLst>
+      <p:ext uri="{BB962C8B-B14F-4D97-AF65-F5344CB8AC3E}">
+        <p14:creationId xmlns:p14="http://schemas.microsoft.com/office/powerpoint/2010/main" val="1980168297"/>
+      </p:ext>
+    </p:extLst>
+  </p:cSld>
+  <p:clrMapOvr>
+    <a:masterClrMapping/>
+  </p:clrMapOvr>
+</p:notes>
+</file>
+
+<file path=ppt/notesSlides/notesSlide21.xml><?xml version="1.0" encoding="utf-8"?>
+<p:notes xmlns:a="http://schemas.openxmlformats.org/drawingml/2006/main" xmlns:r="http://schemas.openxmlformats.org/officeDocument/2006/relationships" xmlns:p="http://schemas.openxmlformats.org/presentationml/2006/main">
+  <p:cSld>
+    <p:spTree>
+      <p:nvGrpSpPr>
+        <p:cNvPr id="1" name=""/>
+        <p:cNvGrpSpPr/>
+        <p:nvPr/>
+      </p:nvGrpSpPr>
+      <p:grpSpPr>
+        <a:xfrm>
+          <a:off x="0" y="0"/>
+          <a:ext cx="0" cy="0"/>
+          <a:chOff x="0" y="0"/>
+          <a:chExt cx="0" cy="0"/>
+        </a:xfrm>
+      </p:grpSpPr>
+      <p:sp>
+        <p:nvSpPr>
+          <p:cNvPr id="2" name="Slide Image Placeholder 1"/>
+          <p:cNvSpPr>
+            <a:spLocks noGrp="1" noRot="1" noChangeAspect="1"/>
+          </p:cNvSpPr>
+          <p:nvPr>
+            <p:ph type="sldImg"/>
+          </p:nvPr>
+        </p:nvSpPr>
+        <p:spPr/>
+      </p:sp>
+      <p:sp>
+        <p:nvSpPr>
+          <p:cNvPr id="3" name="Notes Placeholder 2"/>
+          <p:cNvSpPr>
+            <a:spLocks noGrp="1"/>
+          </p:cNvSpPr>
+          <p:nvPr>
+            <p:ph type="body" idx="1"/>
+          </p:nvPr>
+        </p:nvSpPr>
+        <p:spPr/>
+        <p:txBody>
+          <a:bodyPr/>
+          <a:lstStyle/>
+          <a:p>
+            <a:r>
+              <a:rPr lang="en-US" dirty="0" smtClean="0"/>
+              <a:t>Kevin</a:t>
+            </a:r>
+            <a:endParaRPr lang="en-US" dirty="0"/>
+          </a:p>
+        </p:txBody>
+      </p:sp>
+      <p:sp>
+        <p:nvSpPr>
+          <p:cNvPr id="4" name="Slide Number Placeholder 3"/>
+          <p:cNvSpPr>
+            <a:spLocks noGrp="1"/>
+          </p:cNvSpPr>
+          <p:nvPr>
+            <p:ph type="sldNum" sz="quarter" idx="10"/>
+          </p:nvPr>
+        </p:nvSpPr>
+        <p:spPr/>
+        <p:txBody>
+          <a:bodyPr/>
+          <a:lstStyle/>
+          <a:p>
+            <a:fld id="{774118CE-2326-4E90-83DF-11ED7A461FE5}" type="slidenum">
+              <a:rPr lang="en-US" smtClean="0"/>
+              <a:t>21</a:t>
+            </a:fld>
+            <a:endParaRPr lang="en-US"/>
+          </a:p>
+        </p:txBody>
+      </p:sp>
+    </p:spTree>
+    <p:extLst>
+      <p:ext uri="{BB962C8B-B14F-4D97-AF65-F5344CB8AC3E}">
+        <p14:creationId xmlns:p14="http://schemas.microsoft.com/office/powerpoint/2010/main" val="2943447801"/>
+      </p:ext>
+    </p:extLst>
+  </p:cSld>
+  <p:clrMapOvr>
+    <a:masterClrMapping/>
+  </p:clrMapOvr>
+</p:notes>
+</file>
+
+<file path=ppt/notesSlides/notesSlide22.xml><?xml version="1.0" encoding="utf-8"?>
+<p:notes xmlns:a="http://schemas.openxmlformats.org/drawingml/2006/main" xmlns:r="http://schemas.openxmlformats.org/officeDocument/2006/relationships" xmlns:p="http://schemas.openxmlformats.org/presentationml/2006/main">
+  <p:cSld>
+    <p:spTree>
+      <p:nvGrpSpPr>
+        <p:cNvPr id="1" name=""/>
+        <p:cNvGrpSpPr/>
+        <p:nvPr/>
+      </p:nvGrpSpPr>
+      <p:grpSpPr>
+        <a:xfrm>
+          <a:off x="0" y="0"/>
+          <a:ext cx="0" cy="0"/>
+          <a:chOff x="0" y="0"/>
+          <a:chExt cx="0" cy="0"/>
+        </a:xfrm>
+      </p:grpSpPr>
+      <p:sp>
+        <p:nvSpPr>
+          <p:cNvPr id="2" name="Slide Image Placeholder 1"/>
+          <p:cNvSpPr>
+            <a:spLocks noGrp="1" noRot="1" noChangeAspect="1"/>
+          </p:cNvSpPr>
+          <p:nvPr>
+            <p:ph type="sldImg"/>
+          </p:nvPr>
+        </p:nvSpPr>
+        <p:spPr/>
+      </p:sp>
+      <p:sp>
+        <p:nvSpPr>
+          <p:cNvPr id="3" name="Notes Placeholder 2"/>
+          <p:cNvSpPr>
+            <a:spLocks noGrp="1"/>
+          </p:cNvSpPr>
+          <p:nvPr>
+            <p:ph type="body" idx="1"/>
+          </p:nvPr>
+        </p:nvSpPr>
+        <p:spPr/>
+        <p:txBody>
+          <a:bodyPr/>
+          <a:lstStyle/>
+          <a:p>
+            <a:r>
+              <a:rPr lang="en-US" dirty="0" smtClean="0"/>
+              <a:t>Add a legend/number</a:t>
+            </a:r>
+            <a:r>
+              <a:rPr lang="en-US" baseline="0" dirty="0" smtClean="0"/>
+              <a:t> representation for all </a:t>
+            </a:r>
+            <a:r>
+              <a:rPr lang="en-US" baseline="0" dirty="0" err="1" smtClean="0"/>
+              <a:t>compenents</a:t>
+            </a:r>
+            <a:r>
+              <a:rPr lang="en-US" baseline="0" dirty="0" smtClean="0"/>
+              <a:t>!</a:t>
+            </a:r>
+            <a:endParaRPr lang="en-US" dirty="0"/>
+          </a:p>
+        </p:txBody>
+      </p:sp>
+      <p:sp>
+        <p:nvSpPr>
+          <p:cNvPr id="4" name="Slide Number Placeholder 3"/>
+          <p:cNvSpPr>
+            <a:spLocks noGrp="1"/>
+          </p:cNvSpPr>
+          <p:nvPr>
+            <p:ph type="sldNum" sz="quarter" idx="10"/>
+          </p:nvPr>
+        </p:nvSpPr>
+        <p:spPr/>
+        <p:txBody>
+          <a:bodyPr/>
+          <a:lstStyle/>
+          <a:p>
+            <a:fld id="{E27D58EE-67B4-4A6A-9592-FE128C12152A}" type="slidenum">
+              <a:rPr lang="en-US" smtClean="0"/>
+              <a:t>22</a:t>
+            </a:fld>
+            <a:endParaRPr lang="en-US"/>
+          </a:p>
+        </p:txBody>
+      </p:sp>
+    </p:spTree>
+    <p:extLst>
+      <p:ext uri="{BB962C8B-B14F-4D97-AF65-F5344CB8AC3E}">
+        <p14:creationId xmlns:p14="http://schemas.microsoft.com/office/powerpoint/2010/main" val="483375807"/>
       </p:ext>
     </p:extLst>
   </p:cSld>
@@ -7247,6 +8557,76 @@
               <a:tabLst/>
               <a:defRPr/>
             </a:pPr>
+            <a:r>
+              <a:rPr lang="en-US" baseline="0" dirty="0" smtClean="0"/>
+              <a:t>Kevin</a:t>
+            </a:r>
+          </a:p>
+          <a:p>
+            <a:pPr marL="0" marR="0" indent="0" algn="l" defTabSz="914400" rtl="0" eaLnBrk="1" fontAlgn="auto" latinLnBrk="0" hangingPunct="1">
+              <a:lnSpc>
+                <a:spcPct val="100000"/>
+              </a:lnSpc>
+              <a:spcBef>
+                <a:spcPts val="0"/>
+              </a:spcBef>
+              <a:spcAft>
+                <a:spcPts val="0"/>
+              </a:spcAft>
+              <a:buClrTx/>
+              <a:buSzTx/>
+              <a:buFontTx/>
+              <a:buNone/>
+              <a:tabLst/>
+              <a:defRPr/>
+            </a:pPr>
+            <a:endParaRPr lang="en-US" baseline="0" dirty="0" smtClean="0"/>
+          </a:p>
+          <a:p>
+            <a:pPr marL="0" marR="0" indent="0" algn="l" defTabSz="914400" rtl="0" eaLnBrk="1" fontAlgn="auto" latinLnBrk="0" hangingPunct="1">
+              <a:lnSpc>
+                <a:spcPct val="100000"/>
+              </a:lnSpc>
+              <a:spcBef>
+                <a:spcPts val="0"/>
+              </a:spcBef>
+              <a:spcAft>
+                <a:spcPts val="0"/>
+              </a:spcAft>
+              <a:buClrTx/>
+              <a:buSzTx/>
+              <a:buFontTx/>
+              <a:buNone/>
+              <a:tabLst/>
+              <a:defRPr/>
+            </a:pPr>
+            <a:r>
+              <a:rPr lang="en-US" baseline="0" dirty="0" smtClean="0"/>
+              <a:t>We </a:t>
+            </a:r>
+            <a:r>
+              <a:rPr lang="en-US" baseline="0" dirty="0" smtClean="0"/>
+              <a:t>will start by modeling the system in the </a:t>
+            </a:r>
+            <a:r>
+              <a:rPr lang="en-US" baseline="0" dirty="0" err="1" smtClean="0"/>
+              <a:t>labview</a:t>
+            </a:r>
+            <a:r>
+              <a:rPr lang="en-US" baseline="0" dirty="0" smtClean="0"/>
+              <a:t> robotics environment simulator, and develop our control algorithms using the simulator.  Then, once we are confident in our control algorithms, we will use the </a:t>
+            </a:r>
+            <a:r>
+              <a:rPr lang="en-US" baseline="0" dirty="0" err="1" smtClean="0"/>
+              <a:t>cRIO</a:t>
+            </a:r>
+            <a:r>
+              <a:rPr lang="en-US" baseline="0" dirty="0" smtClean="0"/>
+              <a:t> to control our physical robot.</a:t>
+            </a:r>
+            <a:endParaRPr lang="en-US" dirty="0" smtClean="0"/>
+          </a:p>
+          <a:p>
             <a:endParaRPr lang="en-US" dirty="0"/>
           </a:p>
         </p:txBody>
@@ -7268,7 +8648,7 @@
           <a:p>
             <a:fld id="{774118CE-2326-4E90-83DF-11ED7A461FE5}" type="slidenum">
               <a:rPr lang="en-US" smtClean="0"/>
-              <a:t>4</a:t>
+              <a:t>3</a:t>
             </a:fld>
             <a:endParaRPr lang="en-US"/>
           </a:p>
@@ -7350,7 +8730,54 @@
             </a:pPr>
             <a:r>
               <a:rPr lang="en-US" dirty="0" smtClean="0"/>
-              <a:t>Here you can see our project plan.  An</a:t>
+              <a:t>Kevin</a:t>
+            </a:r>
+          </a:p>
+          <a:p>
+            <a:pPr marL="0" marR="0" indent="0" algn="l" defTabSz="914400" rtl="0" eaLnBrk="1" fontAlgn="auto" latinLnBrk="0" hangingPunct="1">
+              <a:lnSpc>
+                <a:spcPct val="100000"/>
+              </a:lnSpc>
+              <a:spcBef>
+                <a:spcPts val="0"/>
+              </a:spcBef>
+              <a:spcAft>
+                <a:spcPts val="0"/>
+              </a:spcAft>
+              <a:buClrTx/>
+              <a:buSzTx/>
+              <a:buFontTx/>
+              <a:buNone/>
+              <a:tabLst/>
+              <a:defRPr/>
+            </a:pPr>
+            <a:endParaRPr lang="en-US" dirty="0" smtClean="0"/>
+          </a:p>
+          <a:p>
+            <a:pPr marL="0" marR="0" indent="0" algn="l" defTabSz="914400" rtl="0" eaLnBrk="1" fontAlgn="auto" latinLnBrk="0" hangingPunct="1">
+              <a:lnSpc>
+                <a:spcPct val="100000"/>
+              </a:lnSpc>
+              <a:spcBef>
+                <a:spcPts val="0"/>
+              </a:spcBef>
+              <a:spcAft>
+                <a:spcPts val="0"/>
+              </a:spcAft>
+              <a:buClrTx/>
+              <a:buSzTx/>
+              <a:buFontTx/>
+              <a:buNone/>
+              <a:tabLst/>
+              <a:defRPr/>
+            </a:pPr>
+            <a:r>
+              <a:rPr lang="en-US" dirty="0" smtClean="0"/>
+              <a:t>Here </a:t>
+            </a:r>
+            <a:r>
+              <a:rPr lang="en-US" dirty="0" smtClean="0"/>
+              <a:t>you can see our project plan.  An</a:t>
             </a:r>
             <a:r>
               <a:rPr lang="en-US" baseline="0" dirty="0" smtClean="0"/>
@@ -7397,7 +8824,7 @@
           <a:p>
             <a:fld id="{774118CE-2326-4E90-83DF-11ED7A461FE5}" type="slidenum">
               <a:rPr lang="en-US" smtClean="0"/>
-              <a:t>5</a:t>
+              <a:t>4</a:t>
             </a:fld>
             <a:endParaRPr lang="en-US"/>
           </a:p>
@@ -7479,33 +8906,8 @@
             </a:pPr>
             <a:r>
               <a:rPr lang="en-US" dirty="0" smtClean="0"/>
-              <a:t>Here you can see our project plan.  An</a:t>
-            </a:r>
-            <a:r>
-              <a:rPr lang="en-US" baseline="0" dirty="0" smtClean="0"/>
-              <a:t> important thing to note is how long we are leaving purely for debugging.  We have a good understanding of the problem, and are confident that our solution will work, but one thing that we determined very early was that we would like to have a working version of it before the end of winter quarter to leave plenty of time to tune our control algorithm.  </a:t>
-            </a:r>
-            <a:endParaRPr lang="en-US" dirty="0" smtClean="0"/>
-          </a:p>
-          <a:p>
-            <a:pPr marL="0" marR="0" indent="0" algn="l" defTabSz="914400" rtl="0" eaLnBrk="1" fontAlgn="auto" latinLnBrk="0" hangingPunct="1">
-              <a:lnSpc>
-                <a:spcPct val="100000"/>
-              </a:lnSpc>
-              <a:spcBef>
-                <a:spcPts val="0"/>
-              </a:spcBef>
-              <a:spcAft>
-                <a:spcPts val="0"/>
-              </a:spcAft>
-              <a:buClrTx/>
-              <a:buSzTx/>
-              <a:buFontTx/>
-              <a:buNone/>
-              <a:tabLst/>
-              <a:defRPr/>
-            </a:pPr>
-            <a:endParaRPr lang="en-US" dirty="0"/>
+              <a:t>Spencer</a:t>
+            </a:r>
           </a:p>
         </p:txBody>
       </p:sp>
@@ -7526,7 +8928,7 @@
           <a:p>
             <a:fld id="{774118CE-2326-4E90-83DF-11ED7A461FE5}" type="slidenum">
               <a:rPr lang="en-US" smtClean="0"/>
-              <a:t>6</a:t>
+              <a:t>5</a:t>
             </a:fld>
             <a:endParaRPr lang="en-US"/>
           </a:p>
@@ -7608,32 +9010,8 @@
             </a:pPr>
             <a:r>
               <a:rPr lang="en-US" dirty="0" smtClean="0"/>
-              <a:t>Here you can see our project plan.  An</a:t>
-            </a:r>
-            <a:r>
-              <a:rPr lang="en-US" baseline="0" dirty="0" smtClean="0"/>
-              <a:t> important thing to note is how long we are leaving purely for debugging.  We have a good understanding of the problem, and are confident that our solution will work, but one thing that we determined very early was that we would like to have a working version of it before the end of winter quarter to leave plenty of time to tune our control algorithm.  </a:t>
-            </a:r>
-            <a:endParaRPr lang="en-US" dirty="0" smtClean="0"/>
-          </a:p>
-          <a:p>
-            <a:pPr marL="0" marR="0" indent="0" algn="l" defTabSz="914400" rtl="0" eaLnBrk="1" fontAlgn="auto" latinLnBrk="0" hangingPunct="1">
-              <a:lnSpc>
-                <a:spcPct val="100000"/>
-              </a:lnSpc>
-              <a:spcBef>
-                <a:spcPts val="0"/>
-              </a:spcBef>
-              <a:spcAft>
-                <a:spcPts val="0"/>
-              </a:spcAft>
-              <a:buClrTx/>
-              <a:buSzTx/>
-              <a:buFontTx/>
-              <a:buNone/>
-              <a:tabLst/>
-              <a:defRPr/>
-            </a:pPr>
+              <a:t>Spencer</a:t>
+            </a:r>
             <a:endParaRPr lang="en-US" dirty="0"/>
           </a:p>
         </p:txBody>
@@ -7655,7 +9033,7 @@
           <a:p>
             <a:fld id="{774118CE-2326-4E90-83DF-11ED7A461FE5}" type="slidenum">
               <a:rPr lang="en-US" smtClean="0"/>
-              <a:t>7</a:t>
+              <a:t>6</a:t>
             </a:fld>
             <a:endParaRPr lang="en-US"/>
           </a:p>
@@ -7737,32 +9115,8 @@
             </a:pPr>
             <a:r>
               <a:rPr lang="en-US" dirty="0" smtClean="0"/>
-              <a:t>Here you can see our project plan.  An</a:t>
-            </a:r>
-            <a:r>
-              <a:rPr lang="en-US" baseline="0" dirty="0" smtClean="0"/>
-              <a:t> important thing to note is how long we are leaving purely for debugging.  We have a good understanding of the problem, and are confident that our solution will work, but one thing that we determined very early was that we would like to have a working version of it before the end of winter quarter to leave plenty of time to tune our control algorithm.  </a:t>
-            </a:r>
-            <a:endParaRPr lang="en-US" dirty="0" smtClean="0"/>
-          </a:p>
-          <a:p>
-            <a:pPr marL="0" marR="0" indent="0" algn="l" defTabSz="914400" rtl="0" eaLnBrk="1" fontAlgn="auto" latinLnBrk="0" hangingPunct="1">
-              <a:lnSpc>
-                <a:spcPct val="100000"/>
-              </a:lnSpc>
-              <a:spcBef>
-                <a:spcPts val="0"/>
-              </a:spcBef>
-              <a:spcAft>
-                <a:spcPts val="0"/>
-              </a:spcAft>
-              <a:buClrTx/>
-              <a:buSzTx/>
-              <a:buFontTx/>
-              <a:buNone/>
-              <a:tabLst/>
-              <a:defRPr/>
-            </a:pPr>
+              <a:t>Spencer</a:t>
+            </a:r>
             <a:endParaRPr lang="en-US" dirty="0"/>
           </a:p>
         </p:txBody>
@@ -7784,7 +9138,7 @@
           <a:p>
             <a:fld id="{774118CE-2326-4E90-83DF-11ED7A461FE5}" type="slidenum">
               <a:rPr lang="en-US" smtClean="0"/>
-              <a:t>8</a:t>
+              <a:t>7</a:t>
             </a:fld>
             <a:endParaRPr lang="en-US"/>
           </a:p>
@@ -7864,6 +9218,10 @@
               <a:tabLst/>
               <a:defRPr/>
             </a:pPr>
+            <a:r>
+              <a:rPr lang="en-US" dirty="0" smtClean="0"/>
+              <a:t>Spencer</a:t>
+            </a:r>
             <a:endParaRPr lang="en-US" dirty="0"/>
           </a:p>
         </p:txBody>
@@ -7885,7 +9243,7 @@
           <a:p>
             <a:fld id="{774118CE-2326-4E90-83DF-11ED7A461FE5}" type="slidenum">
               <a:rPr lang="en-US" smtClean="0"/>
-              <a:t>9</a:t>
+              <a:t>8</a:t>
             </a:fld>
             <a:endParaRPr lang="en-US"/>
           </a:p>
@@ -7895,6 +9253,94 @@
     <p:extLst>
       <p:ext uri="{BB962C8B-B14F-4D97-AF65-F5344CB8AC3E}">
         <p14:creationId xmlns:p14="http://schemas.microsoft.com/office/powerpoint/2010/main" val="62533980"/>
+      </p:ext>
+    </p:extLst>
+  </p:cSld>
+  <p:clrMapOvr>
+    <a:masterClrMapping/>
+  </p:clrMapOvr>
+</p:notes>
+</file>
+
+<file path=ppt/notesSlides/notesSlide9.xml><?xml version="1.0" encoding="utf-8"?>
+<p:notes xmlns:a="http://schemas.openxmlformats.org/drawingml/2006/main" xmlns:r="http://schemas.openxmlformats.org/officeDocument/2006/relationships" xmlns:p="http://schemas.openxmlformats.org/presentationml/2006/main">
+  <p:cSld>
+    <p:spTree>
+      <p:nvGrpSpPr>
+        <p:cNvPr id="1" name=""/>
+        <p:cNvGrpSpPr/>
+        <p:nvPr/>
+      </p:nvGrpSpPr>
+      <p:grpSpPr>
+        <a:xfrm>
+          <a:off x="0" y="0"/>
+          <a:ext cx="0" cy="0"/>
+          <a:chOff x="0" y="0"/>
+          <a:chExt cx="0" cy="0"/>
+        </a:xfrm>
+      </p:grpSpPr>
+      <p:sp>
+        <p:nvSpPr>
+          <p:cNvPr id="2" name="Slide Image Placeholder 1"/>
+          <p:cNvSpPr>
+            <a:spLocks noGrp="1" noRot="1" noChangeAspect="1"/>
+          </p:cNvSpPr>
+          <p:nvPr>
+            <p:ph type="sldImg"/>
+          </p:nvPr>
+        </p:nvSpPr>
+        <p:spPr/>
+      </p:sp>
+      <p:sp>
+        <p:nvSpPr>
+          <p:cNvPr id="3" name="Notes Placeholder 2"/>
+          <p:cNvSpPr>
+            <a:spLocks noGrp="1"/>
+          </p:cNvSpPr>
+          <p:nvPr>
+            <p:ph type="body" idx="1"/>
+          </p:nvPr>
+        </p:nvSpPr>
+        <p:spPr/>
+        <p:txBody>
+          <a:bodyPr/>
+          <a:lstStyle/>
+          <a:p>
+            <a:r>
+              <a:rPr lang="en-US" dirty="0" smtClean="0"/>
+              <a:t>Spencer</a:t>
+            </a:r>
+            <a:endParaRPr lang="en-US" dirty="0"/>
+          </a:p>
+        </p:txBody>
+      </p:sp>
+      <p:sp>
+        <p:nvSpPr>
+          <p:cNvPr id="4" name="Slide Number Placeholder 3"/>
+          <p:cNvSpPr>
+            <a:spLocks noGrp="1"/>
+          </p:cNvSpPr>
+          <p:nvPr>
+            <p:ph type="sldNum" sz="quarter" idx="10"/>
+          </p:nvPr>
+        </p:nvSpPr>
+        <p:spPr/>
+        <p:txBody>
+          <a:bodyPr/>
+          <a:lstStyle/>
+          <a:p>
+            <a:fld id="{774118CE-2326-4E90-83DF-11ED7A461FE5}" type="slidenum">
+              <a:rPr lang="en-US" smtClean="0"/>
+              <a:t>9</a:t>
+            </a:fld>
+            <a:endParaRPr lang="en-US"/>
+          </a:p>
+        </p:txBody>
+      </p:sp>
+    </p:spTree>
+    <p:extLst>
+      <p:ext uri="{BB962C8B-B14F-4D97-AF65-F5344CB8AC3E}">
+        <p14:creationId xmlns:p14="http://schemas.microsoft.com/office/powerpoint/2010/main" val="2076808703"/>
       </p:ext>
     </p:extLst>
   </p:cSld>
@@ -10930,7 +12376,7 @@
           <p:nvPr/>
         </p:nvPicPr>
         <p:blipFill>
-          <a:blip r:embed="rId2">
+          <a:blip r:embed="rId3">
             <a:extLst>
               <a:ext uri="{28A0092B-C50C-407E-A947-70E740481C1C}">
                 <a14:useLocalDpi xmlns:a14="http://schemas.microsoft.com/office/drawing/2010/main" val="0"/>
@@ -11197,7 +12643,7 @@
           <p:nvPr/>
         </p:nvPicPr>
         <p:blipFill>
-          <a:blip r:embed="rId2">
+          <a:blip r:embed="rId3">
             <a:extLst>
               <a:ext uri="{28A0092B-C50C-407E-A947-70E740481C1C}">
                 <a14:useLocalDpi xmlns:a14="http://schemas.microsoft.com/office/drawing/2010/main" val="0"/>
@@ -11218,108 +12664,6 @@
           </a:prstGeom>
         </p:spPr>
       </p:pic>
-      <p:sp>
-        <p:nvSpPr>
-          <p:cNvPr id="23" name="TextBox 22"/>
-          <p:cNvSpPr txBox="1"/>
-          <p:nvPr/>
-        </p:nvSpPr>
-        <p:spPr>
-          <a:xfrm>
-            <a:off x="76200" y="344031"/>
-            <a:ext cx="5486400" cy="2031325"/>
-          </a:xfrm>
-          <a:prstGeom prst="rect">
-            <a:avLst/>
-          </a:prstGeom>
-          <a:noFill/>
-        </p:spPr>
-        <p:txBody>
-          <a:bodyPr wrap="square" rtlCol="0">
-            <a:spAutoFit/>
-          </a:bodyPr>
-          <a:lstStyle/>
-          <a:p>
-            <a:r>
-              <a:rPr lang="en-US" sz="1400" dirty="0" smtClean="0">
-                <a:solidFill>
-                  <a:schemeClr val="bg1">
-                    <a:lumMod val="50000"/>
-                  </a:schemeClr>
-                </a:solidFill>
-              </a:rPr>
-              <a:t>Problem Description</a:t>
-            </a:r>
-          </a:p>
-          <a:p>
-            <a:endParaRPr lang="en-US" sz="1400" dirty="0" smtClean="0"/>
-          </a:p>
-          <a:p>
-            <a:endParaRPr lang="en-US" sz="1400" dirty="0"/>
-          </a:p>
-          <a:p>
-            <a:endParaRPr lang="en-US" sz="1400" dirty="0" smtClean="0"/>
-          </a:p>
-          <a:p>
-            <a:endParaRPr lang="en-US" sz="1400" dirty="0" smtClean="0"/>
-          </a:p>
-          <a:p>
-            <a:r>
-              <a:rPr lang="en-US" sz="1400" dirty="0" smtClean="0">
-                <a:solidFill>
-                  <a:schemeClr val="bg1"/>
-                </a:solidFill>
-              </a:rPr>
-              <a:t>Current Status</a:t>
-            </a:r>
-            <a:endParaRPr lang="en-US" sz="1400" dirty="0" smtClean="0">
-              <a:solidFill>
-                <a:schemeClr val="bg1"/>
-              </a:solidFill>
-            </a:endParaRPr>
-          </a:p>
-          <a:p>
-            <a:r>
-              <a:rPr lang="en-US" sz="1400" dirty="0" smtClean="0">
-                <a:solidFill>
-                  <a:schemeClr val="bg1"/>
-                </a:solidFill>
-              </a:rPr>
-              <a:t>Control Strategies</a:t>
-            </a:r>
-            <a:endParaRPr lang="en-US" sz="1400" dirty="0" smtClean="0">
-              <a:solidFill>
-                <a:schemeClr val="bg1"/>
-              </a:solidFill>
-            </a:endParaRPr>
-          </a:p>
-          <a:p>
-            <a:r>
-              <a:rPr lang="en-US" sz="1400" dirty="0" smtClean="0">
-                <a:solidFill>
-                  <a:schemeClr val="bg1"/>
-                </a:solidFill>
-              </a:rPr>
-              <a:t>Modeling</a:t>
-            </a:r>
-            <a:endParaRPr lang="en-US" sz="1400" dirty="0" smtClean="0">
-              <a:solidFill>
-                <a:schemeClr val="bg1"/>
-              </a:solidFill>
-            </a:endParaRPr>
-          </a:p>
-          <a:p>
-            <a:r>
-              <a:rPr lang="en-US" sz="1400" dirty="0" smtClean="0">
-                <a:solidFill>
-                  <a:schemeClr val="bg1"/>
-                </a:solidFill>
-              </a:rPr>
-              <a:t>Conclusion</a:t>
-            </a:r>
-          </a:p>
-        </p:txBody>
-      </p:sp>
       <p:sp>
         <p:nvSpPr>
           <p:cNvPr id="5" name="Rectangle 4"/>
@@ -11385,6 +12729,93 @@
       </p:sp>
       <p:sp>
         <p:nvSpPr>
+          <p:cNvPr id="9" name="TextBox 8"/>
+          <p:cNvSpPr txBox="1"/>
+          <p:nvPr/>
+        </p:nvSpPr>
+        <p:spPr>
+          <a:xfrm>
+            <a:off x="76200" y="344031"/>
+            <a:ext cx="5486400" cy="2031325"/>
+          </a:xfrm>
+          <a:prstGeom prst="rect">
+            <a:avLst/>
+          </a:prstGeom>
+          <a:noFill/>
+        </p:spPr>
+        <p:txBody>
+          <a:bodyPr wrap="square" rtlCol="0">
+            <a:spAutoFit/>
+          </a:bodyPr>
+          <a:lstStyle/>
+          <a:p>
+            <a:r>
+              <a:rPr lang="en-US" sz="1400" dirty="0" smtClean="0">
+                <a:solidFill>
+                  <a:schemeClr val="bg1">
+                    <a:lumMod val="50000"/>
+                  </a:schemeClr>
+                </a:solidFill>
+              </a:rPr>
+              <a:t>Problem Description</a:t>
+            </a:r>
+          </a:p>
+          <a:p>
+            <a:endParaRPr lang="en-US" sz="1400" dirty="0" smtClean="0"/>
+          </a:p>
+          <a:p>
+            <a:endParaRPr lang="en-US" sz="1400" dirty="0"/>
+          </a:p>
+          <a:p>
+            <a:endParaRPr lang="en-US" sz="1400" dirty="0" smtClean="0"/>
+          </a:p>
+          <a:p>
+            <a:endParaRPr lang="en-US" sz="1400" dirty="0" smtClean="0"/>
+          </a:p>
+          <a:p>
+            <a:r>
+              <a:rPr lang="en-US" sz="1400" dirty="0" smtClean="0">
+                <a:solidFill>
+                  <a:schemeClr val="bg1"/>
+                </a:solidFill>
+              </a:rPr>
+              <a:t>Current Status</a:t>
+            </a:r>
+          </a:p>
+          <a:p>
+            <a:r>
+              <a:rPr lang="en-US" sz="1400" dirty="0" smtClean="0">
+                <a:solidFill>
+                  <a:schemeClr val="bg1"/>
+                </a:solidFill>
+              </a:rPr>
+              <a:t>Control Strategies</a:t>
+            </a:r>
+          </a:p>
+          <a:p>
+            <a:r>
+              <a:rPr lang="en-US" sz="1400" dirty="0" smtClean="0">
+                <a:solidFill>
+                  <a:schemeClr val="bg1"/>
+                </a:solidFill>
+              </a:rPr>
+              <a:t>Modeling</a:t>
+            </a:r>
+          </a:p>
+          <a:p>
+            <a:r>
+              <a:rPr lang="en-US" sz="1400" dirty="0" smtClean="0">
+                <a:solidFill>
+                  <a:schemeClr val="bg1"/>
+                </a:solidFill>
+              </a:rPr>
+              <a:t>Conclusion</a:t>
+            </a:r>
+          </a:p>
+        </p:txBody>
+      </p:sp>
+      <p:sp>
+        <p:nvSpPr>
           <p:cNvPr id="4" name="TextBox 3"/>
           <p:cNvSpPr txBox="1"/>
           <p:nvPr/>
@@ -11407,9 +12838,104 @@
           <a:p>
             <a:r>
               <a:rPr lang="en-US" sz="2800" dirty="0" smtClean="0"/>
-              <a:t>Project Plan – Critical Parts</a:t>
+              <a:t>Project Plan – </a:t>
+            </a:r>
+            <a:r>
+              <a:rPr lang="en-US" sz="2800" dirty="0" smtClean="0"/>
+              <a:t>Structural Components</a:t>
             </a:r>
             <a:endParaRPr lang="en-US" sz="2800" dirty="0"/>
+          </a:p>
+        </p:txBody>
+      </p:sp>
+      <p:pic>
+        <p:nvPicPr>
+          <p:cNvPr id="17" name="Picture 5" descr="C:\Users\collinka\Desktop\51AHKwFQaNL._SL500_AA300_.jpg"/>
+          <p:cNvPicPr>
+            <a:picLocks noChangeAspect="1" noChangeArrowheads="1"/>
+          </p:cNvPicPr>
+          <p:nvPr/>
+        </p:nvPicPr>
+        <p:blipFill>
+          <a:blip r:embed="rId4">
+            <a:extLst>
+              <a:ext uri="{28A0092B-C50C-407E-A947-70E740481C1C}">
+                <a14:useLocalDpi xmlns:a14="http://schemas.microsoft.com/office/drawing/2010/main" val="0"/>
+              </a:ext>
+            </a:extLst>
+          </a:blip>
+          <a:srcRect/>
+          <a:stretch>
+            <a:fillRect/>
+          </a:stretch>
+        </p:blipFill>
+        <p:spPr bwMode="auto">
+          <a:xfrm>
+            <a:off x="6019800" y="1600200"/>
+            <a:ext cx="2514600" cy="2514600"/>
+          </a:xfrm>
+          <a:prstGeom prst="rect">
+            <a:avLst/>
+          </a:prstGeom>
+          <a:noFill/>
+          <a:extLst>
+            <a:ext uri="{909E8E84-426E-40DD-AFC4-6F175D3DCCD1}">
+              <a14:hiddenFill xmlns:a14="http://schemas.microsoft.com/office/drawing/2010/main">
+                <a:solidFill>
+                  <a:srgbClr val="FFFFFF"/>
+                </a:solidFill>
+              </a14:hiddenFill>
+            </a:ext>
+          </a:extLst>
+        </p:spPr>
+      </p:pic>
+      <p:sp>
+        <p:nvSpPr>
+          <p:cNvPr id="2" name="TextBox 1"/>
+          <p:cNvSpPr txBox="1"/>
+          <p:nvPr/>
+        </p:nvSpPr>
+        <p:spPr>
+          <a:xfrm>
+            <a:off x="1371600" y="1779538"/>
+            <a:ext cx="4038600" cy="2308324"/>
+          </a:xfrm>
+          <a:prstGeom prst="rect">
+            <a:avLst/>
+          </a:prstGeom>
+          <a:noFill/>
+        </p:spPr>
+        <p:txBody>
+          <a:bodyPr wrap="square" rtlCol="0">
+            <a:spAutoFit/>
+          </a:bodyPr>
+          <a:lstStyle/>
+          <a:p>
+            <a:pPr marL="342900" indent="-342900">
+              <a:buFont typeface="Arial" pitchFamily="34" charset="0"/>
+              <a:buChar char="•"/>
+            </a:pPr>
+            <a:r>
+              <a:rPr lang="en-US" sz="2400" dirty="0" smtClean="0"/>
+              <a:t>Plan to use Aluminum Extrusion</a:t>
+            </a:r>
+          </a:p>
+          <a:p>
+            <a:pPr marL="342900" indent="-342900">
+              <a:buFont typeface="Arial" pitchFamily="34" charset="0"/>
+              <a:buChar char="•"/>
+            </a:pPr>
+            <a:endParaRPr lang="en-US" sz="2400" dirty="0"/>
+          </a:p>
+          <a:p>
+            <a:pPr marL="342900" indent="-342900">
+              <a:buFont typeface="Arial" pitchFamily="34" charset="0"/>
+              <a:buChar char="•"/>
+            </a:pPr>
+            <a:r>
+              <a:rPr lang="en-US" sz="2400" dirty="0" smtClean="0"/>
+              <a:t>The material is very easy to use, sturdy, and relatively inexpensive</a:t>
+            </a:r>
           </a:p>
         </p:txBody>
       </p:sp>
@@ -11421,187 +12947,15 @@
         </p:nvGrpSpPr>
         <p:grpSpPr>
           <a:xfrm>
-            <a:off x="2362200" y="1402142"/>
-            <a:ext cx="6248400" cy="1802613"/>
-            <a:chOff x="2362200" y="1402142"/>
-            <a:chExt cx="6248400" cy="1802613"/>
-          </a:xfrm>
-        </p:grpSpPr>
-        <p:sp>
-          <p:nvSpPr>
-            <p:cNvPr id="2" name="TextBox 1"/>
-            <p:cNvSpPr txBox="1"/>
-            <p:nvPr/>
-          </p:nvSpPr>
-          <p:spPr>
-            <a:xfrm>
-              <a:off x="2362200" y="2072615"/>
-              <a:ext cx="5181600" cy="461665"/>
-            </a:xfrm>
-            <a:prstGeom prst="rect">
-              <a:avLst/>
-            </a:prstGeom>
-            <a:noFill/>
-          </p:spPr>
-          <p:txBody>
-            <a:bodyPr wrap="square" rtlCol="0">
-              <a:spAutoFit/>
-            </a:bodyPr>
-            <a:lstStyle/>
-            <a:p>
-              <a:r>
-                <a:rPr lang="en-US" sz="2400" dirty="0" err="1" smtClean="0"/>
-                <a:t>CompactRIO</a:t>
-              </a:r>
-              <a:r>
-                <a:rPr lang="en-US" sz="2400" dirty="0" smtClean="0"/>
-                <a:t> Real-Time Controller</a:t>
-              </a:r>
-              <a:endParaRPr lang="en-US" sz="2400" dirty="0"/>
-            </a:p>
-          </p:txBody>
-        </p:sp>
-        <p:pic>
-          <p:nvPicPr>
-            <p:cNvPr id="11" name="Picture 4" descr="http://sine.ni.com/images/products/us/crio-9024_l.jpg"/>
-            <p:cNvPicPr>
-              <a:picLocks noChangeAspect="1" noChangeArrowheads="1"/>
-            </p:cNvPicPr>
-            <p:nvPr/>
-          </p:nvPicPr>
-          <p:blipFill rotWithShape="1">
-            <a:blip r:embed="rId3">
-              <a:extLst>
-                <a:ext uri="{28A0092B-C50C-407E-A947-70E740481C1C}">
-                  <a14:useLocalDpi xmlns:a14="http://schemas.microsoft.com/office/drawing/2010/main" val="0"/>
-                </a:ext>
-              </a:extLst>
-            </a:blip>
-            <a:srcRect l="13223" t="4817" r="16365" b="7120"/>
-            <a:stretch/>
-          </p:blipFill>
-          <p:spPr bwMode="auto">
-            <a:xfrm>
-              <a:off x="6629400" y="1402142"/>
-              <a:ext cx="1981200" cy="1802613"/>
-            </a:xfrm>
-            <a:prstGeom prst="rect">
-              <a:avLst/>
-            </a:prstGeom>
-            <a:noFill/>
-            <a:extLst>
-              <a:ext uri="{909E8E84-426E-40DD-AFC4-6F175D3DCCD1}">
-                <a14:hiddenFill xmlns:a14="http://schemas.microsoft.com/office/drawing/2010/main">
-                  <a:solidFill>
-                    <a:srgbClr val="FFFFFF"/>
-                  </a:solidFill>
-                </a14:hiddenFill>
-              </a:ext>
-            </a:extLst>
-          </p:spPr>
-        </p:pic>
-      </p:grpSp>
-      <p:grpSp>
-        <p:nvGrpSpPr>
-          <p:cNvPr id="7" name="Group 6"/>
-          <p:cNvGrpSpPr/>
-          <p:nvPr/>
-        </p:nvGrpSpPr>
-        <p:grpSpPr>
-          <a:xfrm>
-            <a:off x="1143000" y="2514600"/>
-            <a:ext cx="6128747" cy="2100854"/>
-            <a:chOff x="1110253" y="2552815"/>
-            <a:chExt cx="6128747" cy="2100854"/>
+            <a:off x="1902512" y="4267200"/>
+            <a:ext cx="6631888" cy="2308324"/>
+            <a:chOff x="1902512" y="4267200"/>
+            <a:chExt cx="6631888" cy="2308324"/>
           </a:xfrm>
         </p:grpSpPr>
         <p:pic>
           <p:nvPicPr>
-            <p:cNvPr id="12" name="Picture 6" descr="http://www.hubmotors.com/media/catalog/product/cache/10/image/9df78eab33525d08d6e5fb8d27136e95/2/8/280-1368m_1.jpg"/>
-            <p:cNvPicPr>
-              <a:picLocks noChangeAspect="1" noChangeArrowheads="1"/>
-            </p:cNvPicPr>
-            <p:nvPr/>
-          </p:nvPicPr>
-          <p:blipFill rotWithShape="1">
-            <a:blip r:embed="rId4">
-              <a:extLst>
-                <a:ext uri="{28A0092B-C50C-407E-A947-70E740481C1C}">
-                  <a14:useLocalDpi xmlns:a14="http://schemas.microsoft.com/office/drawing/2010/main" val="0"/>
-                </a:ext>
-              </a:extLst>
-            </a:blip>
-            <a:srcRect l="18672" t="4179" r="13351" b="4084"/>
-            <a:stretch/>
-          </p:blipFill>
-          <p:spPr bwMode="auto">
-            <a:xfrm>
-              <a:off x="1110253" y="2552815"/>
-              <a:ext cx="1556747" cy="2100854"/>
-            </a:xfrm>
-            <a:prstGeom prst="rect">
-              <a:avLst/>
-            </a:prstGeom>
-            <a:noFill/>
-            <a:extLst>
-              <a:ext uri="{909E8E84-426E-40DD-AFC4-6F175D3DCCD1}">
-                <a14:hiddenFill xmlns:a14="http://schemas.microsoft.com/office/drawing/2010/main">
-                  <a:solidFill>
-                    <a:srgbClr val="FFFFFF"/>
-                  </a:solidFill>
-                </a14:hiddenFill>
-              </a:ext>
-            </a:extLst>
-          </p:spPr>
-        </p:pic>
-        <p:sp>
-          <p:nvSpPr>
-            <p:cNvPr id="6" name="TextBox 5"/>
-            <p:cNvSpPr txBox="1"/>
-            <p:nvPr/>
-          </p:nvSpPr>
-          <p:spPr>
-            <a:xfrm>
-              <a:off x="2590800" y="3372409"/>
-              <a:ext cx="4648200" cy="461665"/>
-            </a:xfrm>
-            <a:prstGeom prst="rect">
-              <a:avLst/>
-            </a:prstGeom>
-            <a:noFill/>
-          </p:spPr>
-          <p:txBody>
-            <a:bodyPr wrap="square" rtlCol="0">
-              <a:spAutoFit/>
-            </a:bodyPr>
-            <a:lstStyle/>
-            <a:p>
-              <a:r>
-                <a:rPr lang="en-US" sz="2400" dirty="0" smtClean="0"/>
-                <a:t>In-Hub Motors</a:t>
-              </a:r>
-              <a:endParaRPr lang="en-US" sz="2400" dirty="0"/>
-            </a:p>
-          </p:txBody>
-        </p:sp>
-      </p:grpSp>
-      <p:grpSp>
-        <p:nvGrpSpPr>
-          <p:cNvPr id="15" name="Group 14"/>
-          <p:cNvGrpSpPr/>
-          <p:nvPr/>
-        </p:nvGrpSpPr>
-        <p:grpSpPr>
-          <a:xfrm>
-            <a:off x="4114800" y="3936091"/>
-            <a:ext cx="5029200" cy="1474109"/>
-            <a:chOff x="4114800" y="3097019"/>
-            <a:chExt cx="5029200" cy="1474109"/>
-          </a:xfrm>
-        </p:grpSpPr>
-        <p:pic>
-          <p:nvPicPr>
-            <p:cNvPr id="13" name="Picture 10" descr="http://robotbox.net/sites/default/files/imagecache/normal/part_pics/roboteq-motor-controler/roboteq.jpg"/>
+            <p:cNvPr id="18" name="Picture 4" descr="C:\Users\collinka\Desktop\enclosure.jpg"/>
             <p:cNvPicPr>
               <a:picLocks noChangeAspect="1" noChangeArrowheads="1"/>
             </p:cNvPicPr>
@@ -11622,8 +12976,8 @@
           </p:blipFill>
           <p:spPr bwMode="auto">
             <a:xfrm>
-              <a:off x="6341512" y="3097019"/>
-              <a:ext cx="2802488" cy="1474109"/>
+              <a:off x="1902512" y="4267200"/>
+              <a:ext cx="2138575" cy="2155283"/>
             </a:xfrm>
             <a:prstGeom prst="rect">
               <a:avLst/>
@@ -11642,14 +12996,14 @@
         </p:pic>
         <p:sp>
           <p:nvSpPr>
-            <p:cNvPr id="14" name="TextBox 13"/>
+            <p:cNvPr id="19" name="TextBox 18"/>
             <p:cNvSpPr txBox="1"/>
             <p:nvPr/>
           </p:nvSpPr>
           <p:spPr>
             <a:xfrm>
-              <a:off x="4114800" y="3603240"/>
-              <a:ext cx="4648200" cy="461665"/>
+              <a:off x="4495800" y="4267200"/>
+              <a:ext cx="4038600" cy="2308324"/>
             </a:xfrm>
             <a:prstGeom prst="rect">
               <a:avLst/>
@@ -11662,97 +13016,31 @@
             </a:bodyPr>
             <a:lstStyle/>
             <a:p>
+              <a:pPr marL="342900" indent="-342900">
+                <a:buFont typeface="Arial" pitchFamily="34" charset="0"/>
+                <a:buChar char="•"/>
+              </a:pPr>
               <a:r>
                 <a:rPr lang="en-US" sz="2400" dirty="0" smtClean="0"/>
-                <a:t>Motor Controllers</a:t>
+                <a:t>Very adaptable for future changes and adjustments</a:t>
               </a:r>
+            </a:p>
+            <a:p>
+              <a:pPr marL="342900" indent="-342900">
+                <a:buFont typeface="Arial" pitchFamily="34" charset="0"/>
+                <a:buChar char="•"/>
+              </a:pPr>
               <a:endParaRPr lang="en-US" sz="2400" dirty="0"/>
             </a:p>
-          </p:txBody>
-        </p:sp>
-      </p:grpSp>
-      <p:grpSp>
-        <p:nvGrpSpPr>
-          <p:cNvPr id="19" name="Group 18"/>
-          <p:cNvGrpSpPr/>
-          <p:nvPr/>
-        </p:nvGrpSpPr>
-        <p:grpSpPr>
-          <a:xfrm>
-            <a:off x="1163799" y="5357866"/>
-            <a:ext cx="5999001" cy="1271534"/>
-            <a:chOff x="1239999" y="4953000"/>
-            <a:chExt cx="5999001" cy="1271534"/>
-          </a:xfrm>
-        </p:grpSpPr>
-        <p:pic>
-          <p:nvPicPr>
-            <p:cNvPr id="16" name="Picture 8" descr="http://www.seattlerobotics.org/encoder/200610/article3/IMU%20Odometry,%20by%20David%20Anderson_files/3dmgx1.jpg"/>
-            <p:cNvPicPr>
-              <a:picLocks noChangeAspect="1" noChangeArrowheads="1"/>
-            </p:cNvPicPr>
-            <p:nvPr/>
-          </p:nvPicPr>
-          <p:blipFill>
-            <a:blip r:embed="rId6">
-              <a:extLst>
-                <a:ext uri="{28A0092B-C50C-407E-A947-70E740481C1C}">
-                  <a14:useLocalDpi xmlns:a14="http://schemas.microsoft.com/office/drawing/2010/main" val="0"/>
-                </a:ext>
-              </a:extLst>
-            </a:blip>
-            <a:srcRect/>
-            <a:stretch>
-              <a:fillRect/>
-            </a:stretch>
-          </p:blipFill>
-          <p:spPr bwMode="auto">
-            <a:xfrm>
-              <a:off x="1239999" y="4953000"/>
-              <a:ext cx="1676400" cy="1271534"/>
-            </a:xfrm>
-            <a:prstGeom prst="rect">
-              <a:avLst/>
-            </a:prstGeom>
-            <a:noFill/>
-            <a:extLst>
-              <a:ext uri="{909E8E84-426E-40DD-AFC4-6F175D3DCCD1}">
-                <a14:hiddenFill xmlns:a14="http://schemas.microsoft.com/office/drawing/2010/main">
-                  <a:solidFill>
-                    <a:srgbClr val="FFFFFF"/>
-                  </a:solidFill>
-                </a14:hiddenFill>
-              </a:ext>
-            </a:extLst>
-          </p:spPr>
-        </p:pic>
-        <p:sp>
-          <p:nvSpPr>
-            <p:cNvPr id="18" name="TextBox 17"/>
-            <p:cNvSpPr txBox="1"/>
-            <p:nvPr/>
-          </p:nvSpPr>
-          <p:spPr>
-            <a:xfrm>
-              <a:off x="2590800" y="5357934"/>
-              <a:ext cx="4648200" cy="461665"/>
-            </a:xfrm>
-            <a:prstGeom prst="rect">
-              <a:avLst/>
-            </a:prstGeom>
-            <a:noFill/>
-          </p:spPr>
-          <p:txBody>
-            <a:bodyPr wrap="square" rtlCol="0">
-              <a:spAutoFit/>
-            </a:bodyPr>
-            <a:lstStyle/>
             <a:p>
+              <a:pPr marL="342900" indent="-342900">
+                <a:buFont typeface="Arial" pitchFamily="34" charset="0"/>
+                <a:buChar char="•"/>
+              </a:pPr>
               <a:r>
                 <a:rPr lang="en-US" sz="2400" dirty="0" smtClean="0"/>
-                <a:t>Inertial Measurement Unit (IMU)</a:t>
+                <a:t>Brackets will also be necessary to construct the frame</a:t>
               </a:r>
-              <a:endParaRPr lang="en-US" sz="2400" dirty="0"/>
             </a:p>
           </p:txBody>
         </p:sp>
@@ -11760,7 +13048,7 @@
     </p:spTree>
     <p:extLst>
       <p:ext uri="{BB962C8B-B14F-4D97-AF65-F5344CB8AC3E}">
-        <p14:creationId xmlns:p14="http://schemas.microsoft.com/office/powerpoint/2010/main" val="2527321053"/>
+        <p14:creationId xmlns:p14="http://schemas.microsoft.com/office/powerpoint/2010/main" val="769188569"/>
       </p:ext>
     </p:extLst>
   </p:cSld>
@@ -11802,141 +13090,6 @@
                                         </p:cTn>
                                         <p:tgtEl>
                                           <p:spTgt spid="3"/>
-                                        </p:tgtEl>
-                                        <p:attrNameLst>
-                                          <p:attrName>style.visibility</p:attrName>
-                                        </p:attrNameLst>
-                                      </p:cBhvr>
-                                      <p:to>
-                                        <p:strVal val="visible"/>
-                                      </p:to>
-                                    </p:set>
-                                  </p:childTnLst>
-                                </p:cTn>
-                              </p:par>
-                            </p:childTnLst>
-                          </p:cTn>
-                        </p:par>
-                      </p:childTnLst>
-                    </p:cTn>
-                  </p:par>
-                  <p:par>
-                    <p:cTn id="7" fill="hold">
-                      <p:stCondLst>
-                        <p:cond delay="indefinite"/>
-                      </p:stCondLst>
-                      <p:childTnLst>
-                        <p:par>
-                          <p:cTn id="8" fill="hold">
-                            <p:stCondLst>
-                              <p:cond delay="0"/>
-                            </p:stCondLst>
-                            <p:childTnLst>
-                              <p:par>
-                                <p:cTn id="9" presetID="1" presetClass="entr" presetSubtype="0" fill="hold" nodeType="clickEffect">
-                                  <p:stCondLst>
-                                    <p:cond delay="0"/>
-                                  </p:stCondLst>
-                                  <p:childTnLst>
-                                    <p:set>
-                                      <p:cBhvr>
-                                        <p:cTn id="10" dur="1" fill="hold">
-                                          <p:stCondLst>
-                                            <p:cond delay="0"/>
-                                          </p:stCondLst>
-                                        </p:cTn>
-                                        <p:tgtEl>
-                                          <p:spTgt spid="7"/>
-                                        </p:tgtEl>
-                                        <p:attrNameLst>
-                                          <p:attrName>style.visibility</p:attrName>
-                                        </p:attrNameLst>
-                                      </p:cBhvr>
-                                      <p:to>
-                                        <p:strVal val="visible"/>
-                                      </p:to>
-                                    </p:set>
-                                  </p:childTnLst>
-                                </p:cTn>
-                              </p:par>
-                            </p:childTnLst>
-                          </p:cTn>
-                        </p:par>
-                      </p:childTnLst>
-                    </p:cTn>
-                  </p:par>
-                  <p:par>
-                    <p:cTn id="11" fill="hold">
-                      <p:stCondLst>
-                        <p:cond delay="indefinite"/>
-                      </p:stCondLst>
-                      <p:childTnLst>
-                        <p:par>
-                          <p:cTn id="12" fill="hold">
-                            <p:stCondLst>
-                              <p:cond delay="0"/>
-                            </p:stCondLst>
-                            <p:childTnLst>
-                              <p:par>
-                                <p:cTn id="13" presetID="1" presetClass="entr" presetSubtype="0" fill="hold" nodeType="clickEffect">
-                                  <p:stCondLst>
-                                    <p:cond delay="0"/>
-                                  </p:stCondLst>
-                                  <p:childTnLst>
-                                    <p:set>
-                                      <p:cBhvr>
-                                        <p:cTn id="14" dur="1" fill="hold">
-                                          <p:stCondLst>
-                                            <p:cond delay="0"/>
-                                          </p:stCondLst>
-                                        </p:cTn>
-                                        <p:tgtEl>
-                                          <p:spTgt spid="15"/>
-                                        </p:tgtEl>
-                                        <p:attrNameLst>
-                                          <p:attrName>style.visibility</p:attrName>
-                                        </p:attrNameLst>
-                                      </p:cBhvr>
-                                      <p:to>
-                                        <p:strVal val="visible"/>
-                                      </p:to>
-                                    </p:set>
-                                  </p:childTnLst>
-                                </p:cTn>
-                              </p:par>
-                            </p:childTnLst>
-                          </p:cTn>
-                        </p:par>
-                      </p:childTnLst>
-                    </p:cTn>
-                  </p:par>
-                  <p:par>
-                    <p:cTn id="15" fill="hold">
-                      <p:stCondLst>
-                        <p:cond delay="indefinite"/>
-                      </p:stCondLst>
-                      <p:childTnLst>
-                        <p:par>
-                          <p:cTn id="16" fill="hold">
-                            <p:stCondLst>
-                              <p:cond delay="0"/>
-                            </p:stCondLst>
-                            <p:childTnLst>
-                              <p:par>
-                                <p:cTn id="17" presetID="1" presetClass="entr" presetSubtype="0" fill="hold" nodeType="clickEffect">
-                                  <p:stCondLst>
-                                    <p:cond delay="0"/>
-                                  </p:stCondLst>
-                                  <p:childTnLst>
-                                    <p:set>
-                                      <p:cBhvr>
-                                        <p:cTn id="18" dur="1" fill="hold">
-                                          <p:stCondLst>
-                                            <p:cond delay="0"/>
-                                          </p:stCondLst>
-                                        </p:cTn>
-                                        <p:tgtEl>
-                                          <p:spTgt spid="19"/>
                                         </p:tgtEl>
                                         <p:attrNameLst>
                                           <p:attrName>style.visibility</p:attrName>
@@ -12035,7 +13188,7 @@
           <p:nvPr/>
         </p:nvPicPr>
         <p:blipFill>
-          <a:blip r:embed="rId2">
+          <a:blip r:embed="rId3">
             <a:extLst>
               <a:ext uri="{28A0092B-C50C-407E-A947-70E740481C1C}">
                 <a14:useLocalDpi xmlns:a14="http://schemas.microsoft.com/office/drawing/2010/main" val="0"/>
@@ -12163,6 +13316,8 @@
               </a:rPr>
               <a:t>Project Plan</a:t>
             </a:r>
+          </a:p>
+          <a:p>
             <a:endParaRPr lang="en-US" sz="1400" dirty="0" smtClean="0">
               <a:solidFill>
                 <a:schemeClr val="bg1">
@@ -12172,15 +13327,6 @@
             </a:endParaRPr>
           </a:p>
           <a:p>
-            <a:endParaRPr lang="en-US" sz="1400" dirty="0" smtClean="0">
-              <a:solidFill>
-                <a:schemeClr val="bg1">
-                  <a:lumMod val="50000"/>
-                </a:schemeClr>
-              </a:solidFill>
-            </a:endParaRPr>
-          </a:p>
-          <a:p>
             <a:endParaRPr lang="en-US" sz="1400" dirty="0" smtClean="0"/>
           </a:p>
           <a:p>
@@ -12202,11 +13348,6 @@
               </a:rPr>
               <a:t>Control Strategies</a:t>
             </a:r>
-            <a:endParaRPr lang="en-US" sz="1400" dirty="0" smtClean="0">
-              <a:solidFill>
-                <a:schemeClr val="bg1"/>
-              </a:solidFill>
-            </a:endParaRPr>
           </a:p>
           <a:p>
             <a:r>
@@ -12217,11 +13358,6 @@
               </a:rPr>
               <a:t>Modeling</a:t>
             </a:r>
-            <a:endParaRPr lang="en-US" sz="1400" dirty="0" smtClean="0">
-              <a:solidFill>
-                <a:schemeClr val="bg1"/>
-              </a:solidFill>
-            </a:endParaRPr>
           </a:p>
           <a:p>
             <a:r>
@@ -12365,11 +13501,11 @@
   <p:clrMapOvr>
     <a:masterClrMapping/>
   </p:clrMapOvr>
-  <mc:AlternateContent xmlns:mc="http://schemas.openxmlformats.org/markup-compatibility/2006">
-    <mc:Choice xmlns:p14="http://schemas.microsoft.com/office/powerpoint/2010/main" Requires="p14">
+  <mc:AlternateContent xmlns:mc="http://schemas.openxmlformats.org/markup-compatibility/2006" xmlns:p14="http://schemas.microsoft.com/office/powerpoint/2010/main">
+    <mc:Choice Requires="p14">
       <p:transition spd="slow" p14:dur="2000"/>
     </mc:Choice>
-    <mc:Fallback>
+    <mc:Fallback xmlns="">
       <p:transition spd="slow"/>
     </mc:Fallback>
   </mc:AlternateContent>
@@ -12509,7 +13645,7 @@
           <p:nvPr/>
         </p:nvPicPr>
         <p:blipFill>
-          <a:blip r:embed="rId2">
+          <a:blip r:embed="rId3">
             <a:extLst>
               <a:ext uri="{28A0092B-C50C-407E-A947-70E740481C1C}">
                 <a14:useLocalDpi xmlns:a14="http://schemas.microsoft.com/office/drawing/2010/main" val="0"/>
@@ -12637,6 +13773,8 @@
               </a:rPr>
               <a:t>Project Plan</a:t>
             </a:r>
+          </a:p>
+          <a:p>
             <a:endParaRPr lang="en-US" sz="1400" dirty="0" smtClean="0">
               <a:solidFill>
                 <a:schemeClr val="bg1">
@@ -12646,15 +13784,6 @@
             </a:endParaRPr>
           </a:p>
           <a:p>
-            <a:endParaRPr lang="en-US" sz="1400" dirty="0" smtClean="0">
-              <a:solidFill>
-                <a:schemeClr val="bg1">
-                  <a:lumMod val="50000"/>
-                </a:schemeClr>
-              </a:solidFill>
-            </a:endParaRPr>
-          </a:p>
-          <a:p>
             <a:endParaRPr lang="en-US" sz="1400" dirty="0" smtClean="0"/>
           </a:p>
           <a:p>
@@ -12676,11 +13805,6 @@
               </a:rPr>
               <a:t>Control Strategies</a:t>
             </a:r>
-            <a:endParaRPr lang="en-US" sz="1400" dirty="0" smtClean="0">
-              <a:solidFill>
-                <a:schemeClr val="bg1"/>
-              </a:solidFill>
-            </a:endParaRPr>
           </a:p>
           <a:p>
             <a:r>
@@ -13217,11 +14341,11 @@
   <p:clrMapOvr>
     <a:masterClrMapping/>
   </p:clrMapOvr>
-  <mc:AlternateContent xmlns:mc="http://schemas.openxmlformats.org/markup-compatibility/2006">
-    <mc:Choice xmlns:p14="http://schemas.microsoft.com/office/powerpoint/2010/main" Requires="p14">
+  <mc:AlternateContent xmlns:mc="http://schemas.openxmlformats.org/markup-compatibility/2006" xmlns:p14="http://schemas.microsoft.com/office/powerpoint/2010/main">
+    <mc:Choice Requires="p14">
       <p:transition spd="slow" p14:dur="2000"/>
     </mc:Choice>
-    <mc:Fallback>
+    <mc:Fallback xmlns="">
       <p:transition spd="slow"/>
     </mc:Fallback>
   </mc:AlternateContent>
@@ -13403,7 +14527,7 @@
           <p:nvPr/>
         </p:nvPicPr>
         <p:blipFill>
-          <a:blip r:embed="rId2">
+          <a:blip r:embed="rId3">
             <a:extLst>
               <a:ext uri="{28A0092B-C50C-407E-A947-70E740481C1C}">
                 <a14:useLocalDpi xmlns:a14="http://schemas.microsoft.com/office/drawing/2010/main" val="0"/>
@@ -13531,13 +14655,6 @@
               </a:rPr>
               <a:t>Project Plan</a:t>
             </a:r>
-            <a:endParaRPr lang="en-US" sz="1400" dirty="0" smtClean="0">
-              <a:solidFill>
-                <a:schemeClr val="bg1">
-                  <a:lumMod val="50000"/>
-                </a:schemeClr>
-              </a:solidFill>
-            </a:endParaRPr>
           </a:p>
           <a:p>
             <a:r>
@@ -13550,6 +14667,8 @@
               </a:rPr>
               <a:t>Current Status</a:t>
             </a:r>
+          </a:p>
+          <a:p>
             <a:endParaRPr lang="en-US" sz="1400" dirty="0" smtClean="0">
               <a:solidFill>
                 <a:schemeClr val="bg1">
@@ -13559,15 +14678,6 @@
             </a:endParaRPr>
           </a:p>
           <a:p>
-            <a:endParaRPr lang="en-US" sz="1400" dirty="0" smtClean="0">
-              <a:solidFill>
-                <a:schemeClr val="bg1">
-                  <a:lumMod val="50000"/>
-                </a:schemeClr>
-              </a:solidFill>
-            </a:endParaRPr>
-          </a:p>
-          <a:p>
             <a:endParaRPr lang="en-US" sz="1400" dirty="0" smtClean="0"/>
           </a:p>
           <a:p>
@@ -13589,11 +14699,6 @@
               </a:rPr>
               <a:t>Modeling</a:t>
             </a:r>
-            <a:endParaRPr lang="en-US" sz="1400" dirty="0" smtClean="0">
-              <a:solidFill>
-                <a:schemeClr val="bg1"/>
-              </a:solidFill>
-            </a:endParaRPr>
           </a:p>
           <a:p>
             <a:r>
@@ -13631,9 +14736,12 @@
           <a:p>
             <a:r>
               <a:rPr lang="en-US" sz="2800" dirty="0" smtClean="0"/>
-              <a:t>Control Strategies</a:t>
-            </a:r>
-            <a:endParaRPr lang="en-US" sz="2800" dirty="0"/>
+              <a:t>Control </a:t>
+            </a:r>
+            <a:r>
+              <a:rPr lang="en-US" sz="2800" dirty="0" smtClean="0"/>
+              <a:t>Strategy</a:t>
+            </a:r>
           </a:p>
         </p:txBody>
       </p:sp>
@@ -13655,7 +14763,7 @@
         </p:xfrm>
         <a:graphic>
           <a:graphicData uri="http://schemas.openxmlformats.org/drawingml/2006/diagram">
-            <dgm:relIds xmlns:dgm="http://schemas.openxmlformats.org/drawingml/2006/diagram" xmlns:r="http://schemas.openxmlformats.org/officeDocument/2006/relationships" r:dm="rId3" r:lo="rId4" r:qs="rId5" r:cs="rId6"/>
+            <dgm:relIds xmlns:dgm="http://schemas.openxmlformats.org/drawingml/2006/diagram" xmlns:r="http://schemas.openxmlformats.org/officeDocument/2006/relationships" r:dm="rId4" r:lo="rId5" r:qs="rId6" r:cs="rId7"/>
           </a:graphicData>
         </a:graphic>
       </p:graphicFrame>
@@ -13734,7 +14842,7 @@
           <p:nvPr/>
         </p:nvPicPr>
         <p:blipFill>
-          <a:blip r:embed="rId2">
+          <a:blip r:embed="rId3">
             <a:extLst>
               <a:ext uri="{28A0092B-C50C-407E-A947-70E740481C1C}">
                 <a14:useLocalDpi xmlns:a14="http://schemas.microsoft.com/office/drawing/2010/main" val="0"/>
@@ -13862,13 +14970,6 @@
               </a:rPr>
               <a:t>Project Plan</a:t>
             </a:r>
-            <a:endParaRPr lang="en-US" sz="1400" dirty="0" smtClean="0">
-              <a:solidFill>
-                <a:schemeClr val="bg1">
-                  <a:lumMod val="50000"/>
-                </a:schemeClr>
-              </a:solidFill>
-            </a:endParaRPr>
           </a:p>
           <a:p>
             <a:r>
@@ -13881,6 +14982,8 @@
               </a:rPr>
               <a:t>Current Status</a:t>
             </a:r>
+          </a:p>
+          <a:p>
             <a:endParaRPr lang="en-US" sz="1400" dirty="0" smtClean="0">
               <a:solidFill>
                 <a:schemeClr val="bg1">
@@ -13890,15 +14993,6 @@
             </a:endParaRPr>
           </a:p>
           <a:p>
-            <a:endParaRPr lang="en-US" sz="1400" dirty="0" smtClean="0">
-              <a:solidFill>
-                <a:schemeClr val="bg1">
-                  <a:lumMod val="50000"/>
-                </a:schemeClr>
-              </a:solidFill>
-            </a:endParaRPr>
-          </a:p>
-          <a:p>
             <a:endParaRPr lang="en-US" sz="1400" dirty="0" smtClean="0"/>
           </a:p>
           <a:p>
@@ -13920,11 +15014,6 @@
               </a:rPr>
               <a:t>Modeling</a:t>
             </a:r>
-            <a:endParaRPr lang="en-US" sz="1400" dirty="0" smtClean="0">
-              <a:solidFill>
-                <a:schemeClr val="bg1"/>
-              </a:solidFill>
-            </a:endParaRPr>
           </a:p>
           <a:p>
             <a:r>
@@ -13975,7 +15064,7 @@
           <p:nvPr/>
         </p:nvPicPr>
         <p:blipFill>
-          <a:blip r:embed="rId3"/>
+          <a:blip r:embed="rId4"/>
           <a:stretch>
             <a:fillRect/>
           </a:stretch>
@@ -14029,8 +15118,8 @@
           </a:p>
         </p:txBody>
       </p:sp>
-      <mc:AlternateContent xmlns:mc="http://schemas.openxmlformats.org/markup-compatibility/2006">
-        <mc:Choice xmlns:a14="http://schemas.microsoft.com/office/drawing/2010/main" Requires="a14">
+      <mc:AlternateContent xmlns:mc="http://schemas.openxmlformats.org/markup-compatibility/2006" xmlns:a14="http://schemas.microsoft.com/office/drawing/2010/main">
+        <mc:Choice Requires="a14">
           <p:sp>
             <p:nvSpPr>
               <p:cNvPr id="12" name="Rectangle 11"/>
@@ -14178,7 +15267,7 @@
             </p:txBody>
           </p:sp>
         </mc:Choice>
-        <mc:Fallback>
+        <mc:Fallback xmlns="">
           <p:sp>
             <p:nvSpPr>
               <p:cNvPr id="12" name="Rectangle 11"/>
@@ -14196,7 +15285,7 @@
                 <a:avLst/>
               </a:prstGeom>
               <a:blipFill rotWithShape="1">
-                <a:blip r:embed="rId4"/>
+                <a:blip r:embed="rId5"/>
                 <a:stretch>
                   <a:fillRect/>
                 </a:stretch>
@@ -14217,8 +15306,8 @@
           </p:sp>
         </mc:Fallback>
       </mc:AlternateContent>
-      <mc:AlternateContent xmlns:mc="http://schemas.openxmlformats.org/markup-compatibility/2006">
-        <mc:Choice xmlns:a14="http://schemas.microsoft.com/office/drawing/2010/main" Requires="a14">
+      <mc:AlternateContent xmlns:mc="http://schemas.openxmlformats.org/markup-compatibility/2006" xmlns:a14="http://schemas.microsoft.com/office/drawing/2010/main">
+        <mc:Choice Requires="a14">
           <p:sp>
             <p:nvSpPr>
               <p:cNvPr id="13" name="Rectangle 12"/>
@@ -14361,7 +15450,7 @@
             </p:txBody>
           </p:sp>
         </mc:Choice>
-        <mc:Fallback>
+        <mc:Fallback xmlns="">
           <p:sp>
             <p:nvSpPr>
               <p:cNvPr id="13" name="Rectangle 12"/>
@@ -14379,7 +15468,7 @@
                 <a:avLst/>
               </a:prstGeom>
               <a:blipFill rotWithShape="1">
-                <a:blip r:embed="rId5"/>
+                <a:blip r:embed="rId6"/>
                 <a:stretch>
                   <a:fillRect r="-211" b="-13333"/>
                 </a:stretch>
@@ -14602,7 +15691,7 @@
           <p:nvPr/>
         </p:nvPicPr>
         <p:blipFill>
-          <a:blip r:embed="rId2">
+          <a:blip r:embed="rId3">
             <a:extLst>
               <a:ext uri="{28A0092B-C50C-407E-A947-70E740481C1C}">
                 <a14:useLocalDpi xmlns:a14="http://schemas.microsoft.com/office/drawing/2010/main" val="0"/>
@@ -14730,13 +15819,6 @@
               </a:rPr>
               <a:t>Project Plan</a:t>
             </a:r>
-            <a:endParaRPr lang="en-US" sz="1400" dirty="0" smtClean="0">
-              <a:solidFill>
-                <a:schemeClr val="bg1">
-                  <a:lumMod val="50000"/>
-                </a:schemeClr>
-              </a:solidFill>
-            </a:endParaRPr>
           </a:p>
           <a:p>
             <a:r>
@@ -14749,6 +15831,8 @@
               </a:rPr>
               <a:t>Current Status</a:t>
             </a:r>
+          </a:p>
+          <a:p>
             <a:endParaRPr lang="en-US" sz="1400" dirty="0" smtClean="0">
               <a:solidFill>
                 <a:schemeClr val="bg1">
@@ -14758,15 +15842,6 @@
             </a:endParaRPr>
           </a:p>
           <a:p>
-            <a:endParaRPr lang="en-US" sz="1400" dirty="0" smtClean="0">
-              <a:solidFill>
-                <a:schemeClr val="bg1">
-                  <a:lumMod val="50000"/>
-                </a:schemeClr>
-              </a:solidFill>
-            </a:endParaRPr>
-          </a:p>
-          <a:p>
             <a:endParaRPr lang="en-US" sz="1400" dirty="0" smtClean="0"/>
           </a:p>
           <a:p>
@@ -14788,11 +15863,6 @@
               </a:rPr>
               <a:t>Modeling</a:t>
             </a:r>
-            <a:endParaRPr lang="en-US" sz="1400" dirty="0" smtClean="0">
-              <a:solidFill>
-                <a:schemeClr val="bg1"/>
-              </a:solidFill>
-            </a:endParaRPr>
           </a:p>
           <a:p>
             <a:r>
@@ -14917,7 +15987,7 @@
             <p:nvPr/>
           </p:nvPicPr>
           <p:blipFill>
-            <a:blip r:embed="rId3">
+            <a:blip r:embed="rId4">
               <a:extLst>
                 <a:ext uri="{28A0092B-C50C-407E-A947-70E740481C1C}">
                   <a14:useLocalDpi xmlns:a14="http://schemas.microsoft.com/office/drawing/2010/main" val="0"/>
@@ -15046,7 +16116,7 @@
             <p:nvPr/>
           </p:nvPicPr>
           <p:blipFill>
-            <a:blip r:embed="rId4">
+            <a:blip r:embed="rId5">
               <a:extLst>
                 <a:ext uri="{28A0092B-C50C-407E-A947-70E740481C1C}">
                   <a14:useLocalDpi xmlns:a14="http://schemas.microsoft.com/office/drawing/2010/main" val="0"/>
@@ -15170,35 +16240,6 @@
 <file path=ppt/slides/slide16.xml><?xml version="1.0" encoding="utf-8"?>
 <p:sld xmlns:a="http://schemas.openxmlformats.org/drawingml/2006/main" xmlns:r="http://schemas.openxmlformats.org/officeDocument/2006/relationships" xmlns:p="http://schemas.openxmlformats.org/presentationml/2006/main">
   <p:cSld>
-    <p:bg>
-      <p:bgPr>
-        <a:gradFill rotWithShape="1">
-          <a:gsLst>
-            <a:gs pos="0">
-              <a:schemeClr val="bg1">
-                <a:tint val="90000"/>
-              </a:schemeClr>
-            </a:gs>
-            <a:gs pos="75000">
-              <a:schemeClr val="bg1">
-                <a:shade val="100000"/>
-                <a:satMod val="115000"/>
-              </a:schemeClr>
-            </a:gs>
-            <a:gs pos="100000">
-              <a:schemeClr val="bg1">
-                <a:shade val="70000"/>
-                <a:satMod val="130000"/>
-              </a:schemeClr>
-            </a:gs>
-          </a:gsLst>
-          <a:path path="circle">
-            <a:fillToRect l="20000" t="50000" r="100000" b="50000"/>
-          </a:path>
-        </a:gradFill>
-        <a:effectLst/>
-      </p:bgPr>
-    </p:bg>
     <p:spTree>
       <p:nvGrpSpPr>
         <p:cNvPr id="1" name=""/>
@@ -15222,7 +16263,7 @@
           <p:nvPr/>
         </p:nvPicPr>
         <p:blipFill>
-          <a:blip r:embed="rId2">
+          <a:blip r:embed="rId3">
             <a:extLst>
               <a:ext uri="{28A0092B-C50C-407E-A947-70E740481C1C}">
                 <a14:useLocalDpi xmlns:a14="http://schemas.microsoft.com/office/drawing/2010/main" val="0"/>
@@ -15306,44 +16347,15 @@
           </a:p>
         </p:txBody>
       </p:sp>
-      <p:pic>
-        <p:nvPicPr>
-          <p:cNvPr id="10" name="Content Placeholder 3"/>
-          <p:cNvPicPr>
-            <a:picLocks noChangeAspect="1"/>
-          </p:cNvPicPr>
-          <p:nvPr/>
-        </p:nvPicPr>
-        <p:blipFill rotWithShape="1">
-          <a:blip r:embed="rId3" cstate="print">
-            <a:extLst>
-              <a:ext uri="{28A0092B-C50C-407E-A947-70E740481C1C}">
-                <a14:useLocalDpi xmlns:a14="http://schemas.microsoft.com/office/drawing/2010/main" val="0"/>
-              </a:ext>
-            </a:extLst>
-          </a:blip>
-          <a:srcRect l="13257" r="21735"/>
-          <a:stretch/>
-        </p:blipFill>
-        <p:spPr>
-          <a:xfrm>
-            <a:off x="1066800" y="0"/>
-            <a:ext cx="8085103" cy="6847703"/>
-          </a:xfrm>
-          <a:prstGeom prst="rect">
-            <a:avLst/>
-          </a:prstGeom>
-        </p:spPr>
-      </p:pic>
       <p:sp>
         <p:nvSpPr>
-          <p:cNvPr id="7" name="TextBox 6"/>
+          <p:cNvPr id="9" name="TextBox 8"/>
           <p:cNvSpPr txBox="1"/>
           <p:nvPr/>
         </p:nvSpPr>
         <p:spPr>
           <a:xfrm>
-            <a:off x="76200" y="-304800"/>
+            <a:off x="76200" y="-50125"/>
             <a:ext cx="5486400" cy="2031325"/>
           </a:xfrm>
           <a:prstGeom prst="rect">
@@ -15379,13 +16391,6 @@
               </a:rPr>
               <a:t>Project Plan</a:t>
             </a:r>
-            <a:endParaRPr lang="en-US" sz="1400" dirty="0" smtClean="0">
-              <a:solidFill>
-                <a:schemeClr val="bg1">
-                  <a:lumMod val="50000"/>
-                </a:schemeClr>
-              </a:solidFill>
-            </a:endParaRPr>
           </a:p>
           <a:p>
             <a:r>
@@ -15398,6 +16403,8 @@
               </a:rPr>
               <a:t>Current Status</a:t>
             </a:r>
+          </a:p>
+          <a:p>
             <a:endParaRPr lang="en-US" sz="1400" dirty="0" smtClean="0">
               <a:solidFill>
                 <a:schemeClr val="bg1">
@@ -15407,34 +16414,6 @@
             </a:endParaRPr>
           </a:p>
           <a:p>
-            <a:r>
-              <a:rPr lang="en-US" sz="1400" dirty="0" smtClean="0">
-                <a:solidFill>
-                  <a:schemeClr val="bg1">
-                    <a:lumMod val="50000"/>
-                  </a:schemeClr>
-                </a:solidFill>
-              </a:rPr>
-              <a:t>Control Strategies</a:t>
-            </a:r>
-            <a:endParaRPr lang="en-US" sz="1400" dirty="0" smtClean="0">
-              <a:solidFill>
-                <a:schemeClr val="bg1">
-                  <a:lumMod val="50000"/>
-                </a:schemeClr>
-              </a:solidFill>
-            </a:endParaRPr>
-          </a:p>
-          <a:p>
-            <a:endParaRPr lang="en-US" sz="1400" dirty="0" smtClean="0">
-              <a:solidFill>
-                <a:schemeClr val="bg1">
-                  <a:lumMod val="50000"/>
-                </a:schemeClr>
-              </a:solidFill>
-            </a:endParaRPr>
-          </a:p>
-          <a:p>
             <a:endParaRPr lang="en-US" sz="1400" dirty="0" smtClean="0"/>
           </a:p>
           <a:p>
@@ -15446,6 +16425,16 @@
                 <a:schemeClr val="bg1"/>
               </a:solidFill>
             </a:endParaRPr>
+          </a:p>
+          <a:p>
+            <a:r>
+              <a:rPr lang="en-US" sz="1400" dirty="0" smtClean="0">
+                <a:solidFill>
+                  <a:schemeClr val="bg1"/>
+                </a:solidFill>
+              </a:rPr>
+              <a:t>Modeling</a:t>
+            </a:r>
           </a:p>
           <a:p>
             <a:r>
@@ -15468,7 +16457,7 @@
         <p:spPr>
           <a:xfrm>
             <a:off x="76200" y="772180"/>
-            <a:ext cx="5791200" cy="523220"/>
+            <a:ext cx="7772400" cy="523220"/>
           </a:xfrm>
           <a:prstGeom prst="rect">
             <a:avLst/>
@@ -15483,30 +16472,285 @@
           <a:p>
             <a:r>
               <a:rPr lang="en-US" sz="2800" dirty="0" smtClean="0"/>
-              <a:t>Modeling</a:t>
+              <a:t>Control Strategies </a:t>
+            </a:r>
+            <a:r>
+              <a:rPr lang="en-US" sz="2800" dirty="0" smtClean="0"/>
+              <a:t>– LabVIEW Front Panel Example</a:t>
             </a:r>
             <a:endParaRPr lang="en-US" sz="2800" dirty="0"/>
+          </a:p>
+        </p:txBody>
+      </p:sp>
+      <p:pic>
+        <p:nvPicPr>
+          <p:cNvPr id="12" name="Picture 3" descr="C:\Users\solorzaa\Documents\RHIT\RHIT SR\Fall Term\ROBO 460\Research Memos\LabVIEW Front Panel Simulation Example.JPG"/>
+          <p:cNvPicPr>
+            <a:picLocks noChangeAspect="1" noChangeArrowheads="1"/>
+          </p:cNvPicPr>
+          <p:nvPr/>
+        </p:nvPicPr>
+        <p:blipFill>
+          <a:blip r:embed="rId4">
+            <a:extLst>
+              <a:ext uri="{28A0092B-C50C-407E-A947-70E740481C1C}">
+                <a14:useLocalDpi xmlns:a14="http://schemas.microsoft.com/office/drawing/2010/main" val="0"/>
+              </a:ext>
+            </a:extLst>
+          </a:blip>
+          <a:srcRect/>
+          <a:stretch>
+            <a:fillRect/>
+          </a:stretch>
+        </p:blipFill>
+        <p:spPr bwMode="auto">
+          <a:xfrm>
+            <a:off x="1248481" y="1476022"/>
+            <a:ext cx="4171244" cy="2948350"/>
+          </a:xfrm>
+          <a:prstGeom prst="rect">
+            <a:avLst/>
+          </a:prstGeom>
+          <a:noFill/>
+          <a:extLst>
+            <a:ext uri="{909E8E84-426E-40DD-AFC4-6F175D3DCCD1}">
+              <a14:hiddenFill xmlns:a14="http://schemas.microsoft.com/office/drawing/2010/main">
+                <a:solidFill>
+                  <a:srgbClr val="FFFFFF"/>
+                </a:solidFill>
+              </a14:hiddenFill>
+            </a:ext>
+          </a:extLst>
+        </p:spPr>
+      </p:pic>
+      <p:pic>
+        <p:nvPicPr>
+          <p:cNvPr id="13" name="Picture 5" descr="C:\Users\solorzaa\Documents\RHIT\RHIT SR\Fall Term\ROBO 460\Research Memos\LabVIEW Front Panel Placing Poles Example.JPG"/>
+          <p:cNvPicPr>
+            <a:picLocks noChangeAspect="1" noChangeArrowheads="1"/>
+          </p:cNvPicPr>
+          <p:nvPr/>
+        </p:nvPicPr>
+        <p:blipFill>
+          <a:blip r:embed="rId5">
+            <a:extLst>
+              <a:ext uri="{28A0092B-C50C-407E-A947-70E740481C1C}">
+                <a14:useLocalDpi xmlns:a14="http://schemas.microsoft.com/office/drawing/2010/main" val="0"/>
+              </a:ext>
+            </a:extLst>
+          </a:blip>
+          <a:srcRect/>
+          <a:stretch>
+            <a:fillRect/>
+          </a:stretch>
+        </p:blipFill>
+        <p:spPr bwMode="auto">
+          <a:xfrm>
+            <a:off x="1353426" y="4630446"/>
+            <a:ext cx="2989974" cy="1770687"/>
+          </a:xfrm>
+          <a:prstGeom prst="rect">
+            <a:avLst/>
+          </a:prstGeom>
+          <a:noFill/>
+          <a:extLst>
+            <a:ext uri="{909E8E84-426E-40DD-AFC4-6F175D3DCCD1}">
+              <a14:hiddenFill xmlns:a14="http://schemas.microsoft.com/office/drawing/2010/main">
+                <a:solidFill>
+                  <a:srgbClr val="FFFFFF"/>
+                </a:solidFill>
+              </a14:hiddenFill>
+            </a:ext>
+          </a:extLst>
+        </p:spPr>
+      </p:pic>
+      <p:pic>
+        <p:nvPicPr>
+          <p:cNvPr id="14" name="Picture 6" descr="C:\Users\solorzaa\Documents\RHIT\RHIT SR\Fall Term\ROBO 460\Research Memos\LabVIEW Front Panel Placing Plant Model.JPG"/>
+          <p:cNvPicPr>
+            <a:picLocks noChangeAspect="1" noChangeArrowheads="1"/>
+          </p:cNvPicPr>
+          <p:nvPr/>
+        </p:nvPicPr>
+        <p:blipFill>
+          <a:blip r:embed="rId6">
+            <a:extLst>
+              <a:ext uri="{28A0092B-C50C-407E-A947-70E740481C1C}">
+                <a14:useLocalDpi xmlns:a14="http://schemas.microsoft.com/office/drawing/2010/main" val="0"/>
+              </a:ext>
+            </a:extLst>
+          </a:blip>
+          <a:srcRect/>
+          <a:stretch>
+            <a:fillRect/>
+          </a:stretch>
+        </p:blipFill>
+        <p:spPr bwMode="auto">
+          <a:xfrm>
+            <a:off x="5257800" y="4613102"/>
+            <a:ext cx="3038475" cy="1804095"/>
+          </a:xfrm>
+          <a:prstGeom prst="rect">
+            <a:avLst/>
+          </a:prstGeom>
+          <a:noFill/>
+          <a:extLst>
+            <a:ext uri="{909E8E84-426E-40DD-AFC4-6F175D3DCCD1}">
+              <a14:hiddenFill xmlns:a14="http://schemas.microsoft.com/office/drawing/2010/main">
+                <a:solidFill>
+                  <a:srgbClr val="FFFFFF"/>
+                </a:solidFill>
+              </a14:hiddenFill>
+            </a:ext>
+          </a:extLst>
+        </p:spPr>
+      </p:pic>
+      <p:sp>
+        <p:nvSpPr>
+          <p:cNvPr id="15" name="TextBox 14"/>
+          <p:cNvSpPr txBox="1"/>
+          <p:nvPr/>
+        </p:nvSpPr>
+        <p:spPr>
+          <a:xfrm>
+            <a:off x="5599289" y="1639082"/>
+            <a:ext cx="3429000" cy="1754326"/>
+          </a:xfrm>
+          <a:prstGeom prst="rect">
+            <a:avLst/>
+          </a:prstGeom>
+          <a:noFill/>
+        </p:spPr>
+        <p:txBody>
+          <a:bodyPr wrap="square" rtlCol="0">
+            <a:spAutoFit/>
+          </a:bodyPr>
+          <a:lstStyle/>
+          <a:p>
+            <a:pPr marL="342900" indent="-342900">
+              <a:buFont typeface="+mj-lt"/>
+              <a:buAutoNum type="arabicPeriod"/>
+            </a:pPr>
+            <a:r>
+              <a:rPr lang="en-US" dirty="0" smtClean="0"/>
+              <a:t>System model</a:t>
+            </a:r>
+          </a:p>
+          <a:p>
+            <a:pPr marL="342900" indent="-342900">
+              <a:buFont typeface="+mj-lt"/>
+              <a:buAutoNum type="arabicPeriod"/>
+            </a:pPr>
+            <a:r>
+              <a:rPr lang="en-US" dirty="0" smtClean="0"/>
+              <a:t>Alter system’s position</a:t>
+            </a:r>
+          </a:p>
+          <a:p>
+            <a:pPr marL="342900" indent="-342900">
+              <a:buFont typeface="+mj-lt"/>
+              <a:buAutoNum type="arabicPeriod"/>
+            </a:pPr>
+            <a:r>
+              <a:rPr lang="en-US" dirty="0" smtClean="0"/>
+              <a:t>Set initial conditions</a:t>
+            </a:r>
+          </a:p>
+          <a:p>
+            <a:pPr marL="342900" indent="-342900">
+              <a:buFont typeface="+mj-lt"/>
+              <a:buAutoNum type="arabicPeriod"/>
+            </a:pPr>
+            <a:r>
+              <a:rPr lang="en-US" dirty="0" smtClean="0"/>
+              <a:t>Position (x) and pole angle (Theta) real-time outputs</a:t>
+            </a:r>
+          </a:p>
+          <a:p>
+            <a:pPr marL="342900" indent="-342900">
+              <a:buFont typeface="+mj-lt"/>
+              <a:buAutoNum type="arabicPeriod"/>
+            </a:pPr>
+            <a:r>
+              <a:rPr lang="en-US" dirty="0" smtClean="0"/>
+              <a:t>Plot of system output</a:t>
+            </a:r>
+            <a:endParaRPr lang="en-US" dirty="0"/>
+          </a:p>
+        </p:txBody>
+      </p:sp>
+      <p:sp>
+        <p:nvSpPr>
+          <p:cNvPr id="16" name="TextBox 15"/>
+          <p:cNvSpPr txBox="1"/>
+          <p:nvPr/>
+        </p:nvSpPr>
+        <p:spPr>
+          <a:xfrm>
+            <a:off x="1335120" y="6401134"/>
+            <a:ext cx="3227040" cy="369332"/>
+          </a:xfrm>
+          <a:prstGeom prst="rect">
+            <a:avLst/>
+          </a:prstGeom>
+          <a:noFill/>
+        </p:spPr>
+        <p:txBody>
+          <a:bodyPr wrap="square" rtlCol="0">
+            <a:spAutoFit/>
+          </a:bodyPr>
+          <a:lstStyle/>
+          <a:p>
+            <a:pPr algn="ctr"/>
+            <a:r>
+              <a:rPr lang="en-US" dirty="0" smtClean="0"/>
+              <a:t>Placing Poles in the system</a:t>
+            </a:r>
+            <a:endParaRPr lang="en-US" dirty="0"/>
+          </a:p>
+        </p:txBody>
+      </p:sp>
+      <p:sp>
+        <p:nvSpPr>
+          <p:cNvPr id="21" name="TextBox 20"/>
+          <p:cNvSpPr txBox="1"/>
+          <p:nvPr/>
+        </p:nvSpPr>
+        <p:spPr>
+          <a:xfrm>
+            <a:off x="5419725" y="6417198"/>
+            <a:ext cx="2876550" cy="369332"/>
+          </a:xfrm>
+          <a:prstGeom prst="rect">
+            <a:avLst/>
+          </a:prstGeom>
+          <a:noFill/>
+        </p:spPr>
+        <p:txBody>
+          <a:bodyPr wrap="square" rtlCol="0">
+            <a:spAutoFit/>
+          </a:bodyPr>
+          <a:lstStyle/>
+          <a:p>
+            <a:pPr algn="ctr"/>
+            <a:r>
+              <a:rPr lang="en-US" dirty="0" smtClean="0"/>
+              <a:t>Modify the plant model</a:t>
+            </a:r>
+            <a:endParaRPr lang="en-US" dirty="0"/>
           </a:p>
         </p:txBody>
       </p:sp>
     </p:spTree>
     <p:extLst>
       <p:ext uri="{BB962C8B-B14F-4D97-AF65-F5344CB8AC3E}">
-        <p14:creationId xmlns:p14="http://schemas.microsoft.com/office/powerpoint/2010/main" val="3012908713"/>
+        <p14:creationId xmlns:p14="http://schemas.microsoft.com/office/powerpoint/2010/main" val="2282512580"/>
       </p:ext>
     </p:extLst>
   </p:cSld>
   <p:clrMapOvr>
     <a:masterClrMapping/>
   </p:clrMapOvr>
-  <mc:AlternateContent xmlns:mc="http://schemas.openxmlformats.org/markup-compatibility/2006">
-    <mc:Choice xmlns:p14="http://schemas.microsoft.com/office/powerpoint/2010/main" Requires="p14">
-      <p:transition spd="slow" p14:dur="2000"/>
-    </mc:Choice>
-    <mc:Fallback>
-      <p:transition spd="slow"/>
-    </mc:Fallback>
-  </mc:AlternateContent>
   <p:timing>
     <p:tnLst>
       <p:par>
@@ -15520,35 +16764,6 @@
 <file path=ppt/slides/slide17.xml><?xml version="1.0" encoding="utf-8"?>
 <p:sld xmlns:a="http://schemas.openxmlformats.org/drawingml/2006/main" xmlns:r="http://schemas.openxmlformats.org/officeDocument/2006/relationships" xmlns:p="http://schemas.openxmlformats.org/presentationml/2006/main">
   <p:cSld>
-    <p:bg>
-      <p:bgPr>
-        <a:gradFill rotWithShape="1">
-          <a:gsLst>
-            <a:gs pos="0">
-              <a:schemeClr val="bg1">
-                <a:tint val="90000"/>
-              </a:schemeClr>
-            </a:gs>
-            <a:gs pos="75000">
-              <a:schemeClr val="bg1">
-                <a:shade val="100000"/>
-                <a:satMod val="115000"/>
-              </a:schemeClr>
-            </a:gs>
-            <a:gs pos="100000">
-              <a:schemeClr val="bg1">
-                <a:shade val="70000"/>
-                <a:satMod val="130000"/>
-              </a:schemeClr>
-            </a:gs>
-          </a:gsLst>
-          <a:path path="circle">
-            <a:fillToRect l="20000" t="50000" r="100000" b="50000"/>
-          </a:path>
-        </a:gradFill>
-        <a:effectLst/>
-      </p:bgPr>
-    </p:bg>
     <p:spTree>
       <p:nvGrpSpPr>
         <p:cNvPr id="1" name=""/>
@@ -15572,7 +16787,7 @@
           <p:nvPr/>
         </p:nvPicPr>
         <p:blipFill>
-          <a:blip r:embed="rId2">
+          <a:blip r:embed="rId3">
             <a:extLst>
               <a:ext uri="{28A0092B-C50C-407E-A947-70E740481C1C}">
                 <a14:useLocalDpi xmlns:a14="http://schemas.microsoft.com/office/drawing/2010/main" val="0"/>
@@ -15593,130 +16808,6 @@
           </a:prstGeom>
         </p:spPr>
       </p:pic>
-      <p:sp>
-        <p:nvSpPr>
-          <p:cNvPr id="24" name="TextBox 23"/>
-          <p:cNvSpPr txBox="1"/>
-          <p:nvPr/>
-        </p:nvSpPr>
-        <p:spPr>
-          <a:xfrm>
-            <a:off x="76200" y="-304800"/>
-            <a:ext cx="5486400" cy="2031325"/>
-          </a:xfrm>
-          <a:prstGeom prst="rect">
-            <a:avLst/>
-          </a:prstGeom>
-          <a:noFill/>
-        </p:spPr>
-        <p:txBody>
-          <a:bodyPr wrap="square" rtlCol="0">
-            <a:spAutoFit/>
-          </a:bodyPr>
-          <a:lstStyle/>
-          <a:p>
-            <a:r>
-              <a:rPr lang="en-US" sz="1400" dirty="0" smtClean="0">
-                <a:solidFill>
-                  <a:schemeClr val="bg1">
-                    <a:lumMod val="50000"/>
-                  </a:schemeClr>
-                </a:solidFill>
-              </a:rPr>
-              <a:t>Problem Description</a:t>
-            </a:r>
-          </a:p>
-          <a:p>
-            <a:r>
-              <a:rPr lang="en-US" sz="1400" dirty="0" smtClean="0">
-                <a:solidFill>
-                  <a:schemeClr val="bg1">
-                    <a:lumMod val="50000"/>
-                  </a:schemeClr>
-                </a:solidFill>
-              </a:rPr>
-              <a:t>Project Plan</a:t>
-            </a:r>
-            <a:endParaRPr lang="en-US" sz="1400" dirty="0" smtClean="0">
-              <a:solidFill>
-                <a:schemeClr val="bg1">
-                  <a:lumMod val="50000"/>
-                </a:schemeClr>
-              </a:solidFill>
-            </a:endParaRPr>
-          </a:p>
-          <a:p>
-            <a:r>
-              <a:rPr lang="en-US" sz="1400" dirty="0" smtClean="0">
-                <a:solidFill>
-                  <a:schemeClr val="bg1">
-                    <a:lumMod val="50000"/>
-                  </a:schemeClr>
-                </a:solidFill>
-              </a:rPr>
-              <a:t>Current Status</a:t>
-            </a:r>
-            <a:endParaRPr lang="en-US" sz="1400" dirty="0" smtClean="0">
-              <a:solidFill>
-                <a:schemeClr val="bg1">
-                  <a:lumMod val="50000"/>
-                </a:schemeClr>
-              </a:solidFill>
-            </a:endParaRPr>
-          </a:p>
-          <a:p>
-            <a:r>
-              <a:rPr lang="en-US" sz="1400" dirty="0" smtClean="0">
-                <a:solidFill>
-                  <a:schemeClr val="bg1">
-                    <a:lumMod val="50000"/>
-                  </a:schemeClr>
-                </a:solidFill>
-              </a:rPr>
-              <a:t>Control Strategies</a:t>
-            </a:r>
-            <a:endParaRPr lang="en-US" sz="1400" dirty="0" smtClean="0">
-              <a:solidFill>
-                <a:schemeClr val="bg1">
-                  <a:lumMod val="50000"/>
-                </a:schemeClr>
-              </a:solidFill>
-            </a:endParaRPr>
-          </a:p>
-          <a:p>
-            <a:endParaRPr lang="en-US" sz="1400" dirty="0" smtClean="0">
-              <a:solidFill>
-                <a:schemeClr val="bg1">
-                  <a:lumMod val="50000"/>
-                </a:schemeClr>
-              </a:solidFill>
-            </a:endParaRPr>
-          </a:p>
-          <a:p>
-            <a:endParaRPr lang="en-US" sz="1400" dirty="0" smtClean="0"/>
-          </a:p>
-          <a:p>
-            <a:endParaRPr lang="en-US" sz="1400" dirty="0"/>
-          </a:p>
-          <a:p>
-            <a:endParaRPr lang="en-US" sz="1400" dirty="0" smtClean="0">
-              <a:solidFill>
-                <a:schemeClr val="bg1"/>
-              </a:solidFill>
-            </a:endParaRPr>
-          </a:p>
-          <a:p>
-            <a:r>
-              <a:rPr lang="en-US" sz="1400" dirty="0" smtClean="0">
-                <a:solidFill>
-                  <a:schemeClr val="bg1"/>
-                </a:solidFill>
-              </a:rPr>
-              <a:t>Conclusion</a:t>
-            </a:r>
-          </a:p>
-        </p:txBody>
-      </p:sp>
       <p:sp>
         <p:nvSpPr>
           <p:cNvPr id="5" name="Rectangle 4"/>
@@ -15780,6 +16871,138 @@
           </a:p>
         </p:txBody>
       </p:sp>
+      <p:pic>
+        <p:nvPicPr>
+          <p:cNvPr id="10" name="Content Placeholder 3"/>
+          <p:cNvPicPr>
+            <a:picLocks noChangeAspect="1"/>
+          </p:cNvPicPr>
+          <p:nvPr/>
+        </p:nvPicPr>
+        <p:blipFill rotWithShape="1">
+          <a:blip r:embed="rId4" cstate="print">
+            <a:extLst>
+              <a:ext uri="{28A0092B-C50C-407E-A947-70E740481C1C}">
+                <a14:useLocalDpi xmlns:a14="http://schemas.microsoft.com/office/drawing/2010/main" val="0"/>
+              </a:ext>
+            </a:extLst>
+          </a:blip>
+          <a:srcRect l="13257" r="21735"/>
+          <a:stretch/>
+        </p:blipFill>
+        <p:spPr>
+          <a:xfrm>
+            <a:off x="1066800" y="0"/>
+            <a:ext cx="8085103" cy="6847703"/>
+          </a:xfrm>
+          <a:prstGeom prst="rect">
+            <a:avLst/>
+          </a:prstGeom>
+        </p:spPr>
+      </p:pic>
+      <p:sp>
+        <p:nvSpPr>
+          <p:cNvPr id="7" name="TextBox 6"/>
+          <p:cNvSpPr txBox="1"/>
+          <p:nvPr/>
+        </p:nvSpPr>
+        <p:spPr>
+          <a:xfrm>
+            <a:off x="76200" y="-304800"/>
+            <a:ext cx="5486400" cy="2031325"/>
+          </a:xfrm>
+          <a:prstGeom prst="rect">
+            <a:avLst/>
+          </a:prstGeom>
+          <a:noFill/>
+        </p:spPr>
+        <p:txBody>
+          <a:bodyPr wrap="square" rtlCol="0">
+            <a:spAutoFit/>
+          </a:bodyPr>
+          <a:lstStyle/>
+          <a:p>
+            <a:r>
+              <a:rPr lang="en-US" sz="1400" dirty="0" smtClean="0">
+                <a:solidFill>
+                  <a:schemeClr val="bg1">
+                    <a:lumMod val="50000"/>
+                  </a:schemeClr>
+                </a:solidFill>
+              </a:rPr>
+              <a:t>Problem Description</a:t>
+            </a:r>
+          </a:p>
+          <a:p>
+            <a:r>
+              <a:rPr lang="en-US" sz="1400" dirty="0" smtClean="0">
+                <a:solidFill>
+                  <a:schemeClr val="bg1">
+                    <a:lumMod val="50000"/>
+                  </a:schemeClr>
+                </a:solidFill>
+              </a:rPr>
+              <a:t>Project Plan</a:t>
+            </a:r>
+          </a:p>
+          <a:p>
+            <a:r>
+              <a:rPr lang="en-US" sz="1400" dirty="0" smtClean="0">
+                <a:solidFill>
+                  <a:schemeClr val="bg1">
+                    <a:lumMod val="50000"/>
+                  </a:schemeClr>
+                </a:solidFill>
+              </a:rPr>
+              <a:t>Current Status</a:t>
+            </a:r>
+          </a:p>
+          <a:p>
+            <a:r>
+              <a:rPr lang="en-US" sz="1400" dirty="0" smtClean="0">
+                <a:solidFill>
+                  <a:schemeClr val="bg1">
+                    <a:lumMod val="50000"/>
+                  </a:schemeClr>
+                </a:solidFill>
+              </a:rPr>
+              <a:t>Control Strategies</a:t>
+            </a:r>
+          </a:p>
+          <a:p>
+            <a:endParaRPr lang="en-US" sz="1400" dirty="0" smtClean="0">
+              <a:solidFill>
+                <a:schemeClr val="bg1">
+                  <a:lumMod val="50000"/>
+                </a:schemeClr>
+              </a:solidFill>
+            </a:endParaRPr>
+          </a:p>
+          <a:p>
+            <a:endParaRPr lang="en-US" sz="1400" dirty="0" smtClean="0"/>
+          </a:p>
+          <a:p>
+            <a:endParaRPr lang="en-US" sz="1400" dirty="0"/>
+          </a:p>
+          <a:p>
+            <a:endParaRPr lang="en-US" sz="1400" dirty="0" smtClean="0">
+              <a:solidFill>
+                <a:schemeClr val="bg1"/>
+              </a:solidFill>
+            </a:endParaRPr>
+          </a:p>
+          <a:p>
+            <a:r>
+              <a:rPr lang="en-US" sz="1400" dirty="0" smtClean="0">
+                <a:solidFill>
+                  <a:schemeClr val="bg1"/>
+                </a:solidFill>
+              </a:rPr>
+              <a:t>Conclusion</a:t>
+            </a:r>
+          </a:p>
+        </p:txBody>
+      </p:sp>
       <p:sp>
         <p:nvSpPr>
           <p:cNvPr id="4" name="TextBox 3"/>
@@ -15804,304 +17027,34 @@
           <a:p>
             <a:r>
               <a:rPr lang="en-US" sz="2800" dirty="0" smtClean="0"/>
-              <a:t>Modeling– Simulation</a:t>
+              <a:t>Modeling</a:t>
             </a:r>
             <a:endParaRPr lang="en-US" sz="2800" dirty="0"/>
           </a:p>
         </p:txBody>
       </p:sp>
-      <p:pic>
-        <p:nvPicPr>
-          <p:cNvPr id="20" name="Picture 19"/>
-          <p:cNvPicPr>
-            <a:picLocks noChangeAspect="1"/>
-          </p:cNvPicPr>
-          <p:nvPr/>
-        </p:nvPicPr>
-        <p:blipFill>
-          <a:blip r:embed="rId3">
-            <a:extLst>
-              <a:ext uri="{28A0092B-C50C-407E-A947-70E740481C1C}">
-                <a14:useLocalDpi xmlns:a14="http://schemas.microsoft.com/office/drawing/2010/main" val="0"/>
-              </a:ext>
-            </a:extLst>
-          </a:blip>
-          <a:stretch>
-            <a:fillRect/>
-          </a:stretch>
-        </p:blipFill>
-        <p:spPr>
-          <a:xfrm>
-            <a:off x="1676400" y="1557453"/>
-            <a:ext cx="6770430" cy="4916777"/>
-          </a:xfrm>
-          <a:prstGeom prst="rect">
-            <a:avLst/>
-          </a:prstGeom>
-        </p:spPr>
-      </p:pic>
-      <p:pic>
-        <p:nvPicPr>
-          <p:cNvPr id="21" name="Picture 20"/>
-          <p:cNvPicPr>
-            <a:picLocks noChangeAspect="1"/>
-          </p:cNvPicPr>
-          <p:nvPr/>
-        </p:nvPicPr>
-        <p:blipFill>
-          <a:blip r:embed="rId4">
-            <a:extLst>
-              <a:ext uri="{28A0092B-C50C-407E-A947-70E740481C1C}">
-                <a14:useLocalDpi xmlns:a14="http://schemas.microsoft.com/office/drawing/2010/main" val="0"/>
-              </a:ext>
-            </a:extLst>
-          </a:blip>
-          <a:stretch>
-            <a:fillRect/>
-          </a:stretch>
-        </p:blipFill>
-        <p:spPr>
-          <a:xfrm>
-            <a:off x="1676400" y="1557453"/>
-            <a:ext cx="6770430" cy="4916777"/>
-          </a:xfrm>
-          <a:prstGeom prst="rect">
-            <a:avLst/>
-          </a:prstGeom>
-        </p:spPr>
-      </p:pic>
-      <p:pic>
-        <p:nvPicPr>
-          <p:cNvPr id="22" name="Picture 21"/>
-          <p:cNvPicPr>
-            <a:picLocks noChangeAspect="1"/>
-          </p:cNvPicPr>
-          <p:nvPr/>
-        </p:nvPicPr>
-        <p:blipFill>
-          <a:blip r:embed="rId5">
-            <a:extLst>
-              <a:ext uri="{28A0092B-C50C-407E-A947-70E740481C1C}">
-                <a14:useLocalDpi xmlns:a14="http://schemas.microsoft.com/office/drawing/2010/main" val="0"/>
-              </a:ext>
-            </a:extLst>
-          </a:blip>
-          <a:stretch>
-            <a:fillRect/>
-          </a:stretch>
-        </p:blipFill>
-        <p:spPr>
-          <a:xfrm>
-            <a:off x="1676400" y="1553337"/>
-            <a:ext cx="6778958" cy="4922969"/>
-          </a:xfrm>
-          <a:prstGeom prst="rect">
-            <a:avLst/>
-          </a:prstGeom>
-        </p:spPr>
-      </p:pic>
-      <p:pic>
-        <p:nvPicPr>
-          <p:cNvPr id="23" name="Picture 22"/>
-          <p:cNvPicPr>
-            <a:picLocks noChangeAspect="1"/>
-          </p:cNvPicPr>
-          <p:nvPr/>
-        </p:nvPicPr>
-        <p:blipFill>
-          <a:blip r:embed="rId6">
-            <a:extLst>
-              <a:ext uri="{28A0092B-C50C-407E-A947-70E740481C1C}">
-                <a14:useLocalDpi xmlns:a14="http://schemas.microsoft.com/office/drawing/2010/main" val="0"/>
-              </a:ext>
-            </a:extLst>
-          </a:blip>
-          <a:stretch>
-            <a:fillRect/>
-          </a:stretch>
-        </p:blipFill>
-        <p:spPr>
-          <a:xfrm>
-            <a:off x="1676400" y="1551966"/>
-            <a:ext cx="6781800" cy="4925034"/>
-          </a:xfrm>
-          <a:prstGeom prst="rect">
-            <a:avLst/>
-          </a:prstGeom>
-        </p:spPr>
-      </p:pic>
     </p:spTree>
     <p:extLst>
       <p:ext uri="{BB962C8B-B14F-4D97-AF65-F5344CB8AC3E}">
-        <p14:creationId xmlns:p14="http://schemas.microsoft.com/office/powerpoint/2010/main" val="865010311"/>
+        <p14:creationId xmlns:p14="http://schemas.microsoft.com/office/powerpoint/2010/main" val="265522703"/>
       </p:ext>
     </p:extLst>
   </p:cSld>
   <p:clrMapOvr>
     <a:masterClrMapping/>
   </p:clrMapOvr>
+  <mc:AlternateContent xmlns:mc="http://schemas.openxmlformats.org/markup-compatibility/2006" xmlns:p14="http://schemas.microsoft.com/office/powerpoint/2010/main">
+    <mc:Choice Requires="p14">
+      <p:transition spd="slow" p14:dur="2000"/>
+    </mc:Choice>
+    <mc:Fallback xmlns="">
+      <p:transition spd="slow"/>
+    </mc:Fallback>
+  </mc:AlternateContent>
   <p:timing>
     <p:tnLst>
       <p:par>
-        <p:cTn id="1" dur="indefinite" restart="never" nodeType="tmRoot">
-          <p:childTnLst>
-            <p:seq concurrent="1" nextAc="seek">
-              <p:cTn id="2" dur="indefinite" nodeType="mainSeq">
-                <p:childTnLst>
-                  <p:par>
-                    <p:cTn id="3" fill="hold">
-                      <p:stCondLst>
-                        <p:cond delay="indefinite"/>
-                      </p:stCondLst>
-                      <p:childTnLst>
-                        <p:par>
-                          <p:cTn id="4" fill="hold">
-                            <p:stCondLst>
-                              <p:cond delay="0"/>
-                            </p:stCondLst>
-                            <p:childTnLst>
-                              <p:par>
-                                <p:cTn id="5" presetID="1" presetClass="entr" presetSubtype="0" fill="hold" nodeType="clickEffect">
-                                  <p:stCondLst>
-                                    <p:cond delay="0"/>
-                                  </p:stCondLst>
-                                  <p:childTnLst>
-                                    <p:set>
-                                      <p:cBhvr>
-                                        <p:cTn id="6" dur="1" fill="hold">
-                                          <p:stCondLst>
-                                            <p:cond delay="0"/>
-                                          </p:stCondLst>
-                                        </p:cTn>
-                                        <p:tgtEl>
-                                          <p:spTgt spid="21"/>
-                                        </p:tgtEl>
-                                        <p:attrNameLst>
-                                          <p:attrName>style.visibility</p:attrName>
-                                        </p:attrNameLst>
-                                      </p:cBhvr>
-                                      <p:to>
-                                        <p:strVal val="visible"/>
-                                      </p:to>
-                                    </p:set>
-                                  </p:childTnLst>
-                                </p:cTn>
-                              </p:par>
-                            </p:childTnLst>
-                          </p:cTn>
-                        </p:par>
-                      </p:childTnLst>
-                    </p:cTn>
-                  </p:par>
-                  <p:par>
-                    <p:cTn id="7" fill="hold">
-                      <p:stCondLst>
-                        <p:cond delay="indefinite"/>
-                      </p:stCondLst>
-                      <p:childTnLst>
-                        <p:par>
-                          <p:cTn id="8" fill="hold">
-                            <p:stCondLst>
-                              <p:cond delay="0"/>
-                            </p:stCondLst>
-                            <p:childTnLst>
-                              <p:par>
-                                <p:cTn id="9" presetID="1" presetClass="entr" presetSubtype="0" fill="hold" nodeType="clickEffect">
-                                  <p:stCondLst>
-                                    <p:cond delay="0"/>
-                                  </p:stCondLst>
-                                  <p:childTnLst>
-                                    <p:set>
-                                      <p:cBhvr>
-                                        <p:cTn id="10" dur="1" fill="hold">
-                                          <p:stCondLst>
-                                            <p:cond delay="0"/>
-                                          </p:stCondLst>
-                                        </p:cTn>
-                                        <p:tgtEl>
-                                          <p:spTgt spid="22"/>
-                                        </p:tgtEl>
-                                        <p:attrNameLst>
-                                          <p:attrName>style.visibility</p:attrName>
-                                        </p:attrNameLst>
-                                      </p:cBhvr>
-                                      <p:to>
-                                        <p:strVal val="visible"/>
-                                      </p:to>
-                                    </p:set>
-                                  </p:childTnLst>
-                                </p:cTn>
-                              </p:par>
-                            </p:childTnLst>
-                          </p:cTn>
-                        </p:par>
-                      </p:childTnLst>
-                    </p:cTn>
-                  </p:par>
-                  <p:par>
-                    <p:cTn id="11" fill="hold">
-                      <p:stCondLst>
-                        <p:cond delay="indefinite"/>
-                      </p:stCondLst>
-                      <p:childTnLst>
-                        <p:par>
-                          <p:cTn id="12" fill="hold">
-                            <p:stCondLst>
-                              <p:cond delay="0"/>
-                            </p:stCondLst>
-                            <p:childTnLst>
-                              <p:par>
-                                <p:cTn id="13" presetID="1" presetClass="entr" presetSubtype="0" fill="hold" nodeType="clickEffect">
-                                  <p:stCondLst>
-                                    <p:cond delay="0"/>
-                                  </p:stCondLst>
-                                  <p:childTnLst>
-                                    <p:set>
-                                      <p:cBhvr>
-                                        <p:cTn id="14" dur="1" fill="hold">
-                                          <p:stCondLst>
-                                            <p:cond delay="0"/>
-                                          </p:stCondLst>
-                                        </p:cTn>
-                                        <p:tgtEl>
-                                          <p:spTgt spid="23"/>
-                                        </p:tgtEl>
-                                        <p:attrNameLst>
-                                          <p:attrName>style.visibility</p:attrName>
-                                        </p:attrNameLst>
-                                      </p:cBhvr>
-                                      <p:to>
-                                        <p:strVal val="visible"/>
-                                      </p:to>
-                                    </p:set>
-                                  </p:childTnLst>
-                                </p:cTn>
-                              </p:par>
-                            </p:childTnLst>
-                          </p:cTn>
-                        </p:par>
-                      </p:childTnLst>
-                    </p:cTn>
-                  </p:par>
-                </p:childTnLst>
-              </p:cTn>
-              <p:prevCondLst>
-                <p:cond evt="onPrev" delay="0">
-                  <p:tgtEl>
-                    <p:sldTgt/>
-                  </p:tgtEl>
-                </p:cond>
-              </p:prevCondLst>
-              <p:nextCondLst>
-                <p:cond evt="onNext" delay="0">
-                  <p:tgtEl>
-                    <p:sldTgt/>
-                  </p:tgtEl>
-                </p:cond>
-              </p:nextCondLst>
-            </p:seq>
-          </p:childTnLst>
-        </p:cTn>
+        <p:cTn id="1" dur="indefinite" restart="never" nodeType="tmRoot"/>
       </p:par>
     </p:tnLst>
   </p:timing>
@@ -16163,7 +17116,7 @@
           <p:nvPr/>
         </p:nvPicPr>
         <p:blipFill>
-          <a:blip r:embed="rId2">
+          <a:blip r:embed="rId3">
             <a:extLst>
               <a:ext uri="{28A0092B-C50C-407E-A947-70E740481C1C}">
                 <a14:useLocalDpi xmlns:a14="http://schemas.microsoft.com/office/drawing/2010/main" val="0"/>
@@ -16228,13 +17181,6 @@
               </a:rPr>
               <a:t>Project Plan</a:t>
             </a:r>
-            <a:endParaRPr lang="en-US" sz="1400" dirty="0" smtClean="0">
-              <a:solidFill>
-                <a:schemeClr val="bg1">
-                  <a:lumMod val="50000"/>
-                </a:schemeClr>
-              </a:solidFill>
-            </a:endParaRPr>
           </a:p>
           <a:p>
             <a:r>
@@ -16247,13 +17193,6 @@
               </a:rPr>
               <a:t>Current Status</a:t>
             </a:r>
-            <a:endParaRPr lang="en-US" sz="1400" dirty="0" smtClean="0">
-              <a:solidFill>
-                <a:schemeClr val="bg1">
-                  <a:lumMod val="50000"/>
-                </a:schemeClr>
-              </a:solidFill>
-            </a:endParaRPr>
           </a:p>
           <a:p>
             <a:r>
@@ -16266,13 +17205,6 @@
               </a:rPr>
               <a:t>Control Strategies</a:t>
             </a:r>
-            <a:endParaRPr lang="en-US" sz="1400" dirty="0" smtClean="0">
-              <a:solidFill>
-                <a:schemeClr val="bg1">
-                  <a:lumMod val="50000"/>
-                </a:schemeClr>
-              </a:solidFill>
-            </a:endParaRPr>
           </a:p>
           <a:p>
             <a:endParaRPr lang="en-US" sz="1400" dirty="0" smtClean="0">
@@ -16395,7 +17327,11 @@
           <a:p>
             <a:r>
               <a:rPr lang="en-US" sz="2800" dirty="0" smtClean="0"/>
-              <a:t>Modeling– Proposed Balancing Mechanism</a:t>
+              <a:t>Modeling - Proposed </a:t>
+            </a:r>
+            <a:r>
+              <a:rPr lang="en-US" sz="2800" dirty="0" smtClean="0"/>
+              <a:t>Balancing Mechanism</a:t>
             </a:r>
             <a:endParaRPr lang="en-US" sz="2800" dirty="0"/>
           </a:p>
@@ -16410,7 +17346,7 @@
           <p:nvPr/>
         </p:nvPicPr>
         <p:blipFill>
-          <a:blip r:embed="rId3" cstate="print">
+          <a:blip r:embed="rId4" cstate="print">
             <a:extLst>
               <a:ext uri="{28A0092B-C50C-407E-A947-70E740481C1C}">
                 <a14:useLocalDpi xmlns:a14="http://schemas.microsoft.com/office/drawing/2010/main" val="0"/>
@@ -16440,7 +17376,7 @@
           <p:nvPr/>
         </p:nvPicPr>
         <p:blipFill>
-          <a:blip r:embed="rId4" cstate="print">
+          <a:blip r:embed="rId5" cstate="print">
             <a:extLst>
               <a:ext uri="{28A0092B-C50C-407E-A947-70E740481C1C}">
                 <a14:useLocalDpi xmlns:a14="http://schemas.microsoft.com/office/drawing/2010/main" val="0"/>
@@ -16470,7 +17406,7 @@
           <p:nvPr/>
         </p:nvPicPr>
         <p:blipFill>
-          <a:blip r:embed="rId5" cstate="print">
+          <a:blip r:embed="rId6" cstate="print">
             <a:extLst>
               <a:ext uri="{28A0092B-C50C-407E-A947-70E740481C1C}">
                 <a14:useLocalDpi xmlns:a14="http://schemas.microsoft.com/office/drawing/2010/main" val="0"/>
@@ -16500,7 +17436,7 @@
           <p:nvPr/>
         </p:nvPicPr>
         <p:blipFill>
-          <a:blip r:embed="rId6" cstate="print">
+          <a:blip r:embed="rId7" cstate="print">
             <a:extLst>
               <a:ext uri="{28A0092B-C50C-407E-A947-70E740481C1C}">
                 <a14:useLocalDpi xmlns:a14="http://schemas.microsoft.com/office/drawing/2010/main" val="0"/>
@@ -16726,35 +17662,6 @@
 <file path=ppt/slides/slide19.xml><?xml version="1.0" encoding="utf-8"?>
 <p:sld xmlns:a="http://schemas.openxmlformats.org/drawingml/2006/main" xmlns:r="http://schemas.openxmlformats.org/officeDocument/2006/relationships" xmlns:p="http://schemas.openxmlformats.org/presentationml/2006/main">
   <p:cSld>
-    <p:bg>
-      <p:bgPr>
-        <a:gradFill rotWithShape="1">
-          <a:gsLst>
-            <a:gs pos="0">
-              <a:schemeClr val="bg1">
-                <a:tint val="90000"/>
-              </a:schemeClr>
-            </a:gs>
-            <a:gs pos="75000">
-              <a:schemeClr val="bg1">
-                <a:shade val="100000"/>
-                <a:satMod val="115000"/>
-              </a:schemeClr>
-            </a:gs>
-            <a:gs pos="100000">
-              <a:schemeClr val="bg1">
-                <a:shade val="70000"/>
-                <a:satMod val="130000"/>
-              </a:schemeClr>
-            </a:gs>
-          </a:gsLst>
-          <a:path path="circle">
-            <a:fillToRect l="20000" t="50000" r="100000" b="50000"/>
-          </a:path>
-        </a:gradFill>
-        <a:effectLst/>
-      </p:bgPr>
-    </p:bg>
     <p:spTree>
       <p:nvGrpSpPr>
         <p:cNvPr id="1" name=""/>
@@ -16778,7 +17685,7 @@
           <p:nvPr/>
         </p:nvPicPr>
         <p:blipFill>
-          <a:blip r:embed="rId2">
+          <a:blip r:embed="rId3">
             <a:extLst>
               <a:ext uri="{28A0092B-C50C-407E-A947-70E740481C1C}">
                 <a14:useLocalDpi xmlns:a14="http://schemas.microsoft.com/office/drawing/2010/main" val="0"/>
@@ -16799,6 +17706,109 @@
           </a:prstGeom>
         </p:spPr>
       </p:pic>
+      <p:sp>
+        <p:nvSpPr>
+          <p:cNvPr id="14" name="TextBox 13"/>
+          <p:cNvSpPr txBox="1"/>
+          <p:nvPr/>
+        </p:nvSpPr>
+        <p:spPr>
+          <a:xfrm>
+            <a:off x="76200" y="-304800"/>
+            <a:ext cx="5486400" cy="2031325"/>
+          </a:xfrm>
+          <a:prstGeom prst="rect">
+            <a:avLst/>
+          </a:prstGeom>
+          <a:noFill/>
+        </p:spPr>
+        <p:txBody>
+          <a:bodyPr wrap="square" rtlCol="0">
+            <a:spAutoFit/>
+          </a:bodyPr>
+          <a:lstStyle/>
+          <a:p>
+            <a:r>
+              <a:rPr lang="en-US" sz="1400" dirty="0" smtClean="0">
+                <a:solidFill>
+                  <a:schemeClr val="bg1">
+                    <a:lumMod val="50000"/>
+                  </a:schemeClr>
+                </a:solidFill>
+              </a:rPr>
+              <a:t>Problem Description</a:t>
+            </a:r>
+          </a:p>
+          <a:p>
+            <a:r>
+              <a:rPr lang="en-US" sz="1400" dirty="0" smtClean="0">
+                <a:solidFill>
+                  <a:schemeClr val="bg1">
+                    <a:lumMod val="50000"/>
+                  </a:schemeClr>
+                </a:solidFill>
+              </a:rPr>
+              <a:t>Project Plan</a:t>
+            </a:r>
+          </a:p>
+          <a:p>
+            <a:r>
+              <a:rPr lang="en-US" sz="1400" dirty="0" smtClean="0">
+                <a:solidFill>
+                  <a:schemeClr val="bg1">
+                    <a:lumMod val="50000"/>
+                  </a:schemeClr>
+                </a:solidFill>
+              </a:rPr>
+              <a:t>Current Status</a:t>
+            </a:r>
+          </a:p>
+          <a:p>
+            <a:r>
+              <a:rPr lang="en-US" sz="1400" dirty="0" smtClean="0">
+                <a:solidFill>
+                  <a:schemeClr val="bg1">
+                    <a:lumMod val="50000"/>
+                  </a:schemeClr>
+                </a:solidFill>
+              </a:rPr>
+              <a:t>Control Strategies</a:t>
+            </a:r>
+          </a:p>
+          <a:p>
+            <a:endParaRPr lang="en-US" sz="1400" dirty="0" smtClean="0">
+              <a:solidFill>
+                <a:schemeClr val="bg1">
+                  <a:lumMod val="50000"/>
+                </a:schemeClr>
+              </a:solidFill>
+            </a:endParaRPr>
+          </a:p>
+          <a:p>
+            <a:endParaRPr lang="en-US" sz="1400" dirty="0" smtClean="0"/>
+          </a:p>
+          <a:p>
+            <a:endParaRPr lang="en-US" sz="1400" dirty="0"/>
+          </a:p>
+          <a:p>
+            <a:endParaRPr lang="en-US" sz="1400" dirty="0" smtClean="0">
+              <a:solidFill>
+                <a:schemeClr val="bg1"/>
+              </a:solidFill>
+            </a:endParaRPr>
+          </a:p>
+          <a:p>
+            <a:r>
+              <a:rPr lang="en-US" sz="1400" dirty="0" smtClean="0">
+                <a:solidFill>
+                  <a:schemeClr val="bg1"/>
+                </a:solidFill>
+              </a:rPr>
+              <a:t>Conclusion</a:t>
+            </a:r>
+          </a:p>
+        </p:txBody>
+      </p:sp>
       <p:sp>
         <p:nvSpPr>
           <p:cNvPr id="5" name="Rectangle 4"/>
@@ -16864,14 +17874,14 @@
       </p:sp>
       <p:sp>
         <p:nvSpPr>
-          <p:cNvPr id="9" name="TextBox 8"/>
+          <p:cNvPr id="4" name="TextBox 3"/>
           <p:cNvSpPr txBox="1"/>
           <p:nvPr/>
         </p:nvSpPr>
         <p:spPr>
           <a:xfrm>
-            <a:off x="76200" y="-457200"/>
-            <a:ext cx="5486400" cy="1169551"/>
+            <a:off x="76200" y="772180"/>
+            <a:ext cx="7391400" cy="523220"/>
           </a:xfrm>
           <a:prstGeom prst="rect">
             <a:avLst/>
@@ -16885,100 +17895,448 @@
           <a:lstStyle/>
           <a:p>
             <a:r>
-              <a:rPr lang="en-US" sz="1400" dirty="0" smtClean="0">
-                <a:solidFill>
-                  <a:schemeClr val="bg1">
-                    <a:lumMod val="50000"/>
-                  </a:schemeClr>
-                </a:solidFill>
-              </a:rPr>
-              <a:t>Problem Description</a:t>
-            </a:r>
-          </a:p>
-          <a:p>
-            <a:r>
-              <a:rPr lang="en-US" sz="1400" dirty="0" smtClean="0">
-                <a:solidFill>
-                  <a:schemeClr val="bg1">
-                    <a:lumMod val="50000"/>
-                  </a:schemeClr>
-                </a:solidFill>
-              </a:rPr>
-              <a:t>Solution A</a:t>
-            </a:r>
-          </a:p>
-          <a:p>
-            <a:r>
-              <a:rPr lang="en-US" sz="1400" dirty="0" smtClean="0">
-                <a:solidFill>
-                  <a:schemeClr val="bg1">
-                    <a:lumMod val="50000"/>
-                  </a:schemeClr>
-                </a:solidFill>
-              </a:rPr>
-              <a:t>Solution B</a:t>
-            </a:r>
-          </a:p>
-          <a:p>
-            <a:r>
-              <a:rPr lang="en-US" sz="1400" dirty="0" smtClean="0">
-                <a:solidFill>
-                  <a:schemeClr val="bg1">
-                    <a:lumMod val="50000"/>
-                  </a:schemeClr>
-                </a:solidFill>
-              </a:rPr>
-              <a:t>Solution C</a:t>
-            </a:r>
-          </a:p>
-          <a:p>
-            <a:r>
-              <a:rPr lang="en-US" sz="1400" dirty="0" smtClean="0">
-                <a:solidFill>
-                  <a:schemeClr val="bg1">
-                    <a:lumMod val="50000"/>
-                  </a:schemeClr>
-                </a:solidFill>
-              </a:rPr>
-              <a:t>Solution D</a:t>
+              <a:rPr lang="en-US" sz="2800" dirty="0" smtClean="0"/>
+              <a:t>Modeling - Part Locations</a:t>
             </a:r>
           </a:p>
         </p:txBody>
       </p:sp>
-      <p:sp>
-        <p:nvSpPr>
-          <p:cNvPr id="4" name="TextBox 3"/>
-          <p:cNvSpPr txBox="1"/>
+      <p:pic>
+        <p:nvPicPr>
+          <p:cNvPr id="15" name="Picture 14"/>
+          <p:cNvPicPr>
+            <a:picLocks noChangeAspect="1"/>
+          </p:cNvPicPr>
           <p:nvPr/>
-        </p:nvSpPr>
+        </p:nvPicPr>
+        <p:blipFill rotWithShape="1">
+          <a:blip r:embed="rId4">
+            <a:extLst>
+              <a:ext uri="{28A0092B-C50C-407E-A947-70E740481C1C}">
+                <a14:useLocalDpi xmlns:a14="http://schemas.microsoft.com/office/drawing/2010/main" val="0"/>
+              </a:ext>
+            </a:extLst>
+          </a:blip>
+          <a:srcRect l="27264" r="38435"/>
+          <a:stretch/>
+        </p:blipFill>
         <p:spPr>
           <a:xfrm>
-            <a:off x="76200" y="772180"/>
-            <a:ext cx="5791200" cy="523220"/>
+            <a:off x="3482452" y="1532165"/>
+            <a:ext cx="3053123" cy="5069809"/>
+          </a:xfrm>
+          <a:prstGeom prst="rect">
+            <a:avLst/>
+          </a:prstGeom>
+        </p:spPr>
+      </p:pic>
+      <p:pic>
+        <p:nvPicPr>
+          <p:cNvPr id="16" name="Picture 15" descr="http://sine.ni.com/images/products/us/crio-9024_l.jpg"/>
+          <p:cNvPicPr>
+            <a:picLocks noChangeAspect="1" noChangeArrowheads="1"/>
+          </p:cNvPicPr>
+          <p:nvPr/>
+        </p:nvPicPr>
+        <p:blipFill rotWithShape="1">
+          <a:blip r:embed="rId5">
+            <a:extLst>
+              <a:ext uri="{28A0092B-C50C-407E-A947-70E740481C1C}">
+                <a14:useLocalDpi xmlns:a14="http://schemas.microsoft.com/office/drawing/2010/main" val="0"/>
+              </a:ext>
+            </a:extLst>
+          </a:blip>
+          <a:srcRect l="13223" t="4817" r="16365" b="7120"/>
+          <a:stretch/>
+        </p:blipFill>
+        <p:spPr bwMode="auto">
+          <a:xfrm>
+            <a:off x="7408666" y="4442449"/>
+            <a:ext cx="1289761" cy="1173501"/>
           </a:xfrm>
           <a:prstGeom prst="rect">
             <a:avLst/>
           </a:prstGeom>
           <a:noFill/>
+          <a:extLst>
+            <a:ext uri="{909E8E84-426E-40DD-AFC4-6F175D3DCCD1}">
+              <a14:hiddenFill xmlns:a14="http://schemas.microsoft.com/office/drawing/2010/main">
+                <a:solidFill>
+                  <a:srgbClr val="FFFFFF"/>
+                </a:solidFill>
+              </a14:hiddenFill>
+            </a:ext>
+          </a:extLst>
         </p:spPr>
-        <p:txBody>
-          <a:bodyPr wrap="square" rtlCol="0">
-            <a:spAutoFit/>
-          </a:bodyPr>
-          <a:lstStyle/>
-          <a:p>
-            <a:r>
-              <a:rPr lang="en-US" sz="2800" dirty="0" smtClean="0"/>
-              <a:t>Conclusion - Questions</a:t>
-            </a:r>
-            <a:endParaRPr lang="en-US" sz="2800" dirty="0"/>
-          </a:p>
-        </p:txBody>
-      </p:sp>
+      </p:pic>
+      <p:pic>
+        <p:nvPicPr>
+          <p:cNvPr id="17" name="Picture 10" descr="http://robotbox.net/sites/default/files/imagecache/normal/part_pics/roboteq-motor-controler/roboteq.jpg"/>
+          <p:cNvPicPr>
+            <a:picLocks noChangeAspect="1" noChangeArrowheads="1"/>
+          </p:cNvPicPr>
+          <p:nvPr/>
+        </p:nvPicPr>
+        <p:blipFill>
+          <a:blip r:embed="rId6" cstate="print">
+            <a:extLst>
+              <a:ext uri="{28A0092B-C50C-407E-A947-70E740481C1C}">
+                <a14:useLocalDpi xmlns:a14="http://schemas.microsoft.com/office/drawing/2010/main" val="0"/>
+              </a:ext>
+            </a:extLst>
+          </a:blip>
+          <a:srcRect/>
+          <a:stretch>
+            <a:fillRect/>
+          </a:stretch>
+        </p:blipFill>
+        <p:spPr bwMode="auto">
+          <a:xfrm>
+            <a:off x="1295398" y="2257031"/>
+            <a:ext cx="1401549" cy="737215"/>
+          </a:xfrm>
+          <a:prstGeom prst="rect">
+            <a:avLst/>
+          </a:prstGeom>
+          <a:noFill/>
+          <a:extLst>
+            <a:ext uri="{909E8E84-426E-40DD-AFC4-6F175D3DCCD1}">
+              <a14:hiddenFill xmlns:a14="http://schemas.microsoft.com/office/drawing/2010/main">
+                <a:solidFill>
+                  <a:srgbClr val="FFFFFF"/>
+                </a:solidFill>
+              </a14:hiddenFill>
+            </a:ext>
+          </a:extLst>
+        </p:spPr>
+      </p:pic>
+      <p:pic>
+        <p:nvPicPr>
+          <p:cNvPr id="18" name="Picture 4" descr="http://www.roboteq.com/files_n_images/images/mdc2250-cover.jpg"/>
+          <p:cNvPicPr>
+            <a:picLocks noChangeAspect="1" noChangeArrowheads="1"/>
+          </p:cNvPicPr>
+          <p:nvPr/>
+        </p:nvPicPr>
+        <p:blipFill>
+          <a:blip r:embed="rId7" cstate="print">
+            <a:extLst>
+              <a:ext uri="{28A0092B-C50C-407E-A947-70E740481C1C}">
+                <a14:useLocalDpi xmlns:a14="http://schemas.microsoft.com/office/drawing/2010/main" val="0"/>
+              </a:ext>
+            </a:extLst>
+          </a:blip>
+          <a:srcRect/>
+          <a:stretch>
+            <a:fillRect/>
+          </a:stretch>
+        </p:blipFill>
+        <p:spPr bwMode="auto">
+          <a:xfrm>
+            <a:off x="1302991" y="3522577"/>
+            <a:ext cx="1192268" cy="936632"/>
+          </a:xfrm>
+          <a:prstGeom prst="rect">
+            <a:avLst/>
+          </a:prstGeom>
+          <a:noFill/>
+          <a:extLst>
+            <a:ext uri="{909E8E84-426E-40DD-AFC4-6F175D3DCCD1}">
+              <a14:hiddenFill xmlns:a14="http://schemas.microsoft.com/office/drawing/2010/main">
+                <a:solidFill>
+                  <a:srgbClr val="FFFFFF"/>
+                </a:solidFill>
+              </a14:hiddenFill>
+            </a:ext>
+          </a:extLst>
+        </p:spPr>
+      </p:pic>
+      <p:pic>
+        <p:nvPicPr>
+          <p:cNvPr id="19" name="Picture 6" descr="http://www.hubmotors.com/media/catalog/product/cache/10/image/9df78eab33525d08d6e5fb8d27136e95/2/8/280-1368m_1.jpg"/>
+          <p:cNvPicPr>
+            <a:picLocks noChangeAspect="1" noChangeArrowheads="1"/>
+          </p:cNvPicPr>
+          <p:nvPr/>
+        </p:nvPicPr>
+        <p:blipFill rotWithShape="1">
+          <a:blip r:embed="rId8" cstate="print">
+            <a:extLst>
+              <a:ext uri="{28A0092B-C50C-407E-A947-70E740481C1C}">
+                <a14:useLocalDpi xmlns:a14="http://schemas.microsoft.com/office/drawing/2010/main" val="0"/>
+              </a:ext>
+            </a:extLst>
+          </a:blip>
+          <a:srcRect l="18672" t="4179" r="13351" b="4084"/>
+          <a:stretch/>
+        </p:blipFill>
+        <p:spPr bwMode="auto">
+          <a:xfrm>
+            <a:off x="1497086" y="5045017"/>
+            <a:ext cx="998171" cy="1347047"/>
+          </a:xfrm>
+          <a:prstGeom prst="rect">
+            <a:avLst/>
+          </a:prstGeom>
+          <a:noFill/>
+          <a:extLst>
+            <a:ext uri="{909E8E84-426E-40DD-AFC4-6F175D3DCCD1}">
+              <a14:hiddenFill xmlns:a14="http://schemas.microsoft.com/office/drawing/2010/main">
+                <a:solidFill>
+                  <a:srgbClr val="FFFFFF"/>
+                </a:solidFill>
+              </a14:hiddenFill>
+            </a:ext>
+          </a:extLst>
+        </p:spPr>
+      </p:pic>
+      <p:pic>
+        <p:nvPicPr>
+          <p:cNvPr id="20" name="Picture 8" descr="http://www.seattlerobotics.org/encoder/200610/article3/IMU%20Odometry,%20by%20David%20Anderson_files/3dmgx1.jpg"/>
+          <p:cNvPicPr>
+            <a:picLocks noChangeAspect="1" noChangeArrowheads="1"/>
+          </p:cNvPicPr>
+          <p:nvPr/>
+        </p:nvPicPr>
+        <p:blipFill>
+          <a:blip r:embed="rId9">
+            <a:extLst>
+              <a:ext uri="{28A0092B-C50C-407E-A947-70E740481C1C}">
+                <a14:useLocalDpi xmlns:a14="http://schemas.microsoft.com/office/drawing/2010/main" val="0"/>
+              </a:ext>
+            </a:extLst>
+          </a:blip>
+          <a:srcRect/>
+          <a:stretch>
+            <a:fillRect/>
+          </a:stretch>
+        </p:blipFill>
+        <p:spPr bwMode="auto">
+          <a:xfrm>
+            <a:off x="7449437" y="2484457"/>
+            <a:ext cx="1447499" cy="1097914"/>
+          </a:xfrm>
+          <a:prstGeom prst="rect">
+            <a:avLst/>
+          </a:prstGeom>
+          <a:noFill/>
+          <a:extLst>
+            <a:ext uri="{909E8E84-426E-40DD-AFC4-6F175D3DCCD1}">
+              <a14:hiddenFill xmlns:a14="http://schemas.microsoft.com/office/drawing/2010/main">
+                <a:solidFill>
+                  <a:srgbClr val="FFFFFF"/>
+                </a:solidFill>
+              </a14:hiddenFill>
+            </a:ext>
+          </a:extLst>
+        </p:spPr>
+      </p:pic>
+      <p:cxnSp>
+        <p:nvCxnSpPr>
+          <p:cNvPr id="3" name="Straight Arrow Connector 2"/>
+          <p:cNvCxnSpPr>
+            <a:stCxn id="17" idx="3"/>
+          </p:cNvCxnSpPr>
+          <p:nvPr/>
+        </p:nvCxnSpPr>
+        <p:spPr>
+          <a:xfrm>
+            <a:off x="2696947" y="2625639"/>
+            <a:ext cx="838200" cy="924258"/>
+          </a:xfrm>
+          <a:prstGeom prst="straightConnector1">
+            <a:avLst/>
+          </a:prstGeom>
+          <a:ln>
+            <a:tailEnd type="arrow"/>
+          </a:ln>
+        </p:spPr>
+        <p:style>
+          <a:lnRef idx="2">
+            <a:schemeClr val="accent6"/>
+          </a:lnRef>
+          <a:fillRef idx="0">
+            <a:schemeClr val="accent6"/>
+          </a:fillRef>
+          <a:effectRef idx="1">
+            <a:schemeClr val="accent6"/>
+          </a:effectRef>
+          <a:fontRef idx="minor">
+            <a:schemeClr val="tx1"/>
+          </a:fontRef>
+        </p:style>
+      </p:cxnSp>
+      <p:cxnSp>
+        <p:nvCxnSpPr>
+          <p:cNvPr id="7" name="Straight Arrow Connector 6"/>
+          <p:cNvCxnSpPr>
+            <a:stCxn id="18" idx="3"/>
+          </p:cNvCxnSpPr>
+          <p:nvPr/>
+        </p:nvCxnSpPr>
+        <p:spPr>
+          <a:xfrm>
+            <a:off x="2495259" y="3990893"/>
+            <a:ext cx="890144" cy="352507"/>
+          </a:xfrm>
+          <a:prstGeom prst="straightConnector1">
+            <a:avLst/>
+          </a:prstGeom>
+          <a:ln>
+            <a:tailEnd type="arrow"/>
+          </a:ln>
+        </p:spPr>
+        <p:style>
+          <a:lnRef idx="2">
+            <a:schemeClr val="accent6"/>
+          </a:lnRef>
+          <a:fillRef idx="0">
+            <a:schemeClr val="accent6"/>
+          </a:fillRef>
+          <a:effectRef idx="1">
+            <a:schemeClr val="accent6"/>
+          </a:effectRef>
+          <a:fontRef idx="minor">
+            <a:schemeClr val="tx1"/>
+          </a:fontRef>
+        </p:style>
+      </p:cxnSp>
+      <p:cxnSp>
+        <p:nvCxnSpPr>
+          <p:cNvPr id="21" name="Straight Arrow Connector 20"/>
+          <p:cNvCxnSpPr/>
+          <p:nvPr/>
+        </p:nvCxnSpPr>
+        <p:spPr>
+          <a:xfrm flipH="1">
+            <a:off x="6248401" y="3033414"/>
+            <a:ext cx="1160265" cy="852786"/>
+          </a:xfrm>
+          <a:prstGeom prst="straightConnector1">
+            <a:avLst/>
+          </a:prstGeom>
+          <a:ln>
+            <a:tailEnd type="arrow"/>
+          </a:ln>
+        </p:spPr>
+        <p:style>
+          <a:lnRef idx="2">
+            <a:schemeClr val="accent6"/>
+          </a:lnRef>
+          <a:fillRef idx="0">
+            <a:schemeClr val="accent6"/>
+          </a:fillRef>
+          <a:effectRef idx="1">
+            <a:schemeClr val="accent6"/>
+          </a:effectRef>
+          <a:fontRef idx="minor">
+            <a:schemeClr val="tx1"/>
+          </a:fontRef>
+        </p:style>
+      </p:cxnSp>
+      <p:cxnSp>
+        <p:nvCxnSpPr>
+          <p:cNvPr id="22" name="Straight Arrow Connector 21"/>
+          <p:cNvCxnSpPr/>
+          <p:nvPr/>
+        </p:nvCxnSpPr>
+        <p:spPr>
+          <a:xfrm flipH="1" flipV="1">
+            <a:off x="6324600" y="4554980"/>
+            <a:ext cx="1084066" cy="550420"/>
+          </a:xfrm>
+          <a:prstGeom prst="straightConnector1">
+            <a:avLst/>
+          </a:prstGeom>
+          <a:ln>
+            <a:tailEnd type="arrow"/>
+          </a:ln>
+        </p:spPr>
+        <p:style>
+          <a:lnRef idx="2">
+            <a:schemeClr val="accent6"/>
+          </a:lnRef>
+          <a:fillRef idx="0">
+            <a:schemeClr val="accent6"/>
+          </a:fillRef>
+          <a:effectRef idx="1">
+            <a:schemeClr val="accent6"/>
+          </a:effectRef>
+          <a:fontRef idx="minor">
+            <a:schemeClr val="tx1"/>
+          </a:fontRef>
+        </p:style>
+      </p:cxnSp>
+      <p:cxnSp>
+        <p:nvCxnSpPr>
+          <p:cNvPr id="23" name="Straight Arrow Connector 22"/>
+          <p:cNvCxnSpPr/>
+          <p:nvPr/>
+        </p:nvCxnSpPr>
+        <p:spPr>
+          <a:xfrm flipV="1">
+            <a:off x="2495259" y="5615950"/>
+            <a:ext cx="1039888" cy="102591"/>
+          </a:xfrm>
+          <a:prstGeom prst="straightConnector1">
+            <a:avLst/>
+          </a:prstGeom>
+          <a:ln>
+            <a:tailEnd type="arrow"/>
+          </a:ln>
+        </p:spPr>
+        <p:style>
+          <a:lnRef idx="2">
+            <a:schemeClr val="accent6"/>
+          </a:lnRef>
+          <a:fillRef idx="0">
+            <a:schemeClr val="accent6"/>
+          </a:fillRef>
+          <a:effectRef idx="1">
+            <a:schemeClr val="accent6"/>
+          </a:effectRef>
+          <a:fontRef idx="minor">
+            <a:schemeClr val="tx1"/>
+          </a:fontRef>
+        </p:style>
+      </p:cxnSp>
+      <p:cxnSp>
+        <p:nvCxnSpPr>
+          <p:cNvPr id="24" name="Straight Arrow Connector 23"/>
+          <p:cNvCxnSpPr/>
+          <p:nvPr/>
+        </p:nvCxnSpPr>
+        <p:spPr>
+          <a:xfrm flipV="1">
+            <a:off x="4705581" y="2892492"/>
+            <a:ext cx="890144" cy="620716"/>
+          </a:xfrm>
+          <a:prstGeom prst="straightConnector1">
+            <a:avLst/>
+          </a:prstGeom>
+          <a:ln>
+            <a:tailEnd type="arrow"/>
+          </a:ln>
+        </p:spPr>
+        <p:style>
+          <a:lnRef idx="2">
+            <a:schemeClr val="accent6"/>
+          </a:lnRef>
+          <a:fillRef idx="0">
+            <a:schemeClr val="accent6"/>
+          </a:fillRef>
+          <a:effectRef idx="1">
+            <a:schemeClr val="accent6"/>
+          </a:effectRef>
+          <a:fontRef idx="minor">
+            <a:schemeClr val="tx1"/>
+          </a:fontRef>
+        </p:style>
+      </p:cxnSp>
     </p:spTree>
     <p:extLst>
       <p:ext uri="{BB962C8B-B14F-4D97-AF65-F5344CB8AC3E}">
-        <p14:creationId xmlns:p14="http://schemas.microsoft.com/office/powerpoint/2010/main" val="934008944"/>
+        <p14:creationId xmlns:p14="http://schemas.microsoft.com/office/powerpoint/2010/main" val="738889489"/>
       </p:ext>
     </p:extLst>
   </p:cSld>
@@ -17164,11 +18522,6 @@
               </a:rPr>
               <a:t>Project Plan</a:t>
             </a:r>
-            <a:endParaRPr lang="en-US" sz="1400" dirty="0" smtClean="0">
-              <a:solidFill>
-                <a:schemeClr val="bg1"/>
-              </a:solidFill>
-            </a:endParaRPr>
           </a:p>
           <a:p>
             <a:r>
@@ -17179,11 +18532,6 @@
               </a:rPr>
               <a:t>Current Status</a:t>
             </a:r>
-            <a:endParaRPr lang="en-US" sz="1400" dirty="0" smtClean="0">
-              <a:solidFill>
-                <a:schemeClr val="bg1"/>
-              </a:solidFill>
-            </a:endParaRPr>
           </a:p>
           <a:p>
             <a:r>
@@ -17194,11 +18542,6 @@
               </a:rPr>
               <a:t>Control Strategies</a:t>
             </a:r>
-            <a:endParaRPr lang="en-US" sz="1400" dirty="0" smtClean="0">
-              <a:solidFill>
-                <a:schemeClr val="bg1"/>
-              </a:solidFill>
-            </a:endParaRPr>
           </a:p>
           <a:p>
             <a:r>
@@ -17209,11 +18552,6 @@
               </a:rPr>
               <a:t>Modeling</a:t>
             </a:r>
-            <a:endParaRPr lang="en-US" sz="1400" dirty="0" smtClean="0">
-              <a:solidFill>
-                <a:schemeClr val="bg1"/>
-              </a:solidFill>
-            </a:endParaRPr>
           </a:p>
           <a:p>
             <a:r>
@@ -17224,11 +18562,6 @@
               </a:rPr>
               <a:t>Conclusion</a:t>
             </a:r>
-            <a:endParaRPr lang="en-US" sz="1400" dirty="0" smtClean="0">
-              <a:solidFill>
-                <a:schemeClr val="bg1"/>
-              </a:solidFill>
-            </a:endParaRPr>
           </a:p>
         </p:txBody>
       </p:sp>
@@ -17297,6 +18630,1275 @@
     <p:extLst>
       <p:ext uri="{BB962C8B-B14F-4D97-AF65-F5344CB8AC3E}">
         <p14:creationId xmlns:p14="http://schemas.microsoft.com/office/powerpoint/2010/main" val="4194927768"/>
+      </p:ext>
+    </p:extLst>
+  </p:cSld>
+  <p:clrMapOvr>
+    <a:masterClrMapping/>
+  </p:clrMapOvr>
+  <p:timing>
+    <p:tnLst>
+      <p:par>
+        <p:cTn id="1" dur="indefinite" restart="never" nodeType="tmRoot"/>
+      </p:par>
+    </p:tnLst>
+  </p:timing>
+</p:sld>
+</file>
+
+<file path=ppt/slides/slide20.xml><?xml version="1.0" encoding="utf-8"?>
+<p:sld xmlns:a="http://schemas.openxmlformats.org/drawingml/2006/main" xmlns:r="http://schemas.openxmlformats.org/officeDocument/2006/relationships" xmlns:p="http://schemas.openxmlformats.org/presentationml/2006/main">
+  <p:cSld>
+    <p:bg>
+      <p:bgPr>
+        <a:gradFill rotWithShape="1">
+          <a:gsLst>
+            <a:gs pos="0">
+              <a:schemeClr val="bg1">
+                <a:tint val="90000"/>
+              </a:schemeClr>
+            </a:gs>
+            <a:gs pos="75000">
+              <a:schemeClr val="bg1">
+                <a:shade val="100000"/>
+                <a:satMod val="115000"/>
+              </a:schemeClr>
+            </a:gs>
+            <a:gs pos="100000">
+              <a:schemeClr val="bg1">
+                <a:shade val="70000"/>
+                <a:satMod val="130000"/>
+              </a:schemeClr>
+            </a:gs>
+          </a:gsLst>
+          <a:path path="circle">
+            <a:fillToRect l="20000" t="50000" r="100000" b="50000"/>
+          </a:path>
+        </a:gradFill>
+        <a:effectLst/>
+      </p:bgPr>
+    </p:bg>
+    <p:spTree>
+      <p:nvGrpSpPr>
+        <p:cNvPr id="1" name=""/>
+        <p:cNvGrpSpPr/>
+        <p:nvPr/>
+      </p:nvGrpSpPr>
+      <p:grpSpPr>
+        <a:xfrm>
+          <a:off x="0" y="0"/>
+          <a:ext cx="0" cy="0"/>
+          <a:chOff x="0" y="0"/>
+          <a:chExt cx="0" cy="0"/>
+        </a:xfrm>
+      </p:grpSpPr>
+      <p:pic>
+        <p:nvPicPr>
+          <p:cNvPr id="8" name="Picture 7"/>
+          <p:cNvPicPr>
+            <a:picLocks noChangeAspect="1"/>
+          </p:cNvPicPr>
+          <p:nvPr/>
+        </p:nvPicPr>
+        <p:blipFill>
+          <a:blip r:embed="rId3">
+            <a:extLst>
+              <a:ext uri="{28A0092B-C50C-407E-A947-70E740481C1C}">
+                <a14:useLocalDpi xmlns:a14="http://schemas.microsoft.com/office/drawing/2010/main" val="0"/>
+              </a:ext>
+            </a:extLst>
+          </a:blip>
+          <a:stretch>
+            <a:fillRect/>
+          </a:stretch>
+        </p:blipFill>
+        <p:spPr>
+          <a:xfrm>
+            <a:off x="8572" y="0"/>
+            <a:ext cx="9126855" cy="6858000"/>
+          </a:xfrm>
+          <a:prstGeom prst="rect">
+            <a:avLst/>
+          </a:prstGeom>
+        </p:spPr>
+      </p:pic>
+      <p:sp>
+        <p:nvSpPr>
+          <p:cNvPr id="24" name="TextBox 23"/>
+          <p:cNvSpPr txBox="1"/>
+          <p:nvPr/>
+        </p:nvSpPr>
+        <p:spPr>
+          <a:xfrm>
+            <a:off x="76200" y="-304800"/>
+            <a:ext cx="5486400" cy="2031325"/>
+          </a:xfrm>
+          <a:prstGeom prst="rect">
+            <a:avLst/>
+          </a:prstGeom>
+          <a:noFill/>
+        </p:spPr>
+        <p:txBody>
+          <a:bodyPr wrap="square" rtlCol="0">
+            <a:spAutoFit/>
+          </a:bodyPr>
+          <a:lstStyle/>
+          <a:p>
+            <a:r>
+              <a:rPr lang="en-US" sz="1400" dirty="0" smtClean="0">
+                <a:solidFill>
+                  <a:schemeClr val="bg1">
+                    <a:lumMod val="50000"/>
+                  </a:schemeClr>
+                </a:solidFill>
+              </a:rPr>
+              <a:t>Problem Description</a:t>
+            </a:r>
+          </a:p>
+          <a:p>
+            <a:r>
+              <a:rPr lang="en-US" sz="1400" dirty="0" smtClean="0">
+                <a:solidFill>
+                  <a:schemeClr val="bg1">
+                    <a:lumMod val="50000"/>
+                  </a:schemeClr>
+                </a:solidFill>
+              </a:rPr>
+              <a:t>Project Plan</a:t>
+            </a:r>
+          </a:p>
+          <a:p>
+            <a:r>
+              <a:rPr lang="en-US" sz="1400" dirty="0" smtClean="0">
+                <a:solidFill>
+                  <a:schemeClr val="bg1">
+                    <a:lumMod val="50000"/>
+                  </a:schemeClr>
+                </a:solidFill>
+              </a:rPr>
+              <a:t>Current Status</a:t>
+            </a:r>
+          </a:p>
+          <a:p>
+            <a:r>
+              <a:rPr lang="en-US" sz="1400" dirty="0" smtClean="0">
+                <a:solidFill>
+                  <a:schemeClr val="bg1">
+                    <a:lumMod val="50000"/>
+                  </a:schemeClr>
+                </a:solidFill>
+              </a:rPr>
+              <a:t>Control Strategies</a:t>
+            </a:r>
+          </a:p>
+          <a:p>
+            <a:endParaRPr lang="en-US" sz="1400" dirty="0" smtClean="0">
+              <a:solidFill>
+                <a:schemeClr val="bg1">
+                  <a:lumMod val="50000"/>
+                </a:schemeClr>
+              </a:solidFill>
+            </a:endParaRPr>
+          </a:p>
+          <a:p>
+            <a:endParaRPr lang="en-US" sz="1400" dirty="0" smtClean="0"/>
+          </a:p>
+          <a:p>
+            <a:endParaRPr lang="en-US" sz="1400" dirty="0"/>
+          </a:p>
+          <a:p>
+            <a:endParaRPr lang="en-US" sz="1400" dirty="0" smtClean="0">
+              <a:solidFill>
+                <a:schemeClr val="bg1"/>
+              </a:solidFill>
+            </a:endParaRPr>
+          </a:p>
+          <a:p>
+            <a:r>
+              <a:rPr lang="en-US" sz="1400" dirty="0" smtClean="0">
+                <a:solidFill>
+                  <a:schemeClr val="bg1"/>
+                </a:solidFill>
+              </a:rPr>
+              <a:t>Conclusion</a:t>
+            </a:r>
+          </a:p>
+        </p:txBody>
+      </p:sp>
+      <p:sp>
+        <p:nvSpPr>
+          <p:cNvPr id="5" name="Rectangle 4"/>
+          <p:cNvSpPr/>
+          <p:nvPr/>
+        </p:nvSpPr>
+        <p:spPr>
+          <a:xfrm>
+            <a:off x="1066800" y="685800"/>
+            <a:ext cx="7010400" cy="685800"/>
+          </a:xfrm>
+          <a:prstGeom prst="rect">
+            <a:avLst/>
+          </a:prstGeom>
+          <a:gradFill flip="none" rotWithShape="1">
+            <a:gsLst>
+              <a:gs pos="100000">
+                <a:schemeClr val="bg1">
+                  <a:tint val="90000"/>
+                </a:schemeClr>
+              </a:gs>
+              <a:gs pos="100000">
+                <a:schemeClr val="bg1">
+                  <a:shade val="100000"/>
+                  <a:satMod val="115000"/>
+                </a:schemeClr>
+              </a:gs>
+              <a:gs pos="0">
+                <a:srgbClr val="8390CF"/>
+              </a:gs>
+            </a:gsLst>
+            <a:lin ang="0" scaled="0"/>
+            <a:tileRect/>
+          </a:gradFill>
+          <a:ln>
+            <a:noFill/>
+          </a:ln>
+        </p:spPr>
+        <p:style>
+          <a:lnRef idx="2">
+            <a:schemeClr val="accent1">
+              <a:shade val="50000"/>
+            </a:schemeClr>
+          </a:lnRef>
+          <a:fillRef idx="1">
+            <a:schemeClr val="accent1"/>
+          </a:fillRef>
+          <a:effectRef idx="0">
+            <a:schemeClr val="accent1"/>
+          </a:effectRef>
+          <a:fontRef idx="minor">
+            <a:schemeClr val="lt1"/>
+          </a:fontRef>
+        </p:style>
+        <p:txBody>
+          <a:bodyPr rtlCol="0" anchor="ctr"/>
+          <a:lstStyle/>
+          <a:p>
+            <a:pPr algn="ctr"/>
+            <a:endParaRPr lang="en-US"/>
+          </a:p>
+        </p:txBody>
+      </p:sp>
+      <p:sp>
+        <p:nvSpPr>
+          <p:cNvPr id="4" name="TextBox 3"/>
+          <p:cNvSpPr txBox="1"/>
+          <p:nvPr/>
+        </p:nvSpPr>
+        <p:spPr>
+          <a:xfrm>
+            <a:off x="76200" y="772180"/>
+            <a:ext cx="5791200" cy="523220"/>
+          </a:xfrm>
+          <a:prstGeom prst="rect">
+            <a:avLst/>
+          </a:prstGeom>
+          <a:noFill/>
+        </p:spPr>
+        <p:txBody>
+          <a:bodyPr wrap="square" rtlCol="0">
+            <a:spAutoFit/>
+          </a:bodyPr>
+          <a:lstStyle/>
+          <a:p>
+            <a:r>
+              <a:rPr lang="en-US" sz="2800" dirty="0" smtClean="0"/>
+              <a:t>Modeling– Simulation</a:t>
+            </a:r>
+            <a:endParaRPr lang="en-US" sz="2800" dirty="0"/>
+          </a:p>
+        </p:txBody>
+      </p:sp>
+      <p:pic>
+        <p:nvPicPr>
+          <p:cNvPr id="20" name="Picture 19"/>
+          <p:cNvPicPr>
+            <a:picLocks noChangeAspect="1"/>
+          </p:cNvPicPr>
+          <p:nvPr/>
+        </p:nvPicPr>
+        <p:blipFill>
+          <a:blip r:embed="rId4">
+            <a:extLst>
+              <a:ext uri="{28A0092B-C50C-407E-A947-70E740481C1C}">
+                <a14:useLocalDpi xmlns:a14="http://schemas.microsoft.com/office/drawing/2010/main" val="0"/>
+              </a:ext>
+            </a:extLst>
+          </a:blip>
+          <a:stretch>
+            <a:fillRect/>
+          </a:stretch>
+        </p:blipFill>
+        <p:spPr>
+          <a:xfrm>
+            <a:off x="1676400" y="1557453"/>
+            <a:ext cx="6770430" cy="4916777"/>
+          </a:xfrm>
+          <a:prstGeom prst="rect">
+            <a:avLst/>
+          </a:prstGeom>
+        </p:spPr>
+      </p:pic>
+      <p:pic>
+        <p:nvPicPr>
+          <p:cNvPr id="21" name="Picture 20"/>
+          <p:cNvPicPr>
+            <a:picLocks noChangeAspect="1"/>
+          </p:cNvPicPr>
+          <p:nvPr/>
+        </p:nvPicPr>
+        <p:blipFill>
+          <a:blip r:embed="rId5">
+            <a:extLst>
+              <a:ext uri="{28A0092B-C50C-407E-A947-70E740481C1C}">
+                <a14:useLocalDpi xmlns:a14="http://schemas.microsoft.com/office/drawing/2010/main" val="0"/>
+              </a:ext>
+            </a:extLst>
+          </a:blip>
+          <a:stretch>
+            <a:fillRect/>
+          </a:stretch>
+        </p:blipFill>
+        <p:spPr>
+          <a:xfrm>
+            <a:off x="1676400" y="1557453"/>
+            <a:ext cx="6770430" cy="4916777"/>
+          </a:xfrm>
+          <a:prstGeom prst="rect">
+            <a:avLst/>
+          </a:prstGeom>
+        </p:spPr>
+      </p:pic>
+      <p:pic>
+        <p:nvPicPr>
+          <p:cNvPr id="22" name="Picture 21"/>
+          <p:cNvPicPr>
+            <a:picLocks noChangeAspect="1"/>
+          </p:cNvPicPr>
+          <p:nvPr/>
+        </p:nvPicPr>
+        <p:blipFill>
+          <a:blip r:embed="rId6">
+            <a:extLst>
+              <a:ext uri="{28A0092B-C50C-407E-A947-70E740481C1C}">
+                <a14:useLocalDpi xmlns:a14="http://schemas.microsoft.com/office/drawing/2010/main" val="0"/>
+              </a:ext>
+            </a:extLst>
+          </a:blip>
+          <a:stretch>
+            <a:fillRect/>
+          </a:stretch>
+        </p:blipFill>
+        <p:spPr>
+          <a:xfrm>
+            <a:off x="1676400" y="1553337"/>
+            <a:ext cx="6778958" cy="4922969"/>
+          </a:xfrm>
+          <a:prstGeom prst="rect">
+            <a:avLst/>
+          </a:prstGeom>
+        </p:spPr>
+      </p:pic>
+      <p:pic>
+        <p:nvPicPr>
+          <p:cNvPr id="23" name="Picture 22"/>
+          <p:cNvPicPr>
+            <a:picLocks noChangeAspect="1"/>
+          </p:cNvPicPr>
+          <p:nvPr/>
+        </p:nvPicPr>
+        <p:blipFill>
+          <a:blip r:embed="rId7">
+            <a:extLst>
+              <a:ext uri="{28A0092B-C50C-407E-A947-70E740481C1C}">
+                <a14:useLocalDpi xmlns:a14="http://schemas.microsoft.com/office/drawing/2010/main" val="0"/>
+              </a:ext>
+            </a:extLst>
+          </a:blip>
+          <a:stretch>
+            <a:fillRect/>
+          </a:stretch>
+        </p:blipFill>
+        <p:spPr>
+          <a:xfrm>
+            <a:off x="1676400" y="1551966"/>
+            <a:ext cx="6781800" cy="4925034"/>
+          </a:xfrm>
+          <a:prstGeom prst="rect">
+            <a:avLst/>
+          </a:prstGeom>
+        </p:spPr>
+      </p:pic>
+    </p:spTree>
+    <p:extLst>
+      <p:ext uri="{BB962C8B-B14F-4D97-AF65-F5344CB8AC3E}">
+        <p14:creationId xmlns:p14="http://schemas.microsoft.com/office/powerpoint/2010/main" val="865010311"/>
+      </p:ext>
+    </p:extLst>
+  </p:cSld>
+  <p:clrMapOvr>
+    <a:masterClrMapping/>
+  </p:clrMapOvr>
+  <p:timing>
+    <p:tnLst>
+      <p:par>
+        <p:cTn id="1" dur="indefinite" restart="never" nodeType="tmRoot">
+          <p:childTnLst>
+            <p:seq concurrent="1" nextAc="seek">
+              <p:cTn id="2" dur="indefinite" nodeType="mainSeq">
+                <p:childTnLst>
+                  <p:par>
+                    <p:cTn id="3" fill="hold">
+                      <p:stCondLst>
+                        <p:cond delay="indefinite"/>
+                      </p:stCondLst>
+                      <p:childTnLst>
+                        <p:par>
+                          <p:cTn id="4" fill="hold">
+                            <p:stCondLst>
+                              <p:cond delay="0"/>
+                            </p:stCondLst>
+                            <p:childTnLst>
+                              <p:par>
+                                <p:cTn id="5" presetID="1" presetClass="entr" presetSubtype="0" fill="hold" nodeType="clickEffect">
+                                  <p:stCondLst>
+                                    <p:cond delay="0"/>
+                                  </p:stCondLst>
+                                  <p:childTnLst>
+                                    <p:set>
+                                      <p:cBhvr>
+                                        <p:cTn id="6" dur="1" fill="hold">
+                                          <p:stCondLst>
+                                            <p:cond delay="0"/>
+                                          </p:stCondLst>
+                                        </p:cTn>
+                                        <p:tgtEl>
+                                          <p:spTgt spid="21"/>
+                                        </p:tgtEl>
+                                        <p:attrNameLst>
+                                          <p:attrName>style.visibility</p:attrName>
+                                        </p:attrNameLst>
+                                      </p:cBhvr>
+                                      <p:to>
+                                        <p:strVal val="visible"/>
+                                      </p:to>
+                                    </p:set>
+                                  </p:childTnLst>
+                                </p:cTn>
+                              </p:par>
+                            </p:childTnLst>
+                          </p:cTn>
+                        </p:par>
+                      </p:childTnLst>
+                    </p:cTn>
+                  </p:par>
+                  <p:par>
+                    <p:cTn id="7" fill="hold">
+                      <p:stCondLst>
+                        <p:cond delay="indefinite"/>
+                      </p:stCondLst>
+                      <p:childTnLst>
+                        <p:par>
+                          <p:cTn id="8" fill="hold">
+                            <p:stCondLst>
+                              <p:cond delay="0"/>
+                            </p:stCondLst>
+                            <p:childTnLst>
+                              <p:par>
+                                <p:cTn id="9" presetID="1" presetClass="entr" presetSubtype="0" fill="hold" nodeType="clickEffect">
+                                  <p:stCondLst>
+                                    <p:cond delay="0"/>
+                                  </p:stCondLst>
+                                  <p:childTnLst>
+                                    <p:set>
+                                      <p:cBhvr>
+                                        <p:cTn id="10" dur="1" fill="hold">
+                                          <p:stCondLst>
+                                            <p:cond delay="0"/>
+                                          </p:stCondLst>
+                                        </p:cTn>
+                                        <p:tgtEl>
+                                          <p:spTgt spid="22"/>
+                                        </p:tgtEl>
+                                        <p:attrNameLst>
+                                          <p:attrName>style.visibility</p:attrName>
+                                        </p:attrNameLst>
+                                      </p:cBhvr>
+                                      <p:to>
+                                        <p:strVal val="visible"/>
+                                      </p:to>
+                                    </p:set>
+                                  </p:childTnLst>
+                                </p:cTn>
+                              </p:par>
+                            </p:childTnLst>
+                          </p:cTn>
+                        </p:par>
+                      </p:childTnLst>
+                    </p:cTn>
+                  </p:par>
+                  <p:par>
+                    <p:cTn id="11" fill="hold">
+                      <p:stCondLst>
+                        <p:cond delay="indefinite"/>
+                      </p:stCondLst>
+                      <p:childTnLst>
+                        <p:par>
+                          <p:cTn id="12" fill="hold">
+                            <p:stCondLst>
+                              <p:cond delay="0"/>
+                            </p:stCondLst>
+                            <p:childTnLst>
+                              <p:par>
+                                <p:cTn id="13" presetID="1" presetClass="entr" presetSubtype="0" fill="hold" nodeType="clickEffect">
+                                  <p:stCondLst>
+                                    <p:cond delay="0"/>
+                                  </p:stCondLst>
+                                  <p:childTnLst>
+                                    <p:set>
+                                      <p:cBhvr>
+                                        <p:cTn id="14" dur="1" fill="hold">
+                                          <p:stCondLst>
+                                            <p:cond delay="0"/>
+                                          </p:stCondLst>
+                                        </p:cTn>
+                                        <p:tgtEl>
+                                          <p:spTgt spid="23"/>
+                                        </p:tgtEl>
+                                        <p:attrNameLst>
+                                          <p:attrName>style.visibility</p:attrName>
+                                        </p:attrNameLst>
+                                      </p:cBhvr>
+                                      <p:to>
+                                        <p:strVal val="visible"/>
+                                      </p:to>
+                                    </p:set>
+                                  </p:childTnLst>
+                                </p:cTn>
+                              </p:par>
+                            </p:childTnLst>
+                          </p:cTn>
+                        </p:par>
+                      </p:childTnLst>
+                    </p:cTn>
+                  </p:par>
+                </p:childTnLst>
+              </p:cTn>
+              <p:prevCondLst>
+                <p:cond evt="onPrev" delay="0">
+                  <p:tgtEl>
+                    <p:sldTgt/>
+                  </p:tgtEl>
+                </p:cond>
+              </p:prevCondLst>
+              <p:nextCondLst>
+                <p:cond evt="onNext" delay="0">
+                  <p:tgtEl>
+                    <p:sldTgt/>
+                  </p:tgtEl>
+                </p:cond>
+              </p:nextCondLst>
+            </p:seq>
+          </p:childTnLst>
+        </p:cTn>
+      </p:par>
+    </p:tnLst>
+  </p:timing>
+</p:sld>
+</file>
+
+<file path=ppt/slides/slide21.xml><?xml version="1.0" encoding="utf-8"?>
+<p:sld xmlns:a="http://schemas.openxmlformats.org/drawingml/2006/main" xmlns:r="http://schemas.openxmlformats.org/officeDocument/2006/relationships" xmlns:p="http://schemas.openxmlformats.org/presentationml/2006/main">
+  <p:cSld>
+    <p:bg>
+      <p:bgPr>
+        <a:gradFill rotWithShape="1">
+          <a:gsLst>
+            <a:gs pos="0">
+              <a:schemeClr val="bg1">
+                <a:tint val="90000"/>
+              </a:schemeClr>
+            </a:gs>
+            <a:gs pos="75000">
+              <a:schemeClr val="bg1">
+                <a:shade val="100000"/>
+                <a:satMod val="115000"/>
+              </a:schemeClr>
+            </a:gs>
+            <a:gs pos="100000">
+              <a:schemeClr val="bg1">
+                <a:shade val="70000"/>
+                <a:satMod val="130000"/>
+              </a:schemeClr>
+            </a:gs>
+          </a:gsLst>
+          <a:path path="circle">
+            <a:fillToRect l="20000" t="50000" r="100000" b="50000"/>
+          </a:path>
+        </a:gradFill>
+        <a:effectLst/>
+      </p:bgPr>
+    </p:bg>
+    <p:spTree>
+      <p:nvGrpSpPr>
+        <p:cNvPr id="1" name=""/>
+        <p:cNvGrpSpPr/>
+        <p:nvPr/>
+      </p:nvGrpSpPr>
+      <p:grpSpPr>
+        <a:xfrm>
+          <a:off x="0" y="0"/>
+          <a:ext cx="0" cy="0"/>
+          <a:chOff x="0" y="0"/>
+          <a:chExt cx="0" cy="0"/>
+        </a:xfrm>
+      </p:grpSpPr>
+      <p:pic>
+        <p:nvPicPr>
+          <p:cNvPr id="8" name="Picture 7"/>
+          <p:cNvPicPr>
+            <a:picLocks noChangeAspect="1"/>
+          </p:cNvPicPr>
+          <p:nvPr/>
+        </p:nvPicPr>
+        <p:blipFill>
+          <a:blip r:embed="rId3">
+            <a:extLst>
+              <a:ext uri="{28A0092B-C50C-407E-A947-70E740481C1C}">
+                <a14:useLocalDpi xmlns:a14="http://schemas.microsoft.com/office/drawing/2010/main" val="0"/>
+              </a:ext>
+            </a:extLst>
+          </a:blip>
+          <a:stretch>
+            <a:fillRect/>
+          </a:stretch>
+        </p:blipFill>
+        <p:spPr>
+          <a:xfrm>
+            <a:off x="8572" y="0"/>
+            <a:ext cx="9126855" cy="6858000"/>
+          </a:xfrm>
+          <a:prstGeom prst="rect">
+            <a:avLst/>
+          </a:prstGeom>
+        </p:spPr>
+      </p:pic>
+      <p:sp>
+        <p:nvSpPr>
+          <p:cNvPr id="5" name="Rectangle 4"/>
+          <p:cNvSpPr/>
+          <p:nvPr/>
+        </p:nvSpPr>
+        <p:spPr>
+          <a:xfrm>
+            <a:off x="1066800" y="685800"/>
+            <a:ext cx="7010400" cy="685800"/>
+          </a:xfrm>
+          <a:prstGeom prst="rect">
+            <a:avLst/>
+          </a:prstGeom>
+          <a:gradFill flip="none" rotWithShape="1">
+            <a:gsLst>
+              <a:gs pos="100000">
+                <a:schemeClr val="bg1">
+                  <a:tint val="90000"/>
+                </a:schemeClr>
+              </a:gs>
+              <a:gs pos="100000">
+                <a:schemeClr val="bg1">
+                  <a:shade val="100000"/>
+                  <a:satMod val="115000"/>
+                </a:schemeClr>
+              </a:gs>
+              <a:gs pos="0">
+                <a:srgbClr val="8390CF"/>
+              </a:gs>
+            </a:gsLst>
+            <a:lin ang="0" scaled="0"/>
+            <a:tileRect/>
+          </a:gradFill>
+          <a:ln>
+            <a:noFill/>
+          </a:ln>
+        </p:spPr>
+        <p:style>
+          <a:lnRef idx="2">
+            <a:schemeClr val="accent1">
+              <a:shade val="50000"/>
+            </a:schemeClr>
+          </a:lnRef>
+          <a:fillRef idx="1">
+            <a:schemeClr val="accent1"/>
+          </a:fillRef>
+          <a:effectRef idx="0">
+            <a:schemeClr val="accent1"/>
+          </a:effectRef>
+          <a:fontRef idx="minor">
+            <a:schemeClr val="lt1"/>
+          </a:fontRef>
+        </p:style>
+        <p:txBody>
+          <a:bodyPr rtlCol="0" anchor="ctr"/>
+          <a:lstStyle/>
+          <a:p>
+            <a:pPr algn="ctr"/>
+            <a:endParaRPr lang="en-US"/>
+          </a:p>
+        </p:txBody>
+      </p:sp>
+      <p:sp>
+        <p:nvSpPr>
+          <p:cNvPr id="9" name="TextBox 8"/>
+          <p:cNvSpPr txBox="1"/>
+          <p:nvPr/>
+        </p:nvSpPr>
+        <p:spPr>
+          <a:xfrm>
+            <a:off x="76200" y="-457200"/>
+            <a:ext cx="5486400" cy="1169551"/>
+          </a:xfrm>
+          <a:prstGeom prst="rect">
+            <a:avLst/>
+          </a:prstGeom>
+          <a:noFill/>
+        </p:spPr>
+        <p:txBody>
+          <a:bodyPr wrap="square" rtlCol="0">
+            <a:spAutoFit/>
+          </a:bodyPr>
+          <a:lstStyle/>
+          <a:p>
+            <a:r>
+              <a:rPr lang="en-US" sz="1400" dirty="0" smtClean="0">
+                <a:solidFill>
+                  <a:schemeClr val="bg1">
+                    <a:lumMod val="50000"/>
+                  </a:schemeClr>
+                </a:solidFill>
+              </a:rPr>
+              <a:t>Problem Description</a:t>
+            </a:r>
+          </a:p>
+          <a:p>
+            <a:r>
+              <a:rPr lang="en-US" sz="1400" dirty="0" smtClean="0">
+                <a:solidFill>
+                  <a:schemeClr val="bg1">
+                    <a:lumMod val="50000"/>
+                  </a:schemeClr>
+                </a:solidFill>
+              </a:rPr>
+              <a:t>Solution A</a:t>
+            </a:r>
+          </a:p>
+          <a:p>
+            <a:r>
+              <a:rPr lang="en-US" sz="1400" dirty="0" smtClean="0">
+                <a:solidFill>
+                  <a:schemeClr val="bg1">
+                    <a:lumMod val="50000"/>
+                  </a:schemeClr>
+                </a:solidFill>
+              </a:rPr>
+              <a:t>Solution B</a:t>
+            </a:r>
+          </a:p>
+          <a:p>
+            <a:r>
+              <a:rPr lang="en-US" sz="1400" dirty="0" smtClean="0">
+                <a:solidFill>
+                  <a:schemeClr val="bg1">
+                    <a:lumMod val="50000"/>
+                  </a:schemeClr>
+                </a:solidFill>
+              </a:rPr>
+              <a:t>Solution C</a:t>
+            </a:r>
+          </a:p>
+          <a:p>
+            <a:r>
+              <a:rPr lang="en-US" sz="1400" dirty="0" smtClean="0">
+                <a:solidFill>
+                  <a:schemeClr val="bg1">
+                    <a:lumMod val="50000"/>
+                  </a:schemeClr>
+                </a:solidFill>
+              </a:rPr>
+              <a:t>Solution D</a:t>
+            </a:r>
+          </a:p>
+        </p:txBody>
+      </p:sp>
+      <p:sp>
+        <p:nvSpPr>
+          <p:cNvPr id="4" name="TextBox 3"/>
+          <p:cNvSpPr txBox="1"/>
+          <p:nvPr/>
+        </p:nvSpPr>
+        <p:spPr>
+          <a:xfrm>
+            <a:off x="76200" y="772180"/>
+            <a:ext cx="5791200" cy="523220"/>
+          </a:xfrm>
+          <a:prstGeom prst="rect">
+            <a:avLst/>
+          </a:prstGeom>
+          <a:noFill/>
+        </p:spPr>
+        <p:txBody>
+          <a:bodyPr wrap="square" rtlCol="0">
+            <a:spAutoFit/>
+          </a:bodyPr>
+          <a:lstStyle/>
+          <a:p>
+            <a:r>
+              <a:rPr lang="en-US" sz="2800" dirty="0" smtClean="0"/>
+              <a:t>Conclusion - Questions</a:t>
+            </a:r>
+            <a:endParaRPr lang="en-US" sz="2800" dirty="0"/>
+          </a:p>
+        </p:txBody>
+      </p:sp>
+    </p:spTree>
+    <p:extLst>
+      <p:ext uri="{BB962C8B-B14F-4D97-AF65-F5344CB8AC3E}">
+        <p14:creationId xmlns:p14="http://schemas.microsoft.com/office/powerpoint/2010/main" val="934008944"/>
+      </p:ext>
+    </p:extLst>
+  </p:cSld>
+  <p:clrMapOvr>
+    <a:masterClrMapping/>
+  </p:clrMapOvr>
+  <p:timing>
+    <p:tnLst>
+      <p:par>
+        <p:cTn id="1" dur="indefinite" restart="never" nodeType="tmRoot"/>
+      </p:par>
+    </p:tnLst>
+  </p:timing>
+</p:sld>
+</file>
+
+<file path=ppt/slides/slide22.xml><?xml version="1.0" encoding="utf-8"?>
+<p:sld xmlns:a="http://schemas.openxmlformats.org/drawingml/2006/main" xmlns:r="http://schemas.openxmlformats.org/officeDocument/2006/relationships" xmlns:p="http://schemas.openxmlformats.org/presentationml/2006/main">
+  <p:cSld>
+    <p:spTree>
+      <p:nvGrpSpPr>
+        <p:cNvPr id="1" name=""/>
+        <p:cNvGrpSpPr/>
+        <p:nvPr/>
+      </p:nvGrpSpPr>
+      <p:grpSpPr>
+        <a:xfrm>
+          <a:off x="0" y="0"/>
+          <a:ext cx="0" cy="0"/>
+          <a:chOff x="0" y="0"/>
+          <a:chExt cx="0" cy="0"/>
+        </a:xfrm>
+      </p:grpSpPr>
+      <p:pic>
+        <p:nvPicPr>
+          <p:cNvPr id="4" name="Picture 3"/>
+          <p:cNvPicPr>
+            <a:picLocks noChangeAspect="1"/>
+          </p:cNvPicPr>
+          <p:nvPr/>
+        </p:nvPicPr>
+        <p:blipFill rotWithShape="1">
+          <a:blip r:embed="rId3">
+            <a:extLst>
+              <a:ext uri="{28A0092B-C50C-407E-A947-70E740481C1C}">
+                <a14:useLocalDpi xmlns:a14="http://schemas.microsoft.com/office/drawing/2010/main" val="0"/>
+              </a:ext>
+            </a:extLst>
+          </a:blip>
+          <a:srcRect l="27264" r="38435"/>
+          <a:stretch/>
+        </p:blipFill>
+        <p:spPr>
+          <a:xfrm>
+            <a:off x="2138638" y="115245"/>
+            <a:ext cx="3962485" cy="6579834"/>
+          </a:xfrm>
+          <a:prstGeom prst="rect">
+            <a:avLst/>
+          </a:prstGeom>
+        </p:spPr>
+      </p:pic>
+      <p:pic>
+        <p:nvPicPr>
+          <p:cNvPr id="5" name="Picture 4" descr="http://sine.ni.com/images/products/us/crio-9024_l.jpg"/>
+          <p:cNvPicPr>
+            <a:picLocks noChangeAspect="1" noChangeArrowheads="1"/>
+          </p:cNvPicPr>
+          <p:nvPr/>
+        </p:nvPicPr>
+        <p:blipFill rotWithShape="1">
+          <a:blip r:embed="rId4">
+            <a:extLst>
+              <a:ext uri="{28A0092B-C50C-407E-A947-70E740481C1C}">
+                <a14:useLocalDpi xmlns:a14="http://schemas.microsoft.com/office/drawing/2010/main" val="0"/>
+              </a:ext>
+            </a:extLst>
+          </a:blip>
+          <a:srcRect l="13223" t="4817" r="16365" b="7120"/>
+          <a:stretch/>
+        </p:blipFill>
+        <p:spPr bwMode="auto">
+          <a:xfrm>
+            <a:off x="6629400" y="3715065"/>
+            <a:ext cx="1673912" cy="1523024"/>
+          </a:xfrm>
+          <a:prstGeom prst="rect">
+            <a:avLst/>
+          </a:prstGeom>
+          <a:noFill/>
+          <a:extLst>
+            <a:ext uri="{909E8E84-426E-40DD-AFC4-6F175D3DCCD1}">
+              <a14:hiddenFill xmlns:a14="http://schemas.microsoft.com/office/drawing/2010/main">
+                <a:solidFill>
+                  <a:srgbClr val="FFFFFF"/>
+                </a:solidFill>
+              </a14:hiddenFill>
+            </a:ext>
+          </a:extLst>
+        </p:spPr>
+      </p:pic>
+      <p:pic>
+        <p:nvPicPr>
+          <p:cNvPr id="8" name="Picture 10" descr="http://robotbox.net/sites/default/files/imagecache/normal/part_pics/roboteq-motor-controler/roboteq.jpg"/>
+          <p:cNvPicPr>
+            <a:picLocks noChangeAspect="1" noChangeArrowheads="1"/>
+          </p:cNvPicPr>
+          <p:nvPr/>
+        </p:nvPicPr>
+        <p:blipFill>
+          <a:blip r:embed="rId5">
+            <a:extLst>
+              <a:ext uri="{28A0092B-C50C-407E-A947-70E740481C1C}">
+                <a14:useLocalDpi xmlns:a14="http://schemas.microsoft.com/office/drawing/2010/main" val="0"/>
+              </a:ext>
+            </a:extLst>
+          </a:blip>
+          <a:srcRect/>
+          <a:stretch>
+            <a:fillRect/>
+          </a:stretch>
+        </p:blipFill>
+        <p:spPr bwMode="auto">
+          <a:xfrm>
+            <a:off x="-7218" y="2274773"/>
+            <a:ext cx="2090613" cy="1099662"/>
+          </a:xfrm>
+          <a:prstGeom prst="rect">
+            <a:avLst/>
+          </a:prstGeom>
+          <a:noFill/>
+          <a:extLst>
+            <a:ext uri="{909E8E84-426E-40DD-AFC4-6F175D3DCCD1}">
+              <a14:hiddenFill xmlns:a14="http://schemas.microsoft.com/office/drawing/2010/main">
+                <a:solidFill>
+                  <a:srgbClr val="FFFFFF"/>
+                </a:solidFill>
+              </a14:hiddenFill>
+            </a:ext>
+          </a:extLst>
+        </p:spPr>
+      </p:pic>
+      <p:pic>
+        <p:nvPicPr>
+          <p:cNvPr id="9" name="Picture 12" descr="http://www.itcelectronics.com/images/Power%20Sonic%20PS-1270F1.jpg"/>
+          <p:cNvPicPr>
+            <a:picLocks noChangeAspect="1" noChangeArrowheads="1"/>
+          </p:cNvPicPr>
+          <p:nvPr/>
+        </p:nvPicPr>
+        <p:blipFill>
+          <a:blip r:embed="rId6" cstate="print">
+            <a:extLst>
+              <a:ext uri="{28A0092B-C50C-407E-A947-70E740481C1C}">
+                <a14:useLocalDpi xmlns:a14="http://schemas.microsoft.com/office/drawing/2010/main" val="0"/>
+              </a:ext>
+            </a:extLst>
+          </a:blip>
+          <a:srcRect/>
+          <a:stretch>
+            <a:fillRect/>
+          </a:stretch>
+        </p:blipFill>
+        <p:spPr bwMode="auto">
+          <a:xfrm>
+            <a:off x="6165933" y="5217937"/>
+            <a:ext cx="2133600" cy="1486401"/>
+          </a:xfrm>
+          <a:prstGeom prst="rect">
+            <a:avLst/>
+          </a:prstGeom>
+          <a:noFill/>
+          <a:extLst>
+            <a:ext uri="{909E8E84-426E-40DD-AFC4-6F175D3DCCD1}">
+              <a14:hiddenFill xmlns:a14="http://schemas.microsoft.com/office/drawing/2010/main">
+                <a:solidFill>
+                  <a:srgbClr val="FFFFFF"/>
+                </a:solidFill>
+              </a14:hiddenFill>
+            </a:ext>
+          </a:extLst>
+        </p:spPr>
+      </p:pic>
+      <p:pic>
+        <p:nvPicPr>
+          <p:cNvPr id="1028" name="Picture 4" descr="http://www.roboteq.com/files_n_images/images/mdc2250-cover.jpg"/>
+          <p:cNvPicPr>
+            <a:picLocks noChangeAspect="1" noChangeArrowheads="1"/>
+          </p:cNvPicPr>
+          <p:nvPr/>
+        </p:nvPicPr>
+        <p:blipFill>
+          <a:blip r:embed="rId7" cstate="print">
+            <a:extLst>
+              <a:ext uri="{28A0092B-C50C-407E-A947-70E740481C1C}">
+                <a14:useLocalDpi xmlns:a14="http://schemas.microsoft.com/office/drawing/2010/main" val="0"/>
+              </a:ext>
+            </a:extLst>
+          </a:blip>
+          <a:srcRect/>
+          <a:stretch>
+            <a:fillRect/>
+          </a:stretch>
+        </p:blipFill>
+        <p:spPr bwMode="auto">
+          <a:xfrm>
+            <a:off x="264397" y="3581400"/>
+            <a:ext cx="1547381" cy="1215605"/>
+          </a:xfrm>
+          <a:prstGeom prst="rect">
+            <a:avLst/>
+          </a:prstGeom>
+          <a:noFill/>
+          <a:extLst>
+            <a:ext uri="{909E8E84-426E-40DD-AFC4-6F175D3DCCD1}">
+              <a14:hiddenFill xmlns:a14="http://schemas.microsoft.com/office/drawing/2010/main">
+                <a:solidFill>
+                  <a:srgbClr val="FFFFFF"/>
+                </a:solidFill>
+              </a14:hiddenFill>
+            </a:ext>
+          </a:extLst>
+        </p:spPr>
+      </p:pic>
+      <p:pic>
+        <p:nvPicPr>
+          <p:cNvPr id="15" name="Picture 6" descr="http://www.hubmotors.com/media/catalog/product/cache/10/image/9df78eab33525d08d6e5fb8d27136e95/2/8/280-1368m_1.jpg"/>
+          <p:cNvPicPr>
+            <a:picLocks noChangeAspect="1" noChangeArrowheads="1"/>
+          </p:cNvPicPr>
+          <p:nvPr/>
+        </p:nvPicPr>
+        <p:blipFill rotWithShape="1">
+          <a:blip r:embed="rId8" cstate="print">
+            <a:extLst>
+              <a:ext uri="{28A0092B-C50C-407E-A947-70E740481C1C}">
+                <a14:useLocalDpi xmlns:a14="http://schemas.microsoft.com/office/drawing/2010/main" val="0"/>
+              </a:ext>
+            </a:extLst>
+          </a:blip>
+          <a:srcRect l="18672" t="4179" r="13351" b="4084"/>
+          <a:stretch/>
+        </p:blipFill>
+        <p:spPr bwMode="auto">
+          <a:xfrm>
+            <a:off x="609600" y="4926328"/>
+            <a:ext cx="1295473" cy="1748260"/>
+          </a:xfrm>
+          <a:prstGeom prst="rect">
+            <a:avLst/>
+          </a:prstGeom>
+          <a:noFill/>
+          <a:extLst>
+            <a:ext uri="{909E8E84-426E-40DD-AFC4-6F175D3DCCD1}">
+              <a14:hiddenFill xmlns:a14="http://schemas.microsoft.com/office/drawing/2010/main">
+                <a:solidFill>
+                  <a:srgbClr val="FFFFFF"/>
+                </a:solidFill>
+              </a14:hiddenFill>
+            </a:ext>
+          </a:extLst>
+        </p:spPr>
+      </p:pic>
+      <p:pic>
+        <p:nvPicPr>
+          <p:cNvPr id="16" name="Picture 6" descr="http://www.hubmotors.com/media/catalog/product/cache/10/image/9df78eab33525d08d6e5fb8d27136e95/2/8/280-1368m_1.jpg"/>
+          <p:cNvPicPr>
+            <a:picLocks noChangeAspect="1" noChangeArrowheads="1"/>
+          </p:cNvPicPr>
+          <p:nvPr/>
+        </p:nvPicPr>
+        <p:blipFill rotWithShape="1">
+          <a:blip r:embed="rId8" cstate="print">
+            <a:extLst>
+              <a:ext uri="{28A0092B-C50C-407E-A947-70E740481C1C}">
+                <a14:useLocalDpi xmlns:a14="http://schemas.microsoft.com/office/drawing/2010/main" val="0"/>
+              </a:ext>
+            </a:extLst>
+          </a:blip>
+          <a:srcRect l="18672" t="4179" r="13351" b="4084"/>
+          <a:stretch/>
+        </p:blipFill>
+        <p:spPr bwMode="auto">
+          <a:xfrm>
+            <a:off x="787922" y="152400"/>
+            <a:ext cx="1295473" cy="1748260"/>
+          </a:xfrm>
+          <a:prstGeom prst="rect">
+            <a:avLst/>
+          </a:prstGeom>
+          <a:noFill/>
+          <a:extLst>
+            <a:ext uri="{909E8E84-426E-40DD-AFC4-6F175D3DCCD1}">
+              <a14:hiddenFill xmlns:a14="http://schemas.microsoft.com/office/drawing/2010/main">
+                <a:solidFill>
+                  <a:srgbClr val="FFFFFF"/>
+                </a:solidFill>
+              </a14:hiddenFill>
+            </a:ext>
+          </a:extLst>
+        </p:spPr>
+      </p:pic>
+      <p:pic>
+        <p:nvPicPr>
+          <p:cNvPr id="1032" name="Picture 8" descr="Banebots P80 Gearbox: Standard Shaft, CIM Mount, 12:1"/>
+          <p:cNvPicPr>
+            <a:picLocks noChangeAspect="1" noChangeArrowheads="1"/>
+          </p:cNvPicPr>
+          <p:nvPr/>
+        </p:nvPicPr>
+        <p:blipFill rotWithShape="1">
+          <a:blip r:embed="rId9">
+            <a:extLst>
+              <a:ext uri="{28A0092B-C50C-407E-A947-70E740481C1C}">
+                <a14:useLocalDpi xmlns:a14="http://schemas.microsoft.com/office/drawing/2010/main" val="0"/>
+              </a:ext>
+            </a:extLst>
+          </a:blip>
+          <a:srcRect t="11950" b="33798"/>
+          <a:stretch/>
+        </p:blipFill>
+        <p:spPr bwMode="auto">
+          <a:xfrm>
+            <a:off x="6488210" y="1324730"/>
+            <a:ext cx="1912314" cy="1037470"/>
+          </a:xfrm>
+          <a:prstGeom prst="rect">
+            <a:avLst/>
+          </a:prstGeom>
+          <a:noFill/>
+          <a:extLst>
+            <a:ext uri="{909E8E84-426E-40DD-AFC4-6F175D3DCCD1}">
+              <a14:hiddenFill xmlns:a14="http://schemas.microsoft.com/office/drawing/2010/main">
+                <a:solidFill>
+                  <a:srgbClr val="FFFFFF"/>
+                </a:solidFill>
+              </a14:hiddenFill>
+            </a:ext>
+          </a:extLst>
+        </p:spPr>
+      </p:pic>
+      <p:pic>
+        <p:nvPicPr>
+          <p:cNvPr id="7" name="Picture 8" descr="http://www.seattlerobotics.org/encoder/200610/article3/IMU%20Odometry,%20by%20David%20Anderson_files/3dmgx1.jpg"/>
+          <p:cNvPicPr>
+            <a:picLocks noChangeAspect="1" noChangeArrowheads="1"/>
+          </p:cNvPicPr>
+          <p:nvPr/>
+        </p:nvPicPr>
+        <p:blipFill>
+          <a:blip r:embed="rId10">
+            <a:extLst>
+              <a:ext uri="{28A0092B-C50C-407E-A947-70E740481C1C}">
+                <a14:useLocalDpi xmlns:a14="http://schemas.microsoft.com/office/drawing/2010/main" val="0"/>
+              </a:ext>
+            </a:extLst>
+          </a:blip>
+          <a:srcRect/>
+          <a:stretch>
+            <a:fillRect/>
+          </a:stretch>
+        </p:blipFill>
+        <p:spPr bwMode="auto">
+          <a:xfrm>
+            <a:off x="6149284" y="2362200"/>
+            <a:ext cx="1878631" cy="1424924"/>
+          </a:xfrm>
+          <a:prstGeom prst="rect">
+            <a:avLst/>
+          </a:prstGeom>
+          <a:noFill/>
+          <a:extLst>
+            <a:ext uri="{909E8E84-426E-40DD-AFC4-6F175D3DCCD1}">
+              <a14:hiddenFill xmlns:a14="http://schemas.microsoft.com/office/drawing/2010/main">
+                <a:solidFill>
+                  <a:srgbClr val="FFFFFF"/>
+                </a:solidFill>
+              </a14:hiddenFill>
+            </a:ext>
+          </a:extLst>
+        </p:spPr>
+      </p:pic>
+      <p:pic>
+        <p:nvPicPr>
+          <p:cNvPr id="1030" name="Picture 6" descr=".500"/>
+          <p:cNvPicPr>
+            <a:picLocks noChangeAspect="1" noChangeArrowheads="1"/>
+          </p:cNvPicPr>
+          <p:nvPr/>
+        </p:nvPicPr>
+        <p:blipFill>
+          <a:blip r:embed="rId11">
+            <a:extLst>
+              <a:ext uri="{28A0092B-C50C-407E-A947-70E740481C1C}">
+                <a14:useLocalDpi xmlns:a14="http://schemas.microsoft.com/office/drawing/2010/main" val="0"/>
+              </a:ext>
+            </a:extLst>
+          </a:blip>
+          <a:srcRect/>
+          <a:stretch>
+            <a:fillRect/>
+          </a:stretch>
+        </p:blipFill>
+        <p:spPr bwMode="auto">
+          <a:xfrm>
+            <a:off x="6291069" y="152400"/>
+            <a:ext cx="1207267" cy="1207267"/>
+          </a:xfrm>
+          <a:prstGeom prst="rect">
+            <a:avLst/>
+          </a:prstGeom>
+          <a:noFill/>
+          <a:extLst>
+            <a:ext uri="{909E8E84-426E-40DD-AFC4-6F175D3DCCD1}">
+              <a14:hiddenFill xmlns:a14="http://schemas.microsoft.com/office/drawing/2010/main">
+                <a:solidFill>
+                  <a:srgbClr val="FFFFFF"/>
+                </a:solidFill>
+              </a14:hiddenFill>
+            </a:ext>
+          </a:extLst>
+        </p:spPr>
+      </p:pic>
+    </p:spTree>
+    <p:extLst>
+      <p:ext uri="{BB962C8B-B14F-4D97-AF65-F5344CB8AC3E}">
+        <p14:creationId xmlns:p14="http://schemas.microsoft.com/office/powerpoint/2010/main" val="1300260823"/>
       </p:ext>
     </p:extLst>
   </p:cSld>
@@ -17506,11 +20108,6 @@
               </a:rPr>
               <a:t>Current Status</a:t>
             </a:r>
-            <a:endParaRPr lang="en-US" sz="1400" dirty="0" smtClean="0">
-              <a:solidFill>
-                <a:schemeClr val="bg1"/>
-              </a:solidFill>
-            </a:endParaRPr>
           </a:p>
           <a:p>
             <a:r>
@@ -17531,11 +20128,6 @@
               </a:rPr>
               <a:t>Modeling</a:t>
             </a:r>
-            <a:endParaRPr lang="en-US" sz="1400" dirty="0" smtClean="0">
-              <a:solidFill>
-                <a:schemeClr val="bg1"/>
-              </a:solidFill>
-            </a:endParaRPr>
           </a:p>
           <a:p>
             <a:r>
@@ -18255,11 +20847,6 @@
               </a:rPr>
               <a:t>Current Status</a:t>
             </a:r>
-            <a:endParaRPr lang="en-US" sz="1400" dirty="0" smtClean="0">
-              <a:solidFill>
-                <a:schemeClr val="bg1"/>
-              </a:solidFill>
-            </a:endParaRPr>
           </a:p>
           <a:p>
             <a:r>
@@ -18270,11 +20857,6 @@
               </a:rPr>
               <a:t>Control Strategies</a:t>
             </a:r>
-            <a:endParaRPr lang="en-US" sz="1400" dirty="0" smtClean="0">
-              <a:solidFill>
-                <a:schemeClr val="bg1"/>
-              </a:solidFill>
-            </a:endParaRPr>
           </a:p>
           <a:p>
             <a:r>
@@ -18285,11 +20867,6 @@
               </a:rPr>
               <a:t>Modeling</a:t>
             </a:r>
-            <a:endParaRPr lang="en-US" sz="1400" dirty="0" smtClean="0">
-              <a:solidFill>
-                <a:schemeClr val="bg1"/>
-              </a:solidFill>
-            </a:endParaRPr>
           </a:p>
           <a:p>
             <a:r>
@@ -18327,7 +20904,7 @@
           <a:p>
             <a:r>
               <a:rPr lang="en-US" sz="2800" dirty="0" smtClean="0"/>
-              <a:t>Project Plan – Primary Materials</a:t>
+              <a:t>Project Plan – Planning Flow Chart</a:t>
             </a:r>
             <a:endParaRPr lang="en-US" sz="2800" dirty="0"/>
           </a:p>
@@ -18335,7 +20912,7 @@
       </p:sp>
       <p:pic>
         <p:nvPicPr>
-          <p:cNvPr id="17" name="Picture 5" descr="C:\Users\collinka\Desktop\51AHKwFQaNL._SL500_AA300_.jpg"/>
+          <p:cNvPr id="1026" name="Picture 2"/>
           <p:cNvPicPr>
             <a:picLocks noChangeAspect="1" noChangeArrowheads="1"/>
           </p:cNvPicPr>
@@ -18356,184 +20933,51 @@
         </p:blipFill>
         <p:spPr bwMode="auto">
           <a:xfrm>
-            <a:off x="6019800" y="1600200"/>
-            <a:ext cx="2514600" cy="2514600"/>
+            <a:off x="1143000" y="1752600"/>
+            <a:ext cx="7991475" cy="4114800"/>
           </a:xfrm>
           <a:prstGeom prst="rect">
             <a:avLst/>
           </a:prstGeom>
           <a:noFill/>
+          <a:ln>
+            <a:noFill/>
+          </a:ln>
+          <a:effectLst/>
           <a:extLst>
             <a:ext uri="{909E8E84-426E-40DD-AFC4-6F175D3DCCD1}">
               <a14:hiddenFill xmlns:a14="http://schemas.microsoft.com/office/drawing/2010/main">
                 <a:solidFill>
-                  <a:srgbClr val="FFFFFF"/>
+                  <a:schemeClr val="accent1"/>
                 </a:solidFill>
               </a14:hiddenFill>
+            </a:ext>
+            <a:ext uri="{91240B29-F687-4F45-9708-019B960494DF}">
+              <a14:hiddenLine xmlns:a14="http://schemas.microsoft.com/office/drawing/2010/main" w="9525">
+                <a:solidFill>
+                  <a:schemeClr val="tx1"/>
+                </a:solidFill>
+                <a:miter lim="800000"/>
+                <a:headEnd/>
+                <a:tailEnd/>
+              </a14:hiddenLine>
+            </a:ext>
+            <a:ext uri="{AF507438-7753-43E0-B8FC-AC1667EBCBE1}">
+              <a14:hiddenEffects xmlns:a14="http://schemas.microsoft.com/office/drawing/2010/main">
+                <a:effectLst>
+                  <a:outerShdw dist="35921" dir="2700000" algn="ctr" rotWithShape="0">
+                    <a:schemeClr val="bg2"/>
+                  </a:outerShdw>
+                </a:effectLst>
+              </a14:hiddenEffects>
             </a:ext>
           </a:extLst>
         </p:spPr>
       </p:pic>
-      <p:sp>
-        <p:nvSpPr>
-          <p:cNvPr id="2" name="TextBox 1"/>
-          <p:cNvSpPr txBox="1"/>
-          <p:nvPr/>
-        </p:nvSpPr>
-        <p:spPr>
-          <a:xfrm>
-            <a:off x="1371600" y="1779538"/>
-            <a:ext cx="4038600" cy="2308324"/>
-          </a:xfrm>
-          <a:prstGeom prst="rect">
-            <a:avLst/>
-          </a:prstGeom>
-          <a:noFill/>
-        </p:spPr>
-        <p:txBody>
-          <a:bodyPr wrap="square" rtlCol="0">
-            <a:spAutoFit/>
-          </a:bodyPr>
-          <a:lstStyle/>
-          <a:p>
-            <a:pPr marL="342900" indent="-342900">
-              <a:buFont typeface="Arial" pitchFamily="34" charset="0"/>
-              <a:buChar char="•"/>
-            </a:pPr>
-            <a:r>
-              <a:rPr lang="en-US" sz="2400" dirty="0" smtClean="0"/>
-              <a:t>Plan to use Aluminum Extrusion</a:t>
-            </a:r>
-          </a:p>
-          <a:p>
-            <a:pPr marL="342900" indent="-342900">
-              <a:buFont typeface="Arial" pitchFamily="34" charset="0"/>
-              <a:buChar char="•"/>
-            </a:pPr>
-            <a:endParaRPr lang="en-US" sz="2400" dirty="0"/>
-          </a:p>
-          <a:p>
-            <a:pPr marL="342900" indent="-342900">
-              <a:buFont typeface="Arial" pitchFamily="34" charset="0"/>
-              <a:buChar char="•"/>
-            </a:pPr>
-            <a:r>
-              <a:rPr lang="en-US" sz="2400" dirty="0" smtClean="0"/>
-              <a:t>The material is very easy to use, sturdy, and relatively inexpensive</a:t>
-            </a:r>
-          </a:p>
-        </p:txBody>
-      </p:sp>
-      <p:grpSp>
-        <p:nvGrpSpPr>
-          <p:cNvPr id="3" name="Group 2"/>
-          <p:cNvGrpSpPr/>
-          <p:nvPr/>
-        </p:nvGrpSpPr>
-        <p:grpSpPr>
-          <a:xfrm>
-            <a:off x="1902512" y="4267200"/>
-            <a:ext cx="6631888" cy="2308324"/>
-            <a:chOff x="1902512" y="4267200"/>
-            <a:chExt cx="6631888" cy="2308324"/>
-          </a:xfrm>
-        </p:grpSpPr>
-        <p:pic>
-          <p:nvPicPr>
-            <p:cNvPr id="18" name="Picture 4" descr="C:\Users\collinka\Desktop\enclosure.jpg"/>
-            <p:cNvPicPr>
-              <a:picLocks noChangeAspect="1" noChangeArrowheads="1"/>
-            </p:cNvPicPr>
-            <p:nvPr/>
-          </p:nvPicPr>
-          <p:blipFill>
-            <a:blip r:embed="rId5">
-              <a:extLst>
-                <a:ext uri="{28A0092B-C50C-407E-A947-70E740481C1C}">
-                  <a14:useLocalDpi xmlns:a14="http://schemas.microsoft.com/office/drawing/2010/main" val="0"/>
-                </a:ext>
-              </a:extLst>
-            </a:blip>
-            <a:srcRect/>
-            <a:stretch>
-              <a:fillRect/>
-            </a:stretch>
-          </p:blipFill>
-          <p:spPr bwMode="auto">
-            <a:xfrm>
-              <a:off x="1902512" y="4267200"/>
-              <a:ext cx="2138575" cy="2155283"/>
-            </a:xfrm>
-            <a:prstGeom prst="rect">
-              <a:avLst/>
-            </a:prstGeom>
-            <a:noFill/>
-            <a:extLst>
-              <a:ext uri="{909E8E84-426E-40DD-AFC4-6F175D3DCCD1}">
-                <a14:hiddenFill xmlns:a14="http://schemas.microsoft.com/office/drawing/2010/main">
-                  <a:solidFill>
-                    <a:srgbClr val="FFFFFF"/>
-                  </a:solidFill>
-                </a14:hiddenFill>
-              </a:ext>
-            </a:extLst>
-          </p:spPr>
-        </p:pic>
-        <p:sp>
-          <p:nvSpPr>
-            <p:cNvPr id="19" name="TextBox 18"/>
-            <p:cNvSpPr txBox="1"/>
-            <p:nvPr/>
-          </p:nvSpPr>
-          <p:spPr>
-            <a:xfrm>
-              <a:off x="4495800" y="4267200"/>
-              <a:ext cx="4038600" cy="2308324"/>
-            </a:xfrm>
-            <a:prstGeom prst="rect">
-              <a:avLst/>
-            </a:prstGeom>
-            <a:noFill/>
-          </p:spPr>
-          <p:txBody>
-            <a:bodyPr wrap="square" rtlCol="0">
-              <a:spAutoFit/>
-            </a:bodyPr>
-            <a:lstStyle/>
-            <a:p>
-              <a:pPr marL="342900" indent="-342900">
-                <a:buFont typeface="Arial" pitchFamily="34" charset="0"/>
-                <a:buChar char="•"/>
-              </a:pPr>
-              <a:r>
-                <a:rPr lang="en-US" sz="2400" dirty="0" smtClean="0"/>
-                <a:t>Very adaptable for future changes and adjustments</a:t>
-              </a:r>
-            </a:p>
-            <a:p>
-              <a:pPr marL="342900" indent="-342900">
-                <a:buFont typeface="Arial" pitchFamily="34" charset="0"/>
-                <a:buChar char="•"/>
-              </a:pPr>
-              <a:endParaRPr lang="en-US" sz="2400" dirty="0"/>
-            </a:p>
-            <a:p>
-              <a:pPr marL="342900" indent="-342900">
-                <a:buFont typeface="Arial" pitchFamily="34" charset="0"/>
-                <a:buChar char="•"/>
-              </a:pPr>
-              <a:r>
-                <a:rPr lang="en-US" sz="2400" dirty="0" smtClean="0"/>
-                <a:t>Brackets will also be necessary to construct the frame</a:t>
-              </a:r>
-            </a:p>
-          </p:txBody>
-        </p:sp>
-      </p:grpSp>
     </p:spTree>
     <p:extLst>
       <p:ext uri="{BB962C8B-B14F-4D97-AF65-F5344CB8AC3E}">
-        <p14:creationId xmlns:p14="http://schemas.microsoft.com/office/powerpoint/2010/main" val="769188569"/>
+        <p14:creationId xmlns:p14="http://schemas.microsoft.com/office/powerpoint/2010/main" val="2269107461"/>
       </p:ext>
     </p:extLst>
   </p:cSld>
@@ -18543,75 +20987,7 @@
   <p:timing>
     <p:tnLst>
       <p:par>
-        <p:cTn id="1" dur="indefinite" restart="never" nodeType="tmRoot">
-          <p:childTnLst>
-            <p:seq concurrent="1" nextAc="seek">
-              <p:cTn id="2" dur="indefinite" nodeType="mainSeq">
-                <p:childTnLst>
-                  <p:par>
-                    <p:cTn id="3" fill="hold">
-                      <p:stCondLst>
-                        <p:cond delay="indefinite"/>
-                      </p:stCondLst>
-                      <p:childTnLst>
-                        <p:par>
-                          <p:cTn id="4" fill="hold">
-                            <p:stCondLst>
-                              <p:cond delay="0"/>
-                            </p:stCondLst>
-                            <p:childTnLst>
-                              <p:par>
-                                <p:cTn id="5" presetID="1" presetClass="entr" presetSubtype="0" fill="hold" nodeType="clickEffect">
-                                  <p:stCondLst>
-                                    <p:cond delay="0"/>
-                                  </p:stCondLst>
-                                  <p:childTnLst>
-                                    <p:set>
-                                      <p:cBhvr>
-                                        <p:cTn id="6" dur="1" fill="hold">
-                                          <p:stCondLst>
-                                            <p:cond delay="0"/>
-                                          </p:stCondLst>
-                                        </p:cTn>
-                                        <p:tgtEl>
-                                          <p:spTgt spid="3"/>
-                                        </p:tgtEl>
-                                        <p:attrNameLst>
-                                          <p:attrName>style.visibility</p:attrName>
-                                        </p:attrNameLst>
-                                      </p:cBhvr>
-                                      <p:to>
-                                        <p:strVal val="visible"/>
-                                      </p:to>
-                                    </p:set>
-                                  </p:childTnLst>
-                                </p:cTn>
-                              </p:par>
-                            </p:childTnLst>
-                          </p:cTn>
-                        </p:par>
-                      </p:childTnLst>
-                    </p:cTn>
-                  </p:par>
-                </p:childTnLst>
-              </p:cTn>
-              <p:prevCondLst>
-                <p:cond evt="onPrev" delay="0">
-                  <p:tgtEl>
-                    <p:sldTgt/>
-                  </p:tgtEl>
-                </p:cond>
-              </p:prevCondLst>
-              <p:nextCondLst>
-                <p:cond evt="onNext" delay="0">
-                  <p:tgtEl>
-                    <p:sldTgt/>
-                  </p:tgtEl>
-                </p:cond>
-              </p:nextCondLst>
-            </p:seq>
-          </p:childTnLst>
-        </p:cTn>
+        <p:cTn id="1" dur="indefinite" restart="never" nodeType="tmRoot"/>
       </p:par>
     </p:tnLst>
   </p:timing>
@@ -18811,11 +21187,6 @@
               </a:rPr>
               <a:t>Current Status</a:t>
             </a:r>
-            <a:endParaRPr lang="en-US" sz="1400" dirty="0" smtClean="0">
-              <a:solidFill>
-                <a:schemeClr val="bg1"/>
-              </a:solidFill>
-            </a:endParaRPr>
           </a:p>
           <a:p>
             <a:r>
@@ -18826,11 +21197,6 @@
               </a:rPr>
               <a:t>Control Strategies</a:t>
             </a:r>
-            <a:endParaRPr lang="en-US" sz="1400" dirty="0" smtClean="0">
-              <a:solidFill>
-                <a:schemeClr val="bg1"/>
-              </a:solidFill>
-            </a:endParaRPr>
           </a:p>
           <a:p>
             <a:r>
@@ -18841,11 +21207,6 @@
               </a:rPr>
               <a:t>Modeling</a:t>
             </a:r>
-            <a:endParaRPr lang="en-US" sz="1400" dirty="0" smtClean="0">
-              <a:solidFill>
-                <a:schemeClr val="bg1"/>
-              </a:solidFill>
-            </a:endParaRPr>
           </a:p>
           <a:p>
             <a:r>
@@ -18868,7 +21229,7 @@
         <p:spPr>
           <a:xfrm>
             <a:off x="76200" y="772180"/>
-            <a:ext cx="5791200" cy="523220"/>
+            <a:ext cx="6705600" cy="523220"/>
           </a:xfrm>
           <a:prstGeom prst="rect">
             <a:avLst/>
@@ -18883,7 +21244,7 @@
           <a:p>
             <a:r>
               <a:rPr lang="en-US" sz="2800" dirty="0" smtClean="0"/>
-              <a:t>Project Plan – Planning Flow Chart</a:t>
+              <a:t>Project Plan – Decision Matrices: Overview</a:t>
             </a:r>
             <a:endParaRPr lang="en-US" sz="2800" dirty="0"/>
           </a:p>
@@ -18891,7 +21252,7 @@
       </p:sp>
       <p:pic>
         <p:nvPicPr>
-          <p:cNvPr id="1026" name="Picture 2"/>
+          <p:cNvPr id="3074" name="Picture 2"/>
           <p:cNvPicPr>
             <a:picLocks noChangeAspect="1" noChangeArrowheads="1"/>
           </p:cNvPicPr>
@@ -18912,8 +21273,8 @@
         </p:blipFill>
         <p:spPr bwMode="auto">
           <a:xfrm>
-            <a:off x="1143000" y="1752600"/>
-            <a:ext cx="7991475" cy="4114800"/>
+            <a:off x="1295400" y="2209800"/>
+            <a:ext cx="7289164" cy="3247768"/>
           </a:xfrm>
           <a:prstGeom prst="rect">
             <a:avLst/>
@@ -18956,7 +21317,7 @@
     </p:spTree>
     <p:extLst>
       <p:ext uri="{BB962C8B-B14F-4D97-AF65-F5344CB8AC3E}">
-        <p14:creationId xmlns:p14="http://schemas.microsoft.com/office/powerpoint/2010/main" val="2269107461"/>
+        <p14:creationId xmlns:p14="http://schemas.microsoft.com/office/powerpoint/2010/main" val="3876214192"/>
       </p:ext>
     </p:extLst>
   </p:cSld>
@@ -19166,11 +21527,6 @@
               </a:rPr>
               <a:t>Current Status</a:t>
             </a:r>
-            <a:endParaRPr lang="en-US" sz="1400" dirty="0" smtClean="0">
-              <a:solidFill>
-                <a:schemeClr val="bg1"/>
-              </a:solidFill>
-            </a:endParaRPr>
           </a:p>
           <a:p>
             <a:r>
@@ -19181,11 +21537,6 @@
               </a:rPr>
               <a:t>Control Strategies</a:t>
             </a:r>
-            <a:endParaRPr lang="en-US" sz="1400" dirty="0" smtClean="0">
-              <a:solidFill>
-                <a:schemeClr val="bg1"/>
-              </a:solidFill>
-            </a:endParaRPr>
           </a:p>
           <a:p>
             <a:r>
@@ -19196,11 +21547,6 @@
               </a:rPr>
               <a:t>Modeling</a:t>
             </a:r>
-            <a:endParaRPr lang="en-US" sz="1400" dirty="0" smtClean="0">
-              <a:solidFill>
-                <a:schemeClr val="bg1"/>
-              </a:solidFill>
-            </a:endParaRPr>
           </a:p>
           <a:p>
             <a:r>
@@ -19223,7 +21569,7 @@
         <p:spPr>
           <a:xfrm>
             <a:off x="76200" y="772180"/>
-            <a:ext cx="6705600" cy="523220"/>
+            <a:ext cx="6477000" cy="523220"/>
           </a:xfrm>
           <a:prstGeom prst="rect">
             <a:avLst/>
@@ -19238,7 +21584,7 @@
           <a:p>
             <a:r>
               <a:rPr lang="en-US" sz="2800" dirty="0" smtClean="0"/>
-              <a:t>Project Plan – Decision Matrices: Overview</a:t>
+              <a:t>Project Plan – Decision Matrices: Weights</a:t>
             </a:r>
             <a:endParaRPr lang="en-US" sz="2800" dirty="0"/>
           </a:p>
@@ -19246,7 +21592,7 @@
       </p:sp>
       <p:pic>
         <p:nvPicPr>
-          <p:cNvPr id="3074" name="Picture 2"/>
+          <p:cNvPr id="7" name="Picture 3"/>
           <p:cNvPicPr>
             <a:picLocks noChangeAspect="1" noChangeArrowheads="1"/>
           </p:cNvPicPr>
@@ -19267,8 +21613,8 @@
         </p:blipFill>
         <p:spPr bwMode="auto">
           <a:xfrm>
-            <a:off x="1295400" y="2209800"/>
-            <a:ext cx="7289164" cy="3247768"/>
+            <a:off x="1396313" y="2057400"/>
+            <a:ext cx="7249539" cy="3862645"/>
           </a:xfrm>
           <a:prstGeom prst="rect">
             <a:avLst/>
@@ -19311,7 +21657,7 @@
     </p:spTree>
     <p:extLst>
       <p:ext uri="{BB962C8B-B14F-4D97-AF65-F5344CB8AC3E}">
-        <p14:creationId xmlns:p14="http://schemas.microsoft.com/office/powerpoint/2010/main" val="3876214192"/>
+        <p14:creationId xmlns:p14="http://schemas.microsoft.com/office/powerpoint/2010/main" val="3755032368"/>
       </p:ext>
     </p:extLst>
   </p:cSld>
@@ -19521,11 +21867,6 @@
               </a:rPr>
               <a:t>Current Status</a:t>
             </a:r>
-            <a:endParaRPr lang="en-US" sz="1400" dirty="0" smtClean="0">
-              <a:solidFill>
-                <a:schemeClr val="bg1"/>
-              </a:solidFill>
-            </a:endParaRPr>
           </a:p>
           <a:p>
             <a:r>
@@ -19536,11 +21877,6 @@
               </a:rPr>
               <a:t>Control Strategies</a:t>
             </a:r>
-            <a:endParaRPr lang="en-US" sz="1400" dirty="0" smtClean="0">
-              <a:solidFill>
-                <a:schemeClr val="bg1"/>
-              </a:solidFill>
-            </a:endParaRPr>
           </a:p>
           <a:p>
             <a:r>
@@ -19551,11 +21887,6 @@
               </a:rPr>
               <a:t>Modeling</a:t>
             </a:r>
-            <a:endParaRPr lang="en-US" sz="1400" dirty="0" smtClean="0">
-              <a:solidFill>
-                <a:schemeClr val="bg1"/>
-              </a:solidFill>
-            </a:endParaRPr>
           </a:p>
           <a:p>
             <a:r>
@@ -19578,7 +21909,7 @@
         <p:spPr>
           <a:xfrm>
             <a:off x="76200" y="772180"/>
-            <a:ext cx="6477000" cy="523220"/>
+            <a:ext cx="7467600" cy="523220"/>
           </a:xfrm>
           <a:prstGeom prst="rect">
             <a:avLst/>
@@ -19593,7 +21924,7 @@
           <a:p>
             <a:r>
               <a:rPr lang="en-US" sz="2800" dirty="0" smtClean="0"/>
-              <a:t>Project Plan – Decision Matrices: Weights</a:t>
+              <a:t>Project Plan – Decision Matrices: Evaluation</a:t>
             </a:r>
             <a:endParaRPr lang="en-US" sz="2800" dirty="0"/>
           </a:p>
@@ -19601,7 +21932,7 @@
       </p:sp>
       <p:pic>
         <p:nvPicPr>
-          <p:cNvPr id="7" name="Picture 3"/>
+          <p:cNvPr id="4098" name="Picture 2"/>
           <p:cNvPicPr>
             <a:picLocks noChangeAspect="1" noChangeArrowheads="1"/>
           </p:cNvPicPr>
@@ -19622,8 +21953,8 @@
         </p:blipFill>
         <p:spPr bwMode="auto">
           <a:xfrm>
-            <a:off x="1396313" y="2057400"/>
-            <a:ext cx="7249539" cy="3862645"/>
+            <a:off x="1295400" y="1981200"/>
+            <a:ext cx="7334250" cy="3800475"/>
           </a:xfrm>
           <a:prstGeom prst="rect">
             <a:avLst/>
@@ -19666,7 +21997,7 @@
     </p:spTree>
     <p:extLst>
       <p:ext uri="{BB962C8B-B14F-4D97-AF65-F5344CB8AC3E}">
-        <p14:creationId xmlns:p14="http://schemas.microsoft.com/office/powerpoint/2010/main" val="3755032368"/>
+        <p14:creationId xmlns:p14="http://schemas.microsoft.com/office/powerpoint/2010/main" val="1459955699"/>
       </p:ext>
     </p:extLst>
   </p:cSld>
@@ -19876,11 +22207,6 @@
               </a:rPr>
               <a:t>Current Status</a:t>
             </a:r>
-            <a:endParaRPr lang="en-US" sz="1400" dirty="0" smtClean="0">
-              <a:solidFill>
-                <a:schemeClr val="bg1"/>
-              </a:solidFill>
-            </a:endParaRPr>
           </a:p>
           <a:p>
             <a:r>
@@ -19891,11 +22217,6 @@
               </a:rPr>
               <a:t>Control Strategies</a:t>
             </a:r>
-            <a:endParaRPr lang="en-US" sz="1400" dirty="0" smtClean="0">
-              <a:solidFill>
-                <a:schemeClr val="bg1"/>
-              </a:solidFill>
-            </a:endParaRPr>
           </a:p>
           <a:p>
             <a:r>
@@ -19906,11 +22227,6 @@
               </a:rPr>
               <a:t>Modeling</a:t>
             </a:r>
-            <a:endParaRPr lang="en-US" sz="1400" dirty="0" smtClean="0">
-              <a:solidFill>
-                <a:schemeClr val="bg1"/>
-              </a:solidFill>
-            </a:endParaRPr>
           </a:p>
           <a:p>
             <a:r>
@@ -19933,7 +22249,7 @@
         <p:spPr>
           <a:xfrm>
             <a:off x="76200" y="772180"/>
-            <a:ext cx="7467600" cy="523220"/>
+            <a:ext cx="5791200" cy="523220"/>
           </a:xfrm>
           <a:prstGeom prst="rect">
             <a:avLst/>
@@ -19948,7 +22264,7 @@
           <a:p>
             <a:r>
               <a:rPr lang="en-US" sz="2800" dirty="0" smtClean="0"/>
-              <a:t>Project Plan – Decision Matrices: Evaluation</a:t>
+              <a:t>Project Plan – Budget</a:t>
             </a:r>
             <a:endParaRPr lang="en-US" sz="2800" dirty="0"/>
           </a:p>
@@ -19956,7 +22272,7 @@
       </p:sp>
       <p:pic>
         <p:nvPicPr>
-          <p:cNvPr id="4098" name="Picture 2"/>
+          <p:cNvPr id="2050" name="Picture 2"/>
           <p:cNvPicPr>
             <a:picLocks noChangeAspect="1" noChangeArrowheads="1"/>
           </p:cNvPicPr>
@@ -19977,8 +22293,8 @@
         </p:blipFill>
         <p:spPr bwMode="auto">
           <a:xfrm>
-            <a:off x="1295400" y="1981200"/>
-            <a:ext cx="7334250" cy="3800475"/>
+            <a:off x="304800" y="1447800"/>
+            <a:ext cx="8686800" cy="5102225"/>
           </a:xfrm>
           <a:prstGeom prst="rect">
             <a:avLst/>
@@ -20018,10 +22334,40 @@
           </a:extLst>
         </p:spPr>
       </p:pic>
+      <p:sp>
+        <p:nvSpPr>
+          <p:cNvPr id="3" name="TextBox 2"/>
+          <p:cNvSpPr txBox="1"/>
+          <p:nvPr/>
+        </p:nvSpPr>
+        <p:spPr>
+          <a:xfrm>
+            <a:off x="5410200" y="5965967"/>
+            <a:ext cx="2514600" cy="400110"/>
+          </a:xfrm>
+          <a:prstGeom prst="rect">
+            <a:avLst/>
+          </a:prstGeom>
+          <a:noFill/>
+        </p:spPr>
+        <p:txBody>
+          <a:bodyPr wrap="square" rtlCol="0">
+            <a:spAutoFit/>
+          </a:bodyPr>
+          <a:lstStyle/>
+          <a:p>
+            <a:r>
+              <a:rPr lang="en-US" sz="2000" b="1" dirty="0" smtClean="0"/>
+              <a:t>Total Cost: $27,740</a:t>
+            </a:r>
+            <a:endParaRPr lang="en-US" sz="2000" baseline="30000" dirty="0"/>
+          </a:p>
+        </p:txBody>
+      </p:sp>
     </p:spTree>
     <p:extLst>
       <p:ext uri="{BB962C8B-B14F-4D97-AF65-F5344CB8AC3E}">
-        <p14:creationId xmlns:p14="http://schemas.microsoft.com/office/powerpoint/2010/main" val="1459955699"/>
+        <p14:creationId xmlns:p14="http://schemas.microsoft.com/office/powerpoint/2010/main" val="2598278060"/>
       </p:ext>
     </p:extLst>
   </p:cSld>
@@ -20116,6 +22462,93 @@
       </p:pic>
       <p:sp>
         <p:nvSpPr>
+          <p:cNvPr id="23" name="TextBox 22"/>
+          <p:cNvSpPr txBox="1"/>
+          <p:nvPr/>
+        </p:nvSpPr>
+        <p:spPr>
+          <a:xfrm>
+            <a:off x="76200" y="344031"/>
+            <a:ext cx="5486400" cy="2031325"/>
+          </a:xfrm>
+          <a:prstGeom prst="rect">
+            <a:avLst/>
+          </a:prstGeom>
+          <a:noFill/>
+        </p:spPr>
+        <p:txBody>
+          <a:bodyPr wrap="square" rtlCol="0">
+            <a:spAutoFit/>
+          </a:bodyPr>
+          <a:lstStyle/>
+          <a:p>
+            <a:r>
+              <a:rPr lang="en-US" sz="1400" dirty="0" smtClean="0">
+                <a:solidFill>
+                  <a:schemeClr val="bg1">
+                    <a:lumMod val="50000"/>
+                  </a:schemeClr>
+                </a:solidFill>
+              </a:rPr>
+              <a:t>Problem Description</a:t>
+            </a:r>
+          </a:p>
+          <a:p>
+            <a:endParaRPr lang="en-US" sz="1400" dirty="0" smtClean="0"/>
+          </a:p>
+          <a:p>
+            <a:endParaRPr lang="en-US" sz="1400" dirty="0"/>
+          </a:p>
+          <a:p>
+            <a:endParaRPr lang="en-US" sz="1400" dirty="0" smtClean="0"/>
+          </a:p>
+          <a:p>
+            <a:endParaRPr lang="en-US" sz="1400" dirty="0" smtClean="0"/>
+          </a:p>
+          <a:p>
+            <a:r>
+              <a:rPr lang="en-US" sz="1400" dirty="0" smtClean="0">
+                <a:solidFill>
+                  <a:schemeClr val="bg1"/>
+                </a:solidFill>
+              </a:rPr>
+              <a:t>Current Status</a:t>
+            </a:r>
+          </a:p>
+          <a:p>
+            <a:r>
+              <a:rPr lang="en-US" sz="1400" dirty="0" smtClean="0">
+                <a:solidFill>
+                  <a:schemeClr val="bg1"/>
+                </a:solidFill>
+              </a:rPr>
+              <a:t>Control Strategies</a:t>
+            </a:r>
+          </a:p>
+          <a:p>
+            <a:r>
+              <a:rPr lang="en-US" sz="1400" dirty="0" smtClean="0">
+                <a:solidFill>
+                  <a:schemeClr val="bg1"/>
+                </a:solidFill>
+              </a:rPr>
+              <a:t>Modeling</a:t>
+            </a:r>
+          </a:p>
+          <a:p>
+            <a:r>
+              <a:rPr lang="en-US" sz="1400" dirty="0" smtClean="0">
+                <a:solidFill>
+                  <a:schemeClr val="bg1"/>
+                </a:solidFill>
+              </a:rPr>
+              <a:t>Conclusion</a:t>
+            </a:r>
+          </a:p>
+        </p:txBody>
+      </p:sp>
+      <p:sp>
+        <p:nvSpPr>
           <p:cNvPr id="5" name="Rectangle 4"/>
           <p:cNvSpPr/>
           <p:nvPr/>
@@ -20179,108 +22612,6 @@
       </p:sp>
       <p:sp>
         <p:nvSpPr>
-          <p:cNvPr id="9" name="TextBox 8"/>
-          <p:cNvSpPr txBox="1"/>
-          <p:nvPr/>
-        </p:nvSpPr>
-        <p:spPr>
-          <a:xfrm>
-            <a:off x="76200" y="344031"/>
-            <a:ext cx="5486400" cy="2031325"/>
-          </a:xfrm>
-          <a:prstGeom prst="rect">
-            <a:avLst/>
-          </a:prstGeom>
-          <a:noFill/>
-        </p:spPr>
-        <p:txBody>
-          <a:bodyPr wrap="square" rtlCol="0">
-            <a:spAutoFit/>
-          </a:bodyPr>
-          <a:lstStyle/>
-          <a:p>
-            <a:r>
-              <a:rPr lang="en-US" sz="1400" dirty="0" smtClean="0">
-                <a:solidFill>
-                  <a:schemeClr val="bg1">
-                    <a:lumMod val="50000"/>
-                  </a:schemeClr>
-                </a:solidFill>
-              </a:rPr>
-              <a:t>Problem Description</a:t>
-            </a:r>
-          </a:p>
-          <a:p>
-            <a:endParaRPr lang="en-US" sz="1400" dirty="0" smtClean="0"/>
-          </a:p>
-          <a:p>
-            <a:endParaRPr lang="en-US" sz="1400" dirty="0"/>
-          </a:p>
-          <a:p>
-            <a:endParaRPr lang="en-US" sz="1400" dirty="0" smtClean="0"/>
-          </a:p>
-          <a:p>
-            <a:endParaRPr lang="en-US" sz="1400" dirty="0" smtClean="0"/>
-          </a:p>
-          <a:p>
-            <a:r>
-              <a:rPr lang="en-US" sz="1400" dirty="0" smtClean="0">
-                <a:solidFill>
-                  <a:schemeClr val="bg1"/>
-                </a:solidFill>
-              </a:rPr>
-              <a:t>Current Status</a:t>
-            </a:r>
-            <a:endParaRPr lang="en-US" sz="1400" dirty="0" smtClean="0">
-              <a:solidFill>
-                <a:schemeClr val="bg1"/>
-              </a:solidFill>
-            </a:endParaRPr>
-          </a:p>
-          <a:p>
-            <a:r>
-              <a:rPr lang="en-US" sz="1400" dirty="0" smtClean="0">
-                <a:solidFill>
-                  <a:schemeClr val="bg1"/>
-                </a:solidFill>
-              </a:rPr>
-              <a:t>Control Strategies</a:t>
-            </a:r>
-            <a:endParaRPr lang="en-US" sz="1400" dirty="0" smtClean="0">
-              <a:solidFill>
-                <a:schemeClr val="bg1"/>
-              </a:solidFill>
-            </a:endParaRPr>
-          </a:p>
-          <a:p>
-            <a:r>
-              <a:rPr lang="en-US" sz="1400" dirty="0" smtClean="0">
-                <a:solidFill>
-                  <a:schemeClr val="bg1"/>
-                </a:solidFill>
-              </a:rPr>
-              <a:t>Modeling</a:t>
-            </a:r>
-            <a:endParaRPr lang="en-US" sz="1400" dirty="0" smtClean="0">
-              <a:solidFill>
-                <a:schemeClr val="bg1"/>
-              </a:solidFill>
-            </a:endParaRPr>
-          </a:p>
-          <a:p>
-            <a:r>
-              <a:rPr lang="en-US" sz="1400" dirty="0" smtClean="0">
-                <a:solidFill>
-                  <a:schemeClr val="bg1"/>
-                </a:solidFill>
-              </a:rPr>
-              <a:t>Conclusion</a:t>
-            </a:r>
-          </a:p>
-        </p:txBody>
-      </p:sp>
-      <p:sp>
-        <p:nvSpPr>
           <p:cNvPr id="4" name="TextBox 3"/>
           <p:cNvSpPr txBox="1"/>
           <p:nvPr/>
@@ -20303,110 +22634,360 @@
           <a:p>
             <a:r>
               <a:rPr lang="en-US" sz="2800" dirty="0" smtClean="0"/>
-              <a:t>Project Plan – Budget</a:t>
+              <a:t>Project Plan – Critical Parts</a:t>
             </a:r>
             <a:endParaRPr lang="en-US" sz="2800" dirty="0"/>
           </a:p>
         </p:txBody>
       </p:sp>
-      <p:pic>
-        <p:nvPicPr>
-          <p:cNvPr id="2050" name="Picture 2"/>
-          <p:cNvPicPr>
-            <a:picLocks noChangeAspect="1" noChangeArrowheads="1"/>
-          </p:cNvPicPr>
+      <p:grpSp>
+        <p:nvGrpSpPr>
+          <p:cNvPr id="3" name="Group 2"/>
+          <p:cNvGrpSpPr/>
           <p:nvPr/>
-        </p:nvPicPr>
-        <p:blipFill>
-          <a:blip r:embed="rId4">
+        </p:nvGrpSpPr>
+        <p:grpSpPr>
+          <a:xfrm>
+            <a:off x="2362200" y="1402142"/>
+            <a:ext cx="6248400" cy="1802613"/>
+            <a:chOff x="2362200" y="1402142"/>
+            <a:chExt cx="6248400" cy="1802613"/>
+          </a:xfrm>
+        </p:grpSpPr>
+        <p:sp>
+          <p:nvSpPr>
+            <p:cNvPr id="2" name="TextBox 1"/>
+            <p:cNvSpPr txBox="1"/>
+            <p:nvPr/>
+          </p:nvSpPr>
+          <p:spPr>
+            <a:xfrm>
+              <a:off x="2362200" y="2072615"/>
+              <a:ext cx="5181600" cy="461665"/>
+            </a:xfrm>
+            <a:prstGeom prst="rect">
+              <a:avLst/>
+            </a:prstGeom>
+            <a:noFill/>
+          </p:spPr>
+          <p:txBody>
+            <a:bodyPr wrap="square" rtlCol="0">
+              <a:spAutoFit/>
+            </a:bodyPr>
+            <a:lstStyle/>
+            <a:p>
+              <a:r>
+                <a:rPr lang="en-US" sz="2400" dirty="0" err="1" smtClean="0"/>
+                <a:t>CompactRIO</a:t>
+              </a:r>
+              <a:r>
+                <a:rPr lang="en-US" sz="2400" dirty="0" smtClean="0"/>
+                <a:t> Real-Time Controller</a:t>
+              </a:r>
+              <a:endParaRPr lang="en-US" sz="2400" dirty="0"/>
+            </a:p>
+          </p:txBody>
+        </p:sp>
+        <p:pic>
+          <p:nvPicPr>
+            <p:cNvPr id="11" name="Picture 4" descr="http://sine.ni.com/images/products/us/crio-9024_l.jpg"/>
+            <p:cNvPicPr>
+              <a:picLocks noChangeAspect="1" noChangeArrowheads="1"/>
+            </p:cNvPicPr>
+            <p:nvPr/>
+          </p:nvPicPr>
+          <p:blipFill rotWithShape="1">
+            <a:blip r:embed="rId4">
+              <a:extLst>
+                <a:ext uri="{28A0092B-C50C-407E-A947-70E740481C1C}">
+                  <a14:useLocalDpi xmlns:a14="http://schemas.microsoft.com/office/drawing/2010/main" val="0"/>
+                </a:ext>
+              </a:extLst>
+            </a:blip>
+            <a:srcRect l="13223" t="4817" r="16365" b="7120"/>
+            <a:stretch/>
+          </p:blipFill>
+          <p:spPr bwMode="auto">
+            <a:xfrm>
+              <a:off x="6629400" y="1402142"/>
+              <a:ext cx="1981200" cy="1802613"/>
+            </a:xfrm>
+            <a:prstGeom prst="rect">
+              <a:avLst/>
+            </a:prstGeom>
+            <a:noFill/>
             <a:extLst>
-              <a:ext uri="{28A0092B-C50C-407E-A947-70E740481C1C}">
-                <a14:useLocalDpi xmlns:a14="http://schemas.microsoft.com/office/drawing/2010/main" val="0"/>
+              <a:ext uri="{909E8E84-426E-40DD-AFC4-6F175D3DCCD1}">
+                <a14:hiddenFill xmlns:a14="http://schemas.microsoft.com/office/drawing/2010/main">
+                  <a:solidFill>
+                    <a:srgbClr val="FFFFFF"/>
+                  </a:solidFill>
+                </a14:hiddenFill>
               </a:ext>
             </a:extLst>
-          </a:blip>
-          <a:srcRect/>
-          <a:stretch>
-            <a:fillRect/>
-          </a:stretch>
-        </p:blipFill>
-        <p:spPr bwMode="auto">
+          </p:spPr>
+        </p:pic>
+      </p:grpSp>
+      <p:grpSp>
+        <p:nvGrpSpPr>
+          <p:cNvPr id="7" name="Group 6"/>
+          <p:cNvGrpSpPr/>
+          <p:nvPr/>
+        </p:nvGrpSpPr>
+        <p:grpSpPr>
           <a:xfrm>
-            <a:off x="304800" y="1447800"/>
-            <a:ext cx="8686800" cy="5102225"/>
+            <a:off x="1143000" y="2514600"/>
+            <a:ext cx="6128747" cy="2100854"/>
+            <a:chOff x="1110253" y="2552815"/>
+            <a:chExt cx="6128747" cy="2100854"/>
           </a:xfrm>
-          <a:prstGeom prst="rect">
-            <a:avLst/>
-          </a:prstGeom>
-          <a:noFill/>
-          <a:ln>
+        </p:grpSpPr>
+        <p:pic>
+          <p:nvPicPr>
+            <p:cNvPr id="12" name="Picture 6" descr="http://www.hubmotors.com/media/catalog/product/cache/10/image/9df78eab33525d08d6e5fb8d27136e95/2/8/280-1368m_1.jpg"/>
+            <p:cNvPicPr>
+              <a:picLocks noChangeAspect="1" noChangeArrowheads="1"/>
+            </p:cNvPicPr>
+            <p:nvPr/>
+          </p:nvPicPr>
+          <p:blipFill rotWithShape="1">
+            <a:blip r:embed="rId5">
+              <a:extLst>
+                <a:ext uri="{28A0092B-C50C-407E-A947-70E740481C1C}">
+                  <a14:useLocalDpi xmlns:a14="http://schemas.microsoft.com/office/drawing/2010/main" val="0"/>
+                </a:ext>
+              </a:extLst>
+            </a:blip>
+            <a:srcRect l="18672" t="4179" r="13351" b="4084"/>
+            <a:stretch/>
+          </p:blipFill>
+          <p:spPr bwMode="auto">
+            <a:xfrm>
+              <a:off x="1110253" y="2552815"/>
+              <a:ext cx="1556747" cy="2100854"/>
+            </a:xfrm>
+            <a:prstGeom prst="rect">
+              <a:avLst/>
+            </a:prstGeom>
             <a:noFill/>
-          </a:ln>
-          <a:effectLst/>
-          <a:extLst>
-            <a:ext uri="{909E8E84-426E-40DD-AFC4-6F175D3DCCD1}">
-              <a14:hiddenFill xmlns:a14="http://schemas.microsoft.com/office/drawing/2010/main">
-                <a:solidFill>
-                  <a:schemeClr val="accent1"/>
-                </a:solidFill>
-              </a14:hiddenFill>
-            </a:ext>
-            <a:ext uri="{91240B29-F687-4F45-9708-019B960494DF}">
-              <a14:hiddenLine xmlns:a14="http://schemas.microsoft.com/office/drawing/2010/main" w="9525">
-                <a:solidFill>
-                  <a:schemeClr val="tx1"/>
-                </a:solidFill>
-                <a:miter lim="800000"/>
-                <a:headEnd/>
-                <a:tailEnd/>
-              </a14:hiddenLine>
-            </a:ext>
-            <a:ext uri="{AF507438-7753-43E0-B8FC-AC1667EBCBE1}">
-              <a14:hiddenEffects xmlns:a14="http://schemas.microsoft.com/office/drawing/2010/main">
-                <a:effectLst>
-                  <a:outerShdw dist="35921" dir="2700000" algn="ctr" rotWithShape="0">
-                    <a:schemeClr val="bg2"/>
-                  </a:outerShdw>
-                </a:effectLst>
-              </a14:hiddenEffects>
-            </a:ext>
-          </a:extLst>
-        </p:spPr>
-      </p:pic>
-      <p:sp>
-        <p:nvSpPr>
-          <p:cNvPr id="3" name="TextBox 2"/>
-          <p:cNvSpPr txBox="1"/>
+            <a:extLst>
+              <a:ext uri="{909E8E84-426E-40DD-AFC4-6F175D3DCCD1}">
+                <a14:hiddenFill xmlns:a14="http://schemas.microsoft.com/office/drawing/2010/main">
+                  <a:solidFill>
+                    <a:srgbClr val="FFFFFF"/>
+                  </a:solidFill>
+                </a14:hiddenFill>
+              </a:ext>
+            </a:extLst>
+          </p:spPr>
+        </p:pic>
+        <p:sp>
+          <p:nvSpPr>
+            <p:cNvPr id="6" name="TextBox 5"/>
+            <p:cNvSpPr txBox="1"/>
+            <p:nvPr/>
+          </p:nvSpPr>
+          <p:spPr>
+            <a:xfrm>
+              <a:off x="2590800" y="3372409"/>
+              <a:ext cx="4648200" cy="461665"/>
+            </a:xfrm>
+            <a:prstGeom prst="rect">
+              <a:avLst/>
+            </a:prstGeom>
+            <a:noFill/>
+          </p:spPr>
+          <p:txBody>
+            <a:bodyPr wrap="square" rtlCol="0">
+              <a:spAutoFit/>
+            </a:bodyPr>
+            <a:lstStyle/>
+            <a:p>
+              <a:r>
+                <a:rPr lang="en-US" sz="2400" dirty="0" smtClean="0"/>
+                <a:t>In-Hub Motors</a:t>
+              </a:r>
+              <a:endParaRPr lang="en-US" sz="2400" dirty="0"/>
+            </a:p>
+          </p:txBody>
+        </p:sp>
+      </p:grpSp>
+      <p:grpSp>
+        <p:nvGrpSpPr>
+          <p:cNvPr id="15" name="Group 14"/>
+          <p:cNvGrpSpPr/>
           <p:nvPr/>
-        </p:nvSpPr>
-        <p:spPr>
+        </p:nvGrpSpPr>
+        <p:grpSpPr>
           <a:xfrm>
-            <a:off x="5410200" y="5965967"/>
-            <a:ext cx="2514600" cy="400110"/>
+            <a:off x="4114800" y="3936091"/>
+            <a:ext cx="5029200" cy="1474109"/>
+            <a:chOff x="4114800" y="3097019"/>
+            <a:chExt cx="5029200" cy="1474109"/>
           </a:xfrm>
-          <a:prstGeom prst="rect">
-            <a:avLst/>
-          </a:prstGeom>
-          <a:noFill/>
-        </p:spPr>
-        <p:txBody>
-          <a:bodyPr wrap="square" rtlCol="0">
-            <a:spAutoFit/>
-          </a:bodyPr>
-          <a:lstStyle/>
-          <a:p>
-            <a:r>
-              <a:rPr lang="en-US" sz="2000" b="1" dirty="0" smtClean="0"/>
-              <a:t>Total Cost: $27,740</a:t>
-            </a:r>
-            <a:endParaRPr lang="en-US" sz="2000" baseline="30000" dirty="0"/>
-          </a:p>
-        </p:txBody>
-      </p:sp>
+        </p:grpSpPr>
+        <p:pic>
+          <p:nvPicPr>
+            <p:cNvPr id="13" name="Picture 10" descr="http://robotbox.net/sites/default/files/imagecache/normal/part_pics/roboteq-motor-controler/roboteq.jpg"/>
+            <p:cNvPicPr>
+              <a:picLocks noChangeAspect="1" noChangeArrowheads="1"/>
+            </p:cNvPicPr>
+            <p:nvPr/>
+          </p:nvPicPr>
+          <p:blipFill>
+            <a:blip r:embed="rId6">
+              <a:extLst>
+                <a:ext uri="{28A0092B-C50C-407E-A947-70E740481C1C}">
+                  <a14:useLocalDpi xmlns:a14="http://schemas.microsoft.com/office/drawing/2010/main" val="0"/>
+                </a:ext>
+              </a:extLst>
+            </a:blip>
+            <a:srcRect/>
+            <a:stretch>
+              <a:fillRect/>
+            </a:stretch>
+          </p:blipFill>
+          <p:spPr bwMode="auto">
+            <a:xfrm>
+              <a:off x="6341512" y="3097019"/>
+              <a:ext cx="2802488" cy="1474109"/>
+            </a:xfrm>
+            <a:prstGeom prst="rect">
+              <a:avLst/>
+            </a:prstGeom>
+            <a:noFill/>
+            <a:extLst>
+              <a:ext uri="{909E8E84-426E-40DD-AFC4-6F175D3DCCD1}">
+                <a14:hiddenFill xmlns:a14="http://schemas.microsoft.com/office/drawing/2010/main">
+                  <a:solidFill>
+                    <a:srgbClr val="FFFFFF"/>
+                  </a:solidFill>
+                </a14:hiddenFill>
+              </a:ext>
+            </a:extLst>
+          </p:spPr>
+        </p:pic>
+        <p:sp>
+          <p:nvSpPr>
+            <p:cNvPr id="14" name="TextBox 13"/>
+            <p:cNvSpPr txBox="1"/>
+            <p:nvPr/>
+          </p:nvSpPr>
+          <p:spPr>
+            <a:xfrm>
+              <a:off x="4114800" y="3603240"/>
+              <a:ext cx="4648200" cy="461665"/>
+            </a:xfrm>
+            <a:prstGeom prst="rect">
+              <a:avLst/>
+            </a:prstGeom>
+            <a:noFill/>
+          </p:spPr>
+          <p:txBody>
+            <a:bodyPr wrap="square" rtlCol="0">
+              <a:spAutoFit/>
+            </a:bodyPr>
+            <a:lstStyle/>
+            <a:p>
+              <a:r>
+                <a:rPr lang="en-US" sz="2400" dirty="0" smtClean="0"/>
+                <a:t>Motor Controllers</a:t>
+              </a:r>
+              <a:endParaRPr lang="en-US" sz="2400" dirty="0"/>
+            </a:p>
+          </p:txBody>
+        </p:sp>
+      </p:grpSp>
+      <p:grpSp>
+        <p:nvGrpSpPr>
+          <p:cNvPr id="19" name="Group 18"/>
+          <p:cNvGrpSpPr/>
+          <p:nvPr/>
+        </p:nvGrpSpPr>
+        <p:grpSpPr>
+          <a:xfrm>
+            <a:off x="1163799" y="5357866"/>
+            <a:ext cx="5999001" cy="1271534"/>
+            <a:chOff x="1239999" y="4953000"/>
+            <a:chExt cx="5999001" cy="1271534"/>
+          </a:xfrm>
+        </p:grpSpPr>
+        <p:pic>
+          <p:nvPicPr>
+            <p:cNvPr id="16" name="Picture 8" descr="http://www.seattlerobotics.org/encoder/200610/article3/IMU%20Odometry,%20by%20David%20Anderson_files/3dmgx1.jpg"/>
+            <p:cNvPicPr>
+              <a:picLocks noChangeAspect="1" noChangeArrowheads="1"/>
+            </p:cNvPicPr>
+            <p:nvPr/>
+          </p:nvPicPr>
+          <p:blipFill>
+            <a:blip r:embed="rId7">
+              <a:extLst>
+                <a:ext uri="{28A0092B-C50C-407E-A947-70E740481C1C}">
+                  <a14:useLocalDpi xmlns:a14="http://schemas.microsoft.com/office/drawing/2010/main" val="0"/>
+                </a:ext>
+              </a:extLst>
+            </a:blip>
+            <a:srcRect/>
+            <a:stretch>
+              <a:fillRect/>
+            </a:stretch>
+          </p:blipFill>
+          <p:spPr bwMode="auto">
+            <a:xfrm>
+              <a:off x="1239999" y="4953000"/>
+              <a:ext cx="1676400" cy="1271534"/>
+            </a:xfrm>
+            <a:prstGeom prst="rect">
+              <a:avLst/>
+            </a:prstGeom>
+            <a:noFill/>
+            <a:extLst>
+              <a:ext uri="{909E8E84-426E-40DD-AFC4-6F175D3DCCD1}">
+                <a14:hiddenFill xmlns:a14="http://schemas.microsoft.com/office/drawing/2010/main">
+                  <a:solidFill>
+                    <a:srgbClr val="FFFFFF"/>
+                  </a:solidFill>
+                </a14:hiddenFill>
+              </a:ext>
+            </a:extLst>
+          </p:spPr>
+        </p:pic>
+        <p:sp>
+          <p:nvSpPr>
+            <p:cNvPr id="18" name="TextBox 17"/>
+            <p:cNvSpPr txBox="1"/>
+            <p:nvPr/>
+          </p:nvSpPr>
+          <p:spPr>
+            <a:xfrm>
+              <a:off x="2590800" y="5357934"/>
+              <a:ext cx="4648200" cy="461665"/>
+            </a:xfrm>
+            <a:prstGeom prst="rect">
+              <a:avLst/>
+            </a:prstGeom>
+            <a:noFill/>
+          </p:spPr>
+          <p:txBody>
+            <a:bodyPr wrap="square" rtlCol="0">
+              <a:spAutoFit/>
+            </a:bodyPr>
+            <a:lstStyle/>
+            <a:p>
+              <a:r>
+                <a:rPr lang="en-US" sz="2400" dirty="0" smtClean="0"/>
+                <a:t>Inertial Measurement Unit (IMU)</a:t>
+              </a:r>
+              <a:endParaRPr lang="en-US" sz="2400" dirty="0"/>
+            </a:p>
+          </p:txBody>
+        </p:sp>
+      </p:grpSp>
     </p:spTree>
     <p:extLst>
       <p:ext uri="{BB962C8B-B14F-4D97-AF65-F5344CB8AC3E}">
-        <p14:creationId xmlns:p14="http://schemas.microsoft.com/office/powerpoint/2010/main" val="2598278060"/>
+        <p14:creationId xmlns:p14="http://schemas.microsoft.com/office/powerpoint/2010/main" val="2527321053"/>
       </p:ext>
     </p:extLst>
   </p:cSld>
@@ -20416,7 +22997,210 @@
   <p:timing>
     <p:tnLst>
       <p:par>
-        <p:cTn id="1" dur="indefinite" restart="never" nodeType="tmRoot"/>
+        <p:cTn id="1" dur="indefinite" restart="never" nodeType="tmRoot">
+          <p:childTnLst>
+            <p:seq concurrent="1" nextAc="seek">
+              <p:cTn id="2" dur="indefinite" nodeType="mainSeq">
+                <p:childTnLst>
+                  <p:par>
+                    <p:cTn id="3" fill="hold">
+                      <p:stCondLst>
+                        <p:cond delay="indefinite"/>
+                      </p:stCondLst>
+                      <p:childTnLst>
+                        <p:par>
+                          <p:cTn id="4" fill="hold">
+                            <p:stCondLst>
+                              <p:cond delay="0"/>
+                            </p:stCondLst>
+                            <p:childTnLst>
+                              <p:par>
+                                <p:cTn id="5" presetID="1" presetClass="entr" presetSubtype="0" fill="hold" nodeType="clickEffect">
+                                  <p:stCondLst>
+                                    <p:cond delay="0"/>
+                                  </p:stCondLst>
+                                  <p:childTnLst>
+                                    <p:set>
+                                      <p:cBhvr>
+                                        <p:cTn id="6" dur="1" fill="hold">
+                                          <p:stCondLst>
+                                            <p:cond delay="0"/>
+                                          </p:stCondLst>
+                                        </p:cTn>
+                                        <p:tgtEl>
+                                          <p:spTgt spid="3"/>
+                                        </p:tgtEl>
+                                        <p:attrNameLst>
+                                          <p:attrName>style.visibility</p:attrName>
+                                        </p:attrNameLst>
+                                      </p:cBhvr>
+                                      <p:to>
+                                        <p:strVal val="visible"/>
+                                      </p:to>
+                                    </p:set>
+                                  </p:childTnLst>
+                                </p:cTn>
+                              </p:par>
+                            </p:childTnLst>
+                          </p:cTn>
+                        </p:par>
+                      </p:childTnLst>
+                    </p:cTn>
+                  </p:par>
+                  <p:par>
+                    <p:cTn id="7" fill="hold">
+                      <p:stCondLst>
+                        <p:cond delay="indefinite"/>
+                      </p:stCondLst>
+                      <p:childTnLst>
+                        <p:par>
+                          <p:cTn id="8" fill="hold">
+                            <p:stCondLst>
+                              <p:cond delay="0"/>
+                            </p:stCondLst>
+                            <p:childTnLst>
+                              <p:par>
+                                <p:cTn id="9" presetID="1" presetClass="entr" presetSubtype="0" fill="hold" nodeType="clickEffect">
+                                  <p:stCondLst>
+                                    <p:cond delay="0"/>
+                                  </p:stCondLst>
+                                  <p:childTnLst>
+                                    <p:set>
+                                      <p:cBhvr>
+                                        <p:cTn id="10" dur="1" fill="hold">
+                                          <p:stCondLst>
+                                            <p:cond delay="0"/>
+                                          </p:stCondLst>
+                                        </p:cTn>
+                                        <p:tgtEl>
+                                          <p:spTgt spid="7"/>
+                                        </p:tgtEl>
+                                        <p:attrNameLst>
+                                          <p:attrName>style.visibility</p:attrName>
+                                        </p:attrNameLst>
+                                      </p:cBhvr>
+                                      <p:to>
+                                        <p:strVal val="visible"/>
+                                      </p:to>
+                                    </p:set>
+                                  </p:childTnLst>
+                                </p:cTn>
+                              </p:par>
+                            </p:childTnLst>
+                          </p:cTn>
+                        </p:par>
+                      </p:childTnLst>
+                    </p:cTn>
+                  </p:par>
+                  <p:par>
+                    <p:cTn id="11" fill="hold">
+                      <p:stCondLst>
+                        <p:cond delay="indefinite"/>
+                      </p:stCondLst>
+                      <p:childTnLst>
+                        <p:par>
+                          <p:cTn id="12" fill="hold">
+                            <p:stCondLst>
+                              <p:cond delay="0"/>
+                            </p:stCondLst>
+                            <p:childTnLst>
+                              <p:par>
+                                <p:cTn id="13" presetID="1" presetClass="entr" presetSubtype="0" fill="hold" nodeType="clickEffect">
+                                  <p:stCondLst>
+                                    <p:cond delay="0"/>
+                                  </p:stCondLst>
+                                  <p:childTnLst>
+                                    <p:set>
+                                      <p:cBhvr>
+                                        <p:cTn id="14" dur="1" fill="hold">
+                                          <p:stCondLst>
+                                            <p:cond delay="0"/>
+                                          </p:stCondLst>
+                                        </p:cTn>
+                                        <p:tgtEl>
+                                          <p:spTgt spid="15"/>
+                                        </p:tgtEl>
+                                        <p:attrNameLst>
+                                          <p:attrName>style.visibility</p:attrName>
+                                        </p:attrNameLst>
+                                      </p:cBhvr>
+                                      <p:to>
+                                        <p:strVal val="visible"/>
+                                      </p:to>
+                                    </p:set>
+                                  </p:childTnLst>
+                                </p:cTn>
+                              </p:par>
+                            </p:childTnLst>
+                          </p:cTn>
+                        </p:par>
+                      </p:childTnLst>
+                    </p:cTn>
+                  </p:par>
+                  <p:par>
+                    <p:cTn id="15" fill="hold">
+                      <p:stCondLst>
+                        <p:cond delay="indefinite"/>
+                      </p:stCondLst>
+                      <p:childTnLst>
+                        <p:par>
+                          <p:cTn id="16" fill="hold">
+                            <p:stCondLst>
+                              <p:cond delay="0"/>
+                            </p:stCondLst>
+                            <p:childTnLst>
+                              <p:par>
+                                <p:cTn id="17" presetID="1" presetClass="entr" presetSubtype="0" fill="hold" nodeType="clickEffect">
+                                  <p:stCondLst>
+                                    <p:cond delay="0"/>
+                                  </p:stCondLst>
+                                  <p:childTnLst>
+                                    <p:set>
+                                      <p:cBhvr>
+                                        <p:cTn id="18" dur="1" fill="hold">
+                                          <p:stCondLst>
+                                            <p:cond delay="0"/>
+                                          </p:stCondLst>
+                                        </p:cTn>
+                                        <p:tgtEl>
+                                          <p:spTgt spid="19"/>
+                                        </p:tgtEl>
+                                        <p:attrNameLst>
+                                          <p:attrName>style.visibility</p:attrName>
+                                        </p:attrNameLst>
+                                      </p:cBhvr>
+                                      <p:to>
+                                        <p:strVal val="visible"/>
+                                      </p:to>
+                                    </p:set>
+                                  </p:childTnLst>
+                                </p:cTn>
+                              </p:par>
+                            </p:childTnLst>
+                          </p:cTn>
+                        </p:par>
+                      </p:childTnLst>
+                    </p:cTn>
+                  </p:par>
+                </p:childTnLst>
+              </p:cTn>
+              <p:prevCondLst>
+                <p:cond evt="onPrev" delay="0">
+                  <p:tgtEl>
+                    <p:sldTgt/>
+                  </p:tgtEl>
+                </p:cond>
+              </p:prevCondLst>
+              <p:nextCondLst>
+                <p:cond evt="onNext" delay="0">
+                  <p:tgtEl>
+                    <p:sldTgt/>
+                  </p:tgtEl>
+                </p:cond>
+              </p:nextCondLst>
+            </p:seq>
+          </p:childTnLst>
+        </p:cTn>
       </p:par>
     </p:tnLst>
   </p:timing>

--- a/Documentation/Design Reviews/Design Review 1.pptx
+++ b/Documentation/Design Reviews/Design Review 1.pptx
@@ -129,6 +129,264 @@
     </a:lvl9pPr>
   </p:defaultTextStyle>
 </p:presentation>
+</file>
+
+<file path=ppt/charts/chart1.xml><?xml version="1.0" encoding="utf-8"?>
+<c:chartSpace xmlns:c="http://schemas.openxmlformats.org/drawingml/2006/chart" xmlns:a="http://schemas.openxmlformats.org/drawingml/2006/main" xmlns:r="http://schemas.openxmlformats.org/officeDocument/2006/relationships">
+  <c:date1904 val="0"/>
+  <c:lang val="en-US"/>
+  <c:roundedCorners val="0"/>
+  <mc:AlternateContent xmlns:mc="http://schemas.openxmlformats.org/markup-compatibility/2006">
+    <mc:Choice xmlns:c14="http://schemas.microsoft.com/office/drawing/2007/8/2/chart" Requires="c14">
+      <c14:style val="102"/>
+    </mc:Choice>
+    <mc:Fallback>
+      <c:style val="2"/>
+    </mc:Fallback>
+  </mc:AlternateContent>
+  <c:chart>
+    <c:autoTitleDeleted val="0"/>
+    <c:plotArea>
+      <c:layout/>
+      <c:pieChart>
+        <c:varyColors val="1"/>
+        <c:ser>
+          <c:idx val="0"/>
+          <c:order val="0"/>
+          <c:dLbls>
+            <c:showLegendKey val="0"/>
+            <c:showVal val="1"/>
+            <c:showCatName val="0"/>
+            <c:showSerName val="0"/>
+            <c:showPercent val="0"/>
+            <c:showBubbleSize val="0"/>
+            <c:showLeaderLines val="1"/>
+          </c:dLbls>
+          <c:cat>
+            <c:strRef>
+              <c:f>Sheet1!$A$40:$A$48</c:f>
+              <c:strCache>
+                <c:ptCount val="9"/>
+                <c:pt idx="0">
+                  <c:v>LabVIEW Robotics </c:v>
+                </c:pt>
+                <c:pt idx="1">
+                  <c:v>Real Time Controller</c:v>
+                </c:pt>
+                <c:pt idx="2">
+                  <c:v>Controller Interface Module</c:v>
+                </c:pt>
+                <c:pt idx="3">
+                  <c:v>Wheel and Gyro Motors</c:v>
+                </c:pt>
+                <c:pt idx="4">
+                  <c:v>Motor Controller</c:v>
+                </c:pt>
+                <c:pt idx="5">
+                  <c:v>Wrist Motor</c:v>
+                </c:pt>
+                <c:pt idx="6">
+                  <c:v>Wrist Motor Controller</c:v>
+                </c:pt>
+                <c:pt idx="7">
+                  <c:v>Battery </c:v>
+                </c:pt>
+                <c:pt idx="8">
+                  <c:v>Inertial Measurement Unit </c:v>
+                </c:pt>
+              </c:strCache>
+            </c:strRef>
+          </c:cat>
+          <c:val>
+            <c:numRef>
+              <c:f>Sheet1!$B$40:$B$48</c:f>
+              <c:numCache>
+                <c:formatCode>"$"#,##0_);[Red]\("$"#,##0\)</c:formatCode>
+                <c:ptCount val="9"/>
+                <c:pt idx="0">
+                  <c:v>15000</c:v>
+                </c:pt>
+                <c:pt idx="1">
+                  <c:v>8000</c:v>
+                </c:pt>
+                <c:pt idx="2">
+                  <c:v>600</c:v>
+                </c:pt>
+                <c:pt idx="3">
+                  <c:v>150</c:v>
+                </c:pt>
+                <c:pt idx="4">
+                  <c:v>350</c:v>
+                </c:pt>
+                <c:pt idx="5">
+                  <c:v>150</c:v>
+                </c:pt>
+                <c:pt idx="6">
+                  <c:v>400</c:v>
+                </c:pt>
+                <c:pt idx="7">
+                  <c:v>90</c:v>
+                </c:pt>
+                <c:pt idx="8">
+                  <c:v>3000</c:v>
+                </c:pt>
+              </c:numCache>
+            </c:numRef>
+          </c:val>
+        </c:ser>
+        <c:dLbls>
+          <c:showLegendKey val="0"/>
+          <c:showVal val="0"/>
+          <c:showCatName val="0"/>
+          <c:showSerName val="0"/>
+          <c:showPercent val="0"/>
+          <c:showBubbleSize val="0"/>
+          <c:showLeaderLines val="1"/>
+        </c:dLbls>
+        <c:firstSliceAng val="0"/>
+      </c:pieChart>
+    </c:plotArea>
+    <c:legend>
+      <c:legendPos val="r"/>
+      <c:layout>
+        <c:manualLayout>
+          <c:xMode val="edge"/>
+          <c:yMode val="edge"/>
+          <c:x val="0.71166639853608915"/>
+          <c:y val="0.28125497417661505"/>
+          <c:w val="0.19458359047895463"/>
+          <c:h val="0.43748983997967994"/>
+        </c:manualLayout>
+      </c:layout>
+      <c:overlay val="0"/>
+    </c:legend>
+    <c:plotVisOnly val="1"/>
+    <c:dispBlanksAs val="gap"/>
+    <c:showDLblsOverMax val="0"/>
+  </c:chart>
+  <c:externalData r:id="rId1">
+    <c:autoUpdate val="0"/>
+  </c:externalData>
+</c:chartSpace>
+</file>
+
+<file path=ppt/charts/chart2.xml><?xml version="1.0" encoding="utf-8"?>
+<c:chartSpace xmlns:c="http://schemas.openxmlformats.org/drawingml/2006/chart" xmlns:a="http://schemas.openxmlformats.org/drawingml/2006/main" xmlns:r="http://schemas.openxmlformats.org/officeDocument/2006/relationships">
+  <c:date1904 val="0"/>
+  <c:lang val="en-US"/>
+  <c:roundedCorners val="0"/>
+  <mc:AlternateContent xmlns:mc="http://schemas.openxmlformats.org/markup-compatibility/2006">
+    <mc:Choice xmlns:c14="http://schemas.microsoft.com/office/drawing/2007/8/2/chart" Requires="c14">
+      <c14:style val="102"/>
+    </mc:Choice>
+    <mc:Fallback>
+      <c:style val="2"/>
+    </mc:Fallback>
+  </mc:AlternateContent>
+  <c:chart>
+    <c:autoTitleDeleted val="0"/>
+    <c:plotArea>
+      <c:layout/>
+      <c:pieChart>
+        <c:varyColors val="1"/>
+        <c:ser>
+          <c:idx val="0"/>
+          <c:order val="0"/>
+          <c:dLbls>
+            <c:dLblPos val="bestFit"/>
+            <c:showLegendKey val="0"/>
+            <c:showVal val="1"/>
+            <c:showCatName val="0"/>
+            <c:showSerName val="0"/>
+            <c:showPercent val="0"/>
+            <c:showBubbleSize val="0"/>
+            <c:showLeaderLines val="1"/>
+          </c:dLbls>
+          <c:cat>
+            <c:strRef>
+              <c:f>'[Chart in Microsoft PowerPoint]Sheet1'!$A$42:$A$48</c:f>
+              <c:strCache>
+                <c:ptCount val="7"/>
+                <c:pt idx="0">
+                  <c:v>Controller Interface Module</c:v>
+                </c:pt>
+                <c:pt idx="1">
+                  <c:v>Wheel and Gyro Motors</c:v>
+                </c:pt>
+                <c:pt idx="2">
+                  <c:v>Motor Controller</c:v>
+                </c:pt>
+                <c:pt idx="3">
+                  <c:v>Wrist Motor</c:v>
+                </c:pt>
+                <c:pt idx="4">
+                  <c:v>Wrist Motor Controller</c:v>
+                </c:pt>
+                <c:pt idx="5">
+                  <c:v>Battery </c:v>
+                </c:pt>
+                <c:pt idx="6">
+                  <c:v>Inertial Measurement Unit </c:v>
+                </c:pt>
+              </c:strCache>
+            </c:strRef>
+          </c:cat>
+          <c:val>
+            <c:numRef>
+              <c:f>'[Chart in Microsoft PowerPoint]Sheet1'!$B$42:$B$48</c:f>
+              <c:numCache>
+                <c:formatCode>"$"#,##0_);[Red]\("$"#,##0\)</c:formatCode>
+                <c:ptCount val="7"/>
+                <c:pt idx="0">
+                  <c:v>600</c:v>
+                </c:pt>
+                <c:pt idx="1">
+                  <c:v>150</c:v>
+                </c:pt>
+                <c:pt idx="2">
+                  <c:v>350</c:v>
+                </c:pt>
+                <c:pt idx="3">
+                  <c:v>150</c:v>
+                </c:pt>
+                <c:pt idx="4">
+                  <c:v>400</c:v>
+                </c:pt>
+                <c:pt idx="5">
+                  <c:v>90</c:v>
+                </c:pt>
+                <c:pt idx="6">
+                  <c:v>3000</c:v>
+                </c:pt>
+              </c:numCache>
+            </c:numRef>
+          </c:val>
+        </c:ser>
+        <c:dLbls>
+          <c:showLegendKey val="0"/>
+          <c:showVal val="0"/>
+          <c:showCatName val="0"/>
+          <c:showSerName val="0"/>
+          <c:showPercent val="0"/>
+          <c:showBubbleSize val="0"/>
+          <c:showLeaderLines val="1"/>
+        </c:dLbls>
+        <c:firstSliceAng val="0"/>
+      </c:pieChart>
+    </c:plotArea>
+    <c:legend>
+      <c:legendPos val="r"/>
+      <c:layout/>
+      <c:overlay val="0"/>
+    </c:legend>
+    <c:plotVisOnly val="1"/>
+    <c:dispBlanksAs val="gap"/>
+    <c:showDLblsOverMax val="0"/>
+  </c:chart>
+  <c:externalData r:id="rId1">
+    <c:autoUpdate val="0"/>
+  </c:externalData>
+</c:chartSpace>
 </file>
 
 <file path=ppt/diagrams/colors1.xml><?xml version="1.0" encoding="utf-8"?>
@@ -1411,30 +1669,30 @@
     </dgm:pt>
   </dgm:ptLst>
   <dgm:cxnLst>
+    <dgm:cxn modelId="{3315D23B-2CFF-4564-8C5B-949FBD8DF287}" type="presOf" srcId="{4C1B39BF-F010-4321-A742-3FBC32925276}" destId="{47177BF1-5F2D-48EF-8497-21FE3FD9FE79}" srcOrd="0" destOrd="0" presId="urn:microsoft.com/office/officeart/2008/layout/RadialCluster"/>
+    <dgm:cxn modelId="{93F051FE-4DAD-4282-B99F-B0F7FF420B95}" srcId="{20BE8E71-F497-468A-8BCF-867CD172525E}" destId="{73692DD7-5A4E-48BB-B470-C5A4DA4EC749}" srcOrd="4" destOrd="0" parTransId="{8E16C110-46DD-418E-B68B-41176C7363CB}" sibTransId="{F993AD63-E991-4E38-8297-04B334507A7E}"/>
+    <dgm:cxn modelId="{9801DC9E-87CA-482B-BEFD-C61AA9E8153B}" type="presOf" srcId="{8F9A3036-4F59-4DA9-BC69-9C65CC5FF756}" destId="{4F1D4343-F068-4E09-A4D6-84538D008E3A}" srcOrd="0" destOrd="0" presId="urn:microsoft.com/office/officeart/2008/layout/RadialCluster"/>
+    <dgm:cxn modelId="{C2859883-5757-46E9-8E4F-5E8DE07FE54E}" srcId="{20BE8E71-F497-468A-8BCF-867CD172525E}" destId="{4C1B39BF-F010-4321-A742-3FBC32925276}" srcOrd="6" destOrd="0" parTransId="{4231E3A6-8236-41B8-8CD9-63D77671A4C8}" sibTransId="{5200D3A7-3CAD-44FB-B8C1-9407EA7D36E6}"/>
+    <dgm:cxn modelId="{37D790B7-A6B2-486C-AC56-3F127FDFC93D}" type="presOf" srcId="{2CAD2807-D227-4017-ADAE-4A618EC18CA1}" destId="{3C9F8E07-2750-4F18-8439-C39435BC2A48}" srcOrd="0" destOrd="0" presId="urn:microsoft.com/office/officeart/2008/layout/RadialCluster"/>
+    <dgm:cxn modelId="{CBD0D219-0D1F-4AD5-9833-EB8FF4BB68DE}" type="presOf" srcId="{A582B7BA-4838-4A95-B337-9DB7268116E5}" destId="{6A9A5629-B80C-4D13-8A9A-8E0030CA29C6}" srcOrd="0" destOrd="0" presId="urn:microsoft.com/office/officeart/2008/layout/RadialCluster"/>
+    <dgm:cxn modelId="{84A1FB9D-2A24-4CE0-84DB-F1DA371028CC}" srcId="{2F4CBA2C-CAAA-42CF-B78F-87DEEF1B277A}" destId="{20BE8E71-F497-468A-8BCF-867CD172525E}" srcOrd="0" destOrd="0" parTransId="{10E7CD52-C70D-4B0D-BA73-39E7D6E0C441}" sibTransId="{C709E9FE-A76B-44F6-BBD4-8043D15198BD}"/>
+    <dgm:cxn modelId="{A3229B7A-98F5-4A02-B1BC-20C1B2FD93E3}" srcId="{20BE8E71-F497-468A-8BCF-867CD172525E}" destId="{CDB2F97C-D222-4B7B-AD17-9B1FCACAE65F}" srcOrd="5" destOrd="0" parTransId="{6D930E7D-F4CB-4AC6-8B6C-E671E00D2CDA}" sibTransId="{3DB89215-6E3B-42AE-A1CB-3027719161AB}"/>
+    <dgm:cxn modelId="{687A8EDA-2547-4B66-A2DF-5F77F1D17C87}" type="presOf" srcId="{20BE8E71-F497-468A-8BCF-867CD172525E}" destId="{EA7B28CB-2911-4779-869A-AEC78C5F1671}" srcOrd="0" destOrd="0" presId="urn:microsoft.com/office/officeart/2008/layout/RadialCluster"/>
+    <dgm:cxn modelId="{0BB6BE93-6D07-4673-BD6D-65D3ADF9CEC3}" type="presOf" srcId="{2F4CBA2C-CAAA-42CF-B78F-87DEEF1B277A}" destId="{F3FFE5E4-1BC0-4B54-81AE-AA579CAF2653}" srcOrd="0" destOrd="0" presId="urn:microsoft.com/office/officeart/2008/layout/RadialCluster"/>
+    <dgm:cxn modelId="{8C68F102-B0A2-4886-87E1-F9FB7D1B138B}" srcId="{20BE8E71-F497-468A-8BCF-867CD172525E}" destId="{BD98ED33-66DC-415F-9A6F-2546BAAF3B3D}" srcOrd="1" destOrd="0" parTransId="{14D5249F-26A5-4564-AB2D-600D54F71173}" sibTransId="{33D01D21-955E-4F24-A18E-4041C0D6DE2B}"/>
     <dgm:cxn modelId="{86581E74-C593-4A2D-BD5E-CE1BC5CC7E25}" srcId="{20BE8E71-F497-468A-8BCF-867CD172525E}" destId="{8F9A3036-4F59-4DA9-BC69-9C65CC5FF756}" srcOrd="2" destOrd="0" parTransId="{2CAD2807-D227-4017-ADAE-4A618EC18CA1}" sibTransId="{37768D46-5764-48A9-B061-92B3238D2032}"/>
+    <dgm:cxn modelId="{592CB8F0-757C-454F-820C-9ECAD0BA8C6C}" type="presOf" srcId="{23159B30-BD23-4DDD-8C73-F4E0AA557D76}" destId="{52F0F047-BCCC-42EF-9CAE-76E3CB0C88BA}" srcOrd="0" destOrd="0" presId="urn:microsoft.com/office/officeart/2008/layout/RadialCluster"/>
+    <dgm:cxn modelId="{985F22C7-0E7D-42A9-953C-A246EBC99718}" srcId="{20BE8E71-F497-468A-8BCF-867CD172525E}" destId="{23159B30-BD23-4DDD-8C73-F4E0AA557D76}" srcOrd="0" destOrd="0" parTransId="{7EA5189C-8A82-4E31-B8DE-1A2F0B8D4C54}" sibTransId="{F4542481-DB3E-488C-ACCA-3E4EB5875099}"/>
+    <dgm:cxn modelId="{0E26857C-86C4-4BCD-9F66-26E63A1CA80C}" type="presOf" srcId="{BD98ED33-66DC-415F-9A6F-2546BAAF3B3D}" destId="{323636B3-28E9-4D84-9B24-4CA99FA81ACE}" srcOrd="0" destOrd="0" presId="urn:microsoft.com/office/officeart/2008/layout/RadialCluster"/>
+    <dgm:cxn modelId="{9AA18266-4943-45ED-A460-D5F91AC5B52E}" type="presOf" srcId="{36786B02-748A-4748-B2D4-5874F7413149}" destId="{F3A44B51-B4D8-4EB5-89F7-4849638C9113}" srcOrd="0" destOrd="0" presId="urn:microsoft.com/office/officeart/2008/layout/RadialCluster"/>
+    <dgm:cxn modelId="{C5384FD1-877F-4593-8247-FA395F924F75}" type="presOf" srcId="{14D5249F-26A5-4564-AB2D-600D54F71173}" destId="{B84AF4A8-3947-45EA-8993-17FEB967E4E7}" srcOrd="0" destOrd="0" presId="urn:microsoft.com/office/officeart/2008/layout/RadialCluster"/>
+    <dgm:cxn modelId="{6A2E968B-2B00-4302-9A51-BA269571DA50}" type="presOf" srcId="{8E16C110-46DD-418E-B68B-41176C7363CB}" destId="{0B933785-8F10-4908-A031-95865622E3A9}" srcOrd="0" destOrd="0" presId="urn:microsoft.com/office/officeart/2008/layout/RadialCluster"/>
+    <dgm:cxn modelId="{122508DC-A576-4A03-83E4-985FEF1A8B82}" srcId="{20BE8E71-F497-468A-8BCF-867CD172525E}" destId="{A582B7BA-4838-4A95-B337-9DB7268116E5}" srcOrd="3" destOrd="0" parTransId="{36786B02-748A-4748-B2D4-5874F7413149}" sibTransId="{4C297DF1-AEBE-4A83-A484-A60056753F8A}"/>
+    <dgm:cxn modelId="{F93764F6-6CF4-486A-B088-61AFCBE74DDC}" type="presOf" srcId="{4231E3A6-8236-41B8-8CD9-63D77671A4C8}" destId="{FB5C7847-0F50-42C0-A98F-6F92FFC53D0B}" srcOrd="0" destOrd="0" presId="urn:microsoft.com/office/officeart/2008/layout/RadialCluster"/>
     <dgm:cxn modelId="{26F7855D-5015-4F58-ADC8-48ABC6F68CC6}" type="presOf" srcId="{CDB2F97C-D222-4B7B-AD17-9B1FCACAE65F}" destId="{946220FF-E030-4205-92BF-46A67B7F2879}" srcOrd="0" destOrd="0" presId="urn:microsoft.com/office/officeart/2008/layout/RadialCluster"/>
-    <dgm:cxn modelId="{3315D23B-2CFF-4564-8C5B-949FBD8DF287}" type="presOf" srcId="{4C1B39BF-F010-4321-A742-3FBC32925276}" destId="{47177BF1-5F2D-48EF-8497-21FE3FD9FE79}" srcOrd="0" destOrd="0" presId="urn:microsoft.com/office/officeart/2008/layout/RadialCluster"/>
-    <dgm:cxn modelId="{6A2E968B-2B00-4302-9A51-BA269571DA50}" type="presOf" srcId="{8E16C110-46DD-418E-B68B-41176C7363CB}" destId="{0B933785-8F10-4908-A031-95865622E3A9}" srcOrd="0" destOrd="0" presId="urn:microsoft.com/office/officeart/2008/layout/RadialCluster"/>
-    <dgm:cxn modelId="{0BB6BE93-6D07-4673-BD6D-65D3ADF9CEC3}" type="presOf" srcId="{2F4CBA2C-CAAA-42CF-B78F-87DEEF1B277A}" destId="{F3FFE5E4-1BC0-4B54-81AE-AA579CAF2653}" srcOrd="0" destOrd="0" presId="urn:microsoft.com/office/officeart/2008/layout/RadialCluster"/>
-    <dgm:cxn modelId="{A3229B7A-98F5-4A02-B1BC-20C1B2FD93E3}" srcId="{20BE8E71-F497-468A-8BCF-867CD172525E}" destId="{CDB2F97C-D222-4B7B-AD17-9B1FCACAE65F}" srcOrd="5" destOrd="0" parTransId="{6D930E7D-F4CB-4AC6-8B6C-E671E00D2CDA}" sibTransId="{3DB89215-6E3B-42AE-A1CB-3027719161AB}"/>
-    <dgm:cxn modelId="{CBD0D219-0D1F-4AD5-9833-EB8FF4BB68DE}" type="presOf" srcId="{A582B7BA-4838-4A95-B337-9DB7268116E5}" destId="{6A9A5629-B80C-4D13-8A9A-8E0030CA29C6}" srcOrd="0" destOrd="0" presId="urn:microsoft.com/office/officeart/2008/layout/RadialCluster"/>
-    <dgm:cxn modelId="{93F051FE-4DAD-4282-B99F-B0F7FF420B95}" srcId="{20BE8E71-F497-468A-8BCF-867CD172525E}" destId="{73692DD7-5A4E-48BB-B470-C5A4DA4EC749}" srcOrd="4" destOrd="0" parTransId="{8E16C110-46DD-418E-B68B-41176C7363CB}" sibTransId="{F993AD63-E991-4E38-8297-04B334507A7E}"/>
-    <dgm:cxn modelId="{F93764F6-6CF4-486A-B088-61AFCBE74DDC}" type="presOf" srcId="{4231E3A6-8236-41B8-8CD9-63D77671A4C8}" destId="{FB5C7847-0F50-42C0-A98F-6F92FFC53D0B}" srcOrd="0" destOrd="0" presId="urn:microsoft.com/office/officeart/2008/layout/RadialCluster"/>
-    <dgm:cxn modelId="{8C68F102-B0A2-4886-87E1-F9FB7D1B138B}" srcId="{20BE8E71-F497-468A-8BCF-867CD172525E}" destId="{BD98ED33-66DC-415F-9A6F-2546BAAF3B3D}" srcOrd="1" destOrd="0" parTransId="{14D5249F-26A5-4564-AB2D-600D54F71173}" sibTransId="{33D01D21-955E-4F24-A18E-4041C0D6DE2B}"/>
-    <dgm:cxn modelId="{9801DC9E-87CA-482B-BEFD-C61AA9E8153B}" type="presOf" srcId="{8F9A3036-4F59-4DA9-BC69-9C65CC5FF756}" destId="{4F1D4343-F068-4E09-A4D6-84538D008E3A}" srcOrd="0" destOrd="0" presId="urn:microsoft.com/office/officeart/2008/layout/RadialCluster"/>
-    <dgm:cxn modelId="{592CB8F0-757C-454F-820C-9ECAD0BA8C6C}" type="presOf" srcId="{23159B30-BD23-4DDD-8C73-F4E0AA557D76}" destId="{52F0F047-BCCC-42EF-9CAE-76E3CB0C88BA}" srcOrd="0" destOrd="0" presId="urn:microsoft.com/office/officeart/2008/layout/RadialCluster"/>
-    <dgm:cxn modelId="{C2859883-5757-46E9-8E4F-5E8DE07FE54E}" srcId="{20BE8E71-F497-468A-8BCF-867CD172525E}" destId="{4C1B39BF-F010-4321-A742-3FBC32925276}" srcOrd="6" destOrd="0" parTransId="{4231E3A6-8236-41B8-8CD9-63D77671A4C8}" sibTransId="{5200D3A7-3CAD-44FB-B8C1-9407EA7D36E6}"/>
-    <dgm:cxn modelId="{122508DC-A576-4A03-83E4-985FEF1A8B82}" srcId="{20BE8E71-F497-468A-8BCF-867CD172525E}" destId="{A582B7BA-4838-4A95-B337-9DB7268116E5}" srcOrd="3" destOrd="0" parTransId="{36786B02-748A-4748-B2D4-5874F7413149}" sibTransId="{4C297DF1-AEBE-4A83-A484-A60056753F8A}"/>
-    <dgm:cxn modelId="{C5384FD1-877F-4593-8247-FA395F924F75}" type="presOf" srcId="{14D5249F-26A5-4564-AB2D-600D54F71173}" destId="{B84AF4A8-3947-45EA-8993-17FEB967E4E7}" srcOrd="0" destOrd="0" presId="urn:microsoft.com/office/officeart/2008/layout/RadialCluster"/>
-    <dgm:cxn modelId="{37D790B7-A6B2-486C-AC56-3F127FDFC93D}" type="presOf" srcId="{2CAD2807-D227-4017-ADAE-4A618EC18CA1}" destId="{3C9F8E07-2750-4F18-8439-C39435BC2A48}" srcOrd="0" destOrd="0" presId="urn:microsoft.com/office/officeart/2008/layout/RadialCluster"/>
-    <dgm:cxn modelId="{84A1FB9D-2A24-4CE0-84DB-F1DA371028CC}" srcId="{2F4CBA2C-CAAA-42CF-B78F-87DEEF1B277A}" destId="{20BE8E71-F497-468A-8BCF-867CD172525E}" srcOrd="0" destOrd="0" parTransId="{10E7CD52-C70D-4B0D-BA73-39E7D6E0C441}" sibTransId="{C709E9FE-A76B-44F6-BBD4-8043D15198BD}"/>
     <dgm:cxn modelId="{CB4208AA-8711-4B6B-B368-C5B8083D375F}" type="presOf" srcId="{6D930E7D-F4CB-4AC6-8B6C-E671E00D2CDA}" destId="{B5E74FB8-825C-4828-9A1C-A241752DC65C}" srcOrd="0" destOrd="0" presId="urn:microsoft.com/office/officeart/2008/layout/RadialCluster"/>
-    <dgm:cxn modelId="{0E26857C-86C4-4BCD-9F66-26E63A1CA80C}" type="presOf" srcId="{BD98ED33-66DC-415F-9A6F-2546BAAF3B3D}" destId="{323636B3-28E9-4D84-9B24-4CA99FA81ACE}" srcOrd="0" destOrd="0" presId="urn:microsoft.com/office/officeart/2008/layout/RadialCluster"/>
     <dgm:cxn modelId="{61CD37EC-E091-4684-BA08-16DEF43099BB}" type="presOf" srcId="{7EA5189C-8A82-4E31-B8DE-1A2F0B8D4C54}" destId="{C2CB6F57-0576-413F-A293-A0E78B21B9F8}" srcOrd="0" destOrd="0" presId="urn:microsoft.com/office/officeart/2008/layout/RadialCluster"/>
-    <dgm:cxn modelId="{985F22C7-0E7D-42A9-953C-A246EBC99718}" srcId="{20BE8E71-F497-468A-8BCF-867CD172525E}" destId="{23159B30-BD23-4DDD-8C73-F4E0AA557D76}" srcOrd="0" destOrd="0" parTransId="{7EA5189C-8A82-4E31-B8DE-1A2F0B8D4C54}" sibTransId="{F4542481-DB3E-488C-ACCA-3E4EB5875099}"/>
     <dgm:cxn modelId="{137A4AF1-06F5-4D8A-8F96-21F19B99C142}" type="presOf" srcId="{73692DD7-5A4E-48BB-B470-C5A4DA4EC749}" destId="{42C18C40-B4AA-446C-B562-40C2969136A5}" srcOrd="0" destOrd="0" presId="urn:microsoft.com/office/officeart/2008/layout/RadialCluster"/>
-    <dgm:cxn modelId="{687A8EDA-2547-4B66-A2DF-5F77F1D17C87}" type="presOf" srcId="{20BE8E71-F497-468A-8BCF-867CD172525E}" destId="{EA7B28CB-2911-4779-869A-AEC78C5F1671}" srcOrd="0" destOrd="0" presId="urn:microsoft.com/office/officeart/2008/layout/RadialCluster"/>
-    <dgm:cxn modelId="{9AA18266-4943-45ED-A460-D5F91AC5B52E}" type="presOf" srcId="{36786B02-748A-4748-B2D4-5874F7413149}" destId="{F3A44B51-B4D8-4EB5-89F7-4849638C9113}" srcOrd="0" destOrd="0" presId="urn:microsoft.com/office/officeart/2008/layout/RadialCluster"/>
     <dgm:cxn modelId="{BFFCAA7A-7A50-4032-9C89-D6620E9AD265}" type="presParOf" srcId="{F3FFE5E4-1BC0-4B54-81AE-AA579CAF2653}" destId="{B22068D3-DDED-4F7A-869F-113F94CC087D}" srcOrd="0" destOrd="0" presId="urn:microsoft.com/office/officeart/2008/layout/RadialCluster"/>
     <dgm:cxn modelId="{22E76D57-FA4B-4090-8D7B-637F59289991}" type="presParOf" srcId="{B22068D3-DDED-4F7A-869F-113F94CC087D}" destId="{EA7B28CB-2911-4779-869A-AEC78C5F1671}" srcOrd="0" destOrd="0" presId="urn:microsoft.com/office/officeart/2008/layout/RadialCluster"/>
     <dgm:cxn modelId="{C4FCDBE5-0DDD-44F7-B65C-D908399031A9}" type="presParOf" srcId="{B22068D3-DDED-4F7A-869F-113F94CC087D}" destId="{C2CB6F57-0576-413F-A293-A0E78B21B9F8}" srcOrd="1" destOrd="0" presId="urn:microsoft.com/office/officeart/2008/layout/RadialCluster"/>
@@ -8075,13 +8333,8 @@
             </a:r>
             <a:r>
               <a:rPr lang="en-US" baseline="0" dirty="0" smtClean="0"/>
-              <a:t> </a:t>
-            </a:r>
-            <a:r>
-              <a:rPr lang="en-US" baseline="0" dirty="0" smtClean="0"/>
-              <a:t>have been asked by national instruments to design and build a self balancing unicycle robot to showcase NI’s newest robotics toolkit.  </a:t>
-            </a:r>
-            <a:endParaRPr lang="en-US" baseline="0" dirty="0" smtClean="0"/>
+              <a:t> have been asked by national instruments to design and build a self balancing unicycle robot to showcase NI’s newest robotics toolkit.  </a:t>
+            </a:r>
           </a:p>
           <a:p>
             <a:pPr marL="0" marR="0" indent="0" algn="l" defTabSz="914400" rtl="0" eaLnBrk="1" fontAlgn="auto" latinLnBrk="0" hangingPunct="1">
@@ -8123,21 +8376,12 @@
             </a:pPr>
             <a:r>
               <a:rPr lang="en-US" baseline="0" dirty="0" smtClean="0"/>
-              <a:t>National </a:t>
+              <a:t>National Instruments has developed a full </a:t>
             </a:r>
             <a:r>
               <a:rPr lang="en-US" baseline="0" dirty="0" smtClean="0"/>
-              <a:t>Instruments has developed a full real time controlling suite to be all encompassing with the LabVIEW Robotics toolkit and their Real-Time controllers, specifically to us the compact Rio, or </a:t>
-            </a:r>
-            <a:r>
-              <a:rPr lang="en-US" baseline="0" dirty="0" err="1" smtClean="0"/>
-              <a:t>cRIO</a:t>
-            </a:r>
-            <a:r>
-              <a:rPr lang="en-US" baseline="0" dirty="0" smtClean="0"/>
-              <a:t>.  </a:t>
-            </a:r>
-            <a:endParaRPr lang="en-US" baseline="0" dirty="0" smtClean="0"/>
+              <a:t>solution to solving challenging controls problems with real time components, and this project is meant to show how a challenging controls problem can be solved using their components.  </a:t>
+            </a:r>
           </a:p>
           <a:p>
             <a:pPr marL="0" marR="0" indent="0" algn="l" defTabSz="914400" rtl="0" eaLnBrk="1" fontAlgn="auto" latinLnBrk="0" hangingPunct="1">
@@ -8157,6 +8401,38 @@
               <a:tabLst/>
               <a:defRPr/>
             </a:pPr>
+            <a:endParaRPr lang="en-US" baseline="0" dirty="0" smtClean="0"/>
+          </a:p>
+          <a:p>
+            <a:pPr marL="0" marR="0" indent="0" algn="l" defTabSz="914400" rtl="0" eaLnBrk="1" fontAlgn="auto" latinLnBrk="0" hangingPunct="1">
+              <a:lnSpc>
+                <a:spcPct val="100000"/>
+              </a:lnSpc>
+              <a:spcBef>
+                <a:spcPts val="0"/>
+              </a:spcBef>
+              <a:spcAft>
+                <a:spcPts val="0"/>
+              </a:spcAft>
+              <a:buClrTx/>
+              <a:buSzTx/>
+              <a:buFontTx/>
+              <a:buNone/>
+              <a:tabLst/>
+              <a:defRPr/>
+            </a:pPr>
+            <a:r>
+              <a:rPr lang="en-US" baseline="0" dirty="0" smtClean="0"/>
+              <a:t>Our task is to develop a self balancing, autonomous unicycle style robot that can withstand disturbances such as light pushing.  It does not have to navigate to a specific point or move at all, it only needs to balance </a:t>
+            </a:r>
+            <a:r>
+              <a:rPr lang="en-US" baseline="0" dirty="0" err="1" smtClean="0"/>
+              <a:t>independantly</a:t>
+            </a:r>
+            <a:r>
+              <a:rPr lang="en-US" baseline="0" dirty="0" smtClean="0"/>
+              <a:t>.</a:t>
+            </a:r>
             <a:endParaRPr lang="en-US" baseline="0" dirty="0" smtClean="0"/>
           </a:p>
           <a:p>
@@ -8580,7 +8856,10 @@
               <a:tabLst/>
               <a:defRPr/>
             </a:pPr>
-            <a:endParaRPr lang="en-US" baseline="0" dirty="0" smtClean="0"/>
+            <a:r>
+              <a:rPr lang="en-US" baseline="0" dirty="0" smtClean="0"/>
+              <a:t>Our basic approach to the project is broken up into 4 stages</a:t>
+            </a:r>
           </a:p>
           <a:p>
             <a:pPr marL="0" marR="0" indent="0" algn="l" defTabSz="914400" rtl="0" eaLnBrk="1" fontAlgn="auto" latinLnBrk="0" hangingPunct="1">
@@ -8600,13 +8879,29 @@
               <a:tabLst/>
               <a:defRPr/>
             </a:pPr>
+            <a:endParaRPr lang="en-US" baseline="0" dirty="0" smtClean="0"/>
+          </a:p>
+          <a:p>
+            <a:pPr marL="0" marR="0" indent="0" algn="l" defTabSz="914400" rtl="0" eaLnBrk="1" fontAlgn="auto" latinLnBrk="0" hangingPunct="1">
+              <a:lnSpc>
+                <a:spcPct val="100000"/>
+              </a:lnSpc>
+              <a:spcBef>
+                <a:spcPts val="0"/>
+              </a:spcBef>
+              <a:spcAft>
+                <a:spcPts val="0"/>
+              </a:spcAft>
+              <a:buClrTx/>
+              <a:buSzTx/>
+              <a:buFontTx/>
+              <a:buNone/>
+              <a:tabLst/>
+              <a:defRPr/>
+            </a:pPr>
             <a:r>
               <a:rPr lang="en-US" baseline="0" dirty="0" smtClean="0"/>
-              <a:t>We </a:t>
-            </a:r>
-            <a:r>
-              <a:rPr lang="en-US" baseline="0" dirty="0" smtClean="0"/>
-              <a:t>will start by modeling the system in the </a:t>
+              <a:t>We will start by modeling the system in the </a:t>
             </a:r>
             <a:r>
               <a:rPr lang="en-US" baseline="0" dirty="0" err="1" smtClean="0"/>
@@ -8614,7 +8909,123 @@
             </a:r>
             <a:r>
               <a:rPr lang="en-US" baseline="0" dirty="0" smtClean="0"/>
-              <a:t> robotics environment simulator, and develop our control algorithms using the simulator.  Then, once we are confident in our control algorithms, we will use the </a:t>
+              <a:t> robotics environment simulator, and </a:t>
+            </a:r>
+            <a:endParaRPr lang="en-US" baseline="0" dirty="0" smtClean="0"/>
+          </a:p>
+          <a:p>
+            <a:pPr marL="0" marR="0" indent="0" algn="l" defTabSz="914400" rtl="0" eaLnBrk="1" fontAlgn="auto" latinLnBrk="0" hangingPunct="1">
+              <a:lnSpc>
+                <a:spcPct val="100000"/>
+              </a:lnSpc>
+              <a:spcBef>
+                <a:spcPts val="0"/>
+              </a:spcBef>
+              <a:spcAft>
+                <a:spcPts val="0"/>
+              </a:spcAft>
+              <a:buClrTx/>
+              <a:buSzTx/>
+              <a:buFontTx/>
+              <a:buNone/>
+              <a:tabLst/>
+              <a:defRPr/>
+            </a:pPr>
+            <a:endParaRPr lang="en-US" baseline="0" dirty="0" smtClean="0"/>
+          </a:p>
+          <a:p>
+            <a:pPr marL="0" marR="0" indent="0" algn="l" defTabSz="914400" rtl="0" eaLnBrk="1" fontAlgn="auto" latinLnBrk="0" hangingPunct="1">
+              <a:lnSpc>
+                <a:spcPct val="100000"/>
+              </a:lnSpc>
+              <a:spcBef>
+                <a:spcPts val="0"/>
+              </a:spcBef>
+              <a:spcAft>
+                <a:spcPts val="0"/>
+              </a:spcAft>
+              <a:buClrTx/>
+              <a:buSzTx/>
+              <a:buFontTx/>
+              <a:buNone/>
+              <a:tabLst/>
+              <a:defRPr/>
+            </a:pPr>
+            <a:r>
+              <a:rPr lang="en-US" baseline="0" dirty="0" smtClean="0"/>
+              <a:t>After we have an accurate model, we will develop </a:t>
+            </a:r>
+            <a:r>
+              <a:rPr lang="en-US" baseline="0" dirty="0" smtClean="0"/>
+              <a:t>our control algorithms </a:t>
+            </a:r>
+            <a:r>
+              <a:rPr lang="en-US" baseline="0" dirty="0" smtClean="0"/>
+              <a:t>within </a:t>
+            </a:r>
+            <a:r>
+              <a:rPr lang="en-US" baseline="0" dirty="0" err="1" smtClean="0"/>
+              <a:t>labview</a:t>
+            </a:r>
+            <a:r>
+              <a:rPr lang="en-US" baseline="0" dirty="0" smtClean="0"/>
+              <a:t> using </a:t>
+            </a:r>
+            <a:r>
+              <a:rPr lang="en-US" baseline="0" dirty="0" smtClean="0"/>
+              <a:t>the simulator.  </a:t>
+            </a:r>
+            <a:endParaRPr lang="en-US" baseline="0" dirty="0" smtClean="0"/>
+          </a:p>
+          <a:p>
+            <a:pPr marL="0" marR="0" indent="0" algn="l" defTabSz="914400" rtl="0" eaLnBrk="1" fontAlgn="auto" latinLnBrk="0" hangingPunct="1">
+              <a:lnSpc>
+                <a:spcPct val="100000"/>
+              </a:lnSpc>
+              <a:spcBef>
+                <a:spcPts val="0"/>
+              </a:spcBef>
+              <a:spcAft>
+                <a:spcPts val="0"/>
+              </a:spcAft>
+              <a:buClrTx/>
+              <a:buSzTx/>
+              <a:buFontTx/>
+              <a:buNone/>
+              <a:tabLst/>
+              <a:defRPr/>
+            </a:pPr>
+            <a:endParaRPr lang="en-US" baseline="0" dirty="0" smtClean="0"/>
+          </a:p>
+          <a:p>
+            <a:pPr marL="0" marR="0" indent="0" algn="l" defTabSz="914400" rtl="0" eaLnBrk="1" fontAlgn="auto" latinLnBrk="0" hangingPunct="1">
+              <a:lnSpc>
+                <a:spcPct val="100000"/>
+              </a:lnSpc>
+              <a:spcBef>
+                <a:spcPts val="0"/>
+              </a:spcBef>
+              <a:spcAft>
+                <a:spcPts val="0"/>
+              </a:spcAft>
+              <a:buClrTx/>
+              <a:buSzTx/>
+              <a:buFontTx/>
+              <a:buNone/>
+              <a:tabLst/>
+              <a:defRPr/>
+            </a:pPr>
+            <a:r>
+              <a:rPr lang="en-US" baseline="0" dirty="0" smtClean="0"/>
+              <a:t>Once </a:t>
+            </a:r>
+            <a:r>
+              <a:rPr lang="en-US" baseline="0" dirty="0" smtClean="0"/>
+              <a:t>we are confident in our control algorithms, we will </a:t>
+            </a:r>
+            <a:r>
+              <a:rPr lang="en-US" baseline="0" dirty="0" smtClean="0"/>
+              <a:t>build a physical robot using a </a:t>
             </a:r>
             <a:r>
               <a:rPr lang="en-US" baseline="0" dirty="0" err="1" smtClean="0"/>
@@ -8622,7 +9033,50 @@
             </a:r>
             <a:r>
               <a:rPr lang="en-US" baseline="0" dirty="0" smtClean="0"/>
-              <a:t> to control our physical robot.</a:t>
+              <a:t> real time controller to control it.</a:t>
+            </a:r>
+          </a:p>
+          <a:p>
+            <a:pPr marL="0" marR="0" indent="0" algn="l" defTabSz="914400" rtl="0" eaLnBrk="1" fontAlgn="auto" latinLnBrk="0" hangingPunct="1">
+              <a:lnSpc>
+                <a:spcPct val="100000"/>
+              </a:lnSpc>
+              <a:spcBef>
+                <a:spcPts val="0"/>
+              </a:spcBef>
+              <a:spcAft>
+                <a:spcPts val="0"/>
+              </a:spcAft>
+              <a:buClrTx/>
+              <a:buSzTx/>
+              <a:buFontTx/>
+              <a:buNone/>
+              <a:tabLst/>
+              <a:defRPr/>
+            </a:pPr>
+            <a:endParaRPr lang="en-US" baseline="0" dirty="0" smtClean="0"/>
+          </a:p>
+          <a:p>
+            <a:pPr marL="0" marR="0" indent="0" algn="l" defTabSz="914400" rtl="0" eaLnBrk="1" fontAlgn="auto" latinLnBrk="0" hangingPunct="1">
+              <a:lnSpc>
+                <a:spcPct val="100000"/>
+              </a:lnSpc>
+              <a:spcBef>
+                <a:spcPts val="0"/>
+              </a:spcBef>
+              <a:spcAft>
+                <a:spcPts val="0"/>
+              </a:spcAft>
+              <a:buClrTx/>
+              <a:buSzTx/>
+              <a:buFontTx/>
+              <a:buNone/>
+              <a:tabLst/>
+              <a:defRPr/>
+            </a:pPr>
+            <a:r>
+              <a:rPr lang="en-US" baseline="0" dirty="0" smtClean="0"/>
+              <a:t>After we have a physical prototype, there will need to be a lot of debugging.  As we can already tell, the simulation environment is great, but may not produce the most accurate models, so there will need to be a lot of time at the end for fine tuning our control algorithms.</a:t>
             </a:r>
             <a:endParaRPr lang="en-US" dirty="0" smtClean="0"/>
           </a:p>
@@ -8773,37 +9227,16 @@
             </a:pPr>
             <a:r>
               <a:rPr lang="en-US" dirty="0" smtClean="0"/>
-              <a:t>Here </a:t>
+              <a:t>Here you can see our project plan.  </a:t>
             </a:r>
             <a:r>
               <a:rPr lang="en-US" dirty="0" smtClean="0"/>
-              <a:t>you can see our project plan.  An</a:t>
+              <a:t>The green line represents</a:t>
             </a:r>
             <a:r>
               <a:rPr lang="en-US" baseline="0" dirty="0" smtClean="0"/>
-              <a:t> important thing to note is how long we are leaving purely for debugging.  We have a good understanding of the problem, and are confident that our solution will work, but one thing that we determined very early was that we would like to have a working version of it before the end of winter quarter to leave plenty of time to tune our control algorithm.  </a:t>
-            </a:r>
-            <a:endParaRPr lang="en-US" dirty="0" smtClean="0"/>
-          </a:p>
-          <a:p>
-            <a:pPr marL="0" marR="0" indent="0" algn="l" defTabSz="914400" rtl="0" eaLnBrk="1" fontAlgn="auto" latinLnBrk="0" hangingPunct="1">
-              <a:lnSpc>
-                <a:spcPct val="100000"/>
-              </a:lnSpc>
-              <a:spcBef>
-                <a:spcPts val="0"/>
-              </a:spcBef>
-              <a:spcAft>
-                <a:spcPts val="0"/>
-              </a:spcAft>
-              <a:buClrTx/>
-              <a:buSzTx/>
-              <a:buFontTx/>
-              <a:buNone/>
-              <a:tabLst/>
-              <a:defRPr/>
-            </a:pPr>
-            <a:endParaRPr lang="en-US" dirty="0"/>
+              <a:t> our current position in the plan, the checkboxes representing what has been accomplished.  The fall has been and will continue to be primarily laying the groundwork for our project.  We would like to have all of our components and make sure that we understand how they work and how to use them effectively.  Then next quarter, we will be able to quickly and efficiently develop a control algorithm and build a physical model that will hopefully result in a working prototype by the end of the quarter.  Then spring quarter is left entirely for debugging and final documentation.</a:t>
+            </a:r>
           </a:p>
         </p:txBody>
       </p:sp>
@@ -12838,11 +13271,7 @@
           <a:p>
             <a:r>
               <a:rPr lang="en-US" sz="2800" dirty="0" smtClean="0"/>
-              <a:t>Project Plan – </a:t>
-            </a:r>
-            <a:r>
-              <a:rPr lang="en-US" sz="2800" dirty="0" smtClean="0"/>
-              <a:t>Structural Components</a:t>
+              <a:t>Project Plan – Structural Components</a:t>
             </a:r>
             <a:endParaRPr lang="en-US" sz="2800" dirty="0"/>
           </a:p>
@@ -13815,11 +14244,6 @@
               </a:rPr>
               <a:t>Modeling</a:t>
             </a:r>
-            <a:endParaRPr lang="en-US" sz="1400" dirty="0" smtClean="0">
-              <a:solidFill>
-                <a:schemeClr val="bg1"/>
-              </a:solidFill>
-            </a:endParaRPr>
           </a:p>
           <a:p>
             <a:r>
@@ -14736,11 +15160,7 @@
           <a:p>
             <a:r>
               <a:rPr lang="en-US" sz="2800" dirty="0" smtClean="0"/>
-              <a:t>Control </a:t>
-            </a:r>
-            <a:r>
-              <a:rPr lang="en-US" sz="2800" dirty="0" smtClean="0"/>
-              <a:t>Strategy</a:t>
+              <a:t>Control Strategy</a:t>
             </a:r>
           </a:p>
         </p:txBody>
@@ -16472,11 +16892,7 @@
           <a:p>
             <a:r>
               <a:rPr lang="en-US" sz="2800" dirty="0" smtClean="0"/>
-              <a:t>Control Strategies </a:t>
-            </a:r>
-            <a:r>
-              <a:rPr lang="en-US" sz="2800" dirty="0" smtClean="0"/>
-              <a:t>– LabVIEW Front Panel Example</a:t>
+              <a:t>Control Strategies – LabVIEW Front Panel Example</a:t>
             </a:r>
             <a:endParaRPr lang="en-US" sz="2800" dirty="0"/>
           </a:p>
@@ -17327,11 +17743,7 @@
           <a:p>
             <a:r>
               <a:rPr lang="en-US" sz="2800" dirty="0" smtClean="0"/>
-              <a:t>Modeling - Proposed </a:t>
-            </a:r>
-            <a:r>
-              <a:rPr lang="en-US" sz="2800" dirty="0" smtClean="0"/>
-              <a:t>Balancing Mechanism</a:t>
+              <a:t>Modeling - Proposed Balancing Mechanism</a:t>
             </a:r>
             <a:endParaRPr lang="en-US" sz="2800" dirty="0"/>
           </a:p>
@@ -20237,13 +20649,13 @@
       </p:sp>
       <p:sp>
         <p:nvSpPr>
-          <p:cNvPr id="11" name="TextBox 10"/>
+          <p:cNvPr id="12" name="TextBox 11"/>
           <p:cNvSpPr txBox="1"/>
           <p:nvPr/>
         </p:nvSpPr>
         <p:spPr>
           <a:xfrm>
-            <a:off x="1066800" y="2891135"/>
+            <a:off x="1066798" y="3198167"/>
             <a:ext cx="8068627" cy="461665"/>
           </a:xfrm>
           <a:prstGeom prst="rect">
@@ -20259,19 +20671,19 @@
           <a:p>
             <a:r>
               <a:rPr lang="en-US" sz="2400" b="1" dirty="0" smtClean="0"/>
-              <a:t>STAGE 2</a:t>
+              <a:t>STAGE </a:t>
+            </a:r>
+            <a:r>
+              <a:rPr lang="en-US" sz="2400" b="1" dirty="0" smtClean="0"/>
+              <a:t>2</a:t>
             </a:r>
             <a:r>
               <a:rPr lang="en-US" sz="2400" dirty="0" smtClean="0"/>
-              <a:t>: NI </a:t>
-            </a:r>
-            <a:r>
-              <a:rPr lang="en-US" sz="2400" dirty="0" err="1" smtClean="0"/>
-              <a:t>CompactRIO</a:t>
+              <a:t>: </a:t>
             </a:r>
             <a:r>
               <a:rPr lang="en-US" sz="2400" dirty="0" smtClean="0"/>
-              <a:t> Real-Time Controller</a:t>
+              <a:t>State Space Control Design</a:t>
             </a:r>
             <a:endParaRPr lang="en-US" sz="2400" dirty="0"/>
           </a:p>
@@ -20279,13 +20691,13 @@
       </p:sp>
       <p:sp>
         <p:nvSpPr>
-          <p:cNvPr id="12" name="TextBox 11"/>
+          <p:cNvPr id="13" name="TextBox 12"/>
           <p:cNvSpPr txBox="1"/>
           <p:nvPr/>
         </p:nvSpPr>
         <p:spPr>
           <a:xfrm>
-            <a:off x="1066800" y="3881735"/>
+            <a:off x="1066800" y="4410669"/>
             <a:ext cx="8068627" cy="461665"/>
           </a:xfrm>
           <a:prstGeom prst="rect">
@@ -20301,11 +20713,27 @@
           <a:p>
             <a:r>
               <a:rPr lang="en-US" sz="2400" b="1" dirty="0" smtClean="0"/>
-              <a:t>STAGE 3</a:t>
+              <a:t>STAGE </a:t>
+            </a:r>
+            <a:r>
+              <a:rPr lang="en-US" sz="2400" b="1" dirty="0" smtClean="0"/>
+              <a:t>3</a:t>
             </a:r>
             <a:r>
               <a:rPr lang="en-US" sz="2400" dirty="0" smtClean="0"/>
-              <a:t>: State Space Control Design</a:t>
+              <a:t>: </a:t>
+            </a:r>
+            <a:r>
+              <a:rPr lang="en-US" sz="2400" dirty="0"/>
+              <a:t>NI </a:t>
+            </a:r>
+            <a:r>
+              <a:rPr lang="en-US" sz="2400" dirty="0" err="1"/>
+              <a:t>CompactRIO</a:t>
+            </a:r>
+            <a:r>
+              <a:rPr lang="en-US" sz="2400" dirty="0"/>
+              <a:t> Real-Time Controller</a:t>
             </a:r>
             <a:endParaRPr lang="en-US" sz="2400" dirty="0"/>
           </a:p>
@@ -20313,13 +20741,13 @@
       </p:sp>
       <p:sp>
         <p:nvSpPr>
-          <p:cNvPr id="13" name="TextBox 12"/>
+          <p:cNvPr id="14" name="TextBox 13"/>
           <p:cNvSpPr txBox="1"/>
           <p:nvPr/>
         </p:nvSpPr>
         <p:spPr>
           <a:xfrm>
-            <a:off x="1066800" y="4872335"/>
+            <a:off x="1066800" y="5715000"/>
             <a:ext cx="8068627" cy="461665"/>
           </a:xfrm>
           <a:prstGeom prst="rect">
@@ -20335,45 +20763,19 @@
           <a:p>
             <a:r>
               <a:rPr lang="en-US" sz="2400" b="1" dirty="0" smtClean="0"/>
-              <a:t>STAGE 4</a:t>
+              <a:t>STAGE </a:t>
+            </a:r>
+            <a:r>
+              <a:rPr lang="en-US" sz="2400" b="1" dirty="0" smtClean="0"/>
+              <a:t>4</a:t>
             </a:r>
             <a:r>
               <a:rPr lang="en-US" sz="2400" dirty="0" smtClean="0"/>
-              <a:t>: Robot Construction</a:t>
-            </a:r>
-            <a:endParaRPr lang="en-US" sz="2400" dirty="0"/>
-          </a:p>
-        </p:txBody>
-      </p:sp>
-      <p:sp>
-        <p:nvSpPr>
-          <p:cNvPr id="14" name="TextBox 13"/>
-          <p:cNvSpPr txBox="1"/>
-          <p:nvPr/>
-        </p:nvSpPr>
-        <p:spPr>
-          <a:xfrm>
-            <a:off x="1066800" y="5791200"/>
-            <a:ext cx="8068627" cy="461665"/>
-          </a:xfrm>
-          <a:prstGeom prst="rect">
-            <a:avLst/>
-          </a:prstGeom>
-          <a:noFill/>
-        </p:spPr>
-        <p:txBody>
-          <a:bodyPr wrap="square" rtlCol="0">
-            <a:spAutoFit/>
-          </a:bodyPr>
-          <a:lstStyle/>
-          <a:p>
-            <a:r>
-              <a:rPr lang="en-US" sz="2400" b="1" dirty="0" smtClean="0"/>
-              <a:t>STAGE 5</a:t>
+              <a:t>: </a:t>
             </a:r>
             <a:r>
               <a:rPr lang="en-US" sz="2400" dirty="0" smtClean="0"/>
-              <a:t>: Integration &amp; Debugging</a:t>
+              <a:t>Integration &amp; Debugging</a:t>
             </a:r>
             <a:endParaRPr lang="en-US" sz="2400" dirty="0"/>
           </a:p>
@@ -20468,7 +20870,7 @@
                                           </p:stCondLst>
                                         </p:cTn>
                                         <p:tgtEl>
-                                          <p:spTgt spid="11"/>
+                                          <p:spTgt spid="12"/>
                                         </p:tgtEl>
                                         <p:attrNameLst>
                                           <p:attrName>style.visibility</p:attrName>
@@ -20513,7 +20915,7 @@
                                           </p:stCondLst>
                                         </p:cTn>
                                         <p:tgtEl>
-                                          <p:spTgt spid="12"/>
+                                          <p:spTgt spid="13"/>
                                         </p:tgtEl>
                                         <p:attrNameLst>
                                           <p:attrName>style.visibility</p:attrName>
@@ -20553,51 +20955,6 @@
                                     <p:set>
                                       <p:cBhvr>
                                         <p:cTn id="18" dur="1" fill="hold">
-                                          <p:stCondLst>
-                                            <p:cond delay="0"/>
-                                          </p:stCondLst>
-                                        </p:cTn>
-                                        <p:tgtEl>
-                                          <p:spTgt spid="13"/>
-                                        </p:tgtEl>
-                                        <p:attrNameLst>
-                                          <p:attrName>style.visibility</p:attrName>
-                                        </p:attrNameLst>
-                                      </p:cBhvr>
-                                      <p:to>
-                                        <p:strVal val="visible"/>
-                                      </p:to>
-                                    </p:set>
-                                  </p:childTnLst>
-                                </p:cTn>
-                              </p:par>
-                            </p:childTnLst>
-                          </p:cTn>
-                        </p:par>
-                      </p:childTnLst>
-                    </p:cTn>
-                  </p:par>
-                  <p:par>
-                    <p:cTn id="19" fill="hold">
-                      <p:stCondLst>
-                        <p:cond delay="indefinite"/>
-                      </p:stCondLst>
-                      <p:childTnLst>
-                        <p:par>
-                          <p:cTn id="20" fill="hold">
-                            <p:stCondLst>
-                              <p:cond delay="0"/>
-                            </p:stCondLst>
-                            <p:childTnLst>
-                              <p:par>
-                                <p:cTn id="21" presetID="1" presetClass="entr" presetSubtype="0" fill="hold" grpId="0" nodeType="clickEffect">
-                                  <p:stCondLst>
-                                    <p:cond delay="0"/>
-                                  </p:stCondLst>
-                                  <p:childTnLst>
-                                    <p:set>
-                                      <p:cBhvr>
-                                        <p:cTn id="22" dur="1" fill="hold">
                                           <p:stCondLst>
                                             <p:cond delay="0"/>
                                           </p:stCondLst>
@@ -20645,7 +21002,6 @@
     </p:tnLst>
     <p:bldLst>
       <p:bldP spid="10" grpId="0"/>
-      <p:bldP spid="11" grpId="0"/>
       <p:bldP spid="12" grpId="0"/>
       <p:bldP spid="13" grpId="0"/>
       <p:bldP spid="14" grpId="0"/>
@@ -22270,70 +22626,6 @@
           </a:p>
         </p:txBody>
       </p:sp>
-      <p:pic>
-        <p:nvPicPr>
-          <p:cNvPr id="2050" name="Picture 2"/>
-          <p:cNvPicPr>
-            <a:picLocks noChangeAspect="1" noChangeArrowheads="1"/>
-          </p:cNvPicPr>
-          <p:nvPr/>
-        </p:nvPicPr>
-        <p:blipFill>
-          <a:blip r:embed="rId4">
-            <a:extLst>
-              <a:ext uri="{28A0092B-C50C-407E-A947-70E740481C1C}">
-                <a14:useLocalDpi xmlns:a14="http://schemas.microsoft.com/office/drawing/2010/main" val="0"/>
-              </a:ext>
-            </a:extLst>
-          </a:blip>
-          <a:srcRect/>
-          <a:stretch>
-            <a:fillRect/>
-          </a:stretch>
-        </p:blipFill>
-        <p:spPr bwMode="auto">
-          <a:xfrm>
-            <a:off x="304800" y="1447800"/>
-            <a:ext cx="8686800" cy="5102225"/>
-          </a:xfrm>
-          <a:prstGeom prst="rect">
-            <a:avLst/>
-          </a:prstGeom>
-          <a:noFill/>
-          <a:ln>
-            <a:noFill/>
-          </a:ln>
-          <a:effectLst/>
-          <a:extLst>
-            <a:ext uri="{909E8E84-426E-40DD-AFC4-6F175D3DCCD1}">
-              <a14:hiddenFill xmlns:a14="http://schemas.microsoft.com/office/drawing/2010/main">
-                <a:solidFill>
-                  <a:schemeClr val="accent1"/>
-                </a:solidFill>
-              </a14:hiddenFill>
-            </a:ext>
-            <a:ext uri="{91240B29-F687-4F45-9708-019B960494DF}">
-              <a14:hiddenLine xmlns:a14="http://schemas.microsoft.com/office/drawing/2010/main" w="9525">
-                <a:solidFill>
-                  <a:schemeClr val="tx1"/>
-                </a:solidFill>
-                <a:miter lim="800000"/>
-                <a:headEnd/>
-                <a:tailEnd/>
-              </a14:hiddenLine>
-            </a:ext>
-            <a:ext uri="{AF507438-7753-43E0-B8FC-AC1667EBCBE1}">
-              <a14:hiddenEffects xmlns:a14="http://schemas.microsoft.com/office/drawing/2010/main">
-                <a:effectLst>
-                  <a:outerShdw dist="35921" dir="2700000" algn="ctr" rotWithShape="0">
-                    <a:schemeClr val="bg2"/>
-                  </a:outerShdw>
-                </a:effectLst>
-              </a14:hiddenEffects>
-            </a:ext>
-          </a:extLst>
-        </p:spPr>
-      </p:pic>
       <p:sp>
         <p:nvSpPr>
           <p:cNvPr id="3" name="TextBox 2"/>
@@ -22364,6 +22656,54 @@
           </a:p>
         </p:txBody>
       </p:sp>
+      <p:graphicFrame>
+        <p:nvGraphicFramePr>
+          <p:cNvPr id="11" name="Chart 10"/>
+          <p:cNvGraphicFramePr>
+            <a:graphicFrameLocks/>
+          </p:cNvGraphicFramePr>
+          <p:nvPr>
+            <p:extLst>
+              <p:ext uri="{D42A27DB-BD31-4B8C-83A1-F6EECF244321}">
+                <p14:modId xmlns:p14="http://schemas.microsoft.com/office/powerpoint/2010/main" val="3975073617"/>
+              </p:ext>
+            </p:extLst>
+          </p:nvPr>
+        </p:nvGraphicFramePr>
+        <p:xfrm>
+          <a:off x="601028" y="1641677"/>
+          <a:ext cx="8534399" cy="4724400"/>
+        </p:xfrm>
+        <a:graphic>
+          <a:graphicData uri="http://schemas.openxmlformats.org/drawingml/2006/chart">
+            <c:chart xmlns:c="http://schemas.openxmlformats.org/drawingml/2006/chart" xmlns:r="http://schemas.openxmlformats.org/officeDocument/2006/relationships" r:id="rId4"/>
+          </a:graphicData>
+        </a:graphic>
+      </p:graphicFrame>
+      <p:graphicFrame>
+        <p:nvGraphicFramePr>
+          <p:cNvPr id="14" name="Chart 13"/>
+          <p:cNvGraphicFramePr>
+            <a:graphicFrameLocks/>
+          </p:cNvGraphicFramePr>
+          <p:nvPr>
+            <p:extLst>
+              <p:ext uri="{D42A27DB-BD31-4B8C-83A1-F6EECF244321}">
+                <p14:modId xmlns:p14="http://schemas.microsoft.com/office/powerpoint/2010/main" val="3059565832"/>
+              </p:ext>
+            </p:extLst>
+          </p:nvPr>
+        </p:nvGraphicFramePr>
+        <p:xfrm>
+          <a:off x="1295400" y="1647855"/>
+          <a:ext cx="7086600" cy="4718222"/>
+        </p:xfrm>
+        <a:graphic>
+          <a:graphicData uri="http://schemas.openxmlformats.org/drawingml/2006/chart">
+            <c:chart xmlns:c="http://schemas.openxmlformats.org/drawingml/2006/chart" xmlns:r="http://schemas.openxmlformats.org/officeDocument/2006/relationships" r:id="rId5"/>
+          </a:graphicData>
+        </a:graphic>
+      </p:graphicFrame>
     </p:spTree>
     <p:extLst>
       <p:ext uri="{BB962C8B-B14F-4D97-AF65-F5344CB8AC3E}">
@@ -22377,9 +22717,120 @@
   <p:timing>
     <p:tnLst>
       <p:par>
-        <p:cTn id="1" dur="indefinite" restart="never" nodeType="tmRoot"/>
+        <p:cTn id="1" dur="indefinite" restart="never" nodeType="tmRoot">
+          <p:childTnLst>
+            <p:seq concurrent="1" nextAc="seek">
+              <p:cTn id="2" dur="indefinite" nodeType="mainSeq">
+                <p:childTnLst>
+                  <p:par>
+                    <p:cTn id="3" fill="hold">
+                      <p:stCondLst>
+                        <p:cond delay="indefinite"/>
+                      </p:stCondLst>
+                      <p:childTnLst>
+                        <p:par>
+                          <p:cTn id="4" fill="hold">
+                            <p:stCondLst>
+                              <p:cond delay="0"/>
+                            </p:stCondLst>
+                            <p:childTnLst>
+                              <p:par>
+                                <p:cTn id="5" presetID="1" presetClass="exit" presetSubtype="0" fill="hold" grpId="0" nodeType="clickEffect">
+                                  <p:stCondLst>
+                                    <p:cond delay="0"/>
+                                  </p:stCondLst>
+                                  <p:childTnLst>
+                                    <p:set>
+                                      <p:cBhvr>
+                                        <p:cTn id="6" dur="1" fill="hold">
+                                          <p:stCondLst>
+                                            <p:cond delay="0"/>
+                                          </p:stCondLst>
+                                        </p:cTn>
+                                        <p:tgtEl>
+                                          <p:spTgt spid="11"/>
+                                        </p:tgtEl>
+                                        <p:attrNameLst>
+                                          <p:attrName>style.visibility</p:attrName>
+                                        </p:attrNameLst>
+                                      </p:cBhvr>
+                                      <p:to>
+                                        <p:strVal val="hidden"/>
+                                      </p:to>
+                                    </p:set>
+                                  </p:childTnLst>
+                                </p:cTn>
+                              </p:par>
+                              <p:par>
+                                <p:cTn id="7" presetID="10" presetClass="entr" presetSubtype="0" fill="hold" grpId="0" nodeType="withEffect">
+                                  <p:stCondLst>
+                                    <p:cond delay="0"/>
+                                  </p:stCondLst>
+                                  <p:childTnLst>
+                                    <p:set>
+                                      <p:cBhvr>
+                                        <p:cTn id="8" dur="1" fill="hold">
+                                          <p:stCondLst>
+                                            <p:cond delay="0"/>
+                                          </p:stCondLst>
+                                        </p:cTn>
+                                        <p:tgtEl>
+                                          <p:spTgt spid="14"/>
+                                        </p:tgtEl>
+                                        <p:attrNameLst>
+                                          <p:attrName>style.visibility</p:attrName>
+                                        </p:attrNameLst>
+                                      </p:cBhvr>
+                                      <p:to>
+                                        <p:strVal val="visible"/>
+                                      </p:to>
+                                    </p:set>
+                                    <p:animEffect transition="in" filter="fade">
+                                      <p:cBhvr>
+                                        <p:cTn id="9" dur="500"/>
+                                        <p:tgtEl>
+                                          <p:spTgt spid="14"/>
+                                        </p:tgtEl>
+                                      </p:cBhvr>
+                                    </p:animEffect>
+                                  </p:childTnLst>
+                                </p:cTn>
+                              </p:par>
+                            </p:childTnLst>
+                          </p:cTn>
+                        </p:par>
+                      </p:childTnLst>
+                    </p:cTn>
+                  </p:par>
+                </p:childTnLst>
+              </p:cTn>
+              <p:prevCondLst>
+                <p:cond evt="onPrev" delay="0">
+                  <p:tgtEl>
+                    <p:sldTgt/>
+                  </p:tgtEl>
+                </p:cond>
+              </p:prevCondLst>
+              <p:nextCondLst>
+                <p:cond evt="onNext" delay="0">
+                  <p:tgtEl>
+                    <p:sldTgt/>
+                  </p:tgtEl>
+                </p:cond>
+              </p:nextCondLst>
+            </p:seq>
+          </p:childTnLst>
+        </p:cTn>
       </p:par>
     </p:tnLst>
+    <p:bldLst>
+      <p:bldGraphic spid="11" grpId="0">
+        <p:bldAsOne/>
+      </p:bldGraphic>
+      <p:bldGraphic spid="14" grpId="0">
+        <p:bldAsOne/>
+      </p:bldGraphic>
+    </p:bldLst>
   </p:timing>
 </p:sld>
 </file>
@@ -22634,7 +23085,11 @@
           <a:p>
             <a:r>
               <a:rPr lang="en-US" sz="2800" dirty="0" smtClean="0"/>
-              <a:t>Project Plan – Critical Parts</a:t>
+              <a:t>Project Plan – </a:t>
+            </a:r>
+            <a:r>
+              <a:rPr lang="en-US" sz="2800" dirty="0" smtClean="0"/>
+              <a:t>Electrical Components</a:t>
             </a:r>
             <a:endParaRPr lang="en-US" sz="2800" dirty="0"/>
           </a:p>

--- a/Documentation/Design Reviews/Design Review 1.pptx
+++ b/Documentation/Design Reviews/Design Review 1.pptx
@@ -1669,30 +1669,30 @@
     </dgm:pt>
   </dgm:ptLst>
   <dgm:cxnLst>
+    <dgm:cxn modelId="{86581E74-C593-4A2D-BD5E-CE1BC5CC7E25}" srcId="{20BE8E71-F497-468A-8BCF-867CD172525E}" destId="{8F9A3036-4F59-4DA9-BC69-9C65CC5FF756}" srcOrd="2" destOrd="0" parTransId="{2CAD2807-D227-4017-ADAE-4A618EC18CA1}" sibTransId="{37768D46-5764-48A9-B061-92B3238D2032}"/>
+    <dgm:cxn modelId="{26F7855D-5015-4F58-ADC8-48ABC6F68CC6}" type="presOf" srcId="{CDB2F97C-D222-4B7B-AD17-9B1FCACAE65F}" destId="{946220FF-E030-4205-92BF-46A67B7F2879}" srcOrd="0" destOrd="0" presId="urn:microsoft.com/office/officeart/2008/layout/RadialCluster"/>
     <dgm:cxn modelId="{3315D23B-2CFF-4564-8C5B-949FBD8DF287}" type="presOf" srcId="{4C1B39BF-F010-4321-A742-3FBC32925276}" destId="{47177BF1-5F2D-48EF-8497-21FE3FD9FE79}" srcOrd="0" destOrd="0" presId="urn:microsoft.com/office/officeart/2008/layout/RadialCluster"/>
+    <dgm:cxn modelId="{6A2E968B-2B00-4302-9A51-BA269571DA50}" type="presOf" srcId="{8E16C110-46DD-418E-B68B-41176C7363CB}" destId="{0B933785-8F10-4908-A031-95865622E3A9}" srcOrd="0" destOrd="0" presId="urn:microsoft.com/office/officeart/2008/layout/RadialCluster"/>
+    <dgm:cxn modelId="{0BB6BE93-6D07-4673-BD6D-65D3ADF9CEC3}" type="presOf" srcId="{2F4CBA2C-CAAA-42CF-B78F-87DEEF1B277A}" destId="{F3FFE5E4-1BC0-4B54-81AE-AA579CAF2653}" srcOrd="0" destOrd="0" presId="urn:microsoft.com/office/officeart/2008/layout/RadialCluster"/>
+    <dgm:cxn modelId="{A3229B7A-98F5-4A02-B1BC-20C1B2FD93E3}" srcId="{20BE8E71-F497-468A-8BCF-867CD172525E}" destId="{CDB2F97C-D222-4B7B-AD17-9B1FCACAE65F}" srcOrd="5" destOrd="0" parTransId="{6D930E7D-F4CB-4AC6-8B6C-E671E00D2CDA}" sibTransId="{3DB89215-6E3B-42AE-A1CB-3027719161AB}"/>
+    <dgm:cxn modelId="{CBD0D219-0D1F-4AD5-9833-EB8FF4BB68DE}" type="presOf" srcId="{A582B7BA-4838-4A95-B337-9DB7268116E5}" destId="{6A9A5629-B80C-4D13-8A9A-8E0030CA29C6}" srcOrd="0" destOrd="0" presId="urn:microsoft.com/office/officeart/2008/layout/RadialCluster"/>
     <dgm:cxn modelId="{93F051FE-4DAD-4282-B99F-B0F7FF420B95}" srcId="{20BE8E71-F497-468A-8BCF-867CD172525E}" destId="{73692DD7-5A4E-48BB-B470-C5A4DA4EC749}" srcOrd="4" destOrd="0" parTransId="{8E16C110-46DD-418E-B68B-41176C7363CB}" sibTransId="{F993AD63-E991-4E38-8297-04B334507A7E}"/>
+    <dgm:cxn modelId="{F93764F6-6CF4-486A-B088-61AFCBE74DDC}" type="presOf" srcId="{4231E3A6-8236-41B8-8CD9-63D77671A4C8}" destId="{FB5C7847-0F50-42C0-A98F-6F92FFC53D0B}" srcOrd="0" destOrd="0" presId="urn:microsoft.com/office/officeart/2008/layout/RadialCluster"/>
+    <dgm:cxn modelId="{8C68F102-B0A2-4886-87E1-F9FB7D1B138B}" srcId="{20BE8E71-F497-468A-8BCF-867CD172525E}" destId="{BD98ED33-66DC-415F-9A6F-2546BAAF3B3D}" srcOrd="1" destOrd="0" parTransId="{14D5249F-26A5-4564-AB2D-600D54F71173}" sibTransId="{33D01D21-955E-4F24-A18E-4041C0D6DE2B}"/>
     <dgm:cxn modelId="{9801DC9E-87CA-482B-BEFD-C61AA9E8153B}" type="presOf" srcId="{8F9A3036-4F59-4DA9-BC69-9C65CC5FF756}" destId="{4F1D4343-F068-4E09-A4D6-84538D008E3A}" srcOrd="0" destOrd="0" presId="urn:microsoft.com/office/officeart/2008/layout/RadialCluster"/>
+    <dgm:cxn modelId="{592CB8F0-757C-454F-820C-9ECAD0BA8C6C}" type="presOf" srcId="{23159B30-BD23-4DDD-8C73-F4E0AA557D76}" destId="{52F0F047-BCCC-42EF-9CAE-76E3CB0C88BA}" srcOrd="0" destOrd="0" presId="urn:microsoft.com/office/officeart/2008/layout/RadialCluster"/>
     <dgm:cxn modelId="{C2859883-5757-46E9-8E4F-5E8DE07FE54E}" srcId="{20BE8E71-F497-468A-8BCF-867CD172525E}" destId="{4C1B39BF-F010-4321-A742-3FBC32925276}" srcOrd="6" destOrd="0" parTransId="{4231E3A6-8236-41B8-8CD9-63D77671A4C8}" sibTransId="{5200D3A7-3CAD-44FB-B8C1-9407EA7D36E6}"/>
+    <dgm:cxn modelId="{122508DC-A576-4A03-83E4-985FEF1A8B82}" srcId="{20BE8E71-F497-468A-8BCF-867CD172525E}" destId="{A582B7BA-4838-4A95-B337-9DB7268116E5}" srcOrd="3" destOrd="0" parTransId="{36786B02-748A-4748-B2D4-5874F7413149}" sibTransId="{4C297DF1-AEBE-4A83-A484-A60056753F8A}"/>
+    <dgm:cxn modelId="{C5384FD1-877F-4593-8247-FA395F924F75}" type="presOf" srcId="{14D5249F-26A5-4564-AB2D-600D54F71173}" destId="{B84AF4A8-3947-45EA-8993-17FEB967E4E7}" srcOrd="0" destOrd="0" presId="urn:microsoft.com/office/officeart/2008/layout/RadialCluster"/>
     <dgm:cxn modelId="{37D790B7-A6B2-486C-AC56-3F127FDFC93D}" type="presOf" srcId="{2CAD2807-D227-4017-ADAE-4A618EC18CA1}" destId="{3C9F8E07-2750-4F18-8439-C39435BC2A48}" srcOrd="0" destOrd="0" presId="urn:microsoft.com/office/officeart/2008/layout/RadialCluster"/>
-    <dgm:cxn modelId="{CBD0D219-0D1F-4AD5-9833-EB8FF4BB68DE}" type="presOf" srcId="{A582B7BA-4838-4A95-B337-9DB7268116E5}" destId="{6A9A5629-B80C-4D13-8A9A-8E0030CA29C6}" srcOrd="0" destOrd="0" presId="urn:microsoft.com/office/officeart/2008/layout/RadialCluster"/>
     <dgm:cxn modelId="{84A1FB9D-2A24-4CE0-84DB-F1DA371028CC}" srcId="{2F4CBA2C-CAAA-42CF-B78F-87DEEF1B277A}" destId="{20BE8E71-F497-468A-8BCF-867CD172525E}" srcOrd="0" destOrd="0" parTransId="{10E7CD52-C70D-4B0D-BA73-39E7D6E0C441}" sibTransId="{C709E9FE-A76B-44F6-BBD4-8043D15198BD}"/>
-    <dgm:cxn modelId="{A3229B7A-98F5-4A02-B1BC-20C1B2FD93E3}" srcId="{20BE8E71-F497-468A-8BCF-867CD172525E}" destId="{CDB2F97C-D222-4B7B-AD17-9B1FCACAE65F}" srcOrd="5" destOrd="0" parTransId="{6D930E7D-F4CB-4AC6-8B6C-E671E00D2CDA}" sibTransId="{3DB89215-6E3B-42AE-A1CB-3027719161AB}"/>
+    <dgm:cxn modelId="{CB4208AA-8711-4B6B-B368-C5B8083D375F}" type="presOf" srcId="{6D930E7D-F4CB-4AC6-8B6C-E671E00D2CDA}" destId="{B5E74FB8-825C-4828-9A1C-A241752DC65C}" srcOrd="0" destOrd="0" presId="urn:microsoft.com/office/officeart/2008/layout/RadialCluster"/>
+    <dgm:cxn modelId="{0E26857C-86C4-4BCD-9F66-26E63A1CA80C}" type="presOf" srcId="{BD98ED33-66DC-415F-9A6F-2546BAAF3B3D}" destId="{323636B3-28E9-4D84-9B24-4CA99FA81ACE}" srcOrd="0" destOrd="0" presId="urn:microsoft.com/office/officeart/2008/layout/RadialCluster"/>
+    <dgm:cxn modelId="{61CD37EC-E091-4684-BA08-16DEF43099BB}" type="presOf" srcId="{7EA5189C-8A82-4E31-B8DE-1A2F0B8D4C54}" destId="{C2CB6F57-0576-413F-A293-A0E78B21B9F8}" srcOrd="0" destOrd="0" presId="urn:microsoft.com/office/officeart/2008/layout/RadialCluster"/>
+    <dgm:cxn modelId="{985F22C7-0E7D-42A9-953C-A246EBC99718}" srcId="{20BE8E71-F497-468A-8BCF-867CD172525E}" destId="{23159B30-BD23-4DDD-8C73-F4E0AA557D76}" srcOrd="0" destOrd="0" parTransId="{7EA5189C-8A82-4E31-B8DE-1A2F0B8D4C54}" sibTransId="{F4542481-DB3E-488C-ACCA-3E4EB5875099}"/>
+    <dgm:cxn modelId="{137A4AF1-06F5-4D8A-8F96-21F19B99C142}" type="presOf" srcId="{73692DD7-5A4E-48BB-B470-C5A4DA4EC749}" destId="{42C18C40-B4AA-446C-B562-40C2969136A5}" srcOrd="0" destOrd="0" presId="urn:microsoft.com/office/officeart/2008/layout/RadialCluster"/>
     <dgm:cxn modelId="{687A8EDA-2547-4B66-A2DF-5F77F1D17C87}" type="presOf" srcId="{20BE8E71-F497-468A-8BCF-867CD172525E}" destId="{EA7B28CB-2911-4779-869A-AEC78C5F1671}" srcOrd="0" destOrd="0" presId="urn:microsoft.com/office/officeart/2008/layout/RadialCluster"/>
-    <dgm:cxn modelId="{0BB6BE93-6D07-4673-BD6D-65D3ADF9CEC3}" type="presOf" srcId="{2F4CBA2C-CAAA-42CF-B78F-87DEEF1B277A}" destId="{F3FFE5E4-1BC0-4B54-81AE-AA579CAF2653}" srcOrd="0" destOrd="0" presId="urn:microsoft.com/office/officeart/2008/layout/RadialCluster"/>
-    <dgm:cxn modelId="{8C68F102-B0A2-4886-87E1-F9FB7D1B138B}" srcId="{20BE8E71-F497-468A-8BCF-867CD172525E}" destId="{BD98ED33-66DC-415F-9A6F-2546BAAF3B3D}" srcOrd="1" destOrd="0" parTransId="{14D5249F-26A5-4564-AB2D-600D54F71173}" sibTransId="{33D01D21-955E-4F24-A18E-4041C0D6DE2B}"/>
-    <dgm:cxn modelId="{86581E74-C593-4A2D-BD5E-CE1BC5CC7E25}" srcId="{20BE8E71-F497-468A-8BCF-867CD172525E}" destId="{8F9A3036-4F59-4DA9-BC69-9C65CC5FF756}" srcOrd="2" destOrd="0" parTransId="{2CAD2807-D227-4017-ADAE-4A618EC18CA1}" sibTransId="{37768D46-5764-48A9-B061-92B3238D2032}"/>
-    <dgm:cxn modelId="{592CB8F0-757C-454F-820C-9ECAD0BA8C6C}" type="presOf" srcId="{23159B30-BD23-4DDD-8C73-F4E0AA557D76}" destId="{52F0F047-BCCC-42EF-9CAE-76E3CB0C88BA}" srcOrd="0" destOrd="0" presId="urn:microsoft.com/office/officeart/2008/layout/RadialCluster"/>
-    <dgm:cxn modelId="{985F22C7-0E7D-42A9-953C-A246EBC99718}" srcId="{20BE8E71-F497-468A-8BCF-867CD172525E}" destId="{23159B30-BD23-4DDD-8C73-F4E0AA557D76}" srcOrd="0" destOrd="0" parTransId="{7EA5189C-8A82-4E31-B8DE-1A2F0B8D4C54}" sibTransId="{F4542481-DB3E-488C-ACCA-3E4EB5875099}"/>
-    <dgm:cxn modelId="{0E26857C-86C4-4BCD-9F66-26E63A1CA80C}" type="presOf" srcId="{BD98ED33-66DC-415F-9A6F-2546BAAF3B3D}" destId="{323636B3-28E9-4D84-9B24-4CA99FA81ACE}" srcOrd="0" destOrd="0" presId="urn:microsoft.com/office/officeart/2008/layout/RadialCluster"/>
     <dgm:cxn modelId="{9AA18266-4943-45ED-A460-D5F91AC5B52E}" type="presOf" srcId="{36786B02-748A-4748-B2D4-5874F7413149}" destId="{F3A44B51-B4D8-4EB5-89F7-4849638C9113}" srcOrd="0" destOrd="0" presId="urn:microsoft.com/office/officeart/2008/layout/RadialCluster"/>
-    <dgm:cxn modelId="{C5384FD1-877F-4593-8247-FA395F924F75}" type="presOf" srcId="{14D5249F-26A5-4564-AB2D-600D54F71173}" destId="{B84AF4A8-3947-45EA-8993-17FEB967E4E7}" srcOrd="0" destOrd="0" presId="urn:microsoft.com/office/officeart/2008/layout/RadialCluster"/>
-    <dgm:cxn modelId="{6A2E968B-2B00-4302-9A51-BA269571DA50}" type="presOf" srcId="{8E16C110-46DD-418E-B68B-41176C7363CB}" destId="{0B933785-8F10-4908-A031-95865622E3A9}" srcOrd="0" destOrd="0" presId="urn:microsoft.com/office/officeart/2008/layout/RadialCluster"/>
-    <dgm:cxn modelId="{122508DC-A576-4A03-83E4-985FEF1A8B82}" srcId="{20BE8E71-F497-468A-8BCF-867CD172525E}" destId="{A582B7BA-4838-4A95-B337-9DB7268116E5}" srcOrd="3" destOrd="0" parTransId="{36786B02-748A-4748-B2D4-5874F7413149}" sibTransId="{4C297DF1-AEBE-4A83-A484-A60056753F8A}"/>
-    <dgm:cxn modelId="{F93764F6-6CF4-486A-B088-61AFCBE74DDC}" type="presOf" srcId="{4231E3A6-8236-41B8-8CD9-63D77671A4C8}" destId="{FB5C7847-0F50-42C0-A98F-6F92FFC53D0B}" srcOrd="0" destOrd="0" presId="urn:microsoft.com/office/officeart/2008/layout/RadialCluster"/>
-    <dgm:cxn modelId="{26F7855D-5015-4F58-ADC8-48ABC6F68CC6}" type="presOf" srcId="{CDB2F97C-D222-4B7B-AD17-9B1FCACAE65F}" destId="{946220FF-E030-4205-92BF-46A67B7F2879}" srcOrd="0" destOrd="0" presId="urn:microsoft.com/office/officeart/2008/layout/RadialCluster"/>
-    <dgm:cxn modelId="{CB4208AA-8711-4B6B-B368-C5B8083D375F}" type="presOf" srcId="{6D930E7D-F4CB-4AC6-8B6C-E671E00D2CDA}" destId="{B5E74FB8-825C-4828-9A1C-A241752DC65C}" srcOrd="0" destOrd="0" presId="urn:microsoft.com/office/officeart/2008/layout/RadialCluster"/>
-    <dgm:cxn modelId="{61CD37EC-E091-4684-BA08-16DEF43099BB}" type="presOf" srcId="{7EA5189C-8A82-4E31-B8DE-1A2F0B8D4C54}" destId="{C2CB6F57-0576-413F-A293-A0E78B21B9F8}" srcOrd="0" destOrd="0" presId="urn:microsoft.com/office/officeart/2008/layout/RadialCluster"/>
-    <dgm:cxn modelId="{137A4AF1-06F5-4D8A-8F96-21F19B99C142}" type="presOf" srcId="{73692DD7-5A4E-48BB-B470-C5A4DA4EC749}" destId="{42C18C40-B4AA-446C-B562-40C2969136A5}" srcOrd="0" destOrd="0" presId="urn:microsoft.com/office/officeart/2008/layout/RadialCluster"/>
     <dgm:cxn modelId="{BFFCAA7A-7A50-4032-9C89-D6620E9AD265}" type="presParOf" srcId="{F3FFE5E4-1BC0-4B54-81AE-AA579CAF2653}" destId="{B22068D3-DDED-4F7A-869F-113F94CC087D}" srcOrd="0" destOrd="0" presId="urn:microsoft.com/office/officeart/2008/layout/RadialCluster"/>
     <dgm:cxn modelId="{22E76D57-FA4B-4090-8D7B-637F59289991}" type="presParOf" srcId="{B22068D3-DDED-4F7A-869F-113F94CC087D}" destId="{EA7B28CB-2911-4779-869A-AEC78C5F1671}" srcOrd="0" destOrd="0" presId="urn:microsoft.com/office/officeart/2008/layout/RadialCluster"/>
     <dgm:cxn modelId="{C4FCDBE5-0DDD-44F7-B65C-D908399031A9}" type="presParOf" srcId="{B22068D3-DDED-4F7A-869F-113F94CC087D}" destId="{C2CB6F57-0576-413F-A293-A0E78B21B9F8}" srcOrd="1" destOrd="0" presId="urn:microsoft.com/office/officeart/2008/layout/RadialCluster"/>
@@ -8376,11 +8376,7 @@
             </a:pPr>
             <a:r>
               <a:rPr lang="en-US" baseline="0" dirty="0" smtClean="0"/>
-              <a:t>National Instruments has developed a full </a:t>
-            </a:r>
-            <a:r>
-              <a:rPr lang="en-US" baseline="0" dirty="0" smtClean="0"/>
-              <a:t>solution to solving challenging controls problems with real time components, and this project is meant to show how a challenging controls problem can be solved using their components.  </a:t>
+              <a:t>National Instruments has developed a full solution to solving challenging controls problems with real time components, and this project is meant to show how a challenging controls problem can be solved using their components.  </a:t>
             </a:r>
           </a:p>
           <a:p>
@@ -8433,7 +8429,6 @@
               <a:rPr lang="en-US" baseline="0" dirty="0" smtClean="0"/>
               <a:t>.</a:t>
             </a:r>
-            <a:endParaRPr lang="en-US" baseline="0" dirty="0" smtClean="0"/>
           </a:p>
           <a:p>
             <a:pPr marL="0" marR="0" indent="0" algn="l" defTabSz="914400" rtl="0" eaLnBrk="1" fontAlgn="auto" latinLnBrk="0" hangingPunct="1">
@@ -8911,7 +8906,6 @@
               <a:rPr lang="en-US" baseline="0" dirty="0" smtClean="0"/>
               <a:t> robotics environment simulator, and </a:t>
             </a:r>
-            <a:endParaRPr lang="en-US" baseline="0" dirty="0" smtClean="0"/>
           </a:p>
           <a:p>
             <a:pPr marL="0" marR="0" indent="0" algn="l" defTabSz="914400" rtl="0" eaLnBrk="1" fontAlgn="auto" latinLnBrk="0" hangingPunct="1">
@@ -8953,15 +8947,7 @@
             </a:pPr>
             <a:r>
               <a:rPr lang="en-US" baseline="0" dirty="0" smtClean="0"/>
-              <a:t>After we have an accurate model, we will develop </a:t>
-            </a:r>
-            <a:r>
-              <a:rPr lang="en-US" baseline="0" dirty="0" smtClean="0"/>
-              <a:t>our control algorithms </a:t>
-            </a:r>
-            <a:r>
-              <a:rPr lang="en-US" baseline="0" dirty="0" smtClean="0"/>
-              <a:t>within </a:t>
+              <a:t>After we have an accurate model, we will develop our control algorithms within </a:t>
             </a:r>
             <a:r>
               <a:rPr lang="en-US" baseline="0" dirty="0" err="1" smtClean="0"/>
@@ -8969,13 +8955,8 @@
             </a:r>
             <a:r>
               <a:rPr lang="en-US" baseline="0" dirty="0" smtClean="0"/>
-              <a:t> using </a:t>
-            </a:r>
-            <a:r>
-              <a:rPr lang="en-US" baseline="0" dirty="0" smtClean="0"/>
-              <a:t>the simulator.  </a:t>
-            </a:r>
-            <a:endParaRPr lang="en-US" baseline="0" dirty="0" smtClean="0"/>
+              <a:t> using the simulator.  </a:t>
+            </a:r>
           </a:p>
           <a:p>
             <a:pPr marL="0" marR="0" indent="0" algn="l" defTabSz="914400" rtl="0" eaLnBrk="1" fontAlgn="auto" latinLnBrk="0" hangingPunct="1">
@@ -9017,15 +8998,7 @@
             </a:pPr>
             <a:r>
               <a:rPr lang="en-US" baseline="0" dirty="0" smtClean="0"/>
-              <a:t>Once </a:t>
-            </a:r>
-            <a:r>
-              <a:rPr lang="en-US" baseline="0" dirty="0" smtClean="0"/>
-              <a:t>we are confident in our control algorithms, we will </a:t>
-            </a:r>
-            <a:r>
-              <a:rPr lang="en-US" baseline="0" dirty="0" smtClean="0"/>
-              <a:t>build a physical robot using a </a:t>
+              <a:t>Once we are confident in our control algorithms, we will build a physical robot using a </a:t>
             </a:r>
             <a:r>
               <a:rPr lang="en-US" baseline="0" dirty="0" err="1" smtClean="0"/>
@@ -9227,11 +9200,7 @@
             </a:pPr>
             <a:r>
               <a:rPr lang="en-US" dirty="0" smtClean="0"/>
-              <a:t>Here you can see our project plan.  </a:t>
-            </a:r>
-            <a:r>
-              <a:rPr lang="en-US" dirty="0" smtClean="0"/>
-              <a:t>The green line represents</a:t>
+              <a:t>Here you can see our project plan.  The green line represents</a:t>
             </a:r>
             <a:r>
               <a:rPr lang="en-US" baseline="0" dirty="0" smtClean="0"/>
@@ -20671,19 +20640,11 @@
           <a:p>
             <a:r>
               <a:rPr lang="en-US" sz="2400" b="1" dirty="0" smtClean="0"/>
-              <a:t>STAGE </a:t>
-            </a:r>
-            <a:r>
-              <a:rPr lang="en-US" sz="2400" b="1" dirty="0" smtClean="0"/>
-              <a:t>2</a:t>
+              <a:t>STAGE 2</a:t>
             </a:r>
             <a:r>
               <a:rPr lang="en-US" sz="2400" dirty="0" smtClean="0"/>
-              <a:t>: </a:t>
-            </a:r>
-            <a:r>
-              <a:rPr lang="en-US" sz="2400" dirty="0" smtClean="0"/>
-              <a:t>State Space Control Design</a:t>
+              <a:t>: State Space Control Design</a:t>
             </a:r>
             <a:endParaRPr lang="en-US" sz="2400" dirty="0"/>
           </a:p>
@@ -20713,11 +20674,7 @@
           <a:p>
             <a:r>
               <a:rPr lang="en-US" sz="2400" b="1" dirty="0" smtClean="0"/>
-              <a:t>STAGE </a:t>
-            </a:r>
-            <a:r>
-              <a:rPr lang="en-US" sz="2400" b="1" dirty="0" smtClean="0"/>
-              <a:t>3</a:t>
+              <a:t>STAGE 3</a:t>
             </a:r>
             <a:r>
               <a:rPr lang="en-US" sz="2400" dirty="0" smtClean="0"/>
@@ -20735,7 +20692,6 @@
               <a:rPr lang="en-US" sz="2400" dirty="0"/>
               <a:t> Real-Time Controller</a:t>
             </a:r>
-            <a:endParaRPr lang="en-US" sz="2400" dirty="0"/>
           </a:p>
         </p:txBody>
       </p:sp>
@@ -20763,19 +20719,11 @@
           <a:p>
             <a:r>
               <a:rPr lang="en-US" sz="2400" b="1" dirty="0" smtClean="0"/>
-              <a:t>STAGE </a:t>
-            </a:r>
-            <a:r>
-              <a:rPr lang="en-US" sz="2400" b="1" dirty="0" smtClean="0"/>
-              <a:t>4</a:t>
+              <a:t>STAGE 4</a:t>
             </a:r>
             <a:r>
               <a:rPr lang="en-US" sz="2400" dirty="0" smtClean="0"/>
-              <a:t>: </a:t>
-            </a:r>
-            <a:r>
-              <a:rPr lang="en-US" sz="2400" dirty="0" smtClean="0"/>
-              <a:t>Integration &amp; Debugging</a:t>
+              <a:t>: Integration &amp; Debugging</a:t>
             </a:r>
             <a:endParaRPr lang="en-US" sz="2400" dirty="0"/>
           </a:p>
@@ -22626,6 +22574,54 @@
           </a:p>
         </p:txBody>
       </p:sp>
+      <p:graphicFrame>
+        <p:nvGraphicFramePr>
+          <p:cNvPr id="11" name="Chart 10"/>
+          <p:cNvGraphicFramePr>
+            <a:graphicFrameLocks/>
+          </p:cNvGraphicFramePr>
+          <p:nvPr>
+            <p:extLst>
+              <p:ext uri="{D42A27DB-BD31-4B8C-83A1-F6EECF244321}">
+                <p14:modId xmlns:p14="http://schemas.microsoft.com/office/powerpoint/2010/main" val="3677042638"/>
+              </p:ext>
+            </p:extLst>
+          </p:nvPr>
+        </p:nvGraphicFramePr>
+        <p:xfrm>
+          <a:off x="601028" y="1412298"/>
+          <a:ext cx="8534399" cy="4724400"/>
+        </p:xfrm>
+        <a:graphic>
+          <a:graphicData uri="http://schemas.openxmlformats.org/drawingml/2006/chart">
+            <c:chart xmlns:c="http://schemas.openxmlformats.org/drawingml/2006/chart" xmlns:r="http://schemas.openxmlformats.org/officeDocument/2006/relationships" r:id="rId4"/>
+          </a:graphicData>
+        </a:graphic>
+      </p:graphicFrame>
+      <p:graphicFrame>
+        <p:nvGraphicFramePr>
+          <p:cNvPr id="14" name="Chart 13"/>
+          <p:cNvGraphicFramePr>
+            <a:graphicFrameLocks/>
+          </p:cNvGraphicFramePr>
+          <p:nvPr>
+            <p:extLst>
+              <p:ext uri="{D42A27DB-BD31-4B8C-83A1-F6EECF244321}">
+                <p14:modId xmlns:p14="http://schemas.microsoft.com/office/powerpoint/2010/main" val="93971895"/>
+              </p:ext>
+            </p:extLst>
+          </p:nvPr>
+        </p:nvGraphicFramePr>
+        <p:xfrm>
+          <a:off x="1295400" y="1447800"/>
+          <a:ext cx="7086600" cy="4718222"/>
+        </p:xfrm>
+        <a:graphic>
+          <a:graphicData uri="http://schemas.openxmlformats.org/drawingml/2006/chart">
+            <c:chart xmlns:c="http://schemas.openxmlformats.org/drawingml/2006/chart" xmlns:r="http://schemas.openxmlformats.org/officeDocument/2006/relationships" r:id="rId5"/>
+          </a:graphicData>
+        </a:graphic>
+      </p:graphicFrame>
       <p:sp>
         <p:nvSpPr>
           <p:cNvPr id="3" name="TextBox 2"/>
@@ -22656,54 +22652,6 @@
           </a:p>
         </p:txBody>
       </p:sp>
-      <p:graphicFrame>
-        <p:nvGraphicFramePr>
-          <p:cNvPr id="11" name="Chart 10"/>
-          <p:cNvGraphicFramePr>
-            <a:graphicFrameLocks/>
-          </p:cNvGraphicFramePr>
-          <p:nvPr>
-            <p:extLst>
-              <p:ext uri="{D42A27DB-BD31-4B8C-83A1-F6EECF244321}">
-                <p14:modId xmlns:p14="http://schemas.microsoft.com/office/powerpoint/2010/main" val="3975073617"/>
-              </p:ext>
-            </p:extLst>
-          </p:nvPr>
-        </p:nvGraphicFramePr>
-        <p:xfrm>
-          <a:off x="601028" y="1641677"/>
-          <a:ext cx="8534399" cy="4724400"/>
-        </p:xfrm>
-        <a:graphic>
-          <a:graphicData uri="http://schemas.openxmlformats.org/drawingml/2006/chart">
-            <c:chart xmlns:c="http://schemas.openxmlformats.org/drawingml/2006/chart" xmlns:r="http://schemas.openxmlformats.org/officeDocument/2006/relationships" r:id="rId4"/>
-          </a:graphicData>
-        </a:graphic>
-      </p:graphicFrame>
-      <p:graphicFrame>
-        <p:nvGraphicFramePr>
-          <p:cNvPr id="14" name="Chart 13"/>
-          <p:cNvGraphicFramePr>
-            <a:graphicFrameLocks/>
-          </p:cNvGraphicFramePr>
-          <p:nvPr>
-            <p:extLst>
-              <p:ext uri="{D42A27DB-BD31-4B8C-83A1-F6EECF244321}">
-                <p14:modId xmlns:p14="http://schemas.microsoft.com/office/powerpoint/2010/main" val="3059565832"/>
-              </p:ext>
-            </p:extLst>
-          </p:nvPr>
-        </p:nvGraphicFramePr>
-        <p:xfrm>
-          <a:off x="1295400" y="1647855"/>
-          <a:ext cx="7086600" cy="4718222"/>
-        </p:xfrm>
-        <a:graphic>
-          <a:graphicData uri="http://schemas.openxmlformats.org/drawingml/2006/chart">
-            <c:chart xmlns:c="http://schemas.openxmlformats.org/drawingml/2006/chart" xmlns:r="http://schemas.openxmlformats.org/officeDocument/2006/relationships" r:id="rId5"/>
-          </a:graphicData>
-        </a:graphic>
-      </p:graphicFrame>
     </p:spTree>
     <p:extLst>
       <p:ext uri="{BB962C8B-B14F-4D97-AF65-F5344CB8AC3E}">
@@ -22796,6 +22744,33 @@
                                   </p:childTnLst>
                                 </p:cTn>
                               </p:par>
+                              <p:par>
+                                <p:cTn id="10" presetID="1" presetClass="exit" presetSubtype="0" fill="hold" grpId="0" nodeType="withEffect">
+                                  <p:stCondLst>
+                                    <p:cond delay="0"/>
+                                  </p:stCondLst>
+                                  <p:childTnLst>
+                                    <p:set>
+                                      <p:cBhvr>
+                                        <p:cTn id="11" dur="1" fill="hold">
+                                          <p:stCondLst>
+                                            <p:cond delay="0"/>
+                                          </p:stCondLst>
+                                        </p:cTn>
+                                        <p:tgtEl>
+                                          <p:spTgt spid="3"/>
+                                        </p:tgtEl>
+                                        <p:attrNameLst>
+                                          <p:attrName>style.visibility</p:attrName>
+                                        </p:attrNameLst>
+                                      </p:cBhvr>
+                                      <p:to>
+                                        <p:strVal val="hidden"/>
+                                      </p:to>
+                                    </p:set>
+                                  </p:childTnLst>
+                                </p:cTn>
+                              </p:par>
                             </p:childTnLst>
                           </p:cTn>
                         </p:par>
@@ -22830,6 +22805,7 @@
       <p:bldGraphic spid="14" grpId="0">
         <p:bldAsOne/>
       </p:bldGraphic>
+      <p:bldP spid="3" grpId="0"/>
     </p:bldLst>
   </p:timing>
 </p:sld>
@@ -23085,11 +23061,7 @@
           <a:p>
             <a:r>
               <a:rPr lang="en-US" sz="2800" dirty="0" smtClean="0"/>
-              <a:t>Project Plan – </a:t>
-            </a:r>
-            <a:r>
-              <a:rPr lang="en-US" sz="2800" dirty="0" smtClean="0"/>
-              <a:t>Electrical Components</a:t>
+              <a:t>Project Plan – Electrical Components</a:t>
             </a:r>
             <a:endParaRPr lang="en-US" sz="2800" dirty="0"/>
           </a:p>

--- a/Documentation/Design Reviews/Design Review 1.pptx
+++ b/Documentation/Design Reviews/Design Review 1.pptx
@@ -1669,30 +1669,30 @@
     </dgm:pt>
   </dgm:ptLst>
   <dgm:cxnLst>
+    <dgm:cxn modelId="{3315D23B-2CFF-4564-8C5B-949FBD8DF287}" type="presOf" srcId="{4C1B39BF-F010-4321-A742-3FBC32925276}" destId="{47177BF1-5F2D-48EF-8497-21FE3FD9FE79}" srcOrd="0" destOrd="0" presId="urn:microsoft.com/office/officeart/2008/layout/RadialCluster"/>
+    <dgm:cxn modelId="{93F051FE-4DAD-4282-B99F-B0F7FF420B95}" srcId="{20BE8E71-F497-468A-8BCF-867CD172525E}" destId="{73692DD7-5A4E-48BB-B470-C5A4DA4EC749}" srcOrd="4" destOrd="0" parTransId="{8E16C110-46DD-418E-B68B-41176C7363CB}" sibTransId="{F993AD63-E991-4E38-8297-04B334507A7E}"/>
+    <dgm:cxn modelId="{9801DC9E-87CA-482B-BEFD-C61AA9E8153B}" type="presOf" srcId="{8F9A3036-4F59-4DA9-BC69-9C65CC5FF756}" destId="{4F1D4343-F068-4E09-A4D6-84538D008E3A}" srcOrd="0" destOrd="0" presId="urn:microsoft.com/office/officeart/2008/layout/RadialCluster"/>
+    <dgm:cxn modelId="{C2859883-5757-46E9-8E4F-5E8DE07FE54E}" srcId="{20BE8E71-F497-468A-8BCF-867CD172525E}" destId="{4C1B39BF-F010-4321-A742-3FBC32925276}" srcOrd="6" destOrd="0" parTransId="{4231E3A6-8236-41B8-8CD9-63D77671A4C8}" sibTransId="{5200D3A7-3CAD-44FB-B8C1-9407EA7D36E6}"/>
+    <dgm:cxn modelId="{37D790B7-A6B2-486C-AC56-3F127FDFC93D}" type="presOf" srcId="{2CAD2807-D227-4017-ADAE-4A618EC18CA1}" destId="{3C9F8E07-2750-4F18-8439-C39435BC2A48}" srcOrd="0" destOrd="0" presId="urn:microsoft.com/office/officeart/2008/layout/RadialCluster"/>
+    <dgm:cxn modelId="{CBD0D219-0D1F-4AD5-9833-EB8FF4BB68DE}" type="presOf" srcId="{A582B7BA-4838-4A95-B337-9DB7268116E5}" destId="{6A9A5629-B80C-4D13-8A9A-8E0030CA29C6}" srcOrd="0" destOrd="0" presId="urn:microsoft.com/office/officeart/2008/layout/RadialCluster"/>
+    <dgm:cxn modelId="{84A1FB9D-2A24-4CE0-84DB-F1DA371028CC}" srcId="{2F4CBA2C-CAAA-42CF-B78F-87DEEF1B277A}" destId="{20BE8E71-F497-468A-8BCF-867CD172525E}" srcOrd="0" destOrd="0" parTransId="{10E7CD52-C70D-4B0D-BA73-39E7D6E0C441}" sibTransId="{C709E9FE-A76B-44F6-BBD4-8043D15198BD}"/>
+    <dgm:cxn modelId="{A3229B7A-98F5-4A02-B1BC-20C1B2FD93E3}" srcId="{20BE8E71-F497-468A-8BCF-867CD172525E}" destId="{CDB2F97C-D222-4B7B-AD17-9B1FCACAE65F}" srcOrd="5" destOrd="0" parTransId="{6D930E7D-F4CB-4AC6-8B6C-E671E00D2CDA}" sibTransId="{3DB89215-6E3B-42AE-A1CB-3027719161AB}"/>
+    <dgm:cxn modelId="{687A8EDA-2547-4B66-A2DF-5F77F1D17C87}" type="presOf" srcId="{20BE8E71-F497-468A-8BCF-867CD172525E}" destId="{EA7B28CB-2911-4779-869A-AEC78C5F1671}" srcOrd="0" destOrd="0" presId="urn:microsoft.com/office/officeart/2008/layout/RadialCluster"/>
+    <dgm:cxn modelId="{0BB6BE93-6D07-4673-BD6D-65D3ADF9CEC3}" type="presOf" srcId="{2F4CBA2C-CAAA-42CF-B78F-87DEEF1B277A}" destId="{F3FFE5E4-1BC0-4B54-81AE-AA579CAF2653}" srcOrd="0" destOrd="0" presId="urn:microsoft.com/office/officeart/2008/layout/RadialCluster"/>
+    <dgm:cxn modelId="{8C68F102-B0A2-4886-87E1-F9FB7D1B138B}" srcId="{20BE8E71-F497-468A-8BCF-867CD172525E}" destId="{BD98ED33-66DC-415F-9A6F-2546BAAF3B3D}" srcOrd="1" destOrd="0" parTransId="{14D5249F-26A5-4564-AB2D-600D54F71173}" sibTransId="{33D01D21-955E-4F24-A18E-4041C0D6DE2B}"/>
     <dgm:cxn modelId="{86581E74-C593-4A2D-BD5E-CE1BC5CC7E25}" srcId="{20BE8E71-F497-468A-8BCF-867CD172525E}" destId="{8F9A3036-4F59-4DA9-BC69-9C65CC5FF756}" srcOrd="2" destOrd="0" parTransId="{2CAD2807-D227-4017-ADAE-4A618EC18CA1}" sibTransId="{37768D46-5764-48A9-B061-92B3238D2032}"/>
+    <dgm:cxn modelId="{592CB8F0-757C-454F-820C-9ECAD0BA8C6C}" type="presOf" srcId="{23159B30-BD23-4DDD-8C73-F4E0AA557D76}" destId="{52F0F047-BCCC-42EF-9CAE-76E3CB0C88BA}" srcOrd="0" destOrd="0" presId="urn:microsoft.com/office/officeart/2008/layout/RadialCluster"/>
+    <dgm:cxn modelId="{985F22C7-0E7D-42A9-953C-A246EBC99718}" srcId="{20BE8E71-F497-468A-8BCF-867CD172525E}" destId="{23159B30-BD23-4DDD-8C73-F4E0AA557D76}" srcOrd="0" destOrd="0" parTransId="{7EA5189C-8A82-4E31-B8DE-1A2F0B8D4C54}" sibTransId="{F4542481-DB3E-488C-ACCA-3E4EB5875099}"/>
+    <dgm:cxn modelId="{0E26857C-86C4-4BCD-9F66-26E63A1CA80C}" type="presOf" srcId="{BD98ED33-66DC-415F-9A6F-2546BAAF3B3D}" destId="{323636B3-28E9-4D84-9B24-4CA99FA81ACE}" srcOrd="0" destOrd="0" presId="urn:microsoft.com/office/officeart/2008/layout/RadialCluster"/>
+    <dgm:cxn modelId="{9AA18266-4943-45ED-A460-D5F91AC5B52E}" type="presOf" srcId="{36786B02-748A-4748-B2D4-5874F7413149}" destId="{F3A44B51-B4D8-4EB5-89F7-4849638C9113}" srcOrd="0" destOrd="0" presId="urn:microsoft.com/office/officeart/2008/layout/RadialCluster"/>
+    <dgm:cxn modelId="{C5384FD1-877F-4593-8247-FA395F924F75}" type="presOf" srcId="{14D5249F-26A5-4564-AB2D-600D54F71173}" destId="{B84AF4A8-3947-45EA-8993-17FEB967E4E7}" srcOrd="0" destOrd="0" presId="urn:microsoft.com/office/officeart/2008/layout/RadialCluster"/>
+    <dgm:cxn modelId="{6A2E968B-2B00-4302-9A51-BA269571DA50}" type="presOf" srcId="{8E16C110-46DD-418E-B68B-41176C7363CB}" destId="{0B933785-8F10-4908-A031-95865622E3A9}" srcOrd="0" destOrd="0" presId="urn:microsoft.com/office/officeart/2008/layout/RadialCluster"/>
+    <dgm:cxn modelId="{122508DC-A576-4A03-83E4-985FEF1A8B82}" srcId="{20BE8E71-F497-468A-8BCF-867CD172525E}" destId="{A582B7BA-4838-4A95-B337-9DB7268116E5}" srcOrd="3" destOrd="0" parTransId="{36786B02-748A-4748-B2D4-5874F7413149}" sibTransId="{4C297DF1-AEBE-4A83-A484-A60056753F8A}"/>
+    <dgm:cxn modelId="{F93764F6-6CF4-486A-B088-61AFCBE74DDC}" type="presOf" srcId="{4231E3A6-8236-41B8-8CD9-63D77671A4C8}" destId="{FB5C7847-0F50-42C0-A98F-6F92FFC53D0B}" srcOrd="0" destOrd="0" presId="urn:microsoft.com/office/officeart/2008/layout/RadialCluster"/>
     <dgm:cxn modelId="{26F7855D-5015-4F58-ADC8-48ABC6F68CC6}" type="presOf" srcId="{CDB2F97C-D222-4B7B-AD17-9B1FCACAE65F}" destId="{946220FF-E030-4205-92BF-46A67B7F2879}" srcOrd="0" destOrd="0" presId="urn:microsoft.com/office/officeart/2008/layout/RadialCluster"/>
-    <dgm:cxn modelId="{3315D23B-2CFF-4564-8C5B-949FBD8DF287}" type="presOf" srcId="{4C1B39BF-F010-4321-A742-3FBC32925276}" destId="{47177BF1-5F2D-48EF-8497-21FE3FD9FE79}" srcOrd="0" destOrd="0" presId="urn:microsoft.com/office/officeart/2008/layout/RadialCluster"/>
-    <dgm:cxn modelId="{6A2E968B-2B00-4302-9A51-BA269571DA50}" type="presOf" srcId="{8E16C110-46DD-418E-B68B-41176C7363CB}" destId="{0B933785-8F10-4908-A031-95865622E3A9}" srcOrd="0" destOrd="0" presId="urn:microsoft.com/office/officeart/2008/layout/RadialCluster"/>
-    <dgm:cxn modelId="{0BB6BE93-6D07-4673-BD6D-65D3ADF9CEC3}" type="presOf" srcId="{2F4CBA2C-CAAA-42CF-B78F-87DEEF1B277A}" destId="{F3FFE5E4-1BC0-4B54-81AE-AA579CAF2653}" srcOrd="0" destOrd="0" presId="urn:microsoft.com/office/officeart/2008/layout/RadialCluster"/>
-    <dgm:cxn modelId="{A3229B7A-98F5-4A02-B1BC-20C1B2FD93E3}" srcId="{20BE8E71-F497-468A-8BCF-867CD172525E}" destId="{CDB2F97C-D222-4B7B-AD17-9B1FCACAE65F}" srcOrd="5" destOrd="0" parTransId="{6D930E7D-F4CB-4AC6-8B6C-E671E00D2CDA}" sibTransId="{3DB89215-6E3B-42AE-A1CB-3027719161AB}"/>
-    <dgm:cxn modelId="{CBD0D219-0D1F-4AD5-9833-EB8FF4BB68DE}" type="presOf" srcId="{A582B7BA-4838-4A95-B337-9DB7268116E5}" destId="{6A9A5629-B80C-4D13-8A9A-8E0030CA29C6}" srcOrd="0" destOrd="0" presId="urn:microsoft.com/office/officeart/2008/layout/RadialCluster"/>
-    <dgm:cxn modelId="{93F051FE-4DAD-4282-B99F-B0F7FF420B95}" srcId="{20BE8E71-F497-468A-8BCF-867CD172525E}" destId="{73692DD7-5A4E-48BB-B470-C5A4DA4EC749}" srcOrd="4" destOrd="0" parTransId="{8E16C110-46DD-418E-B68B-41176C7363CB}" sibTransId="{F993AD63-E991-4E38-8297-04B334507A7E}"/>
-    <dgm:cxn modelId="{F93764F6-6CF4-486A-B088-61AFCBE74DDC}" type="presOf" srcId="{4231E3A6-8236-41B8-8CD9-63D77671A4C8}" destId="{FB5C7847-0F50-42C0-A98F-6F92FFC53D0B}" srcOrd="0" destOrd="0" presId="urn:microsoft.com/office/officeart/2008/layout/RadialCluster"/>
-    <dgm:cxn modelId="{8C68F102-B0A2-4886-87E1-F9FB7D1B138B}" srcId="{20BE8E71-F497-468A-8BCF-867CD172525E}" destId="{BD98ED33-66DC-415F-9A6F-2546BAAF3B3D}" srcOrd="1" destOrd="0" parTransId="{14D5249F-26A5-4564-AB2D-600D54F71173}" sibTransId="{33D01D21-955E-4F24-A18E-4041C0D6DE2B}"/>
-    <dgm:cxn modelId="{9801DC9E-87CA-482B-BEFD-C61AA9E8153B}" type="presOf" srcId="{8F9A3036-4F59-4DA9-BC69-9C65CC5FF756}" destId="{4F1D4343-F068-4E09-A4D6-84538D008E3A}" srcOrd="0" destOrd="0" presId="urn:microsoft.com/office/officeart/2008/layout/RadialCluster"/>
-    <dgm:cxn modelId="{592CB8F0-757C-454F-820C-9ECAD0BA8C6C}" type="presOf" srcId="{23159B30-BD23-4DDD-8C73-F4E0AA557D76}" destId="{52F0F047-BCCC-42EF-9CAE-76E3CB0C88BA}" srcOrd="0" destOrd="0" presId="urn:microsoft.com/office/officeart/2008/layout/RadialCluster"/>
-    <dgm:cxn modelId="{C2859883-5757-46E9-8E4F-5E8DE07FE54E}" srcId="{20BE8E71-F497-468A-8BCF-867CD172525E}" destId="{4C1B39BF-F010-4321-A742-3FBC32925276}" srcOrd="6" destOrd="0" parTransId="{4231E3A6-8236-41B8-8CD9-63D77671A4C8}" sibTransId="{5200D3A7-3CAD-44FB-B8C1-9407EA7D36E6}"/>
-    <dgm:cxn modelId="{122508DC-A576-4A03-83E4-985FEF1A8B82}" srcId="{20BE8E71-F497-468A-8BCF-867CD172525E}" destId="{A582B7BA-4838-4A95-B337-9DB7268116E5}" srcOrd="3" destOrd="0" parTransId="{36786B02-748A-4748-B2D4-5874F7413149}" sibTransId="{4C297DF1-AEBE-4A83-A484-A60056753F8A}"/>
-    <dgm:cxn modelId="{C5384FD1-877F-4593-8247-FA395F924F75}" type="presOf" srcId="{14D5249F-26A5-4564-AB2D-600D54F71173}" destId="{B84AF4A8-3947-45EA-8993-17FEB967E4E7}" srcOrd="0" destOrd="0" presId="urn:microsoft.com/office/officeart/2008/layout/RadialCluster"/>
-    <dgm:cxn modelId="{37D790B7-A6B2-486C-AC56-3F127FDFC93D}" type="presOf" srcId="{2CAD2807-D227-4017-ADAE-4A618EC18CA1}" destId="{3C9F8E07-2750-4F18-8439-C39435BC2A48}" srcOrd="0" destOrd="0" presId="urn:microsoft.com/office/officeart/2008/layout/RadialCluster"/>
-    <dgm:cxn modelId="{84A1FB9D-2A24-4CE0-84DB-F1DA371028CC}" srcId="{2F4CBA2C-CAAA-42CF-B78F-87DEEF1B277A}" destId="{20BE8E71-F497-468A-8BCF-867CD172525E}" srcOrd="0" destOrd="0" parTransId="{10E7CD52-C70D-4B0D-BA73-39E7D6E0C441}" sibTransId="{C709E9FE-A76B-44F6-BBD4-8043D15198BD}"/>
     <dgm:cxn modelId="{CB4208AA-8711-4B6B-B368-C5B8083D375F}" type="presOf" srcId="{6D930E7D-F4CB-4AC6-8B6C-E671E00D2CDA}" destId="{B5E74FB8-825C-4828-9A1C-A241752DC65C}" srcOrd="0" destOrd="0" presId="urn:microsoft.com/office/officeart/2008/layout/RadialCluster"/>
-    <dgm:cxn modelId="{0E26857C-86C4-4BCD-9F66-26E63A1CA80C}" type="presOf" srcId="{BD98ED33-66DC-415F-9A6F-2546BAAF3B3D}" destId="{323636B3-28E9-4D84-9B24-4CA99FA81ACE}" srcOrd="0" destOrd="0" presId="urn:microsoft.com/office/officeart/2008/layout/RadialCluster"/>
     <dgm:cxn modelId="{61CD37EC-E091-4684-BA08-16DEF43099BB}" type="presOf" srcId="{7EA5189C-8A82-4E31-B8DE-1A2F0B8D4C54}" destId="{C2CB6F57-0576-413F-A293-A0E78B21B9F8}" srcOrd="0" destOrd="0" presId="urn:microsoft.com/office/officeart/2008/layout/RadialCluster"/>
-    <dgm:cxn modelId="{985F22C7-0E7D-42A9-953C-A246EBC99718}" srcId="{20BE8E71-F497-468A-8BCF-867CD172525E}" destId="{23159B30-BD23-4DDD-8C73-F4E0AA557D76}" srcOrd="0" destOrd="0" parTransId="{7EA5189C-8A82-4E31-B8DE-1A2F0B8D4C54}" sibTransId="{F4542481-DB3E-488C-ACCA-3E4EB5875099}"/>
     <dgm:cxn modelId="{137A4AF1-06F5-4D8A-8F96-21F19B99C142}" type="presOf" srcId="{73692DD7-5A4E-48BB-B470-C5A4DA4EC749}" destId="{42C18C40-B4AA-446C-B562-40C2969136A5}" srcOrd="0" destOrd="0" presId="urn:microsoft.com/office/officeart/2008/layout/RadialCluster"/>
-    <dgm:cxn modelId="{687A8EDA-2547-4B66-A2DF-5F77F1D17C87}" type="presOf" srcId="{20BE8E71-F497-468A-8BCF-867CD172525E}" destId="{EA7B28CB-2911-4779-869A-AEC78C5F1671}" srcOrd="0" destOrd="0" presId="urn:microsoft.com/office/officeart/2008/layout/RadialCluster"/>
-    <dgm:cxn modelId="{9AA18266-4943-45ED-A460-D5F91AC5B52E}" type="presOf" srcId="{36786B02-748A-4748-B2D4-5874F7413149}" destId="{F3A44B51-B4D8-4EB5-89F7-4849638C9113}" srcOrd="0" destOrd="0" presId="urn:microsoft.com/office/officeart/2008/layout/RadialCluster"/>
     <dgm:cxn modelId="{BFFCAA7A-7A50-4032-9C89-D6620E9AD265}" type="presParOf" srcId="{F3FFE5E4-1BC0-4B54-81AE-AA579CAF2653}" destId="{B22068D3-DDED-4F7A-869F-113F94CC087D}" srcOrd="0" destOrd="0" presId="urn:microsoft.com/office/officeart/2008/layout/RadialCluster"/>
     <dgm:cxn modelId="{22E76D57-FA4B-4090-8D7B-637F59289991}" type="presParOf" srcId="{B22068D3-DDED-4F7A-869F-113F94CC087D}" destId="{EA7B28CB-2911-4779-869A-AEC78C5F1671}" srcOrd="0" destOrd="0" presId="urn:microsoft.com/office/officeart/2008/layout/RadialCluster"/>
     <dgm:cxn modelId="{C4FCDBE5-0DDD-44F7-B65C-D908399031A9}" type="presParOf" srcId="{B22068D3-DDED-4F7A-869F-113F94CC087D}" destId="{C2CB6F57-0576-413F-A293-A0E78B21B9F8}" srcOrd="1" destOrd="0" presId="urn:microsoft.com/office/officeart/2008/layout/RadialCluster"/>
@@ -18681,39 +18681,6 @@
           </a:fontRef>
         </p:style>
       </p:cxnSp>
-      <p:cxnSp>
-        <p:nvCxnSpPr>
-          <p:cNvPr id="24" name="Straight Arrow Connector 23"/>
-          <p:cNvCxnSpPr/>
-          <p:nvPr/>
-        </p:nvCxnSpPr>
-        <p:spPr>
-          <a:xfrm flipV="1">
-            <a:off x="4705581" y="2892492"/>
-            <a:ext cx="890144" cy="620716"/>
-          </a:xfrm>
-          <a:prstGeom prst="straightConnector1">
-            <a:avLst/>
-          </a:prstGeom>
-          <a:ln>
-            <a:tailEnd type="arrow"/>
-          </a:ln>
-        </p:spPr>
-        <p:style>
-          <a:lnRef idx="2">
-            <a:schemeClr val="accent6"/>
-          </a:lnRef>
-          <a:fillRef idx="0">
-            <a:schemeClr val="accent6"/>
-          </a:fillRef>
-          <a:effectRef idx="1">
-            <a:schemeClr val="accent6"/>
-          </a:effectRef>
-          <a:fontRef idx="minor">
-            <a:schemeClr val="tx1"/>
-          </a:fontRef>
-        </p:style>
-      </p:cxnSp>
     </p:spTree>
     <p:extLst>
       <p:ext uri="{BB962C8B-B14F-4D97-AF65-F5344CB8AC3E}">

--- a/Documentation/Design Reviews/Design Review 1.pptx
+++ b/Documentation/Design Reviews/Design Review 1.pptx
@@ -1669,30 +1669,30 @@
     </dgm:pt>
   </dgm:ptLst>
   <dgm:cxnLst>
+    <dgm:cxn modelId="{86581E74-C593-4A2D-BD5E-CE1BC5CC7E25}" srcId="{20BE8E71-F497-468A-8BCF-867CD172525E}" destId="{8F9A3036-4F59-4DA9-BC69-9C65CC5FF756}" srcOrd="2" destOrd="0" parTransId="{2CAD2807-D227-4017-ADAE-4A618EC18CA1}" sibTransId="{37768D46-5764-48A9-B061-92B3238D2032}"/>
+    <dgm:cxn modelId="{26F7855D-5015-4F58-ADC8-48ABC6F68CC6}" type="presOf" srcId="{CDB2F97C-D222-4B7B-AD17-9B1FCACAE65F}" destId="{946220FF-E030-4205-92BF-46A67B7F2879}" srcOrd="0" destOrd="0" presId="urn:microsoft.com/office/officeart/2008/layout/RadialCluster"/>
     <dgm:cxn modelId="{3315D23B-2CFF-4564-8C5B-949FBD8DF287}" type="presOf" srcId="{4C1B39BF-F010-4321-A742-3FBC32925276}" destId="{47177BF1-5F2D-48EF-8497-21FE3FD9FE79}" srcOrd="0" destOrd="0" presId="urn:microsoft.com/office/officeart/2008/layout/RadialCluster"/>
+    <dgm:cxn modelId="{6A2E968B-2B00-4302-9A51-BA269571DA50}" type="presOf" srcId="{8E16C110-46DD-418E-B68B-41176C7363CB}" destId="{0B933785-8F10-4908-A031-95865622E3A9}" srcOrd="0" destOrd="0" presId="urn:microsoft.com/office/officeart/2008/layout/RadialCluster"/>
+    <dgm:cxn modelId="{0BB6BE93-6D07-4673-BD6D-65D3ADF9CEC3}" type="presOf" srcId="{2F4CBA2C-CAAA-42CF-B78F-87DEEF1B277A}" destId="{F3FFE5E4-1BC0-4B54-81AE-AA579CAF2653}" srcOrd="0" destOrd="0" presId="urn:microsoft.com/office/officeart/2008/layout/RadialCluster"/>
+    <dgm:cxn modelId="{A3229B7A-98F5-4A02-B1BC-20C1B2FD93E3}" srcId="{20BE8E71-F497-468A-8BCF-867CD172525E}" destId="{CDB2F97C-D222-4B7B-AD17-9B1FCACAE65F}" srcOrd="5" destOrd="0" parTransId="{6D930E7D-F4CB-4AC6-8B6C-E671E00D2CDA}" sibTransId="{3DB89215-6E3B-42AE-A1CB-3027719161AB}"/>
+    <dgm:cxn modelId="{CBD0D219-0D1F-4AD5-9833-EB8FF4BB68DE}" type="presOf" srcId="{A582B7BA-4838-4A95-B337-9DB7268116E5}" destId="{6A9A5629-B80C-4D13-8A9A-8E0030CA29C6}" srcOrd="0" destOrd="0" presId="urn:microsoft.com/office/officeart/2008/layout/RadialCluster"/>
     <dgm:cxn modelId="{93F051FE-4DAD-4282-B99F-B0F7FF420B95}" srcId="{20BE8E71-F497-468A-8BCF-867CD172525E}" destId="{73692DD7-5A4E-48BB-B470-C5A4DA4EC749}" srcOrd="4" destOrd="0" parTransId="{8E16C110-46DD-418E-B68B-41176C7363CB}" sibTransId="{F993AD63-E991-4E38-8297-04B334507A7E}"/>
+    <dgm:cxn modelId="{F93764F6-6CF4-486A-B088-61AFCBE74DDC}" type="presOf" srcId="{4231E3A6-8236-41B8-8CD9-63D77671A4C8}" destId="{FB5C7847-0F50-42C0-A98F-6F92FFC53D0B}" srcOrd="0" destOrd="0" presId="urn:microsoft.com/office/officeart/2008/layout/RadialCluster"/>
+    <dgm:cxn modelId="{8C68F102-B0A2-4886-87E1-F9FB7D1B138B}" srcId="{20BE8E71-F497-468A-8BCF-867CD172525E}" destId="{BD98ED33-66DC-415F-9A6F-2546BAAF3B3D}" srcOrd="1" destOrd="0" parTransId="{14D5249F-26A5-4564-AB2D-600D54F71173}" sibTransId="{33D01D21-955E-4F24-A18E-4041C0D6DE2B}"/>
     <dgm:cxn modelId="{9801DC9E-87CA-482B-BEFD-C61AA9E8153B}" type="presOf" srcId="{8F9A3036-4F59-4DA9-BC69-9C65CC5FF756}" destId="{4F1D4343-F068-4E09-A4D6-84538D008E3A}" srcOrd="0" destOrd="0" presId="urn:microsoft.com/office/officeart/2008/layout/RadialCluster"/>
+    <dgm:cxn modelId="{592CB8F0-757C-454F-820C-9ECAD0BA8C6C}" type="presOf" srcId="{23159B30-BD23-4DDD-8C73-F4E0AA557D76}" destId="{52F0F047-BCCC-42EF-9CAE-76E3CB0C88BA}" srcOrd="0" destOrd="0" presId="urn:microsoft.com/office/officeart/2008/layout/RadialCluster"/>
     <dgm:cxn modelId="{C2859883-5757-46E9-8E4F-5E8DE07FE54E}" srcId="{20BE8E71-F497-468A-8BCF-867CD172525E}" destId="{4C1B39BF-F010-4321-A742-3FBC32925276}" srcOrd="6" destOrd="0" parTransId="{4231E3A6-8236-41B8-8CD9-63D77671A4C8}" sibTransId="{5200D3A7-3CAD-44FB-B8C1-9407EA7D36E6}"/>
+    <dgm:cxn modelId="{122508DC-A576-4A03-83E4-985FEF1A8B82}" srcId="{20BE8E71-F497-468A-8BCF-867CD172525E}" destId="{A582B7BA-4838-4A95-B337-9DB7268116E5}" srcOrd="3" destOrd="0" parTransId="{36786B02-748A-4748-B2D4-5874F7413149}" sibTransId="{4C297DF1-AEBE-4A83-A484-A60056753F8A}"/>
+    <dgm:cxn modelId="{C5384FD1-877F-4593-8247-FA395F924F75}" type="presOf" srcId="{14D5249F-26A5-4564-AB2D-600D54F71173}" destId="{B84AF4A8-3947-45EA-8993-17FEB967E4E7}" srcOrd="0" destOrd="0" presId="urn:microsoft.com/office/officeart/2008/layout/RadialCluster"/>
     <dgm:cxn modelId="{37D790B7-A6B2-486C-AC56-3F127FDFC93D}" type="presOf" srcId="{2CAD2807-D227-4017-ADAE-4A618EC18CA1}" destId="{3C9F8E07-2750-4F18-8439-C39435BC2A48}" srcOrd="0" destOrd="0" presId="urn:microsoft.com/office/officeart/2008/layout/RadialCluster"/>
-    <dgm:cxn modelId="{CBD0D219-0D1F-4AD5-9833-EB8FF4BB68DE}" type="presOf" srcId="{A582B7BA-4838-4A95-B337-9DB7268116E5}" destId="{6A9A5629-B80C-4D13-8A9A-8E0030CA29C6}" srcOrd="0" destOrd="0" presId="urn:microsoft.com/office/officeart/2008/layout/RadialCluster"/>
     <dgm:cxn modelId="{84A1FB9D-2A24-4CE0-84DB-F1DA371028CC}" srcId="{2F4CBA2C-CAAA-42CF-B78F-87DEEF1B277A}" destId="{20BE8E71-F497-468A-8BCF-867CD172525E}" srcOrd="0" destOrd="0" parTransId="{10E7CD52-C70D-4B0D-BA73-39E7D6E0C441}" sibTransId="{C709E9FE-A76B-44F6-BBD4-8043D15198BD}"/>
-    <dgm:cxn modelId="{A3229B7A-98F5-4A02-B1BC-20C1B2FD93E3}" srcId="{20BE8E71-F497-468A-8BCF-867CD172525E}" destId="{CDB2F97C-D222-4B7B-AD17-9B1FCACAE65F}" srcOrd="5" destOrd="0" parTransId="{6D930E7D-F4CB-4AC6-8B6C-E671E00D2CDA}" sibTransId="{3DB89215-6E3B-42AE-A1CB-3027719161AB}"/>
+    <dgm:cxn modelId="{CB4208AA-8711-4B6B-B368-C5B8083D375F}" type="presOf" srcId="{6D930E7D-F4CB-4AC6-8B6C-E671E00D2CDA}" destId="{B5E74FB8-825C-4828-9A1C-A241752DC65C}" srcOrd="0" destOrd="0" presId="urn:microsoft.com/office/officeart/2008/layout/RadialCluster"/>
+    <dgm:cxn modelId="{0E26857C-86C4-4BCD-9F66-26E63A1CA80C}" type="presOf" srcId="{BD98ED33-66DC-415F-9A6F-2546BAAF3B3D}" destId="{323636B3-28E9-4D84-9B24-4CA99FA81ACE}" srcOrd="0" destOrd="0" presId="urn:microsoft.com/office/officeart/2008/layout/RadialCluster"/>
+    <dgm:cxn modelId="{61CD37EC-E091-4684-BA08-16DEF43099BB}" type="presOf" srcId="{7EA5189C-8A82-4E31-B8DE-1A2F0B8D4C54}" destId="{C2CB6F57-0576-413F-A293-A0E78B21B9F8}" srcOrd="0" destOrd="0" presId="urn:microsoft.com/office/officeart/2008/layout/RadialCluster"/>
+    <dgm:cxn modelId="{985F22C7-0E7D-42A9-953C-A246EBC99718}" srcId="{20BE8E71-F497-468A-8BCF-867CD172525E}" destId="{23159B30-BD23-4DDD-8C73-F4E0AA557D76}" srcOrd="0" destOrd="0" parTransId="{7EA5189C-8A82-4E31-B8DE-1A2F0B8D4C54}" sibTransId="{F4542481-DB3E-488C-ACCA-3E4EB5875099}"/>
+    <dgm:cxn modelId="{137A4AF1-06F5-4D8A-8F96-21F19B99C142}" type="presOf" srcId="{73692DD7-5A4E-48BB-B470-C5A4DA4EC749}" destId="{42C18C40-B4AA-446C-B562-40C2969136A5}" srcOrd="0" destOrd="0" presId="urn:microsoft.com/office/officeart/2008/layout/RadialCluster"/>
     <dgm:cxn modelId="{687A8EDA-2547-4B66-A2DF-5F77F1D17C87}" type="presOf" srcId="{20BE8E71-F497-468A-8BCF-867CD172525E}" destId="{EA7B28CB-2911-4779-869A-AEC78C5F1671}" srcOrd="0" destOrd="0" presId="urn:microsoft.com/office/officeart/2008/layout/RadialCluster"/>
-    <dgm:cxn modelId="{0BB6BE93-6D07-4673-BD6D-65D3ADF9CEC3}" type="presOf" srcId="{2F4CBA2C-CAAA-42CF-B78F-87DEEF1B277A}" destId="{F3FFE5E4-1BC0-4B54-81AE-AA579CAF2653}" srcOrd="0" destOrd="0" presId="urn:microsoft.com/office/officeart/2008/layout/RadialCluster"/>
-    <dgm:cxn modelId="{8C68F102-B0A2-4886-87E1-F9FB7D1B138B}" srcId="{20BE8E71-F497-468A-8BCF-867CD172525E}" destId="{BD98ED33-66DC-415F-9A6F-2546BAAF3B3D}" srcOrd="1" destOrd="0" parTransId="{14D5249F-26A5-4564-AB2D-600D54F71173}" sibTransId="{33D01D21-955E-4F24-A18E-4041C0D6DE2B}"/>
-    <dgm:cxn modelId="{86581E74-C593-4A2D-BD5E-CE1BC5CC7E25}" srcId="{20BE8E71-F497-468A-8BCF-867CD172525E}" destId="{8F9A3036-4F59-4DA9-BC69-9C65CC5FF756}" srcOrd="2" destOrd="0" parTransId="{2CAD2807-D227-4017-ADAE-4A618EC18CA1}" sibTransId="{37768D46-5764-48A9-B061-92B3238D2032}"/>
-    <dgm:cxn modelId="{592CB8F0-757C-454F-820C-9ECAD0BA8C6C}" type="presOf" srcId="{23159B30-BD23-4DDD-8C73-F4E0AA557D76}" destId="{52F0F047-BCCC-42EF-9CAE-76E3CB0C88BA}" srcOrd="0" destOrd="0" presId="urn:microsoft.com/office/officeart/2008/layout/RadialCluster"/>
-    <dgm:cxn modelId="{985F22C7-0E7D-42A9-953C-A246EBC99718}" srcId="{20BE8E71-F497-468A-8BCF-867CD172525E}" destId="{23159B30-BD23-4DDD-8C73-F4E0AA557D76}" srcOrd="0" destOrd="0" parTransId="{7EA5189C-8A82-4E31-B8DE-1A2F0B8D4C54}" sibTransId="{F4542481-DB3E-488C-ACCA-3E4EB5875099}"/>
-    <dgm:cxn modelId="{0E26857C-86C4-4BCD-9F66-26E63A1CA80C}" type="presOf" srcId="{BD98ED33-66DC-415F-9A6F-2546BAAF3B3D}" destId="{323636B3-28E9-4D84-9B24-4CA99FA81ACE}" srcOrd="0" destOrd="0" presId="urn:microsoft.com/office/officeart/2008/layout/RadialCluster"/>
     <dgm:cxn modelId="{9AA18266-4943-45ED-A460-D5F91AC5B52E}" type="presOf" srcId="{36786B02-748A-4748-B2D4-5874F7413149}" destId="{F3A44B51-B4D8-4EB5-89F7-4849638C9113}" srcOrd="0" destOrd="0" presId="urn:microsoft.com/office/officeart/2008/layout/RadialCluster"/>
-    <dgm:cxn modelId="{C5384FD1-877F-4593-8247-FA395F924F75}" type="presOf" srcId="{14D5249F-26A5-4564-AB2D-600D54F71173}" destId="{B84AF4A8-3947-45EA-8993-17FEB967E4E7}" srcOrd="0" destOrd="0" presId="urn:microsoft.com/office/officeart/2008/layout/RadialCluster"/>
-    <dgm:cxn modelId="{6A2E968B-2B00-4302-9A51-BA269571DA50}" type="presOf" srcId="{8E16C110-46DD-418E-B68B-41176C7363CB}" destId="{0B933785-8F10-4908-A031-95865622E3A9}" srcOrd="0" destOrd="0" presId="urn:microsoft.com/office/officeart/2008/layout/RadialCluster"/>
-    <dgm:cxn modelId="{122508DC-A576-4A03-83E4-985FEF1A8B82}" srcId="{20BE8E71-F497-468A-8BCF-867CD172525E}" destId="{A582B7BA-4838-4A95-B337-9DB7268116E5}" srcOrd="3" destOrd="0" parTransId="{36786B02-748A-4748-B2D4-5874F7413149}" sibTransId="{4C297DF1-AEBE-4A83-A484-A60056753F8A}"/>
-    <dgm:cxn modelId="{F93764F6-6CF4-486A-B088-61AFCBE74DDC}" type="presOf" srcId="{4231E3A6-8236-41B8-8CD9-63D77671A4C8}" destId="{FB5C7847-0F50-42C0-A98F-6F92FFC53D0B}" srcOrd="0" destOrd="0" presId="urn:microsoft.com/office/officeart/2008/layout/RadialCluster"/>
-    <dgm:cxn modelId="{26F7855D-5015-4F58-ADC8-48ABC6F68CC6}" type="presOf" srcId="{CDB2F97C-D222-4B7B-AD17-9B1FCACAE65F}" destId="{946220FF-E030-4205-92BF-46A67B7F2879}" srcOrd="0" destOrd="0" presId="urn:microsoft.com/office/officeart/2008/layout/RadialCluster"/>
-    <dgm:cxn modelId="{CB4208AA-8711-4B6B-B368-C5B8083D375F}" type="presOf" srcId="{6D930E7D-F4CB-4AC6-8B6C-E671E00D2CDA}" destId="{B5E74FB8-825C-4828-9A1C-A241752DC65C}" srcOrd="0" destOrd="0" presId="urn:microsoft.com/office/officeart/2008/layout/RadialCluster"/>
-    <dgm:cxn modelId="{61CD37EC-E091-4684-BA08-16DEF43099BB}" type="presOf" srcId="{7EA5189C-8A82-4E31-B8DE-1A2F0B8D4C54}" destId="{C2CB6F57-0576-413F-A293-A0E78B21B9F8}" srcOrd="0" destOrd="0" presId="urn:microsoft.com/office/officeart/2008/layout/RadialCluster"/>
-    <dgm:cxn modelId="{137A4AF1-06F5-4D8A-8F96-21F19B99C142}" type="presOf" srcId="{73692DD7-5A4E-48BB-B470-C5A4DA4EC749}" destId="{42C18C40-B4AA-446C-B562-40C2969136A5}" srcOrd="0" destOrd="0" presId="urn:microsoft.com/office/officeart/2008/layout/RadialCluster"/>
     <dgm:cxn modelId="{BFFCAA7A-7A50-4032-9C89-D6620E9AD265}" type="presParOf" srcId="{F3FFE5E4-1BC0-4B54-81AE-AA579CAF2653}" destId="{B22068D3-DDED-4F7A-869F-113F94CC087D}" srcOrd="0" destOrd="0" presId="urn:microsoft.com/office/officeart/2008/layout/RadialCluster"/>
     <dgm:cxn modelId="{22E76D57-FA4B-4090-8D7B-637F59289991}" type="presParOf" srcId="{B22068D3-DDED-4F7A-869F-113F94CC087D}" destId="{EA7B28CB-2911-4779-869A-AEC78C5F1671}" srcOrd="0" destOrd="0" presId="urn:microsoft.com/office/officeart/2008/layout/RadialCluster"/>
     <dgm:cxn modelId="{C4FCDBE5-0DDD-44F7-B65C-D908399031A9}" type="presParOf" srcId="{B22068D3-DDED-4F7A-869F-113F94CC087D}" destId="{C2CB6F57-0576-413F-A293-A0E78B21B9F8}" srcOrd="1" destOrd="0" presId="urn:microsoft.com/office/officeart/2008/layout/RadialCluster"/>
@@ -8007,7 +8007,76 @@
               <a:rPr lang="en-US" dirty="0" smtClean="0"/>
               <a:t>Ruffin</a:t>
             </a:r>
-            <a:endParaRPr lang="en-US" dirty="0"/>
+          </a:p>
+          <a:p>
+            <a:r>
+              <a:rPr lang="en-US" sz="1200" kern="1200" dirty="0" smtClean="0">
+                <a:solidFill>
+                  <a:schemeClr val="tx1"/>
+                </a:solidFill>
+                <a:effectLst/>
+                <a:latin typeface="+mn-lt"/>
+                <a:ea typeface="+mn-ea"/>
+                <a:cs typeface="+mn-cs"/>
+              </a:rPr>
+              <a:t>Includes 3 moving joints, all motorized</a:t>
+            </a:r>
+          </a:p>
+          <a:p>
+            <a:r>
+              <a:rPr lang="en-US" sz="1200" kern="1200" dirty="0" smtClean="0">
+                <a:solidFill>
+                  <a:schemeClr val="tx1"/>
+                </a:solidFill>
+                <a:effectLst/>
+                <a:latin typeface="+mn-lt"/>
+                <a:ea typeface="+mn-ea"/>
+                <a:cs typeface="+mn-cs"/>
+              </a:rPr>
+              <a:t> </a:t>
+            </a:r>
+          </a:p>
+          <a:p>
+            <a:r>
+              <a:rPr lang="en-US" sz="1200" kern="1200" dirty="0" smtClean="0">
+                <a:solidFill>
+                  <a:schemeClr val="tx1"/>
+                </a:solidFill>
+                <a:effectLst/>
+                <a:latin typeface="+mn-lt"/>
+                <a:ea typeface="+mn-ea"/>
+                <a:cs typeface="+mn-cs"/>
+              </a:rPr>
+              <a:t>Balanced Placement of components</a:t>
+            </a:r>
+          </a:p>
+          <a:p>
+            <a:r>
+              <a:rPr lang="en-US" sz="1200" kern="1200" dirty="0" smtClean="0">
+                <a:solidFill>
+                  <a:schemeClr val="tx1"/>
+                </a:solidFill>
+                <a:effectLst/>
+                <a:latin typeface="+mn-lt"/>
+                <a:ea typeface="+mn-ea"/>
+                <a:cs typeface="+mn-cs"/>
+              </a:rPr>
+              <a:t>High degree of symmetry</a:t>
+            </a:r>
+          </a:p>
+          <a:p>
+            <a:r>
+              <a:rPr lang="en-US" sz="1200" kern="1200" dirty="0" smtClean="0">
+                <a:solidFill>
+                  <a:schemeClr val="tx1"/>
+                </a:solidFill>
+                <a:effectLst/>
+                <a:latin typeface="+mn-lt"/>
+                <a:ea typeface="+mn-ea"/>
+                <a:cs typeface="+mn-cs"/>
+              </a:rPr>
+              <a:t>Center of gravity in the middle</a:t>
+            </a:r>
           </a:p>
         </p:txBody>
       </p:sp>
@@ -8095,7 +8164,236 @@
               <a:rPr lang="en-US" dirty="0" smtClean="0"/>
               <a:t>Ruffin</a:t>
             </a:r>
-            <a:endParaRPr lang="en-US" dirty="0"/>
+          </a:p>
+          <a:p>
+            <a:r>
+              <a:rPr lang="en-US" sz="1200" kern="1200" dirty="0" smtClean="0">
+                <a:solidFill>
+                  <a:schemeClr val="tx1"/>
+                </a:solidFill>
+                <a:effectLst/>
+                <a:latin typeface="+mn-lt"/>
+                <a:ea typeface="+mn-ea"/>
+                <a:cs typeface="+mn-cs"/>
+              </a:rPr>
+              <a:t>Robot is displaced by an external force</a:t>
+            </a:r>
+          </a:p>
+          <a:p>
+            <a:r>
+              <a:rPr lang="en-US" sz="1200" kern="1200" dirty="0" smtClean="0">
+                <a:solidFill>
+                  <a:schemeClr val="tx1"/>
+                </a:solidFill>
+                <a:effectLst/>
+                <a:latin typeface="+mn-lt"/>
+                <a:ea typeface="+mn-ea"/>
+                <a:cs typeface="+mn-cs"/>
+              </a:rPr>
+              <a:t>Robot tilts off in the Y direction</a:t>
+            </a:r>
+          </a:p>
+          <a:p>
+            <a:r>
+              <a:rPr lang="en-US" sz="1200" kern="1200" dirty="0" smtClean="0">
+                <a:solidFill>
+                  <a:schemeClr val="tx1"/>
+                </a:solidFill>
+                <a:effectLst/>
+                <a:latin typeface="+mn-lt"/>
+                <a:ea typeface="+mn-ea"/>
+                <a:cs typeface="+mn-cs"/>
+              </a:rPr>
+              <a:t>IMU reads this displacement of side to side motion</a:t>
+            </a:r>
+          </a:p>
+          <a:p>
+            <a:r>
+              <a:rPr lang="en-US" sz="1200" kern="1200" dirty="0" smtClean="0">
+                <a:solidFill>
+                  <a:schemeClr val="tx1"/>
+                </a:solidFill>
+                <a:effectLst/>
+                <a:latin typeface="+mn-lt"/>
+                <a:ea typeface="+mn-ea"/>
+                <a:cs typeface="+mn-cs"/>
+              </a:rPr>
+              <a:t> </a:t>
+            </a:r>
+          </a:p>
+          <a:p>
+            <a:r>
+              <a:rPr lang="en-US" sz="1200" kern="1200" dirty="0" smtClean="0">
+                <a:solidFill>
+                  <a:schemeClr val="tx1"/>
+                </a:solidFill>
+                <a:effectLst/>
+                <a:latin typeface="+mn-lt"/>
+                <a:ea typeface="+mn-ea"/>
+                <a:cs typeface="+mn-cs"/>
+              </a:rPr>
+              <a:t>1</a:t>
+            </a:r>
+            <a:r>
+              <a:rPr lang="en-US" sz="1200" kern="1200" baseline="30000" dirty="0" smtClean="0">
+                <a:solidFill>
+                  <a:schemeClr val="tx1"/>
+                </a:solidFill>
+                <a:effectLst/>
+                <a:latin typeface="+mn-lt"/>
+                <a:ea typeface="+mn-ea"/>
+                <a:cs typeface="+mn-cs"/>
+              </a:rPr>
+              <a:t>st</a:t>
+            </a:r>
+            <a:r>
+              <a:rPr lang="en-US" sz="1200" kern="1200" dirty="0" smtClean="0">
+                <a:solidFill>
+                  <a:schemeClr val="tx1"/>
+                </a:solidFill>
+                <a:effectLst/>
+                <a:latin typeface="+mn-lt"/>
+                <a:ea typeface="+mn-ea"/>
+                <a:cs typeface="+mn-cs"/>
+              </a:rPr>
+              <a:t> system control</a:t>
+            </a:r>
+          </a:p>
+          <a:p>
+            <a:r>
+              <a:rPr lang="en-US" sz="1200" kern="1200" dirty="0" smtClean="0">
+                <a:solidFill>
+                  <a:schemeClr val="tx1"/>
+                </a:solidFill>
+                <a:effectLst/>
+                <a:latin typeface="+mn-lt"/>
+                <a:ea typeface="+mn-ea"/>
+                <a:cs typeface="+mn-cs"/>
+              </a:rPr>
+              <a:t>Torsion motor turns the gyro clockwise</a:t>
+            </a:r>
+          </a:p>
+          <a:p>
+            <a:r>
+              <a:rPr lang="en-US" sz="1200" kern="1200" dirty="0" smtClean="0">
+                <a:solidFill>
+                  <a:schemeClr val="tx1"/>
+                </a:solidFill>
+                <a:effectLst/>
+                <a:latin typeface="+mn-lt"/>
+                <a:ea typeface="+mn-ea"/>
+                <a:cs typeface="+mn-cs"/>
+              </a:rPr>
+              <a:t>This torques the bottom frame counter clockwise</a:t>
+            </a:r>
+          </a:p>
+          <a:p>
+            <a:r>
+              <a:rPr lang="en-US" sz="1200" kern="1200" dirty="0" smtClean="0">
+                <a:solidFill>
+                  <a:schemeClr val="tx1"/>
+                </a:solidFill>
+                <a:effectLst/>
+                <a:latin typeface="+mn-lt"/>
+                <a:ea typeface="+mn-ea"/>
+                <a:cs typeface="+mn-cs"/>
+              </a:rPr>
+              <a:t>This continues until the IMU is displaced only in the forward and backward frame</a:t>
+            </a:r>
+          </a:p>
+          <a:p>
+            <a:r>
+              <a:rPr lang="en-US" sz="1200" kern="1200" dirty="0" smtClean="0">
+                <a:solidFill>
+                  <a:schemeClr val="tx1"/>
+                </a:solidFill>
+                <a:effectLst/>
+                <a:latin typeface="+mn-lt"/>
+                <a:ea typeface="+mn-ea"/>
+                <a:cs typeface="+mn-cs"/>
+              </a:rPr>
+              <a:t> </a:t>
+            </a:r>
+          </a:p>
+          <a:p>
+            <a:r>
+              <a:rPr lang="en-US" sz="1200" kern="1200" dirty="0" smtClean="0">
+                <a:solidFill>
+                  <a:schemeClr val="tx1"/>
+                </a:solidFill>
+                <a:effectLst/>
+                <a:latin typeface="+mn-lt"/>
+                <a:ea typeface="+mn-ea"/>
+                <a:cs typeface="+mn-cs"/>
+              </a:rPr>
+              <a:t>2</a:t>
+            </a:r>
+            <a:r>
+              <a:rPr lang="en-US" sz="1200" kern="1200" baseline="30000" dirty="0" smtClean="0">
+                <a:solidFill>
+                  <a:schemeClr val="tx1"/>
+                </a:solidFill>
+                <a:effectLst/>
+                <a:latin typeface="+mn-lt"/>
+                <a:ea typeface="+mn-ea"/>
+                <a:cs typeface="+mn-cs"/>
+              </a:rPr>
+              <a:t>nd</a:t>
+            </a:r>
+            <a:r>
+              <a:rPr lang="en-US" sz="1200" kern="1200" dirty="0" smtClean="0">
+                <a:solidFill>
+                  <a:schemeClr val="tx1"/>
+                </a:solidFill>
+                <a:effectLst/>
+                <a:latin typeface="+mn-lt"/>
+                <a:ea typeface="+mn-ea"/>
+                <a:cs typeface="+mn-cs"/>
+              </a:rPr>
+              <a:t> system control</a:t>
+            </a:r>
+          </a:p>
+          <a:p>
+            <a:r>
+              <a:rPr lang="en-US" sz="1200" kern="1200" dirty="0" smtClean="0">
+                <a:solidFill>
+                  <a:schemeClr val="tx1"/>
+                </a:solidFill>
+                <a:effectLst/>
+                <a:latin typeface="+mn-lt"/>
+                <a:ea typeface="+mn-ea"/>
+                <a:cs typeface="+mn-cs"/>
+              </a:rPr>
+              <a:t>Then once the robot has resumed a single plane of displacement </a:t>
+            </a:r>
+          </a:p>
+          <a:p>
+            <a:r>
+              <a:rPr lang="en-US" sz="1200" kern="1200" dirty="0" smtClean="0">
+                <a:solidFill>
+                  <a:schemeClr val="tx1"/>
+                </a:solidFill>
+                <a:effectLst/>
+                <a:latin typeface="+mn-lt"/>
+                <a:ea typeface="+mn-ea"/>
+                <a:cs typeface="+mn-cs"/>
+              </a:rPr>
+              <a:t>parallel with the drive wheel</a:t>
+            </a:r>
+          </a:p>
+          <a:p>
+            <a:r>
+              <a:rPr lang="en-US" sz="1200" kern="1200" dirty="0" smtClean="0">
+                <a:solidFill>
+                  <a:schemeClr val="tx1"/>
+                </a:solidFill>
+                <a:effectLst/>
+                <a:latin typeface="+mn-lt"/>
+                <a:ea typeface="+mn-ea"/>
+                <a:cs typeface="+mn-cs"/>
+              </a:rPr>
+              <a:t>the system acts an inverted pendulum and proceeds to balance forward and backward</a:t>
+            </a:r>
           </a:p>
         </p:txBody>
       </p:sp>
@@ -8183,7 +8481,20 @@
               <a:rPr lang="en-US" dirty="0" smtClean="0"/>
               <a:t>Ruffin</a:t>
             </a:r>
-            <a:endParaRPr lang="en-US" dirty="0"/>
+          </a:p>
+          <a:p>
+            <a:r>
+              <a:rPr lang="en-US" sz="1200" kern="1200" dirty="0" smtClean="0">
+                <a:solidFill>
+                  <a:schemeClr val="tx1"/>
+                </a:solidFill>
+                <a:effectLst/>
+                <a:latin typeface="+mn-lt"/>
+                <a:ea typeface="+mn-ea"/>
+                <a:cs typeface="+mn-cs"/>
+              </a:rPr>
+              <a:t>Basic part placement</a:t>
+            </a:r>
           </a:p>
         </p:txBody>
       </p:sp>
@@ -8539,6 +8850,71 @@
               <a:rPr lang="en-US" dirty="0" smtClean="0"/>
               <a:t>Ruffin</a:t>
             </a:r>
+            <a:endParaRPr lang="en-US" sz="1200" kern="1200" dirty="0" smtClean="0">
+              <a:solidFill>
+                <a:schemeClr val="tx1"/>
+              </a:solidFill>
+              <a:effectLst/>
+              <a:latin typeface="+mn-lt"/>
+              <a:ea typeface="+mn-ea"/>
+              <a:cs typeface="+mn-cs"/>
+            </a:endParaRPr>
+          </a:p>
+          <a:p>
+            <a:r>
+              <a:rPr lang="en-US" sz="1200" kern="1200" dirty="0" err="1" smtClean="0">
+                <a:solidFill>
+                  <a:schemeClr val="tx1"/>
+                </a:solidFill>
+                <a:effectLst/>
+                <a:latin typeface="+mn-lt"/>
+                <a:ea typeface="+mn-ea"/>
+                <a:cs typeface="+mn-cs"/>
+              </a:rPr>
+              <a:t>Labview</a:t>
+            </a:r>
+            <a:r>
+              <a:rPr lang="en-US" sz="1200" kern="1200" dirty="0" smtClean="0">
+                <a:solidFill>
+                  <a:schemeClr val="tx1"/>
+                </a:solidFill>
+                <a:effectLst/>
+                <a:latin typeface="+mn-lt"/>
+                <a:ea typeface="+mn-ea"/>
+                <a:cs typeface="+mn-cs"/>
+              </a:rPr>
+              <a:t> Robotics Simulation Builder</a:t>
+            </a:r>
+          </a:p>
+          <a:p>
+            <a:r>
+              <a:rPr lang="en-US" sz="1200" kern="1200" dirty="0" smtClean="0">
+                <a:solidFill>
+                  <a:schemeClr val="tx1"/>
+                </a:solidFill>
+                <a:effectLst/>
+                <a:latin typeface="+mn-lt"/>
+                <a:ea typeface="+mn-ea"/>
+                <a:cs typeface="+mn-cs"/>
+              </a:rPr>
+              <a:t>With actuator and sensors</a:t>
+            </a:r>
+          </a:p>
+          <a:p>
+            <a:r>
+              <a:rPr lang="en-US" sz="1200" kern="1200" dirty="0" smtClean="0">
+                <a:solidFill>
+                  <a:schemeClr val="tx1"/>
+                </a:solidFill>
+                <a:effectLst/>
+                <a:latin typeface="+mn-lt"/>
+                <a:ea typeface="+mn-ea"/>
+                <a:cs typeface="+mn-cs"/>
+              </a:rPr>
+              <a:t>Build levels of complexity</a:t>
+            </a:r>
+          </a:p>
+          <a:p>
             <a:endParaRPr lang="en-US" dirty="0"/>
           </a:p>
         </p:txBody>

--- a/Documentation/Design Reviews/Design Review 1.pptx
+++ b/Documentation/Design Reviews/Design Review 1.pptx
@@ -12,14 +12,14 @@
     <p:sldId id="266" r:id="rId3"/>
     <p:sldId id="259" r:id="rId4"/>
     <p:sldId id="268" r:id="rId5"/>
-    <p:sldId id="273" r:id="rId6"/>
-    <p:sldId id="274" r:id="rId7"/>
-    <p:sldId id="275" r:id="rId8"/>
-    <p:sldId id="269" r:id="rId9"/>
-    <p:sldId id="270" r:id="rId10"/>
-    <p:sldId id="267" r:id="rId11"/>
-    <p:sldId id="262" r:id="rId12"/>
-    <p:sldId id="279" r:id="rId13"/>
+    <p:sldId id="262" r:id="rId6"/>
+    <p:sldId id="279" r:id="rId7"/>
+    <p:sldId id="273" r:id="rId8"/>
+    <p:sldId id="274" r:id="rId9"/>
+    <p:sldId id="275" r:id="rId10"/>
+    <p:sldId id="269" r:id="rId11"/>
+    <p:sldId id="270" r:id="rId12"/>
+    <p:sldId id="267" r:id="rId13"/>
     <p:sldId id="263" r:id="rId14"/>
     <p:sldId id="276" r:id="rId15"/>
     <p:sldId id="277" r:id="rId16"/>
@@ -1669,30 +1669,30 @@
     </dgm:pt>
   </dgm:ptLst>
   <dgm:cxnLst>
+    <dgm:cxn modelId="{3315D23B-2CFF-4564-8C5B-949FBD8DF287}" type="presOf" srcId="{4C1B39BF-F010-4321-A742-3FBC32925276}" destId="{47177BF1-5F2D-48EF-8497-21FE3FD9FE79}" srcOrd="0" destOrd="0" presId="urn:microsoft.com/office/officeart/2008/layout/RadialCluster"/>
+    <dgm:cxn modelId="{93F051FE-4DAD-4282-B99F-B0F7FF420B95}" srcId="{20BE8E71-F497-468A-8BCF-867CD172525E}" destId="{73692DD7-5A4E-48BB-B470-C5A4DA4EC749}" srcOrd="4" destOrd="0" parTransId="{8E16C110-46DD-418E-B68B-41176C7363CB}" sibTransId="{F993AD63-E991-4E38-8297-04B334507A7E}"/>
+    <dgm:cxn modelId="{9801DC9E-87CA-482B-BEFD-C61AA9E8153B}" type="presOf" srcId="{8F9A3036-4F59-4DA9-BC69-9C65CC5FF756}" destId="{4F1D4343-F068-4E09-A4D6-84538D008E3A}" srcOrd="0" destOrd="0" presId="urn:microsoft.com/office/officeart/2008/layout/RadialCluster"/>
+    <dgm:cxn modelId="{C2859883-5757-46E9-8E4F-5E8DE07FE54E}" srcId="{20BE8E71-F497-468A-8BCF-867CD172525E}" destId="{4C1B39BF-F010-4321-A742-3FBC32925276}" srcOrd="6" destOrd="0" parTransId="{4231E3A6-8236-41B8-8CD9-63D77671A4C8}" sibTransId="{5200D3A7-3CAD-44FB-B8C1-9407EA7D36E6}"/>
+    <dgm:cxn modelId="{37D790B7-A6B2-486C-AC56-3F127FDFC93D}" type="presOf" srcId="{2CAD2807-D227-4017-ADAE-4A618EC18CA1}" destId="{3C9F8E07-2750-4F18-8439-C39435BC2A48}" srcOrd="0" destOrd="0" presId="urn:microsoft.com/office/officeart/2008/layout/RadialCluster"/>
+    <dgm:cxn modelId="{CBD0D219-0D1F-4AD5-9833-EB8FF4BB68DE}" type="presOf" srcId="{A582B7BA-4838-4A95-B337-9DB7268116E5}" destId="{6A9A5629-B80C-4D13-8A9A-8E0030CA29C6}" srcOrd="0" destOrd="0" presId="urn:microsoft.com/office/officeart/2008/layout/RadialCluster"/>
+    <dgm:cxn modelId="{84A1FB9D-2A24-4CE0-84DB-F1DA371028CC}" srcId="{2F4CBA2C-CAAA-42CF-B78F-87DEEF1B277A}" destId="{20BE8E71-F497-468A-8BCF-867CD172525E}" srcOrd="0" destOrd="0" parTransId="{10E7CD52-C70D-4B0D-BA73-39E7D6E0C441}" sibTransId="{C709E9FE-A76B-44F6-BBD4-8043D15198BD}"/>
+    <dgm:cxn modelId="{A3229B7A-98F5-4A02-B1BC-20C1B2FD93E3}" srcId="{20BE8E71-F497-468A-8BCF-867CD172525E}" destId="{CDB2F97C-D222-4B7B-AD17-9B1FCACAE65F}" srcOrd="5" destOrd="0" parTransId="{6D930E7D-F4CB-4AC6-8B6C-E671E00D2CDA}" sibTransId="{3DB89215-6E3B-42AE-A1CB-3027719161AB}"/>
+    <dgm:cxn modelId="{687A8EDA-2547-4B66-A2DF-5F77F1D17C87}" type="presOf" srcId="{20BE8E71-F497-468A-8BCF-867CD172525E}" destId="{EA7B28CB-2911-4779-869A-AEC78C5F1671}" srcOrd="0" destOrd="0" presId="urn:microsoft.com/office/officeart/2008/layout/RadialCluster"/>
+    <dgm:cxn modelId="{0BB6BE93-6D07-4673-BD6D-65D3ADF9CEC3}" type="presOf" srcId="{2F4CBA2C-CAAA-42CF-B78F-87DEEF1B277A}" destId="{F3FFE5E4-1BC0-4B54-81AE-AA579CAF2653}" srcOrd="0" destOrd="0" presId="urn:microsoft.com/office/officeart/2008/layout/RadialCluster"/>
+    <dgm:cxn modelId="{8C68F102-B0A2-4886-87E1-F9FB7D1B138B}" srcId="{20BE8E71-F497-468A-8BCF-867CD172525E}" destId="{BD98ED33-66DC-415F-9A6F-2546BAAF3B3D}" srcOrd="1" destOrd="0" parTransId="{14D5249F-26A5-4564-AB2D-600D54F71173}" sibTransId="{33D01D21-955E-4F24-A18E-4041C0D6DE2B}"/>
     <dgm:cxn modelId="{86581E74-C593-4A2D-BD5E-CE1BC5CC7E25}" srcId="{20BE8E71-F497-468A-8BCF-867CD172525E}" destId="{8F9A3036-4F59-4DA9-BC69-9C65CC5FF756}" srcOrd="2" destOrd="0" parTransId="{2CAD2807-D227-4017-ADAE-4A618EC18CA1}" sibTransId="{37768D46-5764-48A9-B061-92B3238D2032}"/>
+    <dgm:cxn modelId="{592CB8F0-757C-454F-820C-9ECAD0BA8C6C}" type="presOf" srcId="{23159B30-BD23-4DDD-8C73-F4E0AA557D76}" destId="{52F0F047-BCCC-42EF-9CAE-76E3CB0C88BA}" srcOrd="0" destOrd="0" presId="urn:microsoft.com/office/officeart/2008/layout/RadialCluster"/>
+    <dgm:cxn modelId="{985F22C7-0E7D-42A9-953C-A246EBC99718}" srcId="{20BE8E71-F497-468A-8BCF-867CD172525E}" destId="{23159B30-BD23-4DDD-8C73-F4E0AA557D76}" srcOrd="0" destOrd="0" parTransId="{7EA5189C-8A82-4E31-B8DE-1A2F0B8D4C54}" sibTransId="{F4542481-DB3E-488C-ACCA-3E4EB5875099}"/>
+    <dgm:cxn modelId="{0E26857C-86C4-4BCD-9F66-26E63A1CA80C}" type="presOf" srcId="{BD98ED33-66DC-415F-9A6F-2546BAAF3B3D}" destId="{323636B3-28E9-4D84-9B24-4CA99FA81ACE}" srcOrd="0" destOrd="0" presId="urn:microsoft.com/office/officeart/2008/layout/RadialCluster"/>
+    <dgm:cxn modelId="{9AA18266-4943-45ED-A460-D5F91AC5B52E}" type="presOf" srcId="{36786B02-748A-4748-B2D4-5874F7413149}" destId="{F3A44B51-B4D8-4EB5-89F7-4849638C9113}" srcOrd="0" destOrd="0" presId="urn:microsoft.com/office/officeart/2008/layout/RadialCluster"/>
+    <dgm:cxn modelId="{C5384FD1-877F-4593-8247-FA395F924F75}" type="presOf" srcId="{14D5249F-26A5-4564-AB2D-600D54F71173}" destId="{B84AF4A8-3947-45EA-8993-17FEB967E4E7}" srcOrd="0" destOrd="0" presId="urn:microsoft.com/office/officeart/2008/layout/RadialCluster"/>
+    <dgm:cxn modelId="{6A2E968B-2B00-4302-9A51-BA269571DA50}" type="presOf" srcId="{8E16C110-46DD-418E-B68B-41176C7363CB}" destId="{0B933785-8F10-4908-A031-95865622E3A9}" srcOrd="0" destOrd="0" presId="urn:microsoft.com/office/officeart/2008/layout/RadialCluster"/>
+    <dgm:cxn modelId="{122508DC-A576-4A03-83E4-985FEF1A8B82}" srcId="{20BE8E71-F497-468A-8BCF-867CD172525E}" destId="{A582B7BA-4838-4A95-B337-9DB7268116E5}" srcOrd="3" destOrd="0" parTransId="{36786B02-748A-4748-B2D4-5874F7413149}" sibTransId="{4C297DF1-AEBE-4A83-A484-A60056753F8A}"/>
+    <dgm:cxn modelId="{F93764F6-6CF4-486A-B088-61AFCBE74DDC}" type="presOf" srcId="{4231E3A6-8236-41B8-8CD9-63D77671A4C8}" destId="{FB5C7847-0F50-42C0-A98F-6F92FFC53D0B}" srcOrd="0" destOrd="0" presId="urn:microsoft.com/office/officeart/2008/layout/RadialCluster"/>
     <dgm:cxn modelId="{26F7855D-5015-4F58-ADC8-48ABC6F68CC6}" type="presOf" srcId="{CDB2F97C-D222-4B7B-AD17-9B1FCACAE65F}" destId="{946220FF-E030-4205-92BF-46A67B7F2879}" srcOrd="0" destOrd="0" presId="urn:microsoft.com/office/officeart/2008/layout/RadialCluster"/>
-    <dgm:cxn modelId="{3315D23B-2CFF-4564-8C5B-949FBD8DF287}" type="presOf" srcId="{4C1B39BF-F010-4321-A742-3FBC32925276}" destId="{47177BF1-5F2D-48EF-8497-21FE3FD9FE79}" srcOrd="0" destOrd="0" presId="urn:microsoft.com/office/officeart/2008/layout/RadialCluster"/>
-    <dgm:cxn modelId="{6A2E968B-2B00-4302-9A51-BA269571DA50}" type="presOf" srcId="{8E16C110-46DD-418E-B68B-41176C7363CB}" destId="{0B933785-8F10-4908-A031-95865622E3A9}" srcOrd="0" destOrd="0" presId="urn:microsoft.com/office/officeart/2008/layout/RadialCluster"/>
-    <dgm:cxn modelId="{0BB6BE93-6D07-4673-BD6D-65D3ADF9CEC3}" type="presOf" srcId="{2F4CBA2C-CAAA-42CF-B78F-87DEEF1B277A}" destId="{F3FFE5E4-1BC0-4B54-81AE-AA579CAF2653}" srcOrd="0" destOrd="0" presId="urn:microsoft.com/office/officeart/2008/layout/RadialCluster"/>
-    <dgm:cxn modelId="{A3229B7A-98F5-4A02-B1BC-20C1B2FD93E3}" srcId="{20BE8E71-F497-468A-8BCF-867CD172525E}" destId="{CDB2F97C-D222-4B7B-AD17-9B1FCACAE65F}" srcOrd="5" destOrd="0" parTransId="{6D930E7D-F4CB-4AC6-8B6C-E671E00D2CDA}" sibTransId="{3DB89215-6E3B-42AE-A1CB-3027719161AB}"/>
-    <dgm:cxn modelId="{CBD0D219-0D1F-4AD5-9833-EB8FF4BB68DE}" type="presOf" srcId="{A582B7BA-4838-4A95-B337-9DB7268116E5}" destId="{6A9A5629-B80C-4D13-8A9A-8E0030CA29C6}" srcOrd="0" destOrd="0" presId="urn:microsoft.com/office/officeart/2008/layout/RadialCluster"/>
-    <dgm:cxn modelId="{93F051FE-4DAD-4282-B99F-B0F7FF420B95}" srcId="{20BE8E71-F497-468A-8BCF-867CD172525E}" destId="{73692DD7-5A4E-48BB-B470-C5A4DA4EC749}" srcOrd="4" destOrd="0" parTransId="{8E16C110-46DD-418E-B68B-41176C7363CB}" sibTransId="{F993AD63-E991-4E38-8297-04B334507A7E}"/>
-    <dgm:cxn modelId="{F93764F6-6CF4-486A-B088-61AFCBE74DDC}" type="presOf" srcId="{4231E3A6-8236-41B8-8CD9-63D77671A4C8}" destId="{FB5C7847-0F50-42C0-A98F-6F92FFC53D0B}" srcOrd="0" destOrd="0" presId="urn:microsoft.com/office/officeart/2008/layout/RadialCluster"/>
-    <dgm:cxn modelId="{8C68F102-B0A2-4886-87E1-F9FB7D1B138B}" srcId="{20BE8E71-F497-468A-8BCF-867CD172525E}" destId="{BD98ED33-66DC-415F-9A6F-2546BAAF3B3D}" srcOrd="1" destOrd="0" parTransId="{14D5249F-26A5-4564-AB2D-600D54F71173}" sibTransId="{33D01D21-955E-4F24-A18E-4041C0D6DE2B}"/>
-    <dgm:cxn modelId="{9801DC9E-87CA-482B-BEFD-C61AA9E8153B}" type="presOf" srcId="{8F9A3036-4F59-4DA9-BC69-9C65CC5FF756}" destId="{4F1D4343-F068-4E09-A4D6-84538D008E3A}" srcOrd="0" destOrd="0" presId="urn:microsoft.com/office/officeart/2008/layout/RadialCluster"/>
-    <dgm:cxn modelId="{592CB8F0-757C-454F-820C-9ECAD0BA8C6C}" type="presOf" srcId="{23159B30-BD23-4DDD-8C73-F4E0AA557D76}" destId="{52F0F047-BCCC-42EF-9CAE-76E3CB0C88BA}" srcOrd="0" destOrd="0" presId="urn:microsoft.com/office/officeart/2008/layout/RadialCluster"/>
-    <dgm:cxn modelId="{C2859883-5757-46E9-8E4F-5E8DE07FE54E}" srcId="{20BE8E71-F497-468A-8BCF-867CD172525E}" destId="{4C1B39BF-F010-4321-A742-3FBC32925276}" srcOrd="6" destOrd="0" parTransId="{4231E3A6-8236-41B8-8CD9-63D77671A4C8}" sibTransId="{5200D3A7-3CAD-44FB-B8C1-9407EA7D36E6}"/>
-    <dgm:cxn modelId="{122508DC-A576-4A03-83E4-985FEF1A8B82}" srcId="{20BE8E71-F497-468A-8BCF-867CD172525E}" destId="{A582B7BA-4838-4A95-B337-9DB7268116E5}" srcOrd="3" destOrd="0" parTransId="{36786B02-748A-4748-B2D4-5874F7413149}" sibTransId="{4C297DF1-AEBE-4A83-A484-A60056753F8A}"/>
-    <dgm:cxn modelId="{C5384FD1-877F-4593-8247-FA395F924F75}" type="presOf" srcId="{14D5249F-26A5-4564-AB2D-600D54F71173}" destId="{B84AF4A8-3947-45EA-8993-17FEB967E4E7}" srcOrd="0" destOrd="0" presId="urn:microsoft.com/office/officeart/2008/layout/RadialCluster"/>
-    <dgm:cxn modelId="{37D790B7-A6B2-486C-AC56-3F127FDFC93D}" type="presOf" srcId="{2CAD2807-D227-4017-ADAE-4A618EC18CA1}" destId="{3C9F8E07-2750-4F18-8439-C39435BC2A48}" srcOrd="0" destOrd="0" presId="urn:microsoft.com/office/officeart/2008/layout/RadialCluster"/>
-    <dgm:cxn modelId="{84A1FB9D-2A24-4CE0-84DB-F1DA371028CC}" srcId="{2F4CBA2C-CAAA-42CF-B78F-87DEEF1B277A}" destId="{20BE8E71-F497-468A-8BCF-867CD172525E}" srcOrd="0" destOrd="0" parTransId="{10E7CD52-C70D-4B0D-BA73-39E7D6E0C441}" sibTransId="{C709E9FE-A76B-44F6-BBD4-8043D15198BD}"/>
     <dgm:cxn modelId="{CB4208AA-8711-4B6B-B368-C5B8083D375F}" type="presOf" srcId="{6D930E7D-F4CB-4AC6-8B6C-E671E00D2CDA}" destId="{B5E74FB8-825C-4828-9A1C-A241752DC65C}" srcOrd="0" destOrd="0" presId="urn:microsoft.com/office/officeart/2008/layout/RadialCluster"/>
-    <dgm:cxn modelId="{0E26857C-86C4-4BCD-9F66-26E63A1CA80C}" type="presOf" srcId="{BD98ED33-66DC-415F-9A6F-2546BAAF3B3D}" destId="{323636B3-28E9-4D84-9B24-4CA99FA81ACE}" srcOrd="0" destOrd="0" presId="urn:microsoft.com/office/officeart/2008/layout/RadialCluster"/>
     <dgm:cxn modelId="{61CD37EC-E091-4684-BA08-16DEF43099BB}" type="presOf" srcId="{7EA5189C-8A82-4E31-B8DE-1A2F0B8D4C54}" destId="{C2CB6F57-0576-413F-A293-A0E78B21B9F8}" srcOrd="0" destOrd="0" presId="urn:microsoft.com/office/officeart/2008/layout/RadialCluster"/>
-    <dgm:cxn modelId="{985F22C7-0E7D-42A9-953C-A246EBC99718}" srcId="{20BE8E71-F497-468A-8BCF-867CD172525E}" destId="{23159B30-BD23-4DDD-8C73-F4E0AA557D76}" srcOrd="0" destOrd="0" parTransId="{7EA5189C-8A82-4E31-B8DE-1A2F0B8D4C54}" sibTransId="{F4542481-DB3E-488C-ACCA-3E4EB5875099}"/>
     <dgm:cxn modelId="{137A4AF1-06F5-4D8A-8F96-21F19B99C142}" type="presOf" srcId="{73692DD7-5A4E-48BB-B470-C5A4DA4EC749}" destId="{42C18C40-B4AA-446C-B562-40C2969136A5}" srcOrd="0" destOrd="0" presId="urn:microsoft.com/office/officeart/2008/layout/RadialCluster"/>
-    <dgm:cxn modelId="{687A8EDA-2547-4B66-A2DF-5F77F1D17C87}" type="presOf" srcId="{20BE8E71-F497-468A-8BCF-867CD172525E}" destId="{EA7B28CB-2911-4779-869A-AEC78C5F1671}" srcOrd="0" destOrd="0" presId="urn:microsoft.com/office/officeart/2008/layout/RadialCluster"/>
-    <dgm:cxn modelId="{9AA18266-4943-45ED-A460-D5F91AC5B52E}" type="presOf" srcId="{36786B02-748A-4748-B2D4-5874F7413149}" destId="{F3A44B51-B4D8-4EB5-89F7-4849638C9113}" srcOrd="0" destOrd="0" presId="urn:microsoft.com/office/officeart/2008/layout/RadialCluster"/>
     <dgm:cxn modelId="{BFFCAA7A-7A50-4032-9C89-D6620E9AD265}" type="presParOf" srcId="{F3FFE5E4-1BC0-4B54-81AE-AA579CAF2653}" destId="{B22068D3-DDED-4F7A-869F-113F94CC087D}" srcOrd="0" destOrd="0" presId="urn:microsoft.com/office/officeart/2008/layout/RadialCluster"/>
     <dgm:cxn modelId="{22E76D57-FA4B-4090-8D7B-637F59289991}" type="presParOf" srcId="{B22068D3-DDED-4F7A-869F-113F94CC087D}" destId="{EA7B28CB-2911-4779-869A-AEC78C5F1671}" srcOrd="0" destOrd="0" presId="urn:microsoft.com/office/officeart/2008/layout/RadialCluster"/>
     <dgm:cxn modelId="{C4FCDBE5-0DDD-44F7-B65C-D908399031A9}" type="presParOf" srcId="{B22068D3-DDED-4F7A-869F-113F94CC087D}" destId="{C2CB6F57-0576-413F-A293-A0E78B21B9F8}" srcOrd="1" destOrd="0" presId="urn:microsoft.com/office/officeart/2008/layout/RadialCluster"/>
@@ -7239,6 +7239,10 @@
           <a:bodyPr/>
           <a:lstStyle/>
           <a:p>
+            <a:r>
+              <a:rPr lang="en-US" dirty="0" smtClean="0"/>
+              <a:t>Kevin</a:t>
+            </a:r>
             <a:endParaRPr lang="en-US" dirty="0"/>
           </a:p>
         </p:txBody>
@@ -7342,54 +7346,7 @@
             </a:pPr>
             <a:r>
               <a:rPr lang="en-US" dirty="0" smtClean="0"/>
-              <a:t>Kevin</a:t>
-            </a:r>
-          </a:p>
-          <a:p>
-            <a:pPr marL="0" marR="0" indent="0" algn="l" defTabSz="914400" rtl="0" eaLnBrk="1" fontAlgn="auto" latinLnBrk="0" hangingPunct="1">
-              <a:lnSpc>
-                <a:spcPct val="100000"/>
-              </a:lnSpc>
-              <a:spcBef>
-                <a:spcPts val="0"/>
-              </a:spcBef>
-              <a:spcAft>
-                <a:spcPts val="0"/>
-              </a:spcAft>
-              <a:buClrTx/>
-              <a:buSzTx/>
-              <a:buFontTx/>
-              <a:buNone/>
-              <a:tabLst/>
-              <a:defRPr/>
-            </a:pPr>
-            <a:endParaRPr lang="en-US" dirty="0" smtClean="0"/>
-          </a:p>
-          <a:p>
-            <a:pPr marL="0" marR="0" indent="0" algn="l" defTabSz="914400" rtl="0" eaLnBrk="1" fontAlgn="auto" latinLnBrk="0" hangingPunct="1">
-              <a:lnSpc>
-                <a:spcPct val="100000"/>
-              </a:lnSpc>
-              <a:spcBef>
-                <a:spcPts val="0"/>
-              </a:spcBef>
-              <a:spcAft>
-                <a:spcPts val="0"/>
-              </a:spcAft>
-              <a:buClrTx/>
-              <a:buSzTx/>
-              <a:buFontTx/>
-              <a:buNone/>
-              <a:tabLst/>
-              <a:defRPr/>
-            </a:pPr>
-            <a:r>
-              <a:rPr lang="en-US" dirty="0" smtClean="0"/>
-              <a:t>Once</a:t>
-            </a:r>
-            <a:r>
-              <a:rPr lang="en-US" baseline="0" dirty="0" smtClean="0"/>
-              <a:t> we have all of the electrical components, we will build</a:t>
+              <a:t>Spencer</a:t>
             </a:r>
             <a:endParaRPr lang="en-US" dirty="0"/>
           </a:p>
@@ -7477,7 +7434,7 @@
           <a:p>
             <a:r>
               <a:rPr lang="en-US" dirty="0" smtClean="0"/>
-              <a:t>Kevin</a:t>
+              <a:t>Spencer</a:t>
             </a:r>
             <a:endParaRPr lang="en-US" dirty="0"/>
           </a:p>
@@ -7509,7 +7466,7 @@
     </p:spTree>
     <p:extLst>
       <p:ext uri="{BB962C8B-B14F-4D97-AF65-F5344CB8AC3E}">
-        <p14:creationId xmlns:p14="http://schemas.microsoft.com/office/powerpoint/2010/main" val="1747577525"/>
+        <p14:creationId xmlns:p14="http://schemas.microsoft.com/office/powerpoint/2010/main" val="2076808703"/>
       </p:ext>
     </p:extLst>
   </p:cSld>
@@ -7563,9 +7520,74 @@
           <a:bodyPr/>
           <a:lstStyle/>
           <a:p>
+            <a:pPr marL="0" marR="0" indent="0" algn="l" defTabSz="914400" rtl="0" eaLnBrk="1" fontAlgn="auto" latinLnBrk="0" hangingPunct="1">
+              <a:lnSpc>
+                <a:spcPct val="100000"/>
+              </a:lnSpc>
+              <a:spcBef>
+                <a:spcPts val="0"/>
+              </a:spcBef>
+              <a:spcAft>
+                <a:spcPts val="0"/>
+              </a:spcAft>
+              <a:buClrTx/>
+              <a:buSzTx/>
+              <a:buFontTx/>
+              <a:buNone/>
+              <a:tabLst/>
+              <a:defRPr/>
+            </a:pPr>
             <a:r>
               <a:rPr lang="en-US" dirty="0" smtClean="0"/>
-              <a:t>Ander</a:t>
+              <a:t>Spencer</a:t>
+            </a:r>
+            <a:endParaRPr lang="en-US" dirty="0" smtClean="0"/>
+          </a:p>
+          <a:p>
+            <a:pPr marL="0" marR="0" indent="0" algn="l" defTabSz="914400" rtl="0" eaLnBrk="1" fontAlgn="auto" latinLnBrk="0" hangingPunct="1">
+              <a:lnSpc>
+                <a:spcPct val="100000"/>
+              </a:lnSpc>
+              <a:spcBef>
+                <a:spcPts val="0"/>
+              </a:spcBef>
+              <a:spcAft>
+                <a:spcPts val="0"/>
+              </a:spcAft>
+              <a:buClrTx/>
+              <a:buSzTx/>
+              <a:buFontTx/>
+              <a:buNone/>
+              <a:tabLst/>
+              <a:defRPr/>
+            </a:pPr>
+            <a:endParaRPr lang="en-US" dirty="0" smtClean="0"/>
+          </a:p>
+          <a:p>
+            <a:pPr marL="0" marR="0" indent="0" algn="l" defTabSz="914400" rtl="0" eaLnBrk="1" fontAlgn="auto" latinLnBrk="0" hangingPunct="1">
+              <a:lnSpc>
+                <a:spcPct val="100000"/>
+              </a:lnSpc>
+              <a:spcBef>
+                <a:spcPts val="0"/>
+              </a:spcBef>
+              <a:spcAft>
+                <a:spcPts val="0"/>
+              </a:spcAft>
+              <a:buClrTx/>
+              <a:buSzTx/>
+              <a:buFontTx/>
+              <a:buNone/>
+              <a:tabLst/>
+              <a:defRPr/>
+            </a:pPr>
+            <a:r>
+              <a:rPr lang="en-US" dirty="0" smtClean="0"/>
+              <a:t>Once</a:t>
+            </a:r>
+            <a:r>
+              <a:rPr lang="en-US" baseline="0" dirty="0" smtClean="0"/>
+              <a:t> we have all of the electrical components, we will build</a:t>
             </a:r>
             <a:endParaRPr lang="en-US" dirty="0"/>
           </a:p>
@@ -7597,7 +7619,7 @@
     </p:spTree>
     <p:extLst>
       <p:ext uri="{BB962C8B-B14F-4D97-AF65-F5344CB8AC3E}">
-        <p14:creationId xmlns:p14="http://schemas.microsoft.com/office/powerpoint/2010/main" val="562347938"/>
+        <p14:creationId xmlns:p14="http://schemas.microsoft.com/office/powerpoint/2010/main" val="62533980"/>
       </p:ext>
     </p:extLst>
   </p:cSld>
@@ -9665,27 +9687,11 @@
           <a:bodyPr/>
           <a:lstStyle/>
           <a:p>
-            <a:pPr marL="0" marR="0" indent="0" algn="l" defTabSz="914400" rtl="0" eaLnBrk="1" fontAlgn="auto" latinLnBrk="0" hangingPunct="1">
-              <a:lnSpc>
-                <a:spcPct val="100000"/>
-              </a:lnSpc>
-              <a:spcBef>
-                <a:spcPts val="0"/>
-              </a:spcBef>
-              <a:spcAft>
-                <a:spcPts val="0"/>
-              </a:spcAft>
-              <a:buClrTx/>
-              <a:buSzTx/>
-              <a:buFontTx/>
-              <a:buNone/>
-              <a:tabLst/>
-              <a:defRPr/>
-            </a:pPr>
             <a:r>
               <a:rPr lang="en-US" dirty="0" smtClean="0"/>
-              <a:t>Spencer</a:t>
-            </a:r>
+              <a:t>Kevin</a:t>
+            </a:r>
+            <a:endParaRPr lang="en-US" dirty="0"/>
           </a:p>
         </p:txBody>
       </p:sp>
@@ -9715,7 +9721,7 @@
     </p:spTree>
     <p:extLst>
       <p:ext uri="{BB962C8B-B14F-4D97-AF65-F5344CB8AC3E}">
-        <p14:creationId xmlns:p14="http://schemas.microsoft.com/office/powerpoint/2010/main" val="62533980"/>
+        <p14:creationId xmlns:p14="http://schemas.microsoft.com/office/powerpoint/2010/main" val="1747577525"/>
       </p:ext>
     </p:extLst>
   </p:cSld>
@@ -9769,26 +9775,9 @@
           <a:bodyPr/>
           <a:lstStyle/>
           <a:p>
-            <a:pPr marL="0" marR="0" indent="0" algn="l" defTabSz="914400" rtl="0" eaLnBrk="1" fontAlgn="auto" latinLnBrk="0" hangingPunct="1">
-              <a:lnSpc>
-                <a:spcPct val="100000"/>
-              </a:lnSpc>
-              <a:spcBef>
-                <a:spcPts val="0"/>
-              </a:spcBef>
-              <a:spcAft>
-                <a:spcPts val="0"/>
-              </a:spcAft>
-              <a:buClrTx/>
-              <a:buSzTx/>
-              <a:buFontTx/>
-              <a:buNone/>
-              <a:tabLst/>
-              <a:defRPr/>
-            </a:pPr>
             <a:r>
               <a:rPr lang="en-US" dirty="0" smtClean="0"/>
-              <a:t>Spencer</a:t>
+              <a:t>Kevin</a:t>
             </a:r>
             <a:endParaRPr lang="en-US" dirty="0"/>
           </a:p>
@@ -9820,7 +9809,7 @@
     </p:spTree>
     <p:extLst>
       <p:ext uri="{BB962C8B-B14F-4D97-AF65-F5344CB8AC3E}">
-        <p14:creationId xmlns:p14="http://schemas.microsoft.com/office/powerpoint/2010/main" val="62533980"/>
+        <p14:creationId xmlns:p14="http://schemas.microsoft.com/office/powerpoint/2010/main" val="562347938"/>
       </p:ext>
     </p:extLst>
   </p:cSld>
@@ -9895,7 +9884,6 @@
               <a:rPr lang="en-US" dirty="0" smtClean="0"/>
               <a:t>Spencer</a:t>
             </a:r>
-            <a:endParaRPr lang="en-US" dirty="0"/>
           </a:p>
         </p:txBody>
       </p:sp>
@@ -10084,6 +10072,23 @@
           <a:bodyPr/>
           <a:lstStyle/>
           <a:p>
+            <a:pPr marL="0" marR="0" indent="0" algn="l" defTabSz="914400" rtl="0" eaLnBrk="1" fontAlgn="auto" latinLnBrk="0" hangingPunct="1">
+              <a:lnSpc>
+                <a:spcPct val="100000"/>
+              </a:lnSpc>
+              <a:spcBef>
+                <a:spcPts val="0"/>
+              </a:spcBef>
+              <a:spcAft>
+                <a:spcPts val="0"/>
+              </a:spcAft>
+              <a:buClrTx/>
+              <a:buSzTx/>
+              <a:buFontTx/>
+              <a:buNone/>
+              <a:tabLst/>
+              <a:defRPr/>
+            </a:pPr>
             <a:r>
               <a:rPr lang="en-US" dirty="0" smtClean="0"/>
               <a:t>Spencer</a:t>
@@ -10118,7 +10123,7 @@
     </p:spTree>
     <p:extLst>
       <p:ext uri="{BB962C8B-B14F-4D97-AF65-F5344CB8AC3E}">
-        <p14:creationId xmlns:p14="http://schemas.microsoft.com/office/powerpoint/2010/main" val="2076808703"/>
+        <p14:creationId xmlns:p14="http://schemas.microsoft.com/office/powerpoint/2010/main" val="62533980"/>
       </p:ext>
     </p:extLst>
   </p:cSld>
@@ -13199,7 +13204,11 @@
           <a:p>
             <a:r>
               <a:rPr lang="en-US" sz="4100" dirty="0" smtClean="0"/>
-              <a:t>Self-Balancing Autonomous Unicycle</a:t>
+              <a:t>Self-Balancing </a:t>
+            </a:r>
+            <a:r>
+              <a:rPr lang="en-US" sz="4100" dirty="0" smtClean="0"/>
+              <a:t>Unicycle</a:t>
             </a:r>
             <a:endParaRPr lang="en-US" sz="4100" dirty="0"/>
           </a:p>
@@ -13444,6 +13453,146 @@
       </p:pic>
       <p:sp>
         <p:nvSpPr>
+          <p:cNvPr id="12" name="TextBox 11"/>
+          <p:cNvSpPr txBox="1"/>
+          <p:nvPr/>
+        </p:nvSpPr>
+        <p:spPr>
+          <a:xfrm>
+            <a:off x="76200" y="-76200"/>
+            <a:ext cx="5486400" cy="2246769"/>
+          </a:xfrm>
+          <a:prstGeom prst="rect">
+            <a:avLst/>
+          </a:prstGeom>
+          <a:noFill/>
+        </p:spPr>
+        <p:txBody>
+          <a:bodyPr wrap="square" rtlCol="0">
+            <a:spAutoFit/>
+          </a:bodyPr>
+          <a:lstStyle/>
+          <a:p>
+            <a:r>
+              <a:rPr lang="en-US" sz="1400" dirty="0" smtClean="0">
+                <a:solidFill>
+                  <a:schemeClr val="bg1">
+                    <a:lumMod val="50000"/>
+                  </a:schemeClr>
+                </a:solidFill>
+              </a:rPr>
+              <a:t>Overview</a:t>
+            </a:r>
+            <a:endParaRPr lang="en-US" sz="1400" dirty="0" smtClean="0">
+              <a:solidFill>
+                <a:schemeClr val="bg1">
+                  <a:lumMod val="50000"/>
+                </a:schemeClr>
+              </a:solidFill>
+            </a:endParaRPr>
+          </a:p>
+          <a:p>
+            <a:r>
+              <a:rPr lang="en-US" sz="1400" dirty="0" smtClean="0">
+                <a:solidFill>
+                  <a:schemeClr val="bg1">
+                    <a:lumMod val="50000"/>
+                  </a:schemeClr>
+                </a:solidFill>
+              </a:rPr>
+              <a:t>Project </a:t>
+            </a:r>
+            <a:r>
+              <a:rPr lang="en-US" sz="1400" dirty="0" smtClean="0">
+                <a:solidFill>
+                  <a:schemeClr val="bg1">
+                    <a:lumMod val="50000"/>
+                  </a:schemeClr>
+                </a:solidFill>
+              </a:rPr>
+              <a:t>Plan</a:t>
+            </a:r>
+          </a:p>
+          <a:p>
+            <a:r>
+              <a:rPr lang="en-US" sz="1400" dirty="0" smtClean="0">
+                <a:solidFill>
+                  <a:schemeClr val="bg1">
+                    <a:lumMod val="50000"/>
+                  </a:schemeClr>
+                </a:solidFill>
+              </a:rPr>
+              <a:t>Status</a:t>
+            </a:r>
+            <a:endParaRPr lang="en-US" sz="1400" dirty="0" smtClean="0">
+              <a:solidFill>
+                <a:schemeClr val="bg1">
+                  <a:lumMod val="50000"/>
+                </a:schemeClr>
+              </a:solidFill>
+            </a:endParaRPr>
+          </a:p>
+          <a:p>
+            <a:endParaRPr lang="en-US" sz="1400" dirty="0" smtClean="0">
+              <a:solidFill>
+                <a:schemeClr val="bg1">
+                  <a:lumMod val="50000"/>
+                </a:schemeClr>
+              </a:solidFill>
+            </a:endParaRPr>
+          </a:p>
+          <a:p>
+            <a:endParaRPr lang="en-US" sz="1400" dirty="0" smtClean="0"/>
+          </a:p>
+          <a:p>
+            <a:endParaRPr lang="en-US" sz="1400" dirty="0"/>
+          </a:p>
+          <a:p>
+            <a:endParaRPr lang="en-US" sz="1400" dirty="0" smtClean="0">
+              <a:solidFill>
+                <a:schemeClr val="bg1"/>
+              </a:solidFill>
+            </a:endParaRPr>
+          </a:p>
+          <a:p>
+            <a:r>
+              <a:rPr lang="en-US" sz="1400" dirty="0" smtClean="0">
+                <a:solidFill>
+                  <a:schemeClr val="bg1"/>
+                </a:solidFill>
+              </a:rPr>
+              <a:t>Controls</a:t>
+            </a:r>
+            <a:endParaRPr lang="en-US" sz="1400" dirty="0" smtClean="0">
+              <a:solidFill>
+                <a:schemeClr val="bg1"/>
+              </a:solidFill>
+            </a:endParaRPr>
+          </a:p>
+          <a:p>
+            <a:r>
+              <a:rPr lang="en-US" sz="1400" dirty="0" smtClean="0">
+                <a:solidFill>
+                  <a:schemeClr val="bg1"/>
+                </a:solidFill>
+              </a:rPr>
+              <a:t>Modeling</a:t>
+            </a:r>
+          </a:p>
+          <a:p>
+            <a:r>
+              <a:rPr lang="en-US" sz="1400" dirty="0" smtClean="0">
+                <a:solidFill>
+                  <a:schemeClr val="bg1"/>
+                </a:solidFill>
+              </a:rPr>
+              <a:t>Conclusion</a:t>
+            </a:r>
+          </a:p>
+        </p:txBody>
+      </p:sp>
+      <p:sp>
+        <p:nvSpPr>
           <p:cNvPr id="5" name="Rectangle 4"/>
           <p:cNvSpPr/>
           <p:nvPr/>
@@ -13507,93 +13656,6 @@
       </p:sp>
       <p:sp>
         <p:nvSpPr>
-          <p:cNvPr id="9" name="TextBox 8"/>
-          <p:cNvSpPr txBox="1"/>
-          <p:nvPr/>
-        </p:nvSpPr>
-        <p:spPr>
-          <a:xfrm>
-            <a:off x="76200" y="344031"/>
-            <a:ext cx="5486400" cy="2031325"/>
-          </a:xfrm>
-          <a:prstGeom prst="rect">
-            <a:avLst/>
-          </a:prstGeom>
-          <a:noFill/>
-        </p:spPr>
-        <p:txBody>
-          <a:bodyPr wrap="square" rtlCol="0">
-            <a:spAutoFit/>
-          </a:bodyPr>
-          <a:lstStyle/>
-          <a:p>
-            <a:r>
-              <a:rPr lang="en-US" sz="1400" dirty="0" smtClean="0">
-                <a:solidFill>
-                  <a:schemeClr val="bg1">
-                    <a:lumMod val="50000"/>
-                  </a:schemeClr>
-                </a:solidFill>
-              </a:rPr>
-              <a:t>Problem Description</a:t>
-            </a:r>
-          </a:p>
-          <a:p>
-            <a:endParaRPr lang="en-US" sz="1400" dirty="0" smtClean="0"/>
-          </a:p>
-          <a:p>
-            <a:endParaRPr lang="en-US" sz="1400" dirty="0"/>
-          </a:p>
-          <a:p>
-            <a:endParaRPr lang="en-US" sz="1400" dirty="0" smtClean="0"/>
-          </a:p>
-          <a:p>
-            <a:endParaRPr lang="en-US" sz="1400" dirty="0" smtClean="0"/>
-          </a:p>
-          <a:p>
-            <a:r>
-              <a:rPr lang="en-US" sz="1400" dirty="0" smtClean="0">
-                <a:solidFill>
-                  <a:schemeClr val="bg1"/>
-                </a:solidFill>
-              </a:rPr>
-              <a:t>Current Status</a:t>
-            </a:r>
-          </a:p>
-          <a:p>
-            <a:r>
-              <a:rPr lang="en-US" sz="1400" dirty="0" smtClean="0">
-                <a:solidFill>
-                  <a:schemeClr val="bg1"/>
-                </a:solidFill>
-              </a:rPr>
-              <a:t>Control Strategies</a:t>
-            </a:r>
-          </a:p>
-          <a:p>
-            <a:r>
-              <a:rPr lang="en-US" sz="1400" dirty="0" smtClean="0">
-                <a:solidFill>
-                  <a:schemeClr val="bg1"/>
-                </a:solidFill>
-              </a:rPr>
-              <a:t>Modeling</a:t>
-            </a:r>
-          </a:p>
-          <a:p>
-            <a:r>
-              <a:rPr lang="en-US" sz="1400" dirty="0" smtClean="0">
-                <a:solidFill>
-                  <a:schemeClr val="bg1"/>
-                </a:solidFill>
-              </a:rPr>
-              <a:t>Conclusion</a:t>
-            </a:r>
-          </a:p>
-        </p:txBody>
-      </p:sp>
-      <p:sp>
-        <p:nvSpPr>
           <p:cNvPr id="4" name="TextBox 3"/>
           <p:cNvSpPr txBox="1"/>
           <p:nvPr/>
@@ -13616,7 +13678,1441 @@
           <a:p>
             <a:r>
               <a:rPr lang="en-US" sz="2800" dirty="0" smtClean="0"/>
-              <a:t>Project Plan – Structural Components</a:t>
+              <a:t>Determining Parts – </a:t>
+            </a:r>
+            <a:r>
+              <a:rPr lang="en-US" sz="2800" dirty="0" smtClean="0"/>
+              <a:t>Budget</a:t>
+            </a:r>
+            <a:endParaRPr lang="en-US" sz="2800" dirty="0"/>
+          </a:p>
+        </p:txBody>
+      </p:sp>
+      <p:graphicFrame>
+        <p:nvGraphicFramePr>
+          <p:cNvPr id="11" name="Chart 10"/>
+          <p:cNvGraphicFramePr>
+            <a:graphicFrameLocks/>
+          </p:cNvGraphicFramePr>
+          <p:nvPr>
+            <p:extLst>
+              <p:ext uri="{D42A27DB-BD31-4B8C-83A1-F6EECF244321}">
+                <p14:modId xmlns:p14="http://schemas.microsoft.com/office/powerpoint/2010/main" val="3677042638"/>
+              </p:ext>
+            </p:extLst>
+          </p:nvPr>
+        </p:nvGraphicFramePr>
+        <p:xfrm>
+          <a:off x="601028" y="1412298"/>
+          <a:ext cx="8534399" cy="4724400"/>
+        </p:xfrm>
+        <a:graphic>
+          <a:graphicData uri="http://schemas.openxmlformats.org/drawingml/2006/chart">
+            <c:chart xmlns:c="http://schemas.openxmlformats.org/drawingml/2006/chart" xmlns:r="http://schemas.openxmlformats.org/officeDocument/2006/relationships" r:id="rId4"/>
+          </a:graphicData>
+        </a:graphic>
+      </p:graphicFrame>
+      <p:graphicFrame>
+        <p:nvGraphicFramePr>
+          <p:cNvPr id="14" name="Chart 13"/>
+          <p:cNvGraphicFramePr>
+            <a:graphicFrameLocks/>
+          </p:cNvGraphicFramePr>
+          <p:nvPr>
+            <p:extLst>
+              <p:ext uri="{D42A27DB-BD31-4B8C-83A1-F6EECF244321}">
+                <p14:modId xmlns:p14="http://schemas.microsoft.com/office/powerpoint/2010/main" val="93971895"/>
+              </p:ext>
+            </p:extLst>
+          </p:nvPr>
+        </p:nvGraphicFramePr>
+        <p:xfrm>
+          <a:off x="1295400" y="1447800"/>
+          <a:ext cx="7086600" cy="4718222"/>
+        </p:xfrm>
+        <a:graphic>
+          <a:graphicData uri="http://schemas.openxmlformats.org/drawingml/2006/chart">
+            <c:chart xmlns:c="http://schemas.openxmlformats.org/drawingml/2006/chart" xmlns:r="http://schemas.openxmlformats.org/officeDocument/2006/relationships" r:id="rId5"/>
+          </a:graphicData>
+        </a:graphic>
+      </p:graphicFrame>
+      <p:sp>
+        <p:nvSpPr>
+          <p:cNvPr id="3" name="TextBox 2"/>
+          <p:cNvSpPr txBox="1"/>
+          <p:nvPr/>
+        </p:nvSpPr>
+        <p:spPr>
+          <a:xfrm>
+            <a:off x="5410200" y="5965967"/>
+            <a:ext cx="2514600" cy="400110"/>
+          </a:xfrm>
+          <a:prstGeom prst="rect">
+            <a:avLst/>
+          </a:prstGeom>
+          <a:noFill/>
+        </p:spPr>
+        <p:txBody>
+          <a:bodyPr wrap="square" rtlCol="0">
+            <a:spAutoFit/>
+          </a:bodyPr>
+          <a:lstStyle/>
+          <a:p>
+            <a:r>
+              <a:rPr lang="en-US" sz="2000" b="1" dirty="0" smtClean="0"/>
+              <a:t>Total Cost: $27,740</a:t>
+            </a:r>
+            <a:endParaRPr lang="en-US" sz="2000" baseline="30000" dirty="0"/>
+          </a:p>
+        </p:txBody>
+      </p:sp>
+    </p:spTree>
+    <p:extLst>
+      <p:ext uri="{BB962C8B-B14F-4D97-AF65-F5344CB8AC3E}">
+        <p14:creationId xmlns:p14="http://schemas.microsoft.com/office/powerpoint/2010/main" val="2598278060"/>
+      </p:ext>
+    </p:extLst>
+  </p:cSld>
+  <p:clrMapOvr>
+    <a:masterClrMapping/>
+  </p:clrMapOvr>
+  <p:timing>
+    <p:tnLst>
+      <p:par>
+        <p:cTn id="1" dur="indefinite" restart="never" nodeType="tmRoot">
+          <p:childTnLst>
+            <p:seq concurrent="1" nextAc="seek">
+              <p:cTn id="2" dur="indefinite" nodeType="mainSeq">
+                <p:childTnLst>
+                  <p:par>
+                    <p:cTn id="3" fill="hold">
+                      <p:stCondLst>
+                        <p:cond delay="indefinite"/>
+                      </p:stCondLst>
+                      <p:childTnLst>
+                        <p:par>
+                          <p:cTn id="4" fill="hold">
+                            <p:stCondLst>
+                              <p:cond delay="0"/>
+                            </p:stCondLst>
+                            <p:childTnLst>
+                              <p:par>
+                                <p:cTn id="5" presetID="1" presetClass="exit" presetSubtype="0" fill="hold" grpId="0" nodeType="clickEffect">
+                                  <p:stCondLst>
+                                    <p:cond delay="0"/>
+                                  </p:stCondLst>
+                                  <p:childTnLst>
+                                    <p:set>
+                                      <p:cBhvr>
+                                        <p:cTn id="6" dur="1" fill="hold">
+                                          <p:stCondLst>
+                                            <p:cond delay="0"/>
+                                          </p:stCondLst>
+                                        </p:cTn>
+                                        <p:tgtEl>
+                                          <p:spTgt spid="11"/>
+                                        </p:tgtEl>
+                                        <p:attrNameLst>
+                                          <p:attrName>style.visibility</p:attrName>
+                                        </p:attrNameLst>
+                                      </p:cBhvr>
+                                      <p:to>
+                                        <p:strVal val="hidden"/>
+                                      </p:to>
+                                    </p:set>
+                                  </p:childTnLst>
+                                </p:cTn>
+                              </p:par>
+                              <p:par>
+                                <p:cTn id="7" presetID="10" presetClass="entr" presetSubtype="0" fill="hold" grpId="0" nodeType="withEffect">
+                                  <p:stCondLst>
+                                    <p:cond delay="0"/>
+                                  </p:stCondLst>
+                                  <p:childTnLst>
+                                    <p:set>
+                                      <p:cBhvr>
+                                        <p:cTn id="8" dur="1" fill="hold">
+                                          <p:stCondLst>
+                                            <p:cond delay="0"/>
+                                          </p:stCondLst>
+                                        </p:cTn>
+                                        <p:tgtEl>
+                                          <p:spTgt spid="14"/>
+                                        </p:tgtEl>
+                                        <p:attrNameLst>
+                                          <p:attrName>style.visibility</p:attrName>
+                                        </p:attrNameLst>
+                                      </p:cBhvr>
+                                      <p:to>
+                                        <p:strVal val="visible"/>
+                                      </p:to>
+                                    </p:set>
+                                    <p:animEffect transition="in" filter="fade">
+                                      <p:cBhvr>
+                                        <p:cTn id="9" dur="500"/>
+                                        <p:tgtEl>
+                                          <p:spTgt spid="14"/>
+                                        </p:tgtEl>
+                                      </p:cBhvr>
+                                    </p:animEffect>
+                                  </p:childTnLst>
+                                </p:cTn>
+                              </p:par>
+                              <p:par>
+                                <p:cTn id="10" presetID="1" presetClass="exit" presetSubtype="0" fill="hold" grpId="0" nodeType="withEffect">
+                                  <p:stCondLst>
+                                    <p:cond delay="0"/>
+                                  </p:stCondLst>
+                                  <p:childTnLst>
+                                    <p:set>
+                                      <p:cBhvr>
+                                        <p:cTn id="11" dur="1" fill="hold">
+                                          <p:stCondLst>
+                                            <p:cond delay="0"/>
+                                          </p:stCondLst>
+                                        </p:cTn>
+                                        <p:tgtEl>
+                                          <p:spTgt spid="3"/>
+                                        </p:tgtEl>
+                                        <p:attrNameLst>
+                                          <p:attrName>style.visibility</p:attrName>
+                                        </p:attrNameLst>
+                                      </p:cBhvr>
+                                      <p:to>
+                                        <p:strVal val="hidden"/>
+                                      </p:to>
+                                    </p:set>
+                                  </p:childTnLst>
+                                </p:cTn>
+                              </p:par>
+                            </p:childTnLst>
+                          </p:cTn>
+                        </p:par>
+                      </p:childTnLst>
+                    </p:cTn>
+                  </p:par>
+                </p:childTnLst>
+              </p:cTn>
+              <p:prevCondLst>
+                <p:cond evt="onPrev" delay="0">
+                  <p:tgtEl>
+                    <p:sldTgt/>
+                  </p:tgtEl>
+                </p:cond>
+              </p:prevCondLst>
+              <p:nextCondLst>
+                <p:cond evt="onNext" delay="0">
+                  <p:tgtEl>
+                    <p:sldTgt/>
+                  </p:tgtEl>
+                </p:cond>
+              </p:nextCondLst>
+            </p:seq>
+          </p:childTnLst>
+        </p:cTn>
+      </p:par>
+    </p:tnLst>
+    <p:bldLst>
+      <p:bldGraphic spid="11" grpId="0">
+        <p:bldAsOne/>
+      </p:bldGraphic>
+      <p:bldGraphic spid="14" grpId="0">
+        <p:bldAsOne/>
+      </p:bldGraphic>
+      <p:bldP spid="3" grpId="0"/>
+    </p:bldLst>
+  </p:timing>
+</p:sld>
+</file>
+
+<file path=ppt/slides/slide11.xml><?xml version="1.0" encoding="utf-8"?>
+<p:sld xmlns:a="http://schemas.openxmlformats.org/drawingml/2006/main" xmlns:r="http://schemas.openxmlformats.org/officeDocument/2006/relationships" xmlns:p="http://schemas.openxmlformats.org/presentationml/2006/main">
+  <p:cSld>
+    <p:bg>
+      <p:bgPr>
+        <a:gradFill rotWithShape="1">
+          <a:gsLst>
+            <a:gs pos="0">
+              <a:schemeClr val="bg1">
+                <a:tint val="90000"/>
+              </a:schemeClr>
+            </a:gs>
+            <a:gs pos="75000">
+              <a:schemeClr val="bg1">
+                <a:shade val="100000"/>
+                <a:satMod val="115000"/>
+              </a:schemeClr>
+            </a:gs>
+            <a:gs pos="100000">
+              <a:schemeClr val="bg1">
+                <a:shade val="70000"/>
+                <a:satMod val="130000"/>
+              </a:schemeClr>
+            </a:gs>
+          </a:gsLst>
+          <a:path path="circle">
+            <a:fillToRect l="20000" t="50000" r="100000" b="50000"/>
+          </a:path>
+        </a:gradFill>
+        <a:effectLst/>
+      </p:bgPr>
+    </p:bg>
+    <p:spTree>
+      <p:nvGrpSpPr>
+        <p:cNvPr id="1" name=""/>
+        <p:cNvGrpSpPr/>
+        <p:nvPr/>
+      </p:nvGrpSpPr>
+      <p:grpSpPr>
+        <a:xfrm>
+          <a:off x="0" y="0"/>
+          <a:ext cx="0" cy="0"/>
+          <a:chOff x="0" y="0"/>
+          <a:chExt cx="0" cy="0"/>
+        </a:xfrm>
+      </p:grpSpPr>
+      <p:pic>
+        <p:nvPicPr>
+          <p:cNvPr id="8" name="Picture 7"/>
+          <p:cNvPicPr>
+            <a:picLocks noChangeAspect="1"/>
+          </p:cNvPicPr>
+          <p:nvPr/>
+        </p:nvPicPr>
+        <p:blipFill>
+          <a:blip r:embed="rId3">
+            <a:extLst>
+              <a:ext uri="{28A0092B-C50C-407E-A947-70E740481C1C}">
+                <a14:useLocalDpi xmlns:a14="http://schemas.microsoft.com/office/drawing/2010/main" val="0"/>
+              </a:ext>
+            </a:extLst>
+          </a:blip>
+          <a:stretch>
+            <a:fillRect/>
+          </a:stretch>
+        </p:blipFill>
+        <p:spPr>
+          <a:xfrm>
+            <a:off x="8572" y="0"/>
+            <a:ext cx="9126855" cy="6858000"/>
+          </a:xfrm>
+          <a:prstGeom prst="rect">
+            <a:avLst/>
+          </a:prstGeom>
+        </p:spPr>
+      </p:pic>
+      <p:sp>
+        <p:nvSpPr>
+          <p:cNvPr id="21" name="TextBox 20"/>
+          <p:cNvSpPr txBox="1"/>
+          <p:nvPr/>
+        </p:nvSpPr>
+        <p:spPr>
+          <a:xfrm>
+            <a:off x="76200" y="-76200"/>
+            <a:ext cx="5486400" cy="2246769"/>
+          </a:xfrm>
+          <a:prstGeom prst="rect">
+            <a:avLst/>
+          </a:prstGeom>
+          <a:noFill/>
+        </p:spPr>
+        <p:txBody>
+          <a:bodyPr wrap="square" rtlCol="0">
+            <a:spAutoFit/>
+          </a:bodyPr>
+          <a:lstStyle/>
+          <a:p>
+            <a:r>
+              <a:rPr lang="en-US" sz="1400" dirty="0" smtClean="0">
+                <a:solidFill>
+                  <a:schemeClr val="bg1">
+                    <a:lumMod val="50000"/>
+                  </a:schemeClr>
+                </a:solidFill>
+              </a:rPr>
+              <a:t>Overview</a:t>
+            </a:r>
+            <a:endParaRPr lang="en-US" sz="1400" dirty="0" smtClean="0">
+              <a:solidFill>
+                <a:schemeClr val="bg1">
+                  <a:lumMod val="50000"/>
+                </a:schemeClr>
+              </a:solidFill>
+            </a:endParaRPr>
+          </a:p>
+          <a:p>
+            <a:r>
+              <a:rPr lang="en-US" sz="1400" dirty="0" smtClean="0">
+                <a:solidFill>
+                  <a:schemeClr val="bg1">
+                    <a:lumMod val="50000"/>
+                  </a:schemeClr>
+                </a:solidFill>
+              </a:rPr>
+              <a:t>Project </a:t>
+            </a:r>
+            <a:r>
+              <a:rPr lang="en-US" sz="1400" dirty="0" smtClean="0">
+                <a:solidFill>
+                  <a:schemeClr val="bg1">
+                    <a:lumMod val="50000"/>
+                  </a:schemeClr>
+                </a:solidFill>
+              </a:rPr>
+              <a:t>Plan</a:t>
+            </a:r>
+          </a:p>
+          <a:p>
+            <a:r>
+              <a:rPr lang="en-US" sz="1400" dirty="0" smtClean="0">
+                <a:solidFill>
+                  <a:schemeClr val="bg1">
+                    <a:lumMod val="50000"/>
+                  </a:schemeClr>
+                </a:solidFill>
+              </a:rPr>
+              <a:t>Status</a:t>
+            </a:r>
+            <a:endParaRPr lang="en-US" sz="1400" dirty="0" smtClean="0">
+              <a:solidFill>
+                <a:schemeClr val="bg1">
+                  <a:lumMod val="50000"/>
+                </a:schemeClr>
+              </a:solidFill>
+            </a:endParaRPr>
+          </a:p>
+          <a:p>
+            <a:endParaRPr lang="en-US" sz="1400" dirty="0" smtClean="0">
+              <a:solidFill>
+                <a:schemeClr val="bg1">
+                  <a:lumMod val="50000"/>
+                </a:schemeClr>
+              </a:solidFill>
+            </a:endParaRPr>
+          </a:p>
+          <a:p>
+            <a:endParaRPr lang="en-US" sz="1400" dirty="0" smtClean="0"/>
+          </a:p>
+          <a:p>
+            <a:endParaRPr lang="en-US" sz="1400" dirty="0"/>
+          </a:p>
+          <a:p>
+            <a:endParaRPr lang="en-US" sz="1400" dirty="0" smtClean="0">
+              <a:solidFill>
+                <a:schemeClr val="bg1"/>
+              </a:solidFill>
+            </a:endParaRPr>
+          </a:p>
+          <a:p>
+            <a:r>
+              <a:rPr lang="en-US" sz="1400" dirty="0" smtClean="0">
+                <a:solidFill>
+                  <a:schemeClr val="bg1"/>
+                </a:solidFill>
+              </a:rPr>
+              <a:t>Controls</a:t>
+            </a:r>
+            <a:endParaRPr lang="en-US" sz="1400" dirty="0" smtClean="0">
+              <a:solidFill>
+                <a:schemeClr val="bg1"/>
+              </a:solidFill>
+            </a:endParaRPr>
+          </a:p>
+          <a:p>
+            <a:r>
+              <a:rPr lang="en-US" sz="1400" dirty="0" smtClean="0">
+                <a:solidFill>
+                  <a:schemeClr val="bg1"/>
+                </a:solidFill>
+              </a:rPr>
+              <a:t>Modeling</a:t>
+            </a:r>
+          </a:p>
+          <a:p>
+            <a:r>
+              <a:rPr lang="en-US" sz="1400" dirty="0" smtClean="0">
+                <a:solidFill>
+                  <a:schemeClr val="bg1"/>
+                </a:solidFill>
+              </a:rPr>
+              <a:t>Conclusion</a:t>
+            </a:r>
+          </a:p>
+        </p:txBody>
+      </p:sp>
+      <p:sp>
+        <p:nvSpPr>
+          <p:cNvPr id="5" name="Rectangle 4"/>
+          <p:cNvSpPr/>
+          <p:nvPr/>
+        </p:nvSpPr>
+        <p:spPr>
+          <a:xfrm>
+            <a:off x="1066800" y="685800"/>
+            <a:ext cx="7010400" cy="685800"/>
+          </a:xfrm>
+          <a:prstGeom prst="rect">
+            <a:avLst/>
+          </a:prstGeom>
+          <a:gradFill flip="none" rotWithShape="1">
+            <a:gsLst>
+              <a:gs pos="100000">
+                <a:schemeClr val="bg1">
+                  <a:tint val="90000"/>
+                </a:schemeClr>
+              </a:gs>
+              <a:gs pos="100000">
+                <a:schemeClr val="bg1">
+                  <a:shade val="100000"/>
+                  <a:satMod val="115000"/>
+                </a:schemeClr>
+              </a:gs>
+              <a:gs pos="0">
+                <a:srgbClr val="8390CF"/>
+              </a:gs>
+            </a:gsLst>
+            <a:lin ang="0" scaled="0"/>
+            <a:tileRect/>
+          </a:gradFill>
+          <a:ln>
+            <a:noFill/>
+          </a:ln>
+        </p:spPr>
+        <p:style>
+          <a:lnRef idx="2">
+            <a:schemeClr val="accent1">
+              <a:shade val="50000"/>
+            </a:schemeClr>
+          </a:lnRef>
+          <a:fillRef idx="1">
+            <a:schemeClr val="accent1"/>
+          </a:fillRef>
+          <a:effectRef idx="0">
+            <a:schemeClr val="accent1"/>
+          </a:effectRef>
+          <a:fontRef idx="minor">
+            <a:schemeClr val="lt1"/>
+          </a:fontRef>
+        </p:style>
+        <p:txBody>
+          <a:bodyPr rtlCol="0" anchor="ctr"/>
+          <a:lstStyle/>
+          <a:p>
+            <a:pPr algn="ctr"/>
+            <a:endParaRPr lang="en-US"/>
+          </a:p>
+        </p:txBody>
+      </p:sp>
+      <p:sp>
+        <p:nvSpPr>
+          <p:cNvPr id="4" name="TextBox 3"/>
+          <p:cNvSpPr txBox="1"/>
+          <p:nvPr/>
+        </p:nvSpPr>
+        <p:spPr>
+          <a:xfrm>
+            <a:off x="76200" y="772180"/>
+            <a:ext cx="7010400" cy="523220"/>
+          </a:xfrm>
+          <a:prstGeom prst="rect">
+            <a:avLst/>
+          </a:prstGeom>
+          <a:noFill/>
+        </p:spPr>
+        <p:txBody>
+          <a:bodyPr wrap="square" rtlCol="0">
+            <a:spAutoFit/>
+          </a:bodyPr>
+          <a:lstStyle/>
+          <a:p>
+            <a:r>
+              <a:rPr lang="en-US" sz="2800" dirty="0" smtClean="0"/>
+              <a:t>Determining Parts – </a:t>
+            </a:r>
+            <a:r>
+              <a:rPr lang="en-US" sz="2800" dirty="0" smtClean="0"/>
+              <a:t>Electrical Components</a:t>
+            </a:r>
+            <a:endParaRPr lang="en-US" sz="2800" dirty="0"/>
+          </a:p>
+        </p:txBody>
+      </p:sp>
+      <p:grpSp>
+        <p:nvGrpSpPr>
+          <p:cNvPr id="3" name="Group 2"/>
+          <p:cNvGrpSpPr/>
+          <p:nvPr/>
+        </p:nvGrpSpPr>
+        <p:grpSpPr>
+          <a:xfrm>
+            <a:off x="2362200" y="1402142"/>
+            <a:ext cx="6248400" cy="1802613"/>
+            <a:chOff x="2362200" y="1402142"/>
+            <a:chExt cx="6248400" cy="1802613"/>
+          </a:xfrm>
+        </p:grpSpPr>
+        <p:sp>
+          <p:nvSpPr>
+            <p:cNvPr id="2" name="TextBox 1"/>
+            <p:cNvSpPr txBox="1"/>
+            <p:nvPr/>
+          </p:nvSpPr>
+          <p:spPr>
+            <a:xfrm>
+              <a:off x="2362200" y="2072615"/>
+              <a:ext cx="5181600" cy="461665"/>
+            </a:xfrm>
+            <a:prstGeom prst="rect">
+              <a:avLst/>
+            </a:prstGeom>
+            <a:noFill/>
+          </p:spPr>
+          <p:txBody>
+            <a:bodyPr wrap="square" rtlCol="0">
+              <a:spAutoFit/>
+            </a:bodyPr>
+            <a:lstStyle/>
+            <a:p>
+              <a:r>
+                <a:rPr lang="en-US" sz="2400" dirty="0" err="1" smtClean="0"/>
+                <a:t>CompactRIO</a:t>
+              </a:r>
+              <a:r>
+                <a:rPr lang="en-US" sz="2400" dirty="0" smtClean="0"/>
+                <a:t> Real-Time Controller</a:t>
+              </a:r>
+              <a:endParaRPr lang="en-US" sz="2400" dirty="0"/>
+            </a:p>
+          </p:txBody>
+        </p:sp>
+        <p:pic>
+          <p:nvPicPr>
+            <p:cNvPr id="11" name="Picture 4" descr="http://sine.ni.com/images/products/us/crio-9024_l.jpg"/>
+            <p:cNvPicPr>
+              <a:picLocks noChangeAspect="1" noChangeArrowheads="1"/>
+            </p:cNvPicPr>
+            <p:nvPr/>
+          </p:nvPicPr>
+          <p:blipFill rotWithShape="1">
+            <a:blip r:embed="rId4">
+              <a:extLst>
+                <a:ext uri="{28A0092B-C50C-407E-A947-70E740481C1C}">
+                  <a14:useLocalDpi xmlns:a14="http://schemas.microsoft.com/office/drawing/2010/main" val="0"/>
+                </a:ext>
+              </a:extLst>
+            </a:blip>
+            <a:srcRect l="13223" t="4817" r="16365" b="7120"/>
+            <a:stretch/>
+          </p:blipFill>
+          <p:spPr bwMode="auto">
+            <a:xfrm>
+              <a:off x="6629400" y="1402142"/>
+              <a:ext cx="1981200" cy="1802613"/>
+            </a:xfrm>
+            <a:prstGeom prst="rect">
+              <a:avLst/>
+            </a:prstGeom>
+            <a:noFill/>
+            <a:extLst>
+              <a:ext uri="{909E8E84-426E-40DD-AFC4-6F175D3DCCD1}">
+                <a14:hiddenFill xmlns:a14="http://schemas.microsoft.com/office/drawing/2010/main">
+                  <a:solidFill>
+                    <a:srgbClr val="FFFFFF"/>
+                  </a:solidFill>
+                </a14:hiddenFill>
+              </a:ext>
+            </a:extLst>
+          </p:spPr>
+        </p:pic>
+      </p:grpSp>
+      <p:grpSp>
+        <p:nvGrpSpPr>
+          <p:cNvPr id="7" name="Group 6"/>
+          <p:cNvGrpSpPr/>
+          <p:nvPr/>
+        </p:nvGrpSpPr>
+        <p:grpSpPr>
+          <a:xfrm>
+            <a:off x="1143000" y="2514600"/>
+            <a:ext cx="6128747" cy="2100854"/>
+            <a:chOff x="1110253" y="2552815"/>
+            <a:chExt cx="6128747" cy="2100854"/>
+          </a:xfrm>
+        </p:grpSpPr>
+        <p:pic>
+          <p:nvPicPr>
+            <p:cNvPr id="12" name="Picture 6" descr="http://www.hubmotors.com/media/catalog/product/cache/10/image/9df78eab33525d08d6e5fb8d27136e95/2/8/280-1368m_1.jpg"/>
+            <p:cNvPicPr>
+              <a:picLocks noChangeAspect="1" noChangeArrowheads="1"/>
+            </p:cNvPicPr>
+            <p:nvPr/>
+          </p:nvPicPr>
+          <p:blipFill rotWithShape="1">
+            <a:blip r:embed="rId5">
+              <a:extLst>
+                <a:ext uri="{28A0092B-C50C-407E-A947-70E740481C1C}">
+                  <a14:useLocalDpi xmlns:a14="http://schemas.microsoft.com/office/drawing/2010/main" val="0"/>
+                </a:ext>
+              </a:extLst>
+            </a:blip>
+            <a:srcRect l="18672" t="4179" r="13351" b="4084"/>
+            <a:stretch/>
+          </p:blipFill>
+          <p:spPr bwMode="auto">
+            <a:xfrm>
+              <a:off x="1110253" y="2552815"/>
+              <a:ext cx="1556747" cy="2100854"/>
+            </a:xfrm>
+            <a:prstGeom prst="rect">
+              <a:avLst/>
+            </a:prstGeom>
+            <a:noFill/>
+            <a:extLst>
+              <a:ext uri="{909E8E84-426E-40DD-AFC4-6F175D3DCCD1}">
+                <a14:hiddenFill xmlns:a14="http://schemas.microsoft.com/office/drawing/2010/main">
+                  <a:solidFill>
+                    <a:srgbClr val="FFFFFF"/>
+                  </a:solidFill>
+                </a14:hiddenFill>
+              </a:ext>
+            </a:extLst>
+          </p:spPr>
+        </p:pic>
+        <p:sp>
+          <p:nvSpPr>
+            <p:cNvPr id="6" name="TextBox 5"/>
+            <p:cNvSpPr txBox="1"/>
+            <p:nvPr/>
+          </p:nvSpPr>
+          <p:spPr>
+            <a:xfrm>
+              <a:off x="2590800" y="3372409"/>
+              <a:ext cx="4648200" cy="461665"/>
+            </a:xfrm>
+            <a:prstGeom prst="rect">
+              <a:avLst/>
+            </a:prstGeom>
+            <a:noFill/>
+          </p:spPr>
+          <p:txBody>
+            <a:bodyPr wrap="square" rtlCol="0">
+              <a:spAutoFit/>
+            </a:bodyPr>
+            <a:lstStyle/>
+            <a:p>
+              <a:r>
+                <a:rPr lang="en-US" sz="2400" dirty="0" smtClean="0"/>
+                <a:t>In-Hub Motors</a:t>
+              </a:r>
+              <a:endParaRPr lang="en-US" sz="2400" dirty="0"/>
+            </a:p>
+          </p:txBody>
+        </p:sp>
+      </p:grpSp>
+      <p:grpSp>
+        <p:nvGrpSpPr>
+          <p:cNvPr id="15" name="Group 14"/>
+          <p:cNvGrpSpPr/>
+          <p:nvPr/>
+        </p:nvGrpSpPr>
+        <p:grpSpPr>
+          <a:xfrm>
+            <a:off x="4114800" y="3936091"/>
+            <a:ext cx="5029200" cy="1474109"/>
+            <a:chOff x="4114800" y="3097019"/>
+            <a:chExt cx="5029200" cy="1474109"/>
+          </a:xfrm>
+        </p:grpSpPr>
+        <p:pic>
+          <p:nvPicPr>
+            <p:cNvPr id="13" name="Picture 10" descr="http://robotbox.net/sites/default/files/imagecache/normal/part_pics/roboteq-motor-controler/roboteq.jpg"/>
+            <p:cNvPicPr>
+              <a:picLocks noChangeAspect="1" noChangeArrowheads="1"/>
+            </p:cNvPicPr>
+            <p:nvPr/>
+          </p:nvPicPr>
+          <p:blipFill>
+            <a:blip r:embed="rId6">
+              <a:extLst>
+                <a:ext uri="{28A0092B-C50C-407E-A947-70E740481C1C}">
+                  <a14:useLocalDpi xmlns:a14="http://schemas.microsoft.com/office/drawing/2010/main" val="0"/>
+                </a:ext>
+              </a:extLst>
+            </a:blip>
+            <a:srcRect/>
+            <a:stretch>
+              <a:fillRect/>
+            </a:stretch>
+          </p:blipFill>
+          <p:spPr bwMode="auto">
+            <a:xfrm>
+              <a:off x="6341512" y="3097019"/>
+              <a:ext cx="2802488" cy="1474109"/>
+            </a:xfrm>
+            <a:prstGeom prst="rect">
+              <a:avLst/>
+            </a:prstGeom>
+            <a:noFill/>
+            <a:extLst>
+              <a:ext uri="{909E8E84-426E-40DD-AFC4-6F175D3DCCD1}">
+                <a14:hiddenFill xmlns:a14="http://schemas.microsoft.com/office/drawing/2010/main">
+                  <a:solidFill>
+                    <a:srgbClr val="FFFFFF"/>
+                  </a:solidFill>
+                </a14:hiddenFill>
+              </a:ext>
+            </a:extLst>
+          </p:spPr>
+        </p:pic>
+        <p:sp>
+          <p:nvSpPr>
+            <p:cNvPr id="14" name="TextBox 13"/>
+            <p:cNvSpPr txBox="1"/>
+            <p:nvPr/>
+          </p:nvSpPr>
+          <p:spPr>
+            <a:xfrm>
+              <a:off x="4114800" y="3603240"/>
+              <a:ext cx="4648200" cy="461665"/>
+            </a:xfrm>
+            <a:prstGeom prst="rect">
+              <a:avLst/>
+            </a:prstGeom>
+            <a:noFill/>
+          </p:spPr>
+          <p:txBody>
+            <a:bodyPr wrap="square" rtlCol="0">
+              <a:spAutoFit/>
+            </a:bodyPr>
+            <a:lstStyle/>
+            <a:p>
+              <a:r>
+                <a:rPr lang="en-US" sz="2400" dirty="0" smtClean="0"/>
+                <a:t>Motor Controllers</a:t>
+              </a:r>
+              <a:endParaRPr lang="en-US" sz="2400" dirty="0"/>
+            </a:p>
+          </p:txBody>
+        </p:sp>
+      </p:grpSp>
+      <p:grpSp>
+        <p:nvGrpSpPr>
+          <p:cNvPr id="19" name="Group 18"/>
+          <p:cNvGrpSpPr/>
+          <p:nvPr/>
+        </p:nvGrpSpPr>
+        <p:grpSpPr>
+          <a:xfrm>
+            <a:off x="1163799" y="5357866"/>
+            <a:ext cx="5999001" cy="1271534"/>
+            <a:chOff x="1239999" y="4953000"/>
+            <a:chExt cx="5999001" cy="1271534"/>
+          </a:xfrm>
+        </p:grpSpPr>
+        <p:pic>
+          <p:nvPicPr>
+            <p:cNvPr id="16" name="Picture 8" descr="http://www.seattlerobotics.org/encoder/200610/article3/IMU%20Odometry,%20by%20David%20Anderson_files/3dmgx1.jpg"/>
+            <p:cNvPicPr>
+              <a:picLocks noChangeAspect="1" noChangeArrowheads="1"/>
+            </p:cNvPicPr>
+            <p:nvPr/>
+          </p:nvPicPr>
+          <p:blipFill>
+            <a:blip r:embed="rId7">
+              <a:extLst>
+                <a:ext uri="{28A0092B-C50C-407E-A947-70E740481C1C}">
+                  <a14:useLocalDpi xmlns:a14="http://schemas.microsoft.com/office/drawing/2010/main" val="0"/>
+                </a:ext>
+              </a:extLst>
+            </a:blip>
+            <a:srcRect/>
+            <a:stretch>
+              <a:fillRect/>
+            </a:stretch>
+          </p:blipFill>
+          <p:spPr bwMode="auto">
+            <a:xfrm>
+              <a:off x="1239999" y="4953000"/>
+              <a:ext cx="1676400" cy="1271534"/>
+            </a:xfrm>
+            <a:prstGeom prst="rect">
+              <a:avLst/>
+            </a:prstGeom>
+            <a:noFill/>
+            <a:extLst>
+              <a:ext uri="{909E8E84-426E-40DD-AFC4-6F175D3DCCD1}">
+                <a14:hiddenFill xmlns:a14="http://schemas.microsoft.com/office/drawing/2010/main">
+                  <a:solidFill>
+                    <a:srgbClr val="FFFFFF"/>
+                  </a:solidFill>
+                </a14:hiddenFill>
+              </a:ext>
+            </a:extLst>
+          </p:spPr>
+        </p:pic>
+        <p:sp>
+          <p:nvSpPr>
+            <p:cNvPr id="18" name="TextBox 17"/>
+            <p:cNvSpPr txBox="1"/>
+            <p:nvPr/>
+          </p:nvSpPr>
+          <p:spPr>
+            <a:xfrm>
+              <a:off x="2590800" y="5357934"/>
+              <a:ext cx="4648200" cy="461665"/>
+            </a:xfrm>
+            <a:prstGeom prst="rect">
+              <a:avLst/>
+            </a:prstGeom>
+            <a:noFill/>
+          </p:spPr>
+          <p:txBody>
+            <a:bodyPr wrap="square" rtlCol="0">
+              <a:spAutoFit/>
+            </a:bodyPr>
+            <a:lstStyle/>
+            <a:p>
+              <a:r>
+                <a:rPr lang="en-US" sz="2400" dirty="0" smtClean="0"/>
+                <a:t>Inertial Measurement Unit (IMU)</a:t>
+              </a:r>
+              <a:endParaRPr lang="en-US" sz="2400" dirty="0"/>
+            </a:p>
+          </p:txBody>
+        </p:sp>
+      </p:grpSp>
+    </p:spTree>
+    <p:extLst>
+      <p:ext uri="{BB962C8B-B14F-4D97-AF65-F5344CB8AC3E}">
+        <p14:creationId xmlns:p14="http://schemas.microsoft.com/office/powerpoint/2010/main" val="2527321053"/>
+      </p:ext>
+    </p:extLst>
+  </p:cSld>
+  <p:clrMapOvr>
+    <a:masterClrMapping/>
+  </p:clrMapOvr>
+  <p:timing>
+    <p:tnLst>
+      <p:par>
+        <p:cTn id="1" dur="indefinite" restart="never" nodeType="tmRoot">
+          <p:childTnLst>
+            <p:seq concurrent="1" nextAc="seek">
+              <p:cTn id="2" dur="indefinite" nodeType="mainSeq">
+                <p:childTnLst>
+                  <p:par>
+                    <p:cTn id="3" fill="hold">
+                      <p:stCondLst>
+                        <p:cond delay="indefinite"/>
+                      </p:stCondLst>
+                      <p:childTnLst>
+                        <p:par>
+                          <p:cTn id="4" fill="hold">
+                            <p:stCondLst>
+                              <p:cond delay="0"/>
+                            </p:stCondLst>
+                            <p:childTnLst>
+                              <p:par>
+                                <p:cTn id="5" presetID="1" presetClass="entr" presetSubtype="0" fill="hold" nodeType="clickEffect">
+                                  <p:stCondLst>
+                                    <p:cond delay="0"/>
+                                  </p:stCondLst>
+                                  <p:childTnLst>
+                                    <p:set>
+                                      <p:cBhvr>
+                                        <p:cTn id="6" dur="1" fill="hold">
+                                          <p:stCondLst>
+                                            <p:cond delay="0"/>
+                                          </p:stCondLst>
+                                        </p:cTn>
+                                        <p:tgtEl>
+                                          <p:spTgt spid="3"/>
+                                        </p:tgtEl>
+                                        <p:attrNameLst>
+                                          <p:attrName>style.visibility</p:attrName>
+                                        </p:attrNameLst>
+                                      </p:cBhvr>
+                                      <p:to>
+                                        <p:strVal val="visible"/>
+                                      </p:to>
+                                    </p:set>
+                                  </p:childTnLst>
+                                </p:cTn>
+                              </p:par>
+                            </p:childTnLst>
+                          </p:cTn>
+                        </p:par>
+                      </p:childTnLst>
+                    </p:cTn>
+                  </p:par>
+                  <p:par>
+                    <p:cTn id="7" fill="hold">
+                      <p:stCondLst>
+                        <p:cond delay="indefinite"/>
+                      </p:stCondLst>
+                      <p:childTnLst>
+                        <p:par>
+                          <p:cTn id="8" fill="hold">
+                            <p:stCondLst>
+                              <p:cond delay="0"/>
+                            </p:stCondLst>
+                            <p:childTnLst>
+                              <p:par>
+                                <p:cTn id="9" presetID="1" presetClass="entr" presetSubtype="0" fill="hold" nodeType="clickEffect">
+                                  <p:stCondLst>
+                                    <p:cond delay="0"/>
+                                  </p:stCondLst>
+                                  <p:childTnLst>
+                                    <p:set>
+                                      <p:cBhvr>
+                                        <p:cTn id="10" dur="1" fill="hold">
+                                          <p:stCondLst>
+                                            <p:cond delay="0"/>
+                                          </p:stCondLst>
+                                        </p:cTn>
+                                        <p:tgtEl>
+                                          <p:spTgt spid="7"/>
+                                        </p:tgtEl>
+                                        <p:attrNameLst>
+                                          <p:attrName>style.visibility</p:attrName>
+                                        </p:attrNameLst>
+                                      </p:cBhvr>
+                                      <p:to>
+                                        <p:strVal val="visible"/>
+                                      </p:to>
+                                    </p:set>
+                                  </p:childTnLst>
+                                </p:cTn>
+                              </p:par>
+                            </p:childTnLst>
+                          </p:cTn>
+                        </p:par>
+                      </p:childTnLst>
+                    </p:cTn>
+                  </p:par>
+                  <p:par>
+                    <p:cTn id="11" fill="hold">
+                      <p:stCondLst>
+                        <p:cond delay="indefinite"/>
+                      </p:stCondLst>
+                      <p:childTnLst>
+                        <p:par>
+                          <p:cTn id="12" fill="hold">
+                            <p:stCondLst>
+                              <p:cond delay="0"/>
+                            </p:stCondLst>
+                            <p:childTnLst>
+                              <p:par>
+                                <p:cTn id="13" presetID="1" presetClass="entr" presetSubtype="0" fill="hold" nodeType="clickEffect">
+                                  <p:stCondLst>
+                                    <p:cond delay="0"/>
+                                  </p:stCondLst>
+                                  <p:childTnLst>
+                                    <p:set>
+                                      <p:cBhvr>
+                                        <p:cTn id="14" dur="1" fill="hold">
+                                          <p:stCondLst>
+                                            <p:cond delay="0"/>
+                                          </p:stCondLst>
+                                        </p:cTn>
+                                        <p:tgtEl>
+                                          <p:spTgt spid="15"/>
+                                        </p:tgtEl>
+                                        <p:attrNameLst>
+                                          <p:attrName>style.visibility</p:attrName>
+                                        </p:attrNameLst>
+                                      </p:cBhvr>
+                                      <p:to>
+                                        <p:strVal val="visible"/>
+                                      </p:to>
+                                    </p:set>
+                                  </p:childTnLst>
+                                </p:cTn>
+                              </p:par>
+                            </p:childTnLst>
+                          </p:cTn>
+                        </p:par>
+                      </p:childTnLst>
+                    </p:cTn>
+                  </p:par>
+                  <p:par>
+                    <p:cTn id="15" fill="hold">
+                      <p:stCondLst>
+                        <p:cond delay="indefinite"/>
+                      </p:stCondLst>
+                      <p:childTnLst>
+                        <p:par>
+                          <p:cTn id="16" fill="hold">
+                            <p:stCondLst>
+                              <p:cond delay="0"/>
+                            </p:stCondLst>
+                            <p:childTnLst>
+                              <p:par>
+                                <p:cTn id="17" presetID="1" presetClass="entr" presetSubtype="0" fill="hold" nodeType="clickEffect">
+                                  <p:stCondLst>
+                                    <p:cond delay="0"/>
+                                  </p:stCondLst>
+                                  <p:childTnLst>
+                                    <p:set>
+                                      <p:cBhvr>
+                                        <p:cTn id="18" dur="1" fill="hold">
+                                          <p:stCondLst>
+                                            <p:cond delay="0"/>
+                                          </p:stCondLst>
+                                        </p:cTn>
+                                        <p:tgtEl>
+                                          <p:spTgt spid="19"/>
+                                        </p:tgtEl>
+                                        <p:attrNameLst>
+                                          <p:attrName>style.visibility</p:attrName>
+                                        </p:attrNameLst>
+                                      </p:cBhvr>
+                                      <p:to>
+                                        <p:strVal val="visible"/>
+                                      </p:to>
+                                    </p:set>
+                                  </p:childTnLst>
+                                </p:cTn>
+                              </p:par>
+                            </p:childTnLst>
+                          </p:cTn>
+                        </p:par>
+                      </p:childTnLst>
+                    </p:cTn>
+                  </p:par>
+                </p:childTnLst>
+              </p:cTn>
+              <p:prevCondLst>
+                <p:cond evt="onPrev" delay="0">
+                  <p:tgtEl>
+                    <p:sldTgt/>
+                  </p:tgtEl>
+                </p:cond>
+              </p:prevCondLst>
+              <p:nextCondLst>
+                <p:cond evt="onNext" delay="0">
+                  <p:tgtEl>
+                    <p:sldTgt/>
+                  </p:tgtEl>
+                </p:cond>
+              </p:nextCondLst>
+            </p:seq>
+          </p:childTnLst>
+        </p:cTn>
+      </p:par>
+    </p:tnLst>
+  </p:timing>
+</p:sld>
+</file>
+
+<file path=ppt/slides/slide12.xml><?xml version="1.0" encoding="utf-8"?>
+<p:sld xmlns:a="http://schemas.openxmlformats.org/drawingml/2006/main" xmlns:r="http://schemas.openxmlformats.org/officeDocument/2006/relationships" xmlns:p="http://schemas.openxmlformats.org/presentationml/2006/main">
+  <p:cSld>
+    <p:bg>
+      <p:bgPr>
+        <a:gradFill rotWithShape="1">
+          <a:gsLst>
+            <a:gs pos="0">
+              <a:schemeClr val="bg1">
+                <a:tint val="90000"/>
+              </a:schemeClr>
+            </a:gs>
+            <a:gs pos="75000">
+              <a:schemeClr val="bg1">
+                <a:shade val="100000"/>
+                <a:satMod val="115000"/>
+              </a:schemeClr>
+            </a:gs>
+            <a:gs pos="100000">
+              <a:schemeClr val="bg1">
+                <a:shade val="70000"/>
+                <a:satMod val="130000"/>
+              </a:schemeClr>
+            </a:gs>
+          </a:gsLst>
+          <a:path path="circle">
+            <a:fillToRect l="20000" t="50000" r="100000" b="50000"/>
+          </a:path>
+        </a:gradFill>
+        <a:effectLst/>
+      </p:bgPr>
+    </p:bg>
+    <p:spTree>
+      <p:nvGrpSpPr>
+        <p:cNvPr id="1" name=""/>
+        <p:cNvGrpSpPr/>
+        <p:nvPr/>
+      </p:nvGrpSpPr>
+      <p:grpSpPr>
+        <a:xfrm>
+          <a:off x="0" y="0"/>
+          <a:ext cx="0" cy="0"/>
+          <a:chOff x="0" y="0"/>
+          <a:chExt cx="0" cy="0"/>
+        </a:xfrm>
+      </p:grpSpPr>
+      <p:pic>
+        <p:nvPicPr>
+          <p:cNvPr id="8" name="Picture 7"/>
+          <p:cNvPicPr>
+            <a:picLocks noChangeAspect="1"/>
+          </p:cNvPicPr>
+          <p:nvPr/>
+        </p:nvPicPr>
+        <p:blipFill>
+          <a:blip r:embed="rId3">
+            <a:extLst>
+              <a:ext uri="{28A0092B-C50C-407E-A947-70E740481C1C}">
+                <a14:useLocalDpi xmlns:a14="http://schemas.microsoft.com/office/drawing/2010/main" val="0"/>
+              </a:ext>
+            </a:extLst>
+          </a:blip>
+          <a:stretch>
+            <a:fillRect/>
+          </a:stretch>
+        </p:blipFill>
+        <p:spPr>
+          <a:xfrm>
+            <a:off x="8572" y="0"/>
+            <a:ext cx="9126855" cy="6858000"/>
+          </a:xfrm>
+          <a:prstGeom prst="rect">
+            <a:avLst/>
+          </a:prstGeom>
+        </p:spPr>
+      </p:pic>
+      <p:sp>
+        <p:nvSpPr>
+          <p:cNvPr id="12" name="TextBox 11"/>
+          <p:cNvSpPr txBox="1"/>
+          <p:nvPr/>
+        </p:nvSpPr>
+        <p:spPr>
+          <a:xfrm>
+            <a:off x="76200" y="-76200"/>
+            <a:ext cx="5486400" cy="2246769"/>
+          </a:xfrm>
+          <a:prstGeom prst="rect">
+            <a:avLst/>
+          </a:prstGeom>
+          <a:noFill/>
+        </p:spPr>
+        <p:txBody>
+          <a:bodyPr wrap="square" rtlCol="0">
+            <a:spAutoFit/>
+          </a:bodyPr>
+          <a:lstStyle/>
+          <a:p>
+            <a:r>
+              <a:rPr lang="en-US" sz="1400" dirty="0" smtClean="0">
+                <a:solidFill>
+                  <a:schemeClr val="bg1">
+                    <a:lumMod val="50000"/>
+                  </a:schemeClr>
+                </a:solidFill>
+              </a:rPr>
+              <a:t>Overview</a:t>
+            </a:r>
+            <a:endParaRPr lang="en-US" sz="1400" dirty="0" smtClean="0">
+              <a:solidFill>
+                <a:schemeClr val="bg1">
+                  <a:lumMod val="50000"/>
+                </a:schemeClr>
+              </a:solidFill>
+            </a:endParaRPr>
+          </a:p>
+          <a:p>
+            <a:r>
+              <a:rPr lang="en-US" sz="1400" dirty="0" smtClean="0">
+                <a:solidFill>
+                  <a:schemeClr val="bg1">
+                    <a:lumMod val="50000"/>
+                  </a:schemeClr>
+                </a:solidFill>
+              </a:rPr>
+              <a:t>Project </a:t>
+            </a:r>
+            <a:r>
+              <a:rPr lang="en-US" sz="1400" dirty="0" smtClean="0">
+                <a:solidFill>
+                  <a:schemeClr val="bg1">
+                    <a:lumMod val="50000"/>
+                  </a:schemeClr>
+                </a:solidFill>
+              </a:rPr>
+              <a:t>Plan</a:t>
+            </a:r>
+          </a:p>
+          <a:p>
+            <a:r>
+              <a:rPr lang="en-US" sz="1400" dirty="0" smtClean="0">
+                <a:solidFill>
+                  <a:schemeClr val="bg1">
+                    <a:lumMod val="50000"/>
+                  </a:schemeClr>
+                </a:solidFill>
+              </a:rPr>
+              <a:t>Status</a:t>
+            </a:r>
+            <a:endParaRPr lang="en-US" sz="1400" dirty="0" smtClean="0">
+              <a:solidFill>
+                <a:schemeClr val="bg1">
+                  <a:lumMod val="50000"/>
+                </a:schemeClr>
+              </a:solidFill>
+            </a:endParaRPr>
+          </a:p>
+          <a:p>
+            <a:endParaRPr lang="en-US" sz="1400" dirty="0" smtClean="0">
+              <a:solidFill>
+                <a:schemeClr val="bg1">
+                  <a:lumMod val="50000"/>
+                </a:schemeClr>
+              </a:solidFill>
+            </a:endParaRPr>
+          </a:p>
+          <a:p>
+            <a:endParaRPr lang="en-US" sz="1400" dirty="0" smtClean="0"/>
+          </a:p>
+          <a:p>
+            <a:endParaRPr lang="en-US" sz="1400" dirty="0"/>
+          </a:p>
+          <a:p>
+            <a:endParaRPr lang="en-US" sz="1400" dirty="0" smtClean="0">
+              <a:solidFill>
+                <a:schemeClr val="bg1"/>
+              </a:solidFill>
+            </a:endParaRPr>
+          </a:p>
+          <a:p>
+            <a:r>
+              <a:rPr lang="en-US" sz="1400" dirty="0" smtClean="0">
+                <a:solidFill>
+                  <a:schemeClr val="bg1"/>
+                </a:solidFill>
+              </a:rPr>
+              <a:t>Controls</a:t>
+            </a:r>
+            <a:endParaRPr lang="en-US" sz="1400" dirty="0" smtClean="0">
+              <a:solidFill>
+                <a:schemeClr val="bg1"/>
+              </a:solidFill>
+            </a:endParaRPr>
+          </a:p>
+          <a:p>
+            <a:r>
+              <a:rPr lang="en-US" sz="1400" dirty="0" smtClean="0">
+                <a:solidFill>
+                  <a:schemeClr val="bg1"/>
+                </a:solidFill>
+              </a:rPr>
+              <a:t>Modeling</a:t>
+            </a:r>
+          </a:p>
+          <a:p>
+            <a:r>
+              <a:rPr lang="en-US" sz="1400" dirty="0" smtClean="0">
+                <a:solidFill>
+                  <a:schemeClr val="bg1"/>
+                </a:solidFill>
+              </a:rPr>
+              <a:t>Conclusion</a:t>
+            </a:r>
+          </a:p>
+        </p:txBody>
+      </p:sp>
+      <p:sp>
+        <p:nvSpPr>
+          <p:cNvPr id="5" name="Rectangle 4"/>
+          <p:cNvSpPr/>
+          <p:nvPr/>
+        </p:nvSpPr>
+        <p:spPr>
+          <a:xfrm>
+            <a:off x="1066800" y="685800"/>
+            <a:ext cx="7010400" cy="685800"/>
+          </a:xfrm>
+          <a:prstGeom prst="rect">
+            <a:avLst/>
+          </a:prstGeom>
+          <a:gradFill flip="none" rotWithShape="1">
+            <a:gsLst>
+              <a:gs pos="100000">
+                <a:schemeClr val="bg1">
+                  <a:tint val="90000"/>
+                </a:schemeClr>
+              </a:gs>
+              <a:gs pos="100000">
+                <a:schemeClr val="bg1">
+                  <a:shade val="100000"/>
+                  <a:satMod val="115000"/>
+                </a:schemeClr>
+              </a:gs>
+              <a:gs pos="0">
+                <a:srgbClr val="8390CF"/>
+              </a:gs>
+            </a:gsLst>
+            <a:lin ang="0" scaled="0"/>
+            <a:tileRect/>
+          </a:gradFill>
+          <a:ln>
+            <a:noFill/>
+          </a:ln>
+        </p:spPr>
+        <p:style>
+          <a:lnRef idx="2">
+            <a:schemeClr val="accent1">
+              <a:shade val="50000"/>
+            </a:schemeClr>
+          </a:lnRef>
+          <a:fillRef idx="1">
+            <a:schemeClr val="accent1"/>
+          </a:fillRef>
+          <a:effectRef idx="0">
+            <a:schemeClr val="accent1"/>
+          </a:effectRef>
+          <a:fontRef idx="minor">
+            <a:schemeClr val="lt1"/>
+          </a:fontRef>
+        </p:style>
+        <p:txBody>
+          <a:bodyPr rtlCol="0" anchor="ctr"/>
+          <a:lstStyle/>
+          <a:p>
+            <a:pPr algn="ctr"/>
+            <a:endParaRPr lang="en-US"/>
+          </a:p>
+        </p:txBody>
+      </p:sp>
+      <p:sp>
+        <p:nvSpPr>
+          <p:cNvPr id="4" name="TextBox 3"/>
+          <p:cNvSpPr txBox="1"/>
+          <p:nvPr/>
+        </p:nvSpPr>
+        <p:spPr>
+          <a:xfrm>
+            <a:off x="76200" y="772180"/>
+            <a:ext cx="7086600" cy="523220"/>
+          </a:xfrm>
+          <a:prstGeom prst="rect">
+            <a:avLst/>
+          </a:prstGeom>
+          <a:noFill/>
+        </p:spPr>
+        <p:txBody>
+          <a:bodyPr wrap="square" rtlCol="0">
+            <a:spAutoFit/>
+          </a:bodyPr>
+          <a:lstStyle/>
+          <a:p>
+            <a:r>
+              <a:rPr lang="en-US" sz="2800" dirty="0" smtClean="0"/>
+              <a:t>Determining Parts – </a:t>
+            </a:r>
+            <a:r>
+              <a:rPr lang="en-US" sz="2800" dirty="0" smtClean="0"/>
+              <a:t>Structural Components</a:t>
             </a:r>
             <a:endParaRPr lang="en-US" sz="2800" dirty="0"/>
           </a:p>
@@ -13907,1340 +15403,6 @@
 </p:sld>
 </file>
 
-<file path=ppt/slides/slide11.xml><?xml version="1.0" encoding="utf-8"?>
-<p:sld xmlns:a="http://schemas.openxmlformats.org/drawingml/2006/main" xmlns:r="http://schemas.openxmlformats.org/officeDocument/2006/relationships" xmlns:p="http://schemas.openxmlformats.org/presentationml/2006/main">
-  <p:cSld>
-    <p:bg>
-      <p:bgPr>
-        <a:gradFill rotWithShape="1">
-          <a:gsLst>
-            <a:gs pos="0">
-              <a:schemeClr val="bg1">
-                <a:tint val="90000"/>
-              </a:schemeClr>
-            </a:gs>
-            <a:gs pos="75000">
-              <a:schemeClr val="bg1">
-                <a:shade val="100000"/>
-                <a:satMod val="115000"/>
-              </a:schemeClr>
-            </a:gs>
-            <a:gs pos="100000">
-              <a:schemeClr val="bg1">
-                <a:shade val="70000"/>
-                <a:satMod val="130000"/>
-              </a:schemeClr>
-            </a:gs>
-          </a:gsLst>
-          <a:path path="circle">
-            <a:fillToRect l="20000" t="50000" r="100000" b="50000"/>
-          </a:path>
-        </a:gradFill>
-        <a:effectLst/>
-      </p:bgPr>
-    </p:bg>
-    <p:spTree>
-      <p:nvGrpSpPr>
-        <p:cNvPr id="1" name=""/>
-        <p:cNvGrpSpPr/>
-        <p:nvPr/>
-      </p:nvGrpSpPr>
-      <p:grpSpPr>
-        <a:xfrm>
-          <a:off x="0" y="0"/>
-          <a:ext cx="0" cy="0"/>
-          <a:chOff x="0" y="0"/>
-          <a:chExt cx="0" cy="0"/>
-        </a:xfrm>
-      </p:grpSpPr>
-      <p:pic>
-        <p:nvPicPr>
-          <p:cNvPr id="8" name="Picture 7"/>
-          <p:cNvPicPr>
-            <a:picLocks noChangeAspect="1"/>
-          </p:cNvPicPr>
-          <p:nvPr/>
-        </p:nvPicPr>
-        <p:blipFill>
-          <a:blip r:embed="rId3">
-            <a:extLst>
-              <a:ext uri="{28A0092B-C50C-407E-A947-70E740481C1C}">
-                <a14:useLocalDpi xmlns:a14="http://schemas.microsoft.com/office/drawing/2010/main" val="0"/>
-              </a:ext>
-            </a:extLst>
-          </a:blip>
-          <a:stretch>
-            <a:fillRect/>
-          </a:stretch>
-        </p:blipFill>
-        <p:spPr>
-          <a:xfrm>
-            <a:off x="8572" y="0"/>
-            <a:ext cx="9126855" cy="6858000"/>
-          </a:xfrm>
-          <a:prstGeom prst="rect">
-            <a:avLst/>
-          </a:prstGeom>
-        </p:spPr>
-      </p:pic>
-      <p:sp>
-        <p:nvSpPr>
-          <p:cNvPr id="5" name="Rectangle 4"/>
-          <p:cNvSpPr/>
-          <p:nvPr/>
-        </p:nvSpPr>
-        <p:spPr>
-          <a:xfrm>
-            <a:off x="1066800" y="685800"/>
-            <a:ext cx="7010400" cy="685800"/>
-          </a:xfrm>
-          <a:prstGeom prst="rect">
-            <a:avLst/>
-          </a:prstGeom>
-          <a:gradFill flip="none" rotWithShape="1">
-            <a:gsLst>
-              <a:gs pos="100000">
-                <a:schemeClr val="bg1">
-                  <a:tint val="90000"/>
-                </a:schemeClr>
-              </a:gs>
-              <a:gs pos="100000">
-                <a:schemeClr val="bg1">
-                  <a:shade val="100000"/>
-                  <a:satMod val="115000"/>
-                </a:schemeClr>
-              </a:gs>
-              <a:gs pos="0">
-                <a:srgbClr val="8390CF"/>
-              </a:gs>
-            </a:gsLst>
-            <a:lin ang="0" scaled="0"/>
-            <a:tileRect/>
-          </a:gradFill>
-          <a:ln>
-            <a:noFill/>
-          </a:ln>
-        </p:spPr>
-        <p:style>
-          <a:lnRef idx="2">
-            <a:schemeClr val="accent1">
-              <a:shade val="50000"/>
-            </a:schemeClr>
-          </a:lnRef>
-          <a:fillRef idx="1">
-            <a:schemeClr val="accent1"/>
-          </a:fillRef>
-          <a:effectRef idx="0">
-            <a:schemeClr val="accent1"/>
-          </a:effectRef>
-          <a:fontRef idx="minor">
-            <a:schemeClr val="lt1"/>
-          </a:fontRef>
-        </p:style>
-        <p:txBody>
-          <a:bodyPr rtlCol="0" anchor="ctr"/>
-          <a:lstStyle/>
-          <a:p>
-            <a:pPr algn="ctr"/>
-            <a:endParaRPr lang="en-US"/>
-          </a:p>
-        </p:txBody>
-      </p:sp>
-      <p:sp>
-        <p:nvSpPr>
-          <p:cNvPr id="9" name="TextBox 8"/>
-          <p:cNvSpPr txBox="1"/>
-          <p:nvPr/>
-        </p:nvSpPr>
-        <p:spPr>
-          <a:xfrm>
-            <a:off x="76200" y="102275"/>
-            <a:ext cx="5486400" cy="2031325"/>
-          </a:xfrm>
-          <a:prstGeom prst="rect">
-            <a:avLst/>
-          </a:prstGeom>
-          <a:noFill/>
-        </p:spPr>
-        <p:txBody>
-          <a:bodyPr wrap="square" rtlCol="0">
-            <a:spAutoFit/>
-          </a:bodyPr>
-          <a:lstStyle/>
-          <a:p>
-            <a:r>
-              <a:rPr lang="en-US" sz="1400" dirty="0" smtClean="0">
-                <a:solidFill>
-                  <a:schemeClr val="bg1">
-                    <a:lumMod val="50000"/>
-                  </a:schemeClr>
-                </a:solidFill>
-              </a:rPr>
-              <a:t>Problem Description</a:t>
-            </a:r>
-          </a:p>
-          <a:p>
-            <a:r>
-              <a:rPr lang="en-US" sz="1400" dirty="0" smtClean="0">
-                <a:solidFill>
-                  <a:schemeClr val="bg1">
-                    <a:lumMod val="50000"/>
-                  </a:schemeClr>
-                </a:solidFill>
-              </a:rPr>
-              <a:t>Project Plan</a:t>
-            </a:r>
-          </a:p>
-          <a:p>
-            <a:endParaRPr lang="en-US" sz="1400" dirty="0" smtClean="0">
-              <a:solidFill>
-                <a:schemeClr val="bg1">
-                  <a:lumMod val="50000"/>
-                </a:schemeClr>
-              </a:solidFill>
-            </a:endParaRPr>
-          </a:p>
-          <a:p>
-            <a:endParaRPr lang="en-US" sz="1400" dirty="0" smtClean="0"/>
-          </a:p>
-          <a:p>
-            <a:endParaRPr lang="en-US" sz="1400" dirty="0"/>
-          </a:p>
-          <a:p>
-            <a:endParaRPr lang="en-US" sz="1400" dirty="0" smtClean="0">
-              <a:solidFill>
-                <a:schemeClr val="bg1"/>
-              </a:solidFill>
-            </a:endParaRPr>
-          </a:p>
-          <a:p>
-            <a:r>
-              <a:rPr lang="en-US" sz="1400" dirty="0" smtClean="0">
-                <a:solidFill>
-                  <a:schemeClr val="bg1"/>
-                </a:solidFill>
-              </a:rPr>
-              <a:t>Control Strategies</a:t>
-            </a:r>
-          </a:p>
-          <a:p>
-            <a:r>
-              <a:rPr lang="en-US" sz="1400" dirty="0" smtClean="0">
-                <a:solidFill>
-                  <a:schemeClr val="bg1"/>
-                </a:solidFill>
-              </a:rPr>
-              <a:t>Modeling</a:t>
-            </a:r>
-          </a:p>
-          <a:p>
-            <a:r>
-              <a:rPr lang="en-US" sz="1400" dirty="0" smtClean="0">
-                <a:solidFill>
-                  <a:schemeClr val="bg1"/>
-                </a:solidFill>
-              </a:rPr>
-              <a:t>Conclusion</a:t>
-            </a:r>
-          </a:p>
-        </p:txBody>
-      </p:sp>
-      <p:sp>
-        <p:nvSpPr>
-          <p:cNvPr id="4" name="TextBox 3"/>
-          <p:cNvSpPr txBox="1"/>
-          <p:nvPr/>
-        </p:nvSpPr>
-        <p:spPr>
-          <a:xfrm>
-            <a:off x="76200" y="772180"/>
-            <a:ext cx="5791200" cy="523220"/>
-          </a:xfrm>
-          <a:prstGeom prst="rect">
-            <a:avLst/>
-          </a:prstGeom>
-          <a:noFill/>
-        </p:spPr>
-        <p:txBody>
-          <a:bodyPr wrap="square" rtlCol="0">
-            <a:spAutoFit/>
-          </a:bodyPr>
-          <a:lstStyle/>
-          <a:p>
-            <a:r>
-              <a:rPr lang="en-US" sz="2800" dirty="0" smtClean="0"/>
-              <a:t>Current Status – Progress</a:t>
-            </a:r>
-            <a:endParaRPr lang="en-US" sz="2800" dirty="0"/>
-          </a:p>
-        </p:txBody>
-      </p:sp>
-      <p:sp>
-        <p:nvSpPr>
-          <p:cNvPr id="6" name="TextBox 5"/>
-          <p:cNvSpPr txBox="1"/>
-          <p:nvPr/>
-        </p:nvSpPr>
-        <p:spPr>
-          <a:xfrm>
-            <a:off x="1295400" y="2240340"/>
-            <a:ext cx="7391400" cy="1569660"/>
-          </a:xfrm>
-          <a:prstGeom prst="rect">
-            <a:avLst/>
-          </a:prstGeom>
-          <a:noFill/>
-        </p:spPr>
-        <p:txBody>
-          <a:bodyPr wrap="square" rtlCol="0">
-            <a:spAutoFit/>
-          </a:bodyPr>
-          <a:lstStyle/>
-          <a:p>
-            <a:r>
-              <a:rPr lang="en-US" sz="2400" dirty="0" smtClean="0"/>
-              <a:t>According to our flow chart, the current tasks are:</a:t>
-            </a:r>
-          </a:p>
-          <a:p>
-            <a:r>
-              <a:rPr lang="en-US" sz="2400" b="1" dirty="0"/>
-              <a:t>	</a:t>
-            </a:r>
-            <a:r>
-              <a:rPr lang="en-US" sz="2400" b="1" dirty="0" smtClean="0"/>
-              <a:t>Interface w/ Sensors</a:t>
-            </a:r>
-          </a:p>
-          <a:p>
-            <a:r>
-              <a:rPr lang="en-US" sz="2400" b="1" dirty="0"/>
-              <a:t>	</a:t>
-            </a:r>
-            <a:r>
-              <a:rPr lang="en-US" sz="2400" b="1" dirty="0" smtClean="0"/>
-              <a:t>Unit Testing</a:t>
-            </a:r>
-          </a:p>
-          <a:p>
-            <a:r>
-              <a:rPr lang="en-US" sz="2400" b="1" dirty="0"/>
-              <a:t>	</a:t>
-            </a:r>
-            <a:r>
-              <a:rPr lang="en-US" sz="2400" b="1" dirty="0" smtClean="0"/>
-              <a:t>Receive Parts</a:t>
-            </a:r>
-            <a:endParaRPr lang="en-US" sz="2400" b="1" dirty="0"/>
-          </a:p>
-        </p:txBody>
-      </p:sp>
-      <p:sp>
-        <p:nvSpPr>
-          <p:cNvPr id="18" name="TextBox 17"/>
-          <p:cNvSpPr txBox="1"/>
-          <p:nvPr/>
-        </p:nvSpPr>
-        <p:spPr>
-          <a:xfrm>
-            <a:off x="1295400" y="4572000"/>
-            <a:ext cx="7391400" cy="1200329"/>
-          </a:xfrm>
-          <a:prstGeom prst="rect">
-            <a:avLst/>
-          </a:prstGeom>
-          <a:noFill/>
-        </p:spPr>
-        <p:txBody>
-          <a:bodyPr wrap="square" rtlCol="0">
-            <a:spAutoFit/>
-          </a:bodyPr>
-          <a:lstStyle/>
-          <a:p>
-            <a:r>
-              <a:rPr lang="en-US" sz="2400" dirty="0" smtClean="0"/>
-              <a:t>Our parts arrived just before fall break, and we are currently in the process of interfacing with them and testing with the systems we have been exploring</a:t>
-            </a:r>
-            <a:endParaRPr lang="en-US" sz="2400" b="1" dirty="0"/>
-          </a:p>
-        </p:txBody>
-      </p:sp>
-    </p:spTree>
-    <p:extLst>
-      <p:ext uri="{BB962C8B-B14F-4D97-AF65-F5344CB8AC3E}">
-        <p14:creationId xmlns:p14="http://schemas.microsoft.com/office/powerpoint/2010/main" val="3003035905"/>
-      </p:ext>
-    </p:extLst>
-  </p:cSld>
-  <p:clrMapOvr>
-    <a:masterClrMapping/>
-  </p:clrMapOvr>
-  <mc:AlternateContent xmlns:mc="http://schemas.openxmlformats.org/markup-compatibility/2006" xmlns:p14="http://schemas.microsoft.com/office/powerpoint/2010/main">
-    <mc:Choice Requires="p14">
-      <p:transition spd="slow" p14:dur="2000"/>
-    </mc:Choice>
-    <mc:Fallback xmlns="">
-      <p:transition spd="slow"/>
-    </mc:Fallback>
-  </mc:AlternateContent>
-  <p:timing>
-    <p:tnLst>
-      <p:par>
-        <p:cTn id="1" dur="indefinite" restart="never" nodeType="tmRoot">
-          <p:childTnLst>
-            <p:seq concurrent="1" nextAc="seek">
-              <p:cTn id="2" dur="indefinite" nodeType="mainSeq">
-                <p:childTnLst>
-                  <p:par>
-                    <p:cTn id="3" fill="hold">
-                      <p:stCondLst>
-                        <p:cond delay="indefinite"/>
-                      </p:stCondLst>
-                      <p:childTnLst>
-                        <p:par>
-                          <p:cTn id="4" fill="hold">
-                            <p:stCondLst>
-                              <p:cond delay="0"/>
-                            </p:stCondLst>
-                            <p:childTnLst>
-                              <p:par>
-                                <p:cTn id="5" presetID="1" presetClass="entr" presetSubtype="0" fill="hold" grpId="0" nodeType="clickEffect">
-                                  <p:stCondLst>
-                                    <p:cond delay="0"/>
-                                  </p:stCondLst>
-                                  <p:childTnLst>
-                                    <p:set>
-                                      <p:cBhvr>
-                                        <p:cTn id="6" dur="1" fill="hold">
-                                          <p:stCondLst>
-                                            <p:cond delay="0"/>
-                                          </p:stCondLst>
-                                        </p:cTn>
-                                        <p:tgtEl>
-                                          <p:spTgt spid="18"/>
-                                        </p:tgtEl>
-                                        <p:attrNameLst>
-                                          <p:attrName>style.visibility</p:attrName>
-                                        </p:attrNameLst>
-                                      </p:cBhvr>
-                                      <p:to>
-                                        <p:strVal val="visible"/>
-                                      </p:to>
-                                    </p:set>
-                                  </p:childTnLst>
-                                </p:cTn>
-                              </p:par>
-                            </p:childTnLst>
-                          </p:cTn>
-                        </p:par>
-                      </p:childTnLst>
-                    </p:cTn>
-                  </p:par>
-                </p:childTnLst>
-              </p:cTn>
-              <p:prevCondLst>
-                <p:cond evt="onPrev" delay="0">
-                  <p:tgtEl>
-                    <p:sldTgt/>
-                  </p:tgtEl>
-                </p:cond>
-              </p:prevCondLst>
-              <p:nextCondLst>
-                <p:cond evt="onNext" delay="0">
-                  <p:tgtEl>
-                    <p:sldTgt/>
-                  </p:tgtEl>
-                </p:cond>
-              </p:nextCondLst>
-            </p:seq>
-          </p:childTnLst>
-        </p:cTn>
-      </p:par>
-    </p:tnLst>
-    <p:bldLst>
-      <p:bldP spid="18" grpId="0"/>
-    </p:bldLst>
-  </p:timing>
-</p:sld>
-</file>
-
-<file path=ppt/slides/slide12.xml><?xml version="1.0" encoding="utf-8"?>
-<p:sld xmlns:a="http://schemas.openxmlformats.org/drawingml/2006/main" xmlns:r="http://schemas.openxmlformats.org/officeDocument/2006/relationships" xmlns:p="http://schemas.openxmlformats.org/presentationml/2006/main">
-  <p:cSld>
-    <p:bg>
-      <p:bgPr>
-        <a:gradFill rotWithShape="1">
-          <a:gsLst>
-            <a:gs pos="0">
-              <a:schemeClr val="bg1">
-                <a:tint val="90000"/>
-              </a:schemeClr>
-            </a:gs>
-            <a:gs pos="75000">
-              <a:schemeClr val="bg1">
-                <a:shade val="100000"/>
-                <a:satMod val="115000"/>
-              </a:schemeClr>
-            </a:gs>
-            <a:gs pos="100000">
-              <a:schemeClr val="bg1">
-                <a:shade val="70000"/>
-                <a:satMod val="130000"/>
-              </a:schemeClr>
-            </a:gs>
-          </a:gsLst>
-          <a:path path="circle">
-            <a:fillToRect l="20000" t="50000" r="100000" b="50000"/>
-          </a:path>
-        </a:gradFill>
-        <a:effectLst/>
-      </p:bgPr>
-    </p:bg>
-    <p:spTree>
-      <p:nvGrpSpPr>
-        <p:cNvPr id="1" name=""/>
-        <p:cNvGrpSpPr/>
-        <p:nvPr/>
-      </p:nvGrpSpPr>
-      <p:grpSpPr>
-        <a:xfrm>
-          <a:off x="0" y="0"/>
-          <a:ext cx="0" cy="0"/>
-          <a:chOff x="0" y="0"/>
-          <a:chExt cx="0" cy="0"/>
-        </a:xfrm>
-      </p:grpSpPr>
-      <p:pic>
-        <p:nvPicPr>
-          <p:cNvPr id="8" name="Picture 7"/>
-          <p:cNvPicPr>
-            <a:picLocks noChangeAspect="1"/>
-          </p:cNvPicPr>
-          <p:nvPr/>
-        </p:nvPicPr>
-        <p:blipFill>
-          <a:blip r:embed="rId3">
-            <a:extLst>
-              <a:ext uri="{28A0092B-C50C-407E-A947-70E740481C1C}">
-                <a14:useLocalDpi xmlns:a14="http://schemas.microsoft.com/office/drawing/2010/main" val="0"/>
-              </a:ext>
-            </a:extLst>
-          </a:blip>
-          <a:stretch>
-            <a:fillRect/>
-          </a:stretch>
-        </p:blipFill>
-        <p:spPr>
-          <a:xfrm>
-            <a:off x="8572" y="0"/>
-            <a:ext cx="9126855" cy="6858000"/>
-          </a:xfrm>
-          <a:prstGeom prst="rect">
-            <a:avLst/>
-          </a:prstGeom>
-        </p:spPr>
-      </p:pic>
-      <p:sp>
-        <p:nvSpPr>
-          <p:cNvPr id="5" name="Rectangle 4"/>
-          <p:cNvSpPr/>
-          <p:nvPr/>
-        </p:nvSpPr>
-        <p:spPr>
-          <a:xfrm>
-            <a:off x="1066800" y="685800"/>
-            <a:ext cx="7010400" cy="685800"/>
-          </a:xfrm>
-          <a:prstGeom prst="rect">
-            <a:avLst/>
-          </a:prstGeom>
-          <a:gradFill flip="none" rotWithShape="1">
-            <a:gsLst>
-              <a:gs pos="100000">
-                <a:schemeClr val="bg1">
-                  <a:tint val="90000"/>
-                </a:schemeClr>
-              </a:gs>
-              <a:gs pos="100000">
-                <a:schemeClr val="bg1">
-                  <a:shade val="100000"/>
-                  <a:satMod val="115000"/>
-                </a:schemeClr>
-              </a:gs>
-              <a:gs pos="0">
-                <a:srgbClr val="8390CF"/>
-              </a:gs>
-            </a:gsLst>
-            <a:lin ang="0" scaled="0"/>
-            <a:tileRect/>
-          </a:gradFill>
-          <a:ln>
-            <a:noFill/>
-          </a:ln>
-        </p:spPr>
-        <p:style>
-          <a:lnRef idx="2">
-            <a:schemeClr val="accent1">
-              <a:shade val="50000"/>
-            </a:schemeClr>
-          </a:lnRef>
-          <a:fillRef idx="1">
-            <a:schemeClr val="accent1"/>
-          </a:fillRef>
-          <a:effectRef idx="0">
-            <a:schemeClr val="accent1"/>
-          </a:effectRef>
-          <a:fontRef idx="minor">
-            <a:schemeClr val="lt1"/>
-          </a:fontRef>
-        </p:style>
-        <p:txBody>
-          <a:bodyPr rtlCol="0" anchor="ctr"/>
-          <a:lstStyle/>
-          <a:p>
-            <a:pPr algn="ctr"/>
-            <a:endParaRPr lang="en-US"/>
-          </a:p>
-        </p:txBody>
-      </p:sp>
-      <p:sp>
-        <p:nvSpPr>
-          <p:cNvPr id="9" name="TextBox 8"/>
-          <p:cNvSpPr txBox="1"/>
-          <p:nvPr/>
-        </p:nvSpPr>
-        <p:spPr>
-          <a:xfrm>
-            <a:off x="76200" y="102275"/>
-            <a:ext cx="5486400" cy="2031325"/>
-          </a:xfrm>
-          <a:prstGeom prst="rect">
-            <a:avLst/>
-          </a:prstGeom>
-          <a:noFill/>
-        </p:spPr>
-        <p:txBody>
-          <a:bodyPr wrap="square" rtlCol="0">
-            <a:spAutoFit/>
-          </a:bodyPr>
-          <a:lstStyle/>
-          <a:p>
-            <a:r>
-              <a:rPr lang="en-US" sz="1400" dirty="0" smtClean="0">
-                <a:solidFill>
-                  <a:schemeClr val="bg1">
-                    <a:lumMod val="50000"/>
-                  </a:schemeClr>
-                </a:solidFill>
-              </a:rPr>
-              <a:t>Problem Description</a:t>
-            </a:r>
-          </a:p>
-          <a:p>
-            <a:r>
-              <a:rPr lang="en-US" sz="1400" dirty="0" smtClean="0">
-                <a:solidFill>
-                  <a:schemeClr val="bg1">
-                    <a:lumMod val="50000"/>
-                  </a:schemeClr>
-                </a:solidFill>
-              </a:rPr>
-              <a:t>Project Plan</a:t>
-            </a:r>
-          </a:p>
-          <a:p>
-            <a:endParaRPr lang="en-US" sz="1400" dirty="0" smtClean="0">
-              <a:solidFill>
-                <a:schemeClr val="bg1">
-                  <a:lumMod val="50000"/>
-                </a:schemeClr>
-              </a:solidFill>
-            </a:endParaRPr>
-          </a:p>
-          <a:p>
-            <a:endParaRPr lang="en-US" sz="1400" dirty="0" smtClean="0"/>
-          </a:p>
-          <a:p>
-            <a:endParaRPr lang="en-US" sz="1400" dirty="0"/>
-          </a:p>
-          <a:p>
-            <a:endParaRPr lang="en-US" sz="1400" dirty="0" smtClean="0">
-              <a:solidFill>
-                <a:schemeClr val="bg1"/>
-              </a:solidFill>
-            </a:endParaRPr>
-          </a:p>
-          <a:p>
-            <a:r>
-              <a:rPr lang="en-US" sz="1400" dirty="0" smtClean="0">
-                <a:solidFill>
-                  <a:schemeClr val="bg1"/>
-                </a:solidFill>
-              </a:rPr>
-              <a:t>Control Strategies</a:t>
-            </a:r>
-          </a:p>
-          <a:p>
-            <a:r>
-              <a:rPr lang="en-US" sz="1400" dirty="0" smtClean="0">
-                <a:solidFill>
-                  <a:schemeClr val="bg1"/>
-                </a:solidFill>
-              </a:rPr>
-              <a:t>Modeling</a:t>
-            </a:r>
-          </a:p>
-          <a:p>
-            <a:r>
-              <a:rPr lang="en-US" sz="1400" dirty="0" smtClean="0">
-                <a:solidFill>
-                  <a:schemeClr val="bg1"/>
-                </a:solidFill>
-              </a:rPr>
-              <a:t>Conclusion</a:t>
-            </a:r>
-          </a:p>
-        </p:txBody>
-      </p:sp>
-      <p:sp>
-        <p:nvSpPr>
-          <p:cNvPr id="4" name="TextBox 3"/>
-          <p:cNvSpPr txBox="1"/>
-          <p:nvPr/>
-        </p:nvSpPr>
-        <p:spPr>
-          <a:xfrm>
-            <a:off x="76200" y="772180"/>
-            <a:ext cx="5791200" cy="523220"/>
-          </a:xfrm>
-          <a:prstGeom prst="rect">
-            <a:avLst/>
-          </a:prstGeom>
-          <a:noFill/>
-        </p:spPr>
-        <p:txBody>
-          <a:bodyPr wrap="square" rtlCol="0">
-            <a:spAutoFit/>
-          </a:bodyPr>
-          <a:lstStyle/>
-          <a:p>
-            <a:r>
-              <a:rPr lang="en-US" sz="2800" dirty="0" smtClean="0"/>
-              <a:t>Current Status – Team Progress</a:t>
-            </a:r>
-            <a:endParaRPr lang="en-US" sz="2800" dirty="0"/>
-          </a:p>
-        </p:txBody>
-      </p:sp>
-      <p:grpSp>
-        <p:nvGrpSpPr>
-          <p:cNvPr id="3" name="Group 2"/>
-          <p:cNvGrpSpPr/>
-          <p:nvPr/>
-        </p:nvGrpSpPr>
-        <p:grpSpPr>
-          <a:xfrm>
-            <a:off x="1295400" y="1524000"/>
-            <a:ext cx="7391400" cy="1680865"/>
-            <a:chOff x="1295400" y="1600200"/>
-            <a:chExt cx="7391400" cy="1680865"/>
-          </a:xfrm>
-        </p:grpSpPr>
-        <p:grpSp>
-          <p:nvGrpSpPr>
-            <p:cNvPr id="2" name="Group 1"/>
-            <p:cNvGrpSpPr/>
-            <p:nvPr/>
-          </p:nvGrpSpPr>
-          <p:grpSpPr>
-            <a:xfrm>
-              <a:off x="1295400" y="1600200"/>
-              <a:ext cx="7391400" cy="1376065"/>
-              <a:chOff x="1295400" y="2052935"/>
-              <a:chExt cx="7391400" cy="1376065"/>
-            </a:xfrm>
-          </p:grpSpPr>
-          <p:sp>
-            <p:nvSpPr>
-              <p:cNvPr id="6" name="TextBox 5"/>
-              <p:cNvSpPr txBox="1"/>
-              <p:nvPr/>
-            </p:nvSpPr>
-            <p:spPr>
-              <a:xfrm>
-                <a:off x="1295400" y="2052935"/>
-                <a:ext cx="7391400" cy="461665"/>
-              </a:xfrm>
-              <a:prstGeom prst="rect">
-                <a:avLst/>
-              </a:prstGeom>
-              <a:noFill/>
-            </p:spPr>
-            <p:txBody>
-              <a:bodyPr wrap="square" rtlCol="0">
-                <a:spAutoFit/>
-              </a:bodyPr>
-              <a:lstStyle/>
-              <a:p>
-                <a:r>
-                  <a:rPr lang="en-US" sz="2400" dirty="0" smtClean="0"/>
-                  <a:t>Hours spent on project as of 10/15/2012:	</a:t>
-                </a:r>
-                <a:r>
-                  <a:rPr lang="en-US" sz="2400" b="1" dirty="0" smtClean="0"/>
-                  <a:t>165</a:t>
-                </a:r>
-                <a:endParaRPr lang="en-US" sz="2400" b="1" dirty="0"/>
-              </a:p>
-            </p:txBody>
-          </p:sp>
-          <p:sp>
-            <p:nvSpPr>
-              <p:cNvPr id="11" name="TextBox 10"/>
-              <p:cNvSpPr txBox="1"/>
-              <p:nvPr/>
-            </p:nvSpPr>
-            <p:spPr>
-              <a:xfrm>
-                <a:off x="1295400" y="2357735"/>
-                <a:ext cx="7391400" cy="461665"/>
-              </a:xfrm>
-              <a:prstGeom prst="rect">
-                <a:avLst/>
-              </a:prstGeom>
-              <a:noFill/>
-            </p:spPr>
-            <p:txBody>
-              <a:bodyPr wrap="square" rtlCol="0">
-                <a:spAutoFit/>
-              </a:bodyPr>
-              <a:lstStyle/>
-              <a:p>
-                <a:r>
-                  <a:rPr lang="en-US" sz="2400" dirty="0" smtClean="0"/>
-                  <a:t>	Spencer Carver:			  34</a:t>
-                </a:r>
-                <a:endParaRPr lang="en-US" sz="2400" dirty="0"/>
-              </a:p>
-            </p:txBody>
-          </p:sp>
-          <p:sp>
-            <p:nvSpPr>
-              <p:cNvPr id="15" name="TextBox 14"/>
-              <p:cNvSpPr txBox="1"/>
-              <p:nvPr/>
-            </p:nvSpPr>
-            <p:spPr>
-              <a:xfrm>
-                <a:off x="1295400" y="2662535"/>
-                <a:ext cx="7391400" cy="461665"/>
-              </a:xfrm>
-              <a:prstGeom prst="rect">
-                <a:avLst/>
-              </a:prstGeom>
-              <a:noFill/>
-            </p:spPr>
-            <p:txBody>
-              <a:bodyPr wrap="square" rtlCol="0">
-                <a:spAutoFit/>
-              </a:bodyPr>
-              <a:lstStyle/>
-              <a:p>
-                <a:r>
-                  <a:rPr lang="en-US" sz="2400" dirty="0" smtClean="0"/>
-                  <a:t>	Kevin Collins:				  40</a:t>
-                </a:r>
-                <a:endParaRPr lang="en-US" sz="2400" dirty="0"/>
-              </a:p>
-            </p:txBody>
-          </p:sp>
-          <p:sp>
-            <p:nvSpPr>
-              <p:cNvPr id="16" name="TextBox 15"/>
-              <p:cNvSpPr txBox="1"/>
-              <p:nvPr/>
-            </p:nvSpPr>
-            <p:spPr>
-              <a:xfrm>
-                <a:off x="1295400" y="2967335"/>
-                <a:ext cx="7391400" cy="461665"/>
-              </a:xfrm>
-              <a:prstGeom prst="rect">
-                <a:avLst/>
-              </a:prstGeom>
-              <a:noFill/>
-            </p:spPr>
-            <p:txBody>
-              <a:bodyPr wrap="square" rtlCol="0">
-                <a:spAutoFit/>
-              </a:bodyPr>
-              <a:lstStyle/>
-              <a:p>
-                <a:r>
-                  <a:rPr lang="en-US" sz="2400" dirty="0" smtClean="0"/>
-                  <a:t>	Ander Solorzano:		</a:t>
-                </a:r>
-                <a:r>
-                  <a:rPr lang="en-US" sz="2400" dirty="0"/>
-                  <a:t> </a:t>
-                </a:r>
-                <a:r>
-                  <a:rPr lang="en-US" sz="2400" dirty="0" smtClean="0"/>
-                  <a:t>           37.5</a:t>
-                </a:r>
-                <a:endParaRPr lang="en-US" sz="2400" dirty="0"/>
-              </a:p>
-            </p:txBody>
-          </p:sp>
-        </p:grpSp>
-        <p:sp>
-          <p:nvSpPr>
-            <p:cNvPr id="17" name="TextBox 16"/>
-            <p:cNvSpPr txBox="1"/>
-            <p:nvPr/>
-          </p:nvSpPr>
-          <p:spPr>
-            <a:xfrm>
-              <a:off x="1295400" y="2819400"/>
-              <a:ext cx="7391400" cy="461665"/>
-            </a:xfrm>
-            <a:prstGeom prst="rect">
-              <a:avLst/>
-            </a:prstGeom>
-            <a:noFill/>
-          </p:spPr>
-          <p:txBody>
-            <a:bodyPr wrap="square" rtlCol="0">
-              <a:spAutoFit/>
-            </a:bodyPr>
-            <a:lstStyle/>
-            <a:p>
-              <a:r>
-                <a:rPr lang="en-US" sz="2400" dirty="0" smtClean="0"/>
-                <a:t>	Ruffin White-Magner:		</a:t>
-              </a:r>
-              <a:r>
-                <a:rPr lang="en-US" sz="2400" dirty="0"/>
-                <a:t> </a:t>
-              </a:r>
-              <a:r>
-                <a:rPr lang="en-US" sz="2400" dirty="0" smtClean="0"/>
-                <a:t>           53.5</a:t>
-              </a:r>
-              <a:endParaRPr lang="en-US" sz="2400" dirty="0"/>
-            </a:p>
-          </p:txBody>
-        </p:sp>
-      </p:grpSp>
-      <p:grpSp>
-        <p:nvGrpSpPr>
-          <p:cNvPr id="7" name="Group 6"/>
-          <p:cNvGrpSpPr/>
-          <p:nvPr/>
-        </p:nvGrpSpPr>
-        <p:grpSpPr>
-          <a:xfrm>
-            <a:off x="1295400" y="3352800"/>
-            <a:ext cx="7696200" cy="1219200"/>
-            <a:chOff x="1295400" y="3733800"/>
-            <a:chExt cx="7696200" cy="1219200"/>
-          </a:xfrm>
-        </p:grpSpPr>
-        <p:sp>
-          <p:nvSpPr>
-            <p:cNvPr id="12" name="TextBox 11"/>
-            <p:cNvSpPr txBox="1"/>
-            <p:nvPr/>
-          </p:nvSpPr>
-          <p:spPr>
-            <a:xfrm>
-              <a:off x="1295400" y="3733800"/>
-              <a:ext cx="7391400" cy="461665"/>
-            </a:xfrm>
-            <a:prstGeom prst="rect">
-              <a:avLst/>
-            </a:prstGeom>
-            <a:noFill/>
-          </p:spPr>
-          <p:txBody>
-            <a:bodyPr wrap="square" rtlCol="0">
-              <a:spAutoFit/>
-            </a:bodyPr>
-            <a:lstStyle/>
-            <a:p>
-              <a:r>
-                <a:rPr lang="en-US" sz="2400" u="sng" dirty="0" smtClean="0"/>
-                <a:t>Tasks Recently Completed</a:t>
-              </a:r>
-              <a:r>
-                <a:rPr lang="en-US" sz="2400" dirty="0" smtClean="0"/>
-                <a:t>:</a:t>
-              </a:r>
-              <a:endParaRPr lang="en-US" sz="2400" b="1" dirty="0"/>
-            </a:p>
-          </p:txBody>
-        </p:sp>
-        <p:sp>
-          <p:nvSpPr>
-            <p:cNvPr id="13" name="TextBox 12"/>
-            <p:cNvSpPr txBox="1"/>
-            <p:nvPr/>
-          </p:nvSpPr>
-          <p:spPr>
-            <a:xfrm>
-              <a:off x="1295400" y="4114800"/>
-              <a:ext cx="7696200" cy="461665"/>
-            </a:xfrm>
-            <a:prstGeom prst="rect">
-              <a:avLst/>
-            </a:prstGeom>
-            <a:noFill/>
-          </p:spPr>
-          <p:txBody>
-            <a:bodyPr wrap="square" rtlCol="0">
-              <a:spAutoFit/>
-            </a:bodyPr>
-            <a:lstStyle/>
-            <a:p>
-              <a:r>
-                <a:rPr lang="en-US" sz="2400" b="1" dirty="0" smtClean="0"/>
-                <a:t>Mechanical Model </a:t>
-              </a:r>
-              <a:r>
-                <a:rPr lang="en-US" sz="2400" dirty="0" smtClean="0"/>
-                <a:t>– Kevin Collins &amp; Ruffin White-Magner</a:t>
-              </a:r>
-              <a:endParaRPr lang="en-US" sz="2400" b="1" dirty="0"/>
-            </a:p>
-          </p:txBody>
-        </p:sp>
-        <p:sp>
-          <p:nvSpPr>
-            <p:cNvPr id="20" name="TextBox 19"/>
-            <p:cNvSpPr txBox="1"/>
-            <p:nvPr/>
-          </p:nvSpPr>
-          <p:spPr>
-            <a:xfrm>
-              <a:off x="1295400" y="4491335"/>
-              <a:ext cx="7696200" cy="461665"/>
-            </a:xfrm>
-            <a:prstGeom prst="rect">
-              <a:avLst/>
-            </a:prstGeom>
-            <a:noFill/>
-          </p:spPr>
-          <p:txBody>
-            <a:bodyPr wrap="square" rtlCol="0">
-              <a:spAutoFit/>
-            </a:bodyPr>
-            <a:lstStyle/>
-            <a:p>
-              <a:r>
-                <a:rPr lang="en-US" sz="2400" b="1" dirty="0" smtClean="0"/>
-                <a:t>Receive Parts</a:t>
-              </a:r>
-              <a:r>
-                <a:rPr lang="en-US" sz="2400" dirty="0" smtClean="0"/>
-                <a:t>– Ander Solorzano</a:t>
-              </a:r>
-              <a:endParaRPr lang="en-US" sz="2400" b="1" dirty="0"/>
-            </a:p>
-          </p:txBody>
-        </p:sp>
-      </p:grpSp>
-      <p:grpSp>
-        <p:nvGrpSpPr>
-          <p:cNvPr id="10" name="Group 9"/>
-          <p:cNvGrpSpPr/>
-          <p:nvPr/>
-        </p:nvGrpSpPr>
-        <p:grpSpPr>
-          <a:xfrm>
-            <a:off x="1295400" y="4724400"/>
-            <a:ext cx="7696200" cy="1985665"/>
-            <a:chOff x="1295400" y="4872335"/>
-            <a:chExt cx="7696200" cy="1985665"/>
-          </a:xfrm>
-        </p:grpSpPr>
-        <p:sp>
-          <p:nvSpPr>
-            <p:cNvPr id="18" name="TextBox 17"/>
-            <p:cNvSpPr txBox="1"/>
-            <p:nvPr/>
-          </p:nvSpPr>
-          <p:spPr>
-            <a:xfrm>
-              <a:off x="1295400" y="5253335"/>
-              <a:ext cx="7696200" cy="461665"/>
-            </a:xfrm>
-            <a:prstGeom prst="rect">
-              <a:avLst/>
-            </a:prstGeom>
-            <a:noFill/>
-          </p:spPr>
-          <p:txBody>
-            <a:bodyPr wrap="square" rtlCol="0">
-              <a:spAutoFit/>
-            </a:bodyPr>
-            <a:lstStyle/>
-            <a:p>
-              <a:r>
-                <a:rPr lang="en-US" sz="2400" b="1" dirty="0" smtClean="0"/>
-                <a:t>Simulation </a:t>
-              </a:r>
-              <a:r>
-                <a:rPr lang="en-US" sz="2400" dirty="0" smtClean="0"/>
-                <a:t>– Kevin Collins &amp; Ruffin White-Magner</a:t>
-              </a:r>
-              <a:endParaRPr lang="en-US" sz="2400" b="1" dirty="0"/>
-            </a:p>
-          </p:txBody>
-        </p:sp>
-        <p:sp>
-          <p:nvSpPr>
-            <p:cNvPr id="19" name="TextBox 18"/>
-            <p:cNvSpPr txBox="1"/>
-            <p:nvPr/>
-          </p:nvSpPr>
-          <p:spPr>
-            <a:xfrm>
-              <a:off x="1295400" y="4872335"/>
-              <a:ext cx="7391400" cy="461665"/>
-            </a:xfrm>
-            <a:prstGeom prst="rect">
-              <a:avLst/>
-            </a:prstGeom>
-            <a:noFill/>
-          </p:spPr>
-          <p:txBody>
-            <a:bodyPr wrap="square" rtlCol="0">
-              <a:spAutoFit/>
-            </a:bodyPr>
-            <a:lstStyle/>
-            <a:p>
-              <a:r>
-                <a:rPr lang="en-US" sz="2400" u="sng" dirty="0" smtClean="0"/>
-                <a:t>Tasks Currently In Progress</a:t>
-              </a:r>
-              <a:r>
-                <a:rPr lang="en-US" sz="2400" dirty="0" smtClean="0"/>
-                <a:t>:</a:t>
-              </a:r>
-              <a:endParaRPr lang="en-US" sz="2400" b="1" dirty="0"/>
-            </a:p>
-          </p:txBody>
-        </p:sp>
-        <p:sp>
-          <p:nvSpPr>
-            <p:cNvPr id="21" name="TextBox 20"/>
-            <p:cNvSpPr txBox="1"/>
-            <p:nvPr/>
-          </p:nvSpPr>
-          <p:spPr>
-            <a:xfrm>
-              <a:off x="1295400" y="6396335"/>
-              <a:ext cx="7696200" cy="461665"/>
-            </a:xfrm>
-            <a:prstGeom prst="rect">
-              <a:avLst/>
-            </a:prstGeom>
-            <a:noFill/>
-          </p:spPr>
-          <p:txBody>
-            <a:bodyPr wrap="square" rtlCol="0">
-              <a:spAutoFit/>
-            </a:bodyPr>
-            <a:lstStyle/>
-            <a:p>
-              <a:r>
-                <a:rPr lang="en-US" sz="2400" b="1" dirty="0" smtClean="0"/>
-                <a:t>Research Real-Time VIs </a:t>
-              </a:r>
-              <a:r>
-                <a:rPr lang="en-US" sz="2400" dirty="0" smtClean="0"/>
-                <a:t>– Spencer Carver &amp; Ander Solorzano</a:t>
-              </a:r>
-              <a:endParaRPr lang="en-US" sz="2400" b="1" dirty="0"/>
-            </a:p>
-          </p:txBody>
-        </p:sp>
-        <p:sp>
-          <p:nvSpPr>
-            <p:cNvPr id="22" name="TextBox 21"/>
-            <p:cNvSpPr txBox="1"/>
-            <p:nvPr/>
-          </p:nvSpPr>
-          <p:spPr>
-            <a:xfrm>
-              <a:off x="1295400" y="5634335"/>
-              <a:ext cx="7696200" cy="830997"/>
-            </a:xfrm>
-            <a:prstGeom prst="rect">
-              <a:avLst/>
-            </a:prstGeom>
-            <a:noFill/>
-          </p:spPr>
-          <p:txBody>
-            <a:bodyPr wrap="square" rtlCol="0">
-              <a:spAutoFit/>
-            </a:bodyPr>
-            <a:lstStyle/>
-            <a:p>
-              <a:r>
-                <a:rPr lang="en-US" sz="2400" b="1" dirty="0" smtClean="0"/>
-                <a:t>Interface w/ Sensors </a:t>
-              </a:r>
-              <a:r>
-                <a:rPr lang="en-US" sz="2400" dirty="0" smtClean="0"/>
-                <a:t>– Spencer Carver, Ander Solorzano, &amp; Ruffin White-Magner</a:t>
-              </a:r>
-              <a:endParaRPr lang="en-US" sz="2400" b="1" dirty="0"/>
-            </a:p>
-          </p:txBody>
-        </p:sp>
-      </p:grpSp>
-    </p:spTree>
-    <p:extLst>
-      <p:ext uri="{BB962C8B-B14F-4D97-AF65-F5344CB8AC3E}">
-        <p14:creationId xmlns:p14="http://schemas.microsoft.com/office/powerpoint/2010/main" val="2196313707"/>
-      </p:ext>
-    </p:extLst>
-  </p:cSld>
-  <p:clrMapOvr>
-    <a:masterClrMapping/>
-  </p:clrMapOvr>
-  <mc:AlternateContent xmlns:mc="http://schemas.openxmlformats.org/markup-compatibility/2006" xmlns:p14="http://schemas.microsoft.com/office/powerpoint/2010/main">
-    <mc:Choice Requires="p14">
-      <p:transition spd="slow" p14:dur="2000"/>
-    </mc:Choice>
-    <mc:Fallback xmlns="">
-      <p:transition spd="slow"/>
-    </mc:Fallback>
-  </mc:AlternateContent>
-  <p:timing>
-    <p:tnLst>
-      <p:par>
-        <p:cTn id="1" dur="indefinite" restart="never" nodeType="tmRoot">
-          <p:childTnLst>
-            <p:seq concurrent="1" nextAc="seek">
-              <p:cTn id="2" dur="indefinite" nodeType="mainSeq">
-                <p:childTnLst>
-                  <p:par>
-                    <p:cTn id="3" fill="hold">
-                      <p:stCondLst>
-                        <p:cond delay="indefinite"/>
-                      </p:stCondLst>
-                      <p:childTnLst>
-                        <p:par>
-                          <p:cTn id="4" fill="hold">
-                            <p:stCondLst>
-                              <p:cond delay="0"/>
-                            </p:stCondLst>
-                            <p:childTnLst>
-                              <p:par>
-                                <p:cTn id="5" presetID="1" presetClass="entr" presetSubtype="0" fill="hold" nodeType="clickEffect">
-                                  <p:stCondLst>
-                                    <p:cond delay="0"/>
-                                  </p:stCondLst>
-                                  <p:childTnLst>
-                                    <p:set>
-                                      <p:cBhvr>
-                                        <p:cTn id="6" dur="1" fill="hold">
-                                          <p:stCondLst>
-                                            <p:cond delay="0"/>
-                                          </p:stCondLst>
-                                        </p:cTn>
-                                        <p:tgtEl>
-                                          <p:spTgt spid="7"/>
-                                        </p:tgtEl>
-                                        <p:attrNameLst>
-                                          <p:attrName>style.visibility</p:attrName>
-                                        </p:attrNameLst>
-                                      </p:cBhvr>
-                                      <p:to>
-                                        <p:strVal val="visible"/>
-                                      </p:to>
-                                    </p:set>
-                                  </p:childTnLst>
-                                </p:cTn>
-                              </p:par>
-                            </p:childTnLst>
-                          </p:cTn>
-                        </p:par>
-                      </p:childTnLst>
-                    </p:cTn>
-                  </p:par>
-                  <p:par>
-                    <p:cTn id="7" fill="hold">
-                      <p:stCondLst>
-                        <p:cond delay="indefinite"/>
-                      </p:stCondLst>
-                      <p:childTnLst>
-                        <p:par>
-                          <p:cTn id="8" fill="hold">
-                            <p:stCondLst>
-                              <p:cond delay="0"/>
-                            </p:stCondLst>
-                            <p:childTnLst>
-                              <p:par>
-                                <p:cTn id="9" presetID="1" presetClass="entr" presetSubtype="0" fill="hold" nodeType="clickEffect">
-                                  <p:stCondLst>
-                                    <p:cond delay="0"/>
-                                  </p:stCondLst>
-                                  <p:childTnLst>
-                                    <p:set>
-                                      <p:cBhvr>
-                                        <p:cTn id="10" dur="1" fill="hold">
-                                          <p:stCondLst>
-                                            <p:cond delay="0"/>
-                                          </p:stCondLst>
-                                        </p:cTn>
-                                        <p:tgtEl>
-                                          <p:spTgt spid="10"/>
-                                        </p:tgtEl>
-                                        <p:attrNameLst>
-                                          <p:attrName>style.visibility</p:attrName>
-                                        </p:attrNameLst>
-                                      </p:cBhvr>
-                                      <p:to>
-                                        <p:strVal val="visible"/>
-                                      </p:to>
-                                    </p:set>
-                                  </p:childTnLst>
-                                </p:cTn>
-                              </p:par>
-                            </p:childTnLst>
-                          </p:cTn>
-                        </p:par>
-                      </p:childTnLst>
-                    </p:cTn>
-                  </p:par>
-                </p:childTnLst>
-              </p:cTn>
-              <p:prevCondLst>
-                <p:cond evt="onPrev" delay="0">
-                  <p:tgtEl>
-                    <p:sldTgt/>
-                  </p:tgtEl>
-                </p:cond>
-              </p:prevCondLst>
-              <p:nextCondLst>
-                <p:cond evt="onNext" delay="0">
-                  <p:tgtEl>
-                    <p:sldTgt/>
-                  </p:tgtEl>
-                </p:cond>
-              </p:nextCondLst>
-            </p:seq>
-          </p:childTnLst>
-        </p:cTn>
-      </p:par>
-    </p:tnLst>
-  </p:timing>
-</p:sld>
-</file>
-
 <file path=ppt/slides/slide13.xml><?xml version="1.0" encoding="utf-8"?>
 <p:sld xmlns:a="http://schemas.openxmlformats.org/drawingml/2006/main" xmlns:r="http://schemas.openxmlformats.org/officeDocument/2006/relationships" xmlns:p="http://schemas.openxmlformats.org/presentationml/2006/main">
   <p:cSld>
@@ -15388,8 +15550,8 @@
         </p:nvSpPr>
         <p:spPr>
           <a:xfrm>
-            <a:off x="76200" y="-50125"/>
-            <a:ext cx="5486400" cy="2031325"/>
+            <a:off x="76200" y="-304800"/>
+            <a:ext cx="5486400" cy="2246769"/>
           </a:xfrm>
           <a:prstGeom prst="rect">
             <a:avLst/>
@@ -15410,8 +15572,15 @@
                   </a:schemeClr>
                 </a:solidFill>
               </a:rPr>
-              <a:t>Problem Description</a:t>
-            </a:r>
+              <a:t>Overview</a:t>
+            </a:r>
+            <a:endParaRPr lang="en-US" sz="1400" dirty="0" smtClean="0">
+              <a:solidFill>
+                <a:schemeClr val="bg1">
+                  <a:lumMod val="50000"/>
+                </a:schemeClr>
+              </a:solidFill>
+            </a:endParaRPr>
           </a:p>
           <a:p>
             <a:r>
@@ -15434,8 +15603,27 @@
                   </a:schemeClr>
                 </a:solidFill>
               </a:rPr>
-              <a:t>Current Status</a:t>
-            </a:r>
+              <a:t>Status</a:t>
+            </a:r>
+          </a:p>
+          <a:p>
+            <a:r>
+              <a:rPr lang="en-US" sz="1400" dirty="0" smtClean="0">
+                <a:solidFill>
+                  <a:schemeClr val="bg1">
+                    <a:lumMod val="50000"/>
+                  </a:schemeClr>
+                </a:solidFill>
+              </a:rPr>
+              <a:t>Parts</a:t>
+            </a:r>
+            <a:endParaRPr lang="en-US" sz="1400" dirty="0" smtClean="0">
+              <a:solidFill>
+                <a:schemeClr val="bg1">
+                  <a:lumMod val="50000"/>
+                </a:schemeClr>
+              </a:solidFill>
+            </a:endParaRPr>
           </a:p>
           <a:p>
             <a:endParaRPr lang="en-US" sz="1400" dirty="0" smtClean="0">
@@ -15688,107 +15876,6 @@
           <a:p>
             <a:pPr algn="ctr"/>
             <a:endParaRPr lang="en-US"/>
-          </a:p>
-        </p:txBody>
-      </p:sp>
-      <p:sp>
-        <p:nvSpPr>
-          <p:cNvPr id="9" name="TextBox 8"/>
-          <p:cNvSpPr txBox="1"/>
-          <p:nvPr/>
-        </p:nvSpPr>
-        <p:spPr>
-          <a:xfrm>
-            <a:off x="76200" y="-50125"/>
-            <a:ext cx="5486400" cy="2031325"/>
-          </a:xfrm>
-          <a:prstGeom prst="rect">
-            <a:avLst/>
-          </a:prstGeom>
-          <a:noFill/>
-        </p:spPr>
-        <p:txBody>
-          <a:bodyPr wrap="square" rtlCol="0">
-            <a:spAutoFit/>
-          </a:bodyPr>
-          <a:lstStyle/>
-          <a:p>
-            <a:r>
-              <a:rPr lang="en-US" sz="1400" dirty="0" smtClean="0">
-                <a:solidFill>
-                  <a:schemeClr val="bg1">
-                    <a:lumMod val="50000"/>
-                  </a:schemeClr>
-                </a:solidFill>
-              </a:rPr>
-              <a:t>Problem Description</a:t>
-            </a:r>
-          </a:p>
-          <a:p>
-            <a:r>
-              <a:rPr lang="en-US" sz="1400" dirty="0" smtClean="0">
-                <a:solidFill>
-                  <a:schemeClr val="bg1">
-                    <a:lumMod val="50000"/>
-                  </a:schemeClr>
-                </a:solidFill>
-              </a:rPr>
-              <a:t>Project Plan</a:t>
-            </a:r>
-          </a:p>
-          <a:p>
-            <a:r>
-              <a:rPr lang="en-US" sz="1400" dirty="0" smtClean="0">
-                <a:solidFill>
-                  <a:schemeClr val="bg1">
-                    <a:lumMod val="50000"/>
-                  </a:schemeClr>
-                </a:solidFill>
-              </a:rPr>
-              <a:t>Current Status</a:t>
-            </a:r>
-          </a:p>
-          <a:p>
-            <a:endParaRPr lang="en-US" sz="1400" dirty="0" smtClean="0">
-              <a:solidFill>
-                <a:schemeClr val="bg1">
-                  <a:lumMod val="50000"/>
-                </a:schemeClr>
-              </a:solidFill>
-            </a:endParaRPr>
-          </a:p>
-          <a:p>
-            <a:endParaRPr lang="en-US" sz="1400" dirty="0" smtClean="0"/>
-          </a:p>
-          <a:p>
-            <a:endParaRPr lang="en-US" sz="1400" dirty="0"/>
-          </a:p>
-          <a:p>
-            <a:endParaRPr lang="en-US" sz="1400" dirty="0" smtClean="0">
-              <a:solidFill>
-                <a:schemeClr val="bg1"/>
-              </a:solidFill>
-            </a:endParaRPr>
-          </a:p>
-          <a:p>
-            <a:r>
-              <a:rPr lang="en-US" sz="1400" dirty="0" smtClean="0">
-                <a:solidFill>
-                  <a:schemeClr val="bg1"/>
-                </a:solidFill>
-              </a:rPr>
-              <a:t>Modeling</a:t>
-            </a:r>
-          </a:p>
-          <a:p>
-            <a:r>
-              <a:rPr lang="en-US" sz="1400" dirty="0" smtClean="0">
-                <a:solidFill>
-                  <a:schemeClr val="bg1"/>
-                </a:solidFill>
-              </a:rPr>
-              <a:t>Conclusion</a:t>
-            </a:r>
           </a:p>
         </p:txBody>
       </p:sp>
@@ -16381,6 +16468,133 @@
           </a:p>
         </p:txBody>
       </p:sp>
+      <p:sp>
+        <p:nvSpPr>
+          <p:cNvPr id="18" name="TextBox 17"/>
+          <p:cNvSpPr txBox="1"/>
+          <p:nvPr/>
+        </p:nvSpPr>
+        <p:spPr>
+          <a:xfrm>
+            <a:off x="76200" y="-304800"/>
+            <a:ext cx="5486400" cy="2246769"/>
+          </a:xfrm>
+          <a:prstGeom prst="rect">
+            <a:avLst/>
+          </a:prstGeom>
+          <a:noFill/>
+        </p:spPr>
+        <p:txBody>
+          <a:bodyPr wrap="square" rtlCol="0">
+            <a:spAutoFit/>
+          </a:bodyPr>
+          <a:lstStyle/>
+          <a:p>
+            <a:r>
+              <a:rPr lang="en-US" sz="1400" dirty="0" smtClean="0">
+                <a:solidFill>
+                  <a:schemeClr val="bg1">
+                    <a:lumMod val="50000"/>
+                  </a:schemeClr>
+                </a:solidFill>
+              </a:rPr>
+              <a:t>Overview</a:t>
+            </a:r>
+            <a:endParaRPr lang="en-US" sz="1400" dirty="0" smtClean="0">
+              <a:solidFill>
+                <a:schemeClr val="bg1">
+                  <a:lumMod val="50000"/>
+                </a:schemeClr>
+              </a:solidFill>
+            </a:endParaRPr>
+          </a:p>
+          <a:p>
+            <a:r>
+              <a:rPr lang="en-US" sz="1400" dirty="0" smtClean="0">
+                <a:solidFill>
+                  <a:schemeClr val="bg1">
+                    <a:lumMod val="50000"/>
+                  </a:schemeClr>
+                </a:solidFill>
+              </a:rPr>
+              <a:t>Project Plan</a:t>
+            </a:r>
+          </a:p>
+          <a:p>
+            <a:r>
+              <a:rPr lang="en-US" sz="1400" dirty="0" smtClean="0">
+                <a:solidFill>
+                  <a:schemeClr val="bg1">
+                    <a:lumMod val="50000"/>
+                  </a:schemeClr>
+                </a:solidFill>
+              </a:rPr>
+              <a:t>Status</a:t>
+            </a:r>
+          </a:p>
+          <a:p>
+            <a:r>
+              <a:rPr lang="en-US" sz="1400" dirty="0" smtClean="0">
+                <a:solidFill>
+                  <a:schemeClr val="bg1">
+                    <a:lumMod val="50000"/>
+                  </a:schemeClr>
+                </a:solidFill>
+              </a:rPr>
+              <a:t>Parts</a:t>
+            </a:r>
+            <a:endParaRPr lang="en-US" sz="1400" dirty="0" smtClean="0">
+              <a:solidFill>
+                <a:schemeClr val="bg1">
+                  <a:lumMod val="50000"/>
+                </a:schemeClr>
+              </a:solidFill>
+            </a:endParaRPr>
+          </a:p>
+          <a:p>
+            <a:endParaRPr lang="en-US" sz="1400" dirty="0" smtClean="0">
+              <a:solidFill>
+                <a:schemeClr val="bg1">
+                  <a:lumMod val="50000"/>
+                </a:schemeClr>
+              </a:solidFill>
+            </a:endParaRPr>
+          </a:p>
+          <a:p>
+            <a:endParaRPr lang="en-US" sz="1400" dirty="0" smtClean="0"/>
+          </a:p>
+          <a:p>
+            <a:endParaRPr lang="en-US" sz="1400" dirty="0"/>
+          </a:p>
+          <a:p>
+            <a:endParaRPr lang="en-US" sz="1400" dirty="0" smtClean="0">
+              <a:solidFill>
+                <a:schemeClr val="bg1"/>
+              </a:solidFill>
+            </a:endParaRPr>
+          </a:p>
+          <a:p>
+            <a:r>
+              <a:rPr lang="en-US" sz="1400" dirty="0" smtClean="0">
+                <a:solidFill>
+                  <a:schemeClr val="bg1"/>
+                </a:solidFill>
+              </a:rPr>
+              <a:t>Modeling</a:t>
+            </a:r>
+          </a:p>
+          <a:p>
+            <a:r>
+              <a:rPr lang="en-US" sz="1400" dirty="0" smtClean="0">
+                <a:solidFill>
+                  <a:schemeClr val="bg1"/>
+                </a:solidFill>
+              </a:rPr>
+              <a:t>Conclusion</a:t>
+            </a:r>
+          </a:p>
+        </p:txBody>
+      </p:sp>
     </p:spTree>
     <p:extLst>
       <p:ext uri="{BB962C8B-B14F-4D97-AF65-F5344CB8AC3E}">
@@ -16537,107 +16751,6 @@
           <a:p>
             <a:pPr algn="ctr"/>
             <a:endParaRPr lang="en-US"/>
-          </a:p>
-        </p:txBody>
-      </p:sp>
-      <p:sp>
-        <p:nvSpPr>
-          <p:cNvPr id="9" name="TextBox 8"/>
-          <p:cNvSpPr txBox="1"/>
-          <p:nvPr/>
-        </p:nvSpPr>
-        <p:spPr>
-          <a:xfrm>
-            <a:off x="76200" y="-50125"/>
-            <a:ext cx="5486400" cy="2031325"/>
-          </a:xfrm>
-          <a:prstGeom prst="rect">
-            <a:avLst/>
-          </a:prstGeom>
-          <a:noFill/>
-        </p:spPr>
-        <p:txBody>
-          <a:bodyPr wrap="square" rtlCol="0">
-            <a:spAutoFit/>
-          </a:bodyPr>
-          <a:lstStyle/>
-          <a:p>
-            <a:r>
-              <a:rPr lang="en-US" sz="1400" dirty="0" smtClean="0">
-                <a:solidFill>
-                  <a:schemeClr val="bg1">
-                    <a:lumMod val="50000"/>
-                  </a:schemeClr>
-                </a:solidFill>
-              </a:rPr>
-              <a:t>Problem Description</a:t>
-            </a:r>
-          </a:p>
-          <a:p>
-            <a:r>
-              <a:rPr lang="en-US" sz="1400" dirty="0" smtClean="0">
-                <a:solidFill>
-                  <a:schemeClr val="bg1">
-                    <a:lumMod val="50000"/>
-                  </a:schemeClr>
-                </a:solidFill>
-              </a:rPr>
-              <a:t>Project Plan</a:t>
-            </a:r>
-          </a:p>
-          <a:p>
-            <a:r>
-              <a:rPr lang="en-US" sz="1400" dirty="0" smtClean="0">
-                <a:solidFill>
-                  <a:schemeClr val="bg1">
-                    <a:lumMod val="50000"/>
-                  </a:schemeClr>
-                </a:solidFill>
-              </a:rPr>
-              <a:t>Current Status</a:t>
-            </a:r>
-          </a:p>
-          <a:p>
-            <a:endParaRPr lang="en-US" sz="1400" dirty="0" smtClean="0">
-              <a:solidFill>
-                <a:schemeClr val="bg1">
-                  <a:lumMod val="50000"/>
-                </a:schemeClr>
-              </a:solidFill>
-            </a:endParaRPr>
-          </a:p>
-          <a:p>
-            <a:endParaRPr lang="en-US" sz="1400" dirty="0" smtClean="0"/>
-          </a:p>
-          <a:p>
-            <a:endParaRPr lang="en-US" sz="1400" dirty="0"/>
-          </a:p>
-          <a:p>
-            <a:endParaRPr lang="en-US" sz="1400" dirty="0" smtClean="0">
-              <a:solidFill>
-                <a:schemeClr val="bg1"/>
-              </a:solidFill>
-            </a:endParaRPr>
-          </a:p>
-          <a:p>
-            <a:r>
-              <a:rPr lang="en-US" sz="1400" dirty="0" smtClean="0">
-                <a:solidFill>
-                  <a:schemeClr val="bg1"/>
-                </a:solidFill>
-              </a:rPr>
-              <a:t>Modeling</a:t>
-            </a:r>
-          </a:p>
-          <a:p>
-            <a:r>
-              <a:rPr lang="en-US" sz="1400" dirty="0" smtClean="0">
-                <a:solidFill>
-                  <a:schemeClr val="bg1"/>
-                </a:solidFill>
-              </a:rPr>
-              <a:t>Conclusion</a:t>
-            </a:r>
           </a:p>
         </p:txBody>
       </p:sp>
@@ -16914,6 +17027,133 @@
           </p:spPr>
         </p:pic>
       </p:grpSp>
+      <p:sp>
+        <p:nvSpPr>
+          <p:cNvPr id="13" name="TextBox 12"/>
+          <p:cNvSpPr txBox="1"/>
+          <p:nvPr/>
+        </p:nvSpPr>
+        <p:spPr>
+          <a:xfrm>
+            <a:off x="76200" y="-304800"/>
+            <a:ext cx="5486400" cy="2246769"/>
+          </a:xfrm>
+          <a:prstGeom prst="rect">
+            <a:avLst/>
+          </a:prstGeom>
+          <a:noFill/>
+        </p:spPr>
+        <p:txBody>
+          <a:bodyPr wrap="square" rtlCol="0">
+            <a:spAutoFit/>
+          </a:bodyPr>
+          <a:lstStyle/>
+          <a:p>
+            <a:r>
+              <a:rPr lang="en-US" sz="1400" dirty="0" smtClean="0">
+                <a:solidFill>
+                  <a:schemeClr val="bg1">
+                    <a:lumMod val="50000"/>
+                  </a:schemeClr>
+                </a:solidFill>
+              </a:rPr>
+              <a:t>Overview</a:t>
+            </a:r>
+            <a:endParaRPr lang="en-US" sz="1400" dirty="0" smtClean="0">
+              <a:solidFill>
+                <a:schemeClr val="bg1">
+                  <a:lumMod val="50000"/>
+                </a:schemeClr>
+              </a:solidFill>
+            </a:endParaRPr>
+          </a:p>
+          <a:p>
+            <a:r>
+              <a:rPr lang="en-US" sz="1400" dirty="0" smtClean="0">
+                <a:solidFill>
+                  <a:schemeClr val="bg1">
+                    <a:lumMod val="50000"/>
+                  </a:schemeClr>
+                </a:solidFill>
+              </a:rPr>
+              <a:t>Project Plan</a:t>
+            </a:r>
+          </a:p>
+          <a:p>
+            <a:r>
+              <a:rPr lang="en-US" sz="1400" dirty="0" smtClean="0">
+                <a:solidFill>
+                  <a:schemeClr val="bg1">
+                    <a:lumMod val="50000"/>
+                  </a:schemeClr>
+                </a:solidFill>
+              </a:rPr>
+              <a:t>Status</a:t>
+            </a:r>
+          </a:p>
+          <a:p>
+            <a:r>
+              <a:rPr lang="en-US" sz="1400" dirty="0" smtClean="0">
+                <a:solidFill>
+                  <a:schemeClr val="bg1">
+                    <a:lumMod val="50000"/>
+                  </a:schemeClr>
+                </a:solidFill>
+              </a:rPr>
+              <a:t>Parts</a:t>
+            </a:r>
+            <a:endParaRPr lang="en-US" sz="1400" dirty="0" smtClean="0">
+              <a:solidFill>
+                <a:schemeClr val="bg1">
+                  <a:lumMod val="50000"/>
+                </a:schemeClr>
+              </a:solidFill>
+            </a:endParaRPr>
+          </a:p>
+          <a:p>
+            <a:endParaRPr lang="en-US" sz="1400" dirty="0" smtClean="0">
+              <a:solidFill>
+                <a:schemeClr val="bg1">
+                  <a:lumMod val="50000"/>
+                </a:schemeClr>
+              </a:solidFill>
+            </a:endParaRPr>
+          </a:p>
+          <a:p>
+            <a:endParaRPr lang="en-US" sz="1400" dirty="0" smtClean="0"/>
+          </a:p>
+          <a:p>
+            <a:endParaRPr lang="en-US" sz="1400" dirty="0"/>
+          </a:p>
+          <a:p>
+            <a:endParaRPr lang="en-US" sz="1400" dirty="0" smtClean="0">
+              <a:solidFill>
+                <a:schemeClr val="bg1"/>
+              </a:solidFill>
+            </a:endParaRPr>
+          </a:p>
+          <a:p>
+            <a:r>
+              <a:rPr lang="en-US" sz="1400" dirty="0" smtClean="0">
+                <a:solidFill>
+                  <a:schemeClr val="bg1"/>
+                </a:solidFill>
+              </a:rPr>
+              <a:t>Modeling</a:t>
+            </a:r>
+          </a:p>
+          <a:p>
+            <a:r>
+              <a:rPr lang="en-US" sz="1400" dirty="0" smtClean="0">
+                <a:solidFill>
+                  <a:schemeClr val="bg1"/>
+                </a:solidFill>
+              </a:rPr>
+              <a:t>Conclusion</a:t>
+            </a:r>
+          </a:p>
+        </p:txBody>
+      </p:sp>
     </p:spTree>
     <p:extLst>
       <p:ext uri="{BB962C8B-B14F-4D97-AF65-F5344CB8AC3E}">
@@ -17114,107 +17354,6 @@
       </p:sp>
       <p:sp>
         <p:nvSpPr>
-          <p:cNvPr id="9" name="TextBox 8"/>
-          <p:cNvSpPr txBox="1"/>
-          <p:nvPr/>
-        </p:nvSpPr>
-        <p:spPr>
-          <a:xfrm>
-            <a:off x="76200" y="-50125"/>
-            <a:ext cx="5486400" cy="2031325"/>
-          </a:xfrm>
-          <a:prstGeom prst="rect">
-            <a:avLst/>
-          </a:prstGeom>
-          <a:noFill/>
-        </p:spPr>
-        <p:txBody>
-          <a:bodyPr wrap="square" rtlCol="0">
-            <a:spAutoFit/>
-          </a:bodyPr>
-          <a:lstStyle/>
-          <a:p>
-            <a:r>
-              <a:rPr lang="en-US" sz="1400" dirty="0" smtClean="0">
-                <a:solidFill>
-                  <a:schemeClr val="bg1">
-                    <a:lumMod val="50000"/>
-                  </a:schemeClr>
-                </a:solidFill>
-              </a:rPr>
-              <a:t>Problem Description</a:t>
-            </a:r>
-          </a:p>
-          <a:p>
-            <a:r>
-              <a:rPr lang="en-US" sz="1400" dirty="0" smtClean="0">
-                <a:solidFill>
-                  <a:schemeClr val="bg1">
-                    <a:lumMod val="50000"/>
-                  </a:schemeClr>
-                </a:solidFill>
-              </a:rPr>
-              <a:t>Project Plan</a:t>
-            </a:r>
-          </a:p>
-          <a:p>
-            <a:r>
-              <a:rPr lang="en-US" sz="1400" dirty="0" smtClean="0">
-                <a:solidFill>
-                  <a:schemeClr val="bg1">
-                    <a:lumMod val="50000"/>
-                  </a:schemeClr>
-                </a:solidFill>
-              </a:rPr>
-              <a:t>Current Status</a:t>
-            </a:r>
-          </a:p>
-          <a:p>
-            <a:endParaRPr lang="en-US" sz="1400" dirty="0" smtClean="0">
-              <a:solidFill>
-                <a:schemeClr val="bg1">
-                  <a:lumMod val="50000"/>
-                </a:schemeClr>
-              </a:solidFill>
-            </a:endParaRPr>
-          </a:p>
-          <a:p>
-            <a:endParaRPr lang="en-US" sz="1400" dirty="0" smtClean="0"/>
-          </a:p>
-          <a:p>
-            <a:endParaRPr lang="en-US" sz="1400" dirty="0"/>
-          </a:p>
-          <a:p>
-            <a:endParaRPr lang="en-US" sz="1400" dirty="0" smtClean="0">
-              <a:solidFill>
-                <a:schemeClr val="bg1"/>
-              </a:solidFill>
-            </a:endParaRPr>
-          </a:p>
-          <a:p>
-            <a:r>
-              <a:rPr lang="en-US" sz="1400" dirty="0" smtClean="0">
-                <a:solidFill>
-                  <a:schemeClr val="bg1"/>
-                </a:solidFill>
-              </a:rPr>
-              <a:t>Modeling</a:t>
-            </a:r>
-          </a:p>
-          <a:p>
-            <a:r>
-              <a:rPr lang="en-US" sz="1400" dirty="0" smtClean="0">
-                <a:solidFill>
-                  <a:schemeClr val="bg1"/>
-                </a:solidFill>
-              </a:rPr>
-              <a:t>Conclusion</a:t>
-            </a:r>
-          </a:p>
-        </p:txBody>
-      </p:sp>
-      <p:sp>
-        <p:nvSpPr>
           <p:cNvPr id="4" name="TextBox 3"/>
           <p:cNvSpPr txBox="1"/>
           <p:nvPr/>
@@ -17502,6 +17641,133 @@
           </a:p>
         </p:txBody>
       </p:sp>
+      <p:sp>
+        <p:nvSpPr>
+          <p:cNvPr id="18" name="TextBox 17"/>
+          <p:cNvSpPr txBox="1"/>
+          <p:nvPr/>
+        </p:nvSpPr>
+        <p:spPr>
+          <a:xfrm>
+            <a:off x="76200" y="-304800"/>
+            <a:ext cx="5486400" cy="2246769"/>
+          </a:xfrm>
+          <a:prstGeom prst="rect">
+            <a:avLst/>
+          </a:prstGeom>
+          <a:noFill/>
+        </p:spPr>
+        <p:txBody>
+          <a:bodyPr wrap="square" rtlCol="0">
+            <a:spAutoFit/>
+          </a:bodyPr>
+          <a:lstStyle/>
+          <a:p>
+            <a:r>
+              <a:rPr lang="en-US" sz="1400" dirty="0" smtClean="0">
+                <a:solidFill>
+                  <a:schemeClr val="bg1">
+                    <a:lumMod val="50000"/>
+                  </a:schemeClr>
+                </a:solidFill>
+              </a:rPr>
+              <a:t>Overview</a:t>
+            </a:r>
+            <a:endParaRPr lang="en-US" sz="1400" dirty="0" smtClean="0">
+              <a:solidFill>
+                <a:schemeClr val="bg1">
+                  <a:lumMod val="50000"/>
+                </a:schemeClr>
+              </a:solidFill>
+            </a:endParaRPr>
+          </a:p>
+          <a:p>
+            <a:r>
+              <a:rPr lang="en-US" sz="1400" dirty="0" smtClean="0">
+                <a:solidFill>
+                  <a:schemeClr val="bg1">
+                    <a:lumMod val="50000"/>
+                  </a:schemeClr>
+                </a:solidFill>
+              </a:rPr>
+              <a:t>Project Plan</a:t>
+            </a:r>
+          </a:p>
+          <a:p>
+            <a:r>
+              <a:rPr lang="en-US" sz="1400" dirty="0" smtClean="0">
+                <a:solidFill>
+                  <a:schemeClr val="bg1">
+                    <a:lumMod val="50000"/>
+                  </a:schemeClr>
+                </a:solidFill>
+              </a:rPr>
+              <a:t>Status</a:t>
+            </a:r>
+          </a:p>
+          <a:p>
+            <a:r>
+              <a:rPr lang="en-US" sz="1400" dirty="0" smtClean="0">
+                <a:solidFill>
+                  <a:schemeClr val="bg1">
+                    <a:lumMod val="50000"/>
+                  </a:schemeClr>
+                </a:solidFill>
+              </a:rPr>
+              <a:t>Parts</a:t>
+            </a:r>
+            <a:endParaRPr lang="en-US" sz="1400" dirty="0" smtClean="0">
+              <a:solidFill>
+                <a:schemeClr val="bg1">
+                  <a:lumMod val="50000"/>
+                </a:schemeClr>
+              </a:solidFill>
+            </a:endParaRPr>
+          </a:p>
+          <a:p>
+            <a:endParaRPr lang="en-US" sz="1400" dirty="0" smtClean="0">
+              <a:solidFill>
+                <a:schemeClr val="bg1">
+                  <a:lumMod val="50000"/>
+                </a:schemeClr>
+              </a:solidFill>
+            </a:endParaRPr>
+          </a:p>
+          <a:p>
+            <a:endParaRPr lang="en-US" sz="1400" dirty="0" smtClean="0"/>
+          </a:p>
+          <a:p>
+            <a:endParaRPr lang="en-US" sz="1400" dirty="0"/>
+          </a:p>
+          <a:p>
+            <a:endParaRPr lang="en-US" sz="1400" dirty="0" smtClean="0">
+              <a:solidFill>
+                <a:schemeClr val="bg1"/>
+              </a:solidFill>
+            </a:endParaRPr>
+          </a:p>
+          <a:p>
+            <a:r>
+              <a:rPr lang="en-US" sz="1400" dirty="0" smtClean="0">
+                <a:solidFill>
+                  <a:schemeClr val="bg1"/>
+                </a:solidFill>
+              </a:rPr>
+              <a:t>Modeling</a:t>
+            </a:r>
+          </a:p>
+          <a:p>
+            <a:r>
+              <a:rPr lang="en-US" sz="1400" dirty="0" smtClean="0">
+                <a:solidFill>
+                  <a:schemeClr val="bg1"/>
+                </a:solidFill>
+              </a:rPr>
+              <a:t>Conclusion</a:t>
+            </a:r>
+          </a:p>
+        </p:txBody>
+      </p:sp>
     </p:spTree>
     <p:extLst>
       <p:ext uri="{BB962C8B-B14F-4D97-AF65-F5344CB8AC3E}">
@@ -17669,8 +17935,8 @@
         </p:nvSpPr>
         <p:spPr>
           <a:xfrm>
-            <a:off x="76200" y="-304800"/>
-            <a:ext cx="5486400" cy="2031325"/>
+            <a:off x="76200" y="-494169"/>
+            <a:ext cx="5486400" cy="2246769"/>
           </a:xfrm>
           <a:prstGeom prst="rect">
             <a:avLst/>
@@ -17715,7 +17981,7 @@
                   </a:schemeClr>
                 </a:solidFill>
               </a:rPr>
-              <a:t>Current Status</a:t>
+              <a:t>Status</a:t>
             </a:r>
           </a:p>
           <a:p>
@@ -17727,8 +17993,34 @@
                   </a:schemeClr>
                 </a:solidFill>
               </a:rPr>
-              <a:t>Control Strategies</a:t>
-            </a:r>
+              <a:t>Parts</a:t>
+            </a:r>
+            <a:endParaRPr lang="en-US" sz="1400" dirty="0" smtClean="0">
+              <a:solidFill>
+                <a:schemeClr val="bg1">
+                  <a:lumMod val="50000"/>
+                </a:schemeClr>
+              </a:solidFill>
+            </a:endParaRPr>
+          </a:p>
+          <a:p>
+            <a:r>
+              <a:rPr lang="en-US" sz="1400" dirty="0" smtClean="0">
+                <a:solidFill>
+                  <a:schemeClr val="bg1">
+                    <a:lumMod val="50000"/>
+                  </a:schemeClr>
+                </a:solidFill>
+              </a:rPr>
+              <a:t>Controls</a:t>
+            </a:r>
+            <a:endParaRPr lang="en-US" sz="1400" dirty="0" smtClean="0">
+              <a:solidFill>
+                <a:schemeClr val="bg1">
+                  <a:lumMod val="50000"/>
+                </a:schemeClr>
+              </a:solidFill>
+            </a:endParaRPr>
           </a:p>
           <a:p>
             <a:endParaRPr lang="en-US" sz="1400" dirty="0" smtClean="0">
@@ -17898,109 +18190,6 @@
           </a:prstGeom>
         </p:spPr>
       </p:pic>
-      <p:sp>
-        <p:nvSpPr>
-          <p:cNvPr id="14" name="TextBox 13"/>
-          <p:cNvSpPr txBox="1"/>
-          <p:nvPr/>
-        </p:nvSpPr>
-        <p:spPr>
-          <a:xfrm>
-            <a:off x="76200" y="-304800"/>
-            <a:ext cx="5486400" cy="2031325"/>
-          </a:xfrm>
-          <a:prstGeom prst="rect">
-            <a:avLst/>
-          </a:prstGeom>
-          <a:noFill/>
-        </p:spPr>
-        <p:txBody>
-          <a:bodyPr wrap="square" rtlCol="0">
-            <a:spAutoFit/>
-          </a:bodyPr>
-          <a:lstStyle/>
-          <a:p>
-            <a:r>
-              <a:rPr lang="en-US" sz="1400" dirty="0" smtClean="0">
-                <a:solidFill>
-                  <a:schemeClr val="bg1">
-                    <a:lumMod val="50000"/>
-                  </a:schemeClr>
-                </a:solidFill>
-              </a:rPr>
-              <a:t>Problem Description</a:t>
-            </a:r>
-          </a:p>
-          <a:p>
-            <a:r>
-              <a:rPr lang="en-US" sz="1400" dirty="0" smtClean="0">
-                <a:solidFill>
-                  <a:schemeClr val="bg1">
-                    <a:lumMod val="50000"/>
-                  </a:schemeClr>
-                </a:solidFill>
-              </a:rPr>
-              <a:t>Project Plan</a:t>
-            </a:r>
-          </a:p>
-          <a:p>
-            <a:r>
-              <a:rPr lang="en-US" sz="1400" dirty="0" smtClean="0">
-                <a:solidFill>
-                  <a:schemeClr val="bg1">
-                    <a:lumMod val="50000"/>
-                  </a:schemeClr>
-                </a:solidFill>
-              </a:rPr>
-              <a:t>Current Status</a:t>
-            </a:r>
-          </a:p>
-          <a:p>
-            <a:r>
-              <a:rPr lang="en-US" sz="1400" dirty="0" smtClean="0">
-                <a:solidFill>
-                  <a:schemeClr val="bg1">
-                    <a:lumMod val="50000"/>
-                  </a:schemeClr>
-                </a:solidFill>
-              </a:rPr>
-              <a:t>Control Strategies</a:t>
-            </a:r>
-          </a:p>
-          <a:p>
-            <a:endParaRPr lang="en-US" sz="1400" dirty="0" smtClean="0">
-              <a:solidFill>
-                <a:schemeClr val="bg1">
-                  <a:lumMod val="50000"/>
-                </a:schemeClr>
-              </a:solidFill>
-            </a:endParaRPr>
-          </a:p>
-          <a:p>
-            <a:endParaRPr lang="en-US" sz="1400" dirty="0" smtClean="0"/>
-          </a:p>
-          <a:p>
-            <a:endParaRPr lang="en-US" sz="1400" dirty="0"/>
-          </a:p>
-          <a:p>
-            <a:endParaRPr lang="en-US" sz="1400" dirty="0" smtClean="0">
-              <a:solidFill>
-                <a:schemeClr val="bg1"/>
-              </a:solidFill>
-            </a:endParaRPr>
-          </a:p>
-          <a:p>
-            <a:r>
-              <a:rPr lang="en-US" sz="1400" dirty="0" smtClean="0">
-                <a:solidFill>
-                  <a:schemeClr val="bg1"/>
-                </a:solidFill>
-              </a:rPr>
-              <a:t>Conclusion</a:t>
-            </a:r>
-          </a:p>
-        </p:txBody>
-      </p:sp>
       <p:sp>
         <p:nvSpPr>
           <p:cNvPr id="5" name="Rectangle 4"/>
@@ -18214,6 +18403,123 @@
           </a:prstGeom>
         </p:spPr>
       </p:pic>
+      <p:sp>
+        <p:nvSpPr>
+          <p:cNvPr id="15" name="TextBox 14"/>
+          <p:cNvSpPr txBox="1"/>
+          <p:nvPr/>
+        </p:nvSpPr>
+        <p:spPr>
+          <a:xfrm>
+            <a:off x="76200" y="-304800"/>
+            <a:ext cx="5486400" cy="2031325"/>
+          </a:xfrm>
+          <a:prstGeom prst="rect">
+            <a:avLst/>
+          </a:prstGeom>
+          <a:noFill/>
+        </p:spPr>
+        <p:txBody>
+          <a:bodyPr wrap="square" rtlCol="0">
+            <a:spAutoFit/>
+          </a:bodyPr>
+          <a:lstStyle/>
+          <a:p>
+            <a:r>
+              <a:rPr lang="en-US" sz="1400" dirty="0" smtClean="0">
+                <a:solidFill>
+                  <a:schemeClr val="bg1">
+                    <a:lumMod val="50000"/>
+                  </a:schemeClr>
+                </a:solidFill>
+              </a:rPr>
+              <a:t>Problem Description</a:t>
+            </a:r>
+          </a:p>
+          <a:p>
+            <a:r>
+              <a:rPr lang="en-US" sz="1400" dirty="0" smtClean="0">
+                <a:solidFill>
+                  <a:schemeClr val="bg1">
+                    <a:lumMod val="50000"/>
+                  </a:schemeClr>
+                </a:solidFill>
+              </a:rPr>
+              <a:t>Project Plan</a:t>
+            </a:r>
+          </a:p>
+          <a:p>
+            <a:r>
+              <a:rPr lang="en-US" sz="1400" dirty="0" smtClean="0">
+                <a:solidFill>
+                  <a:schemeClr val="bg1">
+                    <a:lumMod val="50000"/>
+                  </a:schemeClr>
+                </a:solidFill>
+              </a:rPr>
+              <a:t>Status</a:t>
+            </a:r>
+            <a:endParaRPr lang="en-US" sz="1400" dirty="0" smtClean="0">
+              <a:solidFill>
+                <a:schemeClr val="bg1">
+                  <a:lumMod val="50000"/>
+                </a:schemeClr>
+              </a:solidFill>
+            </a:endParaRPr>
+          </a:p>
+          <a:p>
+            <a:r>
+              <a:rPr lang="en-US" sz="1400" dirty="0" smtClean="0">
+                <a:solidFill>
+                  <a:schemeClr val="bg1">
+                    <a:lumMod val="50000"/>
+                  </a:schemeClr>
+                </a:solidFill>
+              </a:rPr>
+              <a:t>Controls</a:t>
+            </a:r>
+            <a:endParaRPr lang="en-US" sz="1400" dirty="0" smtClean="0">
+              <a:solidFill>
+                <a:schemeClr val="bg1">
+                  <a:lumMod val="50000"/>
+                </a:schemeClr>
+              </a:solidFill>
+            </a:endParaRPr>
+          </a:p>
+          <a:p>
+            <a:endParaRPr lang="en-US" sz="1400" dirty="0" smtClean="0">
+              <a:solidFill>
+                <a:schemeClr val="bg1">
+                  <a:lumMod val="50000"/>
+                </a:schemeClr>
+              </a:solidFill>
+            </a:endParaRPr>
+          </a:p>
+          <a:p>
+            <a:endParaRPr lang="en-US" sz="1400" dirty="0" smtClean="0"/>
+          </a:p>
+          <a:p>
+            <a:endParaRPr lang="en-US" sz="1400" dirty="0"/>
+          </a:p>
+          <a:p>
+            <a:endParaRPr lang="en-US" sz="1400" dirty="0" smtClean="0">
+              <a:solidFill>
+                <a:schemeClr val="bg1"/>
+              </a:solidFill>
+            </a:endParaRPr>
+          </a:p>
+          <a:p>
+            <a:r>
+              <a:rPr lang="en-US" sz="1400" dirty="0" smtClean="0">
+                <a:solidFill>
+                  <a:schemeClr val="bg1"/>
+                </a:solidFill>
+              </a:rPr>
+              <a:t>Conclusion</a:t>
+            </a:r>
+          </a:p>
+        </p:txBody>
+      </p:sp>
     </p:spTree>
     <p:extLst>
       <p:ext uri="{BB962C8B-B14F-4D97-AF65-F5344CB8AC3E}">
@@ -18463,109 +18769,6 @@
           </a:prstGeom>
         </p:spPr>
       </p:pic>
-      <p:sp>
-        <p:nvSpPr>
-          <p:cNvPr id="14" name="TextBox 13"/>
-          <p:cNvSpPr txBox="1"/>
-          <p:nvPr/>
-        </p:nvSpPr>
-        <p:spPr>
-          <a:xfrm>
-            <a:off x="76200" y="-304800"/>
-            <a:ext cx="5486400" cy="2031325"/>
-          </a:xfrm>
-          <a:prstGeom prst="rect">
-            <a:avLst/>
-          </a:prstGeom>
-          <a:noFill/>
-        </p:spPr>
-        <p:txBody>
-          <a:bodyPr wrap="square" rtlCol="0">
-            <a:spAutoFit/>
-          </a:bodyPr>
-          <a:lstStyle/>
-          <a:p>
-            <a:r>
-              <a:rPr lang="en-US" sz="1400" dirty="0" smtClean="0">
-                <a:solidFill>
-                  <a:schemeClr val="bg1">
-                    <a:lumMod val="50000"/>
-                  </a:schemeClr>
-                </a:solidFill>
-              </a:rPr>
-              <a:t>Problem Description</a:t>
-            </a:r>
-          </a:p>
-          <a:p>
-            <a:r>
-              <a:rPr lang="en-US" sz="1400" dirty="0" smtClean="0">
-                <a:solidFill>
-                  <a:schemeClr val="bg1">
-                    <a:lumMod val="50000"/>
-                  </a:schemeClr>
-                </a:solidFill>
-              </a:rPr>
-              <a:t>Project Plan</a:t>
-            </a:r>
-          </a:p>
-          <a:p>
-            <a:r>
-              <a:rPr lang="en-US" sz="1400" dirty="0" smtClean="0">
-                <a:solidFill>
-                  <a:schemeClr val="bg1">
-                    <a:lumMod val="50000"/>
-                  </a:schemeClr>
-                </a:solidFill>
-              </a:rPr>
-              <a:t>Current Status</a:t>
-            </a:r>
-          </a:p>
-          <a:p>
-            <a:r>
-              <a:rPr lang="en-US" sz="1400" dirty="0" smtClean="0">
-                <a:solidFill>
-                  <a:schemeClr val="bg1">
-                    <a:lumMod val="50000"/>
-                  </a:schemeClr>
-                </a:solidFill>
-              </a:rPr>
-              <a:t>Control Strategies</a:t>
-            </a:r>
-          </a:p>
-          <a:p>
-            <a:endParaRPr lang="en-US" sz="1400" dirty="0" smtClean="0">
-              <a:solidFill>
-                <a:schemeClr val="bg1">
-                  <a:lumMod val="50000"/>
-                </a:schemeClr>
-              </a:solidFill>
-            </a:endParaRPr>
-          </a:p>
-          <a:p>
-            <a:endParaRPr lang="en-US" sz="1400" dirty="0" smtClean="0"/>
-          </a:p>
-          <a:p>
-            <a:endParaRPr lang="en-US" sz="1400" dirty="0"/>
-          </a:p>
-          <a:p>
-            <a:endParaRPr lang="en-US" sz="1400" dirty="0" smtClean="0">
-              <a:solidFill>
-                <a:schemeClr val="bg1"/>
-              </a:solidFill>
-            </a:endParaRPr>
-          </a:p>
-          <a:p>
-            <a:r>
-              <a:rPr lang="en-US" sz="1400" dirty="0" smtClean="0">
-                <a:solidFill>
-                  <a:schemeClr val="bg1"/>
-                </a:solidFill>
-              </a:rPr>
-              <a:t>Conclusion</a:t>
-            </a:r>
-          </a:p>
-        </p:txBody>
-      </p:sp>
       <p:sp>
         <p:nvSpPr>
           <p:cNvPr id="5" name="Rectangle 4"/>
@@ -19057,6 +19260,135 @@
           </a:fontRef>
         </p:style>
       </p:cxnSp>
+      <p:sp>
+        <p:nvSpPr>
+          <p:cNvPr id="25" name="TextBox 24"/>
+          <p:cNvSpPr txBox="1"/>
+          <p:nvPr/>
+        </p:nvSpPr>
+        <p:spPr>
+          <a:xfrm>
+            <a:off x="76200" y="-494169"/>
+            <a:ext cx="5486400" cy="2246769"/>
+          </a:xfrm>
+          <a:prstGeom prst="rect">
+            <a:avLst/>
+          </a:prstGeom>
+          <a:noFill/>
+        </p:spPr>
+        <p:txBody>
+          <a:bodyPr wrap="square" rtlCol="0">
+            <a:spAutoFit/>
+          </a:bodyPr>
+          <a:lstStyle/>
+          <a:p>
+            <a:r>
+              <a:rPr lang="en-US" sz="1400" dirty="0" smtClean="0">
+                <a:solidFill>
+                  <a:schemeClr val="bg1">
+                    <a:lumMod val="50000"/>
+                  </a:schemeClr>
+                </a:solidFill>
+              </a:rPr>
+              <a:t>Problem Description</a:t>
+            </a:r>
+          </a:p>
+          <a:p>
+            <a:r>
+              <a:rPr lang="en-US" sz="1400" dirty="0" smtClean="0">
+                <a:solidFill>
+                  <a:schemeClr val="bg1">
+                    <a:lumMod val="50000"/>
+                  </a:schemeClr>
+                </a:solidFill>
+              </a:rPr>
+              <a:t>Project Plan</a:t>
+            </a:r>
+          </a:p>
+          <a:p>
+            <a:r>
+              <a:rPr lang="en-US" sz="1400" dirty="0" smtClean="0">
+                <a:solidFill>
+                  <a:schemeClr val="bg1">
+                    <a:lumMod val="50000"/>
+                  </a:schemeClr>
+                </a:solidFill>
+              </a:rPr>
+              <a:t>Status</a:t>
+            </a:r>
+          </a:p>
+          <a:p>
+            <a:r>
+              <a:rPr lang="en-US" sz="1400" dirty="0" smtClean="0">
+                <a:solidFill>
+                  <a:schemeClr val="bg1">
+                    <a:lumMod val="50000"/>
+                  </a:schemeClr>
+                </a:solidFill>
+              </a:rPr>
+              <a:t>Parts</a:t>
+            </a:r>
+            <a:endParaRPr lang="en-US" sz="1400" dirty="0" smtClean="0">
+              <a:solidFill>
+                <a:schemeClr val="bg1">
+                  <a:lumMod val="50000"/>
+                </a:schemeClr>
+              </a:solidFill>
+            </a:endParaRPr>
+          </a:p>
+          <a:p>
+            <a:r>
+              <a:rPr lang="en-US" sz="1400" dirty="0" smtClean="0">
+                <a:solidFill>
+                  <a:schemeClr val="bg1">
+                    <a:lumMod val="50000"/>
+                  </a:schemeClr>
+                </a:solidFill>
+              </a:rPr>
+              <a:t>Controls</a:t>
+            </a:r>
+            <a:endParaRPr lang="en-US" sz="1400" dirty="0" smtClean="0">
+              <a:solidFill>
+                <a:schemeClr val="bg1">
+                  <a:lumMod val="50000"/>
+                </a:schemeClr>
+              </a:solidFill>
+            </a:endParaRPr>
+          </a:p>
+          <a:p>
+            <a:endParaRPr lang="en-US" sz="1400" dirty="0" smtClean="0">
+              <a:solidFill>
+                <a:schemeClr val="bg1">
+                  <a:lumMod val="50000"/>
+                </a:schemeClr>
+              </a:solidFill>
+            </a:endParaRPr>
+          </a:p>
+          <a:p>
+            <a:endParaRPr lang="en-US" sz="1400" dirty="0" smtClean="0"/>
+          </a:p>
+          <a:p>
+            <a:endParaRPr lang="en-US" sz="1400" dirty="0"/>
+          </a:p>
+          <a:p>
+            <a:endParaRPr lang="en-US" sz="1400" dirty="0" smtClean="0">
+              <a:solidFill>
+                <a:schemeClr val="bg1"/>
+              </a:solidFill>
+            </a:endParaRPr>
+          </a:p>
+          <a:p>
+            <a:r>
+              <a:rPr lang="en-US" sz="1400" dirty="0" smtClean="0">
+                <a:solidFill>
+                  <a:schemeClr val="bg1"/>
+                </a:solidFill>
+              </a:rPr>
+              <a:t>Conclusion</a:t>
+            </a:r>
+          </a:p>
+        </p:txBody>
+      </p:sp>
     </p:spTree>
     <p:extLst>
       <p:ext uri="{BB962C8B-B14F-4D97-AF65-F5344CB8AC3E}">
@@ -19225,7 +19557,7 @@
         <p:spPr>
           <a:xfrm>
             <a:off x="76200" y="1345049"/>
-            <a:ext cx="1752600" cy="1169551"/>
+            <a:ext cx="1752600" cy="1384995"/>
           </a:xfrm>
           <a:prstGeom prst="rect">
             <a:avLst/>
@@ -19254,7 +19586,7 @@
                   <a:schemeClr val="bg1"/>
                 </a:solidFill>
               </a:rPr>
-              <a:t>Current Status</a:t>
+              <a:t>Status</a:t>
             </a:r>
           </a:p>
           <a:p>
@@ -19264,8 +19596,28 @@
                   <a:schemeClr val="bg1"/>
                 </a:solidFill>
               </a:rPr>
-              <a:t>Control Strategies</a:t>
-            </a:r>
+              <a:t>Parts</a:t>
+            </a:r>
+            <a:endParaRPr lang="en-US" sz="1400" dirty="0" smtClean="0">
+              <a:solidFill>
+                <a:schemeClr val="bg1"/>
+              </a:solidFill>
+            </a:endParaRPr>
+          </a:p>
+          <a:p>
+            <a:r>
+              <a:rPr lang="en-US" sz="1400" dirty="0" smtClean="0">
+                <a:solidFill>
+                  <a:schemeClr val="bg1"/>
+                </a:solidFill>
+              </a:rPr>
+              <a:t>Controls</a:t>
+            </a:r>
+            <a:endParaRPr lang="en-US" sz="1400" dirty="0" smtClean="0">
+              <a:solidFill>
+                <a:schemeClr val="bg1"/>
+              </a:solidFill>
+            </a:endParaRPr>
           </a:p>
           <a:p>
             <a:r>
@@ -19446,109 +19798,6 @@
           </a:prstGeom>
         </p:spPr>
       </p:pic>
-      <p:sp>
-        <p:nvSpPr>
-          <p:cNvPr id="24" name="TextBox 23"/>
-          <p:cNvSpPr txBox="1"/>
-          <p:nvPr/>
-        </p:nvSpPr>
-        <p:spPr>
-          <a:xfrm>
-            <a:off x="76200" y="-304800"/>
-            <a:ext cx="5486400" cy="2031325"/>
-          </a:xfrm>
-          <a:prstGeom prst="rect">
-            <a:avLst/>
-          </a:prstGeom>
-          <a:noFill/>
-        </p:spPr>
-        <p:txBody>
-          <a:bodyPr wrap="square" rtlCol="0">
-            <a:spAutoFit/>
-          </a:bodyPr>
-          <a:lstStyle/>
-          <a:p>
-            <a:r>
-              <a:rPr lang="en-US" sz="1400" dirty="0" smtClean="0">
-                <a:solidFill>
-                  <a:schemeClr val="bg1">
-                    <a:lumMod val="50000"/>
-                  </a:schemeClr>
-                </a:solidFill>
-              </a:rPr>
-              <a:t>Problem Description</a:t>
-            </a:r>
-          </a:p>
-          <a:p>
-            <a:r>
-              <a:rPr lang="en-US" sz="1400" dirty="0" smtClean="0">
-                <a:solidFill>
-                  <a:schemeClr val="bg1">
-                    <a:lumMod val="50000"/>
-                  </a:schemeClr>
-                </a:solidFill>
-              </a:rPr>
-              <a:t>Project Plan</a:t>
-            </a:r>
-          </a:p>
-          <a:p>
-            <a:r>
-              <a:rPr lang="en-US" sz="1400" dirty="0" smtClean="0">
-                <a:solidFill>
-                  <a:schemeClr val="bg1">
-                    <a:lumMod val="50000"/>
-                  </a:schemeClr>
-                </a:solidFill>
-              </a:rPr>
-              <a:t>Current Status</a:t>
-            </a:r>
-          </a:p>
-          <a:p>
-            <a:r>
-              <a:rPr lang="en-US" sz="1400" dirty="0" smtClean="0">
-                <a:solidFill>
-                  <a:schemeClr val="bg1">
-                    <a:lumMod val="50000"/>
-                  </a:schemeClr>
-                </a:solidFill>
-              </a:rPr>
-              <a:t>Control Strategies</a:t>
-            </a:r>
-          </a:p>
-          <a:p>
-            <a:endParaRPr lang="en-US" sz="1400" dirty="0" smtClean="0">
-              <a:solidFill>
-                <a:schemeClr val="bg1">
-                  <a:lumMod val="50000"/>
-                </a:schemeClr>
-              </a:solidFill>
-            </a:endParaRPr>
-          </a:p>
-          <a:p>
-            <a:endParaRPr lang="en-US" sz="1400" dirty="0" smtClean="0"/>
-          </a:p>
-          <a:p>
-            <a:endParaRPr lang="en-US" sz="1400" dirty="0"/>
-          </a:p>
-          <a:p>
-            <a:endParaRPr lang="en-US" sz="1400" dirty="0" smtClean="0">
-              <a:solidFill>
-                <a:schemeClr val="bg1"/>
-              </a:solidFill>
-            </a:endParaRPr>
-          </a:p>
-          <a:p>
-            <a:r>
-              <a:rPr lang="en-US" sz="1400" dirty="0" smtClean="0">
-                <a:solidFill>
-                  <a:schemeClr val="bg1"/>
-                </a:solidFill>
-              </a:rPr>
-              <a:t>Conclusion</a:t>
-            </a:r>
-          </a:p>
-        </p:txBody>
-      </p:sp>
       <p:sp>
         <p:nvSpPr>
           <p:cNvPr id="5" name="Rectangle 4"/>
@@ -19762,6 +20011,135 @@
           </a:prstGeom>
         </p:spPr>
       </p:pic>
+      <p:sp>
+        <p:nvSpPr>
+          <p:cNvPr id="11" name="TextBox 10"/>
+          <p:cNvSpPr txBox="1"/>
+          <p:nvPr/>
+        </p:nvSpPr>
+        <p:spPr>
+          <a:xfrm>
+            <a:off x="76200" y="-494169"/>
+            <a:ext cx="5486400" cy="2246769"/>
+          </a:xfrm>
+          <a:prstGeom prst="rect">
+            <a:avLst/>
+          </a:prstGeom>
+          <a:noFill/>
+        </p:spPr>
+        <p:txBody>
+          <a:bodyPr wrap="square" rtlCol="0">
+            <a:spAutoFit/>
+          </a:bodyPr>
+          <a:lstStyle/>
+          <a:p>
+            <a:r>
+              <a:rPr lang="en-US" sz="1400" dirty="0" smtClean="0">
+                <a:solidFill>
+                  <a:schemeClr val="bg1">
+                    <a:lumMod val="50000"/>
+                  </a:schemeClr>
+                </a:solidFill>
+              </a:rPr>
+              <a:t>Problem Description</a:t>
+            </a:r>
+          </a:p>
+          <a:p>
+            <a:r>
+              <a:rPr lang="en-US" sz="1400" dirty="0" smtClean="0">
+                <a:solidFill>
+                  <a:schemeClr val="bg1">
+                    <a:lumMod val="50000"/>
+                  </a:schemeClr>
+                </a:solidFill>
+              </a:rPr>
+              <a:t>Project Plan</a:t>
+            </a:r>
+          </a:p>
+          <a:p>
+            <a:r>
+              <a:rPr lang="en-US" sz="1400" dirty="0" smtClean="0">
+                <a:solidFill>
+                  <a:schemeClr val="bg1">
+                    <a:lumMod val="50000"/>
+                  </a:schemeClr>
+                </a:solidFill>
+              </a:rPr>
+              <a:t>Status</a:t>
+            </a:r>
+          </a:p>
+          <a:p>
+            <a:r>
+              <a:rPr lang="en-US" sz="1400" dirty="0" smtClean="0">
+                <a:solidFill>
+                  <a:schemeClr val="bg1">
+                    <a:lumMod val="50000"/>
+                  </a:schemeClr>
+                </a:solidFill>
+              </a:rPr>
+              <a:t>Parts</a:t>
+            </a:r>
+            <a:endParaRPr lang="en-US" sz="1400" dirty="0" smtClean="0">
+              <a:solidFill>
+                <a:schemeClr val="bg1">
+                  <a:lumMod val="50000"/>
+                </a:schemeClr>
+              </a:solidFill>
+            </a:endParaRPr>
+          </a:p>
+          <a:p>
+            <a:r>
+              <a:rPr lang="en-US" sz="1400" dirty="0" smtClean="0">
+                <a:solidFill>
+                  <a:schemeClr val="bg1">
+                    <a:lumMod val="50000"/>
+                  </a:schemeClr>
+                </a:solidFill>
+              </a:rPr>
+              <a:t>Controls</a:t>
+            </a:r>
+            <a:endParaRPr lang="en-US" sz="1400" dirty="0" smtClean="0">
+              <a:solidFill>
+                <a:schemeClr val="bg1">
+                  <a:lumMod val="50000"/>
+                </a:schemeClr>
+              </a:solidFill>
+            </a:endParaRPr>
+          </a:p>
+          <a:p>
+            <a:endParaRPr lang="en-US" sz="1400" dirty="0" smtClean="0">
+              <a:solidFill>
+                <a:schemeClr val="bg1">
+                  <a:lumMod val="50000"/>
+                </a:schemeClr>
+              </a:solidFill>
+            </a:endParaRPr>
+          </a:p>
+          <a:p>
+            <a:endParaRPr lang="en-US" sz="1400" dirty="0" smtClean="0"/>
+          </a:p>
+          <a:p>
+            <a:endParaRPr lang="en-US" sz="1400" dirty="0"/>
+          </a:p>
+          <a:p>
+            <a:endParaRPr lang="en-US" sz="1400" dirty="0" smtClean="0">
+              <a:solidFill>
+                <a:schemeClr val="bg1"/>
+              </a:solidFill>
+            </a:endParaRPr>
+          </a:p>
+          <a:p>
+            <a:r>
+              <a:rPr lang="en-US" sz="1400" dirty="0" smtClean="0">
+                <a:solidFill>
+                  <a:schemeClr val="bg1"/>
+                </a:solidFill>
+              </a:rPr>
+              <a:t>Conclusion</a:t>
+            </a:r>
+          </a:p>
+        </p:txBody>
+      </p:sp>
     </p:spTree>
     <p:extLst>
       <p:ext uri="{BB962C8B-B14F-4D97-AF65-F5344CB8AC3E}">
@@ -20087,8 +20465,8 @@
         </p:nvSpPr>
         <p:spPr>
           <a:xfrm>
-            <a:off x="76200" y="-457200"/>
-            <a:ext cx="5486400" cy="1169551"/>
+            <a:off x="76200" y="-685800"/>
+            <a:ext cx="5486400" cy="1384995"/>
           </a:xfrm>
           <a:prstGeom prst="rect">
             <a:avLst/>
@@ -20109,8 +20487,15 @@
                   </a:schemeClr>
                 </a:solidFill>
               </a:rPr>
-              <a:t>Problem Description</a:t>
-            </a:r>
+              <a:t>Overview</a:t>
+            </a:r>
+            <a:endParaRPr lang="en-US" sz="1400" dirty="0" smtClean="0">
+              <a:solidFill>
+                <a:schemeClr val="bg1">
+                  <a:lumMod val="50000"/>
+                </a:schemeClr>
+              </a:solidFill>
+            </a:endParaRPr>
           </a:p>
           <a:p>
             <a:r>
@@ -20121,8 +20506,15 @@
                   </a:schemeClr>
                 </a:solidFill>
               </a:rPr>
-              <a:t>Solution A</a:t>
-            </a:r>
+              <a:t>Project Plan</a:t>
+            </a:r>
+            <a:endParaRPr lang="en-US" sz="1400" dirty="0" smtClean="0">
+              <a:solidFill>
+                <a:schemeClr val="bg1">
+                  <a:lumMod val="50000"/>
+                </a:schemeClr>
+              </a:solidFill>
+            </a:endParaRPr>
           </a:p>
           <a:p>
             <a:r>
@@ -20133,7 +20525,7 @@
                   </a:schemeClr>
                 </a:solidFill>
               </a:rPr>
-              <a:t>Solution B</a:t>
+              <a:t>Status</a:t>
             </a:r>
           </a:p>
           <a:p>
@@ -20145,8 +20537,15 @@
                   </a:schemeClr>
                 </a:solidFill>
               </a:rPr>
-              <a:t>Solution C</a:t>
-            </a:r>
+              <a:t>Parts</a:t>
+            </a:r>
+            <a:endParaRPr lang="en-US" sz="1400" dirty="0" smtClean="0">
+              <a:solidFill>
+                <a:schemeClr val="bg1">
+                  <a:lumMod val="50000"/>
+                </a:schemeClr>
+              </a:solidFill>
+            </a:endParaRPr>
           </a:p>
           <a:p>
             <a:r>
@@ -20157,8 +20556,34 @@
                   </a:schemeClr>
                 </a:solidFill>
               </a:rPr>
-              <a:t>Solution D</a:t>
-            </a:r>
+              <a:t>Controls</a:t>
+            </a:r>
+            <a:endParaRPr lang="en-US" sz="1400" dirty="0" smtClean="0">
+              <a:solidFill>
+                <a:schemeClr val="bg1">
+                  <a:lumMod val="50000"/>
+                </a:schemeClr>
+              </a:solidFill>
+            </a:endParaRPr>
+          </a:p>
+          <a:p>
+            <a:r>
+              <a:rPr lang="en-US" sz="1400" dirty="0" smtClean="0">
+                <a:solidFill>
+                  <a:schemeClr val="bg1">
+                    <a:lumMod val="50000"/>
+                  </a:schemeClr>
+                </a:solidFill>
+              </a:rPr>
+              <a:t>Modeling</a:t>
+            </a:r>
+            <a:endParaRPr lang="en-US" sz="1400" dirty="0" smtClean="0">
+              <a:solidFill>
+                <a:schemeClr val="bg1">
+                  <a:lumMod val="50000"/>
+                </a:schemeClr>
+              </a:solidFill>
+            </a:endParaRPr>
           </a:p>
         </p:txBody>
       </p:sp>
@@ -20787,7 +21212,7 @@
         <p:spPr>
           <a:xfrm>
             <a:off x="76200" y="344031"/>
-            <a:ext cx="5486400" cy="2031325"/>
+            <a:ext cx="5486400" cy="2246769"/>
           </a:xfrm>
           <a:prstGeom prst="rect">
             <a:avLst/>
@@ -20808,8 +21233,15 @@
                   </a:schemeClr>
                 </a:solidFill>
               </a:rPr>
-              <a:t>Problem Description</a:t>
-            </a:r>
+              <a:t>Overview</a:t>
+            </a:r>
+            <a:endParaRPr lang="en-US" sz="1400" dirty="0" smtClean="0">
+              <a:solidFill>
+                <a:schemeClr val="bg1">
+                  <a:lumMod val="50000"/>
+                </a:schemeClr>
+              </a:solidFill>
+            </a:endParaRPr>
           </a:p>
           <a:p>
             <a:endParaRPr lang="en-US" sz="1400" dirty="0" smtClean="0"/>
@@ -20830,7 +21262,7 @@
                   <a:schemeClr val="bg1"/>
                 </a:solidFill>
               </a:rPr>
-              <a:t>Current Status</a:t>
+              <a:t>Status</a:t>
             </a:r>
           </a:p>
           <a:p>
@@ -20840,8 +21272,28 @@
                   <a:schemeClr val="bg1"/>
                 </a:solidFill>
               </a:rPr>
-              <a:t>Control Strategies</a:t>
-            </a:r>
+              <a:t>Parts</a:t>
+            </a:r>
+            <a:endParaRPr lang="en-US" sz="1400" dirty="0" smtClean="0">
+              <a:solidFill>
+                <a:schemeClr val="bg1"/>
+              </a:solidFill>
+            </a:endParaRPr>
+          </a:p>
+          <a:p>
+            <a:r>
+              <a:rPr lang="en-US" sz="1400" dirty="0" smtClean="0">
+                <a:solidFill>
+                  <a:schemeClr val="bg1"/>
+                </a:solidFill>
+              </a:rPr>
+              <a:t>Controls</a:t>
+            </a:r>
+            <a:endParaRPr lang="en-US" sz="1400" dirty="0" smtClean="0">
+              <a:solidFill>
+                <a:schemeClr val="bg1"/>
+              </a:solidFill>
+            </a:endParaRPr>
           </a:p>
           <a:p>
             <a:r>
@@ -21442,93 +21894,6 @@
       </p:sp>
       <p:sp>
         <p:nvSpPr>
-          <p:cNvPr id="9" name="TextBox 8"/>
-          <p:cNvSpPr txBox="1"/>
-          <p:nvPr/>
-        </p:nvSpPr>
-        <p:spPr>
-          <a:xfrm>
-            <a:off x="76200" y="344031"/>
-            <a:ext cx="5486400" cy="2031325"/>
-          </a:xfrm>
-          <a:prstGeom prst="rect">
-            <a:avLst/>
-          </a:prstGeom>
-          <a:noFill/>
-        </p:spPr>
-        <p:txBody>
-          <a:bodyPr wrap="square" rtlCol="0">
-            <a:spAutoFit/>
-          </a:bodyPr>
-          <a:lstStyle/>
-          <a:p>
-            <a:r>
-              <a:rPr lang="en-US" sz="1400" dirty="0" smtClean="0">
-                <a:solidFill>
-                  <a:schemeClr val="bg1">
-                    <a:lumMod val="50000"/>
-                  </a:schemeClr>
-                </a:solidFill>
-              </a:rPr>
-              <a:t>Problem Description</a:t>
-            </a:r>
-          </a:p>
-          <a:p>
-            <a:endParaRPr lang="en-US" sz="1400" dirty="0" smtClean="0"/>
-          </a:p>
-          <a:p>
-            <a:endParaRPr lang="en-US" sz="1400" dirty="0"/>
-          </a:p>
-          <a:p>
-            <a:endParaRPr lang="en-US" sz="1400" dirty="0" smtClean="0"/>
-          </a:p>
-          <a:p>
-            <a:endParaRPr lang="en-US" sz="1400" dirty="0" smtClean="0"/>
-          </a:p>
-          <a:p>
-            <a:r>
-              <a:rPr lang="en-US" sz="1400" dirty="0" smtClean="0">
-                <a:solidFill>
-                  <a:schemeClr val="bg1"/>
-                </a:solidFill>
-              </a:rPr>
-              <a:t>Current Status</a:t>
-            </a:r>
-          </a:p>
-          <a:p>
-            <a:r>
-              <a:rPr lang="en-US" sz="1400" dirty="0" smtClean="0">
-                <a:solidFill>
-                  <a:schemeClr val="bg1"/>
-                </a:solidFill>
-              </a:rPr>
-              <a:t>Control Strategies</a:t>
-            </a:r>
-          </a:p>
-          <a:p>
-            <a:r>
-              <a:rPr lang="en-US" sz="1400" dirty="0" smtClean="0">
-                <a:solidFill>
-                  <a:schemeClr val="bg1"/>
-                </a:solidFill>
-              </a:rPr>
-              <a:t>Modeling</a:t>
-            </a:r>
-          </a:p>
-          <a:p>
-            <a:r>
-              <a:rPr lang="en-US" sz="1400" dirty="0" smtClean="0">
-                <a:solidFill>
-                  <a:schemeClr val="bg1"/>
-                </a:solidFill>
-              </a:rPr>
-              <a:t>Conclusion</a:t>
-            </a:r>
-          </a:p>
-        </p:txBody>
-      </p:sp>
-      <p:sp>
-        <p:nvSpPr>
           <p:cNvPr id="4" name="TextBox 3"/>
           <p:cNvSpPr txBox="1"/>
           <p:nvPr/>
@@ -21621,6 +21986,120 @@
           </a:extLst>
         </p:spPr>
       </p:pic>
+      <p:sp>
+        <p:nvSpPr>
+          <p:cNvPr id="10" name="TextBox 9"/>
+          <p:cNvSpPr txBox="1"/>
+          <p:nvPr/>
+        </p:nvSpPr>
+        <p:spPr>
+          <a:xfrm>
+            <a:off x="76200" y="344031"/>
+            <a:ext cx="5486400" cy="2246769"/>
+          </a:xfrm>
+          <a:prstGeom prst="rect">
+            <a:avLst/>
+          </a:prstGeom>
+          <a:noFill/>
+        </p:spPr>
+        <p:txBody>
+          <a:bodyPr wrap="square" rtlCol="0">
+            <a:spAutoFit/>
+          </a:bodyPr>
+          <a:lstStyle/>
+          <a:p>
+            <a:r>
+              <a:rPr lang="en-US" sz="1400" dirty="0" smtClean="0">
+                <a:solidFill>
+                  <a:schemeClr val="bg1">
+                    <a:lumMod val="50000"/>
+                  </a:schemeClr>
+                </a:solidFill>
+              </a:rPr>
+              <a:t>Overview</a:t>
+            </a:r>
+            <a:endParaRPr lang="en-US" sz="1400" dirty="0" smtClean="0">
+              <a:solidFill>
+                <a:schemeClr val="bg1">
+                  <a:lumMod val="50000"/>
+                </a:schemeClr>
+              </a:solidFill>
+            </a:endParaRPr>
+          </a:p>
+          <a:p>
+            <a:endParaRPr lang="en-US" sz="1400" dirty="0" smtClean="0"/>
+          </a:p>
+          <a:p>
+            <a:endParaRPr lang="en-US" sz="1400" dirty="0"/>
+          </a:p>
+          <a:p>
+            <a:endParaRPr lang="en-US" sz="1400" dirty="0" smtClean="0"/>
+          </a:p>
+          <a:p>
+            <a:endParaRPr lang="en-US" sz="1400" dirty="0" smtClean="0"/>
+          </a:p>
+          <a:p>
+            <a:r>
+              <a:rPr lang="en-US" sz="1400" dirty="0" smtClean="0">
+                <a:solidFill>
+                  <a:schemeClr val="bg1"/>
+                </a:solidFill>
+              </a:rPr>
+              <a:t>Status</a:t>
+            </a:r>
+          </a:p>
+          <a:p>
+            <a:r>
+              <a:rPr lang="en-US" sz="1400" dirty="0" smtClean="0">
+                <a:solidFill>
+                  <a:schemeClr val="bg1"/>
+                </a:solidFill>
+              </a:rPr>
+              <a:t>Parts</a:t>
+            </a:r>
+            <a:endParaRPr lang="en-US" sz="1400" dirty="0" smtClean="0">
+              <a:solidFill>
+                <a:schemeClr val="bg1"/>
+              </a:solidFill>
+            </a:endParaRPr>
+          </a:p>
+          <a:p>
+            <a:r>
+              <a:rPr lang="en-US" sz="1400" dirty="0" smtClean="0">
+                <a:solidFill>
+                  <a:schemeClr val="bg1"/>
+                </a:solidFill>
+              </a:rPr>
+              <a:t>Controls</a:t>
+            </a:r>
+            <a:endParaRPr lang="en-US" sz="1400" dirty="0" smtClean="0">
+              <a:solidFill>
+                <a:schemeClr val="bg1"/>
+              </a:solidFill>
+            </a:endParaRPr>
+          </a:p>
+          <a:p>
+            <a:r>
+              <a:rPr lang="en-US" sz="1400" dirty="0" smtClean="0">
+                <a:solidFill>
+                  <a:schemeClr val="bg1"/>
+                </a:solidFill>
+              </a:rPr>
+              <a:t>Modeling</a:t>
+            </a:r>
+          </a:p>
+          <a:p>
+            <a:r>
+              <a:rPr lang="en-US" sz="1400" dirty="0" smtClean="0">
+                <a:solidFill>
+                  <a:schemeClr val="bg1"/>
+                </a:solidFill>
+              </a:rPr>
+              <a:t>Conclusion</a:t>
+            </a:r>
+          </a:p>
+        </p:txBody>
+      </p:sp>
     </p:spTree>
     <p:extLst>
       <p:ext uri="{BB962C8B-B14F-4D97-AF65-F5344CB8AC3E}">
@@ -21788,8 +22267,8 @@
         </p:nvSpPr>
         <p:spPr>
           <a:xfrm>
-            <a:off x="76200" y="344031"/>
-            <a:ext cx="5486400" cy="2031325"/>
+            <a:off x="76200" y="102275"/>
+            <a:ext cx="5486400" cy="2246769"/>
           </a:xfrm>
           <a:prstGeom prst="rect">
             <a:avLst/>
@@ -21810,8 +22289,36 @@
                   </a:schemeClr>
                 </a:solidFill>
               </a:rPr>
-              <a:t>Problem Description</a:t>
-            </a:r>
+              <a:t>Overview</a:t>
+            </a:r>
+            <a:endParaRPr lang="en-US" sz="1400" dirty="0" smtClean="0">
+              <a:solidFill>
+                <a:schemeClr val="bg1">
+                  <a:lumMod val="50000"/>
+                </a:schemeClr>
+              </a:solidFill>
+            </a:endParaRPr>
+          </a:p>
+          <a:p>
+            <a:r>
+              <a:rPr lang="en-US" sz="1400" dirty="0" smtClean="0">
+                <a:solidFill>
+                  <a:schemeClr val="bg1">
+                    <a:lumMod val="50000"/>
+                  </a:schemeClr>
+                </a:solidFill>
+              </a:rPr>
+              <a:t>Project Plan</a:t>
+            </a:r>
+          </a:p>
+          <a:p>
+            <a:endParaRPr lang="en-US" sz="1400" dirty="0" smtClean="0">
+              <a:solidFill>
+                <a:schemeClr val="bg1">
+                  <a:lumMod val="50000"/>
+                </a:schemeClr>
+              </a:solidFill>
+            </a:endParaRPr>
           </a:p>
           <a:p>
             <a:endParaRPr lang="en-US" sz="1400" dirty="0" smtClean="0"/>
@@ -21820,10 +22327,11 @@
             <a:endParaRPr lang="en-US" sz="1400" dirty="0"/>
           </a:p>
           <a:p>
-            <a:endParaRPr lang="en-US" sz="1400" dirty="0" smtClean="0"/>
-          </a:p>
-          <a:p>
-            <a:endParaRPr lang="en-US" sz="1400" dirty="0" smtClean="0"/>
+            <a:endParaRPr lang="en-US" sz="1400" dirty="0" smtClean="0">
+              <a:solidFill>
+                <a:schemeClr val="bg1"/>
+              </a:solidFill>
+            </a:endParaRPr>
           </a:p>
           <a:p>
             <a:r>
@@ -21832,7 +22340,7 @@
                   <a:schemeClr val="bg1"/>
                 </a:solidFill>
               </a:rPr>
-              <a:t>Current Status</a:t>
+              <a:t>Parts</a:t>
             </a:r>
           </a:p>
           <a:p>
@@ -21842,8 +22350,13 @@
                   <a:schemeClr val="bg1"/>
                 </a:solidFill>
               </a:rPr>
-              <a:t>Control Strategies</a:t>
-            </a:r>
+              <a:t>Controls</a:t>
+            </a:r>
+            <a:endParaRPr lang="en-US" sz="1400" dirty="0" smtClean="0">
+              <a:solidFill>
+                <a:schemeClr val="bg1"/>
+              </a:solidFill>
+            </a:endParaRPr>
           </a:p>
           <a:p>
             <a:r>
@@ -21876,7 +22389,7 @@
         <p:spPr>
           <a:xfrm>
             <a:off x="76200" y="772180"/>
-            <a:ext cx="6705600" cy="523220"/>
+            <a:ext cx="5791200" cy="523220"/>
           </a:xfrm>
           <a:prstGeom prst="rect">
             <a:avLst/>
@@ -21891,92 +22404,197 @@
           <a:p>
             <a:r>
               <a:rPr lang="en-US" sz="2800" dirty="0" smtClean="0"/>
-              <a:t>Project Plan – Decision Matrices: Overview</a:t>
+              <a:t>Current Status – Progress</a:t>
             </a:r>
             <a:endParaRPr lang="en-US" sz="2800" dirty="0"/>
           </a:p>
         </p:txBody>
       </p:sp>
-      <p:pic>
-        <p:nvPicPr>
-          <p:cNvPr id="3074" name="Picture 2"/>
-          <p:cNvPicPr>
-            <a:picLocks noChangeAspect="1" noChangeArrowheads="1"/>
-          </p:cNvPicPr>
+      <p:sp>
+        <p:nvSpPr>
+          <p:cNvPr id="6" name="TextBox 5"/>
+          <p:cNvSpPr txBox="1"/>
           <p:nvPr/>
-        </p:nvPicPr>
-        <p:blipFill>
-          <a:blip r:embed="rId4">
-            <a:extLst>
-              <a:ext uri="{28A0092B-C50C-407E-A947-70E740481C1C}">
-                <a14:useLocalDpi xmlns:a14="http://schemas.microsoft.com/office/drawing/2010/main" val="0"/>
-              </a:ext>
-            </a:extLst>
-          </a:blip>
-          <a:srcRect/>
-          <a:stretch>
-            <a:fillRect/>
-          </a:stretch>
-        </p:blipFill>
-        <p:spPr bwMode="auto">
+        </p:nvSpPr>
+        <p:spPr>
           <a:xfrm>
-            <a:off x="1295400" y="2209800"/>
-            <a:ext cx="7289164" cy="3247768"/>
+            <a:off x="1295400" y="2240340"/>
+            <a:ext cx="7391400" cy="1569660"/>
           </a:xfrm>
           <a:prstGeom prst="rect">
             <a:avLst/>
           </a:prstGeom>
           <a:noFill/>
-          <a:ln>
-            <a:noFill/>
-          </a:ln>
-          <a:effectLst/>
-          <a:extLst>
-            <a:ext uri="{909E8E84-426E-40DD-AFC4-6F175D3DCCD1}">
-              <a14:hiddenFill xmlns:a14="http://schemas.microsoft.com/office/drawing/2010/main">
-                <a:solidFill>
-                  <a:schemeClr val="accent1"/>
-                </a:solidFill>
-              </a14:hiddenFill>
-            </a:ext>
-            <a:ext uri="{91240B29-F687-4F45-9708-019B960494DF}">
-              <a14:hiddenLine xmlns:a14="http://schemas.microsoft.com/office/drawing/2010/main" w="9525">
-                <a:solidFill>
-                  <a:schemeClr val="tx1"/>
-                </a:solidFill>
-                <a:miter lim="800000"/>
-                <a:headEnd/>
-                <a:tailEnd/>
-              </a14:hiddenLine>
-            </a:ext>
-            <a:ext uri="{AF507438-7753-43E0-B8FC-AC1667EBCBE1}">
-              <a14:hiddenEffects xmlns:a14="http://schemas.microsoft.com/office/drawing/2010/main">
-                <a:effectLst>
-                  <a:outerShdw dist="35921" dir="2700000" algn="ctr" rotWithShape="0">
-                    <a:schemeClr val="bg2"/>
-                  </a:outerShdw>
-                </a:effectLst>
-              </a14:hiddenEffects>
-            </a:ext>
-          </a:extLst>
         </p:spPr>
-      </p:pic>
+        <p:txBody>
+          <a:bodyPr wrap="square" rtlCol="0">
+            <a:spAutoFit/>
+          </a:bodyPr>
+          <a:lstStyle/>
+          <a:p>
+            <a:r>
+              <a:rPr lang="en-US" sz="2400" dirty="0" smtClean="0"/>
+              <a:t>According to our flow chart, the current tasks are:</a:t>
+            </a:r>
+          </a:p>
+          <a:p>
+            <a:r>
+              <a:rPr lang="en-US" sz="2400" b="1" dirty="0"/>
+              <a:t>	</a:t>
+            </a:r>
+            <a:r>
+              <a:rPr lang="en-US" sz="2400" b="1" dirty="0" smtClean="0"/>
+              <a:t>Interface w/ Sensors</a:t>
+            </a:r>
+          </a:p>
+          <a:p>
+            <a:r>
+              <a:rPr lang="en-US" sz="2400" b="1" dirty="0"/>
+              <a:t>	</a:t>
+            </a:r>
+            <a:r>
+              <a:rPr lang="en-US" sz="2400" b="1" dirty="0" smtClean="0"/>
+              <a:t>Unit Testing</a:t>
+            </a:r>
+          </a:p>
+          <a:p>
+            <a:r>
+              <a:rPr lang="en-US" sz="2400" b="1" dirty="0"/>
+              <a:t>	</a:t>
+            </a:r>
+            <a:r>
+              <a:rPr lang="en-US" sz="2400" b="1" dirty="0" smtClean="0"/>
+              <a:t>Receive Parts</a:t>
+            </a:r>
+            <a:endParaRPr lang="en-US" sz="2400" b="1" dirty="0"/>
+          </a:p>
+        </p:txBody>
+      </p:sp>
+      <p:sp>
+        <p:nvSpPr>
+          <p:cNvPr id="18" name="TextBox 17"/>
+          <p:cNvSpPr txBox="1"/>
+          <p:nvPr/>
+        </p:nvSpPr>
+        <p:spPr>
+          <a:xfrm>
+            <a:off x="1295400" y="4572000"/>
+            <a:ext cx="7391400" cy="1200329"/>
+          </a:xfrm>
+          <a:prstGeom prst="rect">
+            <a:avLst/>
+          </a:prstGeom>
+          <a:noFill/>
+        </p:spPr>
+        <p:txBody>
+          <a:bodyPr wrap="square" rtlCol="0">
+            <a:spAutoFit/>
+          </a:bodyPr>
+          <a:lstStyle/>
+          <a:p>
+            <a:r>
+              <a:rPr lang="en-US" sz="2400" dirty="0" smtClean="0"/>
+              <a:t>Our parts arrived just before fall break, and we are currently in the process of interfacing with them and testing with the systems we have been exploring</a:t>
+            </a:r>
+            <a:endParaRPr lang="en-US" sz="2400" b="1" dirty="0"/>
+          </a:p>
+        </p:txBody>
+      </p:sp>
     </p:spTree>
     <p:extLst>
       <p:ext uri="{BB962C8B-B14F-4D97-AF65-F5344CB8AC3E}">
-        <p14:creationId xmlns:p14="http://schemas.microsoft.com/office/powerpoint/2010/main" val="3876214192"/>
+        <p14:creationId xmlns:p14="http://schemas.microsoft.com/office/powerpoint/2010/main" val="3003035905"/>
       </p:ext>
     </p:extLst>
   </p:cSld>
   <p:clrMapOvr>
     <a:masterClrMapping/>
   </p:clrMapOvr>
+  <mc:AlternateContent xmlns:mc="http://schemas.openxmlformats.org/markup-compatibility/2006" xmlns:p14="http://schemas.microsoft.com/office/powerpoint/2010/main">
+    <mc:Choice Requires="p14">
+      <p:transition spd="slow" p14:dur="2000"/>
+    </mc:Choice>
+    <mc:Fallback xmlns="">
+      <p:transition spd="slow"/>
+    </mc:Fallback>
+  </mc:AlternateContent>
   <p:timing>
     <p:tnLst>
       <p:par>
-        <p:cTn id="1" dur="indefinite" restart="never" nodeType="tmRoot"/>
+        <p:cTn id="1" dur="indefinite" restart="never" nodeType="tmRoot">
+          <p:childTnLst>
+            <p:seq concurrent="1" nextAc="seek">
+              <p:cTn id="2" dur="indefinite" nodeType="mainSeq">
+                <p:childTnLst>
+                  <p:par>
+                    <p:cTn id="3" fill="hold">
+                      <p:stCondLst>
+                        <p:cond delay="indefinite"/>
+                      </p:stCondLst>
+                      <p:childTnLst>
+                        <p:par>
+                          <p:cTn id="4" fill="hold">
+                            <p:stCondLst>
+                              <p:cond delay="0"/>
+                            </p:stCondLst>
+                            <p:childTnLst>
+                              <p:par>
+                                <p:cTn id="5" presetID="1" presetClass="entr" presetSubtype="0" fill="hold" grpId="0" nodeType="clickEffect">
+                                  <p:stCondLst>
+                                    <p:cond delay="0"/>
+                                  </p:stCondLst>
+                                  <p:childTnLst>
+                                    <p:set>
+                                      <p:cBhvr>
+                                        <p:cTn id="6" dur="1" fill="hold">
+                                          <p:stCondLst>
+                                            <p:cond delay="0"/>
+                                          </p:stCondLst>
+                                        </p:cTn>
+                                        <p:tgtEl>
+                                          <p:spTgt spid="18"/>
+                                        </p:tgtEl>
+                                        <p:attrNameLst>
+                                          <p:attrName>style.visibility</p:attrName>
+                                        </p:attrNameLst>
+                                      </p:cBhvr>
+                                      <p:to>
+                                        <p:strVal val="visible"/>
+                                      </p:to>
+                                    </p:set>
+                                  </p:childTnLst>
+                                </p:cTn>
+                              </p:par>
+                            </p:childTnLst>
+                          </p:cTn>
+                        </p:par>
+                      </p:childTnLst>
+                    </p:cTn>
+                  </p:par>
+                </p:childTnLst>
+              </p:cTn>
+              <p:prevCondLst>
+                <p:cond evt="onPrev" delay="0">
+                  <p:tgtEl>
+                    <p:sldTgt/>
+                  </p:tgtEl>
+                </p:cond>
+              </p:prevCondLst>
+              <p:nextCondLst>
+                <p:cond evt="onNext" delay="0">
+                  <p:tgtEl>
+                    <p:sldTgt/>
+                  </p:tgtEl>
+                </p:cond>
+              </p:nextCondLst>
+            </p:seq>
+          </p:childTnLst>
+        </p:cTn>
       </p:par>
     </p:tnLst>
+    <p:bldLst>
+      <p:bldP spid="18" grpId="0"/>
+    </p:bldLst>
   </p:timing>
 </p:sld>
 </file>
@@ -22122,14 +22740,14 @@
       </p:sp>
       <p:sp>
         <p:nvSpPr>
-          <p:cNvPr id="9" name="TextBox 8"/>
+          <p:cNvPr id="4" name="TextBox 3"/>
           <p:cNvSpPr txBox="1"/>
           <p:nvPr/>
         </p:nvSpPr>
         <p:spPr>
           <a:xfrm>
-            <a:off x="76200" y="344031"/>
-            <a:ext cx="5486400" cy="2031325"/>
+            <a:off x="76200" y="772180"/>
+            <a:ext cx="5791200" cy="523220"/>
           </a:xfrm>
           <a:prstGeom prst="rect">
             <a:avLst/>
@@ -22143,80 +22761,491 @@
           <a:lstStyle/>
           <a:p>
             <a:r>
-              <a:rPr lang="en-US" sz="1400" dirty="0" smtClean="0">
-                <a:solidFill>
-                  <a:schemeClr val="bg1">
-                    <a:lumMod val="50000"/>
-                  </a:schemeClr>
-                </a:solidFill>
-              </a:rPr>
-              <a:t>Problem Description</a:t>
-            </a:r>
-          </a:p>
-          <a:p>
-            <a:endParaRPr lang="en-US" sz="1400" dirty="0" smtClean="0"/>
-          </a:p>
-          <a:p>
-            <a:endParaRPr lang="en-US" sz="1400" dirty="0"/>
-          </a:p>
-          <a:p>
-            <a:endParaRPr lang="en-US" sz="1400" dirty="0" smtClean="0"/>
-          </a:p>
-          <a:p>
-            <a:endParaRPr lang="en-US" sz="1400" dirty="0" smtClean="0"/>
-          </a:p>
-          <a:p>
-            <a:r>
-              <a:rPr lang="en-US" sz="1400" dirty="0" smtClean="0">
-                <a:solidFill>
-                  <a:schemeClr val="bg1"/>
-                </a:solidFill>
-              </a:rPr>
-              <a:t>Current Status</a:t>
-            </a:r>
-          </a:p>
-          <a:p>
-            <a:r>
-              <a:rPr lang="en-US" sz="1400" dirty="0" smtClean="0">
-                <a:solidFill>
-                  <a:schemeClr val="bg1"/>
-                </a:solidFill>
-              </a:rPr>
-              <a:t>Control Strategies</a:t>
-            </a:r>
-          </a:p>
-          <a:p>
-            <a:r>
-              <a:rPr lang="en-US" sz="1400" dirty="0" smtClean="0">
-                <a:solidFill>
-                  <a:schemeClr val="bg1"/>
-                </a:solidFill>
-              </a:rPr>
-              <a:t>Modeling</a:t>
-            </a:r>
-          </a:p>
-          <a:p>
-            <a:r>
-              <a:rPr lang="en-US" sz="1400" dirty="0" smtClean="0">
-                <a:solidFill>
-                  <a:schemeClr val="bg1"/>
-                </a:solidFill>
-              </a:rPr>
-              <a:t>Conclusion</a:t>
-            </a:r>
+              <a:rPr lang="en-US" sz="2800" dirty="0" smtClean="0"/>
+              <a:t>Current Status – Team Progress</a:t>
+            </a:r>
+            <a:endParaRPr lang="en-US" sz="2800" dirty="0"/>
           </a:p>
         </p:txBody>
       </p:sp>
+      <p:grpSp>
+        <p:nvGrpSpPr>
+          <p:cNvPr id="3" name="Group 2"/>
+          <p:cNvGrpSpPr/>
+          <p:nvPr/>
+        </p:nvGrpSpPr>
+        <p:grpSpPr>
+          <a:xfrm>
+            <a:off x="1295400" y="1524000"/>
+            <a:ext cx="7391400" cy="1680865"/>
+            <a:chOff x="1295400" y="1600200"/>
+            <a:chExt cx="7391400" cy="1680865"/>
+          </a:xfrm>
+        </p:grpSpPr>
+        <p:grpSp>
+          <p:nvGrpSpPr>
+            <p:cNvPr id="2" name="Group 1"/>
+            <p:cNvGrpSpPr/>
+            <p:nvPr/>
+          </p:nvGrpSpPr>
+          <p:grpSpPr>
+            <a:xfrm>
+              <a:off x="1295400" y="1600200"/>
+              <a:ext cx="7391400" cy="1376065"/>
+              <a:chOff x="1295400" y="2052935"/>
+              <a:chExt cx="7391400" cy="1376065"/>
+            </a:xfrm>
+          </p:grpSpPr>
+          <p:sp>
+            <p:nvSpPr>
+              <p:cNvPr id="6" name="TextBox 5"/>
+              <p:cNvSpPr txBox="1"/>
+              <p:nvPr/>
+            </p:nvSpPr>
+            <p:spPr>
+              <a:xfrm>
+                <a:off x="1295400" y="2052935"/>
+                <a:ext cx="7391400" cy="461665"/>
+              </a:xfrm>
+              <a:prstGeom prst="rect">
+                <a:avLst/>
+              </a:prstGeom>
+              <a:noFill/>
+            </p:spPr>
+            <p:txBody>
+              <a:bodyPr wrap="square" rtlCol="0">
+                <a:spAutoFit/>
+              </a:bodyPr>
+              <a:lstStyle/>
+              <a:p>
+                <a:r>
+                  <a:rPr lang="en-US" sz="2400" dirty="0" smtClean="0"/>
+                  <a:t>Hours spent on project as of 10/15/2012:	</a:t>
+                </a:r>
+                <a:r>
+                  <a:rPr lang="en-US" sz="2400" b="1" dirty="0" smtClean="0"/>
+                  <a:t>165</a:t>
+                </a:r>
+                <a:endParaRPr lang="en-US" sz="2400" b="1" dirty="0"/>
+              </a:p>
+            </p:txBody>
+          </p:sp>
+          <p:sp>
+            <p:nvSpPr>
+              <p:cNvPr id="11" name="TextBox 10"/>
+              <p:cNvSpPr txBox="1"/>
+              <p:nvPr/>
+            </p:nvSpPr>
+            <p:spPr>
+              <a:xfrm>
+                <a:off x="1295400" y="2357735"/>
+                <a:ext cx="7391400" cy="461665"/>
+              </a:xfrm>
+              <a:prstGeom prst="rect">
+                <a:avLst/>
+              </a:prstGeom>
+              <a:noFill/>
+            </p:spPr>
+            <p:txBody>
+              <a:bodyPr wrap="square" rtlCol="0">
+                <a:spAutoFit/>
+              </a:bodyPr>
+              <a:lstStyle/>
+              <a:p>
+                <a:r>
+                  <a:rPr lang="en-US" sz="2400" dirty="0" smtClean="0"/>
+                  <a:t>	Spencer Carver:			  34</a:t>
+                </a:r>
+                <a:endParaRPr lang="en-US" sz="2400" dirty="0"/>
+              </a:p>
+            </p:txBody>
+          </p:sp>
+          <p:sp>
+            <p:nvSpPr>
+              <p:cNvPr id="15" name="TextBox 14"/>
+              <p:cNvSpPr txBox="1"/>
+              <p:nvPr/>
+            </p:nvSpPr>
+            <p:spPr>
+              <a:xfrm>
+                <a:off x="1295400" y="2662535"/>
+                <a:ext cx="7391400" cy="461665"/>
+              </a:xfrm>
+              <a:prstGeom prst="rect">
+                <a:avLst/>
+              </a:prstGeom>
+              <a:noFill/>
+            </p:spPr>
+            <p:txBody>
+              <a:bodyPr wrap="square" rtlCol="0">
+                <a:spAutoFit/>
+              </a:bodyPr>
+              <a:lstStyle/>
+              <a:p>
+                <a:r>
+                  <a:rPr lang="en-US" sz="2400" dirty="0" smtClean="0"/>
+                  <a:t>	Kevin Collins:				  40</a:t>
+                </a:r>
+                <a:endParaRPr lang="en-US" sz="2400" dirty="0"/>
+              </a:p>
+            </p:txBody>
+          </p:sp>
+          <p:sp>
+            <p:nvSpPr>
+              <p:cNvPr id="16" name="TextBox 15"/>
+              <p:cNvSpPr txBox="1"/>
+              <p:nvPr/>
+            </p:nvSpPr>
+            <p:spPr>
+              <a:xfrm>
+                <a:off x="1295400" y="2967335"/>
+                <a:ext cx="7391400" cy="461665"/>
+              </a:xfrm>
+              <a:prstGeom prst="rect">
+                <a:avLst/>
+              </a:prstGeom>
+              <a:noFill/>
+            </p:spPr>
+            <p:txBody>
+              <a:bodyPr wrap="square" rtlCol="0">
+                <a:spAutoFit/>
+              </a:bodyPr>
+              <a:lstStyle/>
+              <a:p>
+                <a:r>
+                  <a:rPr lang="en-US" sz="2400" dirty="0" smtClean="0"/>
+                  <a:t>	Ander Solorzano:		</a:t>
+                </a:r>
+                <a:r>
+                  <a:rPr lang="en-US" sz="2400" dirty="0"/>
+                  <a:t> </a:t>
+                </a:r>
+                <a:r>
+                  <a:rPr lang="en-US" sz="2400" dirty="0" smtClean="0"/>
+                  <a:t>           37.5</a:t>
+                </a:r>
+                <a:endParaRPr lang="en-US" sz="2400" dirty="0"/>
+              </a:p>
+            </p:txBody>
+          </p:sp>
+        </p:grpSp>
+        <p:sp>
+          <p:nvSpPr>
+            <p:cNvPr id="17" name="TextBox 16"/>
+            <p:cNvSpPr txBox="1"/>
+            <p:nvPr/>
+          </p:nvSpPr>
+          <p:spPr>
+            <a:xfrm>
+              <a:off x="1295400" y="2819400"/>
+              <a:ext cx="7391400" cy="461665"/>
+            </a:xfrm>
+            <a:prstGeom prst="rect">
+              <a:avLst/>
+            </a:prstGeom>
+            <a:noFill/>
+          </p:spPr>
+          <p:txBody>
+            <a:bodyPr wrap="square" rtlCol="0">
+              <a:spAutoFit/>
+            </a:bodyPr>
+            <a:lstStyle/>
+            <a:p>
+              <a:r>
+                <a:rPr lang="en-US" sz="2400" dirty="0" smtClean="0"/>
+                <a:t>	Ruffin White-Magner:		</a:t>
+              </a:r>
+              <a:r>
+                <a:rPr lang="en-US" sz="2400" dirty="0"/>
+                <a:t> </a:t>
+              </a:r>
+              <a:r>
+                <a:rPr lang="en-US" sz="2400" dirty="0" smtClean="0"/>
+                <a:t>           53.5</a:t>
+              </a:r>
+              <a:endParaRPr lang="en-US" sz="2400" dirty="0"/>
+            </a:p>
+          </p:txBody>
+        </p:sp>
+      </p:grpSp>
+      <p:grpSp>
+        <p:nvGrpSpPr>
+          <p:cNvPr id="7" name="Group 6"/>
+          <p:cNvGrpSpPr/>
+          <p:nvPr/>
+        </p:nvGrpSpPr>
+        <p:grpSpPr>
+          <a:xfrm>
+            <a:off x="1295400" y="3352800"/>
+            <a:ext cx="7696200" cy="1219200"/>
+            <a:chOff x="1295400" y="3733800"/>
+            <a:chExt cx="7696200" cy="1219200"/>
+          </a:xfrm>
+        </p:grpSpPr>
+        <p:sp>
+          <p:nvSpPr>
+            <p:cNvPr id="12" name="TextBox 11"/>
+            <p:cNvSpPr txBox="1"/>
+            <p:nvPr/>
+          </p:nvSpPr>
+          <p:spPr>
+            <a:xfrm>
+              <a:off x="1295400" y="3733800"/>
+              <a:ext cx="7391400" cy="461665"/>
+            </a:xfrm>
+            <a:prstGeom prst="rect">
+              <a:avLst/>
+            </a:prstGeom>
+            <a:noFill/>
+          </p:spPr>
+          <p:txBody>
+            <a:bodyPr wrap="square" rtlCol="0">
+              <a:spAutoFit/>
+            </a:bodyPr>
+            <a:lstStyle/>
+            <a:p>
+              <a:r>
+                <a:rPr lang="en-US" sz="2400" u="sng" dirty="0" smtClean="0"/>
+                <a:t>Tasks Recently Completed</a:t>
+              </a:r>
+              <a:r>
+                <a:rPr lang="en-US" sz="2400" dirty="0" smtClean="0"/>
+                <a:t>:</a:t>
+              </a:r>
+              <a:endParaRPr lang="en-US" sz="2400" b="1" dirty="0"/>
+            </a:p>
+          </p:txBody>
+        </p:sp>
+        <p:sp>
+          <p:nvSpPr>
+            <p:cNvPr id="13" name="TextBox 12"/>
+            <p:cNvSpPr txBox="1"/>
+            <p:nvPr/>
+          </p:nvSpPr>
+          <p:spPr>
+            <a:xfrm>
+              <a:off x="1295400" y="4114800"/>
+              <a:ext cx="7696200" cy="461665"/>
+            </a:xfrm>
+            <a:prstGeom prst="rect">
+              <a:avLst/>
+            </a:prstGeom>
+            <a:noFill/>
+          </p:spPr>
+          <p:txBody>
+            <a:bodyPr wrap="square" rtlCol="0">
+              <a:spAutoFit/>
+            </a:bodyPr>
+            <a:lstStyle/>
+            <a:p>
+              <a:r>
+                <a:rPr lang="en-US" sz="2400" b="1" dirty="0" smtClean="0"/>
+                <a:t>Mechanical Model </a:t>
+              </a:r>
+              <a:r>
+                <a:rPr lang="en-US" sz="2400" dirty="0" smtClean="0"/>
+                <a:t>– Kevin Collins &amp; Ruffin White-Magner</a:t>
+              </a:r>
+              <a:endParaRPr lang="en-US" sz="2400" b="1" dirty="0"/>
+            </a:p>
+          </p:txBody>
+        </p:sp>
+        <p:sp>
+          <p:nvSpPr>
+            <p:cNvPr id="20" name="TextBox 19"/>
+            <p:cNvSpPr txBox="1"/>
+            <p:nvPr/>
+          </p:nvSpPr>
+          <p:spPr>
+            <a:xfrm>
+              <a:off x="1295400" y="4491335"/>
+              <a:ext cx="7696200" cy="461665"/>
+            </a:xfrm>
+            <a:prstGeom prst="rect">
+              <a:avLst/>
+            </a:prstGeom>
+            <a:noFill/>
+          </p:spPr>
+          <p:txBody>
+            <a:bodyPr wrap="square" rtlCol="0">
+              <a:spAutoFit/>
+            </a:bodyPr>
+            <a:lstStyle/>
+            <a:p>
+              <a:r>
+                <a:rPr lang="en-US" sz="2400" b="1" dirty="0" smtClean="0"/>
+                <a:t>Receive Parts</a:t>
+              </a:r>
+              <a:r>
+                <a:rPr lang="en-US" sz="2400" dirty="0" smtClean="0"/>
+                <a:t>– Ander Solorzano</a:t>
+              </a:r>
+              <a:endParaRPr lang="en-US" sz="2400" b="1" dirty="0"/>
+            </a:p>
+          </p:txBody>
+        </p:sp>
+      </p:grpSp>
+      <p:grpSp>
+        <p:nvGrpSpPr>
+          <p:cNvPr id="10" name="Group 9"/>
+          <p:cNvGrpSpPr/>
+          <p:nvPr/>
+        </p:nvGrpSpPr>
+        <p:grpSpPr>
+          <a:xfrm>
+            <a:off x="1295400" y="4724400"/>
+            <a:ext cx="7696200" cy="1985665"/>
+            <a:chOff x="1295400" y="4872335"/>
+            <a:chExt cx="7696200" cy="1985665"/>
+          </a:xfrm>
+        </p:grpSpPr>
+        <p:sp>
+          <p:nvSpPr>
+            <p:cNvPr id="18" name="TextBox 17"/>
+            <p:cNvSpPr txBox="1"/>
+            <p:nvPr/>
+          </p:nvSpPr>
+          <p:spPr>
+            <a:xfrm>
+              <a:off x="1295400" y="5253335"/>
+              <a:ext cx="7696200" cy="461665"/>
+            </a:xfrm>
+            <a:prstGeom prst="rect">
+              <a:avLst/>
+            </a:prstGeom>
+            <a:noFill/>
+          </p:spPr>
+          <p:txBody>
+            <a:bodyPr wrap="square" rtlCol="0">
+              <a:spAutoFit/>
+            </a:bodyPr>
+            <a:lstStyle/>
+            <a:p>
+              <a:r>
+                <a:rPr lang="en-US" sz="2400" b="1" dirty="0" smtClean="0"/>
+                <a:t>Simulation </a:t>
+              </a:r>
+              <a:r>
+                <a:rPr lang="en-US" sz="2400" dirty="0" smtClean="0"/>
+                <a:t>– Kevin Collins &amp; Ruffin White-Magner</a:t>
+              </a:r>
+              <a:endParaRPr lang="en-US" sz="2400" b="1" dirty="0"/>
+            </a:p>
+          </p:txBody>
+        </p:sp>
+        <p:sp>
+          <p:nvSpPr>
+            <p:cNvPr id="19" name="TextBox 18"/>
+            <p:cNvSpPr txBox="1"/>
+            <p:nvPr/>
+          </p:nvSpPr>
+          <p:spPr>
+            <a:xfrm>
+              <a:off x="1295400" y="4872335"/>
+              <a:ext cx="7391400" cy="461665"/>
+            </a:xfrm>
+            <a:prstGeom prst="rect">
+              <a:avLst/>
+            </a:prstGeom>
+            <a:noFill/>
+          </p:spPr>
+          <p:txBody>
+            <a:bodyPr wrap="square" rtlCol="0">
+              <a:spAutoFit/>
+            </a:bodyPr>
+            <a:lstStyle/>
+            <a:p>
+              <a:r>
+                <a:rPr lang="en-US" sz="2400" u="sng" dirty="0" smtClean="0"/>
+                <a:t>Tasks Currently In Progress</a:t>
+              </a:r>
+              <a:r>
+                <a:rPr lang="en-US" sz="2400" dirty="0" smtClean="0"/>
+                <a:t>:</a:t>
+              </a:r>
+              <a:endParaRPr lang="en-US" sz="2400" b="1" dirty="0"/>
+            </a:p>
+          </p:txBody>
+        </p:sp>
+        <p:sp>
+          <p:nvSpPr>
+            <p:cNvPr id="21" name="TextBox 20"/>
+            <p:cNvSpPr txBox="1"/>
+            <p:nvPr/>
+          </p:nvSpPr>
+          <p:spPr>
+            <a:xfrm>
+              <a:off x="1295400" y="6396335"/>
+              <a:ext cx="7696200" cy="461665"/>
+            </a:xfrm>
+            <a:prstGeom prst="rect">
+              <a:avLst/>
+            </a:prstGeom>
+            <a:noFill/>
+          </p:spPr>
+          <p:txBody>
+            <a:bodyPr wrap="square" rtlCol="0">
+              <a:spAutoFit/>
+            </a:bodyPr>
+            <a:lstStyle/>
+            <a:p>
+              <a:r>
+                <a:rPr lang="en-US" sz="2400" b="1" dirty="0" smtClean="0"/>
+                <a:t>Research Real-Time VIs </a:t>
+              </a:r>
+              <a:r>
+                <a:rPr lang="en-US" sz="2400" dirty="0" smtClean="0"/>
+                <a:t>– Spencer Carver &amp; Ander Solorzano</a:t>
+              </a:r>
+              <a:endParaRPr lang="en-US" sz="2400" b="1" dirty="0"/>
+            </a:p>
+          </p:txBody>
+        </p:sp>
+        <p:sp>
+          <p:nvSpPr>
+            <p:cNvPr id="22" name="TextBox 21"/>
+            <p:cNvSpPr txBox="1"/>
+            <p:nvPr/>
+          </p:nvSpPr>
+          <p:spPr>
+            <a:xfrm>
+              <a:off x="1295400" y="5634335"/>
+              <a:ext cx="7696200" cy="830997"/>
+            </a:xfrm>
+            <a:prstGeom prst="rect">
+              <a:avLst/>
+            </a:prstGeom>
+            <a:noFill/>
+          </p:spPr>
+          <p:txBody>
+            <a:bodyPr wrap="square" rtlCol="0">
+              <a:spAutoFit/>
+            </a:bodyPr>
+            <a:lstStyle/>
+            <a:p>
+              <a:r>
+                <a:rPr lang="en-US" sz="2400" b="1" dirty="0" smtClean="0"/>
+                <a:t>Interface w/ Sensors </a:t>
+              </a:r>
+              <a:r>
+                <a:rPr lang="en-US" sz="2400" dirty="0" smtClean="0"/>
+                <a:t>– Spencer Carver, Ander Solorzano, &amp; Ruffin White-Magner</a:t>
+              </a:r>
+              <a:endParaRPr lang="en-US" sz="2400" b="1" dirty="0"/>
+            </a:p>
+          </p:txBody>
+        </p:sp>
+      </p:grpSp>
       <p:sp>
         <p:nvSpPr>
-          <p:cNvPr id="4" name="TextBox 3"/>
+          <p:cNvPr id="23" name="TextBox 22"/>
           <p:cNvSpPr txBox="1"/>
           <p:nvPr/>
         </p:nvSpPr>
         <p:spPr>
           <a:xfrm>
-            <a:off x="76200" y="772180"/>
-            <a:ext cx="6477000" cy="523220"/>
+            <a:off x="76200" y="102275"/>
+            <a:ext cx="5486400" cy="2246769"/>
           </a:xfrm>
           <a:prstGeom prst="rect">
             <a:avLst/>
@@ -22230,91 +23259,239 @@
           <a:lstStyle/>
           <a:p>
             <a:r>
-              <a:rPr lang="en-US" sz="2800" dirty="0" smtClean="0"/>
-              <a:t>Project Plan – Decision Matrices: Weights</a:t>
-            </a:r>
-            <a:endParaRPr lang="en-US" sz="2800" dirty="0"/>
+              <a:rPr lang="en-US" sz="1400" dirty="0" smtClean="0">
+                <a:solidFill>
+                  <a:schemeClr val="bg1">
+                    <a:lumMod val="50000"/>
+                  </a:schemeClr>
+                </a:solidFill>
+              </a:rPr>
+              <a:t>Overview</a:t>
+            </a:r>
+            <a:endParaRPr lang="en-US" sz="1400" dirty="0" smtClean="0">
+              <a:solidFill>
+                <a:schemeClr val="bg1">
+                  <a:lumMod val="50000"/>
+                </a:schemeClr>
+              </a:solidFill>
+            </a:endParaRPr>
+          </a:p>
+          <a:p>
+            <a:r>
+              <a:rPr lang="en-US" sz="1400" dirty="0" smtClean="0">
+                <a:solidFill>
+                  <a:schemeClr val="bg1">
+                    <a:lumMod val="50000"/>
+                  </a:schemeClr>
+                </a:solidFill>
+              </a:rPr>
+              <a:t>Project Plan</a:t>
+            </a:r>
+          </a:p>
+          <a:p>
+            <a:endParaRPr lang="en-US" sz="1400" dirty="0" smtClean="0">
+              <a:solidFill>
+                <a:schemeClr val="bg1">
+                  <a:lumMod val="50000"/>
+                </a:schemeClr>
+              </a:solidFill>
+            </a:endParaRPr>
+          </a:p>
+          <a:p>
+            <a:endParaRPr lang="en-US" sz="1400" dirty="0" smtClean="0"/>
+          </a:p>
+          <a:p>
+            <a:endParaRPr lang="en-US" sz="1400" dirty="0"/>
+          </a:p>
+          <a:p>
+            <a:endParaRPr lang="en-US" sz="1400" dirty="0" smtClean="0">
+              <a:solidFill>
+                <a:schemeClr val="bg1"/>
+              </a:solidFill>
+            </a:endParaRPr>
+          </a:p>
+          <a:p>
+            <a:r>
+              <a:rPr lang="en-US" sz="1400" dirty="0" smtClean="0">
+                <a:solidFill>
+                  <a:schemeClr val="bg1"/>
+                </a:solidFill>
+              </a:rPr>
+              <a:t>Parts</a:t>
+            </a:r>
+          </a:p>
+          <a:p>
+            <a:r>
+              <a:rPr lang="en-US" sz="1400" dirty="0" smtClean="0">
+                <a:solidFill>
+                  <a:schemeClr val="bg1"/>
+                </a:solidFill>
+              </a:rPr>
+              <a:t>Controls</a:t>
+            </a:r>
+            <a:endParaRPr lang="en-US" sz="1400" dirty="0" smtClean="0">
+              <a:solidFill>
+                <a:schemeClr val="bg1"/>
+              </a:solidFill>
+            </a:endParaRPr>
+          </a:p>
+          <a:p>
+            <a:r>
+              <a:rPr lang="en-US" sz="1400" dirty="0" smtClean="0">
+                <a:solidFill>
+                  <a:schemeClr val="bg1"/>
+                </a:solidFill>
+              </a:rPr>
+              <a:t>Modeling</a:t>
+            </a:r>
+          </a:p>
+          <a:p>
+            <a:r>
+              <a:rPr lang="en-US" sz="1400" dirty="0" smtClean="0">
+                <a:solidFill>
+                  <a:schemeClr val="bg1"/>
+                </a:solidFill>
+              </a:rPr>
+              <a:t>Conclusion</a:t>
+            </a:r>
           </a:p>
         </p:txBody>
       </p:sp>
-      <p:pic>
-        <p:nvPicPr>
-          <p:cNvPr id="7" name="Picture 3"/>
-          <p:cNvPicPr>
-            <a:picLocks noChangeAspect="1" noChangeArrowheads="1"/>
-          </p:cNvPicPr>
-          <p:nvPr/>
-        </p:nvPicPr>
-        <p:blipFill>
-          <a:blip r:embed="rId4">
-            <a:extLst>
-              <a:ext uri="{28A0092B-C50C-407E-A947-70E740481C1C}">
-                <a14:useLocalDpi xmlns:a14="http://schemas.microsoft.com/office/drawing/2010/main" val="0"/>
-              </a:ext>
-            </a:extLst>
-          </a:blip>
-          <a:srcRect/>
-          <a:stretch>
-            <a:fillRect/>
-          </a:stretch>
-        </p:blipFill>
-        <p:spPr bwMode="auto">
-          <a:xfrm>
-            <a:off x="1396313" y="2057400"/>
-            <a:ext cx="7249539" cy="3862645"/>
-          </a:xfrm>
-          <a:prstGeom prst="rect">
-            <a:avLst/>
-          </a:prstGeom>
-          <a:noFill/>
-          <a:ln>
-            <a:noFill/>
-          </a:ln>
-          <a:effectLst/>
-          <a:extLst>
-            <a:ext uri="{909E8E84-426E-40DD-AFC4-6F175D3DCCD1}">
-              <a14:hiddenFill xmlns:a14="http://schemas.microsoft.com/office/drawing/2010/main">
-                <a:solidFill>
-                  <a:schemeClr val="accent1"/>
-                </a:solidFill>
-              </a14:hiddenFill>
-            </a:ext>
-            <a:ext uri="{91240B29-F687-4F45-9708-019B960494DF}">
-              <a14:hiddenLine xmlns:a14="http://schemas.microsoft.com/office/drawing/2010/main" w="9525">
-                <a:solidFill>
-                  <a:schemeClr val="tx1"/>
-                </a:solidFill>
-                <a:miter lim="800000"/>
-                <a:headEnd/>
-                <a:tailEnd/>
-              </a14:hiddenLine>
-            </a:ext>
-            <a:ext uri="{AF507438-7753-43E0-B8FC-AC1667EBCBE1}">
-              <a14:hiddenEffects xmlns:a14="http://schemas.microsoft.com/office/drawing/2010/main">
-                <a:effectLst>
-                  <a:outerShdw dist="35921" dir="2700000" algn="ctr" rotWithShape="0">
-                    <a:schemeClr val="bg2"/>
-                  </a:outerShdw>
-                </a:effectLst>
-              </a14:hiddenEffects>
-            </a:ext>
-          </a:extLst>
-        </p:spPr>
-      </p:pic>
     </p:spTree>
     <p:extLst>
       <p:ext uri="{BB962C8B-B14F-4D97-AF65-F5344CB8AC3E}">
-        <p14:creationId xmlns:p14="http://schemas.microsoft.com/office/powerpoint/2010/main" val="3755032368"/>
+        <p14:creationId xmlns:p14="http://schemas.microsoft.com/office/powerpoint/2010/main" val="2196313707"/>
       </p:ext>
     </p:extLst>
   </p:cSld>
   <p:clrMapOvr>
     <a:masterClrMapping/>
   </p:clrMapOvr>
+  <mc:AlternateContent xmlns:mc="http://schemas.openxmlformats.org/markup-compatibility/2006" xmlns:p14="http://schemas.microsoft.com/office/powerpoint/2010/main">
+    <mc:Choice Requires="p14">
+      <p:transition spd="slow" p14:dur="2000"/>
+    </mc:Choice>
+    <mc:Fallback xmlns="">
+      <p:transition spd="slow"/>
+    </mc:Fallback>
+  </mc:AlternateContent>
   <p:timing>
     <p:tnLst>
       <p:par>
-        <p:cTn id="1" dur="indefinite" restart="never" nodeType="tmRoot"/>
+        <p:cTn id="1" dur="indefinite" restart="never" nodeType="tmRoot">
+          <p:childTnLst>
+            <p:seq concurrent="1" nextAc="seek">
+              <p:cTn id="2" dur="indefinite" nodeType="mainSeq">
+                <p:childTnLst>
+                  <p:par>
+                    <p:cTn id="3" fill="hold">
+                      <p:stCondLst>
+                        <p:cond delay="indefinite"/>
+                      </p:stCondLst>
+                      <p:childTnLst>
+                        <p:par>
+                          <p:cTn id="4" fill="hold">
+                            <p:stCondLst>
+                              <p:cond delay="0"/>
+                            </p:stCondLst>
+                            <p:childTnLst>
+                              <p:par>
+                                <p:cTn id="5" presetID="1" presetClass="entr" presetSubtype="0" fill="hold" nodeType="clickEffect">
+                                  <p:stCondLst>
+                                    <p:cond delay="0"/>
+                                  </p:stCondLst>
+                                  <p:childTnLst>
+                                    <p:set>
+                                      <p:cBhvr>
+                                        <p:cTn id="6" dur="1" fill="hold">
+                                          <p:stCondLst>
+                                            <p:cond delay="0"/>
+                                          </p:stCondLst>
+                                        </p:cTn>
+                                        <p:tgtEl>
+                                          <p:spTgt spid="7"/>
+                                        </p:tgtEl>
+                                        <p:attrNameLst>
+                                          <p:attrName>style.visibility</p:attrName>
+                                        </p:attrNameLst>
+                                      </p:cBhvr>
+                                      <p:to>
+                                        <p:strVal val="visible"/>
+                                      </p:to>
+                                    </p:set>
+                                  </p:childTnLst>
+                                </p:cTn>
+                              </p:par>
+                            </p:childTnLst>
+                          </p:cTn>
+                        </p:par>
+                      </p:childTnLst>
+                    </p:cTn>
+                  </p:par>
+                  <p:par>
+                    <p:cTn id="7" fill="hold">
+                      <p:stCondLst>
+                        <p:cond delay="indefinite"/>
+                      </p:stCondLst>
+                      <p:childTnLst>
+                        <p:par>
+                          <p:cTn id="8" fill="hold">
+                            <p:stCondLst>
+                              <p:cond delay="0"/>
+                            </p:stCondLst>
+                            <p:childTnLst>
+                              <p:par>
+                                <p:cTn id="9" presetID="1" presetClass="entr" presetSubtype="0" fill="hold" nodeType="clickEffect">
+                                  <p:stCondLst>
+                                    <p:cond delay="0"/>
+                                  </p:stCondLst>
+                                  <p:childTnLst>
+                                    <p:set>
+                                      <p:cBhvr>
+                                        <p:cTn id="10" dur="1" fill="hold">
+                                          <p:stCondLst>
+                                            <p:cond delay="0"/>
+                                          </p:stCondLst>
+                                        </p:cTn>
+                                        <p:tgtEl>
+                                          <p:spTgt spid="10"/>
+                                        </p:tgtEl>
+                                        <p:attrNameLst>
+                                          <p:attrName>style.visibility</p:attrName>
+                                        </p:attrNameLst>
+                                      </p:cBhvr>
+                                      <p:to>
+                                        <p:strVal val="visible"/>
+                                      </p:to>
+                                    </p:set>
+                                  </p:childTnLst>
+                                </p:cTn>
+                              </p:par>
+                            </p:childTnLst>
+                          </p:cTn>
+                        </p:par>
+                      </p:childTnLst>
+                    </p:cTn>
+                  </p:par>
+                </p:childTnLst>
+              </p:cTn>
+              <p:prevCondLst>
+                <p:cond evt="onPrev" delay="0">
+                  <p:tgtEl>
+                    <p:sldTgt/>
+                  </p:tgtEl>
+                </p:cond>
+              </p:prevCondLst>
+              <p:nextCondLst>
+                <p:cond evt="onNext" delay="0">
+                  <p:tgtEl>
+                    <p:sldTgt/>
+                  </p:tgtEl>
+                </p:cond>
+              </p:nextCondLst>
+            </p:seq>
+          </p:childTnLst>
+        </p:cTn>
       </p:par>
     </p:tnLst>
   </p:timing>
@@ -22399,6 +23576,146 @@
       </p:pic>
       <p:sp>
         <p:nvSpPr>
+          <p:cNvPr id="10" name="TextBox 9"/>
+          <p:cNvSpPr txBox="1"/>
+          <p:nvPr/>
+        </p:nvSpPr>
+        <p:spPr>
+          <a:xfrm>
+            <a:off x="76200" y="-76200"/>
+            <a:ext cx="5486400" cy="2246769"/>
+          </a:xfrm>
+          <a:prstGeom prst="rect">
+            <a:avLst/>
+          </a:prstGeom>
+          <a:noFill/>
+        </p:spPr>
+        <p:txBody>
+          <a:bodyPr wrap="square" rtlCol="0">
+            <a:spAutoFit/>
+          </a:bodyPr>
+          <a:lstStyle/>
+          <a:p>
+            <a:r>
+              <a:rPr lang="en-US" sz="1400" dirty="0" smtClean="0">
+                <a:solidFill>
+                  <a:schemeClr val="bg1">
+                    <a:lumMod val="50000"/>
+                  </a:schemeClr>
+                </a:solidFill>
+              </a:rPr>
+              <a:t>Overview</a:t>
+            </a:r>
+            <a:endParaRPr lang="en-US" sz="1400" dirty="0" smtClean="0">
+              <a:solidFill>
+                <a:schemeClr val="bg1">
+                  <a:lumMod val="50000"/>
+                </a:schemeClr>
+              </a:solidFill>
+            </a:endParaRPr>
+          </a:p>
+          <a:p>
+            <a:r>
+              <a:rPr lang="en-US" sz="1400" dirty="0" smtClean="0">
+                <a:solidFill>
+                  <a:schemeClr val="bg1">
+                    <a:lumMod val="50000"/>
+                  </a:schemeClr>
+                </a:solidFill>
+              </a:rPr>
+              <a:t>Project </a:t>
+            </a:r>
+            <a:r>
+              <a:rPr lang="en-US" sz="1400" dirty="0" smtClean="0">
+                <a:solidFill>
+                  <a:schemeClr val="bg1">
+                    <a:lumMod val="50000"/>
+                  </a:schemeClr>
+                </a:solidFill>
+              </a:rPr>
+              <a:t>Plan</a:t>
+            </a:r>
+          </a:p>
+          <a:p>
+            <a:r>
+              <a:rPr lang="en-US" sz="1400" dirty="0" smtClean="0">
+                <a:solidFill>
+                  <a:schemeClr val="bg1">
+                    <a:lumMod val="50000"/>
+                  </a:schemeClr>
+                </a:solidFill>
+              </a:rPr>
+              <a:t>Status</a:t>
+            </a:r>
+            <a:endParaRPr lang="en-US" sz="1400" dirty="0" smtClean="0">
+              <a:solidFill>
+                <a:schemeClr val="bg1">
+                  <a:lumMod val="50000"/>
+                </a:schemeClr>
+              </a:solidFill>
+            </a:endParaRPr>
+          </a:p>
+          <a:p>
+            <a:endParaRPr lang="en-US" sz="1400" dirty="0" smtClean="0">
+              <a:solidFill>
+                <a:schemeClr val="bg1">
+                  <a:lumMod val="50000"/>
+                </a:schemeClr>
+              </a:solidFill>
+            </a:endParaRPr>
+          </a:p>
+          <a:p>
+            <a:endParaRPr lang="en-US" sz="1400" dirty="0" smtClean="0"/>
+          </a:p>
+          <a:p>
+            <a:endParaRPr lang="en-US" sz="1400" dirty="0"/>
+          </a:p>
+          <a:p>
+            <a:endParaRPr lang="en-US" sz="1400" dirty="0" smtClean="0">
+              <a:solidFill>
+                <a:schemeClr val="bg1"/>
+              </a:solidFill>
+            </a:endParaRPr>
+          </a:p>
+          <a:p>
+            <a:r>
+              <a:rPr lang="en-US" sz="1400" dirty="0" smtClean="0">
+                <a:solidFill>
+                  <a:schemeClr val="bg1"/>
+                </a:solidFill>
+              </a:rPr>
+              <a:t>Controls</a:t>
+            </a:r>
+            <a:endParaRPr lang="en-US" sz="1400" dirty="0" smtClean="0">
+              <a:solidFill>
+                <a:schemeClr val="bg1"/>
+              </a:solidFill>
+            </a:endParaRPr>
+          </a:p>
+          <a:p>
+            <a:r>
+              <a:rPr lang="en-US" sz="1400" dirty="0" smtClean="0">
+                <a:solidFill>
+                  <a:schemeClr val="bg1"/>
+                </a:solidFill>
+              </a:rPr>
+              <a:t>Modeling</a:t>
+            </a:r>
+          </a:p>
+          <a:p>
+            <a:r>
+              <a:rPr lang="en-US" sz="1400" dirty="0" smtClean="0">
+                <a:solidFill>
+                  <a:schemeClr val="bg1"/>
+                </a:solidFill>
+              </a:rPr>
+              <a:t>Conclusion</a:t>
+            </a:r>
+          </a:p>
+        </p:txBody>
+      </p:sp>
+      <p:sp>
+        <p:nvSpPr>
           <p:cNvPr id="5" name="Rectangle 4"/>
           <p:cNvSpPr/>
           <p:nvPr/>
@@ -22462,14 +23779,14 @@
       </p:sp>
       <p:sp>
         <p:nvSpPr>
-          <p:cNvPr id="9" name="TextBox 8"/>
+          <p:cNvPr id="4" name="TextBox 3"/>
           <p:cNvSpPr txBox="1"/>
           <p:nvPr/>
         </p:nvSpPr>
         <p:spPr>
           <a:xfrm>
-            <a:off x="76200" y="344031"/>
-            <a:ext cx="5486400" cy="2031325"/>
+            <a:off x="76200" y="772180"/>
+            <a:ext cx="7848600" cy="523220"/>
           </a:xfrm>
           <a:prstGeom prst="rect">
             <a:avLst/>
@@ -22483,95 +23800,16 @@
           <a:lstStyle/>
           <a:p>
             <a:r>
-              <a:rPr lang="en-US" sz="1400" dirty="0" smtClean="0">
-                <a:solidFill>
-                  <a:schemeClr val="bg1">
-                    <a:lumMod val="50000"/>
-                  </a:schemeClr>
-                </a:solidFill>
-              </a:rPr>
-              <a:t>Problem Description</a:t>
-            </a:r>
-          </a:p>
-          <a:p>
-            <a:endParaRPr lang="en-US" sz="1400" dirty="0" smtClean="0"/>
-          </a:p>
-          <a:p>
-            <a:endParaRPr lang="en-US" sz="1400" dirty="0"/>
-          </a:p>
-          <a:p>
-            <a:endParaRPr lang="en-US" sz="1400" dirty="0" smtClean="0"/>
-          </a:p>
-          <a:p>
-            <a:endParaRPr lang="en-US" sz="1400" dirty="0" smtClean="0"/>
-          </a:p>
-          <a:p>
-            <a:r>
-              <a:rPr lang="en-US" sz="1400" dirty="0" smtClean="0">
-                <a:solidFill>
-                  <a:schemeClr val="bg1"/>
-                </a:solidFill>
-              </a:rPr>
-              <a:t>Current Status</a:t>
-            </a:r>
-          </a:p>
-          <a:p>
-            <a:r>
-              <a:rPr lang="en-US" sz="1400" dirty="0" smtClean="0">
-                <a:solidFill>
-                  <a:schemeClr val="bg1"/>
-                </a:solidFill>
-              </a:rPr>
-              <a:t>Control Strategies</a:t>
-            </a:r>
-          </a:p>
-          <a:p>
-            <a:r>
-              <a:rPr lang="en-US" sz="1400" dirty="0" smtClean="0">
-                <a:solidFill>
-                  <a:schemeClr val="bg1"/>
-                </a:solidFill>
-              </a:rPr>
-              <a:t>Modeling</a:t>
-            </a:r>
-          </a:p>
-          <a:p>
-            <a:r>
-              <a:rPr lang="en-US" sz="1400" dirty="0" smtClean="0">
-                <a:solidFill>
-                  <a:schemeClr val="bg1"/>
-                </a:solidFill>
-              </a:rPr>
-              <a:t>Conclusion</a:t>
-            </a:r>
-          </a:p>
-        </p:txBody>
-      </p:sp>
-      <p:sp>
-        <p:nvSpPr>
-          <p:cNvPr id="4" name="TextBox 3"/>
-          <p:cNvSpPr txBox="1"/>
-          <p:nvPr/>
-        </p:nvSpPr>
-        <p:spPr>
-          <a:xfrm>
-            <a:off x="76200" y="772180"/>
-            <a:ext cx="7467600" cy="523220"/>
-          </a:xfrm>
-          <a:prstGeom prst="rect">
-            <a:avLst/>
-          </a:prstGeom>
-          <a:noFill/>
-        </p:spPr>
-        <p:txBody>
-          <a:bodyPr wrap="square" rtlCol="0">
-            <a:spAutoFit/>
-          </a:bodyPr>
-          <a:lstStyle/>
-          <a:p>
-            <a:r>
               <a:rPr lang="en-US" sz="2800" dirty="0" smtClean="0"/>
-              <a:t>Project Plan – Decision Matrices: Evaluation</a:t>
+              <a:t>Determining Parts</a:t>
+            </a:r>
+            <a:r>
+              <a:rPr lang="en-US" sz="2800" dirty="0" smtClean="0"/>
+              <a:t>– </a:t>
+            </a:r>
+            <a:r>
+              <a:rPr lang="en-US" sz="2800" dirty="0" smtClean="0"/>
+              <a:t>Decision Matrices: Overview</a:t>
             </a:r>
             <a:endParaRPr lang="en-US" sz="2800" dirty="0"/>
           </a:p>
@@ -22579,7 +23817,7 @@
       </p:sp>
       <p:pic>
         <p:nvPicPr>
-          <p:cNvPr id="4098" name="Picture 2"/>
+          <p:cNvPr id="3074" name="Picture 2"/>
           <p:cNvPicPr>
             <a:picLocks noChangeAspect="1" noChangeArrowheads="1"/>
           </p:cNvPicPr>
@@ -22600,8 +23838,8 @@
         </p:blipFill>
         <p:spPr bwMode="auto">
           <a:xfrm>
-            <a:off x="1295400" y="1981200"/>
-            <a:ext cx="7334250" cy="3800475"/>
+            <a:off x="1295400" y="2209800"/>
+            <a:ext cx="7289164" cy="3247768"/>
           </a:xfrm>
           <a:prstGeom prst="rect">
             <a:avLst/>
@@ -22644,7 +23882,7 @@
     </p:spTree>
     <p:extLst>
       <p:ext uri="{BB962C8B-B14F-4D97-AF65-F5344CB8AC3E}">
-        <p14:creationId xmlns:p14="http://schemas.microsoft.com/office/powerpoint/2010/main" val="1459955699"/>
+        <p14:creationId xmlns:p14="http://schemas.microsoft.com/office/powerpoint/2010/main" val="3876214192"/>
       </p:ext>
     </p:extLst>
   </p:cSld>
@@ -22739,6 +23977,146 @@
       </p:pic>
       <p:sp>
         <p:nvSpPr>
+          <p:cNvPr id="11" name="TextBox 10"/>
+          <p:cNvSpPr txBox="1"/>
+          <p:nvPr/>
+        </p:nvSpPr>
+        <p:spPr>
+          <a:xfrm>
+            <a:off x="76200" y="-76200"/>
+            <a:ext cx="5486400" cy="2246769"/>
+          </a:xfrm>
+          <a:prstGeom prst="rect">
+            <a:avLst/>
+          </a:prstGeom>
+          <a:noFill/>
+        </p:spPr>
+        <p:txBody>
+          <a:bodyPr wrap="square" rtlCol="0">
+            <a:spAutoFit/>
+          </a:bodyPr>
+          <a:lstStyle/>
+          <a:p>
+            <a:r>
+              <a:rPr lang="en-US" sz="1400" dirty="0" smtClean="0">
+                <a:solidFill>
+                  <a:schemeClr val="bg1">
+                    <a:lumMod val="50000"/>
+                  </a:schemeClr>
+                </a:solidFill>
+              </a:rPr>
+              <a:t>Overview</a:t>
+            </a:r>
+            <a:endParaRPr lang="en-US" sz="1400" dirty="0" smtClean="0">
+              <a:solidFill>
+                <a:schemeClr val="bg1">
+                  <a:lumMod val="50000"/>
+                </a:schemeClr>
+              </a:solidFill>
+            </a:endParaRPr>
+          </a:p>
+          <a:p>
+            <a:r>
+              <a:rPr lang="en-US" sz="1400" dirty="0" smtClean="0">
+                <a:solidFill>
+                  <a:schemeClr val="bg1">
+                    <a:lumMod val="50000"/>
+                  </a:schemeClr>
+                </a:solidFill>
+              </a:rPr>
+              <a:t>Project </a:t>
+            </a:r>
+            <a:r>
+              <a:rPr lang="en-US" sz="1400" dirty="0" smtClean="0">
+                <a:solidFill>
+                  <a:schemeClr val="bg1">
+                    <a:lumMod val="50000"/>
+                  </a:schemeClr>
+                </a:solidFill>
+              </a:rPr>
+              <a:t>Plan</a:t>
+            </a:r>
+          </a:p>
+          <a:p>
+            <a:r>
+              <a:rPr lang="en-US" sz="1400" dirty="0" smtClean="0">
+                <a:solidFill>
+                  <a:schemeClr val="bg1">
+                    <a:lumMod val="50000"/>
+                  </a:schemeClr>
+                </a:solidFill>
+              </a:rPr>
+              <a:t>Status</a:t>
+            </a:r>
+            <a:endParaRPr lang="en-US" sz="1400" dirty="0" smtClean="0">
+              <a:solidFill>
+                <a:schemeClr val="bg1">
+                  <a:lumMod val="50000"/>
+                </a:schemeClr>
+              </a:solidFill>
+            </a:endParaRPr>
+          </a:p>
+          <a:p>
+            <a:endParaRPr lang="en-US" sz="1400" dirty="0" smtClean="0">
+              <a:solidFill>
+                <a:schemeClr val="bg1">
+                  <a:lumMod val="50000"/>
+                </a:schemeClr>
+              </a:solidFill>
+            </a:endParaRPr>
+          </a:p>
+          <a:p>
+            <a:endParaRPr lang="en-US" sz="1400" dirty="0" smtClean="0"/>
+          </a:p>
+          <a:p>
+            <a:endParaRPr lang="en-US" sz="1400" dirty="0"/>
+          </a:p>
+          <a:p>
+            <a:endParaRPr lang="en-US" sz="1400" dirty="0" smtClean="0">
+              <a:solidFill>
+                <a:schemeClr val="bg1"/>
+              </a:solidFill>
+            </a:endParaRPr>
+          </a:p>
+          <a:p>
+            <a:r>
+              <a:rPr lang="en-US" sz="1400" dirty="0" smtClean="0">
+                <a:solidFill>
+                  <a:schemeClr val="bg1"/>
+                </a:solidFill>
+              </a:rPr>
+              <a:t>Controls</a:t>
+            </a:r>
+            <a:endParaRPr lang="en-US" sz="1400" dirty="0" smtClean="0">
+              <a:solidFill>
+                <a:schemeClr val="bg1"/>
+              </a:solidFill>
+            </a:endParaRPr>
+          </a:p>
+          <a:p>
+            <a:r>
+              <a:rPr lang="en-US" sz="1400" dirty="0" smtClean="0">
+                <a:solidFill>
+                  <a:schemeClr val="bg1"/>
+                </a:solidFill>
+              </a:rPr>
+              <a:t>Modeling</a:t>
+            </a:r>
+          </a:p>
+          <a:p>
+            <a:r>
+              <a:rPr lang="en-US" sz="1400" dirty="0" smtClean="0">
+                <a:solidFill>
+                  <a:schemeClr val="bg1"/>
+                </a:solidFill>
+              </a:rPr>
+              <a:t>Conclusion</a:t>
+            </a:r>
+          </a:p>
+        </p:txBody>
+      </p:sp>
+      <p:sp>
+        <p:nvSpPr>
           <p:cNvPr id="5" name="Rectangle 4"/>
           <p:cNvSpPr/>
           <p:nvPr/>
@@ -22802,14 +24180,14 @@
       </p:sp>
       <p:sp>
         <p:nvSpPr>
-          <p:cNvPr id="9" name="TextBox 8"/>
+          <p:cNvPr id="4" name="TextBox 3"/>
           <p:cNvSpPr txBox="1"/>
           <p:nvPr/>
         </p:nvSpPr>
         <p:spPr>
           <a:xfrm>
-            <a:off x="76200" y="344031"/>
-            <a:ext cx="5486400" cy="2031325"/>
+            <a:off x="76200" y="772180"/>
+            <a:ext cx="7315200" cy="523220"/>
           </a:xfrm>
           <a:prstGeom prst="rect">
             <a:avLst/>
@@ -22823,182 +24201,85 @@
           <a:lstStyle/>
           <a:p>
             <a:r>
-              <a:rPr lang="en-US" sz="1400" dirty="0" smtClean="0">
-                <a:solidFill>
-                  <a:schemeClr val="bg1">
-                    <a:lumMod val="50000"/>
-                  </a:schemeClr>
-                </a:solidFill>
-              </a:rPr>
-              <a:t>Problem Description</a:t>
-            </a:r>
-          </a:p>
-          <a:p>
-            <a:endParaRPr lang="en-US" sz="1400" dirty="0" smtClean="0"/>
-          </a:p>
-          <a:p>
-            <a:endParaRPr lang="en-US" sz="1400" dirty="0"/>
-          </a:p>
-          <a:p>
-            <a:endParaRPr lang="en-US" sz="1400" dirty="0" smtClean="0"/>
-          </a:p>
-          <a:p>
-            <a:endParaRPr lang="en-US" sz="1400" dirty="0" smtClean="0"/>
-          </a:p>
-          <a:p>
-            <a:r>
-              <a:rPr lang="en-US" sz="1400" dirty="0" smtClean="0">
-                <a:solidFill>
-                  <a:schemeClr val="bg1"/>
-                </a:solidFill>
-              </a:rPr>
-              <a:t>Current Status</a:t>
-            </a:r>
-          </a:p>
-          <a:p>
-            <a:r>
-              <a:rPr lang="en-US" sz="1400" dirty="0" smtClean="0">
-                <a:solidFill>
-                  <a:schemeClr val="bg1"/>
-                </a:solidFill>
-              </a:rPr>
-              <a:t>Control Strategies</a:t>
-            </a:r>
-          </a:p>
-          <a:p>
-            <a:r>
-              <a:rPr lang="en-US" sz="1400" dirty="0" smtClean="0">
-                <a:solidFill>
-                  <a:schemeClr val="bg1"/>
-                </a:solidFill>
-              </a:rPr>
-              <a:t>Modeling</a:t>
-            </a:r>
-          </a:p>
-          <a:p>
-            <a:r>
-              <a:rPr lang="en-US" sz="1400" dirty="0" smtClean="0">
-                <a:solidFill>
-                  <a:schemeClr val="bg1"/>
-                </a:solidFill>
-              </a:rPr>
-              <a:t>Conclusion</a:t>
-            </a:r>
+              <a:rPr lang="en-US" sz="2800" dirty="0" smtClean="0"/>
+              <a:t>Determining Parts – </a:t>
+            </a:r>
+            <a:r>
+              <a:rPr lang="en-US" sz="2800" dirty="0" smtClean="0"/>
+              <a:t>Decision Matrices: Weights</a:t>
+            </a:r>
+            <a:endParaRPr lang="en-US" sz="2800" dirty="0"/>
           </a:p>
         </p:txBody>
       </p:sp>
-      <p:sp>
-        <p:nvSpPr>
-          <p:cNvPr id="4" name="TextBox 3"/>
-          <p:cNvSpPr txBox="1"/>
+      <p:pic>
+        <p:nvPicPr>
+          <p:cNvPr id="7" name="Picture 3"/>
+          <p:cNvPicPr>
+            <a:picLocks noChangeAspect="1" noChangeArrowheads="1"/>
+          </p:cNvPicPr>
           <p:nvPr/>
-        </p:nvSpPr>
-        <p:spPr>
+        </p:nvPicPr>
+        <p:blipFill>
+          <a:blip r:embed="rId4">
+            <a:extLst>
+              <a:ext uri="{28A0092B-C50C-407E-A947-70E740481C1C}">
+                <a14:useLocalDpi xmlns:a14="http://schemas.microsoft.com/office/drawing/2010/main" val="0"/>
+              </a:ext>
+            </a:extLst>
+          </a:blip>
+          <a:srcRect/>
+          <a:stretch>
+            <a:fillRect/>
+          </a:stretch>
+        </p:blipFill>
+        <p:spPr bwMode="auto">
           <a:xfrm>
-            <a:off x="76200" y="772180"/>
-            <a:ext cx="5791200" cy="523220"/>
+            <a:off x="1396313" y="2057400"/>
+            <a:ext cx="7249539" cy="3862645"/>
           </a:xfrm>
           <a:prstGeom prst="rect">
             <a:avLst/>
           </a:prstGeom>
           <a:noFill/>
+          <a:ln>
+            <a:noFill/>
+          </a:ln>
+          <a:effectLst/>
+          <a:extLst>
+            <a:ext uri="{909E8E84-426E-40DD-AFC4-6F175D3DCCD1}">
+              <a14:hiddenFill xmlns:a14="http://schemas.microsoft.com/office/drawing/2010/main">
+                <a:solidFill>
+                  <a:schemeClr val="accent1"/>
+                </a:solidFill>
+              </a14:hiddenFill>
+            </a:ext>
+            <a:ext uri="{91240B29-F687-4F45-9708-019B960494DF}">
+              <a14:hiddenLine xmlns:a14="http://schemas.microsoft.com/office/drawing/2010/main" w="9525">
+                <a:solidFill>
+                  <a:schemeClr val="tx1"/>
+                </a:solidFill>
+                <a:miter lim="800000"/>
+                <a:headEnd/>
+                <a:tailEnd/>
+              </a14:hiddenLine>
+            </a:ext>
+            <a:ext uri="{AF507438-7753-43E0-B8FC-AC1667EBCBE1}">
+              <a14:hiddenEffects xmlns:a14="http://schemas.microsoft.com/office/drawing/2010/main">
+                <a:effectLst>
+                  <a:outerShdw dist="35921" dir="2700000" algn="ctr" rotWithShape="0">
+                    <a:schemeClr val="bg2"/>
+                  </a:outerShdw>
+                </a:effectLst>
+              </a14:hiddenEffects>
+            </a:ext>
+          </a:extLst>
         </p:spPr>
-        <p:txBody>
-          <a:bodyPr wrap="square" rtlCol="0">
-            <a:spAutoFit/>
-          </a:bodyPr>
-          <a:lstStyle/>
-          <a:p>
-            <a:r>
-              <a:rPr lang="en-US" sz="2800" dirty="0" smtClean="0"/>
-              <a:t>Project Plan – Budget</a:t>
-            </a:r>
-            <a:endParaRPr lang="en-US" sz="2800" dirty="0"/>
-          </a:p>
-        </p:txBody>
-      </p:sp>
-      <p:graphicFrame>
-        <p:nvGraphicFramePr>
-          <p:cNvPr id="11" name="Chart 10"/>
-          <p:cNvGraphicFramePr>
-            <a:graphicFrameLocks/>
-          </p:cNvGraphicFramePr>
-          <p:nvPr>
-            <p:extLst>
-              <p:ext uri="{D42A27DB-BD31-4B8C-83A1-F6EECF244321}">
-                <p14:modId xmlns:p14="http://schemas.microsoft.com/office/powerpoint/2010/main" val="3677042638"/>
-              </p:ext>
-            </p:extLst>
-          </p:nvPr>
-        </p:nvGraphicFramePr>
-        <p:xfrm>
-          <a:off x="601028" y="1412298"/>
-          <a:ext cx="8534399" cy="4724400"/>
-        </p:xfrm>
-        <a:graphic>
-          <a:graphicData uri="http://schemas.openxmlformats.org/drawingml/2006/chart">
-            <c:chart xmlns:c="http://schemas.openxmlformats.org/drawingml/2006/chart" xmlns:r="http://schemas.openxmlformats.org/officeDocument/2006/relationships" r:id="rId4"/>
-          </a:graphicData>
-        </a:graphic>
-      </p:graphicFrame>
-      <p:graphicFrame>
-        <p:nvGraphicFramePr>
-          <p:cNvPr id="14" name="Chart 13"/>
-          <p:cNvGraphicFramePr>
-            <a:graphicFrameLocks/>
-          </p:cNvGraphicFramePr>
-          <p:nvPr>
-            <p:extLst>
-              <p:ext uri="{D42A27DB-BD31-4B8C-83A1-F6EECF244321}">
-                <p14:modId xmlns:p14="http://schemas.microsoft.com/office/powerpoint/2010/main" val="93971895"/>
-              </p:ext>
-            </p:extLst>
-          </p:nvPr>
-        </p:nvGraphicFramePr>
-        <p:xfrm>
-          <a:off x="1295400" y="1447800"/>
-          <a:ext cx="7086600" cy="4718222"/>
-        </p:xfrm>
-        <a:graphic>
-          <a:graphicData uri="http://schemas.openxmlformats.org/drawingml/2006/chart">
-            <c:chart xmlns:c="http://schemas.openxmlformats.org/drawingml/2006/chart" xmlns:r="http://schemas.openxmlformats.org/officeDocument/2006/relationships" r:id="rId5"/>
-          </a:graphicData>
-        </a:graphic>
-      </p:graphicFrame>
-      <p:sp>
-        <p:nvSpPr>
-          <p:cNvPr id="3" name="TextBox 2"/>
-          <p:cNvSpPr txBox="1"/>
-          <p:nvPr/>
-        </p:nvSpPr>
-        <p:spPr>
-          <a:xfrm>
-            <a:off x="5410200" y="5965967"/>
-            <a:ext cx="2514600" cy="400110"/>
-          </a:xfrm>
-          <a:prstGeom prst="rect">
-            <a:avLst/>
-          </a:prstGeom>
-          <a:noFill/>
-        </p:spPr>
-        <p:txBody>
-          <a:bodyPr wrap="square" rtlCol="0">
-            <a:spAutoFit/>
-          </a:bodyPr>
-          <a:lstStyle/>
-          <a:p>
-            <a:r>
-              <a:rPr lang="en-US" sz="2000" b="1" dirty="0" smtClean="0"/>
-              <a:t>Total Cost: $27,740</a:t>
-            </a:r>
-            <a:endParaRPr lang="en-US" sz="2000" baseline="30000" dirty="0"/>
-          </a:p>
-        </p:txBody>
-      </p:sp>
+      </p:pic>
     </p:spTree>
     <p:extLst>
       <p:ext uri="{BB962C8B-B14F-4D97-AF65-F5344CB8AC3E}">
-        <p14:creationId xmlns:p14="http://schemas.microsoft.com/office/powerpoint/2010/main" val="2598278060"/>
+        <p14:creationId xmlns:p14="http://schemas.microsoft.com/office/powerpoint/2010/main" val="3755032368"/>
       </p:ext>
     </p:extLst>
   </p:cSld>
@@ -23008,148 +24289,9 @@
   <p:timing>
     <p:tnLst>
       <p:par>
-        <p:cTn id="1" dur="indefinite" restart="never" nodeType="tmRoot">
-          <p:childTnLst>
-            <p:seq concurrent="1" nextAc="seek">
-              <p:cTn id="2" dur="indefinite" nodeType="mainSeq">
-                <p:childTnLst>
-                  <p:par>
-                    <p:cTn id="3" fill="hold">
-                      <p:stCondLst>
-                        <p:cond delay="indefinite"/>
-                      </p:stCondLst>
-                      <p:childTnLst>
-                        <p:par>
-                          <p:cTn id="4" fill="hold">
-                            <p:stCondLst>
-                              <p:cond delay="0"/>
-                            </p:stCondLst>
-                            <p:childTnLst>
-                              <p:par>
-                                <p:cTn id="5" presetID="1" presetClass="exit" presetSubtype="0" fill="hold" grpId="0" nodeType="clickEffect">
-                                  <p:stCondLst>
-                                    <p:cond delay="0"/>
-                                  </p:stCondLst>
-                                  <p:childTnLst>
-                                    <p:set>
-                                      <p:cBhvr>
-                                        <p:cTn id="6" dur="1" fill="hold">
-                                          <p:stCondLst>
-                                            <p:cond delay="0"/>
-                                          </p:stCondLst>
-                                        </p:cTn>
-                                        <p:tgtEl>
-                                          <p:spTgt spid="11"/>
-                                        </p:tgtEl>
-                                        <p:attrNameLst>
-                                          <p:attrName>style.visibility</p:attrName>
-                                        </p:attrNameLst>
-                                      </p:cBhvr>
-                                      <p:to>
-                                        <p:strVal val="hidden"/>
-                                      </p:to>
-                                    </p:set>
-                                  </p:childTnLst>
-                                </p:cTn>
-                              </p:par>
-                              <p:par>
-                                <p:cTn id="7" presetID="10" presetClass="entr" presetSubtype="0" fill="hold" grpId="0" nodeType="withEffect">
-                                  <p:stCondLst>
-                                    <p:cond delay="0"/>
-                                  </p:stCondLst>
-                                  <p:childTnLst>
-                                    <p:set>
-                                      <p:cBhvr>
-                                        <p:cTn id="8" dur="1" fill="hold">
-                                          <p:stCondLst>
-                                            <p:cond delay="0"/>
-                                          </p:stCondLst>
-                                        </p:cTn>
-                                        <p:tgtEl>
-                                          <p:spTgt spid="14"/>
-                                        </p:tgtEl>
-                                        <p:attrNameLst>
-                                          <p:attrName>style.visibility</p:attrName>
-                                        </p:attrNameLst>
-                                      </p:cBhvr>
-                                      <p:to>
-                                        <p:strVal val="visible"/>
-                                      </p:to>
-                                    </p:set>
-                                    <p:animEffect transition="in" filter="fade">
-                                      <p:cBhvr>
-                                        <p:cTn id="9" dur="500"/>
-                                        <p:tgtEl>
-                                          <p:spTgt spid="14"/>
-                                        </p:tgtEl>
-                                      </p:cBhvr>
-                                    </p:animEffect>
-                                  </p:childTnLst>
-                                </p:cTn>
-                              </p:par>
-                              <p:par>
-                                <p:cTn id="10" presetID="1" presetClass="exit" presetSubtype="0" fill="hold" grpId="0" nodeType="withEffect">
-                                  <p:stCondLst>
-                                    <p:cond delay="0"/>
-                                  </p:stCondLst>
-                                  <p:childTnLst>
-                                    <p:set>
-                                      <p:cBhvr>
-                                        <p:cTn id="11" dur="1" fill="hold">
-                                          <p:stCondLst>
-                                            <p:cond delay="0"/>
-                                          </p:stCondLst>
-                                        </p:cTn>
-                                        <p:tgtEl>
-                                          <p:spTgt spid="3"/>
-                                        </p:tgtEl>
-                                        <p:attrNameLst>
-                                          <p:attrName>style.visibility</p:attrName>
-                                        </p:attrNameLst>
-                                      </p:cBhvr>
-                                      <p:to>
-                                        <p:strVal val="hidden"/>
-                                      </p:to>
-                                    </p:set>
-                                  </p:childTnLst>
-                                </p:cTn>
-                              </p:par>
-                            </p:childTnLst>
-                          </p:cTn>
-                        </p:par>
-                      </p:childTnLst>
-                    </p:cTn>
-                  </p:par>
-                </p:childTnLst>
-              </p:cTn>
-              <p:prevCondLst>
-                <p:cond evt="onPrev" delay="0">
-                  <p:tgtEl>
-                    <p:sldTgt/>
-                  </p:tgtEl>
-                </p:cond>
-              </p:prevCondLst>
-              <p:nextCondLst>
-                <p:cond evt="onNext" delay="0">
-                  <p:tgtEl>
-                    <p:sldTgt/>
-                  </p:tgtEl>
-                </p:cond>
-              </p:nextCondLst>
-            </p:seq>
-          </p:childTnLst>
-        </p:cTn>
+        <p:cTn id="1" dur="indefinite" restart="never" nodeType="tmRoot"/>
       </p:par>
     </p:tnLst>
-    <p:bldLst>
-      <p:bldGraphic spid="11" grpId="0">
-        <p:bldAsOne/>
-      </p:bldGraphic>
-      <p:bldGraphic spid="14" grpId="0">
-        <p:bldAsOne/>
-      </p:bldGraphic>
-      <p:bldP spid="3" grpId="0"/>
-    </p:bldLst>
   </p:timing>
 </p:sld>
 </file>
@@ -23232,14 +24374,14 @@
       </p:pic>
       <p:sp>
         <p:nvSpPr>
-          <p:cNvPr id="23" name="TextBox 22"/>
+          <p:cNvPr id="10" name="TextBox 9"/>
           <p:cNvSpPr txBox="1"/>
           <p:nvPr/>
         </p:nvSpPr>
         <p:spPr>
           <a:xfrm>
-            <a:off x="76200" y="344031"/>
-            <a:ext cx="5486400" cy="2031325"/>
+            <a:off x="76200" y="-76200"/>
+            <a:ext cx="5486400" cy="2246769"/>
           </a:xfrm>
           <a:prstGeom prst="rect">
             <a:avLst/>
@@ -23260,8 +24402,65 @@
                   </a:schemeClr>
                 </a:solidFill>
               </a:rPr>
-              <a:t>Problem Description</a:t>
-            </a:r>
+              <a:t>Overview</a:t>
+            </a:r>
+            <a:endParaRPr lang="en-US" sz="1400" dirty="0" smtClean="0">
+              <a:solidFill>
+                <a:schemeClr val="bg1">
+                  <a:lumMod val="50000"/>
+                </a:schemeClr>
+              </a:solidFill>
+            </a:endParaRPr>
+          </a:p>
+          <a:p>
+            <a:r>
+              <a:rPr lang="en-US" sz="1400" dirty="0" smtClean="0">
+                <a:solidFill>
+                  <a:schemeClr val="bg1">
+                    <a:lumMod val="50000"/>
+                  </a:schemeClr>
+                </a:solidFill>
+              </a:rPr>
+              <a:t>Project </a:t>
+            </a:r>
+            <a:r>
+              <a:rPr lang="en-US" sz="1400" dirty="0" smtClean="0">
+                <a:solidFill>
+                  <a:schemeClr val="bg1">
+                    <a:lumMod val="50000"/>
+                  </a:schemeClr>
+                </a:solidFill>
+              </a:rPr>
+              <a:t>Plan</a:t>
+            </a:r>
+          </a:p>
+          <a:p>
+            <a:r>
+              <a:rPr lang="en-US" sz="1400" dirty="0" smtClean="0">
+                <a:solidFill>
+                  <a:schemeClr val="bg1">
+                    <a:lumMod val="50000"/>
+                  </a:schemeClr>
+                </a:solidFill>
+              </a:rPr>
+              <a:t>Status</a:t>
+            </a:r>
+            <a:endParaRPr lang="en-US" sz="1400" dirty="0" smtClean="0">
+              <a:solidFill>
+                <a:schemeClr val="bg1">
+                  <a:lumMod val="50000"/>
+                </a:schemeClr>
+              </a:solidFill>
+            </a:endParaRPr>
+          </a:p>
+          <a:p>
+            <a:endParaRPr lang="en-US" sz="1400" dirty="0" smtClean="0">
+              <a:solidFill>
+                <a:schemeClr val="bg1">
+                  <a:lumMod val="50000"/>
+                </a:schemeClr>
+              </a:solidFill>
+            </a:endParaRPr>
           </a:p>
           <a:p>
             <a:endParaRPr lang="en-US" sz="1400" dirty="0" smtClean="0"/>
@@ -23270,10 +24469,11 @@
             <a:endParaRPr lang="en-US" sz="1400" dirty="0"/>
           </a:p>
           <a:p>
-            <a:endParaRPr lang="en-US" sz="1400" dirty="0" smtClean="0"/>
-          </a:p>
-          <a:p>
-            <a:endParaRPr lang="en-US" sz="1400" dirty="0" smtClean="0"/>
+            <a:endParaRPr lang="en-US" sz="1400" dirty="0" smtClean="0">
+              <a:solidFill>
+                <a:schemeClr val="bg1"/>
+              </a:solidFill>
+            </a:endParaRPr>
           </a:p>
           <a:p>
             <a:r>
@@ -23282,18 +24482,13 @@
                   <a:schemeClr val="bg1"/>
                 </a:solidFill>
               </a:rPr>
-              <a:t>Current Status</a:t>
-            </a:r>
-          </a:p>
-          <a:p>
-            <a:r>
-              <a:rPr lang="en-US" sz="1400" dirty="0" smtClean="0">
-                <a:solidFill>
-                  <a:schemeClr val="bg1"/>
-                </a:solidFill>
-              </a:rPr>
-              <a:t>Control Strategies</a:t>
-            </a:r>
+              <a:t>Controls</a:t>
+            </a:r>
+            <a:endParaRPr lang="en-US" sz="1400" dirty="0" smtClean="0">
+              <a:solidFill>
+                <a:schemeClr val="bg1"/>
+              </a:solidFill>
+            </a:endParaRPr>
           </a:p>
           <a:p>
             <a:r>
@@ -23389,7 +24584,7 @@
         <p:spPr>
           <a:xfrm>
             <a:off x="76200" y="772180"/>
-            <a:ext cx="5791200" cy="523220"/>
+            <a:ext cx="7467600" cy="523220"/>
           </a:xfrm>
           <a:prstGeom prst="rect">
             <a:avLst/>
@@ -23404,360 +24599,84 @@
           <a:p>
             <a:r>
               <a:rPr lang="en-US" sz="2800" dirty="0" smtClean="0"/>
-              <a:t>Project Plan – Electrical Components</a:t>
+              <a:t>Determining Parts – </a:t>
+            </a:r>
+            <a:r>
+              <a:rPr lang="en-US" sz="2800" dirty="0" smtClean="0"/>
+              <a:t>Decision Matrices: Evaluation</a:t>
             </a:r>
             <a:endParaRPr lang="en-US" sz="2800" dirty="0"/>
           </a:p>
         </p:txBody>
       </p:sp>
-      <p:grpSp>
-        <p:nvGrpSpPr>
-          <p:cNvPr id="3" name="Group 2"/>
-          <p:cNvGrpSpPr/>
+      <p:pic>
+        <p:nvPicPr>
+          <p:cNvPr id="4098" name="Picture 2"/>
+          <p:cNvPicPr>
+            <a:picLocks noChangeAspect="1" noChangeArrowheads="1"/>
+          </p:cNvPicPr>
           <p:nvPr/>
-        </p:nvGrpSpPr>
-        <p:grpSpPr>
-          <a:xfrm>
-            <a:off x="2362200" y="1402142"/>
-            <a:ext cx="6248400" cy="1802613"/>
-            <a:chOff x="2362200" y="1402142"/>
-            <a:chExt cx="6248400" cy="1802613"/>
-          </a:xfrm>
-        </p:grpSpPr>
-        <p:sp>
-          <p:nvSpPr>
-            <p:cNvPr id="2" name="TextBox 1"/>
-            <p:cNvSpPr txBox="1"/>
-            <p:nvPr/>
-          </p:nvSpPr>
-          <p:spPr>
-            <a:xfrm>
-              <a:off x="2362200" y="2072615"/>
-              <a:ext cx="5181600" cy="461665"/>
-            </a:xfrm>
-            <a:prstGeom prst="rect">
-              <a:avLst/>
-            </a:prstGeom>
-            <a:noFill/>
-          </p:spPr>
-          <p:txBody>
-            <a:bodyPr wrap="square" rtlCol="0">
-              <a:spAutoFit/>
-            </a:bodyPr>
-            <a:lstStyle/>
-            <a:p>
-              <a:r>
-                <a:rPr lang="en-US" sz="2400" dirty="0" err="1" smtClean="0"/>
-                <a:t>CompactRIO</a:t>
-              </a:r>
-              <a:r>
-                <a:rPr lang="en-US" sz="2400" dirty="0" smtClean="0"/>
-                <a:t> Real-Time Controller</a:t>
-              </a:r>
-              <a:endParaRPr lang="en-US" sz="2400" dirty="0"/>
-            </a:p>
-          </p:txBody>
-        </p:sp>
-        <p:pic>
-          <p:nvPicPr>
-            <p:cNvPr id="11" name="Picture 4" descr="http://sine.ni.com/images/products/us/crio-9024_l.jpg"/>
-            <p:cNvPicPr>
-              <a:picLocks noChangeAspect="1" noChangeArrowheads="1"/>
-            </p:cNvPicPr>
-            <p:nvPr/>
-          </p:nvPicPr>
-          <p:blipFill rotWithShape="1">
-            <a:blip r:embed="rId4">
-              <a:extLst>
-                <a:ext uri="{28A0092B-C50C-407E-A947-70E740481C1C}">
-                  <a14:useLocalDpi xmlns:a14="http://schemas.microsoft.com/office/drawing/2010/main" val="0"/>
-                </a:ext>
-              </a:extLst>
-            </a:blip>
-            <a:srcRect l="13223" t="4817" r="16365" b="7120"/>
-            <a:stretch/>
-          </p:blipFill>
-          <p:spPr bwMode="auto">
-            <a:xfrm>
-              <a:off x="6629400" y="1402142"/>
-              <a:ext cx="1981200" cy="1802613"/>
-            </a:xfrm>
-            <a:prstGeom prst="rect">
-              <a:avLst/>
-            </a:prstGeom>
-            <a:noFill/>
+        </p:nvPicPr>
+        <p:blipFill>
+          <a:blip r:embed="rId4">
             <a:extLst>
-              <a:ext uri="{909E8E84-426E-40DD-AFC4-6F175D3DCCD1}">
-                <a14:hiddenFill xmlns:a14="http://schemas.microsoft.com/office/drawing/2010/main">
-                  <a:solidFill>
-                    <a:srgbClr val="FFFFFF"/>
-                  </a:solidFill>
-                </a14:hiddenFill>
+              <a:ext uri="{28A0092B-C50C-407E-A947-70E740481C1C}">
+                <a14:useLocalDpi xmlns:a14="http://schemas.microsoft.com/office/drawing/2010/main" val="0"/>
               </a:ext>
             </a:extLst>
-          </p:spPr>
-        </p:pic>
-      </p:grpSp>
-      <p:grpSp>
-        <p:nvGrpSpPr>
-          <p:cNvPr id="7" name="Group 6"/>
-          <p:cNvGrpSpPr/>
-          <p:nvPr/>
-        </p:nvGrpSpPr>
-        <p:grpSpPr>
+          </a:blip>
+          <a:srcRect/>
+          <a:stretch>
+            <a:fillRect/>
+          </a:stretch>
+        </p:blipFill>
+        <p:spPr bwMode="auto">
           <a:xfrm>
-            <a:off x="1143000" y="2514600"/>
-            <a:ext cx="6128747" cy="2100854"/>
-            <a:chOff x="1110253" y="2552815"/>
-            <a:chExt cx="6128747" cy="2100854"/>
+            <a:off x="1295400" y="1981200"/>
+            <a:ext cx="7334250" cy="3800475"/>
           </a:xfrm>
-        </p:grpSpPr>
-        <p:pic>
-          <p:nvPicPr>
-            <p:cNvPr id="12" name="Picture 6" descr="http://www.hubmotors.com/media/catalog/product/cache/10/image/9df78eab33525d08d6e5fb8d27136e95/2/8/280-1368m_1.jpg"/>
-            <p:cNvPicPr>
-              <a:picLocks noChangeAspect="1" noChangeArrowheads="1"/>
-            </p:cNvPicPr>
-            <p:nvPr/>
-          </p:nvPicPr>
-          <p:blipFill rotWithShape="1">
-            <a:blip r:embed="rId5">
-              <a:extLst>
-                <a:ext uri="{28A0092B-C50C-407E-A947-70E740481C1C}">
-                  <a14:useLocalDpi xmlns:a14="http://schemas.microsoft.com/office/drawing/2010/main" val="0"/>
-                </a:ext>
-              </a:extLst>
-            </a:blip>
-            <a:srcRect l="18672" t="4179" r="13351" b="4084"/>
-            <a:stretch/>
-          </p:blipFill>
-          <p:spPr bwMode="auto">
-            <a:xfrm>
-              <a:off x="1110253" y="2552815"/>
-              <a:ext cx="1556747" cy="2100854"/>
-            </a:xfrm>
-            <a:prstGeom prst="rect">
-              <a:avLst/>
-            </a:prstGeom>
+          <a:prstGeom prst="rect">
+            <a:avLst/>
+          </a:prstGeom>
+          <a:noFill/>
+          <a:ln>
             <a:noFill/>
-            <a:extLst>
-              <a:ext uri="{909E8E84-426E-40DD-AFC4-6F175D3DCCD1}">
-                <a14:hiddenFill xmlns:a14="http://schemas.microsoft.com/office/drawing/2010/main">
-                  <a:solidFill>
-                    <a:srgbClr val="FFFFFF"/>
-                  </a:solidFill>
-                </a14:hiddenFill>
-              </a:ext>
-            </a:extLst>
-          </p:spPr>
-        </p:pic>
-        <p:sp>
-          <p:nvSpPr>
-            <p:cNvPr id="6" name="TextBox 5"/>
-            <p:cNvSpPr txBox="1"/>
-            <p:nvPr/>
-          </p:nvSpPr>
-          <p:spPr>
-            <a:xfrm>
-              <a:off x="2590800" y="3372409"/>
-              <a:ext cx="4648200" cy="461665"/>
-            </a:xfrm>
-            <a:prstGeom prst="rect">
-              <a:avLst/>
-            </a:prstGeom>
-            <a:noFill/>
-          </p:spPr>
-          <p:txBody>
-            <a:bodyPr wrap="square" rtlCol="0">
-              <a:spAutoFit/>
-            </a:bodyPr>
-            <a:lstStyle/>
-            <a:p>
-              <a:r>
-                <a:rPr lang="en-US" sz="2400" dirty="0" smtClean="0"/>
-                <a:t>In-Hub Motors</a:t>
-              </a:r>
-              <a:endParaRPr lang="en-US" sz="2400" dirty="0"/>
-            </a:p>
-          </p:txBody>
-        </p:sp>
-      </p:grpSp>
-      <p:grpSp>
-        <p:nvGrpSpPr>
-          <p:cNvPr id="15" name="Group 14"/>
-          <p:cNvGrpSpPr/>
-          <p:nvPr/>
-        </p:nvGrpSpPr>
-        <p:grpSpPr>
-          <a:xfrm>
-            <a:off x="4114800" y="3936091"/>
-            <a:ext cx="5029200" cy="1474109"/>
-            <a:chOff x="4114800" y="3097019"/>
-            <a:chExt cx="5029200" cy="1474109"/>
-          </a:xfrm>
-        </p:grpSpPr>
-        <p:pic>
-          <p:nvPicPr>
-            <p:cNvPr id="13" name="Picture 10" descr="http://robotbox.net/sites/default/files/imagecache/normal/part_pics/roboteq-motor-controler/roboteq.jpg"/>
-            <p:cNvPicPr>
-              <a:picLocks noChangeAspect="1" noChangeArrowheads="1"/>
-            </p:cNvPicPr>
-            <p:nvPr/>
-          </p:nvPicPr>
-          <p:blipFill>
-            <a:blip r:embed="rId6">
-              <a:extLst>
-                <a:ext uri="{28A0092B-C50C-407E-A947-70E740481C1C}">
-                  <a14:useLocalDpi xmlns:a14="http://schemas.microsoft.com/office/drawing/2010/main" val="0"/>
-                </a:ext>
-              </a:extLst>
-            </a:blip>
-            <a:srcRect/>
-            <a:stretch>
-              <a:fillRect/>
-            </a:stretch>
-          </p:blipFill>
-          <p:spPr bwMode="auto">
-            <a:xfrm>
-              <a:off x="6341512" y="3097019"/>
-              <a:ext cx="2802488" cy="1474109"/>
-            </a:xfrm>
-            <a:prstGeom prst="rect">
-              <a:avLst/>
-            </a:prstGeom>
-            <a:noFill/>
-            <a:extLst>
-              <a:ext uri="{909E8E84-426E-40DD-AFC4-6F175D3DCCD1}">
-                <a14:hiddenFill xmlns:a14="http://schemas.microsoft.com/office/drawing/2010/main">
-                  <a:solidFill>
-                    <a:srgbClr val="FFFFFF"/>
-                  </a:solidFill>
-                </a14:hiddenFill>
-              </a:ext>
-            </a:extLst>
-          </p:spPr>
-        </p:pic>
-        <p:sp>
-          <p:nvSpPr>
-            <p:cNvPr id="14" name="TextBox 13"/>
-            <p:cNvSpPr txBox="1"/>
-            <p:nvPr/>
-          </p:nvSpPr>
-          <p:spPr>
-            <a:xfrm>
-              <a:off x="4114800" y="3603240"/>
-              <a:ext cx="4648200" cy="461665"/>
-            </a:xfrm>
-            <a:prstGeom prst="rect">
-              <a:avLst/>
-            </a:prstGeom>
-            <a:noFill/>
-          </p:spPr>
-          <p:txBody>
-            <a:bodyPr wrap="square" rtlCol="0">
-              <a:spAutoFit/>
-            </a:bodyPr>
-            <a:lstStyle/>
-            <a:p>
-              <a:r>
-                <a:rPr lang="en-US" sz="2400" dirty="0" smtClean="0"/>
-                <a:t>Motor Controllers</a:t>
-              </a:r>
-              <a:endParaRPr lang="en-US" sz="2400" dirty="0"/>
-            </a:p>
-          </p:txBody>
-        </p:sp>
-      </p:grpSp>
-      <p:grpSp>
-        <p:nvGrpSpPr>
-          <p:cNvPr id="19" name="Group 18"/>
-          <p:cNvGrpSpPr/>
-          <p:nvPr/>
-        </p:nvGrpSpPr>
-        <p:grpSpPr>
-          <a:xfrm>
-            <a:off x="1163799" y="5357866"/>
-            <a:ext cx="5999001" cy="1271534"/>
-            <a:chOff x="1239999" y="4953000"/>
-            <a:chExt cx="5999001" cy="1271534"/>
-          </a:xfrm>
-        </p:grpSpPr>
-        <p:pic>
-          <p:nvPicPr>
-            <p:cNvPr id="16" name="Picture 8" descr="http://www.seattlerobotics.org/encoder/200610/article3/IMU%20Odometry,%20by%20David%20Anderson_files/3dmgx1.jpg"/>
-            <p:cNvPicPr>
-              <a:picLocks noChangeAspect="1" noChangeArrowheads="1"/>
-            </p:cNvPicPr>
-            <p:nvPr/>
-          </p:nvPicPr>
-          <p:blipFill>
-            <a:blip r:embed="rId7">
-              <a:extLst>
-                <a:ext uri="{28A0092B-C50C-407E-A947-70E740481C1C}">
-                  <a14:useLocalDpi xmlns:a14="http://schemas.microsoft.com/office/drawing/2010/main" val="0"/>
-                </a:ext>
-              </a:extLst>
-            </a:blip>
-            <a:srcRect/>
-            <a:stretch>
-              <a:fillRect/>
-            </a:stretch>
-          </p:blipFill>
-          <p:spPr bwMode="auto">
-            <a:xfrm>
-              <a:off x="1239999" y="4953000"/>
-              <a:ext cx="1676400" cy="1271534"/>
-            </a:xfrm>
-            <a:prstGeom prst="rect">
-              <a:avLst/>
-            </a:prstGeom>
-            <a:noFill/>
-            <a:extLst>
-              <a:ext uri="{909E8E84-426E-40DD-AFC4-6F175D3DCCD1}">
-                <a14:hiddenFill xmlns:a14="http://schemas.microsoft.com/office/drawing/2010/main">
-                  <a:solidFill>
-                    <a:srgbClr val="FFFFFF"/>
-                  </a:solidFill>
-                </a14:hiddenFill>
-              </a:ext>
-            </a:extLst>
-          </p:spPr>
-        </p:pic>
-        <p:sp>
-          <p:nvSpPr>
-            <p:cNvPr id="18" name="TextBox 17"/>
-            <p:cNvSpPr txBox="1"/>
-            <p:nvPr/>
-          </p:nvSpPr>
-          <p:spPr>
-            <a:xfrm>
-              <a:off x="2590800" y="5357934"/>
-              <a:ext cx="4648200" cy="461665"/>
-            </a:xfrm>
-            <a:prstGeom prst="rect">
-              <a:avLst/>
-            </a:prstGeom>
-            <a:noFill/>
-          </p:spPr>
-          <p:txBody>
-            <a:bodyPr wrap="square" rtlCol="0">
-              <a:spAutoFit/>
-            </a:bodyPr>
-            <a:lstStyle/>
-            <a:p>
-              <a:r>
-                <a:rPr lang="en-US" sz="2400" dirty="0" smtClean="0"/>
-                <a:t>Inertial Measurement Unit (IMU)</a:t>
-              </a:r>
-              <a:endParaRPr lang="en-US" sz="2400" dirty="0"/>
-            </a:p>
-          </p:txBody>
-        </p:sp>
-      </p:grpSp>
+          </a:ln>
+          <a:effectLst/>
+          <a:extLst>
+            <a:ext uri="{909E8E84-426E-40DD-AFC4-6F175D3DCCD1}">
+              <a14:hiddenFill xmlns:a14="http://schemas.microsoft.com/office/drawing/2010/main">
+                <a:solidFill>
+                  <a:schemeClr val="accent1"/>
+                </a:solidFill>
+              </a14:hiddenFill>
+            </a:ext>
+            <a:ext uri="{91240B29-F687-4F45-9708-019B960494DF}">
+              <a14:hiddenLine xmlns:a14="http://schemas.microsoft.com/office/drawing/2010/main" w="9525">
+                <a:solidFill>
+                  <a:schemeClr val="tx1"/>
+                </a:solidFill>
+                <a:miter lim="800000"/>
+                <a:headEnd/>
+                <a:tailEnd/>
+              </a14:hiddenLine>
+            </a:ext>
+            <a:ext uri="{AF507438-7753-43E0-B8FC-AC1667EBCBE1}">
+              <a14:hiddenEffects xmlns:a14="http://schemas.microsoft.com/office/drawing/2010/main">
+                <a:effectLst>
+                  <a:outerShdw dist="35921" dir="2700000" algn="ctr" rotWithShape="0">
+                    <a:schemeClr val="bg2"/>
+                  </a:outerShdw>
+                </a:effectLst>
+              </a14:hiddenEffects>
+            </a:ext>
+          </a:extLst>
+        </p:spPr>
+      </p:pic>
     </p:spTree>
     <p:extLst>
       <p:ext uri="{BB962C8B-B14F-4D97-AF65-F5344CB8AC3E}">
-        <p14:creationId xmlns:p14="http://schemas.microsoft.com/office/powerpoint/2010/main" val="2527321053"/>
+        <p14:creationId xmlns:p14="http://schemas.microsoft.com/office/powerpoint/2010/main" val="1459955699"/>
       </p:ext>
     </p:extLst>
   </p:cSld>
@@ -23767,210 +24686,7 @@
   <p:timing>
     <p:tnLst>
       <p:par>
-        <p:cTn id="1" dur="indefinite" restart="never" nodeType="tmRoot">
-          <p:childTnLst>
-            <p:seq concurrent="1" nextAc="seek">
-              <p:cTn id="2" dur="indefinite" nodeType="mainSeq">
-                <p:childTnLst>
-                  <p:par>
-                    <p:cTn id="3" fill="hold">
-                      <p:stCondLst>
-                        <p:cond delay="indefinite"/>
-                      </p:stCondLst>
-                      <p:childTnLst>
-                        <p:par>
-                          <p:cTn id="4" fill="hold">
-                            <p:stCondLst>
-                              <p:cond delay="0"/>
-                            </p:stCondLst>
-                            <p:childTnLst>
-                              <p:par>
-                                <p:cTn id="5" presetID="1" presetClass="entr" presetSubtype="0" fill="hold" nodeType="clickEffect">
-                                  <p:stCondLst>
-                                    <p:cond delay="0"/>
-                                  </p:stCondLst>
-                                  <p:childTnLst>
-                                    <p:set>
-                                      <p:cBhvr>
-                                        <p:cTn id="6" dur="1" fill="hold">
-                                          <p:stCondLst>
-                                            <p:cond delay="0"/>
-                                          </p:stCondLst>
-                                        </p:cTn>
-                                        <p:tgtEl>
-                                          <p:spTgt spid="3"/>
-                                        </p:tgtEl>
-                                        <p:attrNameLst>
-                                          <p:attrName>style.visibility</p:attrName>
-                                        </p:attrNameLst>
-                                      </p:cBhvr>
-                                      <p:to>
-                                        <p:strVal val="visible"/>
-                                      </p:to>
-                                    </p:set>
-                                  </p:childTnLst>
-                                </p:cTn>
-                              </p:par>
-                            </p:childTnLst>
-                          </p:cTn>
-                        </p:par>
-                      </p:childTnLst>
-                    </p:cTn>
-                  </p:par>
-                  <p:par>
-                    <p:cTn id="7" fill="hold">
-                      <p:stCondLst>
-                        <p:cond delay="indefinite"/>
-                      </p:stCondLst>
-                      <p:childTnLst>
-                        <p:par>
-                          <p:cTn id="8" fill="hold">
-                            <p:stCondLst>
-                              <p:cond delay="0"/>
-                            </p:stCondLst>
-                            <p:childTnLst>
-                              <p:par>
-                                <p:cTn id="9" presetID="1" presetClass="entr" presetSubtype="0" fill="hold" nodeType="clickEffect">
-                                  <p:stCondLst>
-                                    <p:cond delay="0"/>
-                                  </p:stCondLst>
-                                  <p:childTnLst>
-                                    <p:set>
-                                      <p:cBhvr>
-                                        <p:cTn id="10" dur="1" fill="hold">
-                                          <p:stCondLst>
-                                            <p:cond delay="0"/>
-                                          </p:stCondLst>
-                                        </p:cTn>
-                                        <p:tgtEl>
-                                          <p:spTgt spid="7"/>
-                                        </p:tgtEl>
-                                        <p:attrNameLst>
-                                          <p:attrName>style.visibility</p:attrName>
-                                        </p:attrNameLst>
-                                      </p:cBhvr>
-                                      <p:to>
-                                        <p:strVal val="visible"/>
-                                      </p:to>
-                                    </p:set>
-                                  </p:childTnLst>
-                                </p:cTn>
-                              </p:par>
-                            </p:childTnLst>
-                          </p:cTn>
-                        </p:par>
-                      </p:childTnLst>
-                    </p:cTn>
-                  </p:par>
-                  <p:par>
-                    <p:cTn id="11" fill="hold">
-                      <p:stCondLst>
-                        <p:cond delay="indefinite"/>
-                      </p:stCondLst>
-                      <p:childTnLst>
-                        <p:par>
-                          <p:cTn id="12" fill="hold">
-                            <p:stCondLst>
-                              <p:cond delay="0"/>
-                            </p:stCondLst>
-                            <p:childTnLst>
-                              <p:par>
-                                <p:cTn id="13" presetID="1" presetClass="entr" presetSubtype="0" fill="hold" nodeType="clickEffect">
-                                  <p:stCondLst>
-                                    <p:cond delay="0"/>
-                                  </p:stCondLst>
-                                  <p:childTnLst>
-                                    <p:set>
-                                      <p:cBhvr>
-                                        <p:cTn id="14" dur="1" fill="hold">
-                                          <p:stCondLst>
-                                            <p:cond delay="0"/>
-                                          </p:stCondLst>
-                                        </p:cTn>
-                                        <p:tgtEl>
-                                          <p:spTgt spid="15"/>
-                                        </p:tgtEl>
-                                        <p:attrNameLst>
-                                          <p:attrName>style.visibility</p:attrName>
-                                        </p:attrNameLst>
-                                      </p:cBhvr>
-                                      <p:to>
-                                        <p:strVal val="visible"/>
-                                      </p:to>
-                                    </p:set>
-                                  </p:childTnLst>
-                                </p:cTn>
-                              </p:par>
-                            </p:childTnLst>
-                          </p:cTn>
-                        </p:par>
-                      </p:childTnLst>
-                    </p:cTn>
-                  </p:par>
-                  <p:par>
-                    <p:cTn id="15" fill="hold">
-                      <p:stCondLst>
-                        <p:cond delay="indefinite"/>
-                      </p:stCondLst>
-                      <p:childTnLst>
-                        <p:par>
-                          <p:cTn id="16" fill="hold">
-                            <p:stCondLst>
-                              <p:cond delay="0"/>
-                            </p:stCondLst>
-                            <p:childTnLst>
-                              <p:par>
-                                <p:cTn id="17" presetID="1" presetClass="entr" presetSubtype="0" fill="hold" nodeType="clickEffect">
-                                  <p:stCondLst>
-                                    <p:cond delay="0"/>
-                                  </p:stCondLst>
-                                  <p:childTnLst>
-                                    <p:set>
-                                      <p:cBhvr>
-                                        <p:cTn id="18" dur="1" fill="hold">
-                                          <p:stCondLst>
-                                            <p:cond delay="0"/>
-                                          </p:stCondLst>
-                                        </p:cTn>
-                                        <p:tgtEl>
-                                          <p:spTgt spid="19"/>
-                                        </p:tgtEl>
-                                        <p:attrNameLst>
-                                          <p:attrName>style.visibility</p:attrName>
-                                        </p:attrNameLst>
-                                      </p:cBhvr>
-                                      <p:to>
-                                        <p:strVal val="visible"/>
-                                      </p:to>
-                                    </p:set>
-                                  </p:childTnLst>
-                                </p:cTn>
-                              </p:par>
-                            </p:childTnLst>
-                          </p:cTn>
-                        </p:par>
-                      </p:childTnLst>
-                    </p:cTn>
-                  </p:par>
-                </p:childTnLst>
-              </p:cTn>
-              <p:prevCondLst>
-                <p:cond evt="onPrev" delay="0">
-                  <p:tgtEl>
-                    <p:sldTgt/>
-                  </p:tgtEl>
-                </p:cond>
-              </p:prevCondLst>
-              <p:nextCondLst>
-                <p:cond evt="onNext" delay="0">
-                  <p:tgtEl>
-                    <p:sldTgt/>
-                  </p:tgtEl>
-                </p:cond>
-              </p:nextCondLst>
-            </p:seq>
-          </p:childTnLst>
-        </p:cTn>
+        <p:cTn id="1" dur="indefinite" restart="never" nodeType="tmRoot"/>
       </p:par>
     </p:tnLst>
   </p:timing>

--- a/Documentation/Design Reviews/Design Review 1.pptx
+++ b/Documentation/Design Reviews/Design Review 1.pptx
@@ -5,7 +5,7 @@
     <p:sldMasterId id="2147483684" r:id="rId1"/>
   </p:sldMasterIdLst>
   <p:notesMasterIdLst>
-    <p:notesMasterId r:id="rId24"/>
+    <p:notesMasterId r:id="rId25"/>
   </p:notesMasterIdLst>
   <p:sldIdLst>
     <p:sldId id="256" r:id="rId2"/>
@@ -18,18 +18,19 @@
     <p:sldId id="274" r:id="rId9"/>
     <p:sldId id="275" r:id="rId10"/>
     <p:sldId id="269" r:id="rId11"/>
-    <p:sldId id="270" r:id="rId12"/>
-    <p:sldId id="267" r:id="rId13"/>
-    <p:sldId id="263" r:id="rId14"/>
-    <p:sldId id="276" r:id="rId15"/>
-    <p:sldId id="277" r:id="rId16"/>
-    <p:sldId id="281" r:id="rId17"/>
-    <p:sldId id="284" r:id="rId18"/>
-    <p:sldId id="272" r:id="rId19"/>
-    <p:sldId id="285" r:id="rId20"/>
-    <p:sldId id="271" r:id="rId21"/>
-    <p:sldId id="265" r:id="rId22"/>
-    <p:sldId id="282" r:id="rId23"/>
+    <p:sldId id="286" r:id="rId12"/>
+    <p:sldId id="270" r:id="rId13"/>
+    <p:sldId id="267" r:id="rId14"/>
+    <p:sldId id="263" r:id="rId15"/>
+    <p:sldId id="276" r:id="rId16"/>
+    <p:sldId id="277" r:id="rId17"/>
+    <p:sldId id="281" r:id="rId18"/>
+    <p:sldId id="284" r:id="rId19"/>
+    <p:sldId id="272" r:id="rId20"/>
+    <p:sldId id="285" r:id="rId21"/>
+    <p:sldId id="271" r:id="rId22"/>
+    <p:sldId id="265" r:id="rId23"/>
+    <p:sldId id="282" r:id="rId24"/>
   </p:sldIdLst>
   <p:sldSz cx="9144000" cy="6858000" type="screen4x3"/>
   <p:notesSz cx="6858000" cy="9144000"/>
@@ -1669,30 +1670,30 @@
     </dgm:pt>
   </dgm:ptLst>
   <dgm:cxnLst>
+    <dgm:cxn modelId="{86581E74-C593-4A2D-BD5E-CE1BC5CC7E25}" srcId="{20BE8E71-F497-468A-8BCF-867CD172525E}" destId="{8F9A3036-4F59-4DA9-BC69-9C65CC5FF756}" srcOrd="2" destOrd="0" parTransId="{2CAD2807-D227-4017-ADAE-4A618EC18CA1}" sibTransId="{37768D46-5764-48A9-B061-92B3238D2032}"/>
+    <dgm:cxn modelId="{26F7855D-5015-4F58-ADC8-48ABC6F68CC6}" type="presOf" srcId="{CDB2F97C-D222-4B7B-AD17-9B1FCACAE65F}" destId="{946220FF-E030-4205-92BF-46A67B7F2879}" srcOrd="0" destOrd="0" presId="urn:microsoft.com/office/officeart/2008/layout/RadialCluster"/>
     <dgm:cxn modelId="{3315D23B-2CFF-4564-8C5B-949FBD8DF287}" type="presOf" srcId="{4C1B39BF-F010-4321-A742-3FBC32925276}" destId="{47177BF1-5F2D-48EF-8497-21FE3FD9FE79}" srcOrd="0" destOrd="0" presId="urn:microsoft.com/office/officeart/2008/layout/RadialCluster"/>
+    <dgm:cxn modelId="{6A2E968B-2B00-4302-9A51-BA269571DA50}" type="presOf" srcId="{8E16C110-46DD-418E-B68B-41176C7363CB}" destId="{0B933785-8F10-4908-A031-95865622E3A9}" srcOrd="0" destOrd="0" presId="urn:microsoft.com/office/officeart/2008/layout/RadialCluster"/>
+    <dgm:cxn modelId="{0BB6BE93-6D07-4673-BD6D-65D3ADF9CEC3}" type="presOf" srcId="{2F4CBA2C-CAAA-42CF-B78F-87DEEF1B277A}" destId="{F3FFE5E4-1BC0-4B54-81AE-AA579CAF2653}" srcOrd="0" destOrd="0" presId="urn:microsoft.com/office/officeart/2008/layout/RadialCluster"/>
+    <dgm:cxn modelId="{A3229B7A-98F5-4A02-B1BC-20C1B2FD93E3}" srcId="{20BE8E71-F497-468A-8BCF-867CD172525E}" destId="{CDB2F97C-D222-4B7B-AD17-9B1FCACAE65F}" srcOrd="5" destOrd="0" parTransId="{6D930E7D-F4CB-4AC6-8B6C-E671E00D2CDA}" sibTransId="{3DB89215-6E3B-42AE-A1CB-3027719161AB}"/>
+    <dgm:cxn modelId="{CBD0D219-0D1F-4AD5-9833-EB8FF4BB68DE}" type="presOf" srcId="{A582B7BA-4838-4A95-B337-9DB7268116E5}" destId="{6A9A5629-B80C-4D13-8A9A-8E0030CA29C6}" srcOrd="0" destOrd="0" presId="urn:microsoft.com/office/officeart/2008/layout/RadialCluster"/>
     <dgm:cxn modelId="{93F051FE-4DAD-4282-B99F-B0F7FF420B95}" srcId="{20BE8E71-F497-468A-8BCF-867CD172525E}" destId="{73692DD7-5A4E-48BB-B470-C5A4DA4EC749}" srcOrd="4" destOrd="0" parTransId="{8E16C110-46DD-418E-B68B-41176C7363CB}" sibTransId="{F993AD63-E991-4E38-8297-04B334507A7E}"/>
+    <dgm:cxn modelId="{F93764F6-6CF4-486A-B088-61AFCBE74DDC}" type="presOf" srcId="{4231E3A6-8236-41B8-8CD9-63D77671A4C8}" destId="{FB5C7847-0F50-42C0-A98F-6F92FFC53D0B}" srcOrd="0" destOrd="0" presId="urn:microsoft.com/office/officeart/2008/layout/RadialCluster"/>
+    <dgm:cxn modelId="{8C68F102-B0A2-4886-87E1-F9FB7D1B138B}" srcId="{20BE8E71-F497-468A-8BCF-867CD172525E}" destId="{BD98ED33-66DC-415F-9A6F-2546BAAF3B3D}" srcOrd="1" destOrd="0" parTransId="{14D5249F-26A5-4564-AB2D-600D54F71173}" sibTransId="{33D01D21-955E-4F24-A18E-4041C0D6DE2B}"/>
     <dgm:cxn modelId="{9801DC9E-87CA-482B-BEFD-C61AA9E8153B}" type="presOf" srcId="{8F9A3036-4F59-4DA9-BC69-9C65CC5FF756}" destId="{4F1D4343-F068-4E09-A4D6-84538D008E3A}" srcOrd="0" destOrd="0" presId="urn:microsoft.com/office/officeart/2008/layout/RadialCluster"/>
+    <dgm:cxn modelId="{592CB8F0-757C-454F-820C-9ECAD0BA8C6C}" type="presOf" srcId="{23159B30-BD23-4DDD-8C73-F4E0AA557D76}" destId="{52F0F047-BCCC-42EF-9CAE-76E3CB0C88BA}" srcOrd="0" destOrd="0" presId="urn:microsoft.com/office/officeart/2008/layout/RadialCluster"/>
     <dgm:cxn modelId="{C2859883-5757-46E9-8E4F-5E8DE07FE54E}" srcId="{20BE8E71-F497-468A-8BCF-867CD172525E}" destId="{4C1B39BF-F010-4321-A742-3FBC32925276}" srcOrd="6" destOrd="0" parTransId="{4231E3A6-8236-41B8-8CD9-63D77671A4C8}" sibTransId="{5200D3A7-3CAD-44FB-B8C1-9407EA7D36E6}"/>
+    <dgm:cxn modelId="{122508DC-A576-4A03-83E4-985FEF1A8B82}" srcId="{20BE8E71-F497-468A-8BCF-867CD172525E}" destId="{A582B7BA-4838-4A95-B337-9DB7268116E5}" srcOrd="3" destOrd="0" parTransId="{36786B02-748A-4748-B2D4-5874F7413149}" sibTransId="{4C297DF1-AEBE-4A83-A484-A60056753F8A}"/>
+    <dgm:cxn modelId="{C5384FD1-877F-4593-8247-FA395F924F75}" type="presOf" srcId="{14D5249F-26A5-4564-AB2D-600D54F71173}" destId="{B84AF4A8-3947-45EA-8993-17FEB967E4E7}" srcOrd="0" destOrd="0" presId="urn:microsoft.com/office/officeart/2008/layout/RadialCluster"/>
     <dgm:cxn modelId="{37D790B7-A6B2-486C-AC56-3F127FDFC93D}" type="presOf" srcId="{2CAD2807-D227-4017-ADAE-4A618EC18CA1}" destId="{3C9F8E07-2750-4F18-8439-C39435BC2A48}" srcOrd="0" destOrd="0" presId="urn:microsoft.com/office/officeart/2008/layout/RadialCluster"/>
-    <dgm:cxn modelId="{CBD0D219-0D1F-4AD5-9833-EB8FF4BB68DE}" type="presOf" srcId="{A582B7BA-4838-4A95-B337-9DB7268116E5}" destId="{6A9A5629-B80C-4D13-8A9A-8E0030CA29C6}" srcOrd="0" destOrd="0" presId="urn:microsoft.com/office/officeart/2008/layout/RadialCluster"/>
     <dgm:cxn modelId="{84A1FB9D-2A24-4CE0-84DB-F1DA371028CC}" srcId="{2F4CBA2C-CAAA-42CF-B78F-87DEEF1B277A}" destId="{20BE8E71-F497-468A-8BCF-867CD172525E}" srcOrd="0" destOrd="0" parTransId="{10E7CD52-C70D-4B0D-BA73-39E7D6E0C441}" sibTransId="{C709E9FE-A76B-44F6-BBD4-8043D15198BD}"/>
-    <dgm:cxn modelId="{A3229B7A-98F5-4A02-B1BC-20C1B2FD93E3}" srcId="{20BE8E71-F497-468A-8BCF-867CD172525E}" destId="{CDB2F97C-D222-4B7B-AD17-9B1FCACAE65F}" srcOrd="5" destOrd="0" parTransId="{6D930E7D-F4CB-4AC6-8B6C-E671E00D2CDA}" sibTransId="{3DB89215-6E3B-42AE-A1CB-3027719161AB}"/>
+    <dgm:cxn modelId="{CB4208AA-8711-4B6B-B368-C5B8083D375F}" type="presOf" srcId="{6D930E7D-F4CB-4AC6-8B6C-E671E00D2CDA}" destId="{B5E74FB8-825C-4828-9A1C-A241752DC65C}" srcOrd="0" destOrd="0" presId="urn:microsoft.com/office/officeart/2008/layout/RadialCluster"/>
+    <dgm:cxn modelId="{0E26857C-86C4-4BCD-9F66-26E63A1CA80C}" type="presOf" srcId="{BD98ED33-66DC-415F-9A6F-2546BAAF3B3D}" destId="{323636B3-28E9-4D84-9B24-4CA99FA81ACE}" srcOrd="0" destOrd="0" presId="urn:microsoft.com/office/officeart/2008/layout/RadialCluster"/>
+    <dgm:cxn modelId="{61CD37EC-E091-4684-BA08-16DEF43099BB}" type="presOf" srcId="{7EA5189C-8A82-4E31-B8DE-1A2F0B8D4C54}" destId="{C2CB6F57-0576-413F-A293-A0E78B21B9F8}" srcOrd="0" destOrd="0" presId="urn:microsoft.com/office/officeart/2008/layout/RadialCluster"/>
+    <dgm:cxn modelId="{985F22C7-0E7D-42A9-953C-A246EBC99718}" srcId="{20BE8E71-F497-468A-8BCF-867CD172525E}" destId="{23159B30-BD23-4DDD-8C73-F4E0AA557D76}" srcOrd="0" destOrd="0" parTransId="{7EA5189C-8A82-4E31-B8DE-1A2F0B8D4C54}" sibTransId="{F4542481-DB3E-488C-ACCA-3E4EB5875099}"/>
+    <dgm:cxn modelId="{137A4AF1-06F5-4D8A-8F96-21F19B99C142}" type="presOf" srcId="{73692DD7-5A4E-48BB-B470-C5A4DA4EC749}" destId="{42C18C40-B4AA-446C-B562-40C2969136A5}" srcOrd="0" destOrd="0" presId="urn:microsoft.com/office/officeart/2008/layout/RadialCluster"/>
     <dgm:cxn modelId="{687A8EDA-2547-4B66-A2DF-5F77F1D17C87}" type="presOf" srcId="{20BE8E71-F497-468A-8BCF-867CD172525E}" destId="{EA7B28CB-2911-4779-869A-AEC78C5F1671}" srcOrd="0" destOrd="0" presId="urn:microsoft.com/office/officeart/2008/layout/RadialCluster"/>
-    <dgm:cxn modelId="{0BB6BE93-6D07-4673-BD6D-65D3ADF9CEC3}" type="presOf" srcId="{2F4CBA2C-CAAA-42CF-B78F-87DEEF1B277A}" destId="{F3FFE5E4-1BC0-4B54-81AE-AA579CAF2653}" srcOrd="0" destOrd="0" presId="urn:microsoft.com/office/officeart/2008/layout/RadialCluster"/>
-    <dgm:cxn modelId="{8C68F102-B0A2-4886-87E1-F9FB7D1B138B}" srcId="{20BE8E71-F497-468A-8BCF-867CD172525E}" destId="{BD98ED33-66DC-415F-9A6F-2546BAAF3B3D}" srcOrd="1" destOrd="0" parTransId="{14D5249F-26A5-4564-AB2D-600D54F71173}" sibTransId="{33D01D21-955E-4F24-A18E-4041C0D6DE2B}"/>
-    <dgm:cxn modelId="{86581E74-C593-4A2D-BD5E-CE1BC5CC7E25}" srcId="{20BE8E71-F497-468A-8BCF-867CD172525E}" destId="{8F9A3036-4F59-4DA9-BC69-9C65CC5FF756}" srcOrd="2" destOrd="0" parTransId="{2CAD2807-D227-4017-ADAE-4A618EC18CA1}" sibTransId="{37768D46-5764-48A9-B061-92B3238D2032}"/>
-    <dgm:cxn modelId="{592CB8F0-757C-454F-820C-9ECAD0BA8C6C}" type="presOf" srcId="{23159B30-BD23-4DDD-8C73-F4E0AA557D76}" destId="{52F0F047-BCCC-42EF-9CAE-76E3CB0C88BA}" srcOrd="0" destOrd="0" presId="urn:microsoft.com/office/officeart/2008/layout/RadialCluster"/>
-    <dgm:cxn modelId="{985F22C7-0E7D-42A9-953C-A246EBC99718}" srcId="{20BE8E71-F497-468A-8BCF-867CD172525E}" destId="{23159B30-BD23-4DDD-8C73-F4E0AA557D76}" srcOrd="0" destOrd="0" parTransId="{7EA5189C-8A82-4E31-B8DE-1A2F0B8D4C54}" sibTransId="{F4542481-DB3E-488C-ACCA-3E4EB5875099}"/>
-    <dgm:cxn modelId="{0E26857C-86C4-4BCD-9F66-26E63A1CA80C}" type="presOf" srcId="{BD98ED33-66DC-415F-9A6F-2546BAAF3B3D}" destId="{323636B3-28E9-4D84-9B24-4CA99FA81ACE}" srcOrd="0" destOrd="0" presId="urn:microsoft.com/office/officeart/2008/layout/RadialCluster"/>
     <dgm:cxn modelId="{9AA18266-4943-45ED-A460-D5F91AC5B52E}" type="presOf" srcId="{36786B02-748A-4748-B2D4-5874F7413149}" destId="{F3A44B51-B4D8-4EB5-89F7-4849638C9113}" srcOrd="0" destOrd="0" presId="urn:microsoft.com/office/officeart/2008/layout/RadialCluster"/>
-    <dgm:cxn modelId="{C5384FD1-877F-4593-8247-FA395F924F75}" type="presOf" srcId="{14D5249F-26A5-4564-AB2D-600D54F71173}" destId="{B84AF4A8-3947-45EA-8993-17FEB967E4E7}" srcOrd="0" destOrd="0" presId="urn:microsoft.com/office/officeart/2008/layout/RadialCluster"/>
-    <dgm:cxn modelId="{6A2E968B-2B00-4302-9A51-BA269571DA50}" type="presOf" srcId="{8E16C110-46DD-418E-B68B-41176C7363CB}" destId="{0B933785-8F10-4908-A031-95865622E3A9}" srcOrd="0" destOrd="0" presId="urn:microsoft.com/office/officeart/2008/layout/RadialCluster"/>
-    <dgm:cxn modelId="{122508DC-A576-4A03-83E4-985FEF1A8B82}" srcId="{20BE8E71-F497-468A-8BCF-867CD172525E}" destId="{A582B7BA-4838-4A95-B337-9DB7268116E5}" srcOrd="3" destOrd="0" parTransId="{36786B02-748A-4748-B2D4-5874F7413149}" sibTransId="{4C297DF1-AEBE-4A83-A484-A60056753F8A}"/>
-    <dgm:cxn modelId="{F93764F6-6CF4-486A-B088-61AFCBE74DDC}" type="presOf" srcId="{4231E3A6-8236-41B8-8CD9-63D77671A4C8}" destId="{FB5C7847-0F50-42C0-A98F-6F92FFC53D0B}" srcOrd="0" destOrd="0" presId="urn:microsoft.com/office/officeart/2008/layout/RadialCluster"/>
-    <dgm:cxn modelId="{26F7855D-5015-4F58-ADC8-48ABC6F68CC6}" type="presOf" srcId="{CDB2F97C-D222-4B7B-AD17-9B1FCACAE65F}" destId="{946220FF-E030-4205-92BF-46A67B7F2879}" srcOrd="0" destOrd="0" presId="urn:microsoft.com/office/officeart/2008/layout/RadialCluster"/>
-    <dgm:cxn modelId="{CB4208AA-8711-4B6B-B368-C5B8083D375F}" type="presOf" srcId="{6D930E7D-F4CB-4AC6-8B6C-E671E00D2CDA}" destId="{B5E74FB8-825C-4828-9A1C-A241752DC65C}" srcOrd="0" destOrd="0" presId="urn:microsoft.com/office/officeart/2008/layout/RadialCluster"/>
-    <dgm:cxn modelId="{61CD37EC-E091-4684-BA08-16DEF43099BB}" type="presOf" srcId="{7EA5189C-8A82-4E31-B8DE-1A2F0B8D4C54}" destId="{C2CB6F57-0576-413F-A293-A0E78B21B9F8}" srcOrd="0" destOrd="0" presId="urn:microsoft.com/office/officeart/2008/layout/RadialCluster"/>
-    <dgm:cxn modelId="{137A4AF1-06F5-4D8A-8F96-21F19B99C142}" type="presOf" srcId="{73692DD7-5A4E-48BB-B470-C5A4DA4EC749}" destId="{42C18C40-B4AA-446C-B562-40C2969136A5}" srcOrd="0" destOrd="0" presId="urn:microsoft.com/office/officeart/2008/layout/RadialCluster"/>
     <dgm:cxn modelId="{BFFCAA7A-7A50-4032-9C89-D6620E9AD265}" type="presParOf" srcId="{F3FFE5E4-1BC0-4B54-81AE-AA579CAF2653}" destId="{B22068D3-DDED-4F7A-869F-113F94CC087D}" srcOrd="0" destOrd="0" presId="urn:microsoft.com/office/officeart/2008/layout/RadialCluster"/>
     <dgm:cxn modelId="{22E76D57-FA4B-4090-8D7B-637F59289991}" type="presParOf" srcId="{B22068D3-DDED-4F7A-869F-113F94CC087D}" destId="{EA7B28CB-2911-4779-869A-AEC78C5F1671}" srcOrd="0" destOrd="0" presId="urn:microsoft.com/office/officeart/2008/layout/RadialCluster"/>
     <dgm:cxn modelId="{C4FCDBE5-0DDD-44F7-B65C-D908399031A9}" type="presParOf" srcId="{B22068D3-DDED-4F7A-869F-113F94CC087D}" destId="{C2CB6F57-0576-413F-A293-A0E78B21B9F8}" srcOrd="1" destOrd="0" presId="urn:microsoft.com/office/officeart/2008/layout/RadialCluster"/>
@@ -7432,6 +7433,23 @@
           <a:bodyPr/>
           <a:lstStyle/>
           <a:p>
+            <a:pPr marL="0" marR="0" indent="0" algn="l" defTabSz="914400" rtl="0" eaLnBrk="1" fontAlgn="auto" latinLnBrk="0" hangingPunct="1">
+              <a:lnSpc>
+                <a:spcPct val="100000"/>
+              </a:lnSpc>
+              <a:spcBef>
+                <a:spcPts val="0"/>
+              </a:spcBef>
+              <a:spcAft>
+                <a:spcPts val="0"/>
+              </a:spcAft>
+              <a:buClrTx/>
+              <a:buSzTx/>
+              <a:buFontTx/>
+              <a:buNone/>
+              <a:tabLst/>
+              <a:defRPr/>
+            </a:pPr>
             <a:r>
               <a:rPr lang="en-US" dirty="0" smtClean="0"/>
               <a:t>Spencer</a:t>
@@ -7466,7 +7484,7 @@
     </p:spTree>
     <p:extLst>
       <p:ext uri="{BB962C8B-B14F-4D97-AF65-F5344CB8AC3E}">
-        <p14:creationId xmlns:p14="http://schemas.microsoft.com/office/powerpoint/2010/main" val="2076808703"/>
+        <p14:creationId xmlns:p14="http://schemas.microsoft.com/office/powerpoint/2010/main" val="62533980"/>
       </p:ext>
     </p:extLst>
   </p:cSld>
@@ -7520,74 +7538,9 @@
           <a:bodyPr/>
           <a:lstStyle/>
           <a:p>
-            <a:pPr marL="0" marR="0" indent="0" algn="l" defTabSz="914400" rtl="0" eaLnBrk="1" fontAlgn="auto" latinLnBrk="0" hangingPunct="1">
-              <a:lnSpc>
-                <a:spcPct val="100000"/>
-              </a:lnSpc>
-              <a:spcBef>
-                <a:spcPts val="0"/>
-              </a:spcBef>
-              <a:spcAft>
-                <a:spcPts val="0"/>
-              </a:spcAft>
-              <a:buClrTx/>
-              <a:buSzTx/>
-              <a:buFontTx/>
-              <a:buNone/>
-              <a:tabLst/>
-              <a:defRPr/>
-            </a:pPr>
             <a:r>
               <a:rPr lang="en-US" dirty="0" smtClean="0"/>
               <a:t>Spencer</a:t>
-            </a:r>
-            <a:endParaRPr lang="en-US" dirty="0" smtClean="0"/>
-          </a:p>
-          <a:p>
-            <a:pPr marL="0" marR="0" indent="0" algn="l" defTabSz="914400" rtl="0" eaLnBrk="1" fontAlgn="auto" latinLnBrk="0" hangingPunct="1">
-              <a:lnSpc>
-                <a:spcPct val="100000"/>
-              </a:lnSpc>
-              <a:spcBef>
-                <a:spcPts val="0"/>
-              </a:spcBef>
-              <a:spcAft>
-                <a:spcPts val="0"/>
-              </a:spcAft>
-              <a:buClrTx/>
-              <a:buSzTx/>
-              <a:buFontTx/>
-              <a:buNone/>
-              <a:tabLst/>
-              <a:defRPr/>
-            </a:pPr>
-            <a:endParaRPr lang="en-US" dirty="0" smtClean="0"/>
-          </a:p>
-          <a:p>
-            <a:pPr marL="0" marR="0" indent="0" algn="l" defTabSz="914400" rtl="0" eaLnBrk="1" fontAlgn="auto" latinLnBrk="0" hangingPunct="1">
-              <a:lnSpc>
-                <a:spcPct val="100000"/>
-              </a:lnSpc>
-              <a:spcBef>
-                <a:spcPts val="0"/>
-              </a:spcBef>
-              <a:spcAft>
-                <a:spcPts val="0"/>
-              </a:spcAft>
-              <a:buClrTx/>
-              <a:buSzTx/>
-              <a:buFontTx/>
-              <a:buNone/>
-              <a:tabLst/>
-              <a:defRPr/>
-            </a:pPr>
-            <a:r>
-              <a:rPr lang="en-US" dirty="0" smtClean="0"/>
-              <a:t>Once</a:t>
-            </a:r>
-            <a:r>
-              <a:rPr lang="en-US" baseline="0" dirty="0" smtClean="0"/>
-              <a:t> we have all of the electrical components, we will build</a:t>
             </a:r>
             <a:endParaRPr lang="en-US" dirty="0"/>
           </a:p>
@@ -7619,7 +7572,7 @@
     </p:spTree>
     <p:extLst>
       <p:ext uri="{BB962C8B-B14F-4D97-AF65-F5344CB8AC3E}">
-        <p14:creationId xmlns:p14="http://schemas.microsoft.com/office/powerpoint/2010/main" val="62533980"/>
+        <p14:creationId xmlns:p14="http://schemas.microsoft.com/office/powerpoint/2010/main" val="2076808703"/>
       </p:ext>
     </p:extLst>
   </p:cSld>
@@ -7673,9 +7626,73 @@
           <a:bodyPr/>
           <a:lstStyle/>
           <a:p>
+            <a:pPr marL="0" marR="0" indent="0" algn="l" defTabSz="914400" rtl="0" eaLnBrk="1" fontAlgn="auto" latinLnBrk="0" hangingPunct="1">
+              <a:lnSpc>
+                <a:spcPct val="100000"/>
+              </a:lnSpc>
+              <a:spcBef>
+                <a:spcPts val="0"/>
+              </a:spcBef>
+              <a:spcAft>
+                <a:spcPts val="0"/>
+              </a:spcAft>
+              <a:buClrTx/>
+              <a:buSzTx/>
+              <a:buFontTx/>
+              <a:buNone/>
+              <a:tabLst/>
+              <a:defRPr/>
+            </a:pPr>
             <a:r>
               <a:rPr lang="en-US" dirty="0" smtClean="0"/>
-              <a:t>Ander</a:t>
+              <a:t>Spencer</a:t>
+            </a:r>
+          </a:p>
+          <a:p>
+            <a:pPr marL="0" marR="0" indent="0" algn="l" defTabSz="914400" rtl="0" eaLnBrk="1" fontAlgn="auto" latinLnBrk="0" hangingPunct="1">
+              <a:lnSpc>
+                <a:spcPct val="100000"/>
+              </a:lnSpc>
+              <a:spcBef>
+                <a:spcPts val="0"/>
+              </a:spcBef>
+              <a:spcAft>
+                <a:spcPts val="0"/>
+              </a:spcAft>
+              <a:buClrTx/>
+              <a:buSzTx/>
+              <a:buFontTx/>
+              <a:buNone/>
+              <a:tabLst/>
+              <a:defRPr/>
+            </a:pPr>
+            <a:endParaRPr lang="en-US" dirty="0" smtClean="0"/>
+          </a:p>
+          <a:p>
+            <a:pPr marL="0" marR="0" indent="0" algn="l" defTabSz="914400" rtl="0" eaLnBrk="1" fontAlgn="auto" latinLnBrk="0" hangingPunct="1">
+              <a:lnSpc>
+                <a:spcPct val="100000"/>
+              </a:lnSpc>
+              <a:spcBef>
+                <a:spcPts val="0"/>
+              </a:spcBef>
+              <a:spcAft>
+                <a:spcPts val="0"/>
+              </a:spcAft>
+              <a:buClrTx/>
+              <a:buSzTx/>
+              <a:buFontTx/>
+              <a:buNone/>
+              <a:tabLst/>
+              <a:defRPr/>
+            </a:pPr>
+            <a:r>
+              <a:rPr lang="en-US" dirty="0" smtClean="0"/>
+              <a:t>Once</a:t>
+            </a:r>
+            <a:r>
+              <a:rPr lang="en-US" baseline="0" dirty="0" smtClean="0"/>
+              <a:t> we have all of the electrical components, we will build</a:t>
             </a:r>
             <a:endParaRPr lang="en-US" dirty="0"/>
           </a:p>
@@ -7707,7 +7724,7 @@
     </p:spTree>
     <p:extLst>
       <p:ext uri="{BB962C8B-B14F-4D97-AF65-F5344CB8AC3E}">
-        <p14:creationId xmlns:p14="http://schemas.microsoft.com/office/powerpoint/2010/main" val="2552622162"/>
+        <p14:creationId xmlns:p14="http://schemas.microsoft.com/office/powerpoint/2010/main" val="62533980"/>
       </p:ext>
     </p:extLst>
   </p:cSld>
@@ -7795,7 +7812,7 @@
     </p:spTree>
     <p:extLst>
       <p:ext uri="{BB962C8B-B14F-4D97-AF65-F5344CB8AC3E}">
-        <p14:creationId xmlns:p14="http://schemas.microsoft.com/office/powerpoint/2010/main" val="1285917308"/>
+        <p14:creationId xmlns:p14="http://schemas.microsoft.com/office/powerpoint/2010/main" val="2552622162"/>
       </p:ext>
     </p:extLst>
   </p:cSld>
@@ -7883,7 +7900,7 @@
     </p:spTree>
     <p:extLst>
       <p:ext uri="{BB962C8B-B14F-4D97-AF65-F5344CB8AC3E}">
-        <p14:creationId xmlns:p14="http://schemas.microsoft.com/office/powerpoint/2010/main" val="852002391"/>
+        <p14:creationId xmlns:p14="http://schemas.microsoft.com/office/powerpoint/2010/main" val="1285917308"/>
       </p:ext>
     </p:extLst>
   </p:cSld>
@@ -7971,7 +7988,7 @@
     </p:spTree>
     <p:extLst>
       <p:ext uri="{BB962C8B-B14F-4D97-AF65-F5344CB8AC3E}">
-        <p14:creationId xmlns:p14="http://schemas.microsoft.com/office/powerpoint/2010/main" val="577387193"/>
+        <p14:creationId xmlns:p14="http://schemas.microsoft.com/office/powerpoint/2010/main" val="852002391"/>
       </p:ext>
     </p:extLst>
   </p:cSld>
@@ -8027,78 +8044,9 @@
           <a:p>
             <a:r>
               <a:rPr lang="en-US" dirty="0" smtClean="0"/>
-              <a:t>Ruffin</a:t>
-            </a:r>
-          </a:p>
-          <a:p>
-            <a:r>
-              <a:rPr lang="en-US" sz="1200" kern="1200" dirty="0" smtClean="0">
-                <a:solidFill>
-                  <a:schemeClr val="tx1"/>
-                </a:solidFill>
-                <a:effectLst/>
-                <a:latin typeface="+mn-lt"/>
-                <a:ea typeface="+mn-ea"/>
-                <a:cs typeface="+mn-cs"/>
-              </a:rPr>
-              <a:t>Includes 3 moving joints, all motorized</a:t>
-            </a:r>
-          </a:p>
-          <a:p>
-            <a:r>
-              <a:rPr lang="en-US" sz="1200" kern="1200" dirty="0" smtClean="0">
-                <a:solidFill>
-                  <a:schemeClr val="tx1"/>
-                </a:solidFill>
-                <a:effectLst/>
-                <a:latin typeface="+mn-lt"/>
-                <a:ea typeface="+mn-ea"/>
-                <a:cs typeface="+mn-cs"/>
-              </a:rPr>
-              <a:t> </a:t>
-            </a:r>
-          </a:p>
-          <a:p>
-            <a:r>
-              <a:rPr lang="en-US" sz="1200" kern="1200" dirty="0" smtClean="0">
-                <a:solidFill>
-                  <a:schemeClr val="tx1"/>
-                </a:solidFill>
-                <a:effectLst/>
-                <a:latin typeface="+mn-lt"/>
-                <a:ea typeface="+mn-ea"/>
-                <a:cs typeface="+mn-cs"/>
-              </a:rPr>
-              <a:t>Balanced Placement of components</a:t>
-            </a:r>
-          </a:p>
-          <a:p>
-            <a:r>
-              <a:rPr lang="en-US" sz="1200" kern="1200" dirty="0" smtClean="0">
-                <a:solidFill>
-                  <a:schemeClr val="tx1"/>
-                </a:solidFill>
-                <a:effectLst/>
-                <a:latin typeface="+mn-lt"/>
-                <a:ea typeface="+mn-ea"/>
-                <a:cs typeface="+mn-cs"/>
-              </a:rPr>
-              <a:t>High degree of symmetry</a:t>
-            </a:r>
-          </a:p>
-          <a:p>
-            <a:r>
-              <a:rPr lang="en-US" sz="1200" kern="1200" dirty="0" smtClean="0">
-                <a:solidFill>
-                  <a:schemeClr val="tx1"/>
-                </a:solidFill>
-                <a:effectLst/>
-                <a:latin typeface="+mn-lt"/>
-                <a:ea typeface="+mn-ea"/>
-                <a:cs typeface="+mn-cs"/>
-              </a:rPr>
-              <a:t>Center of gravity in the middle</a:t>
-            </a:r>
+              <a:t>Ander</a:t>
+            </a:r>
+            <a:endParaRPr lang="en-US" dirty="0"/>
           </a:p>
         </p:txBody>
       </p:sp>
@@ -8128,7 +8076,7 @@
     </p:spTree>
     <p:extLst>
       <p:ext uri="{BB962C8B-B14F-4D97-AF65-F5344CB8AC3E}">
-        <p14:creationId xmlns:p14="http://schemas.microsoft.com/office/powerpoint/2010/main" val="3810573085"/>
+        <p14:creationId xmlns:p14="http://schemas.microsoft.com/office/powerpoint/2010/main" val="577387193"/>
       </p:ext>
     </p:extLst>
   </p:cSld>
@@ -8198,35 +8146,7 @@
                 <a:ea typeface="+mn-ea"/>
                 <a:cs typeface="+mn-cs"/>
               </a:rPr>
-              <a:t>Robot is displaced by an external force</a:t>
-            </a:r>
-          </a:p>
-          <a:p>
-            <a:r>
-              <a:rPr lang="en-US" sz="1200" kern="1200" dirty="0" smtClean="0">
-                <a:solidFill>
-                  <a:schemeClr val="tx1"/>
-                </a:solidFill>
-                <a:effectLst/>
-                <a:latin typeface="+mn-lt"/>
-                <a:ea typeface="+mn-ea"/>
-                <a:cs typeface="+mn-cs"/>
-              </a:rPr>
-              <a:t>Robot tilts off in the Y direction</a:t>
-            </a:r>
-          </a:p>
-          <a:p>
-            <a:r>
-              <a:rPr lang="en-US" sz="1200" kern="1200" dirty="0" smtClean="0">
-                <a:solidFill>
-                  <a:schemeClr val="tx1"/>
-                </a:solidFill>
-                <a:effectLst/>
-                <a:latin typeface="+mn-lt"/>
-                <a:ea typeface="+mn-ea"/>
-                <a:cs typeface="+mn-cs"/>
-              </a:rPr>
-              <a:t>IMU reads this displacement of side to side motion</a:t>
+              <a:t>Includes 3 moving joints, all motorized</a:t>
             </a:r>
           </a:p>
           <a:p>
@@ -8254,20 +8174,10 @@
                 <a:ea typeface="+mn-ea"/>
                 <a:cs typeface="+mn-cs"/>
               </a:rPr>
-              <a:t>1</a:t>
-            </a:r>
-            <a:r>
-              <a:rPr lang="en-US" sz="1200" kern="1200" baseline="30000" dirty="0" smtClean="0">
-                <a:solidFill>
-                  <a:schemeClr val="tx1"/>
-                </a:solidFill>
-                <a:effectLst/>
-                <a:latin typeface="+mn-lt"/>
-                <a:ea typeface="+mn-ea"/>
-                <a:cs typeface="+mn-cs"/>
-              </a:rPr>
-              <a:t>st</a:t>
-            </a:r>
+              <a:t>Balanced Placement of components</a:t>
+            </a:r>
+          </a:p>
+          <a:p>
             <a:r>
               <a:rPr lang="en-US" sz="1200" kern="1200" dirty="0" smtClean="0">
                 <a:solidFill>
@@ -8278,7 +8188,7 @@
                 <a:ea typeface="+mn-ea"/>
                 <a:cs typeface="+mn-cs"/>
               </a:rPr>
-              <a:t> system control</a:t>
+              <a:t>High degree of symmetry</a:t>
             </a:r>
           </a:p>
           <a:p>
@@ -8292,129 +8202,7 @@
                 <a:ea typeface="+mn-ea"/>
                 <a:cs typeface="+mn-cs"/>
               </a:rPr>
-              <a:t>Torsion motor turns the gyro clockwise</a:t>
-            </a:r>
-          </a:p>
-          <a:p>
-            <a:r>
-              <a:rPr lang="en-US" sz="1200" kern="1200" dirty="0" smtClean="0">
-                <a:solidFill>
-                  <a:schemeClr val="tx1"/>
-                </a:solidFill>
-                <a:effectLst/>
-                <a:latin typeface="+mn-lt"/>
-                <a:ea typeface="+mn-ea"/>
-                <a:cs typeface="+mn-cs"/>
-              </a:rPr>
-              <a:t>This torques the bottom frame counter clockwise</a:t>
-            </a:r>
-          </a:p>
-          <a:p>
-            <a:r>
-              <a:rPr lang="en-US" sz="1200" kern="1200" dirty="0" smtClean="0">
-                <a:solidFill>
-                  <a:schemeClr val="tx1"/>
-                </a:solidFill>
-                <a:effectLst/>
-                <a:latin typeface="+mn-lt"/>
-                <a:ea typeface="+mn-ea"/>
-                <a:cs typeface="+mn-cs"/>
-              </a:rPr>
-              <a:t>This continues until the IMU is displaced only in the forward and backward frame</a:t>
-            </a:r>
-          </a:p>
-          <a:p>
-            <a:r>
-              <a:rPr lang="en-US" sz="1200" kern="1200" dirty="0" smtClean="0">
-                <a:solidFill>
-                  <a:schemeClr val="tx1"/>
-                </a:solidFill>
-                <a:effectLst/>
-                <a:latin typeface="+mn-lt"/>
-                <a:ea typeface="+mn-ea"/>
-                <a:cs typeface="+mn-cs"/>
-              </a:rPr>
-              <a:t> </a:t>
-            </a:r>
-          </a:p>
-          <a:p>
-            <a:r>
-              <a:rPr lang="en-US" sz="1200" kern="1200" dirty="0" smtClean="0">
-                <a:solidFill>
-                  <a:schemeClr val="tx1"/>
-                </a:solidFill>
-                <a:effectLst/>
-                <a:latin typeface="+mn-lt"/>
-                <a:ea typeface="+mn-ea"/>
-                <a:cs typeface="+mn-cs"/>
-              </a:rPr>
-              <a:t>2</a:t>
-            </a:r>
-            <a:r>
-              <a:rPr lang="en-US" sz="1200" kern="1200" baseline="30000" dirty="0" smtClean="0">
-                <a:solidFill>
-                  <a:schemeClr val="tx1"/>
-                </a:solidFill>
-                <a:effectLst/>
-                <a:latin typeface="+mn-lt"/>
-                <a:ea typeface="+mn-ea"/>
-                <a:cs typeface="+mn-cs"/>
-              </a:rPr>
-              <a:t>nd</a:t>
-            </a:r>
-            <a:r>
-              <a:rPr lang="en-US" sz="1200" kern="1200" dirty="0" smtClean="0">
-                <a:solidFill>
-                  <a:schemeClr val="tx1"/>
-                </a:solidFill>
-                <a:effectLst/>
-                <a:latin typeface="+mn-lt"/>
-                <a:ea typeface="+mn-ea"/>
-                <a:cs typeface="+mn-cs"/>
-              </a:rPr>
-              <a:t> system control</a:t>
-            </a:r>
-          </a:p>
-          <a:p>
-            <a:r>
-              <a:rPr lang="en-US" sz="1200" kern="1200" dirty="0" smtClean="0">
-                <a:solidFill>
-                  <a:schemeClr val="tx1"/>
-                </a:solidFill>
-                <a:effectLst/>
-                <a:latin typeface="+mn-lt"/>
-                <a:ea typeface="+mn-ea"/>
-                <a:cs typeface="+mn-cs"/>
-              </a:rPr>
-              <a:t>Then once the robot has resumed a single plane of displacement </a:t>
-            </a:r>
-          </a:p>
-          <a:p>
-            <a:r>
-              <a:rPr lang="en-US" sz="1200" kern="1200" dirty="0" smtClean="0">
-                <a:solidFill>
-                  <a:schemeClr val="tx1"/>
-                </a:solidFill>
-                <a:effectLst/>
-                <a:latin typeface="+mn-lt"/>
-                <a:ea typeface="+mn-ea"/>
-                <a:cs typeface="+mn-cs"/>
-              </a:rPr>
-              <a:t>parallel with the drive wheel</a:t>
-            </a:r>
-          </a:p>
-          <a:p>
-            <a:r>
-              <a:rPr lang="en-US" sz="1200" kern="1200" dirty="0" smtClean="0">
-                <a:solidFill>
-                  <a:schemeClr val="tx1"/>
-                </a:solidFill>
-                <a:effectLst/>
-                <a:latin typeface="+mn-lt"/>
-                <a:ea typeface="+mn-ea"/>
-                <a:cs typeface="+mn-cs"/>
-              </a:rPr>
-              <a:t>the system acts an inverted pendulum and proceeds to balance forward and backward</a:t>
+              <a:t>Center of gravity in the middle</a:t>
             </a:r>
           </a:p>
         </p:txBody>
@@ -8445,7 +8233,7 @@
     </p:spTree>
     <p:extLst>
       <p:ext uri="{BB962C8B-B14F-4D97-AF65-F5344CB8AC3E}">
-        <p14:creationId xmlns:p14="http://schemas.microsoft.com/office/powerpoint/2010/main" val="1148962634"/>
+        <p14:creationId xmlns:p14="http://schemas.microsoft.com/office/powerpoint/2010/main" val="3810573085"/>
       </p:ext>
     </p:extLst>
   </p:cSld>
@@ -8515,7 +8303,223 @@
                 <a:ea typeface="+mn-ea"/>
                 <a:cs typeface="+mn-cs"/>
               </a:rPr>
-              <a:t>Basic part placement</a:t>
+              <a:t>Robot is displaced by an external force</a:t>
+            </a:r>
+          </a:p>
+          <a:p>
+            <a:r>
+              <a:rPr lang="en-US" sz="1200" kern="1200" dirty="0" smtClean="0">
+                <a:solidFill>
+                  <a:schemeClr val="tx1"/>
+                </a:solidFill>
+                <a:effectLst/>
+                <a:latin typeface="+mn-lt"/>
+                <a:ea typeface="+mn-ea"/>
+                <a:cs typeface="+mn-cs"/>
+              </a:rPr>
+              <a:t>Robot tilts off in the Y direction</a:t>
+            </a:r>
+          </a:p>
+          <a:p>
+            <a:r>
+              <a:rPr lang="en-US" sz="1200" kern="1200" dirty="0" smtClean="0">
+                <a:solidFill>
+                  <a:schemeClr val="tx1"/>
+                </a:solidFill>
+                <a:effectLst/>
+                <a:latin typeface="+mn-lt"/>
+                <a:ea typeface="+mn-ea"/>
+                <a:cs typeface="+mn-cs"/>
+              </a:rPr>
+              <a:t>IMU reads this displacement of side to side motion</a:t>
+            </a:r>
+          </a:p>
+          <a:p>
+            <a:r>
+              <a:rPr lang="en-US" sz="1200" kern="1200" dirty="0" smtClean="0">
+                <a:solidFill>
+                  <a:schemeClr val="tx1"/>
+                </a:solidFill>
+                <a:effectLst/>
+                <a:latin typeface="+mn-lt"/>
+                <a:ea typeface="+mn-ea"/>
+                <a:cs typeface="+mn-cs"/>
+              </a:rPr>
+              <a:t> </a:t>
+            </a:r>
+          </a:p>
+          <a:p>
+            <a:r>
+              <a:rPr lang="en-US" sz="1200" kern="1200" dirty="0" smtClean="0">
+                <a:solidFill>
+                  <a:schemeClr val="tx1"/>
+                </a:solidFill>
+                <a:effectLst/>
+                <a:latin typeface="+mn-lt"/>
+                <a:ea typeface="+mn-ea"/>
+                <a:cs typeface="+mn-cs"/>
+              </a:rPr>
+              <a:t>1</a:t>
+            </a:r>
+            <a:r>
+              <a:rPr lang="en-US" sz="1200" kern="1200" baseline="30000" dirty="0" smtClean="0">
+                <a:solidFill>
+                  <a:schemeClr val="tx1"/>
+                </a:solidFill>
+                <a:effectLst/>
+                <a:latin typeface="+mn-lt"/>
+                <a:ea typeface="+mn-ea"/>
+                <a:cs typeface="+mn-cs"/>
+              </a:rPr>
+              <a:t>st</a:t>
+            </a:r>
+            <a:r>
+              <a:rPr lang="en-US" sz="1200" kern="1200" dirty="0" smtClean="0">
+                <a:solidFill>
+                  <a:schemeClr val="tx1"/>
+                </a:solidFill>
+                <a:effectLst/>
+                <a:latin typeface="+mn-lt"/>
+                <a:ea typeface="+mn-ea"/>
+                <a:cs typeface="+mn-cs"/>
+              </a:rPr>
+              <a:t> system control</a:t>
+            </a:r>
+          </a:p>
+          <a:p>
+            <a:r>
+              <a:rPr lang="en-US" sz="1200" kern="1200" dirty="0" smtClean="0">
+                <a:solidFill>
+                  <a:schemeClr val="tx1"/>
+                </a:solidFill>
+                <a:effectLst/>
+                <a:latin typeface="+mn-lt"/>
+                <a:ea typeface="+mn-ea"/>
+                <a:cs typeface="+mn-cs"/>
+              </a:rPr>
+              <a:t>Torsion motor turns the gyro clockwise</a:t>
+            </a:r>
+          </a:p>
+          <a:p>
+            <a:r>
+              <a:rPr lang="en-US" sz="1200" kern="1200" dirty="0" smtClean="0">
+                <a:solidFill>
+                  <a:schemeClr val="tx1"/>
+                </a:solidFill>
+                <a:effectLst/>
+                <a:latin typeface="+mn-lt"/>
+                <a:ea typeface="+mn-ea"/>
+                <a:cs typeface="+mn-cs"/>
+              </a:rPr>
+              <a:t>This torques the bottom frame counter clockwise</a:t>
+            </a:r>
+          </a:p>
+          <a:p>
+            <a:r>
+              <a:rPr lang="en-US" sz="1200" kern="1200" dirty="0" smtClean="0">
+                <a:solidFill>
+                  <a:schemeClr val="tx1"/>
+                </a:solidFill>
+                <a:effectLst/>
+                <a:latin typeface="+mn-lt"/>
+                <a:ea typeface="+mn-ea"/>
+                <a:cs typeface="+mn-cs"/>
+              </a:rPr>
+              <a:t>This continues until the IMU is displaced only in the forward and backward frame</a:t>
+            </a:r>
+          </a:p>
+          <a:p>
+            <a:r>
+              <a:rPr lang="en-US" sz="1200" kern="1200" dirty="0" smtClean="0">
+                <a:solidFill>
+                  <a:schemeClr val="tx1"/>
+                </a:solidFill>
+                <a:effectLst/>
+                <a:latin typeface="+mn-lt"/>
+                <a:ea typeface="+mn-ea"/>
+                <a:cs typeface="+mn-cs"/>
+              </a:rPr>
+              <a:t> </a:t>
+            </a:r>
+          </a:p>
+          <a:p>
+            <a:r>
+              <a:rPr lang="en-US" sz="1200" kern="1200" dirty="0" smtClean="0">
+                <a:solidFill>
+                  <a:schemeClr val="tx1"/>
+                </a:solidFill>
+                <a:effectLst/>
+                <a:latin typeface="+mn-lt"/>
+                <a:ea typeface="+mn-ea"/>
+                <a:cs typeface="+mn-cs"/>
+              </a:rPr>
+              <a:t>2</a:t>
+            </a:r>
+            <a:r>
+              <a:rPr lang="en-US" sz="1200" kern="1200" baseline="30000" dirty="0" smtClean="0">
+                <a:solidFill>
+                  <a:schemeClr val="tx1"/>
+                </a:solidFill>
+                <a:effectLst/>
+                <a:latin typeface="+mn-lt"/>
+                <a:ea typeface="+mn-ea"/>
+                <a:cs typeface="+mn-cs"/>
+              </a:rPr>
+              <a:t>nd</a:t>
+            </a:r>
+            <a:r>
+              <a:rPr lang="en-US" sz="1200" kern="1200" dirty="0" smtClean="0">
+                <a:solidFill>
+                  <a:schemeClr val="tx1"/>
+                </a:solidFill>
+                <a:effectLst/>
+                <a:latin typeface="+mn-lt"/>
+                <a:ea typeface="+mn-ea"/>
+                <a:cs typeface="+mn-cs"/>
+              </a:rPr>
+              <a:t> system control</a:t>
+            </a:r>
+          </a:p>
+          <a:p>
+            <a:r>
+              <a:rPr lang="en-US" sz="1200" kern="1200" dirty="0" smtClean="0">
+                <a:solidFill>
+                  <a:schemeClr val="tx1"/>
+                </a:solidFill>
+                <a:effectLst/>
+                <a:latin typeface="+mn-lt"/>
+                <a:ea typeface="+mn-ea"/>
+                <a:cs typeface="+mn-cs"/>
+              </a:rPr>
+              <a:t>Then once the robot has resumed a single plane of displacement </a:t>
+            </a:r>
+          </a:p>
+          <a:p>
+            <a:r>
+              <a:rPr lang="en-US" sz="1200" kern="1200" dirty="0" smtClean="0">
+                <a:solidFill>
+                  <a:schemeClr val="tx1"/>
+                </a:solidFill>
+                <a:effectLst/>
+                <a:latin typeface="+mn-lt"/>
+                <a:ea typeface="+mn-ea"/>
+                <a:cs typeface="+mn-cs"/>
+              </a:rPr>
+              <a:t>parallel with the drive wheel</a:t>
+            </a:r>
+          </a:p>
+          <a:p>
+            <a:r>
+              <a:rPr lang="en-US" sz="1200" kern="1200" dirty="0" smtClean="0">
+                <a:solidFill>
+                  <a:schemeClr val="tx1"/>
+                </a:solidFill>
+                <a:effectLst/>
+                <a:latin typeface="+mn-lt"/>
+                <a:ea typeface="+mn-ea"/>
+                <a:cs typeface="+mn-cs"/>
+              </a:rPr>
+              <a:t>the system acts an inverted pendulum and proceeds to balance forward and backward</a:t>
             </a:r>
           </a:p>
         </p:txBody>
@@ -8546,7 +8550,7 @@
     </p:spTree>
     <p:extLst>
       <p:ext uri="{BB962C8B-B14F-4D97-AF65-F5344CB8AC3E}">
-        <p14:creationId xmlns:p14="http://schemas.microsoft.com/office/powerpoint/2010/main" val="680175825"/>
+        <p14:creationId xmlns:p14="http://schemas.microsoft.com/office/powerpoint/2010/main" val="1148962634"/>
       </p:ext>
     </p:extLst>
   </p:cSld>
@@ -8872,29 +8876,8 @@
               <a:rPr lang="en-US" dirty="0" smtClean="0"/>
               <a:t>Ruffin</a:t>
             </a:r>
-            <a:endParaRPr lang="en-US" sz="1200" kern="1200" dirty="0" smtClean="0">
-              <a:solidFill>
-                <a:schemeClr val="tx1"/>
-              </a:solidFill>
-              <a:effectLst/>
-              <a:latin typeface="+mn-lt"/>
-              <a:ea typeface="+mn-ea"/>
-              <a:cs typeface="+mn-cs"/>
-            </a:endParaRPr>
-          </a:p>
-          <a:p>
-            <a:r>
-              <a:rPr lang="en-US" sz="1200" kern="1200" dirty="0" err="1" smtClean="0">
-                <a:solidFill>
-                  <a:schemeClr val="tx1"/>
-                </a:solidFill>
-                <a:effectLst/>
-                <a:latin typeface="+mn-lt"/>
-                <a:ea typeface="+mn-ea"/>
-                <a:cs typeface="+mn-cs"/>
-              </a:rPr>
-              <a:t>Labview</a:t>
-            </a:r>
+          </a:p>
+          <a:p>
             <a:r>
               <a:rPr lang="en-US" sz="1200" kern="1200" dirty="0" smtClean="0">
                 <a:solidFill>
@@ -8905,39 +8888,8 @@
                 <a:ea typeface="+mn-ea"/>
                 <a:cs typeface="+mn-cs"/>
               </a:rPr>
-              <a:t> Robotics Simulation Builder</a:t>
-            </a:r>
-          </a:p>
-          <a:p>
-            <a:r>
-              <a:rPr lang="en-US" sz="1200" kern="1200" dirty="0" smtClean="0">
-                <a:solidFill>
-                  <a:schemeClr val="tx1"/>
-                </a:solidFill>
-                <a:effectLst/>
-                <a:latin typeface="+mn-lt"/>
-                <a:ea typeface="+mn-ea"/>
-                <a:cs typeface="+mn-cs"/>
-              </a:rPr>
-              <a:t>With actuator and sensors</a:t>
-            </a:r>
-          </a:p>
-          <a:p>
-            <a:r>
-              <a:rPr lang="en-US" sz="1200" kern="1200" dirty="0" smtClean="0">
-                <a:solidFill>
-                  <a:schemeClr val="tx1"/>
-                </a:solidFill>
-                <a:effectLst/>
-                <a:latin typeface="+mn-lt"/>
-                <a:ea typeface="+mn-ea"/>
-                <a:cs typeface="+mn-cs"/>
-              </a:rPr>
-              <a:t>Build levels of complexity</a:t>
-            </a:r>
-          </a:p>
-          <a:p>
-            <a:endParaRPr lang="en-US" dirty="0"/>
+              <a:t>Basic part placement</a:t>
+            </a:r>
           </a:p>
         </p:txBody>
       </p:sp>
@@ -8967,7 +8919,7 @@
     </p:spTree>
     <p:extLst>
       <p:ext uri="{BB962C8B-B14F-4D97-AF65-F5344CB8AC3E}">
-        <p14:creationId xmlns:p14="http://schemas.microsoft.com/office/powerpoint/2010/main" val="1980168297"/>
+        <p14:creationId xmlns:p14="http://schemas.microsoft.com/office/powerpoint/2010/main" val="680175825"/>
       </p:ext>
     </p:extLst>
   </p:cSld>
@@ -9023,8 +8975,73 @@
           <a:p>
             <a:r>
               <a:rPr lang="en-US" dirty="0" smtClean="0"/>
-              <a:t>Kevin</a:t>
-            </a:r>
+              <a:t>Ruffin</a:t>
+            </a:r>
+            <a:endParaRPr lang="en-US" sz="1200" kern="1200" dirty="0" smtClean="0">
+              <a:solidFill>
+                <a:schemeClr val="tx1"/>
+              </a:solidFill>
+              <a:effectLst/>
+              <a:latin typeface="+mn-lt"/>
+              <a:ea typeface="+mn-ea"/>
+              <a:cs typeface="+mn-cs"/>
+            </a:endParaRPr>
+          </a:p>
+          <a:p>
+            <a:r>
+              <a:rPr lang="en-US" sz="1200" kern="1200" dirty="0" err="1" smtClean="0">
+                <a:solidFill>
+                  <a:schemeClr val="tx1"/>
+                </a:solidFill>
+                <a:effectLst/>
+                <a:latin typeface="+mn-lt"/>
+                <a:ea typeface="+mn-ea"/>
+                <a:cs typeface="+mn-cs"/>
+              </a:rPr>
+              <a:t>Labview</a:t>
+            </a:r>
+            <a:r>
+              <a:rPr lang="en-US" sz="1200" kern="1200" dirty="0" smtClean="0">
+                <a:solidFill>
+                  <a:schemeClr val="tx1"/>
+                </a:solidFill>
+                <a:effectLst/>
+                <a:latin typeface="+mn-lt"/>
+                <a:ea typeface="+mn-ea"/>
+                <a:cs typeface="+mn-cs"/>
+              </a:rPr>
+              <a:t> Robotics Simulation Builder</a:t>
+            </a:r>
+          </a:p>
+          <a:p>
+            <a:r>
+              <a:rPr lang="en-US" sz="1200" kern="1200" dirty="0" smtClean="0">
+                <a:solidFill>
+                  <a:schemeClr val="tx1"/>
+                </a:solidFill>
+                <a:effectLst/>
+                <a:latin typeface="+mn-lt"/>
+                <a:ea typeface="+mn-ea"/>
+                <a:cs typeface="+mn-cs"/>
+              </a:rPr>
+              <a:t>With actuator and sensors</a:t>
+            </a:r>
+          </a:p>
+          <a:p>
+            <a:r>
+              <a:rPr lang="en-US" sz="1200" kern="1200" dirty="0" smtClean="0">
+                <a:solidFill>
+                  <a:schemeClr val="tx1"/>
+                </a:solidFill>
+                <a:effectLst/>
+                <a:latin typeface="+mn-lt"/>
+                <a:ea typeface="+mn-ea"/>
+                <a:cs typeface="+mn-cs"/>
+              </a:rPr>
+              <a:t>Build levels of complexity</a:t>
+            </a:r>
+          </a:p>
+          <a:p>
             <a:endParaRPr lang="en-US" dirty="0"/>
           </a:p>
         </p:txBody>
@@ -9055,7 +9072,7 @@
     </p:spTree>
     <p:extLst>
       <p:ext uri="{BB962C8B-B14F-4D97-AF65-F5344CB8AC3E}">
-        <p14:creationId xmlns:p14="http://schemas.microsoft.com/office/powerpoint/2010/main" val="2943447801"/>
+        <p14:creationId xmlns:p14="http://schemas.microsoft.com/office/powerpoint/2010/main" val="1980168297"/>
       </p:ext>
     </p:extLst>
   </p:cSld>
@@ -9111,19 +9128,7 @@
           <a:p>
             <a:r>
               <a:rPr lang="en-US" dirty="0" smtClean="0"/>
-              <a:t>Add a legend/number</a:t>
-            </a:r>
-            <a:r>
-              <a:rPr lang="en-US" baseline="0" dirty="0" smtClean="0"/>
-              <a:t> representation for all </a:t>
-            </a:r>
-            <a:r>
-              <a:rPr lang="en-US" baseline="0" dirty="0" err="1" smtClean="0"/>
-              <a:t>compenents</a:t>
-            </a:r>
-            <a:r>
-              <a:rPr lang="en-US" baseline="0" dirty="0" smtClean="0"/>
-              <a:t>!</a:t>
+              <a:t>Kevin</a:t>
             </a:r>
             <a:endParaRPr lang="en-US" dirty="0"/>
           </a:p>
@@ -9144,9 +9149,109 @@
           <a:bodyPr/>
           <a:lstStyle/>
           <a:p>
+            <a:fld id="{774118CE-2326-4E90-83DF-11ED7A461FE5}" type="slidenum">
+              <a:rPr lang="en-US" smtClean="0"/>
+              <a:t>22</a:t>
+            </a:fld>
+            <a:endParaRPr lang="en-US"/>
+          </a:p>
+        </p:txBody>
+      </p:sp>
+    </p:spTree>
+    <p:extLst>
+      <p:ext uri="{BB962C8B-B14F-4D97-AF65-F5344CB8AC3E}">
+        <p14:creationId xmlns:p14="http://schemas.microsoft.com/office/powerpoint/2010/main" val="2943447801"/>
+      </p:ext>
+    </p:extLst>
+  </p:cSld>
+  <p:clrMapOvr>
+    <a:masterClrMapping/>
+  </p:clrMapOvr>
+</p:notes>
+</file>
+
+<file path=ppt/notesSlides/notesSlide23.xml><?xml version="1.0" encoding="utf-8"?>
+<p:notes xmlns:a="http://schemas.openxmlformats.org/drawingml/2006/main" xmlns:r="http://schemas.openxmlformats.org/officeDocument/2006/relationships" xmlns:p="http://schemas.openxmlformats.org/presentationml/2006/main">
+  <p:cSld>
+    <p:spTree>
+      <p:nvGrpSpPr>
+        <p:cNvPr id="1" name=""/>
+        <p:cNvGrpSpPr/>
+        <p:nvPr/>
+      </p:nvGrpSpPr>
+      <p:grpSpPr>
+        <a:xfrm>
+          <a:off x="0" y="0"/>
+          <a:ext cx="0" cy="0"/>
+          <a:chOff x="0" y="0"/>
+          <a:chExt cx="0" cy="0"/>
+        </a:xfrm>
+      </p:grpSpPr>
+      <p:sp>
+        <p:nvSpPr>
+          <p:cNvPr id="2" name="Slide Image Placeholder 1"/>
+          <p:cNvSpPr>
+            <a:spLocks noGrp="1" noRot="1" noChangeAspect="1"/>
+          </p:cNvSpPr>
+          <p:nvPr>
+            <p:ph type="sldImg"/>
+          </p:nvPr>
+        </p:nvSpPr>
+        <p:spPr/>
+      </p:sp>
+      <p:sp>
+        <p:nvSpPr>
+          <p:cNvPr id="3" name="Notes Placeholder 2"/>
+          <p:cNvSpPr>
+            <a:spLocks noGrp="1"/>
+          </p:cNvSpPr>
+          <p:nvPr>
+            <p:ph type="body" idx="1"/>
+          </p:nvPr>
+        </p:nvSpPr>
+        <p:spPr/>
+        <p:txBody>
+          <a:bodyPr/>
+          <a:lstStyle/>
+          <a:p>
+            <a:r>
+              <a:rPr lang="en-US" dirty="0" smtClean="0"/>
+              <a:t>Add a legend/number</a:t>
+            </a:r>
+            <a:r>
+              <a:rPr lang="en-US" baseline="0" dirty="0" smtClean="0"/>
+              <a:t> representation for all </a:t>
+            </a:r>
+            <a:r>
+              <a:rPr lang="en-US" baseline="0" dirty="0" err="1" smtClean="0"/>
+              <a:t>compenents</a:t>
+            </a:r>
+            <a:r>
+              <a:rPr lang="en-US" baseline="0" dirty="0" smtClean="0"/>
+              <a:t>!</a:t>
+            </a:r>
+            <a:endParaRPr lang="en-US" dirty="0"/>
+          </a:p>
+        </p:txBody>
+      </p:sp>
+      <p:sp>
+        <p:nvSpPr>
+          <p:cNvPr id="4" name="Slide Number Placeholder 3"/>
+          <p:cNvSpPr>
+            <a:spLocks noGrp="1"/>
+          </p:cNvSpPr>
+          <p:nvPr>
+            <p:ph type="sldNum" sz="quarter" idx="10"/>
+          </p:nvPr>
+        </p:nvSpPr>
+        <p:spPr/>
+        <p:txBody>
+          <a:bodyPr/>
+          <a:lstStyle/>
+          <a:p>
             <a:fld id="{E27D58EE-67B4-4A6A-9592-FE128C12152A}" type="slidenum">
               <a:rPr lang="en-US" smtClean="0"/>
-              <a:t>22</a:t>
+              <a:t>23</a:t>
             </a:fld>
             <a:endParaRPr lang="en-US"/>
           </a:p>
@@ -13204,11 +13309,7 @@
           <a:p>
             <a:r>
               <a:rPr lang="en-US" sz="4100" dirty="0" smtClean="0"/>
-              <a:t>Self-Balancing </a:t>
-            </a:r>
-            <a:r>
-              <a:rPr lang="en-US" sz="4100" dirty="0" smtClean="0"/>
-              <a:t>Unicycle</a:t>
+              <a:t>Self-Balancing Unicycle</a:t>
             </a:r>
             <a:endParaRPr lang="en-US" sz="4100" dirty="0"/>
           </a:p>
@@ -13483,13 +13584,6 @@
               </a:rPr>
               <a:t>Overview</a:t>
             </a:r>
-            <a:endParaRPr lang="en-US" sz="1400" dirty="0" smtClean="0">
-              <a:solidFill>
-                <a:schemeClr val="bg1">
-                  <a:lumMod val="50000"/>
-                </a:schemeClr>
-              </a:solidFill>
-            </a:endParaRPr>
           </a:p>
           <a:p>
             <a:r>
@@ -13500,17 +13594,7 @@
                   </a:schemeClr>
                 </a:solidFill>
               </a:rPr>
-              <a:t>Project </a:t>
-            </a:r>
-            <a:r>
-              <a:rPr lang="en-US" sz="1400" dirty="0" smtClean="0">
-                <a:solidFill>
-                  <a:schemeClr val="bg1">
-                    <a:lumMod val="50000"/>
-                  </a:schemeClr>
-                </a:solidFill>
-              </a:rPr>
-              <a:t>Plan</a:t>
+              <a:t>Project Plan</a:t>
             </a:r>
           </a:p>
           <a:p>
@@ -13524,6 +13608,8 @@
               </a:rPr>
               <a:t>Status</a:t>
             </a:r>
+          </a:p>
+          <a:p>
             <a:endParaRPr lang="en-US" sz="1400" dirty="0" smtClean="0">
               <a:solidFill>
                 <a:schemeClr val="bg1">
@@ -13533,15 +13619,6 @@
             </a:endParaRPr>
           </a:p>
           <a:p>
-            <a:endParaRPr lang="en-US" sz="1400" dirty="0" smtClean="0">
-              <a:solidFill>
-                <a:schemeClr val="bg1">
-                  <a:lumMod val="50000"/>
-                </a:schemeClr>
-              </a:solidFill>
-            </a:endParaRPr>
-          </a:p>
-          <a:p>
             <a:endParaRPr lang="en-US" sz="1400" dirty="0" smtClean="0"/>
           </a:p>
           <a:p>
@@ -13563,11 +13640,6 @@
               </a:rPr>
               <a:t>Controls</a:t>
             </a:r>
-            <a:endParaRPr lang="en-US" sz="1400" dirty="0" smtClean="0">
-              <a:solidFill>
-                <a:schemeClr val="bg1"/>
-              </a:solidFill>
-            </a:endParaRPr>
           </a:p>
           <a:p>
             <a:r>
@@ -13678,11 +13750,7 @@
           <a:p>
             <a:r>
               <a:rPr lang="en-US" sz="2800" dirty="0" smtClean="0"/>
-              <a:t>Determining Parts – </a:t>
-            </a:r>
-            <a:r>
-              <a:rPr lang="en-US" sz="2800" dirty="0" smtClean="0"/>
-              <a:t>Budget</a:t>
+              <a:t>Determining Parts – Budget</a:t>
             </a:r>
             <a:endParaRPr lang="en-US" sz="2800" dirty="0"/>
           </a:p>
@@ -13712,30 +13780,6 @@
           </a:graphicData>
         </a:graphic>
       </p:graphicFrame>
-      <p:graphicFrame>
-        <p:nvGraphicFramePr>
-          <p:cNvPr id="14" name="Chart 13"/>
-          <p:cNvGraphicFramePr>
-            <a:graphicFrameLocks/>
-          </p:cNvGraphicFramePr>
-          <p:nvPr>
-            <p:extLst>
-              <p:ext uri="{D42A27DB-BD31-4B8C-83A1-F6EECF244321}">
-                <p14:modId xmlns:p14="http://schemas.microsoft.com/office/powerpoint/2010/main" val="93971895"/>
-              </p:ext>
-            </p:extLst>
-          </p:nvPr>
-        </p:nvGraphicFramePr>
-        <p:xfrm>
-          <a:off x="1295400" y="1447800"/>
-          <a:ext cx="7086600" cy="4718222"/>
-        </p:xfrm>
-        <a:graphic>
-          <a:graphicData uri="http://schemas.openxmlformats.org/drawingml/2006/chart">
-            <c:chart xmlns:c="http://schemas.openxmlformats.org/drawingml/2006/chart" xmlns:r="http://schemas.openxmlformats.org/officeDocument/2006/relationships" r:id="rId5"/>
-          </a:graphicData>
-        </a:graphic>
-      </p:graphicFrame>
       <p:sp>
         <p:nvSpPr>
           <p:cNvPr id="3" name="TextBox 2"/>
@@ -13779,153 +13823,387 @@
   <p:timing>
     <p:tnLst>
       <p:par>
-        <p:cTn id="1" dur="indefinite" restart="never" nodeType="tmRoot">
-          <p:childTnLst>
-            <p:seq concurrent="1" nextAc="seek">
-              <p:cTn id="2" dur="indefinite" nodeType="mainSeq">
-                <p:childTnLst>
-                  <p:par>
-                    <p:cTn id="3" fill="hold">
-                      <p:stCondLst>
-                        <p:cond delay="indefinite"/>
-                      </p:stCondLst>
-                      <p:childTnLst>
-                        <p:par>
-                          <p:cTn id="4" fill="hold">
-                            <p:stCondLst>
-                              <p:cond delay="0"/>
-                            </p:stCondLst>
-                            <p:childTnLst>
-                              <p:par>
-                                <p:cTn id="5" presetID="1" presetClass="exit" presetSubtype="0" fill="hold" grpId="0" nodeType="clickEffect">
-                                  <p:stCondLst>
-                                    <p:cond delay="0"/>
-                                  </p:stCondLst>
-                                  <p:childTnLst>
-                                    <p:set>
-                                      <p:cBhvr>
-                                        <p:cTn id="6" dur="1" fill="hold">
-                                          <p:stCondLst>
-                                            <p:cond delay="0"/>
-                                          </p:stCondLst>
-                                        </p:cTn>
-                                        <p:tgtEl>
-                                          <p:spTgt spid="11"/>
-                                        </p:tgtEl>
-                                        <p:attrNameLst>
-                                          <p:attrName>style.visibility</p:attrName>
-                                        </p:attrNameLst>
-                                      </p:cBhvr>
-                                      <p:to>
-                                        <p:strVal val="hidden"/>
-                                      </p:to>
-                                    </p:set>
-                                  </p:childTnLst>
-                                </p:cTn>
-                              </p:par>
-                              <p:par>
-                                <p:cTn id="7" presetID="10" presetClass="entr" presetSubtype="0" fill="hold" grpId="0" nodeType="withEffect">
-                                  <p:stCondLst>
-                                    <p:cond delay="0"/>
-                                  </p:stCondLst>
-                                  <p:childTnLst>
-                                    <p:set>
-                                      <p:cBhvr>
-                                        <p:cTn id="8" dur="1" fill="hold">
-                                          <p:stCondLst>
-                                            <p:cond delay="0"/>
-                                          </p:stCondLst>
-                                        </p:cTn>
-                                        <p:tgtEl>
-                                          <p:spTgt spid="14"/>
-                                        </p:tgtEl>
-                                        <p:attrNameLst>
-                                          <p:attrName>style.visibility</p:attrName>
-                                        </p:attrNameLst>
-                                      </p:cBhvr>
-                                      <p:to>
-                                        <p:strVal val="visible"/>
-                                      </p:to>
-                                    </p:set>
-                                    <p:animEffect transition="in" filter="fade">
-                                      <p:cBhvr>
-                                        <p:cTn id="9" dur="500"/>
-                                        <p:tgtEl>
-                                          <p:spTgt spid="14"/>
-                                        </p:tgtEl>
-                                      </p:cBhvr>
-                                    </p:animEffect>
-                                  </p:childTnLst>
-                                </p:cTn>
-                              </p:par>
-                              <p:par>
-                                <p:cTn id="10" presetID="1" presetClass="exit" presetSubtype="0" fill="hold" grpId="0" nodeType="withEffect">
-                                  <p:stCondLst>
-                                    <p:cond delay="0"/>
-                                  </p:stCondLst>
-                                  <p:childTnLst>
-                                    <p:set>
-                                      <p:cBhvr>
-                                        <p:cTn id="11" dur="1" fill="hold">
-                                          <p:stCondLst>
-                                            <p:cond delay="0"/>
-                                          </p:stCondLst>
-                                        </p:cTn>
-                                        <p:tgtEl>
-                                          <p:spTgt spid="3"/>
-                                        </p:tgtEl>
-                                        <p:attrNameLst>
-                                          <p:attrName>style.visibility</p:attrName>
-                                        </p:attrNameLst>
-                                      </p:cBhvr>
-                                      <p:to>
-                                        <p:strVal val="hidden"/>
-                                      </p:to>
-                                    </p:set>
-                                  </p:childTnLst>
-                                </p:cTn>
-                              </p:par>
-                            </p:childTnLst>
-                          </p:cTn>
-                        </p:par>
-                      </p:childTnLst>
-                    </p:cTn>
-                  </p:par>
-                </p:childTnLst>
-              </p:cTn>
-              <p:prevCondLst>
-                <p:cond evt="onPrev" delay="0">
-                  <p:tgtEl>
-                    <p:sldTgt/>
-                  </p:tgtEl>
-                </p:cond>
-              </p:prevCondLst>
-              <p:nextCondLst>
-                <p:cond evt="onNext" delay="0">
-                  <p:tgtEl>
-                    <p:sldTgt/>
-                  </p:tgtEl>
-                </p:cond>
-              </p:nextCondLst>
-            </p:seq>
-          </p:childTnLst>
-        </p:cTn>
+        <p:cTn id="1" dur="indefinite" restart="never" nodeType="tmRoot"/>
       </p:par>
     </p:tnLst>
-    <p:bldLst>
-      <p:bldGraphic spid="11" grpId="0">
-        <p:bldAsOne/>
-      </p:bldGraphic>
-      <p:bldGraphic spid="14" grpId="0">
-        <p:bldAsOne/>
-      </p:bldGraphic>
-      <p:bldP spid="3" grpId="0"/>
-    </p:bldLst>
   </p:timing>
 </p:sld>
 </file>
 
 <file path=ppt/slides/slide11.xml><?xml version="1.0" encoding="utf-8"?>
+<p:sld xmlns:a="http://schemas.openxmlformats.org/drawingml/2006/main" xmlns:r="http://schemas.openxmlformats.org/officeDocument/2006/relationships" xmlns:p="http://schemas.openxmlformats.org/presentationml/2006/main">
+  <p:cSld>
+    <p:bg>
+      <p:bgPr>
+        <a:gradFill rotWithShape="1">
+          <a:gsLst>
+            <a:gs pos="0">
+              <a:schemeClr val="bg1">
+                <a:tint val="90000"/>
+              </a:schemeClr>
+            </a:gs>
+            <a:gs pos="75000">
+              <a:schemeClr val="bg1">
+                <a:shade val="100000"/>
+                <a:satMod val="115000"/>
+              </a:schemeClr>
+            </a:gs>
+            <a:gs pos="100000">
+              <a:schemeClr val="bg1">
+                <a:shade val="70000"/>
+                <a:satMod val="130000"/>
+              </a:schemeClr>
+            </a:gs>
+          </a:gsLst>
+          <a:path path="circle">
+            <a:fillToRect l="20000" t="50000" r="100000" b="50000"/>
+          </a:path>
+        </a:gradFill>
+        <a:effectLst/>
+      </p:bgPr>
+    </p:bg>
+    <p:spTree>
+      <p:nvGrpSpPr>
+        <p:cNvPr id="1" name=""/>
+        <p:cNvGrpSpPr/>
+        <p:nvPr/>
+      </p:nvGrpSpPr>
+      <p:grpSpPr>
+        <a:xfrm>
+          <a:off x="0" y="0"/>
+          <a:ext cx="0" cy="0"/>
+          <a:chOff x="0" y="0"/>
+          <a:chExt cx="0" cy="0"/>
+        </a:xfrm>
+      </p:grpSpPr>
+      <p:pic>
+        <p:nvPicPr>
+          <p:cNvPr id="8" name="Picture 7"/>
+          <p:cNvPicPr>
+            <a:picLocks noChangeAspect="1"/>
+          </p:cNvPicPr>
+          <p:nvPr/>
+        </p:nvPicPr>
+        <p:blipFill>
+          <a:blip r:embed="rId3">
+            <a:extLst>
+              <a:ext uri="{28A0092B-C50C-407E-A947-70E740481C1C}">
+                <a14:useLocalDpi xmlns:a14="http://schemas.microsoft.com/office/drawing/2010/main" val="0"/>
+              </a:ext>
+            </a:extLst>
+          </a:blip>
+          <a:stretch>
+            <a:fillRect/>
+          </a:stretch>
+        </p:blipFill>
+        <p:spPr>
+          <a:xfrm>
+            <a:off x="8572" y="0"/>
+            <a:ext cx="9126855" cy="6858000"/>
+          </a:xfrm>
+          <a:prstGeom prst="rect">
+            <a:avLst/>
+          </a:prstGeom>
+        </p:spPr>
+      </p:pic>
+      <p:sp>
+        <p:nvSpPr>
+          <p:cNvPr id="12" name="TextBox 11"/>
+          <p:cNvSpPr txBox="1"/>
+          <p:nvPr/>
+        </p:nvSpPr>
+        <p:spPr>
+          <a:xfrm>
+            <a:off x="76200" y="-76200"/>
+            <a:ext cx="5486400" cy="2246769"/>
+          </a:xfrm>
+          <a:prstGeom prst="rect">
+            <a:avLst/>
+          </a:prstGeom>
+          <a:noFill/>
+        </p:spPr>
+        <p:txBody>
+          <a:bodyPr wrap="square" rtlCol="0">
+            <a:spAutoFit/>
+          </a:bodyPr>
+          <a:lstStyle/>
+          <a:p>
+            <a:r>
+              <a:rPr lang="en-US" sz="1400" dirty="0" smtClean="0">
+                <a:solidFill>
+                  <a:schemeClr val="bg1">
+                    <a:lumMod val="50000"/>
+                  </a:schemeClr>
+                </a:solidFill>
+              </a:rPr>
+              <a:t>Overview</a:t>
+            </a:r>
+          </a:p>
+          <a:p>
+            <a:r>
+              <a:rPr lang="en-US" sz="1400" dirty="0" smtClean="0">
+                <a:solidFill>
+                  <a:schemeClr val="bg1">
+                    <a:lumMod val="50000"/>
+                  </a:schemeClr>
+                </a:solidFill>
+              </a:rPr>
+              <a:t>Project Plan</a:t>
+            </a:r>
+          </a:p>
+          <a:p>
+            <a:r>
+              <a:rPr lang="en-US" sz="1400" dirty="0" smtClean="0">
+                <a:solidFill>
+                  <a:schemeClr val="bg1">
+                    <a:lumMod val="50000"/>
+                  </a:schemeClr>
+                </a:solidFill>
+              </a:rPr>
+              <a:t>Status</a:t>
+            </a:r>
+          </a:p>
+          <a:p>
+            <a:endParaRPr lang="en-US" sz="1400" dirty="0" smtClean="0">
+              <a:solidFill>
+                <a:schemeClr val="bg1">
+                  <a:lumMod val="50000"/>
+                </a:schemeClr>
+              </a:solidFill>
+            </a:endParaRPr>
+          </a:p>
+          <a:p>
+            <a:endParaRPr lang="en-US" sz="1400" dirty="0" smtClean="0"/>
+          </a:p>
+          <a:p>
+            <a:endParaRPr lang="en-US" sz="1400" dirty="0"/>
+          </a:p>
+          <a:p>
+            <a:endParaRPr lang="en-US" sz="1400" dirty="0" smtClean="0">
+              <a:solidFill>
+                <a:schemeClr val="bg1"/>
+              </a:solidFill>
+            </a:endParaRPr>
+          </a:p>
+          <a:p>
+            <a:r>
+              <a:rPr lang="en-US" sz="1400" dirty="0" smtClean="0">
+                <a:solidFill>
+                  <a:schemeClr val="bg1"/>
+                </a:solidFill>
+              </a:rPr>
+              <a:t>Controls</a:t>
+            </a:r>
+          </a:p>
+          <a:p>
+            <a:r>
+              <a:rPr lang="en-US" sz="1400" dirty="0" smtClean="0">
+                <a:solidFill>
+                  <a:schemeClr val="bg1"/>
+                </a:solidFill>
+              </a:rPr>
+              <a:t>Modeling</a:t>
+            </a:r>
+          </a:p>
+          <a:p>
+            <a:r>
+              <a:rPr lang="en-US" sz="1400" dirty="0" smtClean="0">
+                <a:solidFill>
+                  <a:schemeClr val="bg1"/>
+                </a:solidFill>
+              </a:rPr>
+              <a:t>Conclusion</a:t>
+            </a:r>
+          </a:p>
+        </p:txBody>
+      </p:sp>
+      <p:sp>
+        <p:nvSpPr>
+          <p:cNvPr id="5" name="Rectangle 4"/>
+          <p:cNvSpPr/>
+          <p:nvPr/>
+        </p:nvSpPr>
+        <p:spPr>
+          <a:xfrm>
+            <a:off x="1066800" y="685800"/>
+            <a:ext cx="7010400" cy="685800"/>
+          </a:xfrm>
+          <a:prstGeom prst="rect">
+            <a:avLst/>
+          </a:prstGeom>
+          <a:gradFill flip="none" rotWithShape="1">
+            <a:gsLst>
+              <a:gs pos="100000">
+                <a:schemeClr val="bg1">
+                  <a:tint val="90000"/>
+                </a:schemeClr>
+              </a:gs>
+              <a:gs pos="100000">
+                <a:schemeClr val="bg1">
+                  <a:shade val="100000"/>
+                  <a:satMod val="115000"/>
+                </a:schemeClr>
+              </a:gs>
+              <a:gs pos="0">
+                <a:srgbClr val="8390CF"/>
+              </a:gs>
+            </a:gsLst>
+            <a:lin ang="0" scaled="0"/>
+            <a:tileRect/>
+          </a:gradFill>
+          <a:ln>
+            <a:noFill/>
+          </a:ln>
+        </p:spPr>
+        <p:style>
+          <a:lnRef idx="2">
+            <a:schemeClr val="accent1">
+              <a:shade val="50000"/>
+            </a:schemeClr>
+          </a:lnRef>
+          <a:fillRef idx="1">
+            <a:schemeClr val="accent1"/>
+          </a:fillRef>
+          <a:effectRef idx="0">
+            <a:schemeClr val="accent1"/>
+          </a:effectRef>
+          <a:fontRef idx="minor">
+            <a:schemeClr val="lt1"/>
+          </a:fontRef>
+        </p:style>
+        <p:txBody>
+          <a:bodyPr rtlCol="0" anchor="ctr"/>
+          <a:lstStyle/>
+          <a:p>
+            <a:pPr algn="ctr"/>
+            <a:endParaRPr lang="en-US"/>
+          </a:p>
+        </p:txBody>
+      </p:sp>
+      <p:sp>
+        <p:nvSpPr>
+          <p:cNvPr id="4" name="TextBox 3"/>
+          <p:cNvSpPr txBox="1"/>
+          <p:nvPr/>
+        </p:nvSpPr>
+        <p:spPr>
+          <a:xfrm>
+            <a:off x="76200" y="772180"/>
+            <a:ext cx="5791200" cy="523220"/>
+          </a:xfrm>
+          <a:prstGeom prst="rect">
+            <a:avLst/>
+          </a:prstGeom>
+          <a:noFill/>
+        </p:spPr>
+        <p:txBody>
+          <a:bodyPr wrap="square" rtlCol="0">
+            <a:spAutoFit/>
+          </a:bodyPr>
+          <a:lstStyle/>
+          <a:p>
+            <a:r>
+              <a:rPr lang="en-US" sz="2800" dirty="0" smtClean="0"/>
+              <a:t>Determining Parts – Budget</a:t>
+            </a:r>
+            <a:endParaRPr lang="en-US" sz="2800" dirty="0"/>
+          </a:p>
+        </p:txBody>
+      </p:sp>
+      <p:grpSp>
+        <p:nvGrpSpPr>
+          <p:cNvPr id="13" name="Group 12"/>
+          <p:cNvGrpSpPr/>
+          <p:nvPr/>
+        </p:nvGrpSpPr>
+        <p:grpSpPr>
+          <a:xfrm>
+            <a:off x="1295400" y="1447800"/>
+            <a:ext cx="7086600" cy="4895910"/>
+            <a:chOff x="1295400" y="1447800"/>
+            <a:chExt cx="7086600" cy="4895910"/>
+          </a:xfrm>
+        </p:grpSpPr>
+        <p:graphicFrame>
+          <p:nvGraphicFramePr>
+            <p:cNvPr id="15" name="Chart 14"/>
+            <p:cNvGraphicFramePr>
+              <a:graphicFrameLocks/>
+            </p:cNvGraphicFramePr>
+            <p:nvPr>
+              <p:extLst>
+                <p:ext uri="{D42A27DB-BD31-4B8C-83A1-F6EECF244321}">
+                  <p14:modId xmlns:p14="http://schemas.microsoft.com/office/powerpoint/2010/main" val="544857118"/>
+                </p:ext>
+              </p:extLst>
+            </p:nvPr>
+          </p:nvGraphicFramePr>
+          <p:xfrm>
+            <a:off x="1295400" y="1447800"/>
+            <a:ext cx="7086600" cy="4718222"/>
+          </p:xfrm>
+          <a:graphic>
+            <a:graphicData uri="http://schemas.openxmlformats.org/drawingml/2006/chart">
+              <c:chart xmlns:c="http://schemas.openxmlformats.org/drawingml/2006/chart" xmlns:r="http://schemas.openxmlformats.org/officeDocument/2006/relationships" r:id="rId4"/>
+            </a:graphicData>
+          </a:graphic>
+        </p:graphicFrame>
+        <p:sp>
+          <p:nvSpPr>
+            <p:cNvPr id="16" name="TextBox 15"/>
+            <p:cNvSpPr txBox="1"/>
+            <p:nvPr/>
+          </p:nvSpPr>
+          <p:spPr>
+            <a:xfrm>
+              <a:off x="5410200" y="5943600"/>
+              <a:ext cx="2514600" cy="400110"/>
+            </a:xfrm>
+            <a:prstGeom prst="rect">
+              <a:avLst/>
+            </a:prstGeom>
+            <a:noFill/>
+          </p:spPr>
+          <p:txBody>
+            <a:bodyPr wrap="square" rtlCol="0">
+              <a:spAutoFit/>
+            </a:bodyPr>
+            <a:lstStyle/>
+            <a:p>
+              <a:r>
+                <a:rPr lang="en-US" sz="2000" b="1" dirty="0" smtClean="0"/>
+                <a:t>Total Cost: </a:t>
+              </a:r>
+              <a:r>
+                <a:rPr lang="en-US" sz="2000" b="1" dirty="0" smtClean="0"/>
+                <a:t>$4,740</a:t>
+              </a:r>
+              <a:endParaRPr lang="en-US" sz="2000" baseline="30000" dirty="0"/>
+            </a:p>
+          </p:txBody>
+        </p:sp>
+      </p:grpSp>
+    </p:spTree>
+    <p:extLst>
+      <p:ext uri="{BB962C8B-B14F-4D97-AF65-F5344CB8AC3E}">
+        <p14:creationId xmlns:p14="http://schemas.microsoft.com/office/powerpoint/2010/main" val="1672244932"/>
+      </p:ext>
+    </p:extLst>
+  </p:cSld>
+  <p:clrMapOvr>
+    <a:masterClrMapping/>
+  </p:clrMapOvr>
+  <p:timing>
+    <p:tnLst>
+      <p:par>
+        <p:cTn id="1" dur="indefinite" restart="never" nodeType="tmRoot"/>
+      </p:par>
+    </p:tnLst>
+  </p:timing>
+</p:sld>
+</file>
+
+<file path=ppt/slides/slide12.xml><?xml version="1.0" encoding="utf-8"?>
 <p:sld xmlns:a="http://schemas.openxmlformats.org/drawingml/2006/main" xmlns:r="http://schemas.openxmlformats.org/officeDocument/2006/relationships" xmlns:p="http://schemas.openxmlformats.org/presentationml/2006/main">
   <p:cSld>
     <p:bg>
@@ -14033,13 +14311,6 @@
               </a:rPr>
               <a:t>Overview</a:t>
             </a:r>
-            <a:endParaRPr lang="en-US" sz="1400" dirty="0" smtClean="0">
-              <a:solidFill>
-                <a:schemeClr val="bg1">
-                  <a:lumMod val="50000"/>
-                </a:schemeClr>
-              </a:solidFill>
-            </a:endParaRPr>
           </a:p>
           <a:p>
             <a:r>
@@ -14050,17 +14321,7 @@
                   </a:schemeClr>
                 </a:solidFill>
               </a:rPr>
-              <a:t>Project </a:t>
-            </a:r>
-            <a:r>
-              <a:rPr lang="en-US" sz="1400" dirty="0" smtClean="0">
-                <a:solidFill>
-                  <a:schemeClr val="bg1">
-                    <a:lumMod val="50000"/>
-                  </a:schemeClr>
-                </a:solidFill>
-              </a:rPr>
-              <a:t>Plan</a:t>
+              <a:t>Project Plan</a:t>
             </a:r>
           </a:p>
           <a:p>
@@ -14074,6 +14335,8 @@
               </a:rPr>
               <a:t>Status</a:t>
             </a:r>
+          </a:p>
+          <a:p>
             <a:endParaRPr lang="en-US" sz="1400" dirty="0" smtClean="0">
               <a:solidFill>
                 <a:schemeClr val="bg1">
@@ -14083,15 +14346,6 @@
             </a:endParaRPr>
           </a:p>
           <a:p>
-            <a:endParaRPr lang="en-US" sz="1400" dirty="0" smtClean="0">
-              <a:solidFill>
-                <a:schemeClr val="bg1">
-                  <a:lumMod val="50000"/>
-                </a:schemeClr>
-              </a:solidFill>
-            </a:endParaRPr>
-          </a:p>
-          <a:p>
             <a:endParaRPr lang="en-US" sz="1400" dirty="0" smtClean="0"/>
           </a:p>
           <a:p>
@@ -14113,11 +14367,6 @@
               </a:rPr>
               <a:t>Controls</a:t>
             </a:r>
-            <a:endParaRPr lang="en-US" sz="1400" dirty="0" smtClean="0">
-              <a:solidFill>
-                <a:schemeClr val="bg1"/>
-              </a:solidFill>
-            </a:endParaRPr>
           </a:p>
           <a:p>
             <a:r>
@@ -14228,11 +14477,7 @@
           <a:p>
             <a:r>
               <a:rPr lang="en-US" sz="2800" dirty="0" smtClean="0"/>
-              <a:t>Determining Parts – </a:t>
-            </a:r>
-            <a:r>
-              <a:rPr lang="en-US" sz="2800" dirty="0" smtClean="0"/>
-              <a:t>Electrical Components</a:t>
+              <a:t>Determining Parts – Electrical Components</a:t>
             </a:r>
             <a:endParaRPr lang="en-US" sz="2800" dirty="0"/>
           </a:p>
@@ -14805,7 +15050,7 @@
 </p:sld>
 </file>
 
-<file path=ppt/slides/slide12.xml><?xml version="1.0" encoding="utf-8"?>
+<file path=ppt/slides/slide13.xml><?xml version="1.0" encoding="utf-8"?>
 <p:sld xmlns:a="http://schemas.openxmlformats.org/drawingml/2006/main" xmlns:r="http://schemas.openxmlformats.org/officeDocument/2006/relationships" xmlns:p="http://schemas.openxmlformats.org/presentationml/2006/main">
   <p:cSld>
     <p:bg>
@@ -14913,13 +15158,6 @@
               </a:rPr>
               <a:t>Overview</a:t>
             </a:r>
-            <a:endParaRPr lang="en-US" sz="1400" dirty="0" smtClean="0">
-              <a:solidFill>
-                <a:schemeClr val="bg1">
-                  <a:lumMod val="50000"/>
-                </a:schemeClr>
-              </a:solidFill>
-            </a:endParaRPr>
           </a:p>
           <a:p>
             <a:r>
@@ -14930,17 +15168,7 @@
                   </a:schemeClr>
                 </a:solidFill>
               </a:rPr>
-              <a:t>Project </a:t>
-            </a:r>
-            <a:r>
-              <a:rPr lang="en-US" sz="1400" dirty="0" smtClean="0">
-                <a:solidFill>
-                  <a:schemeClr val="bg1">
-                    <a:lumMod val="50000"/>
-                  </a:schemeClr>
-                </a:solidFill>
-              </a:rPr>
-              <a:t>Plan</a:t>
+              <a:t>Project Plan</a:t>
             </a:r>
           </a:p>
           <a:p>
@@ -14954,6 +15182,8 @@
               </a:rPr>
               <a:t>Status</a:t>
             </a:r>
+          </a:p>
+          <a:p>
             <a:endParaRPr lang="en-US" sz="1400" dirty="0" smtClean="0">
               <a:solidFill>
                 <a:schemeClr val="bg1">
@@ -14963,15 +15193,6 @@
             </a:endParaRPr>
           </a:p>
           <a:p>
-            <a:endParaRPr lang="en-US" sz="1400" dirty="0" smtClean="0">
-              <a:solidFill>
-                <a:schemeClr val="bg1">
-                  <a:lumMod val="50000"/>
-                </a:schemeClr>
-              </a:solidFill>
-            </a:endParaRPr>
-          </a:p>
-          <a:p>
             <a:endParaRPr lang="en-US" sz="1400" dirty="0" smtClean="0"/>
           </a:p>
           <a:p>
@@ -14993,11 +15214,6 @@
               </a:rPr>
               <a:t>Controls</a:t>
             </a:r>
-            <a:endParaRPr lang="en-US" sz="1400" dirty="0" smtClean="0">
-              <a:solidFill>
-                <a:schemeClr val="bg1"/>
-              </a:solidFill>
-            </a:endParaRPr>
           </a:p>
           <a:p>
             <a:r>
@@ -15108,11 +15324,7 @@
           <a:p>
             <a:r>
               <a:rPr lang="en-US" sz="2800" dirty="0" smtClean="0"/>
-              <a:t>Determining Parts – </a:t>
-            </a:r>
-            <a:r>
-              <a:rPr lang="en-US" sz="2800" dirty="0" smtClean="0"/>
-              <a:t>Structural Components</a:t>
+              <a:t>Determining Parts – Structural Components</a:t>
             </a:r>
             <a:endParaRPr lang="en-US" sz="2800" dirty="0"/>
           </a:p>
@@ -15403,7 +15615,7 @@
 </p:sld>
 </file>
 
-<file path=ppt/slides/slide13.xml><?xml version="1.0" encoding="utf-8"?>
+<file path=ppt/slides/slide14.xml><?xml version="1.0" encoding="utf-8"?>
 <p:sld xmlns:a="http://schemas.openxmlformats.org/drawingml/2006/main" xmlns:r="http://schemas.openxmlformats.org/officeDocument/2006/relationships" xmlns:p="http://schemas.openxmlformats.org/presentationml/2006/main">
   <p:cSld>
     <p:bg>
@@ -15574,13 +15786,6 @@
               </a:rPr>
               <a:t>Overview</a:t>
             </a:r>
-            <a:endParaRPr lang="en-US" sz="1400" dirty="0" smtClean="0">
-              <a:solidFill>
-                <a:schemeClr val="bg1">
-                  <a:lumMod val="50000"/>
-                </a:schemeClr>
-              </a:solidFill>
-            </a:endParaRPr>
           </a:p>
           <a:p>
             <a:r>
@@ -15617,13 +15822,6 @@
               </a:rPr>
               <a:t>Parts</a:t>
             </a:r>
-            <a:endParaRPr lang="en-US" sz="1400" dirty="0" smtClean="0">
-              <a:solidFill>
-                <a:schemeClr val="bg1">
-                  <a:lumMod val="50000"/>
-                </a:schemeClr>
-              </a:solidFill>
-            </a:endParaRPr>
           </a:p>
           <a:p>
             <a:endParaRPr lang="en-US" sz="1400" dirty="0" smtClean="0">
@@ -15740,7 +15938,7 @@
 </p:sld>
 </file>
 
-<file path=ppt/slides/slide14.xml><?xml version="1.0" encoding="utf-8"?>
+<file path=ppt/slides/slide15.xml><?xml version="1.0" encoding="utf-8"?>
 <p:sld xmlns:a="http://schemas.openxmlformats.org/drawingml/2006/main" xmlns:r="http://schemas.openxmlformats.org/officeDocument/2006/relationships" xmlns:p="http://schemas.openxmlformats.org/presentationml/2006/main">
   <p:cSld>
     <p:bg>
@@ -16500,13 +16698,6 @@
               </a:rPr>
               <a:t>Overview</a:t>
             </a:r>
-            <a:endParaRPr lang="en-US" sz="1400" dirty="0" smtClean="0">
-              <a:solidFill>
-                <a:schemeClr val="bg1">
-                  <a:lumMod val="50000"/>
-                </a:schemeClr>
-              </a:solidFill>
-            </a:endParaRPr>
           </a:p>
           <a:p>
             <a:r>
@@ -16543,13 +16734,6 @@
               </a:rPr>
               <a:t>Parts</a:t>
             </a:r>
-            <a:endParaRPr lang="en-US" sz="1400" dirty="0" smtClean="0">
-              <a:solidFill>
-                <a:schemeClr val="bg1">
-                  <a:lumMod val="50000"/>
-                </a:schemeClr>
-              </a:solidFill>
-            </a:endParaRPr>
           </a:p>
           <a:p>
             <a:endParaRPr lang="en-US" sz="1400" dirty="0" smtClean="0">
@@ -16615,7 +16799,7 @@
 </p:sld>
 </file>
 
-<file path=ppt/slides/slide15.xml><?xml version="1.0" encoding="utf-8"?>
+<file path=ppt/slides/slide16.xml><?xml version="1.0" encoding="utf-8"?>
 <p:sld xmlns:a="http://schemas.openxmlformats.org/drawingml/2006/main" xmlns:r="http://schemas.openxmlformats.org/officeDocument/2006/relationships" xmlns:p="http://schemas.openxmlformats.org/presentationml/2006/main">
   <p:cSld>
     <p:bg>
@@ -17059,13 +17243,6 @@
               </a:rPr>
               <a:t>Overview</a:t>
             </a:r>
-            <a:endParaRPr lang="en-US" sz="1400" dirty="0" smtClean="0">
-              <a:solidFill>
-                <a:schemeClr val="bg1">
-                  <a:lumMod val="50000"/>
-                </a:schemeClr>
-              </a:solidFill>
-            </a:endParaRPr>
           </a:p>
           <a:p>
             <a:r>
@@ -17102,13 +17279,6 @@
               </a:rPr>
               <a:t>Parts</a:t>
             </a:r>
-            <a:endParaRPr lang="en-US" sz="1400" dirty="0" smtClean="0">
-              <a:solidFill>
-                <a:schemeClr val="bg1">
-                  <a:lumMod val="50000"/>
-                </a:schemeClr>
-              </a:solidFill>
-            </a:endParaRPr>
           </a:p>
           <a:p>
             <a:endParaRPr lang="en-US" sz="1400" dirty="0" smtClean="0">
@@ -17242,7 +17412,7 @@
 </p:sld>
 </file>
 
-<file path=ppt/slides/slide16.xml><?xml version="1.0" encoding="utf-8"?>
+<file path=ppt/slides/slide17.xml><?xml version="1.0" encoding="utf-8"?>
 <p:sld xmlns:a="http://schemas.openxmlformats.org/drawingml/2006/main" xmlns:r="http://schemas.openxmlformats.org/officeDocument/2006/relationships" xmlns:p="http://schemas.openxmlformats.org/presentationml/2006/main">
   <p:cSld>
     <p:spTree>
@@ -17673,13 +17843,6 @@
               </a:rPr>
               <a:t>Overview</a:t>
             </a:r>
-            <a:endParaRPr lang="en-US" sz="1400" dirty="0" smtClean="0">
-              <a:solidFill>
-                <a:schemeClr val="bg1">
-                  <a:lumMod val="50000"/>
-                </a:schemeClr>
-              </a:solidFill>
-            </a:endParaRPr>
           </a:p>
           <a:p>
             <a:r>
@@ -17716,13 +17879,6 @@
               </a:rPr>
               <a:t>Parts</a:t>
             </a:r>
-            <a:endParaRPr lang="en-US" sz="1400" dirty="0" smtClean="0">
-              <a:solidFill>
-                <a:schemeClr val="bg1">
-                  <a:lumMod val="50000"/>
-                </a:schemeClr>
-              </a:solidFill>
-            </a:endParaRPr>
           </a:p>
           <a:p>
             <a:endParaRPr lang="en-US" sz="1400" dirty="0" smtClean="0">
@@ -17788,7 +17944,7 @@
 </p:sld>
 </file>
 
-<file path=ppt/slides/slide17.xml><?xml version="1.0" encoding="utf-8"?>
+<file path=ppt/slides/slide18.xml><?xml version="1.0" encoding="utf-8"?>
 <p:sld xmlns:a="http://schemas.openxmlformats.org/drawingml/2006/main" xmlns:r="http://schemas.openxmlformats.org/officeDocument/2006/relationships" xmlns:p="http://schemas.openxmlformats.org/presentationml/2006/main">
   <p:cSld>
     <p:spTree>
@@ -17995,13 +18151,6 @@
               </a:rPr>
               <a:t>Parts</a:t>
             </a:r>
-            <a:endParaRPr lang="en-US" sz="1400" dirty="0" smtClean="0">
-              <a:solidFill>
-                <a:schemeClr val="bg1">
-                  <a:lumMod val="50000"/>
-                </a:schemeClr>
-              </a:solidFill>
-            </a:endParaRPr>
           </a:p>
           <a:p>
             <a:r>
@@ -18014,13 +18163,6 @@
               </a:rPr>
               <a:t>Controls</a:t>
             </a:r>
-            <a:endParaRPr lang="en-US" sz="1400" dirty="0" smtClean="0">
-              <a:solidFill>
-                <a:schemeClr val="bg1">
-                  <a:lumMod val="50000"/>
-                </a:schemeClr>
-              </a:solidFill>
-            </a:endParaRPr>
           </a:p>
           <a:p>
             <a:endParaRPr lang="en-US" sz="1400" dirty="0" smtClean="0">
@@ -18114,7 +18256,7 @@
 </p:sld>
 </file>
 
-<file path=ppt/slides/slide18.xml><?xml version="1.0" encoding="utf-8"?>
+<file path=ppt/slides/slide19.xml><?xml version="1.0" encoding="utf-8"?>
 <p:sld xmlns:a="http://schemas.openxmlformats.org/drawingml/2006/main" xmlns:r="http://schemas.openxmlformats.org/officeDocument/2006/relationships" xmlns:p="http://schemas.openxmlformats.org/presentationml/2006/main">
   <p:cSld>
     <p:bg>
@@ -18459,13 +18601,6 @@
               </a:rPr>
               <a:t>Status</a:t>
             </a:r>
-            <a:endParaRPr lang="en-US" sz="1400" dirty="0" smtClean="0">
-              <a:solidFill>
-                <a:schemeClr val="bg1">
-                  <a:lumMod val="50000"/>
-                </a:schemeClr>
-              </a:solidFill>
-            </a:endParaRPr>
           </a:p>
           <a:p>
             <a:r>
@@ -18478,13 +18613,6 @@
               </a:rPr>
               <a:t>Controls</a:t>
             </a:r>
-            <a:endParaRPr lang="en-US" sz="1400" dirty="0" smtClean="0">
-              <a:solidFill>
-                <a:schemeClr val="bg1">
-                  <a:lumMod val="50000"/>
-                </a:schemeClr>
-              </a:solidFill>
-            </a:endParaRPr>
           </a:p>
           <a:p>
             <a:endParaRPr lang="en-US" sz="1400" dirty="0" smtClean="0">
@@ -18722,7 +18850,310 @@
 </p:sld>
 </file>
 
-<file path=ppt/slides/slide19.xml><?xml version="1.0" encoding="utf-8"?>
+<file path=ppt/slides/slide2.xml><?xml version="1.0" encoding="utf-8"?>
+<p:sld xmlns:a="http://schemas.openxmlformats.org/drawingml/2006/main" xmlns:r="http://schemas.openxmlformats.org/officeDocument/2006/relationships" xmlns:p="http://schemas.openxmlformats.org/presentationml/2006/main">
+  <p:cSld>
+    <p:bg>
+      <p:bgPr>
+        <a:gradFill rotWithShape="1">
+          <a:gsLst>
+            <a:gs pos="0">
+              <a:schemeClr val="bg1">
+                <a:tint val="90000"/>
+              </a:schemeClr>
+            </a:gs>
+            <a:gs pos="75000">
+              <a:schemeClr val="bg1">
+                <a:shade val="100000"/>
+                <a:satMod val="115000"/>
+              </a:schemeClr>
+            </a:gs>
+            <a:gs pos="100000">
+              <a:schemeClr val="bg1">
+                <a:shade val="70000"/>
+                <a:satMod val="130000"/>
+              </a:schemeClr>
+            </a:gs>
+          </a:gsLst>
+          <a:path path="circle">
+            <a:fillToRect l="20000" t="50000" r="100000" b="50000"/>
+          </a:path>
+        </a:gradFill>
+        <a:effectLst/>
+      </p:bgPr>
+    </p:bg>
+    <p:spTree>
+      <p:nvGrpSpPr>
+        <p:cNvPr id="1" name=""/>
+        <p:cNvGrpSpPr/>
+        <p:nvPr/>
+      </p:nvGrpSpPr>
+      <p:grpSpPr>
+        <a:xfrm>
+          <a:off x="0" y="0"/>
+          <a:ext cx="0" cy="0"/>
+          <a:chOff x="0" y="0"/>
+          <a:chExt cx="0" cy="0"/>
+        </a:xfrm>
+      </p:grpSpPr>
+      <p:pic>
+        <p:nvPicPr>
+          <p:cNvPr id="8" name="Picture 7"/>
+          <p:cNvPicPr>
+            <a:picLocks noChangeAspect="1"/>
+          </p:cNvPicPr>
+          <p:nvPr/>
+        </p:nvPicPr>
+        <p:blipFill>
+          <a:blip r:embed="rId3">
+            <a:extLst>
+              <a:ext uri="{28A0092B-C50C-407E-A947-70E740481C1C}">
+                <a14:useLocalDpi xmlns:a14="http://schemas.microsoft.com/office/drawing/2010/main" val="0"/>
+              </a:ext>
+            </a:extLst>
+          </a:blip>
+          <a:stretch>
+            <a:fillRect/>
+          </a:stretch>
+        </p:blipFill>
+        <p:spPr>
+          <a:xfrm>
+            <a:off x="8572" y="0"/>
+            <a:ext cx="9126855" cy="6858000"/>
+          </a:xfrm>
+          <a:prstGeom prst="rect">
+            <a:avLst/>
+          </a:prstGeom>
+        </p:spPr>
+      </p:pic>
+      <p:sp>
+        <p:nvSpPr>
+          <p:cNvPr id="5" name="Rectangle 4"/>
+          <p:cNvSpPr/>
+          <p:nvPr/>
+        </p:nvSpPr>
+        <p:spPr>
+          <a:xfrm>
+            <a:off x="1066800" y="685800"/>
+            <a:ext cx="7010400" cy="685800"/>
+          </a:xfrm>
+          <a:prstGeom prst="rect">
+            <a:avLst/>
+          </a:prstGeom>
+          <a:gradFill flip="none" rotWithShape="1">
+            <a:gsLst>
+              <a:gs pos="100000">
+                <a:schemeClr val="bg1">
+                  <a:tint val="90000"/>
+                </a:schemeClr>
+              </a:gs>
+              <a:gs pos="100000">
+                <a:schemeClr val="bg1">
+                  <a:shade val="100000"/>
+                  <a:satMod val="115000"/>
+                </a:schemeClr>
+              </a:gs>
+              <a:gs pos="0">
+                <a:srgbClr val="8390CF"/>
+              </a:gs>
+            </a:gsLst>
+            <a:lin ang="0" scaled="0"/>
+            <a:tileRect/>
+          </a:gradFill>
+          <a:ln>
+            <a:noFill/>
+          </a:ln>
+        </p:spPr>
+        <p:style>
+          <a:lnRef idx="2">
+            <a:schemeClr val="accent1">
+              <a:shade val="50000"/>
+            </a:schemeClr>
+          </a:lnRef>
+          <a:fillRef idx="1">
+            <a:schemeClr val="accent1"/>
+          </a:fillRef>
+          <a:effectRef idx="0">
+            <a:schemeClr val="accent1"/>
+          </a:effectRef>
+          <a:fontRef idx="minor">
+            <a:schemeClr val="lt1"/>
+          </a:fontRef>
+        </p:style>
+        <p:txBody>
+          <a:bodyPr rtlCol="0" anchor="ctr"/>
+          <a:lstStyle/>
+          <a:p>
+            <a:pPr algn="ctr"/>
+            <a:endParaRPr lang="en-US"/>
+          </a:p>
+        </p:txBody>
+      </p:sp>
+      <p:sp>
+        <p:nvSpPr>
+          <p:cNvPr id="9" name="TextBox 8"/>
+          <p:cNvSpPr txBox="1"/>
+          <p:nvPr/>
+        </p:nvSpPr>
+        <p:spPr>
+          <a:xfrm>
+            <a:off x="76200" y="1345049"/>
+            <a:ext cx="1752600" cy="1384995"/>
+          </a:xfrm>
+          <a:prstGeom prst="rect">
+            <a:avLst/>
+          </a:prstGeom>
+          <a:noFill/>
+        </p:spPr>
+        <p:txBody>
+          <a:bodyPr wrap="square" rtlCol="0">
+            <a:spAutoFit/>
+          </a:bodyPr>
+          <a:lstStyle/>
+          <a:p>
+            <a:r>
+              <a:rPr lang="en-US" sz="1400" dirty="0" smtClean="0">
+                <a:solidFill>
+                  <a:schemeClr val="bg1"/>
+                </a:solidFill>
+              </a:rPr>
+              <a:t>Project Plan</a:t>
+            </a:r>
+          </a:p>
+          <a:p>
+            <a:r>
+              <a:rPr lang="en-US" sz="1400" dirty="0" smtClean="0">
+                <a:solidFill>
+                  <a:schemeClr val="bg1"/>
+                </a:solidFill>
+              </a:rPr>
+              <a:t>Status</a:t>
+            </a:r>
+          </a:p>
+          <a:p>
+            <a:r>
+              <a:rPr lang="en-US" sz="1400" dirty="0" smtClean="0">
+                <a:solidFill>
+                  <a:schemeClr val="bg1"/>
+                </a:solidFill>
+              </a:rPr>
+              <a:t>Parts</a:t>
+            </a:r>
+          </a:p>
+          <a:p>
+            <a:r>
+              <a:rPr lang="en-US" sz="1400" dirty="0" smtClean="0">
+                <a:solidFill>
+                  <a:schemeClr val="bg1"/>
+                </a:solidFill>
+              </a:rPr>
+              <a:t>Controls</a:t>
+            </a:r>
+          </a:p>
+          <a:p>
+            <a:r>
+              <a:rPr lang="en-US" sz="1400" dirty="0" smtClean="0">
+                <a:solidFill>
+                  <a:schemeClr val="bg1"/>
+                </a:solidFill>
+              </a:rPr>
+              <a:t>Modeling</a:t>
+            </a:r>
+          </a:p>
+          <a:p>
+            <a:r>
+              <a:rPr lang="en-US" sz="1400" dirty="0" smtClean="0">
+                <a:solidFill>
+                  <a:schemeClr val="bg1"/>
+                </a:solidFill>
+              </a:rPr>
+              <a:t>Conclusion</a:t>
+            </a:r>
+          </a:p>
+        </p:txBody>
+      </p:sp>
+      <p:sp>
+        <p:nvSpPr>
+          <p:cNvPr id="10" name="TextBox 9"/>
+          <p:cNvSpPr txBox="1"/>
+          <p:nvPr/>
+        </p:nvSpPr>
+        <p:spPr>
+          <a:xfrm>
+            <a:off x="76200" y="762000"/>
+            <a:ext cx="6705600" cy="523220"/>
+          </a:xfrm>
+          <a:prstGeom prst="rect">
+            <a:avLst/>
+          </a:prstGeom>
+          <a:noFill/>
+        </p:spPr>
+        <p:txBody>
+          <a:bodyPr wrap="square" rtlCol="0">
+            <a:spAutoFit/>
+          </a:bodyPr>
+          <a:lstStyle/>
+          <a:p>
+            <a:r>
+              <a:rPr lang="en-US" sz="2800" dirty="0" smtClean="0"/>
+              <a:t>Project Overview</a:t>
+            </a:r>
+            <a:endParaRPr lang="en-US" sz="2800" dirty="0"/>
+          </a:p>
+        </p:txBody>
+      </p:sp>
+      <p:sp>
+        <p:nvSpPr>
+          <p:cNvPr id="4" name="TextBox 3"/>
+          <p:cNvSpPr txBox="1"/>
+          <p:nvPr/>
+        </p:nvSpPr>
+        <p:spPr>
+          <a:xfrm>
+            <a:off x="1066799" y="3360003"/>
+            <a:ext cx="8068627" cy="830997"/>
+          </a:xfrm>
+          <a:prstGeom prst="rect">
+            <a:avLst/>
+          </a:prstGeom>
+          <a:noFill/>
+        </p:spPr>
+        <p:txBody>
+          <a:bodyPr wrap="square" rtlCol="0">
+            <a:spAutoFit/>
+          </a:bodyPr>
+          <a:lstStyle/>
+          <a:p>
+            <a:pPr algn="ctr"/>
+            <a:r>
+              <a:rPr lang="en-US" sz="2400" b="1" dirty="0" smtClean="0"/>
+              <a:t>Build a self-balancing robotic unicycle for National Instruments (NI), using as many NI components as possible</a:t>
+            </a:r>
+            <a:endParaRPr lang="en-US" sz="2400" b="1" dirty="0"/>
+          </a:p>
+        </p:txBody>
+      </p:sp>
+    </p:spTree>
+    <p:extLst>
+      <p:ext uri="{BB962C8B-B14F-4D97-AF65-F5344CB8AC3E}">
+        <p14:creationId xmlns:p14="http://schemas.microsoft.com/office/powerpoint/2010/main" val="4194927768"/>
+      </p:ext>
+    </p:extLst>
+  </p:cSld>
+  <p:clrMapOvr>
+    <a:masterClrMapping/>
+  </p:clrMapOvr>
+  <p:timing>
+    <p:tnLst>
+      <p:par>
+        <p:cTn id="1" dur="indefinite" restart="never" nodeType="tmRoot"/>
+      </p:par>
+    </p:tnLst>
+  </p:timing>
+</p:sld>
+</file>
+
+<file path=ppt/slides/slide20.xml><?xml version="1.0" encoding="utf-8"?>
 <p:sld xmlns:a="http://schemas.openxmlformats.org/drawingml/2006/main" xmlns:r="http://schemas.openxmlformats.org/officeDocument/2006/relationships" xmlns:p="http://schemas.openxmlformats.org/presentationml/2006/main">
   <p:cSld>
     <p:spTree>
@@ -19328,13 +19759,6 @@
               </a:rPr>
               <a:t>Parts</a:t>
             </a:r>
-            <a:endParaRPr lang="en-US" sz="1400" dirty="0" smtClean="0">
-              <a:solidFill>
-                <a:schemeClr val="bg1">
-                  <a:lumMod val="50000"/>
-                </a:schemeClr>
-              </a:solidFill>
-            </a:endParaRPr>
           </a:p>
           <a:p>
             <a:r>
@@ -19347,13 +19771,6 @@
               </a:rPr>
               <a:t>Controls</a:t>
             </a:r>
-            <a:endParaRPr lang="en-US" sz="1400" dirty="0" smtClean="0">
-              <a:solidFill>
-                <a:schemeClr val="bg1">
-                  <a:lumMod val="50000"/>
-                </a:schemeClr>
-              </a:solidFill>
-            </a:endParaRPr>
           </a:p>
           <a:p>
             <a:endParaRPr lang="en-US" sz="1400" dirty="0" smtClean="0">
@@ -19409,320 +19826,7 @@
 </p:sld>
 </file>
 
-<file path=ppt/slides/slide2.xml><?xml version="1.0" encoding="utf-8"?>
-<p:sld xmlns:a="http://schemas.openxmlformats.org/drawingml/2006/main" xmlns:r="http://schemas.openxmlformats.org/officeDocument/2006/relationships" xmlns:p="http://schemas.openxmlformats.org/presentationml/2006/main">
-  <p:cSld>
-    <p:bg>
-      <p:bgPr>
-        <a:gradFill rotWithShape="1">
-          <a:gsLst>
-            <a:gs pos="0">
-              <a:schemeClr val="bg1">
-                <a:tint val="90000"/>
-              </a:schemeClr>
-            </a:gs>
-            <a:gs pos="75000">
-              <a:schemeClr val="bg1">
-                <a:shade val="100000"/>
-                <a:satMod val="115000"/>
-              </a:schemeClr>
-            </a:gs>
-            <a:gs pos="100000">
-              <a:schemeClr val="bg1">
-                <a:shade val="70000"/>
-                <a:satMod val="130000"/>
-              </a:schemeClr>
-            </a:gs>
-          </a:gsLst>
-          <a:path path="circle">
-            <a:fillToRect l="20000" t="50000" r="100000" b="50000"/>
-          </a:path>
-        </a:gradFill>
-        <a:effectLst/>
-      </p:bgPr>
-    </p:bg>
-    <p:spTree>
-      <p:nvGrpSpPr>
-        <p:cNvPr id="1" name=""/>
-        <p:cNvGrpSpPr/>
-        <p:nvPr/>
-      </p:nvGrpSpPr>
-      <p:grpSpPr>
-        <a:xfrm>
-          <a:off x="0" y="0"/>
-          <a:ext cx="0" cy="0"/>
-          <a:chOff x="0" y="0"/>
-          <a:chExt cx="0" cy="0"/>
-        </a:xfrm>
-      </p:grpSpPr>
-      <p:pic>
-        <p:nvPicPr>
-          <p:cNvPr id="8" name="Picture 7"/>
-          <p:cNvPicPr>
-            <a:picLocks noChangeAspect="1"/>
-          </p:cNvPicPr>
-          <p:nvPr/>
-        </p:nvPicPr>
-        <p:blipFill>
-          <a:blip r:embed="rId3">
-            <a:extLst>
-              <a:ext uri="{28A0092B-C50C-407E-A947-70E740481C1C}">
-                <a14:useLocalDpi xmlns:a14="http://schemas.microsoft.com/office/drawing/2010/main" val="0"/>
-              </a:ext>
-            </a:extLst>
-          </a:blip>
-          <a:stretch>
-            <a:fillRect/>
-          </a:stretch>
-        </p:blipFill>
-        <p:spPr>
-          <a:xfrm>
-            <a:off x="8572" y="0"/>
-            <a:ext cx="9126855" cy="6858000"/>
-          </a:xfrm>
-          <a:prstGeom prst="rect">
-            <a:avLst/>
-          </a:prstGeom>
-        </p:spPr>
-      </p:pic>
-      <p:sp>
-        <p:nvSpPr>
-          <p:cNvPr id="5" name="Rectangle 4"/>
-          <p:cNvSpPr/>
-          <p:nvPr/>
-        </p:nvSpPr>
-        <p:spPr>
-          <a:xfrm>
-            <a:off x="1066800" y="685800"/>
-            <a:ext cx="7010400" cy="685800"/>
-          </a:xfrm>
-          <a:prstGeom prst="rect">
-            <a:avLst/>
-          </a:prstGeom>
-          <a:gradFill flip="none" rotWithShape="1">
-            <a:gsLst>
-              <a:gs pos="100000">
-                <a:schemeClr val="bg1">
-                  <a:tint val="90000"/>
-                </a:schemeClr>
-              </a:gs>
-              <a:gs pos="100000">
-                <a:schemeClr val="bg1">
-                  <a:shade val="100000"/>
-                  <a:satMod val="115000"/>
-                </a:schemeClr>
-              </a:gs>
-              <a:gs pos="0">
-                <a:srgbClr val="8390CF"/>
-              </a:gs>
-            </a:gsLst>
-            <a:lin ang="0" scaled="0"/>
-            <a:tileRect/>
-          </a:gradFill>
-          <a:ln>
-            <a:noFill/>
-          </a:ln>
-        </p:spPr>
-        <p:style>
-          <a:lnRef idx="2">
-            <a:schemeClr val="accent1">
-              <a:shade val="50000"/>
-            </a:schemeClr>
-          </a:lnRef>
-          <a:fillRef idx="1">
-            <a:schemeClr val="accent1"/>
-          </a:fillRef>
-          <a:effectRef idx="0">
-            <a:schemeClr val="accent1"/>
-          </a:effectRef>
-          <a:fontRef idx="minor">
-            <a:schemeClr val="lt1"/>
-          </a:fontRef>
-        </p:style>
-        <p:txBody>
-          <a:bodyPr rtlCol="0" anchor="ctr"/>
-          <a:lstStyle/>
-          <a:p>
-            <a:pPr algn="ctr"/>
-            <a:endParaRPr lang="en-US"/>
-          </a:p>
-        </p:txBody>
-      </p:sp>
-      <p:sp>
-        <p:nvSpPr>
-          <p:cNvPr id="9" name="TextBox 8"/>
-          <p:cNvSpPr txBox="1"/>
-          <p:nvPr/>
-        </p:nvSpPr>
-        <p:spPr>
-          <a:xfrm>
-            <a:off x="76200" y="1345049"/>
-            <a:ext cx="1752600" cy="1384995"/>
-          </a:xfrm>
-          <a:prstGeom prst="rect">
-            <a:avLst/>
-          </a:prstGeom>
-          <a:noFill/>
-        </p:spPr>
-        <p:txBody>
-          <a:bodyPr wrap="square" rtlCol="0">
-            <a:spAutoFit/>
-          </a:bodyPr>
-          <a:lstStyle/>
-          <a:p>
-            <a:r>
-              <a:rPr lang="en-US" sz="1400" dirty="0" smtClean="0">
-                <a:solidFill>
-                  <a:schemeClr val="bg1"/>
-                </a:solidFill>
-              </a:rPr>
-              <a:t>Project Plan</a:t>
-            </a:r>
-          </a:p>
-          <a:p>
-            <a:r>
-              <a:rPr lang="en-US" sz="1400" dirty="0" smtClean="0">
-                <a:solidFill>
-                  <a:schemeClr val="bg1"/>
-                </a:solidFill>
-              </a:rPr>
-              <a:t>Status</a:t>
-            </a:r>
-          </a:p>
-          <a:p>
-            <a:r>
-              <a:rPr lang="en-US" sz="1400" dirty="0" smtClean="0">
-                <a:solidFill>
-                  <a:schemeClr val="bg1"/>
-                </a:solidFill>
-              </a:rPr>
-              <a:t>Parts</a:t>
-            </a:r>
-            <a:endParaRPr lang="en-US" sz="1400" dirty="0" smtClean="0">
-              <a:solidFill>
-                <a:schemeClr val="bg1"/>
-              </a:solidFill>
-            </a:endParaRPr>
-          </a:p>
-          <a:p>
-            <a:r>
-              <a:rPr lang="en-US" sz="1400" dirty="0" smtClean="0">
-                <a:solidFill>
-                  <a:schemeClr val="bg1"/>
-                </a:solidFill>
-              </a:rPr>
-              <a:t>Controls</a:t>
-            </a:r>
-            <a:endParaRPr lang="en-US" sz="1400" dirty="0" smtClean="0">
-              <a:solidFill>
-                <a:schemeClr val="bg1"/>
-              </a:solidFill>
-            </a:endParaRPr>
-          </a:p>
-          <a:p>
-            <a:r>
-              <a:rPr lang="en-US" sz="1400" dirty="0" smtClean="0">
-                <a:solidFill>
-                  <a:schemeClr val="bg1"/>
-                </a:solidFill>
-              </a:rPr>
-              <a:t>Modeling</a:t>
-            </a:r>
-          </a:p>
-          <a:p>
-            <a:r>
-              <a:rPr lang="en-US" sz="1400" dirty="0" smtClean="0">
-                <a:solidFill>
-                  <a:schemeClr val="bg1"/>
-                </a:solidFill>
-              </a:rPr>
-              <a:t>Conclusion</a:t>
-            </a:r>
-          </a:p>
-        </p:txBody>
-      </p:sp>
-      <p:sp>
-        <p:nvSpPr>
-          <p:cNvPr id="10" name="TextBox 9"/>
-          <p:cNvSpPr txBox="1"/>
-          <p:nvPr/>
-        </p:nvSpPr>
-        <p:spPr>
-          <a:xfrm>
-            <a:off x="76200" y="762000"/>
-            <a:ext cx="6705600" cy="523220"/>
-          </a:xfrm>
-          <a:prstGeom prst="rect">
-            <a:avLst/>
-          </a:prstGeom>
-          <a:noFill/>
-        </p:spPr>
-        <p:txBody>
-          <a:bodyPr wrap="square" rtlCol="0">
-            <a:spAutoFit/>
-          </a:bodyPr>
-          <a:lstStyle/>
-          <a:p>
-            <a:r>
-              <a:rPr lang="en-US" sz="2800" dirty="0" smtClean="0"/>
-              <a:t>Project Overview</a:t>
-            </a:r>
-            <a:endParaRPr lang="en-US" sz="2800" dirty="0"/>
-          </a:p>
-        </p:txBody>
-      </p:sp>
-      <p:sp>
-        <p:nvSpPr>
-          <p:cNvPr id="4" name="TextBox 3"/>
-          <p:cNvSpPr txBox="1"/>
-          <p:nvPr/>
-        </p:nvSpPr>
-        <p:spPr>
-          <a:xfrm>
-            <a:off x="1066799" y="3360003"/>
-            <a:ext cx="8068627" cy="830997"/>
-          </a:xfrm>
-          <a:prstGeom prst="rect">
-            <a:avLst/>
-          </a:prstGeom>
-          <a:noFill/>
-        </p:spPr>
-        <p:txBody>
-          <a:bodyPr wrap="square" rtlCol="0">
-            <a:spAutoFit/>
-          </a:bodyPr>
-          <a:lstStyle/>
-          <a:p>
-            <a:pPr algn="ctr"/>
-            <a:r>
-              <a:rPr lang="en-US" sz="2400" b="1" dirty="0" smtClean="0"/>
-              <a:t>Build a self-balancing robotic unicycle for National Instruments (NI), using as many NI components as possible</a:t>
-            </a:r>
-            <a:endParaRPr lang="en-US" sz="2400" b="1" dirty="0"/>
-          </a:p>
-        </p:txBody>
-      </p:sp>
-    </p:spTree>
-    <p:extLst>
-      <p:ext uri="{BB962C8B-B14F-4D97-AF65-F5344CB8AC3E}">
-        <p14:creationId xmlns:p14="http://schemas.microsoft.com/office/powerpoint/2010/main" val="4194927768"/>
-      </p:ext>
-    </p:extLst>
-  </p:cSld>
-  <p:clrMapOvr>
-    <a:masterClrMapping/>
-  </p:clrMapOvr>
-  <p:timing>
-    <p:tnLst>
-      <p:par>
-        <p:cTn id="1" dur="indefinite" restart="never" nodeType="tmRoot"/>
-      </p:par>
-    </p:tnLst>
-  </p:timing>
-</p:sld>
-</file>
-
-<file path=ppt/slides/slide20.xml><?xml version="1.0" encoding="utf-8"?>
+<file path=ppt/slides/slide21.xml><?xml version="1.0" encoding="utf-8"?>
 <p:sld xmlns:a="http://schemas.openxmlformats.org/drawingml/2006/main" xmlns:r="http://schemas.openxmlformats.org/officeDocument/2006/relationships" xmlns:p="http://schemas.openxmlformats.org/presentationml/2006/main">
   <p:cSld>
     <p:bg>
@@ -20079,13 +20183,6 @@
               </a:rPr>
               <a:t>Parts</a:t>
             </a:r>
-            <a:endParaRPr lang="en-US" sz="1400" dirty="0" smtClean="0">
-              <a:solidFill>
-                <a:schemeClr val="bg1">
-                  <a:lumMod val="50000"/>
-                </a:schemeClr>
-              </a:solidFill>
-            </a:endParaRPr>
           </a:p>
           <a:p>
             <a:r>
@@ -20098,13 +20195,6 @@
               </a:rPr>
               <a:t>Controls</a:t>
             </a:r>
-            <a:endParaRPr lang="en-US" sz="1400" dirty="0" smtClean="0">
-              <a:solidFill>
-                <a:schemeClr val="bg1">
-                  <a:lumMod val="50000"/>
-                </a:schemeClr>
-              </a:solidFill>
-            </a:endParaRPr>
           </a:p>
           <a:p>
             <a:endParaRPr lang="en-US" sz="1400" dirty="0" smtClean="0">
@@ -20318,7 +20408,7 @@
 </p:sld>
 </file>
 
-<file path=ppt/slides/slide21.xml><?xml version="1.0" encoding="utf-8"?>
+<file path=ppt/slides/slide22.xml><?xml version="1.0" encoding="utf-8"?>
 <p:sld xmlns:a="http://schemas.openxmlformats.org/drawingml/2006/main" xmlns:r="http://schemas.openxmlformats.org/officeDocument/2006/relationships" xmlns:p="http://schemas.openxmlformats.org/presentationml/2006/main">
   <p:cSld>
     <p:bg>
@@ -20489,13 +20579,6 @@
               </a:rPr>
               <a:t>Overview</a:t>
             </a:r>
-            <a:endParaRPr lang="en-US" sz="1400" dirty="0" smtClean="0">
-              <a:solidFill>
-                <a:schemeClr val="bg1">
-                  <a:lumMod val="50000"/>
-                </a:schemeClr>
-              </a:solidFill>
-            </a:endParaRPr>
           </a:p>
           <a:p>
             <a:r>
@@ -20508,13 +20591,6 @@
               </a:rPr>
               <a:t>Project Plan</a:t>
             </a:r>
-            <a:endParaRPr lang="en-US" sz="1400" dirty="0" smtClean="0">
-              <a:solidFill>
-                <a:schemeClr val="bg1">
-                  <a:lumMod val="50000"/>
-                </a:schemeClr>
-              </a:solidFill>
-            </a:endParaRPr>
           </a:p>
           <a:p>
             <a:r>
@@ -20539,13 +20615,6 @@
               </a:rPr>
               <a:t>Parts</a:t>
             </a:r>
-            <a:endParaRPr lang="en-US" sz="1400" dirty="0" smtClean="0">
-              <a:solidFill>
-                <a:schemeClr val="bg1">
-                  <a:lumMod val="50000"/>
-                </a:schemeClr>
-              </a:solidFill>
-            </a:endParaRPr>
           </a:p>
           <a:p>
             <a:r>
@@ -20558,13 +20627,6 @@
               </a:rPr>
               <a:t>Controls</a:t>
             </a:r>
-            <a:endParaRPr lang="en-US" sz="1400" dirty="0" smtClean="0">
-              <a:solidFill>
-                <a:schemeClr val="bg1">
-                  <a:lumMod val="50000"/>
-                </a:schemeClr>
-              </a:solidFill>
-            </a:endParaRPr>
           </a:p>
           <a:p>
             <a:r>
@@ -20577,13 +20639,6 @@
               </a:rPr>
               <a:t>Modeling</a:t>
             </a:r>
-            <a:endParaRPr lang="en-US" sz="1400" dirty="0" smtClean="0">
-              <a:solidFill>
-                <a:schemeClr val="bg1">
-                  <a:lumMod val="50000"/>
-                </a:schemeClr>
-              </a:solidFill>
-            </a:endParaRPr>
           </a:p>
         </p:txBody>
       </p:sp>
@@ -20637,7 +20692,7 @@
 </p:sld>
 </file>
 
-<file path=ppt/slides/slide22.xml><?xml version="1.0" encoding="utf-8"?>
+<file path=ppt/slides/slide23.xml><?xml version="1.0" encoding="utf-8"?>
 <p:sld xmlns:a="http://schemas.openxmlformats.org/drawingml/2006/main" xmlns:r="http://schemas.openxmlformats.org/officeDocument/2006/relationships" xmlns:p="http://schemas.openxmlformats.org/presentationml/2006/main">
   <p:cSld>
     <p:spTree>
@@ -21235,13 +21290,6 @@
               </a:rPr>
               <a:t>Overview</a:t>
             </a:r>
-            <a:endParaRPr lang="en-US" sz="1400" dirty="0" smtClean="0">
-              <a:solidFill>
-                <a:schemeClr val="bg1">
-                  <a:lumMod val="50000"/>
-                </a:schemeClr>
-              </a:solidFill>
-            </a:endParaRPr>
           </a:p>
           <a:p>
             <a:endParaRPr lang="en-US" sz="1400" dirty="0" smtClean="0"/>
@@ -21274,11 +21322,6 @@
               </a:rPr>
               <a:t>Parts</a:t>
             </a:r>
-            <a:endParaRPr lang="en-US" sz="1400" dirty="0" smtClean="0">
-              <a:solidFill>
-                <a:schemeClr val="bg1"/>
-              </a:solidFill>
-            </a:endParaRPr>
           </a:p>
           <a:p>
             <a:r>
@@ -21289,11 +21332,6 @@
               </a:rPr>
               <a:t>Controls</a:t>
             </a:r>
-            <a:endParaRPr lang="en-US" sz="1400" dirty="0" smtClean="0">
-              <a:solidFill>
-                <a:schemeClr val="bg1"/>
-              </a:solidFill>
-            </a:endParaRPr>
           </a:p>
           <a:p>
             <a:r>
@@ -22018,13 +22056,6 @@
               </a:rPr>
               <a:t>Overview</a:t>
             </a:r>
-            <a:endParaRPr lang="en-US" sz="1400" dirty="0" smtClean="0">
-              <a:solidFill>
-                <a:schemeClr val="bg1">
-                  <a:lumMod val="50000"/>
-                </a:schemeClr>
-              </a:solidFill>
-            </a:endParaRPr>
           </a:p>
           <a:p>
             <a:endParaRPr lang="en-US" sz="1400" dirty="0" smtClean="0"/>
@@ -22057,11 +22088,6 @@
               </a:rPr>
               <a:t>Parts</a:t>
             </a:r>
-            <a:endParaRPr lang="en-US" sz="1400" dirty="0" smtClean="0">
-              <a:solidFill>
-                <a:schemeClr val="bg1"/>
-              </a:solidFill>
-            </a:endParaRPr>
           </a:p>
           <a:p>
             <a:r>
@@ -22072,11 +22098,6 @@
               </a:rPr>
               <a:t>Controls</a:t>
             </a:r>
-            <a:endParaRPr lang="en-US" sz="1400" dirty="0" smtClean="0">
-              <a:solidFill>
-                <a:schemeClr val="bg1"/>
-              </a:solidFill>
-            </a:endParaRPr>
           </a:p>
           <a:p>
             <a:r>
@@ -22291,13 +22312,6 @@
               </a:rPr>
               <a:t>Overview</a:t>
             </a:r>
-            <a:endParaRPr lang="en-US" sz="1400" dirty="0" smtClean="0">
-              <a:solidFill>
-                <a:schemeClr val="bg1">
-                  <a:lumMod val="50000"/>
-                </a:schemeClr>
-              </a:solidFill>
-            </a:endParaRPr>
           </a:p>
           <a:p>
             <a:r>
@@ -22352,11 +22366,6 @@
               </a:rPr>
               <a:t>Controls</a:t>
             </a:r>
-            <a:endParaRPr lang="en-US" sz="1400" dirty="0" smtClean="0">
-              <a:solidFill>
-                <a:schemeClr val="bg1"/>
-              </a:solidFill>
-            </a:endParaRPr>
           </a:p>
           <a:p>
             <a:r>
@@ -23268,13 +23277,6 @@
               </a:rPr>
               <a:t>Overview</a:t>
             </a:r>
-            <a:endParaRPr lang="en-US" sz="1400" dirty="0" smtClean="0">
-              <a:solidFill>
-                <a:schemeClr val="bg1">
-                  <a:lumMod val="50000"/>
-                </a:schemeClr>
-              </a:solidFill>
-            </a:endParaRPr>
           </a:p>
           <a:p>
             <a:r>
@@ -23329,11 +23331,6 @@
               </a:rPr>
               <a:t>Controls</a:t>
             </a:r>
-            <a:endParaRPr lang="en-US" sz="1400" dirty="0" smtClean="0">
-              <a:solidFill>
-                <a:schemeClr val="bg1"/>
-              </a:solidFill>
-            </a:endParaRPr>
           </a:p>
           <a:p>
             <a:r>
@@ -23606,13 +23603,6 @@
               </a:rPr>
               <a:t>Overview</a:t>
             </a:r>
-            <a:endParaRPr lang="en-US" sz="1400" dirty="0" smtClean="0">
-              <a:solidFill>
-                <a:schemeClr val="bg1">
-                  <a:lumMod val="50000"/>
-                </a:schemeClr>
-              </a:solidFill>
-            </a:endParaRPr>
           </a:p>
           <a:p>
             <a:r>
@@ -23623,17 +23613,7 @@
                   </a:schemeClr>
                 </a:solidFill>
               </a:rPr>
-              <a:t>Project </a:t>
-            </a:r>
-            <a:r>
-              <a:rPr lang="en-US" sz="1400" dirty="0" smtClean="0">
-                <a:solidFill>
-                  <a:schemeClr val="bg1">
-                    <a:lumMod val="50000"/>
-                  </a:schemeClr>
-                </a:solidFill>
-              </a:rPr>
-              <a:t>Plan</a:t>
+              <a:t>Project Plan</a:t>
             </a:r>
           </a:p>
           <a:p>
@@ -23647,6 +23627,8 @@
               </a:rPr>
               <a:t>Status</a:t>
             </a:r>
+          </a:p>
+          <a:p>
             <a:endParaRPr lang="en-US" sz="1400" dirty="0" smtClean="0">
               <a:solidFill>
                 <a:schemeClr val="bg1">
@@ -23656,15 +23638,6 @@
             </a:endParaRPr>
           </a:p>
           <a:p>
-            <a:endParaRPr lang="en-US" sz="1400" dirty="0" smtClean="0">
-              <a:solidFill>
-                <a:schemeClr val="bg1">
-                  <a:lumMod val="50000"/>
-                </a:schemeClr>
-              </a:solidFill>
-            </a:endParaRPr>
-          </a:p>
-          <a:p>
             <a:endParaRPr lang="en-US" sz="1400" dirty="0" smtClean="0"/>
           </a:p>
           <a:p>
@@ -23686,11 +23659,6 @@
               </a:rPr>
               <a:t>Controls</a:t>
             </a:r>
-            <a:endParaRPr lang="en-US" sz="1400" dirty="0" smtClean="0">
-              <a:solidFill>
-                <a:schemeClr val="bg1"/>
-              </a:solidFill>
-            </a:endParaRPr>
           </a:p>
           <a:p>
             <a:r>
@@ -23801,15 +23769,7 @@
           <a:p>
             <a:r>
               <a:rPr lang="en-US" sz="2800" dirty="0" smtClean="0"/>
-              <a:t>Determining Parts</a:t>
-            </a:r>
-            <a:r>
-              <a:rPr lang="en-US" sz="2800" dirty="0" smtClean="0"/>
-              <a:t>– </a:t>
-            </a:r>
-            <a:r>
-              <a:rPr lang="en-US" sz="2800" dirty="0" smtClean="0"/>
-              <a:t>Decision Matrices: Overview</a:t>
+              <a:t>Determining Parts– Decision Matrices: Overview</a:t>
             </a:r>
             <a:endParaRPr lang="en-US" sz="2800" dirty="0"/>
           </a:p>
@@ -24007,13 +23967,6 @@
               </a:rPr>
               <a:t>Overview</a:t>
             </a:r>
-            <a:endParaRPr lang="en-US" sz="1400" dirty="0" smtClean="0">
-              <a:solidFill>
-                <a:schemeClr val="bg1">
-                  <a:lumMod val="50000"/>
-                </a:schemeClr>
-              </a:solidFill>
-            </a:endParaRPr>
           </a:p>
           <a:p>
             <a:r>
@@ -24024,17 +23977,7 @@
                   </a:schemeClr>
                 </a:solidFill>
               </a:rPr>
-              <a:t>Project </a:t>
-            </a:r>
-            <a:r>
-              <a:rPr lang="en-US" sz="1400" dirty="0" smtClean="0">
-                <a:solidFill>
-                  <a:schemeClr val="bg1">
-                    <a:lumMod val="50000"/>
-                  </a:schemeClr>
-                </a:solidFill>
-              </a:rPr>
-              <a:t>Plan</a:t>
+              <a:t>Project Plan</a:t>
             </a:r>
           </a:p>
           <a:p>
@@ -24048,6 +23991,8 @@
               </a:rPr>
               <a:t>Status</a:t>
             </a:r>
+          </a:p>
+          <a:p>
             <a:endParaRPr lang="en-US" sz="1400" dirty="0" smtClean="0">
               <a:solidFill>
                 <a:schemeClr val="bg1">
@@ -24057,15 +24002,6 @@
             </a:endParaRPr>
           </a:p>
           <a:p>
-            <a:endParaRPr lang="en-US" sz="1400" dirty="0" smtClean="0">
-              <a:solidFill>
-                <a:schemeClr val="bg1">
-                  <a:lumMod val="50000"/>
-                </a:schemeClr>
-              </a:solidFill>
-            </a:endParaRPr>
-          </a:p>
-          <a:p>
             <a:endParaRPr lang="en-US" sz="1400" dirty="0" smtClean="0"/>
           </a:p>
           <a:p>
@@ -24087,11 +24023,6 @@
               </a:rPr>
               <a:t>Controls</a:t>
             </a:r>
-            <a:endParaRPr lang="en-US" sz="1400" dirty="0" smtClean="0">
-              <a:solidFill>
-                <a:schemeClr val="bg1"/>
-              </a:solidFill>
-            </a:endParaRPr>
           </a:p>
           <a:p>
             <a:r>
@@ -24202,11 +24133,7 @@
           <a:p>
             <a:r>
               <a:rPr lang="en-US" sz="2800" dirty="0" smtClean="0"/>
-              <a:t>Determining Parts – </a:t>
-            </a:r>
-            <a:r>
-              <a:rPr lang="en-US" sz="2800" dirty="0" smtClean="0"/>
-              <a:t>Decision Matrices: Weights</a:t>
+              <a:t>Determining Parts – Decision Matrices: Weights</a:t>
             </a:r>
             <a:endParaRPr lang="en-US" sz="2800" dirty="0"/>
           </a:p>
@@ -24404,13 +24331,6 @@
               </a:rPr>
               <a:t>Overview</a:t>
             </a:r>
-            <a:endParaRPr lang="en-US" sz="1400" dirty="0" smtClean="0">
-              <a:solidFill>
-                <a:schemeClr val="bg1">
-                  <a:lumMod val="50000"/>
-                </a:schemeClr>
-              </a:solidFill>
-            </a:endParaRPr>
           </a:p>
           <a:p>
             <a:r>
@@ -24421,17 +24341,7 @@
                   </a:schemeClr>
                 </a:solidFill>
               </a:rPr>
-              <a:t>Project </a:t>
-            </a:r>
-            <a:r>
-              <a:rPr lang="en-US" sz="1400" dirty="0" smtClean="0">
-                <a:solidFill>
-                  <a:schemeClr val="bg1">
-                    <a:lumMod val="50000"/>
-                  </a:schemeClr>
-                </a:solidFill>
-              </a:rPr>
-              <a:t>Plan</a:t>
+              <a:t>Project Plan</a:t>
             </a:r>
           </a:p>
           <a:p>
@@ -24445,6 +24355,8 @@
               </a:rPr>
               <a:t>Status</a:t>
             </a:r>
+          </a:p>
+          <a:p>
             <a:endParaRPr lang="en-US" sz="1400" dirty="0" smtClean="0">
               <a:solidFill>
                 <a:schemeClr val="bg1">
@@ -24454,15 +24366,6 @@
             </a:endParaRPr>
           </a:p>
           <a:p>
-            <a:endParaRPr lang="en-US" sz="1400" dirty="0" smtClean="0">
-              <a:solidFill>
-                <a:schemeClr val="bg1">
-                  <a:lumMod val="50000"/>
-                </a:schemeClr>
-              </a:solidFill>
-            </a:endParaRPr>
-          </a:p>
-          <a:p>
             <a:endParaRPr lang="en-US" sz="1400" dirty="0" smtClean="0"/>
           </a:p>
           <a:p>
@@ -24484,11 +24387,6 @@
               </a:rPr>
               <a:t>Controls</a:t>
             </a:r>
-            <a:endParaRPr lang="en-US" sz="1400" dirty="0" smtClean="0">
-              <a:solidFill>
-                <a:schemeClr val="bg1"/>
-              </a:solidFill>
-            </a:endParaRPr>
           </a:p>
           <a:p>
             <a:r>
@@ -24599,11 +24497,7 @@
           <a:p>
             <a:r>
               <a:rPr lang="en-US" sz="2800" dirty="0" smtClean="0"/>
-              <a:t>Determining Parts – </a:t>
-            </a:r>
-            <a:r>
-              <a:rPr lang="en-US" sz="2800" dirty="0" smtClean="0"/>
-              <a:t>Decision Matrices: Evaluation</a:t>
+              <a:t>Determining Parts – Decision Matrices: Evaluation</a:t>
             </a:r>
             <a:endParaRPr lang="en-US" sz="2800" dirty="0"/>
           </a:p>

--- a/Documentation/Design Reviews/Design Review 1.pptx
+++ b/Documentation/Design Reviews/Design Review 1.pptx
@@ -377,7 +377,6 @@
     </c:plotArea>
     <c:legend>
       <c:legendPos val="r"/>
-      <c:layout/>
       <c:overlay val="0"/>
     </c:legend>
     <c:plotVisOnly val="1"/>
@@ -1670,30 +1669,30 @@
     </dgm:pt>
   </dgm:ptLst>
   <dgm:cxnLst>
+    <dgm:cxn modelId="{3315D23B-2CFF-4564-8C5B-949FBD8DF287}" type="presOf" srcId="{4C1B39BF-F010-4321-A742-3FBC32925276}" destId="{47177BF1-5F2D-48EF-8497-21FE3FD9FE79}" srcOrd="0" destOrd="0" presId="urn:microsoft.com/office/officeart/2008/layout/RadialCluster"/>
+    <dgm:cxn modelId="{93F051FE-4DAD-4282-B99F-B0F7FF420B95}" srcId="{20BE8E71-F497-468A-8BCF-867CD172525E}" destId="{73692DD7-5A4E-48BB-B470-C5A4DA4EC749}" srcOrd="4" destOrd="0" parTransId="{8E16C110-46DD-418E-B68B-41176C7363CB}" sibTransId="{F993AD63-E991-4E38-8297-04B334507A7E}"/>
+    <dgm:cxn modelId="{9801DC9E-87CA-482B-BEFD-C61AA9E8153B}" type="presOf" srcId="{8F9A3036-4F59-4DA9-BC69-9C65CC5FF756}" destId="{4F1D4343-F068-4E09-A4D6-84538D008E3A}" srcOrd="0" destOrd="0" presId="urn:microsoft.com/office/officeart/2008/layout/RadialCluster"/>
+    <dgm:cxn modelId="{C2859883-5757-46E9-8E4F-5E8DE07FE54E}" srcId="{20BE8E71-F497-468A-8BCF-867CD172525E}" destId="{4C1B39BF-F010-4321-A742-3FBC32925276}" srcOrd="6" destOrd="0" parTransId="{4231E3A6-8236-41B8-8CD9-63D77671A4C8}" sibTransId="{5200D3A7-3CAD-44FB-B8C1-9407EA7D36E6}"/>
+    <dgm:cxn modelId="{37D790B7-A6B2-486C-AC56-3F127FDFC93D}" type="presOf" srcId="{2CAD2807-D227-4017-ADAE-4A618EC18CA1}" destId="{3C9F8E07-2750-4F18-8439-C39435BC2A48}" srcOrd="0" destOrd="0" presId="urn:microsoft.com/office/officeart/2008/layout/RadialCluster"/>
+    <dgm:cxn modelId="{CBD0D219-0D1F-4AD5-9833-EB8FF4BB68DE}" type="presOf" srcId="{A582B7BA-4838-4A95-B337-9DB7268116E5}" destId="{6A9A5629-B80C-4D13-8A9A-8E0030CA29C6}" srcOrd="0" destOrd="0" presId="urn:microsoft.com/office/officeart/2008/layout/RadialCluster"/>
+    <dgm:cxn modelId="{84A1FB9D-2A24-4CE0-84DB-F1DA371028CC}" srcId="{2F4CBA2C-CAAA-42CF-B78F-87DEEF1B277A}" destId="{20BE8E71-F497-468A-8BCF-867CD172525E}" srcOrd="0" destOrd="0" parTransId="{10E7CD52-C70D-4B0D-BA73-39E7D6E0C441}" sibTransId="{C709E9FE-A76B-44F6-BBD4-8043D15198BD}"/>
+    <dgm:cxn modelId="{A3229B7A-98F5-4A02-B1BC-20C1B2FD93E3}" srcId="{20BE8E71-F497-468A-8BCF-867CD172525E}" destId="{CDB2F97C-D222-4B7B-AD17-9B1FCACAE65F}" srcOrd="5" destOrd="0" parTransId="{6D930E7D-F4CB-4AC6-8B6C-E671E00D2CDA}" sibTransId="{3DB89215-6E3B-42AE-A1CB-3027719161AB}"/>
+    <dgm:cxn modelId="{687A8EDA-2547-4B66-A2DF-5F77F1D17C87}" type="presOf" srcId="{20BE8E71-F497-468A-8BCF-867CD172525E}" destId="{EA7B28CB-2911-4779-869A-AEC78C5F1671}" srcOrd="0" destOrd="0" presId="urn:microsoft.com/office/officeart/2008/layout/RadialCluster"/>
+    <dgm:cxn modelId="{0BB6BE93-6D07-4673-BD6D-65D3ADF9CEC3}" type="presOf" srcId="{2F4CBA2C-CAAA-42CF-B78F-87DEEF1B277A}" destId="{F3FFE5E4-1BC0-4B54-81AE-AA579CAF2653}" srcOrd="0" destOrd="0" presId="urn:microsoft.com/office/officeart/2008/layout/RadialCluster"/>
+    <dgm:cxn modelId="{8C68F102-B0A2-4886-87E1-F9FB7D1B138B}" srcId="{20BE8E71-F497-468A-8BCF-867CD172525E}" destId="{BD98ED33-66DC-415F-9A6F-2546BAAF3B3D}" srcOrd="1" destOrd="0" parTransId="{14D5249F-26A5-4564-AB2D-600D54F71173}" sibTransId="{33D01D21-955E-4F24-A18E-4041C0D6DE2B}"/>
     <dgm:cxn modelId="{86581E74-C593-4A2D-BD5E-CE1BC5CC7E25}" srcId="{20BE8E71-F497-468A-8BCF-867CD172525E}" destId="{8F9A3036-4F59-4DA9-BC69-9C65CC5FF756}" srcOrd="2" destOrd="0" parTransId="{2CAD2807-D227-4017-ADAE-4A618EC18CA1}" sibTransId="{37768D46-5764-48A9-B061-92B3238D2032}"/>
+    <dgm:cxn modelId="{592CB8F0-757C-454F-820C-9ECAD0BA8C6C}" type="presOf" srcId="{23159B30-BD23-4DDD-8C73-F4E0AA557D76}" destId="{52F0F047-BCCC-42EF-9CAE-76E3CB0C88BA}" srcOrd="0" destOrd="0" presId="urn:microsoft.com/office/officeart/2008/layout/RadialCluster"/>
+    <dgm:cxn modelId="{985F22C7-0E7D-42A9-953C-A246EBC99718}" srcId="{20BE8E71-F497-468A-8BCF-867CD172525E}" destId="{23159B30-BD23-4DDD-8C73-F4E0AA557D76}" srcOrd="0" destOrd="0" parTransId="{7EA5189C-8A82-4E31-B8DE-1A2F0B8D4C54}" sibTransId="{F4542481-DB3E-488C-ACCA-3E4EB5875099}"/>
+    <dgm:cxn modelId="{0E26857C-86C4-4BCD-9F66-26E63A1CA80C}" type="presOf" srcId="{BD98ED33-66DC-415F-9A6F-2546BAAF3B3D}" destId="{323636B3-28E9-4D84-9B24-4CA99FA81ACE}" srcOrd="0" destOrd="0" presId="urn:microsoft.com/office/officeart/2008/layout/RadialCluster"/>
+    <dgm:cxn modelId="{9AA18266-4943-45ED-A460-D5F91AC5B52E}" type="presOf" srcId="{36786B02-748A-4748-B2D4-5874F7413149}" destId="{F3A44B51-B4D8-4EB5-89F7-4849638C9113}" srcOrd="0" destOrd="0" presId="urn:microsoft.com/office/officeart/2008/layout/RadialCluster"/>
+    <dgm:cxn modelId="{C5384FD1-877F-4593-8247-FA395F924F75}" type="presOf" srcId="{14D5249F-26A5-4564-AB2D-600D54F71173}" destId="{B84AF4A8-3947-45EA-8993-17FEB967E4E7}" srcOrd="0" destOrd="0" presId="urn:microsoft.com/office/officeart/2008/layout/RadialCluster"/>
+    <dgm:cxn modelId="{6A2E968B-2B00-4302-9A51-BA269571DA50}" type="presOf" srcId="{8E16C110-46DD-418E-B68B-41176C7363CB}" destId="{0B933785-8F10-4908-A031-95865622E3A9}" srcOrd="0" destOrd="0" presId="urn:microsoft.com/office/officeart/2008/layout/RadialCluster"/>
+    <dgm:cxn modelId="{122508DC-A576-4A03-83E4-985FEF1A8B82}" srcId="{20BE8E71-F497-468A-8BCF-867CD172525E}" destId="{A582B7BA-4838-4A95-B337-9DB7268116E5}" srcOrd="3" destOrd="0" parTransId="{36786B02-748A-4748-B2D4-5874F7413149}" sibTransId="{4C297DF1-AEBE-4A83-A484-A60056753F8A}"/>
+    <dgm:cxn modelId="{F93764F6-6CF4-486A-B088-61AFCBE74DDC}" type="presOf" srcId="{4231E3A6-8236-41B8-8CD9-63D77671A4C8}" destId="{FB5C7847-0F50-42C0-A98F-6F92FFC53D0B}" srcOrd="0" destOrd="0" presId="urn:microsoft.com/office/officeart/2008/layout/RadialCluster"/>
     <dgm:cxn modelId="{26F7855D-5015-4F58-ADC8-48ABC6F68CC6}" type="presOf" srcId="{CDB2F97C-D222-4B7B-AD17-9B1FCACAE65F}" destId="{946220FF-E030-4205-92BF-46A67B7F2879}" srcOrd="0" destOrd="0" presId="urn:microsoft.com/office/officeart/2008/layout/RadialCluster"/>
-    <dgm:cxn modelId="{3315D23B-2CFF-4564-8C5B-949FBD8DF287}" type="presOf" srcId="{4C1B39BF-F010-4321-A742-3FBC32925276}" destId="{47177BF1-5F2D-48EF-8497-21FE3FD9FE79}" srcOrd="0" destOrd="0" presId="urn:microsoft.com/office/officeart/2008/layout/RadialCluster"/>
-    <dgm:cxn modelId="{6A2E968B-2B00-4302-9A51-BA269571DA50}" type="presOf" srcId="{8E16C110-46DD-418E-B68B-41176C7363CB}" destId="{0B933785-8F10-4908-A031-95865622E3A9}" srcOrd="0" destOrd="0" presId="urn:microsoft.com/office/officeart/2008/layout/RadialCluster"/>
-    <dgm:cxn modelId="{0BB6BE93-6D07-4673-BD6D-65D3ADF9CEC3}" type="presOf" srcId="{2F4CBA2C-CAAA-42CF-B78F-87DEEF1B277A}" destId="{F3FFE5E4-1BC0-4B54-81AE-AA579CAF2653}" srcOrd="0" destOrd="0" presId="urn:microsoft.com/office/officeart/2008/layout/RadialCluster"/>
-    <dgm:cxn modelId="{A3229B7A-98F5-4A02-B1BC-20C1B2FD93E3}" srcId="{20BE8E71-F497-468A-8BCF-867CD172525E}" destId="{CDB2F97C-D222-4B7B-AD17-9B1FCACAE65F}" srcOrd="5" destOrd="0" parTransId="{6D930E7D-F4CB-4AC6-8B6C-E671E00D2CDA}" sibTransId="{3DB89215-6E3B-42AE-A1CB-3027719161AB}"/>
-    <dgm:cxn modelId="{CBD0D219-0D1F-4AD5-9833-EB8FF4BB68DE}" type="presOf" srcId="{A582B7BA-4838-4A95-B337-9DB7268116E5}" destId="{6A9A5629-B80C-4D13-8A9A-8E0030CA29C6}" srcOrd="0" destOrd="0" presId="urn:microsoft.com/office/officeart/2008/layout/RadialCluster"/>
-    <dgm:cxn modelId="{93F051FE-4DAD-4282-B99F-B0F7FF420B95}" srcId="{20BE8E71-F497-468A-8BCF-867CD172525E}" destId="{73692DD7-5A4E-48BB-B470-C5A4DA4EC749}" srcOrd="4" destOrd="0" parTransId="{8E16C110-46DD-418E-B68B-41176C7363CB}" sibTransId="{F993AD63-E991-4E38-8297-04B334507A7E}"/>
-    <dgm:cxn modelId="{F93764F6-6CF4-486A-B088-61AFCBE74DDC}" type="presOf" srcId="{4231E3A6-8236-41B8-8CD9-63D77671A4C8}" destId="{FB5C7847-0F50-42C0-A98F-6F92FFC53D0B}" srcOrd="0" destOrd="0" presId="urn:microsoft.com/office/officeart/2008/layout/RadialCluster"/>
-    <dgm:cxn modelId="{8C68F102-B0A2-4886-87E1-F9FB7D1B138B}" srcId="{20BE8E71-F497-468A-8BCF-867CD172525E}" destId="{BD98ED33-66DC-415F-9A6F-2546BAAF3B3D}" srcOrd="1" destOrd="0" parTransId="{14D5249F-26A5-4564-AB2D-600D54F71173}" sibTransId="{33D01D21-955E-4F24-A18E-4041C0D6DE2B}"/>
-    <dgm:cxn modelId="{9801DC9E-87CA-482B-BEFD-C61AA9E8153B}" type="presOf" srcId="{8F9A3036-4F59-4DA9-BC69-9C65CC5FF756}" destId="{4F1D4343-F068-4E09-A4D6-84538D008E3A}" srcOrd="0" destOrd="0" presId="urn:microsoft.com/office/officeart/2008/layout/RadialCluster"/>
-    <dgm:cxn modelId="{592CB8F0-757C-454F-820C-9ECAD0BA8C6C}" type="presOf" srcId="{23159B30-BD23-4DDD-8C73-F4E0AA557D76}" destId="{52F0F047-BCCC-42EF-9CAE-76E3CB0C88BA}" srcOrd="0" destOrd="0" presId="urn:microsoft.com/office/officeart/2008/layout/RadialCluster"/>
-    <dgm:cxn modelId="{C2859883-5757-46E9-8E4F-5E8DE07FE54E}" srcId="{20BE8E71-F497-468A-8BCF-867CD172525E}" destId="{4C1B39BF-F010-4321-A742-3FBC32925276}" srcOrd="6" destOrd="0" parTransId="{4231E3A6-8236-41B8-8CD9-63D77671A4C8}" sibTransId="{5200D3A7-3CAD-44FB-B8C1-9407EA7D36E6}"/>
-    <dgm:cxn modelId="{122508DC-A576-4A03-83E4-985FEF1A8B82}" srcId="{20BE8E71-F497-468A-8BCF-867CD172525E}" destId="{A582B7BA-4838-4A95-B337-9DB7268116E5}" srcOrd="3" destOrd="0" parTransId="{36786B02-748A-4748-B2D4-5874F7413149}" sibTransId="{4C297DF1-AEBE-4A83-A484-A60056753F8A}"/>
-    <dgm:cxn modelId="{C5384FD1-877F-4593-8247-FA395F924F75}" type="presOf" srcId="{14D5249F-26A5-4564-AB2D-600D54F71173}" destId="{B84AF4A8-3947-45EA-8993-17FEB967E4E7}" srcOrd="0" destOrd="0" presId="urn:microsoft.com/office/officeart/2008/layout/RadialCluster"/>
-    <dgm:cxn modelId="{37D790B7-A6B2-486C-AC56-3F127FDFC93D}" type="presOf" srcId="{2CAD2807-D227-4017-ADAE-4A618EC18CA1}" destId="{3C9F8E07-2750-4F18-8439-C39435BC2A48}" srcOrd="0" destOrd="0" presId="urn:microsoft.com/office/officeart/2008/layout/RadialCluster"/>
-    <dgm:cxn modelId="{84A1FB9D-2A24-4CE0-84DB-F1DA371028CC}" srcId="{2F4CBA2C-CAAA-42CF-B78F-87DEEF1B277A}" destId="{20BE8E71-F497-468A-8BCF-867CD172525E}" srcOrd="0" destOrd="0" parTransId="{10E7CD52-C70D-4B0D-BA73-39E7D6E0C441}" sibTransId="{C709E9FE-A76B-44F6-BBD4-8043D15198BD}"/>
     <dgm:cxn modelId="{CB4208AA-8711-4B6B-B368-C5B8083D375F}" type="presOf" srcId="{6D930E7D-F4CB-4AC6-8B6C-E671E00D2CDA}" destId="{B5E74FB8-825C-4828-9A1C-A241752DC65C}" srcOrd="0" destOrd="0" presId="urn:microsoft.com/office/officeart/2008/layout/RadialCluster"/>
-    <dgm:cxn modelId="{0E26857C-86C4-4BCD-9F66-26E63A1CA80C}" type="presOf" srcId="{BD98ED33-66DC-415F-9A6F-2546BAAF3B3D}" destId="{323636B3-28E9-4D84-9B24-4CA99FA81ACE}" srcOrd="0" destOrd="0" presId="urn:microsoft.com/office/officeart/2008/layout/RadialCluster"/>
     <dgm:cxn modelId="{61CD37EC-E091-4684-BA08-16DEF43099BB}" type="presOf" srcId="{7EA5189C-8A82-4E31-B8DE-1A2F0B8D4C54}" destId="{C2CB6F57-0576-413F-A293-A0E78B21B9F8}" srcOrd="0" destOrd="0" presId="urn:microsoft.com/office/officeart/2008/layout/RadialCluster"/>
-    <dgm:cxn modelId="{985F22C7-0E7D-42A9-953C-A246EBC99718}" srcId="{20BE8E71-F497-468A-8BCF-867CD172525E}" destId="{23159B30-BD23-4DDD-8C73-F4E0AA557D76}" srcOrd="0" destOrd="0" parTransId="{7EA5189C-8A82-4E31-B8DE-1A2F0B8D4C54}" sibTransId="{F4542481-DB3E-488C-ACCA-3E4EB5875099}"/>
     <dgm:cxn modelId="{137A4AF1-06F5-4D8A-8F96-21F19B99C142}" type="presOf" srcId="{73692DD7-5A4E-48BB-B470-C5A4DA4EC749}" destId="{42C18C40-B4AA-446C-B562-40C2969136A5}" srcOrd="0" destOrd="0" presId="urn:microsoft.com/office/officeart/2008/layout/RadialCluster"/>
-    <dgm:cxn modelId="{687A8EDA-2547-4B66-A2DF-5F77F1D17C87}" type="presOf" srcId="{20BE8E71-F497-468A-8BCF-867CD172525E}" destId="{EA7B28CB-2911-4779-869A-AEC78C5F1671}" srcOrd="0" destOrd="0" presId="urn:microsoft.com/office/officeart/2008/layout/RadialCluster"/>
-    <dgm:cxn modelId="{9AA18266-4943-45ED-A460-D5F91AC5B52E}" type="presOf" srcId="{36786B02-748A-4748-B2D4-5874F7413149}" destId="{F3A44B51-B4D8-4EB5-89F7-4849638C9113}" srcOrd="0" destOrd="0" presId="urn:microsoft.com/office/officeart/2008/layout/RadialCluster"/>
     <dgm:cxn modelId="{BFFCAA7A-7A50-4032-9C89-D6620E9AD265}" type="presParOf" srcId="{F3FFE5E4-1BC0-4B54-81AE-AA579CAF2653}" destId="{B22068D3-DDED-4F7A-869F-113F94CC087D}" srcOrd="0" destOrd="0" presId="urn:microsoft.com/office/officeart/2008/layout/RadialCluster"/>
     <dgm:cxn modelId="{22E76D57-FA4B-4090-8D7B-637F59289991}" type="presParOf" srcId="{B22068D3-DDED-4F7A-869F-113F94CC087D}" destId="{EA7B28CB-2911-4779-869A-AEC78C5F1671}" srcOrd="0" destOrd="0" presId="urn:microsoft.com/office/officeart/2008/layout/RadialCluster"/>
     <dgm:cxn modelId="{C4FCDBE5-0DDD-44F7-B65C-D908399031A9}" type="presParOf" srcId="{B22068D3-DDED-4F7A-869F-113F94CC087D}" destId="{C2CB6F57-0576-413F-A293-A0E78B21B9F8}" srcOrd="1" destOrd="0" presId="urn:microsoft.com/office/officeart/2008/layout/RadialCluster"/>
@@ -1729,1007 +1728,6 @@
       <dsp:cNvGrpSpPr/>
     </dsp:nvGrpSpPr>
     <dsp:grpSpPr/>
-    <dsp:sp modelId="{EA7B28CB-2911-4779-869A-AEC78C5F1671}">
-      <dsp:nvSpPr>
-        <dsp:cNvPr id="0" name=""/>
-        <dsp:cNvSpPr/>
-      </dsp:nvSpPr>
-      <dsp:spPr>
-        <a:xfrm>
-          <a:off x="2566179" y="1672552"/>
-          <a:ext cx="2219755" cy="1690014"/>
-        </a:xfrm>
-        <a:prstGeom prst="roundRect">
-          <a:avLst/>
-        </a:prstGeom>
-        <a:solidFill>
-          <a:schemeClr val="accent1">
-            <a:hueOff val="0"/>
-            <a:satOff val="0"/>
-            <a:lumOff val="0"/>
-            <a:alphaOff val="0"/>
-          </a:schemeClr>
-        </a:solidFill>
-        <a:ln w="25400" cap="flat" cmpd="sng" algn="ctr">
-          <a:solidFill>
-            <a:schemeClr val="lt1">
-              <a:hueOff val="0"/>
-              <a:satOff val="0"/>
-              <a:lumOff val="0"/>
-              <a:alphaOff val="0"/>
-            </a:schemeClr>
-          </a:solidFill>
-          <a:prstDash val="solid"/>
-        </a:ln>
-        <a:effectLst/>
-      </dsp:spPr>
-      <dsp:style>
-        <a:lnRef idx="2">
-          <a:scrgbClr r="0" g="0" b="0"/>
-        </a:lnRef>
-        <a:fillRef idx="1">
-          <a:scrgbClr r="0" g="0" b="0"/>
-        </a:fillRef>
-        <a:effectRef idx="0">
-          <a:scrgbClr r="0" g="0" b="0"/>
-        </a:effectRef>
-        <a:fontRef idx="minor">
-          <a:schemeClr val="lt1"/>
-        </a:fontRef>
-      </dsp:style>
-      <dsp:txBody>
-        <a:bodyPr spcFirstLastPara="0" vert="horz" wrap="square" lIns="81280" tIns="81280" rIns="81280" bIns="81280" numCol="1" spcCol="1270" anchor="ctr" anchorCtr="0">
-          <a:noAutofit/>
-        </a:bodyPr>
-        <a:lstStyle/>
-        <a:p>
-          <a:pPr lvl="0" algn="ctr" defTabSz="1422400">
-            <a:lnSpc>
-              <a:spcPct val="90000"/>
-            </a:lnSpc>
-            <a:spcBef>
-              <a:spcPct val="0"/>
-            </a:spcBef>
-            <a:spcAft>
-              <a:spcPct val="35000"/>
-            </a:spcAft>
-          </a:pPr>
-          <a:r>
-            <a:rPr lang="en-US" sz="3200" kern="1200" dirty="0" smtClean="0"/>
-            <a:t>Self Balancing Unicycle</a:t>
-          </a:r>
-          <a:endParaRPr lang="en-US" sz="3200" kern="1200" dirty="0"/>
-        </a:p>
-      </dsp:txBody>
-      <dsp:txXfrm>
-        <a:off x="2648679" y="1755052"/>
-        <a:ext cx="2054755" cy="1525014"/>
-      </dsp:txXfrm>
-    </dsp:sp>
-    <dsp:sp modelId="{C2CB6F57-0576-413F-A293-A0E78B21B9F8}">
-      <dsp:nvSpPr>
-        <dsp:cNvPr id="0" name=""/>
-        <dsp:cNvSpPr/>
-      </dsp:nvSpPr>
-      <dsp:spPr>
-        <a:xfrm rot="16200000">
-          <a:off x="3336832" y="1333327"/>
-          <a:ext cx="678449" cy="0"/>
-        </a:xfrm>
-        <a:custGeom>
-          <a:avLst/>
-          <a:gdLst/>
-          <a:ahLst/>
-          <a:cxnLst/>
-          <a:rect l="0" t="0" r="0" b="0"/>
-          <a:pathLst>
-            <a:path>
-              <a:moveTo>
-                <a:pt x="0" y="0"/>
-              </a:moveTo>
-              <a:lnTo>
-                <a:pt x="678449" y="0"/>
-              </a:lnTo>
-            </a:path>
-          </a:pathLst>
-        </a:custGeom>
-        <a:noFill/>
-        <a:ln w="25400" cap="flat" cmpd="sng" algn="ctr">
-          <a:solidFill>
-            <a:schemeClr val="accent1">
-              <a:shade val="60000"/>
-              <a:hueOff val="0"/>
-              <a:satOff val="0"/>
-              <a:lumOff val="0"/>
-              <a:alphaOff val="0"/>
-            </a:schemeClr>
-          </a:solidFill>
-          <a:prstDash val="solid"/>
-        </a:ln>
-        <a:effectLst/>
-      </dsp:spPr>
-      <dsp:style>
-        <a:lnRef idx="2">
-          <a:scrgbClr r="0" g="0" b="0"/>
-        </a:lnRef>
-        <a:fillRef idx="0">
-          <a:scrgbClr r="0" g="0" b="0"/>
-        </a:fillRef>
-        <a:effectRef idx="0">
-          <a:scrgbClr r="0" g="0" b="0"/>
-        </a:effectRef>
-        <a:fontRef idx="minor"/>
-      </dsp:style>
-    </dsp:sp>
-    <dsp:sp modelId="{52F0F047-BCCC-42EF-9CAE-76E3CB0C88BA}">
-      <dsp:nvSpPr>
-        <dsp:cNvPr id="0" name=""/>
-        <dsp:cNvSpPr/>
-      </dsp:nvSpPr>
-      <dsp:spPr>
-        <a:xfrm>
-          <a:off x="2871075" y="3655"/>
-          <a:ext cx="1609962" cy="990447"/>
-        </a:xfrm>
-        <a:prstGeom prst="roundRect">
-          <a:avLst/>
-        </a:prstGeom>
-        <a:solidFill>
-          <a:schemeClr val="accent1">
-            <a:hueOff val="0"/>
-            <a:satOff val="0"/>
-            <a:lumOff val="0"/>
-            <a:alphaOff val="0"/>
-          </a:schemeClr>
-        </a:solidFill>
-        <a:ln w="25400" cap="flat" cmpd="sng" algn="ctr">
-          <a:solidFill>
-            <a:schemeClr val="lt1">
-              <a:hueOff val="0"/>
-              <a:satOff val="0"/>
-              <a:lumOff val="0"/>
-              <a:alphaOff val="0"/>
-            </a:schemeClr>
-          </a:solidFill>
-          <a:prstDash val="solid"/>
-        </a:ln>
-        <a:effectLst/>
-      </dsp:spPr>
-      <dsp:style>
-        <a:lnRef idx="2">
-          <a:scrgbClr r="0" g="0" b="0"/>
-        </a:lnRef>
-        <a:fillRef idx="1">
-          <a:scrgbClr r="0" g="0" b="0"/>
-        </a:fillRef>
-        <a:effectRef idx="0">
-          <a:scrgbClr r="0" g="0" b="0"/>
-        </a:effectRef>
-        <a:fontRef idx="minor">
-          <a:schemeClr val="lt1"/>
-        </a:fontRef>
-      </dsp:style>
-      <dsp:txBody>
-        <a:bodyPr spcFirstLastPara="0" vert="horz" wrap="square" lIns="63500" tIns="63500" rIns="63500" bIns="63500" numCol="1" spcCol="1270" anchor="ctr" anchorCtr="0">
-          <a:noAutofit/>
-        </a:bodyPr>
-        <a:lstStyle/>
-        <a:p>
-          <a:pPr lvl="0" algn="ctr" defTabSz="1111250">
-            <a:lnSpc>
-              <a:spcPct val="90000"/>
-            </a:lnSpc>
-            <a:spcBef>
-              <a:spcPct val="0"/>
-            </a:spcBef>
-            <a:spcAft>
-              <a:spcPct val="35000"/>
-            </a:spcAft>
-          </a:pPr>
-          <a:r>
-            <a:rPr lang="en-US" sz="2500" kern="1200" dirty="0" smtClean="0"/>
-            <a:t>Non-linear system</a:t>
-          </a:r>
-          <a:endParaRPr lang="en-US" sz="2500" kern="1200" dirty="0"/>
-        </a:p>
-      </dsp:txBody>
-      <dsp:txXfrm>
-        <a:off x="2919425" y="52005"/>
-        <a:ext cx="1513262" cy="893747"/>
-      </dsp:txXfrm>
-    </dsp:sp>
-    <dsp:sp modelId="{B84AF4A8-3947-45EA-8993-17FEB967E4E7}">
-      <dsp:nvSpPr>
-        <dsp:cNvPr id="0" name=""/>
-        <dsp:cNvSpPr/>
-      </dsp:nvSpPr>
-      <dsp:spPr>
-        <a:xfrm rot="19918502">
-          <a:off x="4729479" y="1700587"/>
-          <a:ext cx="962924" cy="0"/>
-        </a:xfrm>
-        <a:custGeom>
-          <a:avLst/>
-          <a:gdLst/>
-          <a:ahLst/>
-          <a:cxnLst/>
-          <a:rect l="0" t="0" r="0" b="0"/>
-          <a:pathLst>
-            <a:path>
-              <a:moveTo>
-                <a:pt x="0" y="0"/>
-              </a:moveTo>
-              <a:lnTo>
-                <a:pt x="962924" y="0"/>
-              </a:lnTo>
-            </a:path>
-          </a:pathLst>
-        </a:custGeom>
-        <a:noFill/>
-        <a:ln w="25400" cap="flat" cmpd="sng" algn="ctr">
-          <a:solidFill>
-            <a:schemeClr val="accent1">
-              <a:shade val="60000"/>
-              <a:hueOff val="0"/>
-              <a:satOff val="0"/>
-              <a:lumOff val="0"/>
-              <a:alphaOff val="0"/>
-            </a:schemeClr>
-          </a:solidFill>
-          <a:prstDash val="solid"/>
-        </a:ln>
-        <a:effectLst/>
-      </dsp:spPr>
-      <dsp:style>
-        <a:lnRef idx="2">
-          <a:scrgbClr r="0" g="0" b="0"/>
-        </a:lnRef>
-        <a:fillRef idx="0">
-          <a:scrgbClr r="0" g="0" b="0"/>
-        </a:fillRef>
-        <a:effectRef idx="0">
-          <a:scrgbClr r="0" g="0" b="0"/>
-        </a:effectRef>
-        <a:fontRef idx="minor"/>
-      </dsp:style>
-    </dsp:sp>
-    <dsp:sp modelId="{323636B3-28E9-4D84-9B24-4CA99FA81ACE}">
-      <dsp:nvSpPr>
-        <dsp:cNvPr id="0" name=""/>
-        <dsp:cNvSpPr/>
-      </dsp:nvSpPr>
-      <dsp:spPr>
-        <a:xfrm>
-          <a:off x="5635949" y="615952"/>
-          <a:ext cx="1364698" cy="990447"/>
-        </a:xfrm>
-        <a:prstGeom prst="roundRect">
-          <a:avLst/>
-        </a:prstGeom>
-        <a:solidFill>
-          <a:schemeClr val="accent1">
-            <a:hueOff val="0"/>
-            <a:satOff val="0"/>
-            <a:lumOff val="0"/>
-            <a:alphaOff val="0"/>
-          </a:schemeClr>
-        </a:solidFill>
-        <a:ln w="25400" cap="flat" cmpd="sng" algn="ctr">
-          <a:solidFill>
-            <a:schemeClr val="lt1">
-              <a:hueOff val="0"/>
-              <a:satOff val="0"/>
-              <a:lumOff val="0"/>
-              <a:alphaOff val="0"/>
-            </a:schemeClr>
-          </a:solidFill>
-          <a:prstDash val="solid"/>
-        </a:ln>
-        <a:effectLst/>
-      </dsp:spPr>
-      <dsp:style>
-        <a:lnRef idx="2">
-          <a:scrgbClr r="0" g="0" b="0"/>
-        </a:lnRef>
-        <a:fillRef idx="1">
-          <a:scrgbClr r="0" g="0" b="0"/>
-        </a:fillRef>
-        <a:effectRef idx="0">
-          <a:scrgbClr r="0" g="0" b="0"/>
-        </a:effectRef>
-        <a:fontRef idx="minor">
-          <a:schemeClr val="lt1"/>
-        </a:fontRef>
-      </dsp:style>
-      <dsp:txBody>
-        <a:bodyPr spcFirstLastPara="0" vert="horz" wrap="square" lIns="58420" tIns="58420" rIns="58420" bIns="58420" numCol="1" spcCol="1270" anchor="ctr" anchorCtr="0">
-          <a:noAutofit/>
-        </a:bodyPr>
-        <a:lstStyle/>
-        <a:p>
-          <a:pPr lvl="0" algn="ctr" defTabSz="1022350">
-            <a:lnSpc>
-              <a:spcPct val="90000"/>
-            </a:lnSpc>
-            <a:spcBef>
-              <a:spcPct val="0"/>
-            </a:spcBef>
-            <a:spcAft>
-              <a:spcPct val="35000"/>
-            </a:spcAft>
-          </a:pPr>
-          <a:r>
-            <a:rPr lang="en-US" sz="2300" kern="1200" dirty="0" smtClean="0"/>
-            <a:t>Feedback </a:t>
-          </a:r>
-          <a:endParaRPr lang="en-US" sz="2300" kern="1200" dirty="0"/>
-        </a:p>
-      </dsp:txBody>
-      <dsp:txXfrm>
-        <a:off x="5684299" y="664302"/>
-        <a:ext cx="1267998" cy="893747"/>
-      </dsp:txXfrm>
-    </dsp:sp>
-    <dsp:sp modelId="{3C9F8E07-2750-4F18-8439-C39435BC2A48}">
-      <dsp:nvSpPr>
-        <dsp:cNvPr id="0" name=""/>
-        <dsp:cNvSpPr/>
-      </dsp:nvSpPr>
-      <dsp:spPr>
-        <a:xfrm rot="669289">
-          <a:off x="4777399" y="2823814"/>
-          <a:ext cx="903574" cy="0"/>
-        </a:xfrm>
-        <a:custGeom>
-          <a:avLst/>
-          <a:gdLst/>
-          <a:ahLst/>
-          <a:cxnLst/>
-          <a:rect l="0" t="0" r="0" b="0"/>
-          <a:pathLst>
-            <a:path>
-              <a:moveTo>
-                <a:pt x="0" y="0"/>
-              </a:moveTo>
-              <a:lnTo>
-                <a:pt x="903574" y="0"/>
-              </a:lnTo>
-            </a:path>
-          </a:pathLst>
-        </a:custGeom>
-        <a:noFill/>
-        <a:ln w="25400" cap="flat" cmpd="sng" algn="ctr">
-          <a:solidFill>
-            <a:schemeClr val="accent1">
-              <a:shade val="60000"/>
-              <a:hueOff val="0"/>
-              <a:satOff val="0"/>
-              <a:lumOff val="0"/>
-              <a:alphaOff val="0"/>
-            </a:schemeClr>
-          </a:solidFill>
-          <a:prstDash val="solid"/>
-        </a:ln>
-        <a:effectLst/>
-      </dsp:spPr>
-      <dsp:style>
-        <a:lnRef idx="2">
-          <a:scrgbClr r="0" g="0" b="0"/>
-        </a:lnRef>
-        <a:fillRef idx="0">
-          <a:scrgbClr r="0" g="0" b="0"/>
-        </a:fillRef>
-        <a:effectRef idx="0">
-          <a:scrgbClr r="0" g="0" b="0"/>
-        </a:effectRef>
-        <a:fontRef idx="minor"/>
-      </dsp:style>
-    </dsp:sp>
-    <dsp:sp modelId="{4F1D4343-F068-4E09-A4D6-84538D008E3A}">
-      <dsp:nvSpPr>
-        <dsp:cNvPr id="0" name=""/>
-        <dsp:cNvSpPr/>
-      </dsp:nvSpPr>
-      <dsp:spPr>
-        <a:xfrm>
-          <a:off x="5672438" y="2556193"/>
-          <a:ext cx="1718961" cy="1049002"/>
-        </a:xfrm>
-        <a:prstGeom prst="roundRect">
-          <a:avLst/>
-        </a:prstGeom>
-        <a:solidFill>
-          <a:schemeClr val="accent1">
-            <a:hueOff val="0"/>
-            <a:satOff val="0"/>
-            <a:lumOff val="0"/>
-            <a:alphaOff val="0"/>
-          </a:schemeClr>
-        </a:solidFill>
-        <a:ln w="25400" cap="flat" cmpd="sng" algn="ctr">
-          <a:solidFill>
-            <a:schemeClr val="lt1">
-              <a:hueOff val="0"/>
-              <a:satOff val="0"/>
-              <a:lumOff val="0"/>
-              <a:alphaOff val="0"/>
-            </a:schemeClr>
-          </a:solidFill>
-          <a:prstDash val="solid"/>
-        </a:ln>
-        <a:effectLst/>
-      </dsp:spPr>
-      <dsp:style>
-        <a:lnRef idx="2">
-          <a:scrgbClr r="0" g="0" b="0"/>
-        </a:lnRef>
-        <a:fillRef idx="1">
-          <a:scrgbClr r="0" g="0" b="0"/>
-        </a:fillRef>
-        <a:effectRef idx="0">
-          <a:scrgbClr r="0" g="0" b="0"/>
-        </a:effectRef>
-        <a:fontRef idx="minor">
-          <a:schemeClr val="lt1"/>
-        </a:fontRef>
-      </dsp:style>
-      <dsp:txBody>
-        <a:bodyPr spcFirstLastPara="0" vert="horz" wrap="square" lIns="71120" tIns="71120" rIns="71120" bIns="71120" numCol="1" spcCol="1270" anchor="ctr" anchorCtr="0">
-          <a:noAutofit/>
-        </a:bodyPr>
-        <a:lstStyle/>
-        <a:p>
-          <a:pPr lvl="0" algn="ctr" defTabSz="1244600">
-            <a:lnSpc>
-              <a:spcPct val="90000"/>
-            </a:lnSpc>
-            <a:spcBef>
-              <a:spcPct val="0"/>
-            </a:spcBef>
-            <a:spcAft>
-              <a:spcPct val="35000"/>
-            </a:spcAft>
-          </a:pPr>
-          <a:r>
-            <a:rPr lang="en-US" sz="2800" kern="1200" dirty="0" smtClean="0"/>
-            <a:t>Real-Time operation</a:t>
-          </a:r>
-          <a:endParaRPr lang="en-US" sz="2800" kern="1200" dirty="0"/>
-        </a:p>
-      </dsp:txBody>
-      <dsp:txXfrm>
-        <a:off x="5723646" y="2607401"/>
-        <a:ext cx="1616545" cy="946586"/>
-      </dsp:txXfrm>
-    </dsp:sp>
-    <dsp:sp modelId="{F3A44B51-B4D8-4EB5-89F7-4849638C9113}">
-      <dsp:nvSpPr>
-        <dsp:cNvPr id="0" name=""/>
-        <dsp:cNvSpPr/>
-      </dsp:nvSpPr>
-      <dsp:spPr>
-        <a:xfrm rot="2754439">
-          <a:off x="4412172" y="3557465"/>
-          <a:ext cx="542732" cy="0"/>
-        </a:xfrm>
-        <a:custGeom>
-          <a:avLst/>
-          <a:gdLst/>
-          <a:ahLst/>
-          <a:cxnLst/>
-          <a:rect l="0" t="0" r="0" b="0"/>
-          <a:pathLst>
-            <a:path>
-              <a:moveTo>
-                <a:pt x="0" y="0"/>
-              </a:moveTo>
-              <a:lnTo>
-                <a:pt x="542732" y="0"/>
-              </a:lnTo>
-            </a:path>
-          </a:pathLst>
-        </a:custGeom>
-        <a:noFill/>
-        <a:ln w="25400" cap="flat" cmpd="sng" algn="ctr">
-          <a:solidFill>
-            <a:schemeClr val="accent1">
-              <a:shade val="60000"/>
-              <a:hueOff val="0"/>
-              <a:satOff val="0"/>
-              <a:lumOff val="0"/>
-              <a:alphaOff val="0"/>
-            </a:schemeClr>
-          </a:solidFill>
-          <a:prstDash val="solid"/>
-        </a:ln>
-        <a:effectLst/>
-      </dsp:spPr>
-      <dsp:style>
-        <a:lnRef idx="2">
-          <a:scrgbClr r="0" g="0" b="0"/>
-        </a:lnRef>
-        <a:fillRef idx="0">
-          <a:scrgbClr r="0" g="0" b="0"/>
-        </a:fillRef>
-        <a:effectRef idx="0">
-          <a:scrgbClr r="0" g="0" b="0"/>
-        </a:effectRef>
-        <a:fontRef idx="minor"/>
-      </dsp:style>
-    </dsp:sp>
-    <dsp:sp modelId="{6A9A5629-B80C-4D13-8A9A-8E0030CA29C6}">
-      <dsp:nvSpPr>
-        <dsp:cNvPr id="0" name=""/>
-        <dsp:cNvSpPr/>
-      </dsp:nvSpPr>
-      <dsp:spPr>
-        <a:xfrm>
-          <a:off x="4712018" y="3752364"/>
-          <a:ext cx="1459275" cy="1175235"/>
-        </a:xfrm>
-        <a:prstGeom prst="roundRect">
-          <a:avLst/>
-        </a:prstGeom>
-        <a:solidFill>
-          <a:schemeClr val="accent1">
-            <a:hueOff val="0"/>
-            <a:satOff val="0"/>
-            <a:lumOff val="0"/>
-            <a:alphaOff val="0"/>
-          </a:schemeClr>
-        </a:solidFill>
-        <a:ln w="25400" cap="flat" cmpd="sng" algn="ctr">
-          <a:solidFill>
-            <a:schemeClr val="lt1">
-              <a:hueOff val="0"/>
-              <a:satOff val="0"/>
-              <a:lumOff val="0"/>
-              <a:alphaOff val="0"/>
-            </a:schemeClr>
-          </a:solidFill>
-          <a:prstDash val="solid"/>
-        </a:ln>
-        <a:effectLst/>
-      </dsp:spPr>
-      <dsp:style>
-        <a:lnRef idx="2">
-          <a:scrgbClr r="0" g="0" b="0"/>
-        </a:lnRef>
-        <a:fillRef idx="1">
-          <a:scrgbClr r="0" g="0" b="0"/>
-        </a:fillRef>
-        <a:effectRef idx="0">
-          <a:scrgbClr r="0" g="0" b="0"/>
-        </a:effectRef>
-        <a:fontRef idx="minor">
-          <a:schemeClr val="lt1"/>
-        </a:fontRef>
-      </dsp:style>
-      <dsp:txBody>
-        <a:bodyPr spcFirstLastPara="0" vert="horz" wrap="square" lIns="48260" tIns="48260" rIns="48260" bIns="48260" numCol="1" spcCol="1270" anchor="ctr" anchorCtr="0">
-          <a:noAutofit/>
-        </a:bodyPr>
-        <a:lstStyle/>
-        <a:p>
-          <a:pPr lvl="0" algn="ctr" defTabSz="844550">
-            <a:lnSpc>
-              <a:spcPct val="90000"/>
-            </a:lnSpc>
-            <a:spcBef>
-              <a:spcPct val="0"/>
-            </a:spcBef>
-            <a:spcAft>
-              <a:spcPct val="35000"/>
-            </a:spcAft>
-          </a:pPr>
-          <a:r>
-            <a:rPr lang="en-US" sz="1900" kern="1200" dirty="0" smtClean="0"/>
-            <a:t>Dynamically unstable</a:t>
-          </a:r>
-          <a:endParaRPr lang="en-US" sz="1900" kern="1200" dirty="0"/>
-        </a:p>
-      </dsp:txBody>
-      <dsp:txXfrm>
-        <a:off x="4769388" y="3809734"/>
-        <a:ext cx="1344535" cy="1060495"/>
-      </dsp:txXfrm>
-    </dsp:sp>
-    <dsp:sp modelId="{0B933785-8F10-4908-A031-95865622E3A9}">
-      <dsp:nvSpPr>
-        <dsp:cNvPr id="0" name=""/>
-        <dsp:cNvSpPr/>
-      </dsp:nvSpPr>
-      <dsp:spPr>
-        <a:xfrm rot="7545836">
-          <a:off x="2506442" y="3649859"/>
-          <a:ext cx="708114" cy="0"/>
-        </a:xfrm>
-        <a:custGeom>
-          <a:avLst/>
-          <a:gdLst/>
-          <a:ahLst/>
-          <a:cxnLst/>
-          <a:rect l="0" t="0" r="0" b="0"/>
-          <a:pathLst>
-            <a:path>
-              <a:moveTo>
-                <a:pt x="0" y="0"/>
-              </a:moveTo>
-              <a:lnTo>
-                <a:pt x="708114" y="0"/>
-              </a:lnTo>
-            </a:path>
-          </a:pathLst>
-        </a:custGeom>
-        <a:noFill/>
-        <a:ln w="25400" cap="flat" cmpd="sng" algn="ctr">
-          <a:solidFill>
-            <a:schemeClr val="accent1">
-              <a:shade val="60000"/>
-              <a:hueOff val="0"/>
-              <a:satOff val="0"/>
-              <a:lumOff val="0"/>
-              <a:alphaOff val="0"/>
-            </a:schemeClr>
-          </a:solidFill>
-          <a:prstDash val="solid"/>
-        </a:ln>
-        <a:effectLst/>
-      </dsp:spPr>
-      <dsp:style>
-        <a:lnRef idx="2">
-          <a:scrgbClr r="0" g="0" b="0"/>
-        </a:lnRef>
-        <a:fillRef idx="0">
-          <a:scrgbClr r="0" g="0" b="0"/>
-        </a:fillRef>
-        <a:effectRef idx="0">
-          <a:scrgbClr r="0" g="0" b="0"/>
-        </a:effectRef>
-        <a:fontRef idx="minor"/>
-      </dsp:style>
-    </dsp:sp>
-    <dsp:sp modelId="{42C18C40-B4AA-446C-B562-40C2969136A5}">
-      <dsp:nvSpPr>
-        <dsp:cNvPr id="0" name=""/>
-        <dsp:cNvSpPr/>
-      </dsp:nvSpPr>
-      <dsp:spPr>
-        <a:xfrm>
-          <a:off x="1524477" y="3937152"/>
-          <a:ext cx="1544801" cy="990447"/>
-        </a:xfrm>
-        <a:prstGeom prst="roundRect">
-          <a:avLst/>
-        </a:prstGeom>
-        <a:solidFill>
-          <a:schemeClr val="accent1">
-            <a:hueOff val="0"/>
-            <a:satOff val="0"/>
-            <a:lumOff val="0"/>
-            <a:alphaOff val="0"/>
-          </a:schemeClr>
-        </a:solidFill>
-        <a:ln w="25400" cap="flat" cmpd="sng" algn="ctr">
-          <a:solidFill>
-            <a:schemeClr val="lt1">
-              <a:hueOff val="0"/>
-              <a:satOff val="0"/>
-              <a:lumOff val="0"/>
-              <a:alphaOff val="0"/>
-            </a:schemeClr>
-          </a:solidFill>
-          <a:prstDash val="solid"/>
-        </a:ln>
-        <a:effectLst/>
-      </dsp:spPr>
-      <dsp:style>
-        <a:lnRef idx="2">
-          <a:scrgbClr r="0" g="0" b="0"/>
-        </a:lnRef>
-        <a:fillRef idx="1">
-          <a:scrgbClr r="0" g="0" b="0"/>
-        </a:fillRef>
-        <a:effectRef idx="0">
-          <a:scrgbClr r="0" g="0" b="0"/>
-        </a:effectRef>
-        <a:fontRef idx="minor">
-          <a:schemeClr val="lt1"/>
-        </a:fontRef>
-      </dsp:style>
-      <dsp:txBody>
-        <a:bodyPr spcFirstLastPara="0" vert="horz" wrap="square" lIns="68580" tIns="68580" rIns="68580" bIns="68580" numCol="1" spcCol="1270" anchor="ctr" anchorCtr="0">
-          <a:noAutofit/>
-        </a:bodyPr>
-        <a:lstStyle/>
-        <a:p>
-          <a:pPr lvl="0" algn="ctr" defTabSz="1200150">
-            <a:lnSpc>
-              <a:spcPct val="90000"/>
-            </a:lnSpc>
-            <a:spcBef>
-              <a:spcPct val="0"/>
-            </a:spcBef>
-            <a:spcAft>
-              <a:spcPct val="35000"/>
-            </a:spcAft>
-          </a:pPr>
-          <a:r>
-            <a:rPr lang="en-US" sz="2700" kern="1200" dirty="0" smtClean="0"/>
-            <a:t>Discrete time</a:t>
-          </a:r>
-          <a:endParaRPr lang="en-US" sz="2700" kern="1200" dirty="0"/>
-        </a:p>
-      </dsp:txBody>
-      <dsp:txXfrm>
-        <a:off x="1572827" y="3985502"/>
-        <a:ext cx="1448101" cy="893747"/>
-      </dsp:txXfrm>
-    </dsp:sp>
-    <dsp:sp modelId="{B5E74FB8-825C-4828-9A1C-A241752DC65C}">
-      <dsp:nvSpPr>
-        <dsp:cNvPr id="0" name=""/>
-        <dsp:cNvSpPr/>
-      </dsp:nvSpPr>
-      <dsp:spPr>
-        <a:xfrm rot="10219785">
-          <a:off x="1633717" y="2785557"/>
-          <a:ext cx="939134" cy="0"/>
-        </a:xfrm>
-        <a:custGeom>
-          <a:avLst/>
-          <a:gdLst/>
-          <a:ahLst/>
-          <a:cxnLst/>
-          <a:rect l="0" t="0" r="0" b="0"/>
-          <a:pathLst>
-            <a:path>
-              <a:moveTo>
-                <a:pt x="0" y="0"/>
-              </a:moveTo>
-              <a:lnTo>
-                <a:pt x="939134" y="0"/>
-              </a:lnTo>
-            </a:path>
-          </a:pathLst>
-        </a:custGeom>
-        <a:noFill/>
-        <a:ln w="25400" cap="flat" cmpd="sng" algn="ctr">
-          <a:solidFill>
-            <a:schemeClr val="accent1">
-              <a:shade val="60000"/>
-              <a:hueOff val="0"/>
-              <a:satOff val="0"/>
-              <a:lumOff val="0"/>
-              <a:alphaOff val="0"/>
-            </a:schemeClr>
-          </a:solidFill>
-          <a:prstDash val="solid"/>
-        </a:ln>
-        <a:effectLst/>
-      </dsp:spPr>
-      <dsp:style>
-        <a:lnRef idx="2">
-          <a:scrgbClr r="0" g="0" b="0"/>
-        </a:lnRef>
-        <a:fillRef idx="0">
-          <a:scrgbClr r="0" g="0" b="0"/>
-        </a:fillRef>
-        <a:effectRef idx="0">
-          <a:scrgbClr r="0" g="0" b="0"/>
-        </a:effectRef>
-        <a:fontRef idx="minor"/>
-      </dsp:style>
-    </dsp:sp>
-    <dsp:sp modelId="{946220FF-E030-4205-92BF-46A67B7F2879}">
-      <dsp:nvSpPr>
-        <dsp:cNvPr id="0" name=""/>
-        <dsp:cNvSpPr/>
-      </dsp:nvSpPr>
-      <dsp:spPr>
-        <a:xfrm>
-          <a:off x="0" y="2463796"/>
-          <a:ext cx="1640389" cy="1080796"/>
-        </a:xfrm>
-        <a:prstGeom prst="roundRect">
-          <a:avLst/>
-        </a:prstGeom>
-        <a:solidFill>
-          <a:schemeClr val="accent1">
-            <a:hueOff val="0"/>
-            <a:satOff val="0"/>
-            <a:lumOff val="0"/>
-            <a:alphaOff val="0"/>
-          </a:schemeClr>
-        </a:solidFill>
-        <a:ln w="25400" cap="flat" cmpd="sng" algn="ctr">
-          <a:solidFill>
-            <a:schemeClr val="lt1">
-              <a:hueOff val="0"/>
-              <a:satOff val="0"/>
-              <a:lumOff val="0"/>
-              <a:alphaOff val="0"/>
-            </a:schemeClr>
-          </a:solidFill>
-          <a:prstDash val="solid"/>
-        </a:ln>
-        <a:effectLst/>
-      </dsp:spPr>
-      <dsp:style>
-        <a:lnRef idx="2">
-          <a:scrgbClr r="0" g="0" b="0"/>
-        </a:lnRef>
-        <a:fillRef idx="1">
-          <a:scrgbClr r="0" g="0" b="0"/>
-        </a:fillRef>
-        <a:effectRef idx="0">
-          <a:scrgbClr r="0" g="0" b="0"/>
-        </a:effectRef>
-        <a:fontRef idx="minor">
-          <a:schemeClr val="lt1"/>
-        </a:fontRef>
-      </dsp:style>
-      <dsp:txBody>
-        <a:bodyPr spcFirstLastPara="0" vert="horz" wrap="square" lIns="53340" tIns="53340" rIns="53340" bIns="53340" numCol="1" spcCol="1270" anchor="ctr" anchorCtr="0">
-          <a:noAutofit/>
-        </a:bodyPr>
-        <a:lstStyle/>
-        <a:p>
-          <a:pPr lvl="0" algn="ctr" defTabSz="933450">
-            <a:lnSpc>
-              <a:spcPct val="90000"/>
-            </a:lnSpc>
-            <a:spcBef>
-              <a:spcPct val="0"/>
-            </a:spcBef>
-            <a:spcAft>
-              <a:spcPct val="35000"/>
-            </a:spcAft>
-          </a:pPr>
-          <a:r>
-            <a:rPr lang="en-US" sz="2100" kern="1200" dirty="0" smtClean="0"/>
-            <a:t>Autonomous</a:t>
-          </a:r>
-          <a:endParaRPr lang="en-US" sz="2100" kern="1200" dirty="0"/>
-        </a:p>
-      </dsp:txBody>
-      <dsp:txXfrm>
-        <a:off x="52760" y="2516556"/>
-        <a:ext cx="1534869" cy="975276"/>
-      </dsp:txXfrm>
-    </dsp:sp>
-    <dsp:sp modelId="{FB5C7847-0F50-42C0-A98F-6F92FFC53D0B}">
-      <dsp:nvSpPr>
-        <dsp:cNvPr id="0" name=""/>
-        <dsp:cNvSpPr/>
-      </dsp:nvSpPr>
-      <dsp:spPr>
-        <a:xfrm rot="12627653">
-          <a:off x="1831285" y="1664725"/>
-          <a:ext cx="789369" cy="0"/>
-        </a:xfrm>
-        <a:custGeom>
-          <a:avLst/>
-          <a:gdLst/>
-          <a:ahLst/>
-          <a:cxnLst/>
-          <a:rect l="0" t="0" r="0" b="0"/>
-          <a:pathLst>
-            <a:path>
-              <a:moveTo>
-                <a:pt x="0" y="0"/>
-              </a:moveTo>
-              <a:lnTo>
-                <a:pt x="789369" y="0"/>
-              </a:lnTo>
-            </a:path>
-          </a:pathLst>
-        </a:custGeom>
-        <a:noFill/>
-        <a:ln w="25400" cap="flat" cmpd="sng" algn="ctr">
-          <a:solidFill>
-            <a:schemeClr val="accent1">
-              <a:shade val="60000"/>
-              <a:hueOff val="0"/>
-              <a:satOff val="0"/>
-              <a:lumOff val="0"/>
-              <a:alphaOff val="0"/>
-            </a:schemeClr>
-          </a:solidFill>
-          <a:prstDash val="solid"/>
-        </a:ln>
-        <a:effectLst/>
-      </dsp:spPr>
-      <dsp:style>
-        <a:lnRef idx="2">
-          <a:scrgbClr r="0" g="0" b="0"/>
-        </a:lnRef>
-        <a:fillRef idx="0">
-          <a:scrgbClr r="0" g="0" b="0"/>
-        </a:fillRef>
-        <a:effectRef idx="0">
-          <a:scrgbClr r="0" g="0" b="0"/>
-        </a:effectRef>
-        <a:fontRef idx="minor"/>
-      </dsp:style>
-    </dsp:sp>
-    <dsp:sp modelId="{47177BF1-5F2D-48EF-8497-21FE3FD9FE79}">
-      <dsp:nvSpPr>
-        <dsp:cNvPr id="0" name=""/>
-        <dsp:cNvSpPr/>
-      </dsp:nvSpPr>
-      <dsp:spPr>
-        <a:xfrm>
-          <a:off x="369564" y="523559"/>
-          <a:ext cx="1516196" cy="990447"/>
-        </a:xfrm>
-        <a:prstGeom prst="roundRect">
-          <a:avLst/>
-        </a:prstGeom>
-        <a:solidFill>
-          <a:schemeClr val="accent1">
-            <a:hueOff val="0"/>
-            <a:satOff val="0"/>
-            <a:lumOff val="0"/>
-            <a:alphaOff val="0"/>
-          </a:schemeClr>
-        </a:solidFill>
-        <a:ln w="25400" cap="flat" cmpd="sng" algn="ctr">
-          <a:solidFill>
-            <a:schemeClr val="lt1">
-              <a:hueOff val="0"/>
-              <a:satOff val="0"/>
-              <a:lumOff val="0"/>
-              <a:alphaOff val="0"/>
-            </a:schemeClr>
-          </a:solidFill>
-          <a:prstDash val="solid"/>
-        </a:ln>
-        <a:effectLst/>
-      </dsp:spPr>
-      <dsp:style>
-        <a:lnRef idx="2">
-          <a:scrgbClr r="0" g="0" b="0"/>
-        </a:lnRef>
-        <a:fillRef idx="1">
-          <a:scrgbClr r="0" g="0" b="0"/>
-        </a:fillRef>
-        <a:effectRef idx="0">
-          <a:scrgbClr r="0" g="0" b="0"/>
-        </a:effectRef>
-        <a:fontRef idx="minor">
-          <a:schemeClr val="lt1"/>
-        </a:fontRef>
-      </dsp:style>
-      <dsp:txBody>
-        <a:bodyPr spcFirstLastPara="0" vert="horz" wrap="square" lIns="50800" tIns="50800" rIns="50800" bIns="50800" numCol="1" spcCol="1270" anchor="ctr" anchorCtr="0">
-          <a:noAutofit/>
-        </a:bodyPr>
-        <a:lstStyle/>
-        <a:p>
-          <a:pPr lvl="0" algn="ctr" defTabSz="889000">
-            <a:lnSpc>
-              <a:spcPct val="90000"/>
-            </a:lnSpc>
-            <a:spcBef>
-              <a:spcPct val="0"/>
-            </a:spcBef>
-            <a:spcAft>
-              <a:spcPct val="35000"/>
-            </a:spcAft>
-          </a:pPr>
-          <a:r>
-            <a:rPr lang="en-US" sz="2000" kern="1200" dirty="0" smtClean="0"/>
-            <a:t>Controllable system</a:t>
-          </a:r>
-          <a:endParaRPr lang="en-US" sz="2000" kern="1200" dirty="0"/>
-        </a:p>
-      </dsp:txBody>
-      <dsp:txXfrm>
-        <a:off x="417914" y="571909"/>
-        <a:ext cx="1419496" cy="893747"/>
-      </dsp:txXfrm>
-    </dsp:sp>
   </dsp:spTree>
 </dsp:drawing>
 </file>
@@ -14172,11 +13170,7 @@
             <a:p>
               <a:r>
                 <a:rPr lang="en-US" sz="2000" b="1" dirty="0" smtClean="0"/>
-                <a:t>Total Cost: </a:t>
-              </a:r>
-              <a:r>
-                <a:rPr lang="en-US" sz="2000" b="1" dirty="0" smtClean="0"/>
-                <a:t>$4,740</a:t>
+                <a:t>Total Cost: $4,740</a:t>
               </a:r>
               <a:endParaRPr lang="en-US" sz="2000" baseline="30000" dirty="0"/>
             </a:p>
@@ -19127,7 +18121,11 @@
             <a:pPr algn="ctr"/>
             <a:r>
               <a:rPr lang="en-US" sz="2400" b="1" dirty="0" smtClean="0"/>
-              <a:t>Build a self-balancing robotic unicycle for National Instruments (NI), using as many NI components as possible</a:t>
+              <a:t>Build a self-balancing robotic unicycle for National Instruments (NI), using </a:t>
+            </a:r>
+            <a:r>
+              <a:rPr lang="en-US" sz="2400" b="1" dirty="0" smtClean="0"/>
+              <a:t>NI components where possible</a:t>
             </a:r>
             <a:endParaRPr lang="en-US" sz="2400" b="1" dirty="0"/>
           </a:p>
